--- a/Traffic Optimization Final Speech.pptx
+++ b/Traffic Optimization Final Speech.pptx
@@ -8,9 +8,11 @@
     <p:sldId id="256" r:id="rId2"/>
     <p:sldId id="257" r:id="rId3"/>
     <p:sldId id="258" r:id="rId4"/>
-    <p:sldId id="259" r:id="rId5"/>
-    <p:sldId id="260" r:id="rId6"/>
-    <p:sldId id="261" r:id="rId7"/>
+    <p:sldId id="262" r:id="rId5"/>
+    <p:sldId id="264" r:id="rId6"/>
+    <p:sldId id="263" r:id="rId7"/>
+    <p:sldId id="260" r:id="rId8"/>
+    <p:sldId id="261" r:id="rId9"/>
   </p:sldIdLst>
   <p:sldSz cx="12192000" cy="6858000"/>
   <p:notesSz cx="6858000" cy="9144000"/>
@@ -109,6 +111,11 @@
       </a:defRPr>
     </a:lvl9pPr>
   </p:defaultTextStyle>
+  <p:extLst>
+    <p:ext uri="{EFAFB233-063F-42B5-8137-9DF3F51BA10A}">
+      <p15:sldGuideLst xmlns:p15="http://schemas.microsoft.com/office/powerpoint/2012/main"/>
+    </p:ext>
+  </p:extLst>
 </p:presentation>
 </file>
 
@@ -835,7 +842,7 @@
             <a:fld id="{B61BEF0D-F0BB-DE4B-95CE-6DB70DBA9567}" type="datetimeFigureOut">
               <a:rPr lang="en-US" dirty="0"/>
               <a:pPr/>
-              <a:t>2/18/2021</a:t>
+              <a:t>2/19/2021</a:t>
             </a:fld>
             <a:endParaRPr lang="en-US" dirty="0"/>
           </a:p>
@@ -1083,7 +1090,7 @@
             <a:fld id="{B61BEF0D-F0BB-DE4B-95CE-6DB70DBA9567}" type="datetimeFigureOut">
               <a:rPr lang="en-US" dirty="0"/>
               <a:pPr/>
-              <a:t>2/18/2021</a:t>
+              <a:t>2/19/2021</a:t>
             </a:fld>
             <a:endParaRPr lang="en-US" dirty="0"/>
           </a:p>
@@ -1394,7 +1401,7 @@
             <a:fld id="{B61BEF0D-F0BB-DE4B-95CE-6DB70DBA9567}" type="datetimeFigureOut">
               <a:rPr lang="en-US" dirty="0"/>
               <a:pPr/>
-              <a:t>2/18/2021</a:t>
+              <a:t>2/19/2021</a:t>
             </a:fld>
             <a:endParaRPr lang="en-US" dirty="0"/>
           </a:p>
@@ -1732,7 +1739,7 @@
             <a:fld id="{B61BEF0D-F0BB-DE4B-95CE-6DB70DBA9567}" type="datetimeFigureOut">
               <a:rPr lang="en-US" dirty="0"/>
               <a:pPr/>
-              <a:t>2/18/2021</a:t>
+              <a:t>2/19/2021</a:t>
             </a:fld>
             <a:endParaRPr lang="en-US" dirty="0"/>
           </a:p>
@@ -2043,7 +2050,7 @@
             <a:fld id="{B61BEF0D-F0BB-DE4B-95CE-6DB70DBA9567}" type="datetimeFigureOut">
               <a:rPr lang="en-US" dirty="0"/>
               <a:pPr/>
-              <a:t>2/18/2021</a:t>
+              <a:t>2/19/2021</a:t>
             </a:fld>
             <a:endParaRPr lang="en-US" dirty="0"/>
           </a:p>
@@ -2433,7 +2440,7 @@
             <a:fld id="{B61BEF0D-F0BB-DE4B-95CE-6DB70DBA9567}" type="datetimeFigureOut">
               <a:rPr lang="en-US" dirty="0"/>
               <a:pPr/>
-              <a:t>2/18/2021</a:t>
+              <a:t>2/19/2021</a:t>
             </a:fld>
             <a:endParaRPr lang="en-US" dirty="0"/>
           </a:p>
@@ -2599,7 +2606,7 @@
           <a:p>
             <a:fld id="{55C6B4A9-1611-4792-9094-5F34BCA07E0B}" type="datetimeFigureOut">
               <a:rPr lang="en-US" dirty="0"/>
-              <a:t>2/18/2021</a:t>
+              <a:t>2/19/2021</a:t>
             </a:fld>
             <a:endParaRPr lang="en-US" dirty="0"/>
           </a:p>
@@ -2775,7 +2782,7 @@
             <a:fld id="{B61BEF0D-F0BB-DE4B-95CE-6DB70DBA9567}" type="datetimeFigureOut">
               <a:rPr lang="en-US" dirty="0"/>
               <a:pPr/>
-              <a:t>2/18/2021</a:t>
+              <a:t>2/19/2021</a:t>
             </a:fld>
             <a:endParaRPr lang="en-US" dirty="0"/>
           </a:p>
@@ -2898,19 +2905,25 @@
                 <a:ea typeface="맑은 고딕" panose="020B0503020000020004" pitchFamily="50" charset="-127"/>
               </a:defRPr>
             </a:lvl1pPr>
-            <a:lvl2pPr>
+            <a:lvl2pPr marL="800100" indent="-342900">
+              <a:buFont typeface="+mj-lt"/>
+              <a:buAutoNum type="arabicPeriod"/>
               <a:defRPr>
                 <a:latin typeface="맑은 고딕" panose="020B0503020000020004" pitchFamily="50" charset="-127"/>
                 <a:ea typeface="맑은 고딕" panose="020B0503020000020004" pitchFamily="50" charset="-127"/>
               </a:defRPr>
             </a:lvl2pPr>
-            <a:lvl3pPr>
+            <a:lvl3pPr marL="1257300" indent="-342900">
+              <a:buFont typeface="+mj-lt"/>
+              <a:buAutoNum type="arabicParenR"/>
               <a:defRPr>
                 <a:latin typeface="맑은 고딕" panose="020B0503020000020004" pitchFamily="50" charset="-127"/>
                 <a:ea typeface="맑은 고딕" panose="020B0503020000020004" pitchFamily="50" charset="-127"/>
               </a:defRPr>
             </a:lvl3pPr>
-            <a:lvl4pPr>
+            <a:lvl4pPr marL="1600200" indent="-228600">
+              <a:buFont typeface="Wingdings" panose="05000000000000000000" pitchFamily="2" charset="2"/>
+              <a:buChar char="l"/>
               <a:defRPr>
                 <a:latin typeface="맑은 고딕" panose="020B0503020000020004" pitchFamily="50" charset="-127"/>
                 <a:ea typeface="맑은 고딕" panose="020B0503020000020004" pitchFamily="50" charset="-127"/>
@@ -2979,7 +2992,7 @@
             <a:fld id="{B61BEF0D-F0BB-DE4B-95CE-6DB70DBA9567}" type="datetimeFigureOut">
               <a:rPr lang="en-US" dirty="0"/>
               <a:pPr/>
-              <a:t>2/18/2021</a:t>
+              <a:t>2/19/2021</a:t>
             </a:fld>
             <a:endParaRPr lang="en-US" dirty="0"/>
           </a:p>
@@ -3223,7 +3236,7 @@
             <a:fld id="{B61BEF0D-F0BB-DE4B-95CE-6DB70DBA9567}" type="datetimeFigureOut">
               <a:rPr lang="en-US" dirty="0"/>
               <a:pPr/>
-              <a:t>2/18/2021</a:t>
+              <a:t>2/19/2021</a:t>
             </a:fld>
             <a:endParaRPr lang="en-US" dirty="0"/>
           </a:p>
@@ -3451,7 +3464,7 @@
           <a:p>
             <a:fld id="{EB712588-04B1-427B-82EE-E8DB90309F08}" type="datetimeFigureOut">
               <a:rPr lang="en-US" dirty="0"/>
-              <a:t>2/18/2021</a:t>
+              <a:t>2/19/2021</a:t>
             </a:fld>
             <a:endParaRPr lang="en-US" dirty="0"/>
           </a:p>
@@ -3821,7 +3834,7 @@
             <a:fld id="{B61BEF0D-F0BB-DE4B-95CE-6DB70DBA9567}" type="datetimeFigureOut">
               <a:rPr lang="en-US" dirty="0"/>
               <a:pPr/>
-              <a:t>2/18/2021</a:t>
+              <a:t>2/19/2021</a:t>
             </a:fld>
             <a:endParaRPr lang="en-US" dirty="0"/>
           </a:p>
@@ -3941,7 +3954,7 @@
             <a:fld id="{B61BEF0D-F0BB-DE4B-95CE-6DB70DBA9567}" type="datetimeFigureOut">
               <a:rPr lang="en-US" dirty="0"/>
               <a:pPr/>
-              <a:t>2/18/2021</a:t>
+              <a:t>2/19/2021</a:t>
             </a:fld>
             <a:endParaRPr lang="en-US" dirty="0"/>
           </a:p>
@@ -4033,7 +4046,7 @@
             <a:fld id="{B61BEF0D-F0BB-DE4B-95CE-6DB70DBA9567}" type="datetimeFigureOut">
               <a:rPr lang="en-US" dirty="0"/>
               <a:pPr/>
-              <a:t>2/18/2021</a:t>
+              <a:t>2/19/2021</a:t>
             </a:fld>
             <a:endParaRPr lang="en-US" dirty="0"/>
           </a:p>
@@ -4284,7 +4297,7 @@
           <a:p>
             <a:fld id="{42A54C80-263E-416B-A8E0-580EDEADCBDC}" type="datetimeFigureOut">
               <a:rPr lang="en-US" dirty="0"/>
-              <a:t>2/18/2021</a:t>
+              <a:t>2/19/2021</a:t>
             </a:fld>
             <a:endParaRPr lang="en-US" dirty="0"/>
           </a:p>
@@ -4543,7 +4556,7 @@
             <a:fld id="{B61BEF0D-F0BB-DE4B-95CE-6DB70DBA9567}" type="datetimeFigureOut">
               <a:rPr lang="en-US" dirty="0"/>
               <a:pPr/>
-              <a:t>2/18/2021</a:t>
+              <a:t>2/19/2021</a:t>
             </a:fld>
             <a:endParaRPr lang="en-US" dirty="0"/>
           </a:p>
@@ -5283,7 +5296,7 @@
             <a:fld id="{B61BEF0D-F0BB-DE4B-95CE-6DB70DBA9567}" type="datetimeFigureOut">
               <a:rPr lang="en-US" dirty="0"/>
               <a:pPr/>
-              <a:t>2/18/2021</a:t>
+              <a:t>2/19/2021</a:t>
             </a:fld>
             <a:endParaRPr lang="en-US" dirty="0"/>
           </a:p>
@@ -5853,6 +5866,10 @@
           <a:lstStyle/>
           <a:p>
             <a:r>
+              <a:rPr lang="en-US" altLang="ko-KR" dirty="0"/>
+              <a:t>ETRI</a:t>
+            </a:r>
+            <a:r>
               <a:rPr lang="ko-KR" altLang="en-US" dirty="0"/>
               <a:t>연구연수생 강민수</a:t>
             </a:r>
@@ -5911,9 +5928,10 @@
           <a:lstStyle/>
           <a:p>
             <a:r>
-              <a:rPr lang="ko-KR" altLang="en-US" dirty="0"/>
-              <a:t>순서</a:t>
-            </a:r>
+              <a:rPr lang="en-US" altLang="ko-KR" dirty="0"/>
+              <a:t>Contents</a:t>
+            </a:r>
+            <a:endParaRPr lang="ko-KR" altLang="en-US" dirty="0"/>
           </a:p>
         </p:txBody>
       </p:sp>
@@ -5939,10 +5957,110 @@
           <a:lstStyle/>
           <a:p>
             <a:r>
-              <a:rPr lang="en-US" altLang="ko-KR"/>
+              <a:rPr lang="en-US" altLang="ko-KR" dirty="0"/>
+              <a:t>Current Model</a:t>
+            </a:r>
+          </a:p>
+          <a:p>
+            <a:pPr lvl="1"/>
+            <a:r>
+              <a:rPr lang="en-US" altLang="ko-KR" dirty="0"/>
+              <a:t>3x3Grid Single-Agent Model without Restraints(Depreciated)</a:t>
+            </a:r>
+          </a:p>
+          <a:p>
+            <a:pPr lvl="1"/>
+            <a:r>
+              <a:rPr lang="en-US" altLang="ko-KR" dirty="0"/>
+              <a:t>3x3Grid Decentralized Model</a:t>
+            </a:r>
+            <a:r>
+              <a:rPr lang="ko-KR" altLang="en-US" dirty="0"/>
               <a:t> </a:t>
             </a:r>
-            <a:endParaRPr lang="ko-KR" altLang="en-US"/>
+            <a:r>
+              <a:rPr lang="en-US" altLang="ko-KR" dirty="0"/>
+              <a:t>without Restraints(Depreciated)</a:t>
+            </a:r>
+          </a:p>
+          <a:p>
+            <a:pPr lvl="1"/>
+            <a:r>
+              <a:rPr lang="en-US" altLang="ko-KR" dirty="0"/>
+              <a:t>3x3Grid Decentralized</a:t>
+            </a:r>
+            <a:r>
+              <a:rPr lang="ko-KR" altLang="en-US" dirty="0"/>
+              <a:t> </a:t>
+            </a:r>
+            <a:r>
+              <a:rPr lang="en-US" altLang="ko-KR" dirty="0"/>
+              <a:t>Model</a:t>
+            </a:r>
+            <a:r>
+              <a:rPr lang="ko-KR" altLang="en-US" dirty="0"/>
+              <a:t> </a:t>
+            </a:r>
+            <a:r>
+              <a:rPr lang="en-US" altLang="ko-KR" dirty="0"/>
+              <a:t>with Practical</a:t>
+            </a:r>
+            <a:r>
+              <a:rPr lang="ko-KR" altLang="en-US" dirty="0"/>
+              <a:t> </a:t>
+            </a:r>
+            <a:r>
+              <a:rPr lang="en-US" altLang="ko-KR" dirty="0"/>
+              <a:t>Restraints</a:t>
+            </a:r>
+          </a:p>
+          <a:p>
+            <a:pPr lvl="1"/>
+            <a:r>
+              <a:rPr lang="en-US" altLang="ko-KR" dirty="0" err="1"/>
+              <a:t>Dunsan</a:t>
+            </a:r>
+            <a:r>
+              <a:rPr lang="en-US" altLang="ko-KR" dirty="0"/>
+              <a:t> Decentralized Model with Practical Restraints</a:t>
+            </a:r>
+          </a:p>
+          <a:p>
+            <a:pPr lvl="1"/>
+            <a:r>
+              <a:rPr lang="en-US" altLang="ko-KR" dirty="0" err="1"/>
+              <a:t>Dunsan</a:t>
+            </a:r>
+            <a:r>
+              <a:rPr lang="en-US" altLang="ko-KR" dirty="0"/>
+              <a:t> Decentralized CNN Model with Practical Restraints</a:t>
+            </a:r>
+          </a:p>
+          <a:p>
+            <a:pPr lvl="1"/>
+            <a:endParaRPr lang="en-US" altLang="ko-KR" dirty="0"/>
+          </a:p>
+          <a:p>
+            <a:r>
+              <a:rPr lang="en-US" altLang="ko-KR" dirty="0"/>
+              <a:t>Upcoming</a:t>
+            </a:r>
+            <a:r>
+              <a:rPr lang="ko-KR" altLang="en-US" dirty="0"/>
+              <a:t> </a:t>
+            </a:r>
+            <a:r>
+              <a:rPr lang="en-US" altLang="ko-KR" dirty="0"/>
+              <a:t>Model</a:t>
+            </a:r>
+          </a:p>
+          <a:p>
+            <a:pPr lvl="1"/>
+            <a:r>
+              <a:rPr lang="en-US" altLang="ko-KR" dirty="0"/>
+              <a:t>Continuous Action Model with practical restraints</a:t>
+            </a:r>
+            <a:endParaRPr lang="ko-KR" altLang="en-US" dirty="0"/>
           </a:p>
         </p:txBody>
       </p:sp>
@@ -5994,10 +6112,22 @@
         </p:nvSpPr>
         <p:spPr/>
         <p:txBody>
-          <a:bodyPr/>
-          <a:lstStyle/>
-          <a:p>
-            <a:endParaRPr lang="ko-KR" altLang="en-US"/>
+          <a:bodyPr>
+            <a:normAutofit fontScale="90000"/>
+          </a:bodyPr>
+          <a:lstStyle/>
+          <a:p>
+            <a:r>
+              <a:rPr lang="en-US" altLang="ko-KR" dirty="0"/>
+              <a:t>3x3Grid Single-Agent/Decentralized Model </a:t>
+            </a:r>
+            <a:br>
+              <a:rPr lang="en-US" altLang="ko-KR" dirty="0"/>
+            </a:br>
+            <a:r>
+              <a:rPr lang="en-US" altLang="ko-KR" dirty="0"/>
+              <a:t>without Restraints(Depreciated)</a:t>
+            </a:r>
           </a:p>
         </p:txBody>
       </p:sp>
@@ -6019,10 +6149,76 @@
         </p:nvSpPr>
         <p:spPr/>
         <p:txBody>
-          <a:bodyPr/>
-          <a:lstStyle/>
-          <a:p>
-            <a:endParaRPr lang="ko-KR" altLang="en-US"/>
+          <a:bodyPr>
+            <a:normAutofit/>
+          </a:bodyPr>
+          <a:lstStyle/>
+          <a:p>
+            <a:r>
+              <a:rPr lang="en-US" altLang="ko-KR" dirty="0"/>
+              <a:t>Condition (seed fixed)</a:t>
+            </a:r>
+          </a:p>
+          <a:p>
+            <a:pPr lvl="1"/>
+            <a:r>
+              <a:rPr lang="en-US" altLang="ko-KR" dirty="0"/>
+              <a:t>Generating probability 0.133 (left, right), 0.388 (up, down)</a:t>
+            </a:r>
+          </a:p>
+          <a:p>
+            <a:pPr lvl="1"/>
+            <a:r>
+              <a:rPr lang="en-US" altLang="ko-KR" dirty="0"/>
+              <a:t>Restricted direction of vehicles(via)/Not restricted direction(no via)</a:t>
+            </a:r>
+          </a:p>
+          <a:p>
+            <a:pPr lvl="1"/>
+            <a:r>
+              <a:rPr lang="en-US" altLang="ko-KR" dirty="0"/>
+              <a:t>Central agent(n_1_1), 9 Agents(decentralized)</a:t>
+            </a:r>
+          </a:p>
+          <a:p>
+            <a:r>
+              <a:rPr lang="en-US" altLang="ko-KR" dirty="0"/>
+              <a:t>State</a:t>
+            </a:r>
+          </a:p>
+          <a:p>
+            <a:pPr lvl="1"/>
+            <a:r>
+              <a:rPr lang="en-US" altLang="ko-KR" dirty="0"/>
+              <a:t>The number of inflow vehicles from each inflow edge(left, straight)</a:t>
+            </a:r>
+          </a:p>
+          <a:p>
+            <a:r>
+              <a:rPr lang="en-US" altLang="ko-KR" dirty="0"/>
+              <a:t>Action</a:t>
+            </a:r>
+          </a:p>
+          <a:p>
+            <a:pPr lvl="1"/>
+            <a:r>
+              <a:rPr lang="en-US" altLang="ko-KR" dirty="0"/>
+              <a:t>Deciding next phase(without an order), every 20s (with all yellow 3 seconds)</a:t>
+            </a:r>
+          </a:p>
+          <a:p>
+            <a:r>
+              <a:rPr lang="en-US" altLang="ko-KR" dirty="0"/>
+              <a:t>Reward</a:t>
+            </a:r>
+          </a:p>
+          <a:p>
+            <a:pPr lvl="1"/>
+            <a:r>
+              <a:rPr lang="en-US" altLang="ko-KR" dirty="0"/>
+              <a:t>Penalty on Pressure (= inflow-outflow)</a:t>
+            </a:r>
+            <a:endParaRPr lang="ko-KR" altLang="en-US" dirty="0"/>
           </a:p>
         </p:txBody>
       </p:sp>
@@ -6061,7 +6257,7 @@
           <p:cNvPr id="2" name="제목 1">
             <a:extLst>
               <a:ext uri="{FF2B5EF4-FFF2-40B4-BE49-F238E27FC236}">
-                <a16:creationId xmlns:a16="http://schemas.microsoft.com/office/drawing/2014/main" id="{4E4AAB63-CC1C-4BAB-A136-689F1ACD5FE2}"/>
+                <a16:creationId xmlns:a16="http://schemas.microsoft.com/office/drawing/2014/main" id="{5EC3463D-3872-418C-A232-DE2713D8CB7C}"/>
               </a:ext>
             </a:extLst>
           </p:cNvPr>
@@ -6077,7 +6273,11 @@
           <a:bodyPr/>
           <a:lstStyle/>
           <a:p>
-            <a:endParaRPr lang="ko-KR" altLang="en-US"/>
+            <a:r>
+              <a:rPr lang="en-US" altLang="ko-KR" dirty="0"/>
+              <a:t>Comparison between Simulation &amp; Single Agent</a:t>
+            </a:r>
+            <a:endParaRPr lang="ko-KR" altLang="en-US" dirty="0"/>
           </a:p>
         </p:txBody>
       </p:sp>
@@ -6086,7 +6286,7 @@
           <p:cNvPr id="3" name="내용 개체 틀 2">
             <a:extLst>
               <a:ext uri="{FF2B5EF4-FFF2-40B4-BE49-F238E27FC236}">
-                <a16:creationId xmlns:a16="http://schemas.microsoft.com/office/drawing/2014/main" id="{C3F75A39-6FE0-4639-8671-F376709BC007}"/>
+                <a16:creationId xmlns:a16="http://schemas.microsoft.com/office/drawing/2014/main" id="{18AE2222-7B50-483F-8847-47058984648F}"/>
               </a:ext>
             </a:extLst>
           </p:cNvPr>
@@ -6102,14 +6302,362 @@
           <a:bodyPr/>
           <a:lstStyle/>
           <a:p>
+            <a:r>
+              <a:rPr lang="en-US" altLang="ko-KR" dirty="0"/>
+              <a:t>Simulation 0.133 (left, right), 0.388 (up, down), phase 42(G), 3(Y)</a:t>
+            </a:r>
+          </a:p>
+          <a:p>
+            <a:pPr lvl="1"/>
+            <a:r>
+              <a:rPr lang="en-US" altLang="ko-KR" dirty="0"/>
+              <a:t>The number of arrived number: 8295 (no via), 8794 (via)</a:t>
+            </a:r>
+          </a:p>
+          <a:p>
+            <a:r>
+              <a:rPr lang="en-US" altLang="ko-KR" dirty="0"/>
+              <a:t>Experiment(Single-Agent Model)</a:t>
+            </a:r>
+          </a:p>
+          <a:p>
+            <a:pPr lvl="1"/>
+            <a:r>
+              <a:rPr lang="en-US" altLang="ko-KR" dirty="0"/>
+              <a:t>The number of average arrived number: 9060 (no via), 9281 (via)</a:t>
+            </a:r>
+          </a:p>
+          <a:p>
+            <a:pPr lvl="1"/>
+            <a:endParaRPr lang="en-US" altLang="ko-KR" dirty="0"/>
+          </a:p>
+          <a:p>
+            <a:pPr lvl="1"/>
+            <a:endParaRPr lang="ko-KR" altLang="en-US" dirty="0"/>
+          </a:p>
+        </p:txBody>
+      </p:sp>
+      <p:pic>
+        <p:nvPicPr>
+          <p:cNvPr id="5" name="그림 4">
+            <a:extLst>
+              <a:ext uri="{FF2B5EF4-FFF2-40B4-BE49-F238E27FC236}">
+                <a16:creationId xmlns:a16="http://schemas.microsoft.com/office/drawing/2014/main" id="{13ADE9BD-6737-478A-842C-B44580978367}"/>
+              </a:ext>
+            </a:extLst>
+          </p:cNvPr>
+          <p:cNvPicPr>
+            <a:picLocks noChangeAspect="1"/>
+          </p:cNvPicPr>
+          <p:nvPr/>
+        </p:nvPicPr>
+        <p:blipFill rotWithShape="1">
+          <a:blip r:embed="rId2"/>
+          <a:srcRect r="66832"/>
+          <a:stretch/>
+        </p:blipFill>
+        <p:spPr>
+          <a:xfrm>
+            <a:off x="784959" y="3875468"/>
+            <a:ext cx="2604193" cy="2194656"/>
+          </a:xfrm>
+          <a:prstGeom prst="rect">
+            <a:avLst/>
+          </a:prstGeom>
+        </p:spPr>
+      </p:pic>
+      <p:pic>
+        <p:nvPicPr>
+          <p:cNvPr id="6" name="그림 5">
+            <a:extLst>
+              <a:ext uri="{FF2B5EF4-FFF2-40B4-BE49-F238E27FC236}">
+                <a16:creationId xmlns:a16="http://schemas.microsoft.com/office/drawing/2014/main" id="{89797318-B79E-4687-A387-4356B06694B3}"/>
+              </a:ext>
+            </a:extLst>
+          </p:cNvPr>
+          <p:cNvPicPr>
+            <a:picLocks noChangeAspect="1"/>
+          </p:cNvPicPr>
+          <p:nvPr/>
+        </p:nvPicPr>
+        <p:blipFill rotWithShape="1">
+          <a:blip r:embed="rId2"/>
+          <a:srcRect l="65500" r="462"/>
+          <a:stretch/>
+        </p:blipFill>
+        <p:spPr>
+          <a:xfrm>
+            <a:off x="3496777" y="3816744"/>
+            <a:ext cx="2599223" cy="2134503"/>
+          </a:xfrm>
+          <a:prstGeom prst="rect">
+            <a:avLst/>
+          </a:prstGeom>
+        </p:spPr>
+      </p:pic>
+      <p:pic>
+        <p:nvPicPr>
+          <p:cNvPr id="7" name="그림 6">
+            <a:extLst>
+              <a:ext uri="{FF2B5EF4-FFF2-40B4-BE49-F238E27FC236}">
+                <a16:creationId xmlns:a16="http://schemas.microsoft.com/office/drawing/2014/main" id="{84B9553B-4A3B-4D0C-8C57-37273168DDFF}"/>
+              </a:ext>
+            </a:extLst>
+          </p:cNvPr>
+          <p:cNvPicPr>
+            <a:picLocks noChangeAspect="1"/>
+          </p:cNvPicPr>
+          <p:nvPr/>
+        </p:nvPicPr>
+        <p:blipFill>
+          <a:blip r:embed="rId3"/>
+          <a:stretch>
+            <a:fillRect/>
+          </a:stretch>
+        </p:blipFill>
+        <p:spPr>
+          <a:xfrm>
+            <a:off x="6203625" y="3816744"/>
+            <a:ext cx="2877075" cy="2666976"/>
+          </a:xfrm>
+          <a:prstGeom prst="rect">
+            <a:avLst/>
+          </a:prstGeom>
+        </p:spPr>
+      </p:pic>
+      <p:sp>
+        <p:nvSpPr>
+          <p:cNvPr id="8" name="타원 7">
+            <a:extLst>
+              <a:ext uri="{FF2B5EF4-FFF2-40B4-BE49-F238E27FC236}">
+                <a16:creationId xmlns:a16="http://schemas.microsoft.com/office/drawing/2014/main" id="{91C11B8D-054C-4A2A-A742-C9B15BCFF850}"/>
+              </a:ext>
+            </a:extLst>
+          </p:cNvPr>
+          <p:cNvSpPr/>
+          <p:nvPr/>
+        </p:nvSpPr>
+        <p:spPr>
+          <a:xfrm>
+            <a:off x="7390773" y="4875606"/>
+            <a:ext cx="486000" cy="484959"/>
+          </a:xfrm>
+          <a:prstGeom prst="ellipse">
+            <a:avLst/>
+          </a:prstGeom>
+          <a:noFill/>
+          <a:ln w="38100">
+            <a:solidFill>
+              <a:srgbClr val="FF0000"/>
+            </a:solidFill>
+          </a:ln>
+        </p:spPr>
+        <p:style>
+          <a:lnRef idx="2">
+            <a:schemeClr val="accent1">
+              <a:shade val="50000"/>
+            </a:schemeClr>
+          </a:lnRef>
+          <a:fillRef idx="1">
+            <a:schemeClr val="accent1"/>
+          </a:fillRef>
+          <a:effectRef idx="0">
+            <a:schemeClr val="accent1"/>
+          </a:effectRef>
+          <a:fontRef idx="minor">
+            <a:schemeClr val="lt1"/>
+          </a:fontRef>
+        </p:style>
+        <p:txBody>
+          <a:bodyPr rtlCol="0" anchor="ctr"/>
+          <a:lstStyle/>
+          <a:p>
+            <a:pPr algn="ctr"/>
             <a:endParaRPr lang="ko-KR" altLang="en-US"/>
+          </a:p>
+        </p:txBody>
+      </p:sp>
+      <p:sp>
+        <p:nvSpPr>
+          <p:cNvPr id="9" name="TextBox 8">
+            <a:extLst>
+              <a:ext uri="{FF2B5EF4-FFF2-40B4-BE49-F238E27FC236}">
+                <a16:creationId xmlns:a16="http://schemas.microsoft.com/office/drawing/2014/main" id="{51A7C8EC-1B9E-4553-9559-CCFFB5D190F1}"/>
+              </a:ext>
+            </a:extLst>
+          </p:cNvPr>
+          <p:cNvSpPr txBox="1"/>
+          <p:nvPr/>
+        </p:nvSpPr>
+        <p:spPr>
+          <a:xfrm>
+            <a:off x="7767462" y="4506274"/>
+            <a:ext cx="1040235" cy="369332"/>
+          </a:xfrm>
+          <a:prstGeom prst="rect">
+            <a:avLst/>
+          </a:prstGeom>
+          <a:noFill/>
+        </p:spPr>
+        <p:txBody>
+          <a:bodyPr wrap="square" rtlCol="0">
+            <a:spAutoFit/>
+          </a:bodyPr>
+          <a:lstStyle/>
+          <a:p>
+            <a:r>
+              <a:rPr lang="en-US" altLang="ko-KR" dirty="0">
+                <a:solidFill>
+                  <a:srgbClr val="FF0000"/>
+                </a:solidFill>
+              </a:rPr>
+              <a:t>Agent</a:t>
+            </a:r>
+            <a:endParaRPr lang="ko-KR" altLang="en-US" dirty="0">
+              <a:solidFill>
+                <a:srgbClr val="FF0000"/>
+              </a:solidFill>
+            </a:endParaRPr>
+          </a:p>
+        </p:txBody>
+      </p:sp>
+      <p:cxnSp>
+        <p:nvCxnSpPr>
+          <p:cNvPr id="11" name="직선 화살표 연결선 10">
+            <a:extLst>
+              <a:ext uri="{FF2B5EF4-FFF2-40B4-BE49-F238E27FC236}">
+                <a16:creationId xmlns:a16="http://schemas.microsoft.com/office/drawing/2014/main" id="{E07706BC-ADE4-4039-9313-B24896652455}"/>
+              </a:ext>
+            </a:extLst>
+          </p:cNvPr>
+          <p:cNvCxnSpPr>
+            <a:cxnSpLocks/>
+          </p:cNvCxnSpPr>
+          <p:nvPr/>
+        </p:nvCxnSpPr>
+        <p:spPr>
+          <a:xfrm>
+            <a:off x="5807977" y="2917433"/>
+            <a:ext cx="576045" cy="402671"/>
+          </a:xfrm>
+          <a:prstGeom prst="straightConnector1">
+            <a:avLst/>
+          </a:prstGeom>
+          <a:ln w="28575">
+            <a:solidFill>
+              <a:srgbClr val="FF0000"/>
+            </a:solidFill>
+            <a:tailEnd type="triangle"/>
+          </a:ln>
+        </p:spPr>
+        <p:style>
+          <a:lnRef idx="1">
+            <a:schemeClr val="accent1"/>
+          </a:lnRef>
+          <a:fillRef idx="0">
+            <a:schemeClr val="accent1"/>
+          </a:fillRef>
+          <a:effectRef idx="0">
+            <a:schemeClr val="accent1"/>
+          </a:effectRef>
+          <a:fontRef idx="minor">
+            <a:schemeClr val="tx1"/>
+          </a:fontRef>
+        </p:style>
+      </p:cxnSp>
+      <p:sp>
+        <p:nvSpPr>
+          <p:cNvPr id="14" name="TextBox 13">
+            <a:extLst>
+              <a:ext uri="{FF2B5EF4-FFF2-40B4-BE49-F238E27FC236}">
+                <a16:creationId xmlns:a16="http://schemas.microsoft.com/office/drawing/2014/main" id="{1388701D-C772-4582-9CE0-504F27BF1056}"/>
+              </a:ext>
+            </a:extLst>
+          </p:cNvPr>
+          <p:cNvSpPr txBox="1"/>
+          <p:nvPr/>
+        </p:nvSpPr>
+        <p:spPr>
+          <a:xfrm>
+            <a:off x="6308521" y="2917433"/>
+            <a:ext cx="1786855" cy="369332"/>
+          </a:xfrm>
+          <a:prstGeom prst="rect">
+            <a:avLst/>
+          </a:prstGeom>
+          <a:noFill/>
+        </p:spPr>
+        <p:txBody>
+          <a:bodyPr wrap="square" rtlCol="0">
+            <a:spAutoFit/>
+          </a:bodyPr>
+          <a:lstStyle/>
+          <a:p>
+            <a:r>
+              <a:rPr lang="en-US" altLang="ko-KR" dirty="0">
+                <a:solidFill>
+                  <a:srgbClr val="FF0000"/>
+                </a:solidFill>
+              </a:rPr>
+              <a:t>5~8% Increase</a:t>
+            </a:r>
+            <a:endParaRPr lang="ko-KR" altLang="en-US" dirty="0">
+              <a:solidFill>
+                <a:srgbClr val="FF0000"/>
+              </a:solidFill>
+            </a:endParaRPr>
+          </a:p>
+        </p:txBody>
+      </p:sp>
+      <p:sp>
+        <p:nvSpPr>
+          <p:cNvPr id="15" name="TextBox 14">
+            <a:extLst>
+              <a:ext uri="{FF2B5EF4-FFF2-40B4-BE49-F238E27FC236}">
+                <a16:creationId xmlns:a16="http://schemas.microsoft.com/office/drawing/2014/main" id="{AF1F4C2A-1560-4D9A-9C8E-21BDC81BD95C}"/>
+              </a:ext>
+            </a:extLst>
+          </p:cNvPr>
+          <p:cNvSpPr txBox="1"/>
+          <p:nvPr/>
+        </p:nvSpPr>
+        <p:spPr>
+          <a:xfrm>
+            <a:off x="7575258" y="6012428"/>
+            <a:ext cx="964735" cy="369332"/>
+          </a:xfrm>
+          <a:prstGeom prst="rect">
+            <a:avLst/>
+          </a:prstGeom>
+          <a:noFill/>
+        </p:spPr>
+        <p:txBody>
+          <a:bodyPr wrap="square" rtlCol="0">
+            <a:spAutoFit/>
+          </a:bodyPr>
+          <a:lstStyle/>
+          <a:p>
+            <a:pPr algn="ctr"/>
+            <a:r>
+              <a:rPr lang="en-US" altLang="ko-KR" dirty="0">
+                <a:solidFill>
+                  <a:srgbClr val="FF0000"/>
+                </a:solidFill>
+              </a:rPr>
+              <a:t>300m</a:t>
+            </a:r>
+            <a:endParaRPr lang="ko-KR" altLang="en-US" dirty="0">
+              <a:solidFill>
+                <a:srgbClr val="FF0000"/>
+              </a:solidFill>
+            </a:endParaRPr>
           </a:p>
         </p:txBody>
       </p:sp>
     </p:spTree>
     <p:extLst>
       <p:ext uri="{BB962C8B-B14F-4D97-AF65-F5344CB8AC3E}">
-        <p14:creationId xmlns:p14="http://schemas.microsoft.com/office/powerpoint/2010/main" val="612970473"/>
+        <p14:creationId xmlns:p14="http://schemas.microsoft.com/office/powerpoint/2010/main" val="2596533649"/>
       </p:ext>
     </p:extLst>
   </p:cSld>
@@ -6141,7 +6689,7 @@
           <p:cNvPr id="2" name="제목 1">
             <a:extLst>
               <a:ext uri="{FF2B5EF4-FFF2-40B4-BE49-F238E27FC236}">
-                <a16:creationId xmlns:a16="http://schemas.microsoft.com/office/drawing/2014/main" id="{BA6BD0C1-A4F9-4C8E-AD87-096B105562F5}"/>
+                <a16:creationId xmlns:a16="http://schemas.microsoft.com/office/drawing/2014/main" id="{B8714280-C1D3-4238-82D2-DFD2A7709EF3}"/>
               </a:ext>
             </a:extLst>
           </p:cNvPr>
@@ -6157,7 +6705,11 @@
           <a:bodyPr/>
           <a:lstStyle/>
           <a:p>
-            <a:endParaRPr lang="ko-KR" altLang="en-US"/>
+            <a:r>
+              <a:rPr lang="en-US" altLang="ko-KR" dirty="0"/>
+              <a:t>Comparison between Simulation &amp; Decentralized Agents</a:t>
+            </a:r>
+            <a:endParaRPr lang="ko-KR" altLang="en-US" dirty="0"/>
           </a:p>
         </p:txBody>
       </p:sp>
@@ -6166,7 +6718,7 @@
           <p:cNvPr id="3" name="내용 개체 틀 2">
             <a:extLst>
               <a:ext uri="{FF2B5EF4-FFF2-40B4-BE49-F238E27FC236}">
-                <a16:creationId xmlns:a16="http://schemas.microsoft.com/office/drawing/2014/main" id="{C348E7CD-BD06-4087-85F9-CDA38D77146D}"/>
+                <a16:creationId xmlns:a16="http://schemas.microsoft.com/office/drawing/2014/main" id="{6DE0773E-A351-4AC9-9D53-F3C6DC0BEF62}"/>
               </a:ext>
             </a:extLst>
           </p:cNvPr>
@@ -6182,14 +6734,188 @@
           <a:bodyPr/>
           <a:lstStyle/>
           <a:p>
-            <a:endParaRPr lang="ko-KR" altLang="en-US"/>
+            <a:r>
+              <a:rPr lang="en-US" altLang="ko-KR" dirty="0"/>
+              <a:t>Simulation 0.133 (left, right), 0.388 (up, down), phase 20(G), 3(y)</a:t>
+            </a:r>
+          </a:p>
+          <a:p>
+            <a:pPr lvl="1"/>
+            <a:r>
+              <a:rPr lang="en-US" altLang="ko-KR" dirty="0"/>
+              <a:t>The number of arrived number: 9474 (no via), 9765(via)</a:t>
+            </a:r>
+          </a:p>
+          <a:p>
+            <a:r>
+              <a:rPr lang="en-US" altLang="ko-KR" dirty="0"/>
+              <a:t>Experiment(Decentralized Agents Model)</a:t>
+            </a:r>
+          </a:p>
+          <a:p>
+            <a:pPr lvl="1"/>
+            <a:r>
+              <a:rPr lang="en-US" altLang="ko-KR" dirty="0"/>
+              <a:t>The number of avg arrived number: 10600(no via, blue), 10800 (via, orange)</a:t>
+            </a:r>
+          </a:p>
+          <a:p>
+            <a:pPr lvl="1"/>
+            <a:endParaRPr lang="ko-KR" altLang="en-US" dirty="0"/>
+          </a:p>
+        </p:txBody>
+      </p:sp>
+      <p:pic>
+        <p:nvPicPr>
+          <p:cNvPr id="7" name="그림 6">
+            <a:extLst>
+              <a:ext uri="{FF2B5EF4-FFF2-40B4-BE49-F238E27FC236}">
+                <a16:creationId xmlns:a16="http://schemas.microsoft.com/office/drawing/2014/main" id="{2C0508C2-BD1D-42DE-918E-E3F644040BED}"/>
+              </a:ext>
+            </a:extLst>
+          </p:cNvPr>
+          <p:cNvPicPr>
+            <a:picLocks noChangeAspect="1"/>
+          </p:cNvPicPr>
+          <p:nvPr/>
+        </p:nvPicPr>
+        <p:blipFill rotWithShape="1">
+          <a:blip r:embed="rId2"/>
+          <a:srcRect r="995"/>
+          <a:stretch/>
+        </p:blipFill>
+        <p:spPr>
+          <a:xfrm>
+            <a:off x="906517" y="5191273"/>
+            <a:ext cx="6744243" cy="1666727"/>
+          </a:xfrm>
+          <a:prstGeom prst="rect">
+            <a:avLst/>
+          </a:prstGeom>
+        </p:spPr>
+      </p:pic>
+      <p:pic>
+        <p:nvPicPr>
+          <p:cNvPr id="5" name="그림 4">
+            <a:extLst>
+              <a:ext uri="{FF2B5EF4-FFF2-40B4-BE49-F238E27FC236}">
+                <a16:creationId xmlns:a16="http://schemas.microsoft.com/office/drawing/2014/main" id="{971E187F-3055-4637-803D-D7608B887840}"/>
+              </a:ext>
+            </a:extLst>
+          </p:cNvPr>
+          <p:cNvPicPr>
+            <a:picLocks noChangeAspect="1"/>
+          </p:cNvPicPr>
+          <p:nvPr/>
+        </p:nvPicPr>
+        <p:blipFill>
+          <a:blip r:embed="rId3"/>
+          <a:stretch>
+            <a:fillRect/>
+          </a:stretch>
+        </p:blipFill>
+        <p:spPr>
+          <a:xfrm>
+            <a:off x="906517" y="3639481"/>
+            <a:ext cx="6744243" cy="1626708"/>
+          </a:xfrm>
+          <a:prstGeom prst="rect">
+            <a:avLst/>
+          </a:prstGeom>
+        </p:spPr>
+      </p:pic>
+      <p:cxnSp>
+        <p:nvCxnSpPr>
+          <p:cNvPr id="8" name="직선 화살표 연결선 7">
+            <a:extLst>
+              <a:ext uri="{FF2B5EF4-FFF2-40B4-BE49-F238E27FC236}">
+                <a16:creationId xmlns:a16="http://schemas.microsoft.com/office/drawing/2014/main" id="{89335D71-2032-46B2-82F6-3209B8614A31}"/>
+              </a:ext>
+            </a:extLst>
+          </p:cNvPr>
+          <p:cNvCxnSpPr>
+            <a:cxnSpLocks/>
+          </p:cNvCxnSpPr>
+          <p:nvPr/>
+        </p:nvCxnSpPr>
+        <p:spPr>
+          <a:xfrm>
+            <a:off x="5807977" y="2917433"/>
+            <a:ext cx="617990" cy="404145"/>
+          </a:xfrm>
+          <a:prstGeom prst="straightConnector1">
+            <a:avLst/>
+          </a:prstGeom>
+          <a:ln w="28575">
+            <a:solidFill>
+              <a:srgbClr val="FF0000"/>
+            </a:solidFill>
+            <a:tailEnd type="triangle"/>
+          </a:ln>
+        </p:spPr>
+        <p:style>
+          <a:lnRef idx="1">
+            <a:schemeClr val="accent1"/>
+          </a:lnRef>
+          <a:fillRef idx="0">
+            <a:schemeClr val="accent1"/>
+          </a:fillRef>
+          <a:effectRef idx="0">
+            <a:schemeClr val="accent1"/>
+          </a:effectRef>
+          <a:fontRef idx="minor">
+            <a:schemeClr val="tx1"/>
+          </a:fontRef>
+        </p:style>
+      </p:cxnSp>
+      <p:sp>
+        <p:nvSpPr>
+          <p:cNvPr id="9" name="TextBox 8">
+            <a:extLst>
+              <a:ext uri="{FF2B5EF4-FFF2-40B4-BE49-F238E27FC236}">
+                <a16:creationId xmlns:a16="http://schemas.microsoft.com/office/drawing/2014/main" id="{C69AA8F2-DA5C-46CD-B1C1-719FB2DC50C5}"/>
+              </a:ext>
+            </a:extLst>
+          </p:cNvPr>
+          <p:cNvSpPr txBox="1"/>
+          <p:nvPr/>
+        </p:nvSpPr>
+        <p:spPr>
+          <a:xfrm>
+            <a:off x="6308521" y="2917433"/>
+            <a:ext cx="1988191" cy="369332"/>
+          </a:xfrm>
+          <a:prstGeom prst="rect">
+            <a:avLst/>
+          </a:prstGeom>
+          <a:noFill/>
+        </p:spPr>
+        <p:txBody>
+          <a:bodyPr wrap="square" rtlCol="0">
+            <a:spAutoFit/>
+          </a:bodyPr>
+          <a:lstStyle/>
+          <a:p>
+            <a:r>
+              <a:rPr lang="en-US" altLang="ko-KR" dirty="0">
+                <a:solidFill>
+                  <a:srgbClr val="FF0000"/>
+                </a:solidFill>
+              </a:rPr>
+              <a:t>10~11% Increase</a:t>
+            </a:r>
+            <a:endParaRPr lang="ko-KR" altLang="en-US" dirty="0">
+              <a:solidFill>
+                <a:srgbClr val="FF0000"/>
+              </a:solidFill>
+            </a:endParaRPr>
           </a:p>
         </p:txBody>
       </p:sp>
     </p:spTree>
     <p:extLst>
       <p:ext uri="{BB962C8B-B14F-4D97-AF65-F5344CB8AC3E}">
-        <p14:creationId xmlns:p14="http://schemas.microsoft.com/office/powerpoint/2010/main" val="269495646"/>
+        <p14:creationId xmlns:p14="http://schemas.microsoft.com/office/powerpoint/2010/main" val="2968508946"/>
       </p:ext>
     </p:extLst>
   </p:cSld>
@@ -6221,6 +6947,635 @@
           <p:cNvPr id="2" name="제목 1">
             <a:extLst>
               <a:ext uri="{FF2B5EF4-FFF2-40B4-BE49-F238E27FC236}">
+                <a16:creationId xmlns:a16="http://schemas.microsoft.com/office/drawing/2014/main" id="{11164D48-3268-4030-91EC-466074A499E7}"/>
+              </a:ext>
+            </a:extLst>
+          </p:cNvPr>
+          <p:cNvSpPr>
+            <a:spLocks noGrp="1"/>
+          </p:cNvSpPr>
+          <p:nvPr>
+            <p:ph type="title"/>
+          </p:nvPr>
+        </p:nvSpPr>
+        <p:spPr/>
+        <p:txBody>
+          <a:bodyPr>
+            <a:normAutofit fontScale="90000"/>
+          </a:bodyPr>
+          <a:lstStyle/>
+          <a:p>
+            <a:r>
+              <a:rPr lang="en-US" altLang="ko-KR" dirty="0"/>
+              <a:t>3x3Grid Decentralized</a:t>
+            </a:r>
+            <a:r>
+              <a:rPr lang="ko-KR" altLang="en-US" dirty="0"/>
+              <a:t> </a:t>
+            </a:r>
+            <a:r>
+              <a:rPr lang="en-US" altLang="ko-KR" dirty="0"/>
+              <a:t>Model</a:t>
+            </a:r>
+            <a:r>
+              <a:rPr lang="ko-KR" altLang="en-US" dirty="0"/>
+              <a:t> </a:t>
+            </a:r>
+            <a:r>
+              <a:rPr lang="en-US" altLang="ko-KR" dirty="0"/>
+              <a:t>with Practical</a:t>
+            </a:r>
+            <a:r>
+              <a:rPr lang="ko-KR" altLang="en-US" dirty="0"/>
+              <a:t> </a:t>
+            </a:r>
+            <a:r>
+              <a:rPr lang="en-US" altLang="ko-KR" dirty="0"/>
+              <a:t>Restraints</a:t>
+            </a:r>
+            <a:br>
+              <a:rPr lang="en-US" altLang="ko-KR" dirty="0"/>
+            </a:br>
+            <a:endParaRPr lang="ko-KR" altLang="en-US" dirty="0"/>
+          </a:p>
+        </p:txBody>
+      </p:sp>
+      <p:sp>
+        <p:nvSpPr>
+          <p:cNvPr id="3" name="내용 개체 틀 2">
+            <a:extLst>
+              <a:ext uri="{FF2B5EF4-FFF2-40B4-BE49-F238E27FC236}">
+                <a16:creationId xmlns:a16="http://schemas.microsoft.com/office/drawing/2014/main" id="{F19CD6EE-0684-4774-A58A-2F4E9A62437E}"/>
+              </a:ext>
+            </a:extLst>
+          </p:cNvPr>
+          <p:cNvSpPr>
+            <a:spLocks noGrp="1"/>
+          </p:cNvSpPr>
+          <p:nvPr>
+            <p:ph idx="1"/>
+          </p:nvPr>
+        </p:nvSpPr>
+        <p:spPr/>
+        <p:txBody>
+          <a:bodyPr>
+            <a:normAutofit/>
+          </a:bodyPr>
+          <a:lstStyle/>
+          <a:p>
+            <a:r>
+              <a:rPr lang="en-US" altLang="ko-KR" dirty="0"/>
+              <a:t>Condition(seed fixed)</a:t>
+            </a:r>
+          </a:p>
+          <a:p>
+            <a:pPr lvl="1"/>
+            <a:r>
+              <a:rPr lang="en-US" altLang="ko-KR" dirty="0"/>
+              <a:t>Random routing vehicle generation (period 0.8), scale 1.1 (by randomTrips.py)</a:t>
+            </a:r>
+          </a:p>
+          <a:p>
+            <a:pPr lvl="1"/>
+            <a:r>
+              <a:rPr lang="en-US" altLang="ko-KR" dirty="0"/>
+              <a:t>9 Decentralized Agents(No offsets, Update Asynchronously)</a:t>
+            </a:r>
+          </a:p>
+          <a:p>
+            <a:pPr lvl="1"/>
+            <a:r>
+              <a:rPr lang="en-US" altLang="ko-KR" dirty="0"/>
+              <a:t>4 Phases(Vertical/Horizontal</a:t>
+            </a:r>
+            <a:r>
+              <a:rPr lang="ko-KR" altLang="en-US" dirty="0"/>
+              <a:t> </a:t>
+            </a:r>
+            <a:r>
+              <a:rPr lang="en-US" altLang="ko-KR" dirty="0"/>
+              <a:t>straight and left) 37s each, followed by all yellow 3s</a:t>
+            </a:r>
+          </a:p>
+          <a:p>
+            <a:pPr lvl="1"/>
+            <a:r>
+              <a:rPr lang="en-US" altLang="ko-KR" dirty="0"/>
+              <a:t>Model applied min/max duration(28s,49s) and phase period(160s)</a:t>
+            </a:r>
+          </a:p>
+          <a:p>
+            <a:r>
+              <a:rPr lang="en-US" altLang="ko-KR" dirty="0"/>
+              <a:t>State</a:t>
+            </a:r>
+          </a:p>
+          <a:p>
+            <a:pPr lvl="1"/>
+            <a:r>
+              <a:rPr lang="en-US" altLang="ko-KR" dirty="0"/>
+              <a:t>The number of inflow vehicles from each inflow edge(left, straight)</a:t>
+            </a:r>
+          </a:p>
+          <a:p>
+            <a:pPr lvl="1"/>
+            <a:r>
+              <a:rPr lang="en-US" altLang="ko-KR" dirty="0"/>
+              <a:t>Update current phase demand info from end of current phase</a:t>
+            </a:r>
+          </a:p>
+          <a:p>
+            <a:pPr lvl="1"/>
+            <a:endParaRPr lang="en-US" altLang="ko-KR" dirty="0"/>
+          </a:p>
+          <a:p>
+            <a:pPr lvl="1"/>
+            <a:endParaRPr lang="ko-KR" altLang="en-US" dirty="0"/>
+          </a:p>
+        </p:txBody>
+      </p:sp>
+    </p:spTree>
+    <p:extLst>
+      <p:ext uri="{BB962C8B-B14F-4D97-AF65-F5344CB8AC3E}">
+        <p14:creationId xmlns:p14="http://schemas.microsoft.com/office/powerpoint/2010/main" val="1238581474"/>
+      </p:ext>
+    </p:extLst>
+  </p:cSld>
+  <p:clrMapOvr>
+    <a:masterClrMapping/>
+  </p:clrMapOvr>
+</p:sld>
+</file>
+
+<file path=ppt/slides/slide7.xml><?xml version="1.0" encoding="utf-8"?>
+<p:sld xmlns:a="http://schemas.openxmlformats.org/drawingml/2006/main" xmlns:r="http://schemas.openxmlformats.org/officeDocument/2006/relationships" xmlns:p="http://schemas.openxmlformats.org/presentationml/2006/main">
+  <p:cSld>
+    <p:spTree>
+      <p:nvGrpSpPr>
+        <p:cNvPr id="1" name=""/>
+        <p:cNvGrpSpPr/>
+        <p:nvPr/>
+      </p:nvGrpSpPr>
+      <p:grpSpPr>
+        <a:xfrm>
+          <a:off x="0" y="0"/>
+          <a:ext cx="0" cy="0"/>
+          <a:chOff x="0" y="0"/>
+          <a:chExt cx="0" cy="0"/>
+        </a:xfrm>
+      </p:grpSpPr>
+      <p:sp>
+        <p:nvSpPr>
+          <p:cNvPr id="2" name="제목 1">
+            <a:extLst>
+              <a:ext uri="{FF2B5EF4-FFF2-40B4-BE49-F238E27FC236}">
+                <a16:creationId xmlns:a16="http://schemas.microsoft.com/office/drawing/2014/main" id="{BA6BD0C1-A4F9-4C8E-AD87-096B105562F5}"/>
+              </a:ext>
+            </a:extLst>
+          </p:cNvPr>
+          <p:cNvSpPr>
+            <a:spLocks noGrp="1"/>
+          </p:cNvSpPr>
+          <p:nvPr>
+            <p:ph type="title"/>
+          </p:nvPr>
+        </p:nvSpPr>
+        <p:spPr/>
+        <p:txBody>
+          <a:bodyPr>
+            <a:normAutofit fontScale="90000"/>
+          </a:bodyPr>
+          <a:lstStyle/>
+          <a:p>
+            <a:r>
+              <a:rPr lang="en-US" altLang="ko-KR" dirty="0"/>
+              <a:t>3x3Grid Decentralized</a:t>
+            </a:r>
+            <a:r>
+              <a:rPr lang="ko-KR" altLang="en-US" dirty="0"/>
+              <a:t> </a:t>
+            </a:r>
+            <a:r>
+              <a:rPr lang="en-US" altLang="ko-KR" dirty="0"/>
+              <a:t>Model</a:t>
+            </a:r>
+            <a:r>
+              <a:rPr lang="ko-KR" altLang="en-US" dirty="0"/>
+              <a:t> </a:t>
+            </a:r>
+            <a:r>
+              <a:rPr lang="en-US" altLang="ko-KR" dirty="0"/>
+              <a:t>with Practical</a:t>
+            </a:r>
+            <a:r>
+              <a:rPr lang="ko-KR" altLang="en-US" dirty="0"/>
+              <a:t> </a:t>
+            </a:r>
+            <a:r>
+              <a:rPr lang="en-US" altLang="ko-KR" dirty="0"/>
+              <a:t>Restraints</a:t>
+            </a:r>
+            <a:br>
+              <a:rPr lang="en-US" altLang="ko-KR" dirty="0"/>
+            </a:br>
+            <a:endParaRPr lang="ko-KR" altLang="en-US" dirty="0"/>
+          </a:p>
+        </p:txBody>
+      </p:sp>
+      <mc:AlternateContent xmlns:mc="http://schemas.openxmlformats.org/markup-compatibility/2006">
+        <mc:Choice xmlns:a14="http://schemas.microsoft.com/office/drawing/2010/main" Requires="a14">
+          <p:sp>
+            <p:nvSpPr>
+              <p:cNvPr id="3" name="내용 개체 틀 2">
+                <a:extLst>
+                  <a:ext uri="{FF2B5EF4-FFF2-40B4-BE49-F238E27FC236}">
+                    <a16:creationId xmlns:a16="http://schemas.microsoft.com/office/drawing/2014/main" id="{C348E7CD-BD06-4087-85F9-CDA38D77146D}"/>
+                  </a:ext>
+                </a:extLst>
+              </p:cNvPr>
+              <p:cNvSpPr>
+                <a:spLocks noGrp="1"/>
+              </p:cNvSpPr>
+              <p:nvPr>
+                <p:ph idx="1"/>
+              </p:nvPr>
+            </p:nvSpPr>
+            <p:spPr/>
+            <p:txBody>
+              <a:bodyPr/>
+              <a:lstStyle/>
+              <a:p>
+                <a:r>
+                  <a:rPr lang="en-US" altLang="ko-KR" dirty="0"/>
+                  <a:t>Action</a:t>
+                </a:r>
+              </a:p>
+              <a:p>
+                <a:pPr lvl="1"/>
+                <a:r>
+                  <a:rPr lang="en-US" altLang="ko-KR" dirty="0"/>
+                  <a:t>Common phase-based ratio discrete distribution</a:t>
+                </a:r>
+              </a:p>
+              <a:p>
+                <a:pPr lvl="1"/>
+                <a:r>
+                  <a:rPr lang="en-US" altLang="ko-KR" dirty="0"/>
+                  <a:t>2 Actions/agent = time action, rate action</a:t>
+                </a:r>
+              </a:p>
+              <a:p>
+                <a:r>
+                  <a:rPr lang="en-US" altLang="ko-KR" dirty="0"/>
+                  <a:t>Action Space</a:t>
+                </a:r>
+              </a:p>
+              <a:p>
+                <a:pPr lvl="1"/>
+                <a:r>
+                  <a:rPr lang="en-US" altLang="ko-KR" dirty="0"/>
+                  <a:t>Time action space: </a:t>
+                </a:r>
+                <a14:m>
+                  <m:oMath xmlns:m="http://schemas.openxmlformats.org/officeDocument/2006/math">
+                    <m:r>
+                      <m:rPr>
+                        <m:sty m:val="p"/>
+                      </m:rPr>
+                      <a:rPr lang="en-US" altLang="ko-KR" b="0" i="0" smtClean="0">
+                        <a:latin typeface="Cambria Math" panose="02040503050406030204" pitchFamily="18" charset="0"/>
+                      </a:rPr>
+                      <m:t>max</m:t>
+                    </m:r>
+                    <m:r>
+                      <a:rPr lang="en-US" altLang="ko-KR" b="0" i="1" smtClean="0">
+                        <a:latin typeface="Cambria Math" panose="02040503050406030204" pitchFamily="18" charset="0"/>
+                      </a:rPr>
+                      <m:t>⁡(</m:t>
+                    </m:r>
+                    <m:limLow>
+                      <m:limLowPr>
+                        <m:ctrlPr>
+                          <a:rPr lang="en-US" altLang="ko-KR" b="0" i="1" smtClean="0">
+                            <a:latin typeface="Cambria Math" panose="02040503050406030204" pitchFamily="18" charset="0"/>
+                          </a:rPr>
+                        </m:ctrlPr>
+                      </m:limLowPr>
+                      <m:e>
+                        <m:r>
+                          <m:rPr>
+                            <m:sty m:val="p"/>
+                          </m:rPr>
+                          <a:rPr lang="en-US" altLang="ko-KR" b="0" i="0" smtClean="0">
+                            <a:latin typeface="Cambria Math" panose="02040503050406030204" pitchFamily="18" charset="0"/>
+                          </a:rPr>
+                          <m:t>min</m:t>
+                        </m:r>
+                      </m:e>
+                      <m:lim>
+                        <m:r>
+                          <a:rPr lang="en-US" altLang="ko-KR" b="0" i="1" smtClean="0">
+                            <a:latin typeface="Cambria Math" panose="02040503050406030204" pitchFamily="18" charset="0"/>
+                          </a:rPr>
+                          <m:t>𝑖</m:t>
+                        </m:r>
+                      </m:lim>
+                    </m:limLow>
+                    <m:r>
+                      <a:rPr lang="en-US" altLang="ko-KR" b="0" i="1" smtClean="0">
+                        <a:latin typeface="Cambria Math" panose="02040503050406030204" pitchFamily="18" charset="0"/>
+                      </a:rPr>
+                      <m:t>⁡(</m:t>
+                    </m:r>
+                    <m:r>
+                      <m:rPr>
+                        <m:sty m:val="p"/>
+                      </m:rPr>
+                      <a:rPr lang="en-US" altLang="ko-KR" b="0" i="0" smtClean="0">
+                        <a:latin typeface="Cambria Math" panose="02040503050406030204" pitchFamily="18" charset="0"/>
+                      </a:rPr>
+                      <m:t>phaseM</m:t>
+                    </m:r>
+                    <m:r>
+                      <a:rPr lang="en-US" altLang="ko-KR" b="0" i="1" smtClean="0">
+                        <a:latin typeface="Cambria Math" panose="02040503050406030204" pitchFamily="18" charset="0"/>
+                      </a:rPr>
+                      <m:t>𝑎</m:t>
+                    </m:r>
+                    <m:sSub>
+                      <m:sSubPr>
+                        <m:ctrlPr>
+                          <a:rPr lang="en-US" altLang="ko-KR" b="0" i="1" smtClean="0">
+                            <a:latin typeface="Cambria Math" panose="02040503050406030204" pitchFamily="18" charset="0"/>
+                          </a:rPr>
+                        </m:ctrlPr>
+                      </m:sSubPr>
+                      <m:e>
+                        <m:r>
+                          <a:rPr lang="en-US" altLang="ko-KR" b="0" i="1" smtClean="0">
+                            <a:latin typeface="Cambria Math" panose="02040503050406030204" pitchFamily="18" charset="0"/>
+                          </a:rPr>
+                          <m:t>𝑥</m:t>
+                        </m:r>
+                      </m:e>
+                      <m:sub>
+                        <m:r>
+                          <a:rPr lang="en-US" altLang="ko-KR" b="0" i="1" smtClean="0">
+                            <a:latin typeface="Cambria Math" panose="02040503050406030204" pitchFamily="18" charset="0"/>
+                          </a:rPr>
+                          <m:t>𝑖</m:t>
+                        </m:r>
+                      </m:sub>
+                    </m:sSub>
+                    <m:r>
+                      <a:rPr lang="en-US" altLang="ko-KR" b="0" i="1" smtClean="0">
+                        <a:latin typeface="Cambria Math" panose="02040503050406030204" pitchFamily="18" charset="0"/>
+                      </a:rPr>
+                      <m:t>−</m:t>
+                    </m:r>
+                    <m:r>
+                      <a:rPr lang="en-US" altLang="ko-KR" b="0" i="1" smtClean="0">
+                        <a:latin typeface="Cambria Math" panose="02040503050406030204" pitchFamily="18" charset="0"/>
+                      </a:rPr>
+                      <m:t>𝑐𝑜𝑚𝑚𝑜</m:t>
+                    </m:r>
+                    <m:sSub>
+                      <m:sSubPr>
+                        <m:ctrlPr>
+                          <a:rPr lang="en-US" altLang="ko-KR" b="0" i="1" smtClean="0">
+                            <a:latin typeface="Cambria Math" panose="02040503050406030204" pitchFamily="18" charset="0"/>
+                          </a:rPr>
+                        </m:ctrlPr>
+                      </m:sSubPr>
+                      <m:e>
+                        <m:r>
+                          <a:rPr lang="en-US" altLang="ko-KR" b="0" i="1" smtClean="0">
+                            <a:latin typeface="Cambria Math" panose="02040503050406030204" pitchFamily="18" charset="0"/>
+                          </a:rPr>
+                          <m:t>𝑛</m:t>
+                        </m:r>
+                      </m:e>
+                      <m:sub>
+                        <m:r>
+                          <a:rPr lang="en-US" altLang="ko-KR" b="0" i="1" smtClean="0">
+                            <a:latin typeface="Cambria Math" panose="02040503050406030204" pitchFamily="18" charset="0"/>
+                          </a:rPr>
+                          <m:t>𝑖</m:t>
+                        </m:r>
+                      </m:sub>
+                    </m:sSub>
+                    <m:r>
+                      <a:rPr lang="en-US" altLang="ko-KR" b="0" i="1" smtClean="0">
+                        <a:latin typeface="Cambria Math" panose="02040503050406030204" pitchFamily="18" charset="0"/>
+                      </a:rPr>
+                      <m:t>,</m:t>
+                    </m:r>
+                    <m:r>
+                      <a:rPr lang="en-US" altLang="ko-KR" b="0" i="1" smtClean="0">
+                        <a:latin typeface="Cambria Math" panose="02040503050406030204" pitchFamily="18" charset="0"/>
+                      </a:rPr>
+                      <m:t>𝑐𝑜𝑚𝑚𝑜</m:t>
+                    </m:r>
+                    <m:sSub>
+                      <m:sSubPr>
+                        <m:ctrlPr>
+                          <a:rPr lang="en-US" altLang="ko-KR" b="0" i="1" smtClean="0">
+                            <a:latin typeface="Cambria Math" panose="02040503050406030204" pitchFamily="18" charset="0"/>
+                          </a:rPr>
+                        </m:ctrlPr>
+                      </m:sSubPr>
+                      <m:e>
+                        <m:r>
+                          <a:rPr lang="en-US" altLang="ko-KR" b="0" i="1" smtClean="0">
+                            <a:latin typeface="Cambria Math" panose="02040503050406030204" pitchFamily="18" charset="0"/>
+                          </a:rPr>
+                          <m:t>𝑛</m:t>
+                        </m:r>
+                      </m:e>
+                      <m:sub>
+                        <m:r>
+                          <a:rPr lang="en-US" altLang="ko-KR" b="0" i="1" smtClean="0">
+                            <a:latin typeface="Cambria Math" panose="02040503050406030204" pitchFamily="18" charset="0"/>
+                          </a:rPr>
+                          <m:t>𝑖</m:t>
+                        </m:r>
+                      </m:sub>
+                    </m:sSub>
+                    <m:r>
+                      <a:rPr lang="en-US" altLang="ko-KR" b="0" i="1" smtClean="0">
+                        <a:latin typeface="Cambria Math" panose="02040503050406030204" pitchFamily="18" charset="0"/>
+                      </a:rPr>
+                      <m:t>−</m:t>
+                    </m:r>
+                    <m:r>
+                      <a:rPr lang="en-US" altLang="ko-KR" b="0" i="1" smtClean="0">
+                        <a:latin typeface="Cambria Math" panose="02040503050406030204" pitchFamily="18" charset="0"/>
+                      </a:rPr>
+                      <m:t>𝑝h𝑎𝑠𝑒𝑀𝑖</m:t>
+                    </m:r>
+                    <m:sSub>
+                      <m:sSubPr>
+                        <m:ctrlPr>
+                          <a:rPr lang="en-US" altLang="ko-KR" b="0" i="1" smtClean="0">
+                            <a:latin typeface="Cambria Math" panose="02040503050406030204" pitchFamily="18" charset="0"/>
+                          </a:rPr>
+                        </m:ctrlPr>
+                      </m:sSubPr>
+                      <m:e>
+                        <m:r>
+                          <a:rPr lang="en-US" altLang="ko-KR" b="0" i="1" smtClean="0">
+                            <a:latin typeface="Cambria Math" panose="02040503050406030204" pitchFamily="18" charset="0"/>
+                          </a:rPr>
+                          <m:t>𝑛</m:t>
+                        </m:r>
+                      </m:e>
+                      <m:sub>
+                        <m:r>
+                          <a:rPr lang="en-US" altLang="ko-KR" b="0" i="1" smtClean="0">
+                            <a:latin typeface="Cambria Math" panose="02040503050406030204" pitchFamily="18" charset="0"/>
+                          </a:rPr>
+                          <m:t>𝑖</m:t>
+                        </m:r>
+                      </m:sub>
+                    </m:sSub>
+                    <m:r>
+                      <a:rPr lang="en-US" altLang="ko-KR" b="0" i="1" smtClean="0">
+                        <a:latin typeface="Cambria Math" panose="02040503050406030204" pitchFamily="18" charset="0"/>
+                      </a:rPr>
+                      <m:t>))</m:t>
+                    </m:r>
+                  </m:oMath>
+                </a14:m>
+                <a:endParaRPr lang="en-US" altLang="ko-KR" dirty="0"/>
+              </a:p>
+              <a:p>
+                <a:pPr lvl="1"/>
+                <a:r>
+                  <a:rPr lang="en-US" altLang="ko-KR" dirty="0"/>
+                  <a:t>Rate action space: 18, distributing time action ex) [0,1,0,-1],[0,0,0,0],[1,1,-1,-1]</a:t>
+                </a:r>
+              </a:p>
+              <a:p>
+                <a:r>
+                  <a:rPr lang="en-US" altLang="ko-KR" dirty="0"/>
+                  <a:t>Reward</a:t>
+                </a:r>
+              </a:p>
+              <a:p>
+                <a:pPr lvl="1"/>
+                <a:r>
+                  <a:rPr lang="en-US" altLang="ko-KR" dirty="0"/>
+                  <a:t>Reward= -Pressure = (inflow </a:t>
+                </a:r>
+                <a:r>
+                  <a:rPr lang="en-US" altLang="ko-KR" dirty="0" err="1"/>
+                  <a:t>HaltingNumber</a:t>
+                </a:r>
+                <a:r>
+                  <a:rPr lang="en-US" altLang="ko-KR" dirty="0"/>
+                  <a:t> – outflow </a:t>
+                </a:r>
+                <a:r>
+                  <a:rPr lang="en-US" altLang="ko-KR" dirty="0" err="1"/>
+                  <a:t>VehicleNumber</a:t>
+                </a:r>
+                <a:r>
+                  <a:rPr lang="en-US" altLang="ko-KR" dirty="0"/>
+                  <a:t>)</a:t>
+                </a:r>
+              </a:p>
+              <a:p>
+                <a:pPr lvl="1"/>
+                <a:r>
+                  <a:rPr lang="en-US" altLang="ko-KR" dirty="0"/>
+                  <a:t>If action is beyond the threshold(min/max duration), give penalties</a:t>
+                </a:r>
+              </a:p>
+              <a:p>
+                <a:pPr lvl="1"/>
+                <a:r>
+                  <a:rPr lang="en-US" altLang="ko-KR" dirty="0"/>
+                  <a:t>Update end of phase period</a:t>
+                </a:r>
+              </a:p>
+            </p:txBody>
+          </p:sp>
+        </mc:Choice>
+        <mc:Fallback>
+          <p:sp>
+            <p:nvSpPr>
+              <p:cNvPr id="3" name="내용 개체 틀 2">
+                <a:extLst>
+                  <a:ext uri="{FF2B5EF4-FFF2-40B4-BE49-F238E27FC236}">
+                    <a16:creationId xmlns:a16="http://schemas.microsoft.com/office/drawing/2014/main" id="{C348E7CD-BD06-4087-85F9-CDA38D77146D}"/>
+                  </a:ext>
+                </a:extLst>
+              </p:cNvPr>
+              <p:cNvSpPr>
+                <a:spLocks noGrp="1" noRot="1" noChangeAspect="1" noMove="1" noResize="1" noEditPoints="1" noAdjustHandles="1" noChangeArrowheads="1" noChangeShapeType="1" noTextEdit="1"/>
+              </p:cNvSpPr>
+              <p:nvPr>
+                <p:ph idx="1"/>
+              </p:nvPr>
+            </p:nvSpPr>
+            <p:spPr>
+              <a:blipFill>
+                <a:blip r:embed="rId2"/>
+                <a:stretch>
+                  <a:fillRect l="-142" t="-785" b="-785"/>
+                </a:stretch>
+              </a:blipFill>
+            </p:spPr>
+            <p:txBody>
+              <a:bodyPr/>
+              <a:lstStyle/>
+              <a:p>
+                <a:r>
+                  <a:rPr lang="ko-KR" altLang="en-US">
+                    <a:noFill/>
+                  </a:rPr>
+                  <a:t> </a:t>
+                </a:r>
+              </a:p>
+            </p:txBody>
+          </p:sp>
+        </mc:Fallback>
+      </mc:AlternateContent>
+    </p:spTree>
+    <p:extLst>
+      <p:ext uri="{BB962C8B-B14F-4D97-AF65-F5344CB8AC3E}">
+        <p14:creationId xmlns:p14="http://schemas.microsoft.com/office/powerpoint/2010/main" val="269495646"/>
+      </p:ext>
+    </p:extLst>
+  </p:cSld>
+  <p:clrMapOvr>
+    <a:masterClrMapping/>
+  </p:clrMapOvr>
+</p:sld>
+</file>
+
+<file path=ppt/slides/slide8.xml><?xml version="1.0" encoding="utf-8"?>
+<p:sld xmlns:a="http://schemas.openxmlformats.org/drawingml/2006/main" xmlns:r="http://schemas.openxmlformats.org/officeDocument/2006/relationships" xmlns:p="http://schemas.openxmlformats.org/presentationml/2006/main">
+  <p:cSld>
+    <p:spTree>
+      <p:nvGrpSpPr>
+        <p:cNvPr id="1" name=""/>
+        <p:cNvGrpSpPr/>
+        <p:nvPr/>
+      </p:nvGrpSpPr>
+      <p:grpSpPr>
+        <a:xfrm>
+          <a:off x="0" y="0"/>
+          <a:ext cx="0" cy="0"/>
+          <a:chOff x="0" y="0"/>
+          <a:chExt cx="0" cy="0"/>
+        </a:xfrm>
+      </p:grpSpPr>
+      <p:sp>
+        <p:nvSpPr>
+          <p:cNvPr id="2" name="제목 1">
+            <a:extLst>
+              <a:ext uri="{FF2B5EF4-FFF2-40B4-BE49-F238E27FC236}">
                 <a16:creationId xmlns:a16="http://schemas.microsoft.com/office/drawing/2014/main" id="{DBFA7521-F0B7-4081-927B-7E6F3D1B1EA1}"/>
               </a:ext>
             </a:extLst>
@@ -6234,9 +7589,42 @@
         </p:nvSpPr>
         <p:spPr/>
         <p:txBody>
-          <a:bodyPr/>
-          <a:lstStyle/>
-          <a:p>
+          <a:bodyPr>
+            <a:normAutofit fontScale="90000"/>
+          </a:bodyPr>
+          <a:lstStyle/>
+          <a:p>
+            <a:r>
+              <a:rPr lang="en-US" altLang="ko-KR" dirty="0"/>
+              <a:t>3x3Grid Decentralized</a:t>
+            </a:r>
+            <a:r>
+              <a:rPr lang="ko-KR" altLang="en-US" dirty="0"/>
+              <a:t> </a:t>
+            </a:r>
+            <a:r>
+              <a:rPr lang="en-US" altLang="ko-KR" dirty="0"/>
+              <a:t>Model</a:t>
+            </a:r>
+            <a:r>
+              <a:rPr lang="ko-KR" altLang="en-US" dirty="0"/>
+              <a:t> </a:t>
+            </a:r>
+            <a:r>
+              <a:rPr lang="en-US" altLang="ko-KR" dirty="0"/>
+              <a:t>with Practical</a:t>
+            </a:r>
+            <a:r>
+              <a:rPr lang="ko-KR" altLang="en-US" dirty="0"/>
+              <a:t> </a:t>
+            </a:r>
+            <a:r>
+              <a:rPr lang="en-US" altLang="ko-KR" dirty="0"/>
+              <a:t>Restraints</a:t>
+            </a:r>
+            <a:br>
+              <a:rPr lang="en-US" altLang="ko-KR" dirty="0"/>
+            </a:br>
             <a:endParaRPr lang="ko-KR" altLang="en-US" dirty="0"/>
           </a:p>
         </p:txBody>
@@ -6262,7 +7650,7 @@
           <a:bodyPr/>
           <a:lstStyle/>
           <a:p>
-            <a:endParaRPr lang="ko-KR" altLang="en-US"/>
+            <a:endParaRPr lang="ko-KR" altLang="en-US" dirty="0"/>
           </a:p>
         </p:txBody>
       </p:sp>

--- a/Traffic Optimization Final Speech.pptx
+++ b/Traffic Optimization Final Speech.pptx
@@ -12,7 +12,10 @@
     <p:sldId id="264" r:id="rId6"/>
     <p:sldId id="263" r:id="rId7"/>
     <p:sldId id="260" r:id="rId8"/>
-    <p:sldId id="261" r:id="rId9"/>
+    <p:sldId id="267" r:id="rId9"/>
+    <p:sldId id="266" r:id="rId10"/>
+    <p:sldId id="261" r:id="rId11"/>
+    <p:sldId id="265" r:id="rId12"/>
   </p:sldIdLst>
   <p:sldSz cx="12192000" cy="6858000"/>
   <p:notesSz cx="6858000" cy="9144000"/>
@@ -842,7 +845,7 @@
             <a:fld id="{B61BEF0D-F0BB-DE4B-95CE-6DB70DBA9567}" type="datetimeFigureOut">
               <a:rPr lang="en-US" dirty="0"/>
               <a:pPr/>
-              <a:t>2/19/2021</a:t>
+              <a:t>2/22/2021</a:t>
             </a:fld>
             <a:endParaRPr lang="en-US" dirty="0"/>
           </a:p>
@@ -1090,7 +1093,7 @@
             <a:fld id="{B61BEF0D-F0BB-DE4B-95CE-6DB70DBA9567}" type="datetimeFigureOut">
               <a:rPr lang="en-US" dirty="0"/>
               <a:pPr/>
-              <a:t>2/19/2021</a:t>
+              <a:t>2/22/2021</a:t>
             </a:fld>
             <a:endParaRPr lang="en-US" dirty="0"/>
           </a:p>
@@ -1401,7 +1404,7 @@
             <a:fld id="{B61BEF0D-F0BB-DE4B-95CE-6DB70DBA9567}" type="datetimeFigureOut">
               <a:rPr lang="en-US" dirty="0"/>
               <a:pPr/>
-              <a:t>2/19/2021</a:t>
+              <a:t>2/22/2021</a:t>
             </a:fld>
             <a:endParaRPr lang="en-US" dirty="0"/>
           </a:p>
@@ -1739,7 +1742,7 @@
             <a:fld id="{B61BEF0D-F0BB-DE4B-95CE-6DB70DBA9567}" type="datetimeFigureOut">
               <a:rPr lang="en-US" dirty="0"/>
               <a:pPr/>
-              <a:t>2/19/2021</a:t>
+              <a:t>2/22/2021</a:t>
             </a:fld>
             <a:endParaRPr lang="en-US" dirty="0"/>
           </a:p>
@@ -2050,7 +2053,7 @@
             <a:fld id="{B61BEF0D-F0BB-DE4B-95CE-6DB70DBA9567}" type="datetimeFigureOut">
               <a:rPr lang="en-US" dirty="0"/>
               <a:pPr/>
-              <a:t>2/19/2021</a:t>
+              <a:t>2/22/2021</a:t>
             </a:fld>
             <a:endParaRPr lang="en-US" dirty="0"/>
           </a:p>
@@ -2440,7 +2443,7 @@
             <a:fld id="{B61BEF0D-F0BB-DE4B-95CE-6DB70DBA9567}" type="datetimeFigureOut">
               <a:rPr lang="en-US" dirty="0"/>
               <a:pPr/>
-              <a:t>2/19/2021</a:t>
+              <a:t>2/22/2021</a:t>
             </a:fld>
             <a:endParaRPr lang="en-US" dirty="0"/>
           </a:p>
@@ -2606,7 +2609,7 @@
           <a:p>
             <a:fld id="{55C6B4A9-1611-4792-9094-5F34BCA07E0B}" type="datetimeFigureOut">
               <a:rPr lang="en-US" dirty="0"/>
-              <a:t>2/19/2021</a:t>
+              <a:t>2/22/2021</a:t>
             </a:fld>
             <a:endParaRPr lang="en-US" dirty="0"/>
           </a:p>
@@ -2782,7 +2785,7 @@
             <a:fld id="{B61BEF0D-F0BB-DE4B-95CE-6DB70DBA9567}" type="datetimeFigureOut">
               <a:rPr lang="en-US" dirty="0"/>
               <a:pPr/>
-              <a:t>2/19/2021</a:t>
+              <a:t>2/22/2021</a:t>
             </a:fld>
             <a:endParaRPr lang="en-US" dirty="0"/>
           </a:p>
@@ -2992,7 +2995,7 @@
             <a:fld id="{B61BEF0D-F0BB-DE4B-95CE-6DB70DBA9567}" type="datetimeFigureOut">
               <a:rPr lang="en-US" dirty="0"/>
               <a:pPr/>
-              <a:t>2/19/2021</a:t>
+              <a:t>2/22/2021</a:t>
             </a:fld>
             <a:endParaRPr lang="en-US" dirty="0"/>
           </a:p>
@@ -3236,7 +3239,7 @@
             <a:fld id="{B61BEF0D-F0BB-DE4B-95CE-6DB70DBA9567}" type="datetimeFigureOut">
               <a:rPr lang="en-US" dirty="0"/>
               <a:pPr/>
-              <a:t>2/19/2021</a:t>
+              <a:t>2/22/2021</a:t>
             </a:fld>
             <a:endParaRPr lang="en-US" dirty="0"/>
           </a:p>
@@ -3464,7 +3467,7 @@
           <a:p>
             <a:fld id="{EB712588-04B1-427B-82EE-E8DB90309F08}" type="datetimeFigureOut">
               <a:rPr lang="en-US" dirty="0"/>
-              <a:t>2/19/2021</a:t>
+              <a:t>2/22/2021</a:t>
             </a:fld>
             <a:endParaRPr lang="en-US" dirty="0"/>
           </a:p>
@@ -3834,7 +3837,7 @@
             <a:fld id="{B61BEF0D-F0BB-DE4B-95CE-6DB70DBA9567}" type="datetimeFigureOut">
               <a:rPr lang="en-US" dirty="0"/>
               <a:pPr/>
-              <a:t>2/19/2021</a:t>
+              <a:t>2/22/2021</a:t>
             </a:fld>
             <a:endParaRPr lang="en-US" dirty="0"/>
           </a:p>
@@ -3954,7 +3957,7 @@
             <a:fld id="{B61BEF0D-F0BB-DE4B-95CE-6DB70DBA9567}" type="datetimeFigureOut">
               <a:rPr lang="en-US" dirty="0"/>
               <a:pPr/>
-              <a:t>2/19/2021</a:t>
+              <a:t>2/22/2021</a:t>
             </a:fld>
             <a:endParaRPr lang="en-US" dirty="0"/>
           </a:p>
@@ -4046,7 +4049,7 @@
             <a:fld id="{B61BEF0D-F0BB-DE4B-95CE-6DB70DBA9567}" type="datetimeFigureOut">
               <a:rPr lang="en-US" dirty="0"/>
               <a:pPr/>
-              <a:t>2/19/2021</a:t>
+              <a:t>2/22/2021</a:t>
             </a:fld>
             <a:endParaRPr lang="en-US" dirty="0"/>
           </a:p>
@@ -4297,7 +4300,7 @@
           <a:p>
             <a:fld id="{42A54C80-263E-416B-A8E0-580EDEADCBDC}" type="datetimeFigureOut">
               <a:rPr lang="en-US" dirty="0"/>
-              <a:t>2/19/2021</a:t>
+              <a:t>2/22/2021</a:t>
             </a:fld>
             <a:endParaRPr lang="en-US" dirty="0"/>
           </a:p>
@@ -4556,7 +4559,7 @@
             <a:fld id="{B61BEF0D-F0BB-DE4B-95CE-6DB70DBA9567}" type="datetimeFigureOut">
               <a:rPr lang="en-US" dirty="0"/>
               <a:pPr/>
-              <a:t>2/19/2021</a:t>
+              <a:t>2/22/2021</a:t>
             </a:fld>
             <a:endParaRPr lang="en-US" dirty="0"/>
           </a:p>
@@ -5296,7 +5299,7 @@
             <a:fld id="{B61BEF0D-F0BB-DE4B-95CE-6DB70DBA9567}" type="datetimeFigureOut">
               <a:rPr lang="en-US" dirty="0"/>
               <a:pPr/>
-              <a:t>2/19/2021</a:t>
+              <a:t>2/22/2021</a:t>
             </a:fld>
             <a:endParaRPr lang="en-US" dirty="0"/>
           </a:p>
@@ -5889,6 +5892,1178 @@
 </p:sld>
 </file>
 
+<file path=ppt/slides/slide10.xml><?xml version="1.0" encoding="utf-8"?>
+<p:sld xmlns:a="http://schemas.openxmlformats.org/drawingml/2006/main" xmlns:r="http://schemas.openxmlformats.org/officeDocument/2006/relationships" xmlns:p="http://schemas.openxmlformats.org/presentationml/2006/main">
+  <p:cSld>
+    <p:spTree>
+      <p:nvGrpSpPr>
+        <p:cNvPr id="1" name=""/>
+        <p:cNvGrpSpPr/>
+        <p:nvPr/>
+      </p:nvGrpSpPr>
+      <p:grpSpPr>
+        <a:xfrm>
+          <a:off x="0" y="0"/>
+          <a:ext cx="0" cy="0"/>
+          <a:chOff x="0" y="0"/>
+          <a:chExt cx="0" cy="0"/>
+        </a:xfrm>
+      </p:grpSpPr>
+      <p:sp>
+        <p:nvSpPr>
+          <p:cNvPr id="2" name="제목 1">
+            <a:extLst>
+              <a:ext uri="{FF2B5EF4-FFF2-40B4-BE49-F238E27FC236}">
+                <a16:creationId xmlns:a16="http://schemas.microsoft.com/office/drawing/2014/main" id="{DBFA7521-F0B7-4081-927B-7E6F3D1B1EA1}"/>
+              </a:ext>
+            </a:extLst>
+          </p:cNvPr>
+          <p:cNvSpPr>
+            <a:spLocks noGrp="1"/>
+          </p:cNvSpPr>
+          <p:nvPr>
+            <p:ph type="title"/>
+          </p:nvPr>
+        </p:nvSpPr>
+        <p:spPr/>
+        <p:txBody>
+          <a:bodyPr>
+            <a:normAutofit fontScale="90000"/>
+          </a:bodyPr>
+          <a:lstStyle/>
+          <a:p>
+            <a:r>
+              <a:rPr lang="en-US" altLang="ko-KR" dirty="0" smtClean="0"/>
+              <a:t>Decentralized</a:t>
+            </a:r>
+            <a:r>
+              <a:rPr lang="ko-KR" altLang="en-US" dirty="0" smtClean="0"/>
+              <a:t> </a:t>
+            </a:r>
+            <a:r>
+              <a:rPr lang="en-US" altLang="ko-KR" dirty="0"/>
+              <a:t>Model</a:t>
+            </a:r>
+            <a:r>
+              <a:rPr lang="ko-KR" altLang="en-US" dirty="0"/>
+              <a:t> </a:t>
+            </a:r>
+            <a:r>
+              <a:rPr lang="en-US" altLang="ko-KR" dirty="0"/>
+              <a:t>with Practical</a:t>
+            </a:r>
+            <a:r>
+              <a:rPr lang="ko-KR" altLang="en-US" dirty="0"/>
+              <a:t> </a:t>
+            </a:r>
+            <a:r>
+              <a:rPr lang="en-US" altLang="ko-KR" dirty="0"/>
+              <a:t>Restraints</a:t>
+            </a:r>
+            <a:br>
+              <a:rPr lang="en-US" altLang="ko-KR" dirty="0"/>
+            </a:br>
+            <a:endParaRPr lang="ko-KR" altLang="en-US" dirty="0"/>
+          </a:p>
+        </p:txBody>
+      </p:sp>
+      <p:sp>
+        <p:nvSpPr>
+          <p:cNvPr id="3" name="내용 개체 틀 2">
+            <a:extLst>
+              <a:ext uri="{FF2B5EF4-FFF2-40B4-BE49-F238E27FC236}">
+                <a16:creationId xmlns:a16="http://schemas.microsoft.com/office/drawing/2014/main" id="{68E84B35-C853-4134-BE56-E4704DBBA595}"/>
+              </a:ext>
+            </a:extLst>
+          </p:cNvPr>
+          <p:cNvSpPr>
+            <a:spLocks noGrp="1"/>
+          </p:cNvSpPr>
+          <p:nvPr>
+            <p:ph idx="1"/>
+          </p:nvPr>
+        </p:nvSpPr>
+        <p:spPr>
+          <a:xfrm>
+            <a:off x="677334" y="2160589"/>
+            <a:ext cx="4316995" cy="3880773"/>
+          </a:xfrm>
+        </p:spPr>
+        <p:txBody>
+          <a:bodyPr/>
+          <a:lstStyle/>
+          <a:p>
+            <a:r>
+              <a:rPr lang="en-US" altLang="ko-KR" dirty="0" smtClean="0"/>
+              <a:t> 3x3 grid</a:t>
+            </a:r>
+          </a:p>
+          <a:p>
+            <a:pPr lvl="1"/>
+            <a:r>
+              <a:rPr lang="en-US" altLang="ko-KR" dirty="0" smtClean="0"/>
+              <a:t>9 Agents</a:t>
+            </a:r>
+          </a:p>
+          <a:p>
+            <a:pPr lvl="1"/>
+            <a:r>
+              <a:rPr lang="en-US" altLang="ko-KR" dirty="0" smtClean="0"/>
+              <a:t>Random Routing Generation</a:t>
+            </a:r>
+            <a:br>
+              <a:rPr lang="en-US" altLang="ko-KR" dirty="0" smtClean="0"/>
+            </a:br>
+            <a:r>
+              <a:rPr lang="en-US" altLang="ko-KR" dirty="0" smtClean="0">
+                <a:sym typeface="Wingdings" panose="05000000000000000000" pitchFamily="2" charset="2"/>
+              </a:rPr>
+              <a:t> 1 period, 1.5 scaled</a:t>
+            </a:r>
+          </a:p>
+        </p:txBody>
+      </p:sp>
+      <p:sp>
+        <p:nvSpPr>
+          <p:cNvPr id="4" name="내용 개체 틀 2">
+            <a:extLst>
+              <a:ext uri="{FF2B5EF4-FFF2-40B4-BE49-F238E27FC236}">
+                <a16:creationId xmlns:a16="http://schemas.microsoft.com/office/drawing/2014/main" id="{68E84B35-C853-4134-BE56-E4704DBBA595}"/>
+              </a:ext>
+            </a:extLst>
+          </p:cNvPr>
+          <p:cNvSpPr txBox="1">
+            <a:spLocks/>
+          </p:cNvSpPr>
+          <p:nvPr/>
+        </p:nvSpPr>
+        <p:spPr>
+          <a:xfrm>
+            <a:off x="5060769" y="2160589"/>
+            <a:ext cx="4316995" cy="3880773"/>
+          </a:xfrm>
+          <a:prstGeom prst="rect">
+            <a:avLst/>
+          </a:prstGeom>
+        </p:spPr>
+        <p:txBody>
+          <a:bodyPr vert="horz" lIns="91440" tIns="45720" rIns="91440" bIns="45720" rtlCol="0">
+            <a:normAutofit/>
+          </a:bodyPr>
+          <a:lstStyle>
+            <a:lvl1pPr marL="342900" indent="-342900" algn="l" defTabSz="457200" rtl="0" eaLnBrk="1" latinLnBrk="1" hangingPunct="1">
+              <a:spcBef>
+                <a:spcPts val="1000"/>
+              </a:spcBef>
+              <a:spcAft>
+                <a:spcPts val="0"/>
+              </a:spcAft>
+              <a:buClr>
+                <a:schemeClr val="accent1"/>
+              </a:buClr>
+              <a:buSzPct val="80000"/>
+              <a:buFont typeface="Wingdings 3" charset="2"/>
+              <a:buChar char=""/>
+              <a:defRPr sz="1800" kern="1200">
+                <a:solidFill>
+                  <a:schemeClr val="tx1">
+                    <a:lumMod val="75000"/>
+                    <a:lumOff val="25000"/>
+                  </a:schemeClr>
+                </a:solidFill>
+                <a:latin typeface="맑은 고딕" panose="020B0503020000020004" pitchFamily="50" charset="-127"/>
+                <a:ea typeface="맑은 고딕" panose="020B0503020000020004" pitchFamily="50" charset="-127"/>
+                <a:cs typeface="+mn-cs"/>
+              </a:defRPr>
+            </a:lvl1pPr>
+            <a:lvl2pPr marL="800100" indent="-342900" algn="l" defTabSz="457200" rtl="0" eaLnBrk="1" latinLnBrk="1" hangingPunct="1">
+              <a:spcBef>
+                <a:spcPts val="1000"/>
+              </a:spcBef>
+              <a:spcAft>
+                <a:spcPts val="0"/>
+              </a:spcAft>
+              <a:buClr>
+                <a:schemeClr val="accent1"/>
+              </a:buClr>
+              <a:buSzPct val="80000"/>
+              <a:buFont typeface="+mj-lt"/>
+              <a:buAutoNum type="arabicPeriod"/>
+              <a:defRPr sz="1600" kern="1200">
+                <a:solidFill>
+                  <a:schemeClr val="tx1">
+                    <a:lumMod val="75000"/>
+                    <a:lumOff val="25000"/>
+                  </a:schemeClr>
+                </a:solidFill>
+                <a:latin typeface="맑은 고딕" panose="020B0503020000020004" pitchFamily="50" charset="-127"/>
+                <a:ea typeface="맑은 고딕" panose="020B0503020000020004" pitchFamily="50" charset="-127"/>
+                <a:cs typeface="+mn-cs"/>
+              </a:defRPr>
+            </a:lvl2pPr>
+            <a:lvl3pPr marL="1257300" indent="-342900" algn="l" defTabSz="457200" rtl="0" eaLnBrk="1" latinLnBrk="1" hangingPunct="1">
+              <a:spcBef>
+                <a:spcPts val="1000"/>
+              </a:spcBef>
+              <a:spcAft>
+                <a:spcPts val="0"/>
+              </a:spcAft>
+              <a:buClr>
+                <a:schemeClr val="accent1"/>
+              </a:buClr>
+              <a:buSzPct val="80000"/>
+              <a:buFont typeface="+mj-lt"/>
+              <a:buAutoNum type="arabicParenR"/>
+              <a:defRPr sz="1400" kern="1200">
+                <a:solidFill>
+                  <a:schemeClr val="tx1">
+                    <a:lumMod val="75000"/>
+                    <a:lumOff val="25000"/>
+                  </a:schemeClr>
+                </a:solidFill>
+                <a:latin typeface="맑은 고딕" panose="020B0503020000020004" pitchFamily="50" charset="-127"/>
+                <a:ea typeface="맑은 고딕" panose="020B0503020000020004" pitchFamily="50" charset="-127"/>
+                <a:cs typeface="+mn-cs"/>
+              </a:defRPr>
+            </a:lvl3pPr>
+            <a:lvl4pPr marL="1600200" indent="-228600" algn="l" defTabSz="457200" rtl="0" eaLnBrk="1" latinLnBrk="1" hangingPunct="1">
+              <a:spcBef>
+                <a:spcPts val="1000"/>
+              </a:spcBef>
+              <a:spcAft>
+                <a:spcPts val="0"/>
+              </a:spcAft>
+              <a:buClr>
+                <a:schemeClr val="accent1"/>
+              </a:buClr>
+              <a:buSzPct val="80000"/>
+              <a:buFont typeface="Wingdings" panose="05000000000000000000" pitchFamily="2" charset="2"/>
+              <a:buChar char="l"/>
+              <a:defRPr sz="1200" kern="1200">
+                <a:solidFill>
+                  <a:schemeClr val="tx1">
+                    <a:lumMod val="75000"/>
+                    <a:lumOff val="25000"/>
+                  </a:schemeClr>
+                </a:solidFill>
+                <a:latin typeface="맑은 고딕" panose="020B0503020000020004" pitchFamily="50" charset="-127"/>
+                <a:ea typeface="맑은 고딕" panose="020B0503020000020004" pitchFamily="50" charset="-127"/>
+                <a:cs typeface="+mn-cs"/>
+              </a:defRPr>
+            </a:lvl4pPr>
+            <a:lvl5pPr marL="2057400" indent="-228600" algn="l" defTabSz="457200" rtl="0" eaLnBrk="1" latinLnBrk="1" hangingPunct="1">
+              <a:spcBef>
+                <a:spcPts val="1000"/>
+              </a:spcBef>
+              <a:spcAft>
+                <a:spcPts val="0"/>
+              </a:spcAft>
+              <a:buClr>
+                <a:schemeClr val="accent1"/>
+              </a:buClr>
+              <a:buSzPct val="80000"/>
+              <a:buFont typeface="Wingdings 3" charset="2"/>
+              <a:buChar char=""/>
+              <a:defRPr sz="1200" kern="1200">
+                <a:solidFill>
+                  <a:schemeClr val="tx1">
+                    <a:lumMod val="75000"/>
+                    <a:lumOff val="25000"/>
+                  </a:schemeClr>
+                </a:solidFill>
+                <a:latin typeface="맑은 고딕" panose="020B0503020000020004" pitchFamily="50" charset="-127"/>
+                <a:ea typeface="맑은 고딕" panose="020B0503020000020004" pitchFamily="50" charset="-127"/>
+                <a:cs typeface="+mn-cs"/>
+              </a:defRPr>
+            </a:lvl5pPr>
+            <a:lvl6pPr marL="2514600" indent="-228600" algn="l" defTabSz="457200" rtl="0" eaLnBrk="1" latinLnBrk="1" hangingPunct="1">
+              <a:spcBef>
+                <a:spcPts val="1000"/>
+              </a:spcBef>
+              <a:spcAft>
+                <a:spcPts val="0"/>
+              </a:spcAft>
+              <a:buClr>
+                <a:schemeClr val="accent1"/>
+              </a:buClr>
+              <a:buSzPct val="80000"/>
+              <a:buFont typeface="Wingdings 3" charset="2"/>
+              <a:buChar char=""/>
+              <a:defRPr sz="1200" kern="1200">
+                <a:solidFill>
+                  <a:schemeClr val="tx1">
+                    <a:lumMod val="75000"/>
+                    <a:lumOff val="25000"/>
+                  </a:schemeClr>
+                </a:solidFill>
+                <a:latin typeface="+mn-lt"/>
+                <a:ea typeface="+mn-ea"/>
+                <a:cs typeface="+mn-cs"/>
+              </a:defRPr>
+            </a:lvl6pPr>
+            <a:lvl7pPr marL="2971800" indent="-228600" algn="l" defTabSz="457200" rtl="0" eaLnBrk="1" latinLnBrk="1" hangingPunct="1">
+              <a:spcBef>
+                <a:spcPts val="1000"/>
+              </a:spcBef>
+              <a:spcAft>
+                <a:spcPts val="0"/>
+              </a:spcAft>
+              <a:buClr>
+                <a:schemeClr val="accent1"/>
+              </a:buClr>
+              <a:buSzPct val="80000"/>
+              <a:buFont typeface="Wingdings 3" charset="2"/>
+              <a:buChar char=""/>
+              <a:defRPr sz="1200" kern="1200">
+                <a:solidFill>
+                  <a:schemeClr val="tx1">
+                    <a:lumMod val="75000"/>
+                    <a:lumOff val="25000"/>
+                  </a:schemeClr>
+                </a:solidFill>
+                <a:latin typeface="+mn-lt"/>
+                <a:ea typeface="+mn-ea"/>
+                <a:cs typeface="+mn-cs"/>
+              </a:defRPr>
+            </a:lvl7pPr>
+            <a:lvl8pPr marL="3429000" indent="-228600" algn="l" defTabSz="457200" rtl="0" eaLnBrk="1" latinLnBrk="1" hangingPunct="1">
+              <a:spcBef>
+                <a:spcPts val="1000"/>
+              </a:spcBef>
+              <a:spcAft>
+                <a:spcPts val="0"/>
+              </a:spcAft>
+              <a:buClr>
+                <a:schemeClr val="accent1"/>
+              </a:buClr>
+              <a:buSzPct val="80000"/>
+              <a:buFont typeface="Wingdings 3" charset="2"/>
+              <a:buChar char=""/>
+              <a:defRPr sz="1200" kern="1200">
+                <a:solidFill>
+                  <a:schemeClr val="tx1">
+                    <a:lumMod val="75000"/>
+                    <a:lumOff val="25000"/>
+                  </a:schemeClr>
+                </a:solidFill>
+                <a:latin typeface="+mn-lt"/>
+                <a:ea typeface="+mn-ea"/>
+                <a:cs typeface="+mn-cs"/>
+              </a:defRPr>
+            </a:lvl8pPr>
+            <a:lvl9pPr marL="3886200" indent="-228600" algn="l" defTabSz="457200" rtl="0" eaLnBrk="1" latinLnBrk="1" hangingPunct="1">
+              <a:spcBef>
+                <a:spcPts val="1000"/>
+              </a:spcBef>
+              <a:spcAft>
+                <a:spcPts val="0"/>
+              </a:spcAft>
+              <a:buClr>
+                <a:schemeClr val="accent1"/>
+              </a:buClr>
+              <a:buSzPct val="80000"/>
+              <a:buFont typeface="Wingdings 3" charset="2"/>
+              <a:buChar char=""/>
+              <a:defRPr sz="1200" kern="1200">
+                <a:solidFill>
+                  <a:schemeClr val="tx1">
+                    <a:lumMod val="75000"/>
+                    <a:lumOff val="25000"/>
+                  </a:schemeClr>
+                </a:solidFill>
+                <a:latin typeface="+mn-lt"/>
+                <a:ea typeface="+mn-ea"/>
+                <a:cs typeface="+mn-cs"/>
+              </a:defRPr>
+            </a:lvl9pPr>
+          </a:lstStyle>
+          <a:p>
+            <a:r>
+              <a:rPr lang="en-US" altLang="ko-KR" dirty="0" smtClean="0"/>
+              <a:t> </a:t>
+            </a:r>
+            <a:r>
+              <a:rPr lang="en-US" altLang="ko-KR" dirty="0" err="1" smtClean="0"/>
+              <a:t>Dunsan</a:t>
+            </a:r>
+            <a:endParaRPr lang="en-US" altLang="ko-KR" dirty="0" smtClean="0"/>
+          </a:p>
+          <a:p>
+            <a:pPr lvl="1"/>
+            <a:r>
+              <a:rPr lang="en-US" altLang="ko-KR" dirty="0" smtClean="0"/>
+              <a:t>11 Agents</a:t>
+            </a:r>
+          </a:p>
+          <a:p>
+            <a:pPr lvl="1"/>
+            <a:r>
+              <a:rPr lang="en-US" altLang="ko-KR" dirty="0" smtClean="0"/>
+              <a:t>Real Demand based training</a:t>
+            </a:r>
+            <a:br>
+              <a:rPr lang="en-US" altLang="ko-KR" dirty="0" smtClean="0"/>
+            </a:br>
+            <a:r>
+              <a:rPr lang="en-US" altLang="ko-KR" dirty="0" smtClean="0">
+                <a:sym typeface="Wingdings" panose="05000000000000000000" pitchFamily="2" charset="2"/>
+              </a:rPr>
+              <a:t> 0-3am, 2.0 scaled</a:t>
+            </a:r>
+            <a:endParaRPr lang="ko-KR" altLang="en-US" dirty="0"/>
+          </a:p>
+        </p:txBody>
+      </p:sp>
+      <p:pic>
+        <p:nvPicPr>
+          <p:cNvPr id="5" name="그림 4"/>
+          <p:cNvPicPr>
+            <a:picLocks noChangeAspect="1"/>
+          </p:cNvPicPr>
+          <p:nvPr/>
+        </p:nvPicPr>
+        <p:blipFill rotWithShape="1">
+          <a:blip r:embed="rId2"/>
+          <a:srcRect r="1402" b="11548"/>
+          <a:stretch/>
+        </p:blipFill>
+        <p:spPr>
+          <a:xfrm>
+            <a:off x="6916831" y="1939056"/>
+            <a:ext cx="2796732" cy="1041354"/>
+          </a:xfrm>
+          <a:prstGeom prst="rect">
+            <a:avLst/>
+          </a:prstGeom>
+        </p:spPr>
+      </p:pic>
+      <p:graphicFrame>
+        <p:nvGraphicFramePr>
+          <p:cNvPr id="7" name="표 6"/>
+          <p:cNvGraphicFramePr>
+            <a:graphicFrameLocks noGrp="1"/>
+          </p:cNvGraphicFramePr>
+          <p:nvPr>
+            <p:extLst>
+              <p:ext uri="{D42A27DB-BD31-4B8C-83A1-F6EECF244321}">
+                <p14:modId xmlns:p14="http://schemas.microsoft.com/office/powerpoint/2010/main" val="3845283694"/>
+              </p:ext>
+            </p:extLst>
+          </p:nvPr>
+        </p:nvGraphicFramePr>
+        <p:xfrm>
+          <a:off x="5384940" y="3579104"/>
+          <a:ext cx="4160723" cy="2118210"/>
+        </p:xfrm>
+        <a:graphic>
+          <a:graphicData uri="http://schemas.openxmlformats.org/drawingml/2006/table">
+            <a:tbl>
+              <a:tblPr firstRow="1" bandRow="1">
+                <a:tableStyleId>{5C22544A-7EE6-4342-B048-85BDC9FD1C3A}</a:tableStyleId>
+              </a:tblPr>
+              <a:tblGrid>
+                <a:gridCol w="1151333">
+                  <a:extLst>
+                    <a:ext uri="{9D8B030D-6E8A-4147-A177-3AD203B41FA5}">
+                      <a16:colId xmlns:a16="http://schemas.microsoft.com/office/drawing/2014/main" val="3455510951"/>
+                    </a:ext>
+                  </a:extLst>
+                </a:gridCol>
+                <a:gridCol w="1336866">
+                  <a:extLst>
+                    <a:ext uri="{9D8B030D-6E8A-4147-A177-3AD203B41FA5}">
+                      <a16:colId xmlns:a16="http://schemas.microsoft.com/office/drawing/2014/main" val="718858861"/>
+                    </a:ext>
+                  </a:extLst>
+                </a:gridCol>
+                <a:gridCol w="1672524">
+                  <a:extLst>
+                    <a:ext uri="{9D8B030D-6E8A-4147-A177-3AD203B41FA5}">
+                      <a16:colId xmlns:a16="http://schemas.microsoft.com/office/drawing/2014/main" val="3835679529"/>
+                    </a:ext>
+                  </a:extLst>
+                </a:gridCol>
+              </a:tblGrid>
+              <a:tr h="401270">
+                <a:tc>
+                  <a:txBody>
+                    <a:bodyPr/>
+                    <a:lstStyle/>
+                    <a:p>
+                      <a:pPr latinLnBrk="1"/>
+                      <a:r>
+                        <a:rPr lang="en-US" altLang="ko-KR" sz="1600" dirty="0" err="1" smtClean="0"/>
+                        <a:t>Avg</a:t>
+                      </a:r>
+                      <a:r>
+                        <a:rPr lang="en-US" altLang="ko-KR" sz="1600" baseline="0" dirty="0" smtClean="0"/>
+                        <a:t> Value</a:t>
+                      </a:r>
+                      <a:endParaRPr lang="ko-KR" altLang="en-US" sz="1600" dirty="0"/>
+                    </a:p>
+                  </a:txBody>
+                  <a:tcPr/>
+                </a:tc>
+                <a:tc>
+                  <a:txBody>
+                    <a:bodyPr/>
+                    <a:lstStyle/>
+                    <a:p>
+                      <a:pPr latinLnBrk="1"/>
+                      <a:r>
+                        <a:rPr lang="en-US" altLang="ko-KR" sz="1600" dirty="0" smtClean="0"/>
+                        <a:t>Simulation</a:t>
+                      </a:r>
+                      <a:endParaRPr lang="ko-KR" altLang="en-US" sz="1600" dirty="0"/>
+                    </a:p>
+                  </a:txBody>
+                  <a:tcPr/>
+                </a:tc>
+                <a:tc>
+                  <a:txBody>
+                    <a:bodyPr/>
+                    <a:lstStyle/>
+                    <a:p>
+                      <a:pPr latinLnBrk="1"/>
+                      <a:r>
+                        <a:rPr lang="en-US" altLang="ko-KR" sz="1600" dirty="0" smtClean="0"/>
+                        <a:t>Decentralized</a:t>
+                      </a:r>
+                      <a:endParaRPr lang="ko-KR" altLang="en-US" sz="1600" dirty="0"/>
+                    </a:p>
+                  </a:txBody>
+                  <a:tcPr/>
+                </a:tc>
+                <a:extLst>
+                  <a:ext uri="{0D108BD9-81ED-4DB2-BD59-A6C34878D82A}">
+                    <a16:rowId xmlns:a16="http://schemas.microsoft.com/office/drawing/2014/main" val="3290613489"/>
+                  </a:ext>
+                </a:extLst>
+              </a:tr>
+              <a:tr h="401270">
+                <a:tc>
+                  <a:txBody>
+                    <a:bodyPr/>
+                    <a:lstStyle/>
+                    <a:p>
+                      <a:pPr latinLnBrk="1"/>
+                      <a:r>
+                        <a:rPr lang="en-US" altLang="ko-KR" sz="1200" dirty="0" smtClean="0"/>
+                        <a:t>Travel Time</a:t>
+                      </a:r>
+                    </a:p>
+                    <a:p>
+                      <a:pPr latinLnBrk="1"/>
+                      <a:r>
+                        <a:rPr lang="en-US" altLang="ko-KR" sz="1200" dirty="0" smtClean="0"/>
+                        <a:t>(per edge)</a:t>
+                      </a:r>
+                      <a:endParaRPr lang="ko-KR" altLang="en-US" sz="1200" dirty="0"/>
+                    </a:p>
+                  </a:txBody>
+                  <a:tcPr/>
+                </a:tc>
+                <a:tc>
+                  <a:txBody>
+                    <a:bodyPr/>
+                    <a:lstStyle/>
+                    <a:p>
+                      <a:pPr latinLnBrk="1"/>
+                      <a:r>
+                        <a:rPr lang="en-US" altLang="ko-KR" sz="1600" dirty="0" smtClean="0"/>
+                        <a:t>13.82s</a:t>
+                      </a:r>
+                      <a:endParaRPr lang="ko-KR" altLang="en-US" sz="1600" dirty="0"/>
+                    </a:p>
+                  </a:txBody>
+                  <a:tcPr/>
+                </a:tc>
+                <a:tc>
+                  <a:txBody>
+                    <a:bodyPr/>
+                    <a:lstStyle/>
+                    <a:p>
+                      <a:pPr latinLnBrk="1"/>
+                      <a:r>
+                        <a:rPr lang="en-US" altLang="ko-KR" sz="1600" dirty="0" smtClean="0"/>
+                        <a:t>14.5s</a:t>
+                      </a:r>
+                      <a:endParaRPr lang="ko-KR" altLang="en-US" sz="1600" dirty="0"/>
+                    </a:p>
+                  </a:txBody>
+                  <a:tcPr/>
+                </a:tc>
+                <a:extLst>
+                  <a:ext uri="{0D108BD9-81ED-4DB2-BD59-A6C34878D82A}">
+                    <a16:rowId xmlns:a16="http://schemas.microsoft.com/office/drawing/2014/main" val="3098175826"/>
+                  </a:ext>
+                </a:extLst>
+              </a:tr>
+              <a:tr h="401270">
+                <a:tc>
+                  <a:txBody>
+                    <a:bodyPr/>
+                    <a:lstStyle/>
+                    <a:p>
+                      <a:pPr latinLnBrk="1"/>
+                      <a:r>
+                        <a:rPr lang="en-US" altLang="ko-KR" sz="1200" dirty="0" smtClean="0"/>
+                        <a:t>Velocity</a:t>
+                      </a:r>
+                      <a:endParaRPr lang="ko-KR" altLang="en-US" sz="1200" dirty="0"/>
+                    </a:p>
+                  </a:txBody>
+                  <a:tcPr/>
+                </a:tc>
+                <a:tc>
+                  <a:txBody>
+                    <a:bodyPr/>
+                    <a:lstStyle/>
+                    <a:p>
+                      <a:pPr latinLnBrk="1"/>
+                      <a:r>
+                        <a:rPr lang="en-US" altLang="ko-KR" sz="1600" dirty="0" smtClean="0"/>
+                        <a:t>5.93m/s</a:t>
+                      </a:r>
+                      <a:endParaRPr lang="ko-KR" altLang="en-US" sz="1600" dirty="0"/>
+                    </a:p>
+                  </a:txBody>
+                  <a:tcPr/>
+                </a:tc>
+                <a:tc>
+                  <a:txBody>
+                    <a:bodyPr/>
+                    <a:lstStyle/>
+                    <a:p>
+                      <a:pPr latinLnBrk="1"/>
+                      <a:r>
+                        <a:rPr lang="en-US" altLang="ko-KR" sz="1600" dirty="0" smtClean="0"/>
+                        <a:t>5.79m/s</a:t>
+                      </a:r>
+                      <a:endParaRPr lang="ko-KR" altLang="en-US" sz="1600" dirty="0"/>
+                    </a:p>
+                  </a:txBody>
+                  <a:tcPr/>
+                </a:tc>
+                <a:extLst>
+                  <a:ext uri="{0D108BD9-81ED-4DB2-BD59-A6C34878D82A}">
+                    <a16:rowId xmlns:a16="http://schemas.microsoft.com/office/drawing/2014/main" val="2603964071"/>
+                  </a:ext>
+                </a:extLst>
+              </a:tr>
+              <a:tr h="401270">
+                <a:tc>
+                  <a:txBody>
+                    <a:bodyPr/>
+                    <a:lstStyle/>
+                    <a:p>
+                      <a:pPr latinLnBrk="1"/>
+                      <a:r>
+                        <a:rPr lang="en-US" altLang="ko-KR" sz="1200" dirty="0" smtClean="0"/>
+                        <a:t>Waiting Time</a:t>
+                      </a:r>
+                      <a:br>
+                        <a:rPr lang="en-US" altLang="ko-KR" sz="1200" dirty="0" smtClean="0"/>
+                      </a:br>
+                      <a:r>
+                        <a:rPr lang="en-US" altLang="ko-KR" sz="1200" dirty="0" smtClean="0"/>
+                        <a:t>(whole</a:t>
+                      </a:r>
+                      <a:r>
+                        <a:rPr lang="en-US" altLang="ko-KR" sz="1200" baseline="0" dirty="0" smtClean="0"/>
+                        <a:t> trip)</a:t>
+                      </a:r>
+                      <a:endParaRPr lang="ko-KR" altLang="en-US" sz="1200" dirty="0"/>
+                    </a:p>
+                  </a:txBody>
+                  <a:tcPr/>
+                </a:tc>
+                <a:tc>
+                  <a:txBody>
+                    <a:bodyPr/>
+                    <a:lstStyle/>
+                    <a:p>
+                      <a:pPr latinLnBrk="1"/>
+                      <a:r>
+                        <a:rPr lang="en-US" altLang="ko-KR" sz="1600" dirty="0" smtClean="0"/>
+                        <a:t>495.5s/</a:t>
+                      </a:r>
+                      <a:r>
+                        <a:rPr lang="en-US" altLang="ko-KR" sz="1600" dirty="0" err="1" smtClean="0"/>
+                        <a:t>veh</a:t>
+                      </a:r>
+                      <a:endParaRPr lang="ko-KR" altLang="en-US" sz="1600" dirty="0"/>
+                    </a:p>
+                  </a:txBody>
+                  <a:tcPr/>
+                </a:tc>
+                <a:tc>
+                  <a:txBody>
+                    <a:bodyPr/>
+                    <a:lstStyle/>
+                    <a:p>
+                      <a:pPr latinLnBrk="1"/>
+                      <a:r>
+                        <a:rPr lang="en-US" altLang="ko-KR" sz="1600" dirty="0" smtClean="0"/>
+                        <a:t>534s/</a:t>
+                      </a:r>
+                      <a:r>
+                        <a:rPr lang="en-US" altLang="ko-KR" sz="1600" dirty="0" err="1" smtClean="0"/>
+                        <a:t>veh</a:t>
+                      </a:r>
+                      <a:endParaRPr lang="ko-KR" altLang="en-US" sz="1600" dirty="0"/>
+                    </a:p>
+                  </a:txBody>
+                  <a:tcPr/>
+                </a:tc>
+                <a:extLst>
+                  <a:ext uri="{0D108BD9-81ED-4DB2-BD59-A6C34878D82A}">
+                    <a16:rowId xmlns:a16="http://schemas.microsoft.com/office/drawing/2014/main" val="1504317479"/>
+                  </a:ext>
+                </a:extLst>
+              </a:tr>
+              <a:tr h="401270">
+                <a:tc>
+                  <a:txBody>
+                    <a:bodyPr/>
+                    <a:lstStyle/>
+                    <a:p>
+                      <a:pPr latinLnBrk="1"/>
+                      <a:r>
+                        <a:rPr lang="en-US" altLang="ko-KR" sz="1200" dirty="0" smtClean="0"/>
+                        <a:t>Arrived </a:t>
+                      </a:r>
+                      <a:r>
+                        <a:rPr lang="en-US" altLang="ko-KR" sz="1200" dirty="0" err="1" smtClean="0"/>
+                        <a:t>Num</a:t>
+                      </a:r>
+                      <a:endParaRPr lang="ko-KR" altLang="en-US" sz="1200" dirty="0"/>
+                    </a:p>
+                  </a:txBody>
+                  <a:tcPr/>
+                </a:tc>
+                <a:tc>
+                  <a:txBody>
+                    <a:bodyPr/>
+                    <a:lstStyle/>
+                    <a:p>
+                      <a:pPr latinLnBrk="1"/>
+                      <a:r>
+                        <a:rPr lang="en-US" altLang="ko-KR" sz="1600" dirty="0" smtClean="0"/>
+                        <a:t>10951</a:t>
+                      </a:r>
+                      <a:endParaRPr lang="ko-KR" altLang="en-US" sz="1600" dirty="0"/>
+                    </a:p>
+                  </a:txBody>
+                  <a:tcPr/>
+                </a:tc>
+                <a:tc>
+                  <a:txBody>
+                    <a:bodyPr/>
+                    <a:lstStyle/>
+                    <a:p>
+                      <a:pPr latinLnBrk="1"/>
+                      <a:r>
+                        <a:rPr lang="en-US" altLang="ko-KR" sz="1600" dirty="0" smtClean="0"/>
+                        <a:t>11022</a:t>
+                      </a:r>
+                      <a:endParaRPr lang="ko-KR" altLang="en-US" sz="1600" dirty="0"/>
+                    </a:p>
+                  </a:txBody>
+                  <a:tcPr/>
+                </a:tc>
+                <a:extLst>
+                  <a:ext uri="{0D108BD9-81ED-4DB2-BD59-A6C34878D82A}">
+                    <a16:rowId xmlns:a16="http://schemas.microsoft.com/office/drawing/2014/main" val="3416629328"/>
+                  </a:ext>
+                </a:extLst>
+              </a:tr>
+            </a:tbl>
+          </a:graphicData>
+        </a:graphic>
+      </p:graphicFrame>
+      <p:graphicFrame>
+        <p:nvGraphicFramePr>
+          <p:cNvPr id="8" name="표 7"/>
+          <p:cNvGraphicFramePr>
+            <a:graphicFrameLocks noGrp="1"/>
+          </p:cNvGraphicFramePr>
+          <p:nvPr>
+            <p:extLst>
+              <p:ext uri="{D42A27DB-BD31-4B8C-83A1-F6EECF244321}">
+                <p14:modId xmlns:p14="http://schemas.microsoft.com/office/powerpoint/2010/main" val="707739802"/>
+              </p:ext>
+            </p:extLst>
+          </p:nvPr>
+        </p:nvGraphicFramePr>
+        <p:xfrm>
+          <a:off x="678267" y="3590725"/>
+          <a:ext cx="4156848" cy="1716940"/>
+        </p:xfrm>
+        <a:graphic>
+          <a:graphicData uri="http://schemas.openxmlformats.org/drawingml/2006/table">
+            <a:tbl>
+              <a:tblPr firstRow="1" bandRow="1">
+                <a:tableStyleId>{5C22544A-7EE6-4342-B048-85BDC9FD1C3A}</a:tableStyleId>
+              </a:tblPr>
+              <a:tblGrid>
+                <a:gridCol w="1151333">
+                  <a:extLst>
+                    <a:ext uri="{9D8B030D-6E8A-4147-A177-3AD203B41FA5}">
+                      <a16:colId xmlns:a16="http://schemas.microsoft.com/office/drawing/2014/main" val="3455510951"/>
+                    </a:ext>
+                  </a:extLst>
+                </a:gridCol>
+                <a:gridCol w="1335573">
+                  <a:extLst>
+                    <a:ext uri="{9D8B030D-6E8A-4147-A177-3AD203B41FA5}">
+                      <a16:colId xmlns:a16="http://schemas.microsoft.com/office/drawing/2014/main" val="718858861"/>
+                    </a:ext>
+                  </a:extLst>
+                </a:gridCol>
+                <a:gridCol w="1669942">
+                  <a:extLst>
+                    <a:ext uri="{9D8B030D-6E8A-4147-A177-3AD203B41FA5}">
+                      <a16:colId xmlns:a16="http://schemas.microsoft.com/office/drawing/2014/main" val="3835679529"/>
+                    </a:ext>
+                  </a:extLst>
+                </a:gridCol>
+              </a:tblGrid>
+              <a:tr h="401270">
+                <a:tc>
+                  <a:txBody>
+                    <a:bodyPr/>
+                    <a:lstStyle/>
+                    <a:p>
+                      <a:pPr latinLnBrk="1"/>
+                      <a:r>
+                        <a:rPr lang="en-US" altLang="ko-KR" sz="1600" dirty="0" err="1" smtClean="0"/>
+                        <a:t>Avg</a:t>
+                      </a:r>
+                      <a:r>
+                        <a:rPr lang="en-US" altLang="ko-KR" sz="1600" baseline="0" dirty="0" smtClean="0"/>
+                        <a:t> Value</a:t>
+                      </a:r>
+                      <a:endParaRPr lang="ko-KR" altLang="en-US" sz="1600" dirty="0"/>
+                    </a:p>
+                  </a:txBody>
+                  <a:tcPr/>
+                </a:tc>
+                <a:tc>
+                  <a:txBody>
+                    <a:bodyPr/>
+                    <a:lstStyle/>
+                    <a:p>
+                      <a:pPr latinLnBrk="1"/>
+                      <a:r>
+                        <a:rPr lang="en-US" altLang="ko-KR" sz="1600" dirty="0" smtClean="0"/>
+                        <a:t>Simulation</a:t>
+                      </a:r>
+                      <a:endParaRPr lang="ko-KR" altLang="en-US" sz="1600" dirty="0"/>
+                    </a:p>
+                  </a:txBody>
+                  <a:tcPr/>
+                </a:tc>
+                <a:tc>
+                  <a:txBody>
+                    <a:bodyPr/>
+                    <a:lstStyle/>
+                    <a:p>
+                      <a:pPr latinLnBrk="1"/>
+                      <a:r>
+                        <a:rPr lang="en-US" altLang="ko-KR" sz="1600" dirty="0" smtClean="0"/>
+                        <a:t>Decentralized</a:t>
+                      </a:r>
+                      <a:endParaRPr lang="ko-KR" altLang="en-US" sz="1600" dirty="0"/>
+                    </a:p>
+                  </a:txBody>
+                  <a:tcPr/>
+                </a:tc>
+                <a:extLst>
+                  <a:ext uri="{0D108BD9-81ED-4DB2-BD59-A6C34878D82A}">
+                    <a16:rowId xmlns:a16="http://schemas.microsoft.com/office/drawing/2014/main" val="3290613489"/>
+                  </a:ext>
+                </a:extLst>
+              </a:tr>
+              <a:tr h="401270">
+                <a:tc>
+                  <a:txBody>
+                    <a:bodyPr/>
+                    <a:lstStyle/>
+                    <a:p>
+                      <a:pPr latinLnBrk="1"/>
+                      <a:r>
+                        <a:rPr lang="en-US" altLang="ko-KR" sz="1200" dirty="0" smtClean="0"/>
+                        <a:t>Travel Time</a:t>
+                      </a:r>
+                    </a:p>
+                    <a:p>
+                      <a:pPr latinLnBrk="1"/>
+                      <a:r>
+                        <a:rPr lang="en-US" altLang="ko-KR" sz="1200" dirty="0" smtClean="0"/>
+                        <a:t>(per edge)</a:t>
+                      </a:r>
+                      <a:endParaRPr lang="ko-KR" altLang="en-US" sz="1200" dirty="0"/>
+                    </a:p>
+                  </a:txBody>
+                  <a:tcPr/>
+                </a:tc>
+                <a:tc>
+                  <a:txBody>
+                    <a:bodyPr/>
+                    <a:lstStyle/>
+                    <a:p>
+                      <a:pPr latinLnBrk="1"/>
+                      <a:r>
+                        <a:rPr lang="en-US" altLang="ko-KR" sz="1600" dirty="0" smtClean="0"/>
+                        <a:t>25.5s</a:t>
+                      </a:r>
+                      <a:endParaRPr lang="ko-KR" altLang="en-US" sz="1600" dirty="0"/>
+                    </a:p>
+                  </a:txBody>
+                  <a:tcPr/>
+                </a:tc>
+                <a:tc>
+                  <a:txBody>
+                    <a:bodyPr/>
+                    <a:lstStyle/>
+                    <a:p>
+                      <a:pPr latinLnBrk="1"/>
+                      <a:endParaRPr lang="ko-KR" altLang="en-US" sz="1600" dirty="0"/>
+                    </a:p>
+                  </a:txBody>
+                  <a:tcPr/>
+                </a:tc>
+                <a:extLst>
+                  <a:ext uri="{0D108BD9-81ED-4DB2-BD59-A6C34878D82A}">
+                    <a16:rowId xmlns:a16="http://schemas.microsoft.com/office/drawing/2014/main" val="3098175826"/>
+                  </a:ext>
+                </a:extLst>
+              </a:tr>
+              <a:tr h="401270">
+                <a:tc>
+                  <a:txBody>
+                    <a:bodyPr/>
+                    <a:lstStyle/>
+                    <a:p>
+                      <a:pPr latinLnBrk="1"/>
+                      <a:r>
+                        <a:rPr lang="en-US" altLang="ko-KR" sz="1200" dirty="0" smtClean="0"/>
+                        <a:t>Velocity</a:t>
+                      </a:r>
+                      <a:endParaRPr lang="ko-KR" altLang="en-US" sz="1200" dirty="0"/>
+                    </a:p>
+                  </a:txBody>
+                  <a:tcPr/>
+                </a:tc>
+                <a:tc>
+                  <a:txBody>
+                    <a:bodyPr/>
+                    <a:lstStyle/>
+                    <a:p>
+                      <a:pPr latinLnBrk="1"/>
+                      <a:r>
+                        <a:rPr lang="en-US" altLang="ko-KR" sz="1600" dirty="0" smtClean="0"/>
+                        <a:t>2.13m/s</a:t>
+                      </a:r>
+                      <a:endParaRPr lang="ko-KR" altLang="en-US" sz="1600" dirty="0"/>
+                    </a:p>
+                  </a:txBody>
+                  <a:tcPr/>
+                </a:tc>
+                <a:tc>
+                  <a:txBody>
+                    <a:bodyPr/>
+                    <a:lstStyle/>
+                    <a:p>
+                      <a:pPr latinLnBrk="1"/>
+                      <a:endParaRPr lang="ko-KR" altLang="en-US" sz="1600" dirty="0"/>
+                    </a:p>
+                  </a:txBody>
+                  <a:tcPr/>
+                </a:tc>
+                <a:extLst>
+                  <a:ext uri="{0D108BD9-81ED-4DB2-BD59-A6C34878D82A}">
+                    <a16:rowId xmlns:a16="http://schemas.microsoft.com/office/drawing/2014/main" val="2603964071"/>
+                  </a:ext>
+                </a:extLst>
+              </a:tr>
+              <a:tr h="401270">
+                <a:tc>
+                  <a:txBody>
+                    <a:bodyPr/>
+                    <a:lstStyle/>
+                    <a:p>
+                      <a:pPr latinLnBrk="1"/>
+                      <a:r>
+                        <a:rPr lang="en-US" altLang="ko-KR" sz="1200" dirty="0" smtClean="0"/>
+                        <a:t>Waiting Time</a:t>
+                      </a:r>
+                      <a:br>
+                        <a:rPr lang="en-US" altLang="ko-KR" sz="1200" dirty="0" smtClean="0"/>
+                      </a:br>
+                      <a:r>
+                        <a:rPr lang="en-US" altLang="ko-KR" sz="1200" dirty="0" smtClean="0"/>
+                        <a:t>(whole</a:t>
+                      </a:r>
+                      <a:r>
+                        <a:rPr lang="en-US" altLang="ko-KR" sz="1200" baseline="0" dirty="0" smtClean="0"/>
+                        <a:t> trip)</a:t>
+                      </a:r>
+                      <a:endParaRPr lang="ko-KR" altLang="en-US" sz="1200" dirty="0"/>
+                    </a:p>
+                  </a:txBody>
+                  <a:tcPr/>
+                </a:tc>
+                <a:tc>
+                  <a:txBody>
+                    <a:bodyPr/>
+                    <a:lstStyle/>
+                    <a:p>
+                      <a:pPr latinLnBrk="1"/>
+                      <a:r>
+                        <a:rPr lang="en-US" altLang="ko-KR" sz="1600" dirty="0" smtClean="0"/>
+                        <a:t>4205.5s/</a:t>
+                      </a:r>
+                      <a:r>
+                        <a:rPr lang="en-US" altLang="ko-KR" sz="1600" dirty="0" err="1" smtClean="0"/>
+                        <a:t>veh</a:t>
+                      </a:r>
+                      <a:endParaRPr lang="ko-KR" altLang="en-US" sz="1600" dirty="0"/>
+                    </a:p>
+                  </a:txBody>
+                  <a:tcPr/>
+                </a:tc>
+                <a:tc>
+                  <a:txBody>
+                    <a:bodyPr/>
+                    <a:lstStyle/>
+                    <a:p>
+                      <a:pPr latinLnBrk="1"/>
+                      <a:endParaRPr lang="ko-KR" altLang="en-US" sz="1600" dirty="0"/>
+                    </a:p>
+                  </a:txBody>
+                  <a:tcPr/>
+                </a:tc>
+                <a:extLst>
+                  <a:ext uri="{0D108BD9-81ED-4DB2-BD59-A6C34878D82A}">
+                    <a16:rowId xmlns:a16="http://schemas.microsoft.com/office/drawing/2014/main" val="1504317479"/>
+                  </a:ext>
+                </a:extLst>
+              </a:tr>
+            </a:tbl>
+          </a:graphicData>
+        </a:graphic>
+      </p:graphicFrame>
+    </p:spTree>
+    <p:extLst>
+      <p:ext uri="{BB962C8B-B14F-4D97-AF65-F5344CB8AC3E}">
+        <p14:creationId xmlns:p14="http://schemas.microsoft.com/office/powerpoint/2010/main" val="161680981"/>
+      </p:ext>
+    </p:extLst>
+  </p:cSld>
+  <p:clrMapOvr>
+    <a:masterClrMapping/>
+  </p:clrMapOvr>
+</p:sld>
+</file>
+
+<file path=ppt/slides/slide11.xml><?xml version="1.0" encoding="utf-8"?>
+<p:sld xmlns:a="http://schemas.openxmlformats.org/drawingml/2006/main" xmlns:r="http://schemas.openxmlformats.org/officeDocument/2006/relationships" xmlns:p="http://schemas.openxmlformats.org/presentationml/2006/main">
+  <p:cSld>
+    <p:spTree>
+      <p:nvGrpSpPr>
+        <p:cNvPr id="1" name=""/>
+        <p:cNvGrpSpPr/>
+        <p:nvPr/>
+      </p:nvGrpSpPr>
+      <p:grpSpPr>
+        <a:xfrm>
+          <a:off x="0" y="0"/>
+          <a:ext cx="0" cy="0"/>
+          <a:chOff x="0" y="0"/>
+          <a:chExt cx="0" cy="0"/>
+        </a:xfrm>
+      </p:grpSpPr>
+      <p:sp>
+        <p:nvSpPr>
+          <p:cNvPr id="2" name="제목 1"/>
+          <p:cNvSpPr>
+            <a:spLocks noGrp="1"/>
+          </p:cNvSpPr>
+          <p:nvPr>
+            <p:ph type="title"/>
+          </p:nvPr>
+        </p:nvSpPr>
+        <p:spPr/>
+        <p:txBody>
+          <a:bodyPr/>
+          <a:lstStyle/>
+          <a:p>
+            <a:r>
+              <a:rPr lang="en-US" altLang="ko-KR" dirty="0" smtClean="0"/>
+              <a:t>CNN reduced model</a:t>
+            </a:r>
+            <a:endParaRPr lang="ko-KR" altLang="en-US" dirty="0"/>
+          </a:p>
+        </p:txBody>
+      </p:sp>
+      <p:sp>
+        <p:nvSpPr>
+          <p:cNvPr id="3" name="내용 개체 틀 2"/>
+          <p:cNvSpPr>
+            <a:spLocks noGrp="1"/>
+          </p:cNvSpPr>
+          <p:nvPr>
+            <p:ph idx="1"/>
+          </p:nvPr>
+        </p:nvSpPr>
+        <p:spPr/>
+        <p:txBody>
+          <a:bodyPr/>
+          <a:lstStyle/>
+          <a:p>
+            <a:endParaRPr lang="ko-KR" altLang="en-US"/>
+          </a:p>
+        </p:txBody>
+      </p:sp>
+      <p:pic>
+        <p:nvPicPr>
+          <p:cNvPr id="6" name="그림 5"/>
+          <p:cNvPicPr>
+            <a:picLocks noChangeAspect="1"/>
+          </p:cNvPicPr>
+          <p:nvPr/>
+        </p:nvPicPr>
+        <p:blipFill>
+          <a:blip r:embed="rId2"/>
+          <a:stretch>
+            <a:fillRect/>
+          </a:stretch>
+        </p:blipFill>
+        <p:spPr>
+          <a:xfrm>
+            <a:off x="1475397" y="3903360"/>
+            <a:ext cx="6629741" cy="2336920"/>
+          </a:xfrm>
+          <a:prstGeom prst="rect">
+            <a:avLst/>
+          </a:prstGeom>
+        </p:spPr>
+      </p:pic>
+    </p:spTree>
+    <p:extLst>
+      <p:ext uri="{BB962C8B-B14F-4D97-AF65-F5344CB8AC3E}">
+        <p14:creationId xmlns:p14="http://schemas.microsoft.com/office/powerpoint/2010/main" val="3157967238"/>
+      </p:ext>
+    </p:extLst>
+  </p:cSld>
+  <p:clrMapOvr>
+    <a:masterClrMapping/>
+  </p:clrMapOvr>
+</p:sld>
+</file>
+
 <file path=ppt/slides/slide2.xml><?xml version="1.0" encoding="utf-8"?>
 <p:sld xmlns:a="http://schemas.openxmlformats.org/drawingml/2006/main" xmlns:r="http://schemas.openxmlformats.org/officeDocument/2006/relationships" xmlns:p="http://schemas.openxmlformats.org/presentationml/2006/main">
   <p:cSld>
@@ -5986,8 +7161,20 @@
           <a:p>
             <a:pPr lvl="1"/>
             <a:r>
+              <a:rPr lang="en-US" altLang="ko-KR" dirty="0" smtClean="0"/>
+              <a:t>3x3Grid/</a:t>
+            </a:r>
+            <a:r>
+              <a:rPr lang="en-US" altLang="ko-KR" dirty="0" err="1" smtClean="0"/>
+              <a:t>Dunsan</a:t>
+            </a:r>
+            <a:r>
+              <a:rPr lang="en-US" altLang="ko-KR" dirty="0" smtClean="0"/>
+              <a:t> </a:t>
+            </a:r>
+            <a:r>
               <a:rPr lang="en-US" altLang="ko-KR" dirty="0"/>
-              <a:t>3x3Grid Decentralized</a:t>
+              <a:t>Decentralized</a:t>
             </a:r>
             <a:r>
               <a:rPr lang="ko-KR" altLang="en-US" dirty="0"/>
@@ -6022,7 +7209,15 @@
             </a:r>
             <a:r>
               <a:rPr lang="en-US" altLang="ko-KR" dirty="0"/>
-              <a:t> Decentralized Model with Practical Restraints</a:t>
+              <a:t> </a:t>
+            </a:r>
+            <a:r>
+              <a:rPr lang="en-US" altLang="ko-KR" dirty="0" smtClean="0"/>
+              <a:t>Decentralized CNN </a:t>
+            </a:r>
+            <a:r>
+              <a:rPr lang="en-US" altLang="ko-KR" dirty="0"/>
+              <a:t>Model with Practical Restraints</a:t>
             </a:r>
           </a:p>
           <a:p>
@@ -6033,7 +7228,23 @@
             </a:r>
             <a:r>
               <a:rPr lang="en-US" altLang="ko-KR" dirty="0"/>
-              <a:t> Decentralized CNN Model with Practical Restraints</a:t>
+              <a:t> Decentralized </a:t>
+            </a:r>
+            <a:r>
+              <a:rPr lang="en-US" altLang="ko-KR" dirty="0" smtClean="0"/>
+              <a:t>CNN </a:t>
+            </a:r>
+            <a:r>
+              <a:rPr lang="en-US" altLang="ko-KR" dirty="0" smtClean="0"/>
+              <a:t>reduced</a:t>
+            </a:r>
+            <a:r>
+              <a:rPr lang="en-US" altLang="ko-KR" dirty="0" smtClean="0"/>
+              <a:t> </a:t>
+            </a:r>
+            <a:r>
+              <a:rPr lang="en-US" altLang="ko-KR" dirty="0"/>
+              <a:t>Model with Practical Restraints</a:t>
             </a:r>
           </a:p>
           <a:p>
@@ -6058,7 +7269,19 @@
             <a:pPr lvl="1"/>
             <a:r>
               <a:rPr lang="en-US" altLang="ko-KR" dirty="0"/>
-              <a:t>Continuous Action Model with practical restraints</a:t>
+              <a:t>Continuous Action Model with </a:t>
+            </a:r>
+            <a:r>
+              <a:rPr lang="en-US" altLang="ko-KR" dirty="0" smtClean="0"/>
+              <a:t>Practical </a:t>
+            </a:r>
+            <a:r>
+              <a:rPr lang="en-US" altLang="ko-KR" dirty="0"/>
+              <a:t>R</a:t>
+            </a:r>
+            <a:r>
+              <a:rPr lang="en-US" altLang="ko-KR" dirty="0" smtClean="0"/>
+              <a:t>estraints</a:t>
             </a:r>
             <a:endParaRPr lang="ko-KR" altLang="en-US" dirty="0"/>
           </a:p>
@@ -7081,8 +8304,13 @@
             <a:pPr lvl="1"/>
             <a:r>
               <a:rPr lang="en-US" altLang="ko-KR" dirty="0"/>
-              <a:t>Update current phase demand info from end of current phase</a:t>
-            </a:r>
+              <a:t>Update current phase demand info from end of </a:t>
+            </a:r>
+            <a:r>
+              <a:rPr lang="en-US" altLang="ko-KR" dirty="0" smtClean="0"/>
+              <a:t>phase period</a:t>
+            </a:r>
+            <a:endParaRPr lang="en-US" altLang="ko-KR" dirty="0"/>
           </a:p>
           <a:p>
             <a:pPr lvl="1"/>
@@ -7182,8 +8410,8 @@
           </a:p>
         </p:txBody>
       </p:sp>
-      <mc:AlternateContent xmlns:mc="http://schemas.openxmlformats.org/markup-compatibility/2006">
-        <mc:Choice xmlns:a14="http://schemas.microsoft.com/office/drawing/2010/main" Requires="a14">
+      <mc:AlternateContent xmlns:mc="http://schemas.openxmlformats.org/markup-compatibility/2006" xmlns:a14="http://schemas.microsoft.com/office/drawing/2010/main">
+        <mc:Choice Requires="a14">
           <p:sp>
             <p:nvSpPr>
               <p:cNvPr id="3" name="내용 개체 틀 2">
@@ -7501,7 +8729,7 @@
             </p:txBody>
           </p:sp>
         </mc:Choice>
-        <mc:Fallback>
+        <mc:Fallback xmlns="">
           <p:sp>
             <p:nvSpPr>
               <p:cNvPr id="3" name="내용 개체 틀 2">
@@ -7573,13 +8801,7 @@
       </p:grpSpPr>
       <p:sp>
         <p:nvSpPr>
-          <p:cNvPr id="2" name="제목 1">
-            <a:extLst>
-              <a:ext uri="{FF2B5EF4-FFF2-40B4-BE49-F238E27FC236}">
-                <a16:creationId xmlns:a16="http://schemas.microsoft.com/office/drawing/2014/main" id="{DBFA7521-F0B7-4081-927B-7E6F3D1B1EA1}"/>
-              </a:ext>
-            </a:extLst>
-          </p:cNvPr>
+          <p:cNvPr id="2" name="제목 1"/>
           <p:cNvSpPr>
             <a:spLocks noGrp="1"/>
           </p:cNvSpPr>
@@ -7631,13 +8853,7 @@
       </p:sp>
       <p:sp>
         <p:nvSpPr>
-          <p:cNvPr id="3" name="내용 개체 틀 2">
-            <a:extLst>
-              <a:ext uri="{FF2B5EF4-FFF2-40B4-BE49-F238E27FC236}">
-                <a16:creationId xmlns:a16="http://schemas.microsoft.com/office/drawing/2014/main" id="{68E84B35-C853-4134-BE56-E4704DBBA595}"/>
-              </a:ext>
-            </a:extLst>
-          </p:cNvPr>
+          <p:cNvPr id="3" name="내용 개체 틀 2"/>
           <p:cNvSpPr>
             <a:spLocks noGrp="1"/>
           </p:cNvSpPr>
@@ -7650,14 +8866,7030 @@
           <a:bodyPr/>
           <a:lstStyle/>
           <a:p>
+            <a:r>
+              <a:rPr lang="en-US" altLang="ko-KR" dirty="0" smtClean="0"/>
+              <a:t>RL Modeling</a:t>
+            </a:r>
             <a:endParaRPr lang="ko-KR" altLang="en-US" dirty="0"/>
+          </a:p>
+        </p:txBody>
+      </p:sp>
+      <p:sp>
+        <p:nvSpPr>
+          <p:cNvPr id="4" name="직사각형 3"/>
+          <p:cNvSpPr/>
+          <p:nvPr/>
+        </p:nvSpPr>
+        <p:spPr>
+          <a:xfrm>
+            <a:off x="2278251" y="3215900"/>
+            <a:ext cx="1669942" cy="1472338"/>
+          </a:xfrm>
+          <a:prstGeom prst="rect">
+            <a:avLst/>
+          </a:prstGeom>
+          <a:ln/>
+        </p:spPr>
+        <p:style>
+          <a:lnRef idx="3">
+            <a:schemeClr val="lt1"/>
+          </a:lnRef>
+          <a:fillRef idx="1">
+            <a:schemeClr val="accent3"/>
+          </a:fillRef>
+          <a:effectRef idx="1">
+            <a:schemeClr val="accent3"/>
+          </a:effectRef>
+          <a:fontRef idx="minor">
+            <a:schemeClr val="lt1"/>
+          </a:fontRef>
+        </p:style>
+        <p:txBody>
+          <a:bodyPr rtlCol="0" anchor="ctr"/>
+          <a:lstStyle/>
+          <a:p>
+            <a:pPr algn="ctr"/>
+            <a:r>
+              <a:rPr lang="en-US" altLang="ko-KR" dirty="0" smtClean="0">
+                <a:solidFill>
+                  <a:schemeClr val="tx1"/>
+                </a:solidFill>
+              </a:rPr>
+              <a:t>Environment</a:t>
+            </a:r>
+            <a:endParaRPr lang="ko-KR" altLang="en-US" dirty="0">
+              <a:solidFill>
+                <a:schemeClr val="tx1"/>
+              </a:solidFill>
+            </a:endParaRPr>
+          </a:p>
+        </p:txBody>
+      </p:sp>
+      <p:sp>
+        <p:nvSpPr>
+          <p:cNvPr id="5" name="직사각형 4"/>
+          <p:cNvSpPr/>
+          <p:nvPr/>
+        </p:nvSpPr>
+        <p:spPr>
+          <a:xfrm>
+            <a:off x="182176" y="3634999"/>
+            <a:ext cx="1669942" cy="634138"/>
+          </a:xfrm>
+          <a:prstGeom prst="rect">
+            <a:avLst/>
+          </a:prstGeom>
+          <a:solidFill>
+            <a:schemeClr val="bg1"/>
+          </a:solidFill>
+          <a:ln>
+            <a:solidFill>
+              <a:schemeClr val="tx1"/>
+            </a:solidFill>
+          </a:ln>
+        </p:spPr>
+        <p:style>
+          <a:lnRef idx="2">
+            <a:schemeClr val="accent1">
+              <a:shade val="50000"/>
+            </a:schemeClr>
+          </a:lnRef>
+          <a:fillRef idx="1">
+            <a:schemeClr val="accent1"/>
+          </a:fillRef>
+          <a:effectRef idx="0">
+            <a:schemeClr val="accent1"/>
+          </a:effectRef>
+          <a:fontRef idx="minor">
+            <a:schemeClr val="lt1"/>
+          </a:fontRef>
+        </p:style>
+        <p:txBody>
+          <a:bodyPr rtlCol="0" anchor="ctr"/>
+          <a:lstStyle/>
+          <a:p>
+            <a:pPr algn="ctr"/>
+            <a:r>
+              <a:rPr lang="en-US" altLang="ko-KR" dirty="0" smtClean="0">
+                <a:solidFill>
+                  <a:schemeClr val="tx1"/>
+                </a:solidFill>
+              </a:rPr>
+              <a:t>Traci</a:t>
+            </a:r>
+            <a:endParaRPr lang="ko-KR" altLang="en-US" dirty="0">
+              <a:solidFill>
+                <a:schemeClr val="tx1"/>
+              </a:solidFill>
+            </a:endParaRPr>
+          </a:p>
+        </p:txBody>
+      </p:sp>
+      <p:cxnSp>
+        <p:nvCxnSpPr>
+          <p:cNvPr id="7" name="직선 화살표 연결선 6"/>
+          <p:cNvCxnSpPr>
+            <a:stCxn id="5" idx="3"/>
+            <a:endCxn id="4" idx="1"/>
+          </p:cNvCxnSpPr>
+          <p:nvPr/>
+        </p:nvCxnSpPr>
+        <p:spPr>
+          <a:xfrm>
+            <a:off x="1852118" y="3952068"/>
+            <a:ext cx="426133" cy="1"/>
+          </a:xfrm>
+          <a:prstGeom prst="straightConnector1">
+            <a:avLst/>
+          </a:prstGeom>
+          <a:ln w="19050">
+            <a:tailEnd type="triangle"/>
+          </a:ln>
+        </p:spPr>
+        <p:style>
+          <a:lnRef idx="1">
+            <a:schemeClr val="dk1"/>
+          </a:lnRef>
+          <a:fillRef idx="0">
+            <a:schemeClr val="dk1"/>
+          </a:fillRef>
+          <a:effectRef idx="0">
+            <a:schemeClr val="dk1"/>
+          </a:effectRef>
+          <a:fontRef idx="minor">
+            <a:schemeClr val="tx1"/>
+          </a:fontRef>
+        </p:style>
+      </p:cxnSp>
+      <p:sp>
+        <p:nvSpPr>
+          <p:cNvPr id="8" name="직사각형 7"/>
+          <p:cNvSpPr/>
+          <p:nvPr/>
+        </p:nvSpPr>
+        <p:spPr>
+          <a:xfrm>
+            <a:off x="5227643" y="3561469"/>
+            <a:ext cx="1669942" cy="781198"/>
+          </a:xfrm>
+          <a:prstGeom prst="rect">
+            <a:avLst/>
+          </a:prstGeom>
+          <a:ln/>
+        </p:spPr>
+        <p:style>
+          <a:lnRef idx="3">
+            <a:schemeClr val="lt1"/>
+          </a:lnRef>
+          <a:fillRef idx="1">
+            <a:schemeClr val="accent2"/>
+          </a:fillRef>
+          <a:effectRef idx="1">
+            <a:schemeClr val="accent2"/>
+          </a:effectRef>
+          <a:fontRef idx="minor">
+            <a:schemeClr val="lt1"/>
+          </a:fontRef>
+        </p:style>
+        <p:txBody>
+          <a:bodyPr rtlCol="0" anchor="ctr"/>
+          <a:lstStyle/>
+          <a:p>
+            <a:pPr algn="ctr"/>
+            <a:r>
+              <a:rPr lang="en-US" altLang="ko-KR" sz="1600" dirty="0" smtClean="0">
+                <a:solidFill>
+                  <a:schemeClr val="tx1"/>
+                </a:solidFill>
+              </a:rPr>
+              <a:t>Neural Net</a:t>
+            </a:r>
+            <a:br>
+              <a:rPr lang="en-US" altLang="ko-KR" sz="1600" dirty="0" smtClean="0">
+                <a:solidFill>
+                  <a:schemeClr val="tx1"/>
+                </a:solidFill>
+              </a:rPr>
+            </a:br>
+            <a:r>
+              <a:rPr lang="en-US" altLang="ko-KR" sz="1600" dirty="0" smtClean="0">
+                <a:solidFill>
+                  <a:schemeClr val="tx1"/>
+                </a:solidFill>
+              </a:rPr>
+              <a:t>(shared </a:t>
+            </a:r>
+            <a:r>
+              <a:rPr lang="en-US" altLang="ko-KR" sz="1600" dirty="0" err="1" smtClean="0">
+                <a:solidFill>
+                  <a:schemeClr val="tx1"/>
+                </a:solidFill>
+              </a:rPr>
+              <a:t>params</a:t>
+            </a:r>
+            <a:r>
+              <a:rPr lang="en-US" altLang="ko-KR" sz="1600" dirty="0" smtClean="0">
+                <a:solidFill>
+                  <a:schemeClr val="tx1"/>
+                </a:solidFill>
+              </a:rPr>
+              <a:t>)</a:t>
+            </a:r>
+            <a:endParaRPr lang="ko-KR" altLang="en-US" sz="1600" dirty="0">
+              <a:solidFill>
+                <a:schemeClr val="tx1"/>
+              </a:solidFill>
+            </a:endParaRPr>
+          </a:p>
+        </p:txBody>
+      </p:sp>
+      <p:cxnSp>
+        <p:nvCxnSpPr>
+          <p:cNvPr id="9" name="직선 화살표 연결선 8"/>
+          <p:cNvCxnSpPr>
+            <a:stCxn id="4" idx="3"/>
+            <a:endCxn id="8" idx="1"/>
+          </p:cNvCxnSpPr>
+          <p:nvPr/>
+        </p:nvCxnSpPr>
+        <p:spPr>
+          <a:xfrm flipV="1">
+            <a:off x="3948193" y="3952068"/>
+            <a:ext cx="1279450" cy="1"/>
+          </a:xfrm>
+          <a:prstGeom prst="straightConnector1">
+            <a:avLst/>
+          </a:prstGeom>
+          <a:ln w="19050">
+            <a:tailEnd type="triangle"/>
+          </a:ln>
+        </p:spPr>
+        <p:style>
+          <a:lnRef idx="1">
+            <a:schemeClr val="dk1"/>
+          </a:lnRef>
+          <a:fillRef idx="0">
+            <a:schemeClr val="dk1"/>
+          </a:fillRef>
+          <a:effectRef idx="0">
+            <a:schemeClr val="dk1"/>
+          </a:effectRef>
+          <a:fontRef idx="minor">
+            <a:schemeClr val="tx1"/>
+          </a:fontRef>
+        </p:style>
+      </p:cxnSp>
+      <p:sp>
+        <p:nvSpPr>
+          <p:cNvPr id="12" name="모서리가 둥근 직사각형 11"/>
+          <p:cNvSpPr/>
+          <p:nvPr/>
+        </p:nvSpPr>
+        <p:spPr>
+          <a:xfrm>
+            <a:off x="4249306" y="2377797"/>
+            <a:ext cx="4894693" cy="3148543"/>
+          </a:xfrm>
+          <a:prstGeom prst="roundRect">
+            <a:avLst/>
+          </a:prstGeom>
+          <a:noFill/>
+        </p:spPr>
+        <p:style>
+          <a:lnRef idx="2">
+            <a:schemeClr val="dk1"/>
+          </a:lnRef>
+          <a:fillRef idx="1">
+            <a:schemeClr val="lt1"/>
+          </a:fillRef>
+          <a:effectRef idx="0">
+            <a:schemeClr val="dk1"/>
+          </a:effectRef>
+          <a:fontRef idx="minor">
+            <a:schemeClr val="dk1"/>
+          </a:fontRef>
+        </p:style>
+        <p:txBody>
+          <a:bodyPr rtlCol="0" anchor="ctr"/>
+          <a:lstStyle/>
+          <a:p>
+            <a:pPr algn="ctr"/>
+            <a:endParaRPr lang="ko-KR" altLang="en-US"/>
+          </a:p>
+        </p:txBody>
+      </p:sp>
+      <p:cxnSp>
+        <p:nvCxnSpPr>
+          <p:cNvPr id="17" name="꺾인 연결선 16"/>
+          <p:cNvCxnSpPr>
+            <a:stCxn id="8" idx="3"/>
+            <a:endCxn id="15" idx="1"/>
+          </p:cNvCxnSpPr>
+          <p:nvPr/>
+        </p:nvCxnSpPr>
+        <p:spPr>
+          <a:xfrm flipV="1">
+            <a:off x="6897585" y="2863959"/>
+            <a:ext cx="252299" cy="1088109"/>
+          </a:xfrm>
+          <a:prstGeom prst="bentConnector3">
+            <a:avLst/>
+          </a:prstGeom>
+          <a:ln>
+            <a:tailEnd type="triangle"/>
+          </a:ln>
+        </p:spPr>
+        <p:style>
+          <a:lnRef idx="1">
+            <a:schemeClr val="dk1"/>
+          </a:lnRef>
+          <a:fillRef idx="0">
+            <a:schemeClr val="dk1"/>
+          </a:fillRef>
+          <a:effectRef idx="0">
+            <a:schemeClr val="dk1"/>
+          </a:effectRef>
+          <a:fontRef idx="minor">
+            <a:schemeClr val="tx1"/>
+          </a:fontRef>
+        </p:style>
+      </p:cxnSp>
+      <p:grpSp>
+        <p:nvGrpSpPr>
+          <p:cNvPr id="34" name="그룹 33"/>
+          <p:cNvGrpSpPr/>
+          <p:nvPr/>
+        </p:nvGrpSpPr>
+        <p:grpSpPr>
+          <a:xfrm>
+            <a:off x="7149884" y="2647630"/>
+            <a:ext cx="1623430" cy="692113"/>
+            <a:chOff x="7095640" y="2473274"/>
+            <a:chExt cx="1623430" cy="692113"/>
+          </a:xfrm>
+        </p:grpSpPr>
+        <p:sp>
+          <p:nvSpPr>
+            <p:cNvPr id="15" name="직사각형 14"/>
+            <p:cNvSpPr/>
+            <p:nvPr/>
+          </p:nvSpPr>
+          <p:spPr>
+            <a:xfrm>
+              <a:off x="7095640" y="2473274"/>
+              <a:ext cx="1428427" cy="432658"/>
+            </a:xfrm>
+            <a:prstGeom prst="rect">
+              <a:avLst/>
+            </a:prstGeom>
+            <a:solidFill>
+              <a:schemeClr val="bg1"/>
+            </a:solidFill>
+            <a:ln>
+              <a:solidFill>
+                <a:schemeClr val="tx1"/>
+              </a:solidFill>
+            </a:ln>
+          </p:spPr>
+          <p:style>
+            <a:lnRef idx="2">
+              <a:schemeClr val="accent1">
+                <a:shade val="50000"/>
+              </a:schemeClr>
+            </a:lnRef>
+            <a:fillRef idx="1">
+              <a:schemeClr val="accent1"/>
+            </a:fillRef>
+            <a:effectRef idx="0">
+              <a:schemeClr val="accent1"/>
+            </a:effectRef>
+            <a:fontRef idx="minor">
+              <a:schemeClr val="lt1"/>
+            </a:fontRef>
+          </p:style>
+          <p:txBody>
+            <a:bodyPr rtlCol="0" anchor="ctr"/>
+            <a:lstStyle/>
+            <a:p>
+              <a:pPr algn="ctr"/>
+              <a:r>
+                <a:rPr lang="en-US" altLang="ko-KR" dirty="0" smtClean="0">
+                  <a:solidFill>
+                    <a:schemeClr val="tx1"/>
+                  </a:solidFill>
+                </a:rPr>
+                <a:t>Agent</a:t>
+              </a:r>
+              <a:endParaRPr lang="ko-KR" altLang="en-US" dirty="0">
+                <a:solidFill>
+                  <a:schemeClr val="tx1"/>
+                </a:solidFill>
+              </a:endParaRPr>
+            </a:p>
+          </p:txBody>
+        </p:sp>
+        <p:sp>
+          <p:nvSpPr>
+            <p:cNvPr id="18" name="직사각형 17"/>
+            <p:cNvSpPr/>
+            <p:nvPr/>
+          </p:nvSpPr>
+          <p:spPr>
+            <a:xfrm>
+              <a:off x="7160641" y="2559759"/>
+              <a:ext cx="1428427" cy="432658"/>
+            </a:xfrm>
+            <a:prstGeom prst="rect">
+              <a:avLst/>
+            </a:prstGeom>
+            <a:solidFill>
+              <a:schemeClr val="bg1"/>
+            </a:solidFill>
+            <a:ln>
+              <a:solidFill>
+                <a:schemeClr val="tx1"/>
+              </a:solidFill>
+            </a:ln>
+          </p:spPr>
+          <p:style>
+            <a:lnRef idx="2">
+              <a:schemeClr val="accent1">
+                <a:shade val="50000"/>
+              </a:schemeClr>
+            </a:lnRef>
+            <a:fillRef idx="1">
+              <a:schemeClr val="accent1"/>
+            </a:fillRef>
+            <a:effectRef idx="0">
+              <a:schemeClr val="accent1"/>
+            </a:effectRef>
+            <a:fontRef idx="minor">
+              <a:schemeClr val="lt1"/>
+            </a:fontRef>
+          </p:style>
+          <p:txBody>
+            <a:bodyPr rtlCol="0" anchor="ctr"/>
+            <a:lstStyle/>
+            <a:p>
+              <a:pPr algn="ctr"/>
+              <a:r>
+                <a:rPr lang="en-US" altLang="ko-KR" dirty="0" smtClean="0">
+                  <a:solidFill>
+                    <a:schemeClr val="tx1"/>
+                  </a:solidFill>
+                </a:rPr>
+                <a:t>Agent</a:t>
+              </a:r>
+              <a:endParaRPr lang="ko-KR" altLang="en-US" dirty="0">
+                <a:solidFill>
+                  <a:schemeClr val="tx1"/>
+                </a:solidFill>
+              </a:endParaRPr>
+            </a:p>
+          </p:txBody>
+        </p:sp>
+        <p:sp>
+          <p:nvSpPr>
+            <p:cNvPr id="19" name="직사각형 18"/>
+            <p:cNvSpPr/>
+            <p:nvPr/>
+          </p:nvSpPr>
+          <p:spPr>
+            <a:xfrm>
+              <a:off x="7225642" y="2646244"/>
+              <a:ext cx="1428427" cy="432658"/>
+            </a:xfrm>
+            <a:prstGeom prst="rect">
+              <a:avLst/>
+            </a:prstGeom>
+            <a:solidFill>
+              <a:schemeClr val="bg1"/>
+            </a:solidFill>
+            <a:ln>
+              <a:solidFill>
+                <a:schemeClr val="tx1"/>
+              </a:solidFill>
+            </a:ln>
+          </p:spPr>
+          <p:style>
+            <a:lnRef idx="2">
+              <a:schemeClr val="accent1">
+                <a:shade val="50000"/>
+              </a:schemeClr>
+            </a:lnRef>
+            <a:fillRef idx="1">
+              <a:schemeClr val="accent1"/>
+            </a:fillRef>
+            <a:effectRef idx="0">
+              <a:schemeClr val="accent1"/>
+            </a:effectRef>
+            <a:fontRef idx="minor">
+              <a:schemeClr val="lt1"/>
+            </a:fontRef>
+          </p:style>
+          <p:txBody>
+            <a:bodyPr rtlCol="0" anchor="ctr"/>
+            <a:lstStyle/>
+            <a:p>
+              <a:pPr algn="ctr"/>
+              <a:r>
+                <a:rPr lang="en-US" altLang="ko-KR" dirty="0" smtClean="0">
+                  <a:solidFill>
+                    <a:schemeClr val="tx1"/>
+                  </a:solidFill>
+                </a:rPr>
+                <a:t>Agent</a:t>
+              </a:r>
+              <a:endParaRPr lang="ko-KR" altLang="en-US" dirty="0">
+                <a:solidFill>
+                  <a:schemeClr val="tx1"/>
+                </a:solidFill>
+              </a:endParaRPr>
+            </a:p>
+          </p:txBody>
+        </p:sp>
+        <p:sp>
+          <p:nvSpPr>
+            <p:cNvPr id="20" name="직사각형 19"/>
+            <p:cNvSpPr/>
+            <p:nvPr/>
+          </p:nvSpPr>
+          <p:spPr>
+            <a:xfrm>
+              <a:off x="7290643" y="2732729"/>
+              <a:ext cx="1428427" cy="432658"/>
+            </a:xfrm>
+            <a:prstGeom prst="rect">
+              <a:avLst/>
+            </a:prstGeom>
+            <a:solidFill>
+              <a:schemeClr val="bg1"/>
+            </a:solidFill>
+            <a:ln>
+              <a:solidFill>
+                <a:schemeClr val="tx1"/>
+              </a:solidFill>
+            </a:ln>
+          </p:spPr>
+          <p:style>
+            <a:lnRef idx="2">
+              <a:schemeClr val="accent1">
+                <a:shade val="50000"/>
+              </a:schemeClr>
+            </a:lnRef>
+            <a:fillRef idx="1">
+              <a:schemeClr val="accent1"/>
+            </a:fillRef>
+            <a:effectRef idx="0">
+              <a:schemeClr val="accent1"/>
+            </a:effectRef>
+            <a:fontRef idx="minor">
+              <a:schemeClr val="lt1"/>
+            </a:fontRef>
+          </p:style>
+          <p:txBody>
+            <a:bodyPr rtlCol="0" anchor="ctr"/>
+            <a:lstStyle/>
+            <a:p>
+              <a:pPr algn="ctr"/>
+              <a:r>
+                <a:rPr lang="en-US" altLang="ko-KR" dirty="0" smtClean="0">
+                  <a:solidFill>
+                    <a:schemeClr val="tx1"/>
+                  </a:solidFill>
+                </a:rPr>
+                <a:t>Agent</a:t>
+              </a:r>
+              <a:endParaRPr lang="ko-KR" altLang="en-US" dirty="0">
+                <a:solidFill>
+                  <a:schemeClr val="tx1"/>
+                </a:solidFill>
+              </a:endParaRPr>
+            </a:p>
+          </p:txBody>
+        </p:sp>
+      </p:grpSp>
+      <p:cxnSp>
+        <p:nvCxnSpPr>
+          <p:cNvPr id="21" name="꺾인 연결선 20"/>
+          <p:cNvCxnSpPr>
+            <a:stCxn id="15" idx="0"/>
+            <a:endCxn id="4" idx="0"/>
+          </p:cNvCxnSpPr>
+          <p:nvPr/>
+        </p:nvCxnSpPr>
+        <p:spPr>
+          <a:xfrm rot="16200000" flipH="1" flipV="1">
+            <a:off x="5204525" y="556327"/>
+            <a:ext cx="568270" cy="4750876"/>
+          </a:xfrm>
+          <a:prstGeom prst="bentConnector3">
+            <a:avLst>
+              <a:gd name="adj1" fmla="val -105000"/>
+            </a:avLst>
+          </a:prstGeom>
+          <a:ln>
+            <a:tailEnd type="triangle"/>
+          </a:ln>
+        </p:spPr>
+        <p:style>
+          <a:lnRef idx="1">
+            <a:schemeClr val="dk1"/>
+          </a:lnRef>
+          <a:fillRef idx="0">
+            <a:schemeClr val="dk1"/>
+          </a:fillRef>
+          <a:effectRef idx="0">
+            <a:schemeClr val="dk1"/>
+          </a:effectRef>
+          <a:fontRef idx="minor">
+            <a:schemeClr val="tx1"/>
+          </a:fontRef>
+        </p:style>
+      </p:cxnSp>
+      <mc:AlternateContent xmlns:mc="http://schemas.openxmlformats.org/markup-compatibility/2006">
+        <mc:Choice xmlns:a14="http://schemas.microsoft.com/office/drawing/2010/main" Requires="a14">
+          <p:sp>
+            <p:nvSpPr>
+              <p:cNvPr id="30" name="TextBox 29"/>
+              <p:cNvSpPr txBox="1"/>
+              <p:nvPr/>
+            </p:nvSpPr>
+            <p:spPr>
+              <a:xfrm>
+                <a:off x="4661115" y="1642488"/>
+                <a:ext cx="1790053" cy="382412"/>
+              </a:xfrm>
+              <a:prstGeom prst="rect">
+                <a:avLst/>
+              </a:prstGeom>
+              <a:noFill/>
+            </p:spPr>
+            <p:txBody>
+              <a:bodyPr wrap="square" rtlCol="0">
+                <a:spAutoFit/>
+              </a:bodyPr>
+              <a:lstStyle/>
+              <a:p>
+                <a:r>
+                  <a:rPr lang="en-US" altLang="ko-KR" b="0" dirty="0" smtClean="0"/>
+                  <a:t>Action: </a:t>
+                </a:r>
+                <a14:m>
+                  <m:oMath xmlns:m="http://schemas.openxmlformats.org/officeDocument/2006/math">
+                    <m:sSubSup>
+                      <m:sSubSupPr>
+                        <m:ctrlPr>
+                          <a:rPr lang="en-US" altLang="ko-KR" b="0" i="1" smtClean="0">
+                            <a:latin typeface="Cambria Math" panose="02040503050406030204" pitchFamily="18" charset="0"/>
+                          </a:rPr>
+                        </m:ctrlPr>
+                      </m:sSubSupPr>
+                      <m:e>
+                        <m:r>
+                          <a:rPr lang="en-US" altLang="ko-KR" b="0" i="1" smtClean="0">
+                            <a:latin typeface="Cambria Math" panose="02040503050406030204" pitchFamily="18" charset="0"/>
+                          </a:rPr>
+                          <m:t>𝑎</m:t>
+                        </m:r>
+                      </m:e>
+                      <m:sub>
+                        <m:r>
+                          <a:rPr lang="en-US" altLang="ko-KR" b="0" i="1" smtClean="0">
+                            <a:latin typeface="Cambria Math" panose="02040503050406030204" pitchFamily="18" charset="0"/>
+                          </a:rPr>
+                          <m:t>𝑡</m:t>
+                        </m:r>
+                      </m:sub>
+                      <m:sup>
+                        <m:r>
+                          <a:rPr lang="en-US" altLang="ko-KR" b="0" i="1" smtClean="0">
+                            <a:latin typeface="Cambria Math" panose="02040503050406030204" pitchFamily="18" charset="0"/>
+                          </a:rPr>
+                          <m:t>𝑖</m:t>
+                        </m:r>
+                      </m:sup>
+                    </m:sSubSup>
+                  </m:oMath>
+                </a14:m>
+                <a:endParaRPr lang="ko-KR" altLang="en-US" dirty="0"/>
+              </a:p>
+            </p:txBody>
+          </p:sp>
+        </mc:Choice>
+        <mc:Fallback>
+          <p:sp>
+            <p:nvSpPr>
+              <p:cNvPr id="30" name="TextBox 29"/>
+              <p:cNvSpPr txBox="1">
+                <a:spLocks noRot="1" noChangeAspect="1" noMove="1" noResize="1" noEditPoints="1" noAdjustHandles="1" noChangeArrowheads="1" noChangeShapeType="1" noTextEdit="1"/>
+              </p:cNvSpPr>
+              <p:nvPr/>
+            </p:nvSpPr>
+            <p:spPr>
+              <a:xfrm>
+                <a:off x="4661115" y="1642488"/>
+                <a:ext cx="1790053" cy="382412"/>
+              </a:xfrm>
+              <a:prstGeom prst="rect">
+                <a:avLst/>
+              </a:prstGeom>
+              <a:blipFill>
+                <a:blip r:embed="rId2"/>
+                <a:stretch>
+                  <a:fillRect l="-3072" t="-4762" b="-23810"/>
+                </a:stretch>
+              </a:blipFill>
+            </p:spPr>
+            <p:txBody>
+              <a:bodyPr/>
+              <a:lstStyle/>
+              <a:p>
+                <a:r>
+                  <a:rPr lang="ko-KR" altLang="en-US">
+                    <a:noFill/>
+                  </a:rPr>
+                  <a:t> </a:t>
+                </a:r>
+              </a:p>
+            </p:txBody>
+          </p:sp>
+        </mc:Fallback>
+      </mc:AlternateContent>
+      <p:sp>
+        <p:nvSpPr>
+          <p:cNvPr id="37" name="직사각형 36"/>
+          <p:cNvSpPr/>
+          <p:nvPr/>
+        </p:nvSpPr>
+        <p:spPr>
+          <a:xfrm>
+            <a:off x="4581040" y="4775715"/>
+            <a:ext cx="1669942" cy="468824"/>
+          </a:xfrm>
+          <a:prstGeom prst="rect">
+            <a:avLst/>
+          </a:prstGeom>
+          <a:ln/>
+        </p:spPr>
+        <p:style>
+          <a:lnRef idx="3">
+            <a:schemeClr val="lt1"/>
+          </a:lnRef>
+          <a:fillRef idx="1">
+            <a:schemeClr val="accent4"/>
+          </a:fillRef>
+          <a:effectRef idx="1">
+            <a:schemeClr val="accent4"/>
+          </a:effectRef>
+          <a:fontRef idx="minor">
+            <a:schemeClr val="lt1"/>
+          </a:fontRef>
+        </p:style>
+        <p:txBody>
+          <a:bodyPr rtlCol="0" anchor="ctr"/>
+          <a:lstStyle/>
+          <a:p>
+            <a:pPr algn="ctr"/>
+            <a:r>
+              <a:rPr lang="en-US" altLang="ko-KR" dirty="0" smtClean="0">
+                <a:solidFill>
+                  <a:schemeClr val="tx1"/>
+                </a:solidFill>
+              </a:rPr>
+              <a:t>Update Mask</a:t>
+            </a:r>
+            <a:endParaRPr lang="ko-KR" altLang="en-US" dirty="0">
+              <a:solidFill>
+                <a:schemeClr val="tx1"/>
+              </a:solidFill>
+            </a:endParaRPr>
+          </a:p>
+        </p:txBody>
+      </p:sp>
+      <p:cxnSp>
+        <p:nvCxnSpPr>
+          <p:cNvPr id="38" name="꺾인 연결선 37"/>
+          <p:cNvCxnSpPr>
+            <a:stCxn id="4" idx="2"/>
+            <a:endCxn id="37" idx="1"/>
+          </p:cNvCxnSpPr>
+          <p:nvPr/>
+        </p:nvCxnSpPr>
+        <p:spPr>
+          <a:xfrm rot="16200000" flipH="1">
+            <a:off x="3686187" y="4115273"/>
+            <a:ext cx="321889" cy="1467818"/>
+          </a:xfrm>
+          <a:prstGeom prst="bentConnector2">
+            <a:avLst/>
+          </a:prstGeom>
+          <a:ln>
+            <a:tailEnd type="triangle"/>
+          </a:ln>
+        </p:spPr>
+        <p:style>
+          <a:lnRef idx="1">
+            <a:schemeClr val="dk1"/>
+          </a:lnRef>
+          <a:fillRef idx="0">
+            <a:schemeClr val="dk1"/>
+          </a:fillRef>
+          <a:effectRef idx="0">
+            <a:schemeClr val="dk1"/>
+          </a:effectRef>
+          <a:fontRef idx="minor">
+            <a:schemeClr val="tx1"/>
+          </a:fontRef>
+        </p:style>
+      </p:cxnSp>
+      <p:sp>
+        <p:nvSpPr>
+          <p:cNvPr id="41" name="TextBox 40"/>
+          <p:cNvSpPr txBox="1"/>
+          <p:nvPr/>
+        </p:nvSpPr>
+        <p:spPr>
+          <a:xfrm>
+            <a:off x="3113222" y="5010127"/>
+            <a:ext cx="1136084" cy="338554"/>
+          </a:xfrm>
+          <a:prstGeom prst="rect">
+            <a:avLst/>
+          </a:prstGeom>
+          <a:noFill/>
+        </p:spPr>
+        <p:txBody>
+          <a:bodyPr wrap="square" rtlCol="0">
+            <a:spAutoFit/>
+          </a:bodyPr>
+          <a:lstStyle/>
+          <a:p>
+            <a:r>
+              <a:rPr lang="en-US" altLang="ko-KR" sz="1600" dirty="0" err="1" smtClean="0"/>
+              <a:t>TL_Period</a:t>
+            </a:r>
+            <a:endParaRPr lang="ko-KR" altLang="en-US" sz="1600" dirty="0"/>
+          </a:p>
+        </p:txBody>
+      </p:sp>
+      <p:cxnSp>
+        <p:nvCxnSpPr>
+          <p:cNvPr id="42" name="꺾인 연결선 41"/>
+          <p:cNvCxnSpPr>
+            <a:stCxn id="37" idx="3"/>
+            <a:endCxn id="20" idx="2"/>
+          </p:cNvCxnSpPr>
+          <p:nvPr/>
+        </p:nvCxnSpPr>
+        <p:spPr>
+          <a:xfrm flipV="1">
+            <a:off x="6250982" y="3339743"/>
+            <a:ext cx="1808119" cy="1670384"/>
+          </a:xfrm>
+          <a:prstGeom prst="bentConnector2">
+            <a:avLst/>
+          </a:prstGeom>
+          <a:ln>
+            <a:tailEnd type="triangle"/>
+          </a:ln>
+        </p:spPr>
+        <p:style>
+          <a:lnRef idx="1">
+            <a:schemeClr val="dk1"/>
+          </a:lnRef>
+          <a:fillRef idx="0">
+            <a:schemeClr val="dk1"/>
+          </a:fillRef>
+          <a:effectRef idx="0">
+            <a:schemeClr val="dk1"/>
+          </a:effectRef>
+          <a:fontRef idx="minor">
+            <a:schemeClr val="tx1"/>
+          </a:fontRef>
+        </p:style>
+      </p:cxnSp>
+      <p:cxnSp>
+        <p:nvCxnSpPr>
+          <p:cNvPr id="46" name="꺾인 연결선 45"/>
+          <p:cNvCxnSpPr>
+            <a:stCxn id="4" idx="2"/>
+            <a:endCxn id="20" idx="2"/>
+          </p:cNvCxnSpPr>
+          <p:nvPr/>
+        </p:nvCxnSpPr>
+        <p:spPr>
+          <a:xfrm rot="5400000" flipH="1" flipV="1">
+            <a:off x="4911913" y="1541051"/>
+            <a:ext cx="1348495" cy="4945879"/>
+          </a:xfrm>
+          <a:prstGeom prst="bentConnector3">
+            <a:avLst>
+              <a:gd name="adj1" fmla="val -100277"/>
+            </a:avLst>
+          </a:prstGeom>
+          <a:ln>
+            <a:tailEnd type="triangle"/>
+          </a:ln>
+        </p:spPr>
+        <p:style>
+          <a:lnRef idx="1">
+            <a:schemeClr val="dk1"/>
+          </a:lnRef>
+          <a:fillRef idx="0">
+            <a:schemeClr val="dk1"/>
+          </a:fillRef>
+          <a:effectRef idx="0">
+            <a:schemeClr val="dk1"/>
+          </a:effectRef>
+          <a:fontRef idx="minor">
+            <a:schemeClr val="tx1"/>
+          </a:fontRef>
+        </p:style>
+      </p:cxnSp>
+      <mc:AlternateContent xmlns:mc="http://schemas.openxmlformats.org/markup-compatibility/2006">
+        <mc:Choice xmlns:a14="http://schemas.microsoft.com/office/drawing/2010/main" Requires="a14">
+          <p:sp>
+            <p:nvSpPr>
+              <p:cNvPr id="48" name="TextBox 47"/>
+              <p:cNvSpPr txBox="1"/>
+              <p:nvPr/>
+            </p:nvSpPr>
+            <p:spPr>
+              <a:xfrm>
+                <a:off x="4920617" y="6067067"/>
+                <a:ext cx="1274829" cy="350224"/>
+              </a:xfrm>
+              <a:prstGeom prst="rect">
+                <a:avLst/>
+              </a:prstGeom>
+              <a:noFill/>
+            </p:spPr>
+            <p:txBody>
+              <a:bodyPr wrap="square" rtlCol="0">
+                <a:spAutoFit/>
+              </a:bodyPr>
+              <a:lstStyle/>
+              <a:p>
+                <a:r>
+                  <a:rPr lang="en-US" altLang="ko-KR" sz="1600" dirty="0" smtClean="0"/>
+                  <a:t>Reward: </a:t>
+                </a:r>
+                <a14:m>
+                  <m:oMath xmlns:m="http://schemas.openxmlformats.org/officeDocument/2006/math">
+                    <m:sSubSup>
+                      <m:sSubSupPr>
+                        <m:ctrlPr>
+                          <a:rPr lang="en-US" altLang="ko-KR" sz="1600" i="1" dirty="0" smtClean="0">
+                            <a:latin typeface="Cambria Math" panose="02040503050406030204" pitchFamily="18" charset="0"/>
+                          </a:rPr>
+                        </m:ctrlPr>
+                      </m:sSubSupPr>
+                      <m:e>
+                        <m:r>
+                          <a:rPr lang="en-US" altLang="ko-KR" sz="1600" b="0" i="1" dirty="0" smtClean="0">
+                            <a:latin typeface="Cambria Math" panose="02040503050406030204" pitchFamily="18" charset="0"/>
+                          </a:rPr>
+                          <m:t>𝑟</m:t>
+                        </m:r>
+                      </m:e>
+                      <m:sub>
+                        <m:r>
+                          <a:rPr lang="en-US" altLang="ko-KR" sz="1600" b="0" i="1" dirty="0" smtClean="0">
+                            <a:latin typeface="Cambria Math" panose="02040503050406030204" pitchFamily="18" charset="0"/>
+                          </a:rPr>
+                          <m:t>𝑡</m:t>
+                        </m:r>
+                      </m:sub>
+                      <m:sup>
+                        <m:r>
+                          <a:rPr lang="en-US" altLang="ko-KR" sz="1600" b="0" i="1" dirty="0" smtClean="0">
+                            <a:latin typeface="Cambria Math" panose="02040503050406030204" pitchFamily="18" charset="0"/>
+                          </a:rPr>
+                          <m:t>𝑖</m:t>
+                        </m:r>
+                      </m:sup>
+                    </m:sSubSup>
+                  </m:oMath>
+                </a14:m>
+                <a:endParaRPr lang="ko-KR" altLang="en-US" sz="1600" dirty="0"/>
+              </a:p>
+            </p:txBody>
+          </p:sp>
+        </mc:Choice>
+        <mc:Fallback>
+          <p:sp>
+            <p:nvSpPr>
+              <p:cNvPr id="48" name="TextBox 47"/>
+              <p:cNvSpPr txBox="1">
+                <a:spLocks noRot="1" noChangeAspect="1" noMove="1" noResize="1" noEditPoints="1" noAdjustHandles="1" noChangeArrowheads="1" noChangeShapeType="1" noTextEdit="1"/>
+              </p:cNvSpPr>
+              <p:nvPr/>
+            </p:nvSpPr>
+            <p:spPr>
+              <a:xfrm>
+                <a:off x="4920617" y="6067067"/>
+                <a:ext cx="1274829" cy="350224"/>
+              </a:xfrm>
+              <a:prstGeom prst="rect">
+                <a:avLst/>
+              </a:prstGeom>
+              <a:blipFill>
+                <a:blip r:embed="rId3"/>
+                <a:stretch>
+                  <a:fillRect l="-2392" t="-3448" b="-18966"/>
+                </a:stretch>
+              </a:blipFill>
+            </p:spPr>
+            <p:txBody>
+              <a:bodyPr/>
+              <a:lstStyle/>
+              <a:p>
+                <a:r>
+                  <a:rPr lang="ko-KR" altLang="en-US">
+                    <a:noFill/>
+                  </a:rPr>
+                  <a:t> </a:t>
+                </a:r>
+              </a:p>
+            </p:txBody>
+          </p:sp>
+        </mc:Fallback>
+      </mc:AlternateContent>
+      <mc:AlternateContent xmlns:mc="http://schemas.openxmlformats.org/markup-compatibility/2006">
+        <mc:Choice xmlns:a14="http://schemas.microsoft.com/office/drawing/2010/main" Requires="a14">
+          <p:sp>
+            <p:nvSpPr>
+              <p:cNvPr id="55" name="TextBox 54"/>
+              <p:cNvSpPr txBox="1"/>
+              <p:nvPr/>
+            </p:nvSpPr>
+            <p:spPr>
+              <a:xfrm>
+                <a:off x="4249305" y="3572103"/>
+                <a:ext cx="1039492" cy="369332"/>
+              </a:xfrm>
+              <a:prstGeom prst="rect">
+                <a:avLst/>
+              </a:prstGeom>
+              <a:noFill/>
+            </p:spPr>
+            <p:txBody>
+              <a:bodyPr wrap="square" rtlCol="0">
+                <a:spAutoFit/>
+              </a:bodyPr>
+              <a:lstStyle/>
+              <a:p>
+                <a:r>
+                  <a:rPr lang="en-US" altLang="ko-KR" dirty="0" smtClean="0"/>
+                  <a:t>State</a:t>
+                </a:r>
+                <a:r>
+                  <a:rPr lang="en-US" altLang="ko-KR" b="0" dirty="0" smtClean="0"/>
+                  <a:t>:</a:t>
+                </a:r>
+                <a14:m>
+                  <m:oMath xmlns:m="http://schemas.openxmlformats.org/officeDocument/2006/math">
+                    <m:sSub>
+                      <m:sSubPr>
+                        <m:ctrlPr>
+                          <a:rPr lang="en-US" altLang="ko-KR" b="0" i="1" smtClean="0">
+                            <a:latin typeface="Cambria Math" panose="02040503050406030204" pitchFamily="18" charset="0"/>
+                          </a:rPr>
+                        </m:ctrlPr>
+                      </m:sSubPr>
+                      <m:e>
+                        <m:r>
+                          <a:rPr lang="en-US" altLang="ko-KR" b="0" i="1" smtClean="0">
+                            <a:latin typeface="Cambria Math" panose="02040503050406030204" pitchFamily="18" charset="0"/>
+                          </a:rPr>
+                          <m:t>𝑠</m:t>
+                        </m:r>
+                      </m:e>
+                      <m:sub>
+                        <m:r>
+                          <a:rPr lang="en-US" altLang="ko-KR" b="0" i="1" smtClean="0">
+                            <a:latin typeface="Cambria Math" panose="02040503050406030204" pitchFamily="18" charset="0"/>
+                          </a:rPr>
+                          <m:t>𝑡</m:t>
+                        </m:r>
+                      </m:sub>
+                    </m:sSub>
+                  </m:oMath>
+                </a14:m>
+                <a:endParaRPr lang="ko-KR" altLang="en-US" dirty="0"/>
+              </a:p>
+            </p:txBody>
+          </p:sp>
+        </mc:Choice>
+        <mc:Fallback>
+          <p:sp>
+            <p:nvSpPr>
+              <p:cNvPr id="55" name="TextBox 54"/>
+              <p:cNvSpPr txBox="1">
+                <a:spLocks noRot="1" noChangeAspect="1" noMove="1" noResize="1" noEditPoints="1" noAdjustHandles="1" noChangeArrowheads="1" noChangeShapeType="1" noTextEdit="1"/>
+              </p:cNvSpPr>
+              <p:nvPr/>
+            </p:nvSpPr>
+            <p:spPr>
+              <a:xfrm>
+                <a:off x="4249305" y="3572103"/>
+                <a:ext cx="1039492" cy="369332"/>
+              </a:xfrm>
+              <a:prstGeom prst="rect">
+                <a:avLst/>
+              </a:prstGeom>
+              <a:blipFill>
+                <a:blip r:embed="rId4"/>
+                <a:stretch>
+                  <a:fillRect l="-4678" t="-11475" b="-22951"/>
+                </a:stretch>
+              </a:blipFill>
+            </p:spPr>
+            <p:txBody>
+              <a:bodyPr/>
+              <a:lstStyle/>
+              <a:p>
+                <a:r>
+                  <a:rPr lang="ko-KR" altLang="en-US">
+                    <a:noFill/>
+                  </a:rPr>
+                  <a:t> </a:t>
+                </a:r>
+              </a:p>
+            </p:txBody>
+          </p:sp>
+        </mc:Fallback>
+      </mc:AlternateContent>
+      <mc:AlternateContent xmlns:mc="http://schemas.openxmlformats.org/markup-compatibility/2006">
+        <mc:Choice xmlns:a14="http://schemas.microsoft.com/office/drawing/2010/main" Requires="a14">
+          <p:sp>
+            <p:nvSpPr>
+              <p:cNvPr id="58" name="직사각형 57"/>
+              <p:cNvSpPr/>
+              <p:nvPr/>
+            </p:nvSpPr>
+            <p:spPr>
+              <a:xfrm>
+                <a:off x="6517872" y="4653648"/>
+                <a:ext cx="334643" cy="369332"/>
+              </a:xfrm>
+              <a:prstGeom prst="rect">
+                <a:avLst/>
+              </a:prstGeom>
+            </p:spPr>
+            <p:txBody>
+              <a:bodyPr wrap="none">
+                <a:spAutoFit/>
+              </a:bodyPr>
+              <a:lstStyle/>
+              <a:p>
+                <a14:m>
+                  <m:oMathPara xmlns:m="http://schemas.openxmlformats.org/officeDocument/2006/math">
+                    <m:oMathParaPr>
+                      <m:jc m:val="centerGroup"/>
+                    </m:oMathParaPr>
+                    <m:oMath xmlns:m="http://schemas.openxmlformats.org/officeDocument/2006/math">
+                      <m:r>
+                        <a:rPr lang="en-US" altLang="ko-KR" i="1" dirty="0">
+                          <a:latin typeface="Cambria Math" panose="02040503050406030204" pitchFamily="18" charset="0"/>
+                        </a:rPr>
+                        <m:t>𝑖</m:t>
+                      </m:r>
+                    </m:oMath>
+                  </m:oMathPara>
+                </a14:m>
+                <a:endParaRPr lang="ko-KR" altLang="en-US" dirty="0"/>
+              </a:p>
+            </p:txBody>
+          </p:sp>
+        </mc:Choice>
+        <mc:Fallback>
+          <p:sp>
+            <p:nvSpPr>
+              <p:cNvPr id="58" name="직사각형 57"/>
+              <p:cNvSpPr>
+                <a:spLocks noRot="1" noChangeAspect="1" noMove="1" noResize="1" noEditPoints="1" noAdjustHandles="1" noChangeArrowheads="1" noChangeShapeType="1" noTextEdit="1"/>
+              </p:cNvSpPr>
+              <p:nvPr/>
+            </p:nvSpPr>
+            <p:spPr>
+              <a:xfrm>
+                <a:off x="6517872" y="4653648"/>
+                <a:ext cx="334643" cy="369332"/>
+              </a:xfrm>
+              <a:prstGeom prst="rect">
+                <a:avLst/>
+              </a:prstGeom>
+              <a:blipFill>
+                <a:blip r:embed="rId5"/>
+                <a:stretch>
+                  <a:fillRect/>
+                </a:stretch>
+              </a:blipFill>
+            </p:spPr>
+            <p:txBody>
+              <a:bodyPr/>
+              <a:lstStyle/>
+              <a:p>
+                <a:r>
+                  <a:rPr lang="ko-KR" altLang="en-US">
+                    <a:noFill/>
+                  </a:rPr>
+                  <a:t> </a:t>
+                </a:r>
+              </a:p>
+            </p:txBody>
+          </p:sp>
+        </mc:Fallback>
+      </mc:AlternateContent>
+    </p:spTree>
+    <p:extLst>
+      <p:ext uri="{BB962C8B-B14F-4D97-AF65-F5344CB8AC3E}">
+        <p14:creationId xmlns:p14="http://schemas.microsoft.com/office/powerpoint/2010/main" val="1163399667"/>
+      </p:ext>
+    </p:extLst>
+  </p:cSld>
+  <p:clrMapOvr>
+    <a:masterClrMapping/>
+  </p:clrMapOvr>
+</p:sld>
+</file>
+
+<file path=ppt/slides/slide9.xml><?xml version="1.0" encoding="utf-8"?>
+<p:sld xmlns:a="http://schemas.openxmlformats.org/drawingml/2006/main" xmlns:r="http://schemas.openxmlformats.org/officeDocument/2006/relationships" xmlns:p="http://schemas.openxmlformats.org/presentationml/2006/main">
+  <p:cSld>
+    <p:spTree>
+      <p:nvGrpSpPr>
+        <p:cNvPr id="1" name=""/>
+        <p:cNvGrpSpPr/>
+        <p:nvPr/>
+      </p:nvGrpSpPr>
+      <p:grpSpPr>
+        <a:xfrm>
+          <a:off x="0" y="0"/>
+          <a:ext cx="0" cy="0"/>
+          <a:chOff x="0" y="0"/>
+          <a:chExt cx="0" cy="0"/>
+        </a:xfrm>
+      </p:grpSpPr>
+      <p:sp>
+        <p:nvSpPr>
+          <p:cNvPr id="2" name="제목 1"/>
+          <p:cNvSpPr>
+            <a:spLocks noGrp="1"/>
+          </p:cNvSpPr>
+          <p:nvPr>
+            <p:ph type="title"/>
+          </p:nvPr>
+        </p:nvSpPr>
+        <p:spPr/>
+        <p:txBody>
+          <a:bodyPr>
+            <a:normAutofit fontScale="90000"/>
+          </a:bodyPr>
+          <a:lstStyle/>
+          <a:p>
+            <a:r>
+              <a:rPr lang="en-US" altLang="ko-KR" dirty="0"/>
+              <a:t>3x3Grid Decentralized</a:t>
+            </a:r>
+            <a:r>
+              <a:rPr lang="ko-KR" altLang="en-US" dirty="0"/>
+              <a:t> </a:t>
+            </a:r>
+            <a:r>
+              <a:rPr lang="en-US" altLang="ko-KR" dirty="0"/>
+              <a:t>Model</a:t>
+            </a:r>
+            <a:r>
+              <a:rPr lang="ko-KR" altLang="en-US" dirty="0"/>
+              <a:t> </a:t>
+            </a:r>
+            <a:r>
+              <a:rPr lang="en-US" altLang="ko-KR" dirty="0"/>
+              <a:t>with Practical</a:t>
+            </a:r>
+            <a:r>
+              <a:rPr lang="ko-KR" altLang="en-US" dirty="0"/>
+              <a:t> </a:t>
+            </a:r>
+            <a:r>
+              <a:rPr lang="en-US" altLang="ko-KR" dirty="0" smtClean="0"/>
+              <a:t>Restraints</a:t>
+            </a:r>
+            <a:br>
+              <a:rPr lang="en-US" altLang="ko-KR" dirty="0" smtClean="0"/>
+            </a:br>
+            <a:endParaRPr lang="ko-KR" altLang="en-US" dirty="0"/>
+          </a:p>
+        </p:txBody>
+      </p:sp>
+      <p:sp>
+        <p:nvSpPr>
+          <p:cNvPr id="3" name="내용 개체 틀 2"/>
+          <p:cNvSpPr>
+            <a:spLocks noGrp="1"/>
+          </p:cNvSpPr>
+          <p:nvPr>
+            <p:ph idx="1"/>
+          </p:nvPr>
+        </p:nvSpPr>
+        <p:spPr/>
+        <p:txBody>
+          <a:bodyPr/>
+          <a:lstStyle/>
+          <a:p>
+            <a:r>
+              <a:rPr lang="en-US" altLang="ko-KR" dirty="0" smtClean="0"/>
+              <a:t>DNN Modeling</a:t>
+            </a:r>
+            <a:endParaRPr lang="ko-KR" altLang="en-US" dirty="0"/>
+          </a:p>
+        </p:txBody>
+      </p:sp>
+      <p:grpSp>
+        <p:nvGrpSpPr>
+          <p:cNvPr id="4" name="그룹 3">
+            <a:extLst>
+              <a:ext uri="{FF2B5EF4-FFF2-40B4-BE49-F238E27FC236}">
+                <a16:creationId xmlns:a16="http://schemas.microsoft.com/office/drawing/2014/main" id="{CD81DCE0-C3BC-4703-9EEE-134F89FB8FFA}"/>
+              </a:ext>
+            </a:extLst>
+          </p:cNvPr>
+          <p:cNvGrpSpPr/>
+          <p:nvPr/>
+        </p:nvGrpSpPr>
+        <p:grpSpPr>
+          <a:xfrm>
+            <a:off x="1534810" y="3288715"/>
+            <a:ext cx="180000" cy="310100"/>
+            <a:chOff x="2508728" y="2197354"/>
+            <a:chExt cx="180000" cy="310100"/>
+          </a:xfrm>
+        </p:grpSpPr>
+        <p:sp>
+          <p:nvSpPr>
+            <p:cNvPr id="5" name="정육면체 4">
+              <a:extLst>
+                <a:ext uri="{FF2B5EF4-FFF2-40B4-BE49-F238E27FC236}">
+                  <a16:creationId xmlns:a16="http://schemas.microsoft.com/office/drawing/2014/main" id="{3E9E52CB-2C3A-4DFF-9FB9-ADF5C5D08740}"/>
+                </a:ext>
+              </a:extLst>
+            </p:cNvPr>
+            <p:cNvSpPr/>
+            <p:nvPr/>
+          </p:nvSpPr>
+          <p:spPr>
+            <a:xfrm>
+              <a:off x="2508728" y="2327454"/>
+              <a:ext cx="180000" cy="180000"/>
+            </a:xfrm>
+            <a:prstGeom prst="cube">
+              <a:avLst/>
+            </a:prstGeom>
+            <a:solidFill>
+              <a:schemeClr val="accent2">
+                <a:lumMod val="40000"/>
+                <a:lumOff val="60000"/>
+              </a:schemeClr>
+            </a:solidFill>
+            <a:ln>
+              <a:solidFill>
+                <a:schemeClr val="tx1"/>
+              </a:solidFill>
+            </a:ln>
+          </p:spPr>
+          <p:style>
+            <a:lnRef idx="2">
+              <a:schemeClr val="accent1">
+                <a:shade val="50000"/>
+              </a:schemeClr>
+            </a:lnRef>
+            <a:fillRef idx="1">
+              <a:schemeClr val="accent1"/>
+            </a:fillRef>
+            <a:effectRef idx="0">
+              <a:schemeClr val="accent1"/>
+            </a:effectRef>
+            <a:fontRef idx="minor">
+              <a:schemeClr val="lt1"/>
+            </a:fontRef>
+          </p:style>
+          <p:txBody>
+            <a:bodyPr rtlCol="0" anchor="ctr"/>
+            <a:lstStyle/>
+            <a:p>
+              <a:pPr algn="ctr"/>
+              <a:endParaRPr lang="ko-KR" altLang="en-US"/>
+            </a:p>
+          </p:txBody>
+        </p:sp>
+        <p:sp>
+          <p:nvSpPr>
+            <p:cNvPr id="6" name="정육면체 5">
+              <a:extLst>
+                <a:ext uri="{FF2B5EF4-FFF2-40B4-BE49-F238E27FC236}">
+                  <a16:creationId xmlns:a16="http://schemas.microsoft.com/office/drawing/2014/main" id="{6A7D97DC-0215-4DA4-93CB-C2713FDA16E8}"/>
+                </a:ext>
+              </a:extLst>
+            </p:cNvPr>
+            <p:cNvSpPr/>
+            <p:nvPr/>
+          </p:nvSpPr>
+          <p:spPr>
+            <a:xfrm>
+              <a:off x="2508728" y="2197354"/>
+              <a:ext cx="180000" cy="180000"/>
+            </a:xfrm>
+            <a:prstGeom prst="cube">
+              <a:avLst/>
+            </a:prstGeom>
+            <a:solidFill>
+              <a:schemeClr val="accent2">
+                <a:lumMod val="40000"/>
+                <a:lumOff val="60000"/>
+              </a:schemeClr>
+            </a:solidFill>
+            <a:ln>
+              <a:solidFill>
+                <a:srgbClr val="000000"/>
+              </a:solidFill>
+            </a:ln>
+          </p:spPr>
+          <p:style>
+            <a:lnRef idx="2">
+              <a:schemeClr val="accent1">
+                <a:shade val="50000"/>
+              </a:schemeClr>
+            </a:lnRef>
+            <a:fillRef idx="1">
+              <a:schemeClr val="accent1"/>
+            </a:fillRef>
+            <a:effectRef idx="0">
+              <a:schemeClr val="accent1"/>
+            </a:effectRef>
+            <a:fontRef idx="minor">
+              <a:schemeClr val="lt1"/>
+            </a:fontRef>
+          </p:style>
+          <p:txBody>
+            <a:bodyPr rtlCol="0" anchor="ctr"/>
+            <a:lstStyle/>
+            <a:p>
+              <a:pPr algn="ctr"/>
+              <a:endParaRPr lang="ko-KR" altLang="en-US"/>
+            </a:p>
+          </p:txBody>
+        </p:sp>
+      </p:grpSp>
+      <p:grpSp>
+        <p:nvGrpSpPr>
+          <p:cNvPr id="7" name="그룹 6">
+            <a:extLst>
+              <a:ext uri="{FF2B5EF4-FFF2-40B4-BE49-F238E27FC236}">
+                <a16:creationId xmlns:a16="http://schemas.microsoft.com/office/drawing/2014/main" id="{01D22EB1-ABFF-434F-9821-4C1DA959BD5E}"/>
+              </a:ext>
+            </a:extLst>
+          </p:cNvPr>
+          <p:cNvGrpSpPr/>
+          <p:nvPr/>
+        </p:nvGrpSpPr>
+        <p:grpSpPr>
+          <a:xfrm>
+            <a:off x="1534810" y="3936162"/>
+            <a:ext cx="180000" cy="310100"/>
+            <a:chOff x="2603978" y="3105404"/>
+            <a:chExt cx="180000" cy="310100"/>
+          </a:xfrm>
+          <a:solidFill>
+            <a:schemeClr val="accent6">
+              <a:lumMod val="20000"/>
+              <a:lumOff val="80000"/>
+            </a:schemeClr>
+          </a:solidFill>
+        </p:grpSpPr>
+        <p:sp>
+          <p:nvSpPr>
+            <p:cNvPr id="8" name="정육면체 7">
+              <a:extLst>
+                <a:ext uri="{FF2B5EF4-FFF2-40B4-BE49-F238E27FC236}">
+                  <a16:creationId xmlns:a16="http://schemas.microsoft.com/office/drawing/2014/main" id="{66EF86FE-579D-42D8-BEB1-DBFA2E31C4CD}"/>
+                </a:ext>
+              </a:extLst>
+            </p:cNvPr>
+            <p:cNvSpPr/>
+            <p:nvPr/>
+          </p:nvSpPr>
+          <p:spPr>
+            <a:xfrm>
+              <a:off x="2603978" y="3235504"/>
+              <a:ext cx="180000" cy="180000"/>
+            </a:xfrm>
+            <a:prstGeom prst="cube">
+              <a:avLst/>
+            </a:prstGeom>
+            <a:grpFill/>
+            <a:ln>
+              <a:solidFill>
+                <a:schemeClr val="tx1"/>
+              </a:solidFill>
+            </a:ln>
+          </p:spPr>
+          <p:style>
+            <a:lnRef idx="2">
+              <a:schemeClr val="accent1">
+                <a:shade val="50000"/>
+              </a:schemeClr>
+            </a:lnRef>
+            <a:fillRef idx="1">
+              <a:schemeClr val="accent1"/>
+            </a:fillRef>
+            <a:effectRef idx="0">
+              <a:schemeClr val="accent1"/>
+            </a:effectRef>
+            <a:fontRef idx="minor">
+              <a:schemeClr val="lt1"/>
+            </a:fontRef>
+          </p:style>
+          <p:txBody>
+            <a:bodyPr rtlCol="0" anchor="ctr"/>
+            <a:lstStyle/>
+            <a:p>
+              <a:pPr algn="ctr"/>
+              <a:endParaRPr lang="ko-KR" altLang="en-US"/>
+            </a:p>
+          </p:txBody>
+        </p:sp>
+        <p:sp>
+          <p:nvSpPr>
+            <p:cNvPr id="9" name="정육면체 8">
+              <a:extLst>
+                <a:ext uri="{FF2B5EF4-FFF2-40B4-BE49-F238E27FC236}">
+                  <a16:creationId xmlns:a16="http://schemas.microsoft.com/office/drawing/2014/main" id="{DD10A0BB-237C-4E8A-A5BB-14C1AF4D7DF2}"/>
+                </a:ext>
+              </a:extLst>
+            </p:cNvPr>
+            <p:cNvSpPr/>
+            <p:nvPr/>
+          </p:nvSpPr>
+          <p:spPr>
+            <a:xfrm>
+              <a:off x="2603978" y="3105404"/>
+              <a:ext cx="180000" cy="180000"/>
+            </a:xfrm>
+            <a:prstGeom prst="cube">
+              <a:avLst/>
+            </a:prstGeom>
+            <a:grpFill/>
+            <a:ln>
+              <a:solidFill>
+                <a:srgbClr val="000000"/>
+              </a:solidFill>
+            </a:ln>
+          </p:spPr>
+          <p:style>
+            <a:lnRef idx="2">
+              <a:schemeClr val="accent1">
+                <a:shade val="50000"/>
+              </a:schemeClr>
+            </a:lnRef>
+            <a:fillRef idx="1">
+              <a:schemeClr val="accent1"/>
+            </a:fillRef>
+            <a:effectRef idx="0">
+              <a:schemeClr val="accent1"/>
+            </a:effectRef>
+            <a:fontRef idx="minor">
+              <a:schemeClr val="lt1"/>
+            </a:fontRef>
+          </p:style>
+          <p:txBody>
+            <a:bodyPr rtlCol="0" anchor="ctr"/>
+            <a:lstStyle/>
+            <a:p>
+              <a:pPr algn="ctr"/>
+              <a:endParaRPr lang="ko-KR" altLang="en-US"/>
+            </a:p>
+          </p:txBody>
+        </p:sp>
+      </p:grpSp>
+      <p:grpSp>
+        <p:nvGrpSpPr>
+          <p:cNvPr id="10" name="그룹 9">
+            <a:extLst>
+              <a:ext uri="{FF2B5EF4-FFF2-40B4-BE49-F238E27FC236}">
+                <a16:creationId xmlns:a16="http://schemas.microsoft.com/office/drawing/2014/main" id="{A975A180-116B-4C2D-9572-D5649C44A19C}"/>
+              </a:ext>
+            </a:extLst>
+          </p:cNvPr>
+          <p:cNvGrpSpPr/>
+          <p:nvPr/>
+        </p:nvGrpSpPr>
+        <p:grpSpPr>
+          <a:xfrm>
+            <a:off x="1534810" y="4583609"/>
+            <a:ext cx="180000" cy="310100"/>
+            <a:chOff x="2603978" y="3105404"/>
+            <a:chExt cx="180000" cy="310100"/>
+          </a:xfrm>
+          <a:solidFill>
+            <a:schemeClr val="accent4">
+              <a:lumMod val="20000"/>
+              <a:lumOff val="80000"/>
+            </a:schemeClr>
+          </a:solidFill>
+        </p:grpSpPr>
+        <p:sp>
+          <p:nvSpPr>
+            <p:cNvPr id="11" name="정육면체 10">
+              <a:extLst>
+                <a:ext uri="{FF2B5EF4-FFF2-40B4-BE49-F238E27FC236}">
+                  <a16:creationId xmlns:a16="http://schemas.microsoft.com/office/drawing/2014/main" id="{455B01D4-4533-4A3D-A394-9F831391464D}"/>
+                </a:ext>
+              </a:extLst>
+            </p:cNvPr>
+            <p:cNvSpPr/>
+            <p:nvPr/>
+          </p:nvSpPr>
+          <p:spPr>
+            <a:xfrm>
+              <a:off x="2603978" y="3235504"/>
+              <a:ext cx="180000" cy="180000"/>
+            </a:xfrm>
+            <a:prstGeom prst="cube">
+              <a:avLst/>
+            </a:prstGeom>
+            <a:grpFill/>
+            <a:ln>
+              <a:solidFill>
+                <a:schemeClr val="tx1"/>
+              </a:solidFill>
+            </a:ln>
+          </p:spPr>
+          <p:style>
+            <a:lnRef idx="2">
+              <a:schemeClr val="accent1">
+                <a:shade val="50000"/>
+              </a:schemeClr>
+            </a:lnRef>
+            <a:fillRef idx="1">
+              <a:schemeClr val="accent1"/>
+            </a:fillRef>
+            <a:effectRef idx="0">
+              <a:schemeClr val="accent1"/>
+            </a:effectRef>
+            <a:fontRef idx="minor">
+              <a:schemeClr val="lt1"/>
+            </a:fontRef>
+          </p:style>
+          <p:txBody>
+            <a:bodyPr rtlCol="0" anchor="ctr"/>
+            <a:lstStyle/>
+            <a:p>
+              <a:pPr algn="ctr"/>
+              <a:endParaRPr lang="ko-KR" altLang="en-US"/>
+            </a:p>
+          </p:txBody>
+        </p:sp>
+        <p:sp>
+          <p:nvSpPr>
+            <p:cNvPr id="12" name="정육면체 11">
+              <a:extLst>
+                <a:ext uri="{FF2B5EF4-FFF2-40B4-BE49-F238E27FC236}">
+                  <a16:creationId xmlns:a16="http://schemas.microsoft.com/office/drawing/2014/main" id="{8E8668F5-02B2-441D-8B85-575EB79CC1DD}"/>
+                </a:ext>
+              </a:extLst>
+            </p:cNvPr>
+            <p:cNvSpPr/>
+            <p:nvPr/>
+          </p:nvSpPr>
+          <p:spPr>
+            <a:xfrm>
+              <a:off x="2603978" y="3105404"/>
+              <a:ext cx="180000" cy="180000"/>
+            </a:xfrm>
+            <a:prstGeom prst="cube">
+              <a:avLst/>
+            </a:prstGeom>
+            <a:grpFill/>
+            <a:ln>
+              <a:solidFill>
+                <a:srgbClr val="000000"/>
+              </a:solidFill>
+            </a:ln>
+          </p:spPr>
+          <p:style>
+            <a:lnRef idx="2">
+              <a:schemeClr val="accent1">
+                <a:shade val="50000"/>
+              </a:schemeClr>
+            </a:lnRef>
+            <a:fillRef idx="1">
+              <a:schemeClr val="accent1"/>
+            </a:fillRef>
+            <a:effectRef idx="0">
+              <a:schemeClr val="accent1"/>
+            </a:effectRef>
+            <a:fontRef idx="minor">
+              <a:schemeClr val="lt1"/>
+            </a:fontRef>
+          </p:style>
+          <p:txBody>
+            <a:bodyPr rtlCol="0" anchor="ctr"/>
+            <a:lstStyle/>
+            <a:p>
+              <a:pPr algn="ctr"/>
+              <a:endParaRPr lang="ko-KR" altLang="en-US"/>
+            </a:p>
+          </p:txBody>
+        </p:sp>
+      </p:grpSp>
+      <p:grpSp>
+        <p:nvGrpSpPr>
+          <p:cNvPr id="13" name="그룹 12">
+            <a:extLst>
+              <a:ext uri="{FF2B5EF4-FFF2-40B4-BE49-F238E27FC236}">
+                <a16:creationId xmlns:a16="http://schemas.microsoft.com/office/drawing/2014/main" id="{CC8C48D8-6554-494B-98E2-3F70CD15870F}"/>
+              </a:ext>
+            </a:extLst>
+          </p:cNvPr>
+          <p:cNvGrpSpPr/>
+          <p:nvPr/>
+        </p:nvGrpSpPr>
+        <p:grpSpPr>
+          <a:xfrm>
+            <a:off x="1528460" y="5231056"/>
+            <a:ext cx="180000" cy="310100"/>
+            <a:chOff x="2603978" y="3105404"/>
+            <a:chExt cx="180000" cy="310100"/>
+          </a:xfrm>
+          <a:solidFill>
+            <a:schemeClr val="accent5">
+              <a:lumMod val="20000"/>
+              <a:lumOff val="80000"/>
+            </a:schemeClr>
+          </a:solidFill>
+        </p:grpSpPr>
+        <p:sp>
+          <p:nvSpPr>
+            <p:cNvPr id="14" name="정육면체 13">
+              <a:extLst>
+                <a:ext uri="{FF2B5EF4-FFF2-40B4-BE49-F238E27FC236}">
+                  <a16:creationId xmlns:a16="http://schemas.microsoft.com/office/drawing/2014/main" id="{B29F1270-5224-4FAD-A2AE-AB84AE771946}"/>
+                </a:ext>
+              </a:extLst>
+            </p:cNvPr>
+            <p:cNvSpPr/>
+            <p:nvPr/>
+          </p:nvSpPr>
+          <p:spPr>
+            <a:xfrm>
+              <a:off x="2603978" y="3235504"/>
+              <a:ext cx="180000" cy="180000"/>
+            </a:xfrm>
+            <a:prstGeom prst="cube">
+              <a:avLst/>
+            </a:prstGeom>
+            <a:grpFill/>
+            <a:ln>
+              <a:solidFill>
+                <a:schemeClr val="tx1"/>
+              </a:solidFill>
+            </a:ln>
+          </p:spPr>
+          <p:style>
+            <a:lnRef idx="2">
+              <a:schemeClr val="accent1">
+                <a:shade val="50000"/>
+              </a:schemeClr>
+            </a:lnRef>
+            <a:fillRef idx="1">
+              <a:schemeClr val="accent1"/>
+            </a:fillRef>
+            <a:effectRef idx="0">
+              <a:schemeClr val="accent1"/>
+            </a:effectRef>
+            <a:fontRef idx="minor">
+              <a:schemeClr val="lt1"/>
+            </a:fontRef>
+          </p:style>
+          <p:txBody>
+            <a:bodyPr rtlCol="0" anchor="ctr"/>
+            <a:lstStyle/>
+            <a:p>
+              <a:pPr algn="ctr"/>
+              <a:endParaRPr lang="ko-KR" altLang="en-US"/>
+            </a:p>
+          </p:txBody>
+        </p:sp>
+        <p:sp>
+          <p:nvSpPr>
+            <p:cNvPr id="15" name="정육면체 14">
+              <a:extLst>
+                <a:ext uri="{FF2B5EF4-FFF2-40B4-BE49-F238E27FC236}">
+                  <a16:creationId xmlns:a16="http://schemas.microsoft.com/office/drawing/2014/main" id="{2BECEB3C-98A7-4684-AC24-7011460D6986}"/>
+                </a:ext>
+              </a:extLst>
+            </p:cNvPr>
+            <p:cNvSpPr/>
+            <p:nvPr/>
+          </p:nvSpPr>
+          <p:spPr>
+            <a:xfrm>
+              <a:off x="2603978" y="3105404"/>
+              <a:ext cx="180000" cy="180000"/>
+            </a:xfrm>
+            <a:prstGeom prst="cube">
+              <a:avLst/>
+            </a:prstGeom>
+            <a:grpFill/>
+            <a:ln>
+              <a:solidFill>
+                <a:srgbClr val="000000"/>
+              </a:solidFill>
+            </a:ln>
+          </p:spPr>
+          <p:style>
+            <a:lnRef idx="2">
+              <a:schemeClr val="accent1">
+                <a:shade val="50000"/>
+              </a:schemeClr>
+            </a:lnRef>
+            <a:fillRef idx="1">
+              <a:schemeClr val="accent1"/>
+            </a:fillRef>
+            <a:effectRef idx="0">
+              <a:schemeClr val="accent1"/>
+            </a:effectRef>
+            <a:fontRef idx="minor">
+              <a:schemeClr val="lt1"/>
+            </a:fontRef>
+          </p:style>
+          <p:txBody>
+            <a:bodyPr rtlCol="0" anchor="ctr"/>
+            <a:lstStyle/>
+            <a:p>
+              <a:pPr algn="ctr"/>
+              <a:endParaRPr lang="ko-KR" altLang="en-US"/>
+            </a:p>
+          </p:txBody>
+        </p:sp>
+      </p:grpSp>
+      <p:grpSp>
+        <p:nvGrpSpPr>
+          <p:cNvPr id="16" name="그룹 15">
+            <a:extLst>
+              <a:ext uri="{FF2B5EF4-FFF2-40B4-BE49-F238E27FC236}">
+                <a16:creationId xmlns:a16="http://schemas.microsoft.com/office/drawing/2014/main" id="{313DDEE7-D09E-4647-86C8-CC75179B0587}"/>
+              </a:ext>
+            </a:extLst>
+          </p:cNvPr>
+          <p:cNvGrpSpPr/>
+          <p:nvPr/>
+        </p:nvGrpSpPr>
+        <p:grpSpPr>
+          <a:xfrm>
+            <a:off x="2409475" y="4156262"/>
+            <a:ext cx="471190" cy="470060"/>
+            <a:chOff x="3629619" y="3401669"/>
+            <a:chExt cx="471190" cy="470060"/>
+          </a:xfrm>
+        </p:grpSpPr>
+        <p:grpSp>
+          <p:nvGrpSpPr>
+            <p:cNvPr id="17" name="그룹 16">
+              <a:extLst>
+                <a:ext uri="{FF2B5EF4-FFF2-40B4-BE49-F238E27FC236}">
+                  <a16:creationId xmlns:a16="http://schemas.microsoft.com/office/drawing/2014/main" id="{C4253F97-D3CE-441C-8575-70F85E6A961C}"/>
+                </a:ext>
+              </a:extLst>
+            </p:cNvPr>
+            <p:cNvGrpSpPr/>
+            <p:nvPr/>
+          </p:nvGrpSpPr>
+          <p:grpSpPr>
+            <a:xfrm>
+              <a:off x="3881599" y="3401669"/>
+              <a:ext cx="219210" cy="219108"/>
+              <a:chOff x="3879218" y="3404050"/>
+              <a:chExt cx="219210" cy="219108"/>
+            </a:xfrm>
+            <a:solidFill>
+              <a:schemeClr val="accent1">
+                <a:lumMod val="20000"/>
+                <a:lumOff val="80000"/>
+              </a:schemeClr>
+            </a:solidFill>
+          </p:grpSpPr>
+          <p:sp>
+            <p:nvSpPr>
+              <p:cNvPr id="27" name="정육면체 26">
+                <a:extLst>
+                  <a:ext uri="{FF2B5EF4-FFF2-40B4-BE49-F238E27FC236}">
+                    <a16:creationId xmlns:a16="http://schemas.microsoft.com/office/drawing/2014/main" id="{7BC73EB0-4797-42B9-AD1A-B0D7F3C868B5}"/>
+                  </a:ext>
+                </a:extLst>
+              </p:cNvPr>
+              <p:cNvSpPr/>
+              <p:nvPr/>
+            </p:nvSpPr>
+            <p:spPr>
+              <a:xfrm>
+                <a:off x="3918428" y="3404050"/>
+                <a:ext cx="180000" cy="180000"/>
+              </a:xfrm>
+              <a:prstGeom prst="cube">
+                <a:avLst/>
+              </a:prstGeom>
+              <a:grpFill/>
+              <a:ln>
+                <a:solidFill>
+                  <a:schemeClr val="tx1"/>
+                </a:solidFill>
+              </a:ln>
+            </p:spPr>
+            <p:style>
+              <a:lnRef idx="2">
+                <a:schemeClr val="accent1">
+                  <a:shade val="50000"/>
+                </a:schemeClr>
+              </a:lnRef>
+              <a:fillRef idx="1">
+                <a:schemeClr val="accent1"/>
+              </a:fillRef>
+              <a:effectRef idx="0">
+                <a:schemeClr val="accent1"/>
+              </a:effectRef>
+              <a:fontRef idx="minor">
+                <a:schemeClr val="lt1"/>
+              </a:fontRef>
+            </p:style>
+            <p:txBody>
+              <a:bodyPr rtlCol="0" anchor="ctr"/>
+              <a:lstStyle/>
+              <a:p>
+                <a:pPr algn="ctr"/>
+                <a:endParaRPr lang="ko-KR" altLang="en-US"/>
+              </a:p>
+            </p:txBody>
+          </p:sp>
+          <p:sp>
+            <p:nvSpPr>
+              <p:cNvPr id="28" name="정육면체 27">
+                <a:extLst>
+                  <a:ext uri="{FF2B5EF4-FFF2-40B4-BE49-F238E27FC236}">
+                    <a16:creationId xmlns:a16="http://schemas.microsoft.com/office/drawing/2014/main" id="{AE2ECF4F-DDBC-4FAE-892E-A27D606E97EF}"/>
+                  </a:ext>
+                </a:extLst>
+              </p:cNvPr>
+              <p:cNvSpPr/>
+              <p:nvPr/>
+            </p:nvSpPr>
+            <p:spPr>
+              <a:xfrm>
+                <a:off x="3879218" y="3443158"/>
+                <a:ext cx="180000" cy="180000"/>
+              </a:xfrm>
+              <a:prstGeom prst="cube">
+                <a:avLst/>
+              </a:prstGeom>
+              <a:grpFill/>
+              <a:ln>
+                <a:solidFill>
+                  <a:srgbClr val="000000"/>
+                </a:solidFill>
+              </a:ln>
+            </p:spPr>
+            <p:style>
+              <a:lnRef idx="2">
+                <a:schemeClr val="accent1">
+                  <a:shade val="50000"/>
+                </a:schemeClr>
+              </a:lnRef>
+              <a:fillRef idx="1">
+                <a:schemeClr val="accent1"/>
+              </a:fillRef>
+              <a:effectRef idx="0">
+                <a:schemeClr val="accent1"/>
+              </a:effectRef>
+              <a:fontRef idx="minor">
+                <a:schemeClr val="lt1"/>
+              </a:fontRef>
+            </p:style>
+            <p:txBody>
+              <a:bodyPr rtlCol="0" anchor="ctr"/>
+              <a:lstStyle/>
+              <a:p>
+                <a:pPr algn="ctr"/>
+                <a:endParaRPr lang="ko-KR" altLang="en-US" dirty="0"/>
+              </a:p>
+            </p:txBody>
+          </p:sp>
+        </p:grpSp>
+        <p:grpSp>
+          <p:nvGrpSpPr>
+            <p:cNvPr id="18" name="그룹 17">
+              <a:extLst>
+                <a:ext uri="{FF2B5EF4-FFF2-40B4-BE49-F238E27FC236}">
+                  <a16:creationId xmlns:a16="http://schemas.microsoft.com/office/drawing/2014/main" id="{D999C480-3F4A-4AC5-87DF-E95A7A142938}"/>
+                </a:ext>
+              </a:extLst>
+            </p:cNvPr>
+            <p:cNvGrpSpPr/>
+            <p:nvPr/>
+          </p:nvGrpSpPr>
+          <p:grpSpPr>
+            <a:xfrm>
+              <a:off x="3798742" y="3484526"/>
+              <a:ext cx="219210" cy="219108"/>
+              <a:chOff x="3879218" y="3404050"/>
+              <a:chExt cx="219210" cy="219108"/>
+            </a:xfrm>
+            <a:solidFill>
+              <a:schemeClr val="accent4">
+                <a:lumMod val="20000"/>
+                <a:lumOff val="80000"/>
+              </a:schemeClr>
+            </a:solidFill>
+          </p:grpSpPr>
+          <p:sp>
+            <p:nvSpPr>
+              <p:cNvPr id="25" name="정육면체 24">
+                <a:extLst>
+                  <a:ext uri="{FF2B5EF4-FFF2-40B4-BE49-F238E27FC236}">
+                    <a16:creationId xmlns:a16="http://schemas.microsoft.com/office/drawing/2014/main" id="{8564BABD-8C7B-4690-84F5-69333F32A552}"/>
+                  </a:ext>
+                </a:extLst>
+              </p:cNvPr>
+              <p:cNvSpPr/>
+              <p:nvPr/>
+            </p:nvSpPr>
+            <p:spPr>
+              <a:xfrm>
+                <a:off x="3918428" y="3404050"/>
+                <a:ext cx="180000" cy="180000"/>
+              </a:xfrm>
+              <a:prstGeom prst="cube">
+                <a:avLst/>
+              </a:prstGeom>
+              <a:grpFill/>
+              <a:ln>
+                <a:solidFill>
+                  <a:schemeClr val="tx1"/>
+                </a:solidFill>
+              </a:ln>
+            </p:spPr>
+            <p:style>
+              <a:lnRef idx="2">
+                <a:schemeClr val="accent1">
+                  <a:shade val="50000"/>
+                </a:schemeClr>
+              </a:lnRef>
+              <a:fillRef idx="1">
+                <a:schemeClr val="accent1"/>
+              </a:fillRef>
+              <a:effectRef idx="0">
+                <a:schemeClr val="accent1"/>
+              </a:effectRef>
+              <a:fontRef idx="minor">
+                <a:schemeClr val="lt1"/>
+              </a:fontRef>
+            </p:style>
+            <p:txBody>
+              <a:bodyPr rtlCol="0" anchor="ctr"/>
+              <a:lstStyle/>
+              <a:p>
+                <a:pPr algn="ctr"/>
+                <a:endParaRPr lang="ko-KR" altLang="en-US"/>
+              </a:p>
+            </p:txBody>
+          </p:sp>
+          <p:sp>
+            <p:nvSpPr>
+              <p:cNvPr id="26" name="정육면체 25">
+                <a:extLst>
+                  <a:ext uri="{FF2B5EF4-FFF2-40B4-BE49-F238E27FC236}">
+                    <a16:creationId xmlns:a16="http://schemas.microsoft.com/office/drawing/2014/main" id="{2B570F56-B4B0-457D-A422-C5CDFE0671EF}"/>
+                  </a:ext>
+                </a:extLst>
+              </p:cNvPr>
+              <p:cNvSpPr/>
+              <p:nvPr/>
+            </p:nvSpPr>
+            <p:spPr>
+              <a:xfrm>
+                <a:off x="3879218" y="3443158"/>
+                <a:ext cx="180000" cy="180000"/>
+              </a:xfrm>
+              <a:prstGeom prst="cube">
+                <a:avLst/>
+              </a:prstGeom>
+              <a:grpFill/>
+              <a:ln>
+                <a:solidFill>
+                  <a:srgbClr val="000000"/>
+                </a:solidFill>
+              </a:ln>
+            </p:spPr>
+            <p:style>
+              <a:lnRef idx="2">
+                <a:schemeClr val="accent1">
+                  <a:shade val="50000"/>
+                </a:schemeClr>
+              </a:lnRef>
+              <a:fillRef idx="1">
+                <a:schemeClr val="accent1"/>
+              </a:fillRef>
+              <a:effectRef idx="0">
+                <a:schemeClr val="accent1"/>
+              </a:effectRef>
+              <a:fontRef idx="minor">
+                <a:schemeClr val="lt1"/>
+              </a:fontRef>
+            </p:style>
+            <p:txBody>
+              <a:bodyPr rtlCol="0" anchor="ctr"/>
+              <a:lstStyle/>
+              <a:p>
+                <a:pPr algn="ctr"/>
+                <a:endParaRPr lang="ko-KR" altLang="en-US" dirty="0"/>
+              </a:p>
+            </p:txBody>
+          </p:sp>
+        </p:grpSp>
+        <p:grpSp>
+          <p:nvGrpSpPr>
+            <p:cNvPr id="19" name="그룹 18">
+              <a:extLst>
+                <a:ext uri="{FF2B5EF4-FFF2-40B4-BE49-F238E27FC236}">
+                  <a16:creationId xmlns:a16="http://schemas.microsoft.com/office/drawing/2014/main" id="{85124D6B-0584-4029-BD34-E96E0B705C19}"/>
+                </a:ext>
+              </a:extLst>
+            </p:cNvPr>
+            <p:cNvGrpSpPr/>
+            <p:nvPr/>
+          </p:nvGrpSpPr>
+          <p:grpSpPr>
+            <a:xfrm>
+              <a:off x="3713504" y="3569764"/>
+              <a:ext cx="219210" cy="219108"/>
+              <a:chOff x="3879218" y="3404050"/>
+              <a:chExt cx="219210" cy="219108"/>
+            </a:xfrm>
+            <a:solidFill>
+              <a:schemeClr val="accent6">
+                <a:lumMod val="20000"/>
+                <a:lumOff val="80000"/>
+              </a:schemeClr>
+            </a:solidFill>
+          </p:grpSpPr>
+          <p:sp>
+            <p:nvSpPr>
+              <p:cNvPr id="23" name="정육면체 22">
+                <a:extLst>
+                  <a:ext uri="{FF2B5EF4-FFF2-40B4-BE49-F238E27FC236}">
+                    <a16:creationId xmlns:a16="http://schemas.microsoft.com/office/drawing/2014/main" id="{656E1CE6-659F-42BA-9762-31B6563C6CC3}"/>
+                  </a:ext>
+                </a:extLst>
+              </p:cNvPr>
+              <p:cNvSpPr/>
+              <p:nvPr/>
+            </p:nvSpPr>
+            <p:spPr>
+              <a:xfrm>
+                <a:off x="3918428" y="3404050"/>
+                <a:ext cx="180000" cy="180000"/>
+              </a:xfrm>
+              <a:prstGeom prst="cube">
+                <a:avLst/>
+              </a:prstGeom>
+              <a:grpFill/>
+              <a:ln>
+                <a:solidFill>
+                  <a:schemeClr val="tx1"/>
+                </a:solidFill>
+              </a:ln>
+            </p:spPr>
+            <p:style>
+              <a:lnRef idx="2">
+                <a:schemeClr val="accent1">
+                  <a:shade val="50000"/>
+                </a:schemeClr>
+              </a:lnRef>
+              <a:fillRef idx="1">
+                <a:schemeClr val="accent1"/>
+              </a:fillRef>
+              <a:effectRef idx="0">
+                <a:schemeClr val="accent1"/>
+              </a:effectRef>
+              <a:fontRef idx="minor">
+                <a:schemeClr val="lt1"/>
+              </a:fontRef>
+            </p:style>
+            <p:txBody>
+              <a:bodyPr rtlCol="0" anchor="ctr"/>
+              <a:lstStyle/>
+              <a:p>
+                <a:pPr algn="ctr"/>
+                <a:endParaRPr lang="ko-KR" altLang="en-US"/>
+              </a:p>
+            </p:txBody>
+          </p:sp>
+          <p:sp>
+            <p:nvSpPr>
+              <p:cNvPr id="24" name="정육면체 23">
+                <a:extLst>
+                  <a:ext uri="{FF2B5EF4-FFF2-40B4-BE49-F238E27FC236}">
+                    <a16:creationId xmlns:a16="http://schemas.microsoft.com/office/drawing/2014/main" id="{9F67AF14-F624-4CC2-BD9C-BD6023E86FFA}"/>
+                  </a:ext>
+                </a:extLst>
+              </p:cNvPr>
+              <p:cNvSpPr/>
+              <p:nvPr/>
+            </p:nvSpPr>
+            <p:spPr>
+              <a:xfrm>
+                <a:off x="3879218" y="3443158"/>
+                <a:ext cx="180000" cy="180000"/>
+              </a:xfrm>
+              <a:prstGeom prst="cube">
+                <a:avLst/>
+              </a:prstGeom>
+              <a:grpFill/>
+              <a:ln>
+                <a:solidFill>
+                  <a:srgbClr val="000000"/>
+                </a:solidFill>
+              </a:ln>
+            </p:spPr>
+            <p:style>
+              <a:lnRef idx="2">
+                <a:schemeClr val="accent1">
+                  <a:shade val="50000"/>
+                </a:schemeClr>
+              </a:lnRef>
+              <a:fillRef idx="1">
+                <a:schemeClr val="accent1"/>
+              </a:fillRef>
+              <a:effectRef idx="0">
+                <a:schemeClr val="accent1"/>
+              </a:effectRef>
+              <a:fontRef idx="minor">
+                <a:schemeClr val="lt1"/>
+              </a:fontRef>
+            </p:style>
+            <p:txBody>
+              <a:bodyPr rtlCol="0" anchor="ctr"/>
+              <a:lstStyle/>
+              <a:p>
+                <a:pPr algn="ctr"/>
+                <a:endParaRPr lang="ko-KR" altLang="en-US" dirty="0"/>
+              </a:p>
+            </p:txBody>
+          </p:sp>
+        </p:grpSp>
+        <p:grpSp>
+          <p:nvGrpSpPr>
+            <p:cNvPr id="20" name="그룹 19">
+              <a:extLst>
+                <a:ext uri="{FF2B5EF4-FFF2-40B4-BE49-F238E27FC236}">
+                  <a16:creationId xmlns:a16="http://schemas.microsoft.com/office/drawing/2014/main" id="{80781FA5-53B1-4FE0-A1ED-CCF0434459AA}"/>
+                </a:ext>
+              </a:extLst>
+            </p:cNvPr>
+            <p:cNvGrpSpPr/>
+            <p:nvPr/>
+          </p:nvGrpSpPr>
+          <p:grpSpPr>
+            <a:xfrm>
+              <a:off x="3629619" y="3652621"/>
+              <a:ext cx="219210" cy="219108"/>
+              <a:chOff x="3879218" y="3404050"/>
+              <a:chExt cx="219210" cy="219108"/>
+            </a:xfrm>
+          </p:grpSpPr>
+          <p:sp>
+            <p:nvSpPr>
+              <p:cNvPr id="21" name="정육면체 20">
+                <a:extLst>
+                  <a:ext uri="{FF2B5EF4-FFF2-40B4-BE49-F238E27FC236}">
+                    <a16:creationId xmlns:a16="http://schemas.microsoft.com/office/drawing/2014/main" id="{3A3F3838-1FD2-4798-96C5-795FDA1772D0}"/>
+                  </a:ext>
+                </a:extLst>
+              </p:cNvPr>
+              <p:cNvSpPr/>
+              <p:nvPr/>
+            </p:nvSpPr>
+            <p:spPr>
+              <a:xfrm>
+                <a:off x="3918428" y="3404050"/>
+                <a:ext cx="180000" cy="180000"/>
+              </a:xfrm>
+              <a:prstGeom prst="cube">
+                <a:avLst/>
+              </a:prstGeom>
+              <a:solidFill>
+                <a:schemeClr val="accent2">
+                  <a:lumMod val="40000"/>
+                  <a:lumOff val="60000"/>
+                </a:schemeClr>
+              </a:solidFill>
+              <a:ln>
+                <a:solidFill>
+                  <a:schemeClr val="tx1"/>
+                </a:solidFill>
+              </a:ln>
+            </p:spPr>
+            <p:style>
+              <a:lnRef idx="2">
+                <a:schemeClr val="accent1">
+                  <a:shade val="50000"/>
+                </a:schemeClr>
+              </a:lnRef>
+              <a:fillRef idx="1">
+                <a:schemeClr val="accent1"/>
+              </a:fillRef>
+              <a:effectRef idx="0">
+                <a:schemeClr val="accent1"/>
+              </a:effectRef>
+              <a:fontRef idx="minor">
+                <a:schemeClr val="lt1"/>
+              </a:fontRef>
+            </p:style>
+            <p:txBody>
+              <a:bodyPr rtlCol="0" anchor="ctr"/>
+              <a:lstStyle/>
+              <a:p>
+                <a:pPr algn="ctr"/>
+                <a:endParaRPr lang="ko-KR" altLang="en-US"/>
+              </a:p>
+            </p:txBody>
+          </p:sp>
+          <p:sp>
+            <p:nvSpPr>
+              <p:cNvPr id="22" name="정육면체 21">
+                <a:extLst>
+                  <a:ext uri="{FF2B5EF4-FFF2-40B4-BE49-F238E27FC236}">
+                    <a16:creationId xmlns:a16="http://schemas.microsoft.com/office/drawing/2014/main" id="{55FFA23A-FADA-4CC0-9246-E050861D4425}"/>
+                  </a:ext>
+                </a:extLst>
+              </p:cNvPr>
+              <p:cNvSpPr/>
+              <p:nvPr/>
+            </p:nvSpPr>
+            <p:spPr>
+              <a:xfrm>
+                <a:off x="3879218" y="3443158"/>
+                <a:ext cx="180000" cy="180000"/>
+              </a:xfrm>
+              <a:prstGeom prst="cube">
+                <a:avLst/>
+              </a:prstGeom>
+              <a:solidFill>
+                <a:schemeClr val="accent2">
+                  <a:lumMod val="40000"/>
+                  <a:lumOff val="60000"/>
+                </a:schemeClr>
+              </a:solidFill>
+              <a:ln>
+                <a:solidFill>
+                  <a:srgbClr val="000000"/>
+                </a:solidFill>
+              </a:ln>
+            </p:spPr>
+            <p:style>
+              <a:lnRef idx="2">
+                <a:schemeClr val="accent1">
+                  <a:shade val="50000"/>
+                </a:schemeClr>
+              </a:lnRef>
+              <a:fillRef idx="1">
+                <a:schemeClr val="accent1"/>
+              </a:fillRef>
+              <a:effectRef idx="0">
+                <a:schemeClr val="accent1"/>
+              </a:effectRef>
+              <a:fontRef idx="minor">
+                <a:schemeClr val="lt1"/>
+              </a:fontRef>
+            </p:style>
+            <p:txBody>
+              <a:bodyPr rtlCol="0" anchor="ctr"/>
+              <a:lstStyle/>
+              <a:p>
+                <a:pPr algn="ctr"/>
+                <a:endParaRPr lang="ko-KR" altLang="en-US" dirty="0"/>
+              </a:p>
+            </p:txBody>
+          </p:sp>
+        </p:grpSp>
+      </p:grpSp>
+      <p:grpSp>
+        <p:nvGrpSpPr>
+          <p:cNvPr id="29" name="그룹 28">
+            <a:extLst>
+              <a:ext uri="{FF2B5EF4-FFF2-40B4-BE49-F238E27FC236}">
+                <a16:creationId xmlns:a16="http://schemas.microsoft.com/office/drawing/2014/main" id="{A2407DC3-FA95-40E9-A970-BAA30B3CAA5F}"/>
+              </a:ext>
+            </a:extLst>
+          </p:cNvPr>
+          <p:cNvGrpSpPr/>
+          <p:nvPr/>
+        </p:nvGrpSpPr>
+        <p:grpSpPr>
+          <a:xfrm>
+            <a:off x="3374129" y="4704326"/>
+            <a:ext cx="471190" cy="607470"/>
+            <a:chOff x="4429685" y="2317996"/>
+            <a:chExt cx="471190" cy="607470"/>
+          </a:xfrm>
+        </p:grpSpPr>
+        <p:grpSp>
+          <p:nvGrpSpPr>
+            <p:cNvPr id="30" name="그룹 29">
+              <a:extLst>
+                <a:ext uri="{FF2B5EF4-FFF2-40B4-BE49-F238E27FC236}">
+                  <a16:creationId xmlns:a16="http://schemas.microsoft.com/office/drawing/2014/main" id="{6D6F81F9-CEF0-4009-8EC8-436A9B674F09}"/>
+                </a:ext>
+              </a:extLst>
+            </p:cNvPr>
+            <p:cNvGrpSpPr/>
+            <p:nvPr/>
+          </p:nvGrpSpPr>
+          <p:grpSpPr>
+            <a:xfrm>
+              <a:off x="4429685" y="2455406"/>
+              <a:ext cx="471190" cy="470060"/>
+              <a:chOff x="3629619" y="3401669"/>
+              <a:chExt cx="471190" cy="470060"/>
+            </a:xfrm>
+          </p:grpSpPr>
+          <p:grpSp>
+            <p:nvGrpSpPr>
+              <p:cNvPr id="44" name="그룹 43">
+                <a:extLst>
+                  <a:ext uri="{FF2B5EF4-FFF2-40B4-BE49-F238E27FC236}">
+                    <a16:creationId xmlns:a16="http://schemas.microsoft.com/office/drawing/2014/main" id="{696D2838-FBD5-4A19-AFA8-5863E2582FE7}"/>
+                  </a:ext>
+                </a:extLst>
+              </p:cNvPr>
+              <p:cNvGrpSpPr/>
+              <p:nvPr/>
+            </p:nvGrpSpPr>
+            <p:grpSpPr>
+              <a:xfrm>
+                <a:off x="3881599" y="3401669"/>
+                <a:ext cx="219210" cy="219108"/>
+                <a:chOff x="3879218" y="3404050"/>
+                <a:chExt cx="219210" cy="219108"/>
+              </a:xfrm>
+              <a:solidFill>
+                <a:schemeClr val="accent1">
+                  <a:lumMod val="20000"/>
+                  <a:lumOff val="80000"/>
+                </a:schemeClr>
+              </a:solidFill>
+            </p:grpSpPr>
+            <p:sp>
+              <p:nvSpPr>
+                <p:cNvPr id="54" name="정육면체 53">
+                  <a:extLst>
+                    <a:ext uri="{FF2B5EF4-FFF2-40B4-BE49-F238E27FC236}">
+                      <a16:creationId xmlns:a16="http://schemas.microsoft.com/office/drawing/2014/main" id="{AC86CA83-7B60-4F02-A4BC-D32F2C61B7DC}"/>
+                    </a:ext>
+                  </a:extLst>
+                </p:cNvPr>
+                <p:cNvSpPr/>
+                <p:nvPr/>
+              </p:nvSpPr>
+              <p:spPr>
+                <a:xfrm>
+                  <a:off x="3918428" y="3404050"/>
+                  <a:ext cx="180000" cy="180000"/>
+                </a:xfrm>
+                <a:prstGeom prst="cube">
+                  <a:avLst/>
+                </a:prstGeom>
+                <a:grpFill/>
+                <a:ln>
+                  <a:solidFill>
+                    <a:schemeClr val="tx1"/>
+                  </a:solidFill>
+                </a:ln>
+              </p:spPr>
+              <p:style>
+                <a:lnRef idx="2">
+                  <a:schemeClr val="accent1">
+                    <a:shade val="50000"/>
+                  </a:schemeClr>
+                </a:lnRef>
+                <a:fillRef idx="1">
+                  <a:schemeClr val="accent1"/>
+                </a:fillRef>
+                <a:effectRef idx="0">
+                  <a:schemeClr val="accent1"/>
+                </a:effectRef>
+                <a:fontRef idx="minor">
+                  <a:schemeClr val="lt1"/>
+                </a:fontRef>
+              </p:style>
+              <p:txBody>
+                <a:bodyPr rtlCol="0" anchor="ctr"/>
+                <a:lstStyle/>
+                <a:p>
+                  <a:pPr algn="ctr"/>
+                  <a:endParaRPr lang="ko-KR" altLang="en-US"/>
+                </a:p>
+              </p:txBody>
+            </p:sp>
+            <p:sp>
+              <p:nvSpPr>
+                <p:cNvPr id="55" name="정육면체 54">
+                  <a:extLst>
+                    <a:ext uri="{FF2B5EF4-FFF2-40B4-BE49-F238E27FC236}">
+                      <a16:creationId xmlns:a16="http://schemas.microsoft.com/office/drawing/2014/main" id="{CB1400E8-78A9-44D8-85CA-58195A832078}"/>
+                    </a:ext>
+                  </a:extLst>
+                </p:cNvPr>
+                <p:cNvSpPr/>
+                <p:nvPr/>
+              </p:nvSpPr>
+              <p:spPr>
+                <a:xfrm>
+                  <a:off x="3879218" y="3443158"/>
+                  <a:ext cx="180000" cy="180000"/>
+                </a:xfrm>
+                <a:prstGeom prst="cube">
+                  <a:avLst/>
+                </a:prstGeom>
+                <a:grpFill/>
+                <a:ln>
+                  <a:solidFill>
+                    <a:srgbClr val="000000"/>
+                  </a:solidFill>
+                </a:ln>
+              </p:spPr>
+              <p:style>
+                <a:lnRef idx="2">
+                  <a:schemeClr val="accent1">
+                    <a:shade val="50000"/>
+                  </a:schemeClr>
+                </a:lnRef>
+                <a:fillRef idx="1">
+                  <a:schemeClr val="accent1"/>
+                </a:fillRef>
+                <a:effectRef idx="0">
+                  <a:schemeClr val="accent1"/>
+                </a:effectRef>
+                <a:fontRef idx="minor">
+                  <a:schemeClr val="lt1"/>
+                </a:fontRef>
+              </p:style>
+              <p:txBody>
+                <a:bodyPr rtlCol="0" anchor="ctr"/>
+                <a:lstStyle/>
+                <a:p>
+                  <a:pPr algn="ctr"/>
+                  <a:endParaRPr lang="ko-KR" altLang="en-US" dirty="0"/>
+                </a:p>
+              </p:txBody>
+            </p:sp>
+          </p:grpSp>
+          <p:grpSp>
+            <p:nvGrpSpPr>
+              <p:cNvPr id="45" name="그룹 44">
+                <a:extLst>
+                  <a:ext uri="{FF2B5EF4-FFF2-40B4-BE49-F238E27FC236}">
+                    <a16:creationId xmlns:a16="http://schemas.microsoft.com/office/drawing/2014/main" id="{F21F840B-CB0A-44CB-BB15-70C5DA73FC41}"/>
+                  </a:ext>
+                </a:extLst>
+              </p:cNvPr>
+              <p:cNvGrpSpPr/>
+              <p:nvPr/>
+            </p:nvGrpSpPr>
+            <p:grpSpPr>
+              <a:xfrm>
+                <a:off x="3798742" y="3484526"/>
+                <a:ext cx="219210" cy="219108"/>
+                <a:chOff x="3879218" y="3404050"/>
+                <a:chExt cx="219210" cy="219108"/>
+              </a:xfrm>
+              <a:solidFill>
+                <a:schemeClr val="accent4">
+                  <a:lumMod val="20000"/>
+                  <a:lumOff val="80000"/>
+                </a:schemeClr>
+              </a:solidFill>
+            </p:grpSpPr>
+            <p:sp>
+              <p:nvSpPr>
+                <p:cNvPr id="52" name="정육면체 51">
+                  <a:extLst>
+                    <a:ext uri="{FF2B5EF4-FFF2-40B4-BE49-F238E27FC236}">
+                      <a16:creationId xmlns:a16="http://schemas.microsoft.com/office/drawing/2014/main" id="{FADED308-EC6E-4514-9584-55A87F1013AA}"/>
+                    </a:ext>
+                  </a:extLst>
+                </p:cNvPr>
+                <p:cNvSpPr/>
+                <p:nvPr/>
+              </p:nvSpPr>
+              <p:spPr>
+                <a:xfrm>
+                  <a:off x="3918428" y="3404050"/>
+                  <a:ext cx="180000" cy="180000"/>
+                </a:xfrm>
+                <a:prstGeom prst="cube">
+                  <a:avLst/>
+                </a:prstGeom>
+                <a:grpFill/>
+                <a:ln>
+                  <a:solidFill>
+                    <a:schemeClr val="tx1"/>
+                  </a:solidFill>
+                </a:ln>
+              </p:spPr>
+              <p:style>
+                <a:lnRef idx="2">
+                  <a:schemeClr val="accent1">
+                    <a:shade val="50000"/>
+                  </a:schemeClr>
+                </a:lnRef>
+                <a:fillRef idx="1">
+                  <a:schemeClr val="accent1"/>
+                </a:fillRef>
+                <a:effectRef idx="0">
+                  <a:schemeClr val="accent1"/>
+                </a:effectRef>
+                <a:fontRef idx="minor">
+                  <a:schemeClr val="lt1"/>
+                </a:fontRef>
+              </p:style>
+              <p:txBody>
+                <a:bodyPr rtlCol="0" anchor="ctr"/>
+                <a:lstStyle/>
+                <a:p>
+                  <a:pPr algn="ctr"/>
+                  <a:endParaRPr lang="ko-KR" altLang="en-US"/>
+                </a:p>
+              </p:txBody>
+            </p:sp>
+            <p:sp>
+              <p:nvSpPr>
+                <p:cNvPr id="53" name="정육면체 52">
+                  <a:extLst>
+                    <a:ext uri="{FF2B5EF4-FFF2-40B4-BE49-F238E27FC236}">
+                      <a16:creationId xmlns:a16="http://schemas.microsoft.com/office/drawing/2014/main" id="{3E8E4100-27E3-4AED-8F94-F107D98DFA31}"/>
+                    </a:ext>
+                  </a:extLst>
+                </p:cNvPr>
+                <p:cNvSpPr/>
+                <p:nvPr/>
+              </p:nvSpPr>
+              <p:spPr>
+                <a:xfrm>
+                  <a:off x="3879218" y="3443158"/>
+                  <a:ext cx="180000" cy="180000"/>
+                </a:xfrm>
+                <a:prstGeom prst="cube">
+                  <a:avLst/>
+                </a:prstGeom>
+                <a:grpFill/>
+                <a:ln>
+                  <a:solidFill>
+                    <a:srgbClr val="000000"/>
+                  </a:solidFill>
+                </a:ln>
+              </p:spPr>
+              <p:style>
+                <a:lnRef idx="2">
+                  <a:schemeClr val="accent1">
+                    <a:shade val="50000"/>
+                  </a:schemeClr>
+                </a:lnRef>
+                <a:fillRef idx="1">
+                  <a:schemeClr val="accent1"/>
+                </a:fillRef>
+                <a:effectRef idx="0">
+                  <a:schemeClr val="accent1"/>
+                </a:effectRef>
+                <a:fontRef idx="minor">
+                  <a:schemeClr val="lt1"/>
+                </a:fontRef>
+              </p:style>
+              <p:txBody>
+                <a:bodyPr rtlCol="0" anchor="ctr"/>
+                <a:lstStyle/>
+                <a:p>
+                  <a:pPr algn="ctr"/>
+                  <a:endParaRPr lang="ko-KR" altLang="en-US" dirty="0"/>
+                </a:p>
+              </p:txBody>
+            </p:sp>
+          </p:grpSp>
+          <p:grpSp>
+            <p:nvGrpSpPr>
+              <p:cNvPr id="46" name="그룹 45">
+                <a:extLst>
+                  <a:ext uri="{FF2B5EF4-FFF2-40B4-BE49-F238E27FC236}">
+                    <a16:creationId xmlns:a16="http://schemas.microsoft.com/office/drawing/2014/main" id="{B81045EC-DA70-4DDE-B6AB-B70D4DF1B3DE}"/>
+                  </a:ext>
+                </a:extLst>
+              </p:cNvPr>
+              <p:cNvGrpSpPr/>
+              <p:nvPr/>
+            </p:nvGrpSpPr>
+            <p:grpSpPr>
+              <a:xfrm>
+                <a:off x="3713504" y="3569764"/>
+                <a:ext cx="219210" cy="219108"/>
+                <a:chOff x="3879218" y="3404050"/>
+                <a:chExt cx="219210" cy="219108"/>
+              </a:xfrm>
+              <a:solidFill>
+                <a:schemeClr val="accent6">
+                  <a:lumMod val="20000"/>
+                  <a:lumOff val="80000"/>
+                </a:schemeClr>
+              </a:solidFill>
+            </p:grpSpPr>
+            <p:sp>
+              <p:nvSpPr>
+                <p:cNvPr id="50" name="정육면체 49">
+                  <a:extLst>
+                    <a:ext uri="{FF2B5EF4-FFF2-40B4-BE49-F238E27FC236}">
+                      <a16:creationId xmlns:a16="http://schemas.microsoft.com/office/drawing/2014/main" id="{B3866C50-B427-4D5B-BDB9-F2469ECA9994}"/>
+                    </a:ext>
+                  </a:extLst>
+                </p:cNvPr>
+                <p:cNvSpPr/>
+                <p:nvPr/>
+              </p:nvSpPr>
+              <p:spPr>
+                <a:xfrm>
+                  <a:off x="3918428" y="3404050"/>
+                  <a:ext cx="180000" cy="180000"/>
+                </a:xfrm>
+                <a:prstGeom prst="cube">
+                  <a:avLst/>
+                </a:prstGeom>
+                <a:grpFill/>
+                <a:ln>
+                  <a:solidFill>
+                    <a:schemeClr val="tx1"/>
+                  </a:solidFill>
+                </a:ln>
+              </p:spPr>
+              <p:style>
+                <a:lnRef idx="2">
+                  <a:schemeClr val="accent1">
+                    <a:shade val="50000"/>
+                  </a:schemeClr>
+                </a:lnRef>
+                <a:fillRef idx="1">
+                  <a:schemeClr val="accent1"/>
+                </a:fillRef>
+                <a:effectRef idx="0">
+                  <a:schemeClr val="accent1"/>
+                </a:effectRef>
+                <a:fontRef idx="minor">
+                  <a:schemeClr val="lt1"/>
+                </a:fontRef>
+              </p:style>
+              <p:txBody>
+                <a:bodyPr rtlCol="0" anchor="ctr"/>
+                <a:lstStyle/>
+                <a:p>
+                  <a:pPr algn="ctr"/>
+                  <a:endParaRPr lang="ko-KR" altLang="en-US"/>
+                </a:p>
+              </p:txBody>
+            </p:sp>
+            <p:sp>
+              <p:nvSpPr>
+                <p:cNvPr id="51" name="정육면체 50">
+                  <a:extLst>
+                    <a:ext uri="{FF2B5EF4-FFF2-40B4-BE49-F238E27FC236}">
+                      <a16:creationId xmlns:a16="http://schemas.microsoft.com/office/drawing/2014/main" id="{25FD30EF-5F21-4267-B03C-2FAD360D987B}"/>
+                    </a:ext>
+                  </a:extLst>
+                </p:cNvPr>
+                <p:cNvSpPr/>
+                <p:nvPr/>
+              </p:nvSpPr>
+              <p:spPr>
+                <a:xfrm>
+                  <a:off x="3879218" y="3443158"/>
+                  <a:ext cx="180000" cy="180000"/>
+                </a:xfrm>
+                <a:prstGeom prst="cube">
+                  <a:avLst/>
+                </a:prstGeom>
+                <a:grpFill/>
+                <a:ln>
+                  <a:solidFill>
+                    <a:srgbClr val="000000"/>
+                  </a:solidFill>
+                </a:ln>
+              </p:spPr>
+              <p:style>
+                <a:lnRef idx="2">
+                  <a:schemeClr val="accent1">
+                    <a:shade val="50000"/>
+                  </a:schemeClr>
+                </a:lnRef>
+                <a:fillRef idx="1">
+                  <a:schemeClr val="accent1"/>
+                </a:fillRef>
+                <a:effectRef idx="0">
+                  <a:schemeClr val="accent1"/>
+                </a:effectRef>
+                <a:fontRef idx="minor">
+                  <a:schemeClr val="lt1"/>
+                </a:fontRef>
+              </p:style>
+              <p:txBody>
+                <a:bodyPr rtlCol="0" anchor="ctr"/>
+                <a:lstStyle/>
+                <a:p>
+                  <a:pPr algn="ctr"/>
+                  <a:endParaRPr lang="ko-KR" altLang="en-US" dirty="0"/>
+                </a:p>
+              </p:txBody>
+            </p:sp>
+          </p:grpSp>
+          <p:grpSp>
+            <p:nvGrpSpPr>
+              <p:cNvPr id="47" name="그룹 46">
+                <a:extLst>
+                  <a:ext uri="{FF2B5EF4-FFF2-40B4-BE49-F238E27FC236}">
+                    <a16:creationId xmlns:a16="http://schemas.microsoft.com/office/drawing/2014/main" id="{8B820C28-844B-4092-8097-926D766739FE}"/>
+                  </a:ext>
+                </a:extLst>
+              </p:cNvPr>
+              <p:cNvGrpSpPr/>
+              <p:nvPr/>
+            </p:nvGrpSpPr>
+            <p:grpSpPr>
+              <a:xfrm>
+                <a:off x="3629619" y="3652621"/>
+                <a:ext cx="219210" cy="219108"/>
+                <a:chOff x="3879218" y="3404050"/>
+                <a:chExt cx="219210" cy="219108"/>
+              </a:xfrm>
+            </p:grpSpPr>
+            <p:sp>
+              <p:nvSpPr>
+                <p:cNvPr id="48" name="정육면체 47">
+                  <a:extLst>
+                    <a:ext uri="{FF2B5EF4-FFF2-40B4-BE49-F238E27FC236}">
+                      <a16:creationId xmlns:a16="http://schemas.microsoft.com/office/drawing/2014/main" id="{C7AC4693-54EC-498C-A472-3FD4E8DEB4A0}"/>
+                    </a:ext>
+                  </a:extLst>
+                </p:cNvPr>
+                <p:cNvSpPr/>
+                <p:nvPr/>
+              </p:nvSpPr>
+              <p:spPr>
+                <a:xfrm>
+                  <a:off x="3918428" y="3404050"/>
+                  <a:ext cx="180000" cy="180000"/>
+                </a:xfrm>
+                <a:prstGeom prst="cube">
+                  <a:avLst/>
+                </a:prstGeom>
+                <a:solidFill>
+                  <a:schemeClr val="accent2">
+                    <a:lumMod val="40000"/>
+                    <a:lumOff val="60000"/>
+                  </a:schemeClr>
+                </a:solidFill>
+                <a:ln>
+                  <a:solidFill>
+                    <a:schemeClr val="tx1"/>
+                  </a:solidFill>
+                </a:ln>
+              </p:spPr>
+              <p:style>
+                <a:lnRef idx="2">
+                  <a:schemeClr val="accent1">
+                    <a:shade val="50000"/>
+                  </a:schemeClr>
+                </a:lnRef>
+                <a:fillRef idx="1">
+                  <a:schemeClr val="accent1"/>
+                </a:fillRef>
+                <a:effectRef idx="0">
+                  <a:schemeClr val="accent1"/>
+                </a:effectRef>
+                <a:fontRef idx="minor">
+                  <a:schemeClr val="lt1"/>
+                </a:fontRef>
+              </p:style>
+              <p:txBody>
+                <a:bodyPr rtlCol="0" anchor="ctr"/>
+                <a:lstStyle/>
+                <a:p>
+                  <a:pPr algn="ctr"/>
+                  <a:endParaRPr lang="ko-KR" altLang="en-US"/>
+                </a:p>
+              </p:txBody>
+            </p:sp>
+            <p:sp>
+              <p:nvSpPr>
+                <p:cNvPr id="49" name="정육면체 48">
+                  <a:extLst>
+                    <a:ext uri="{FF2B5EF4-FFF2-40B4-BE49-F238E27FC236}">
+                      <a16:creationId xmlns:a16="http://schemas.microsoft.com/office/drawing/2014/main" id="{56F73FA2-3B87-4301-98B3-1469A5B338F1}"/>
+                    </a:ext>
+                  </a:extLst>
+                </p:cNvPr>
+                <p:cNvSpPr/>
+                <p:nvPr/>
+              </p:nvSpPr>
+              <p:spPr>
+                <a:xfrm>
+                  <a:off x="3879218" y="3443158"/>
+                  <a:ext cx="180000" cy="180000"/>
+                </a:xfrm>
+                <a:prstGeom prst="cube">
+                  <a:avLst/>
+                </a:prstGeom>
+                <a:solidFill>
+                  <a:schemeClr val="accent2">
+                    <a:lumMod val="40000"/>
+                    <a:lumOff val="60000"/>
+                  </a:schemeClr>
+                </a:solidFill>
+                <a:ln>
+                  <a:solidFill>
+                    <a:srgbClr val="000000"/>
+                  </a:solidFill>
+                </a:ln>
+              </p:spPr>
+              <p:style>
+                <a:lnRef idx="2">
+                  <a:schemeClr val="accent1">
+                    <a:shade val="50000"/>
+                  </a:schemeClr>
+                </a:lnRef>
+                <a:fillRef idx="1">
+                  <a:schemeClr val="accent1"/>
+                </a:fillRef>
+                <a:effectRef idx="0">
+                  <a:schemeClr val="accent1"/>
+                </a:effectRef>
+                <a:fontRef idx="minor">
+                  <a:schemeClr val="lt1"/>
+                </a:fontRef>
+              </p:style>
+              <p:txBody>
+                <a:bodyPr rtlCol="0" anchor="ctr"/>
+                <a:lstStyle/>
+                <a:p>
+                  <a:pPr algn="ctr"/>
+                  <a:endParaRPr lang="ko-KR" altLang="en-US" dirty="0"/>
+                </a:p>
+              </p:txBody>
+            </p:sp>
+          </p:grpSp>
+        </p:grpSp>
+        <p:grpSp>
+          <p:nvGrpSpPr>
+            <p:cNvPr id="31" name="그룹 30">
+              <a:extLst>
+                <a:ext uri="{FF2B5EF4-FFF2-40B4-BE49-F238E27FC236}">
+                  <a16:creationId xmlns:a16="http://schemas.microsoft.com/office/drawing/2014/main" id="{D051554D-F4C4-4037-9C4F-B3D7F60C0779}"/>
+                </a:ext>
+              </a:extLst>
+            </p:cNvPr>
+            <p:cNvGrpSpPr/>
+            <p:nvPr/>
+          </p:nvGrpSpPr>
+          <p:grpSpPr>
+            <a:xfrm>
+              <a:off x="4429685" y="2317996"/>
+              <a:ext cx="471190" cy="470060"/>
+              <a:chOff x="3629619" y="3401669"/>
+              <a:chExt cx="471190" cy="470060"/>
+            </a:xfrm>
+          </p:grpSpPr>
+          <p:grpSp>
+            <p:nvGrpSpPr>
+              <p:cNvPr id="32" name="그룹 31">
+                <a:extLst>
+                  <a:ext uri="{FF2B5EF4-FFF2-40B4-BE49-F238E27FC236}">
+                    <a16:creationId xmlns:a16="http://schemas.microsoft.com/office/drawing/2014/main" id="{1D711E12-581F-424D-8B4C-DDE19C69804F}"/>
+                  </a:ext>
+                </a:extLst>
+              </p:cNvPr>
+              <p:cNvGrpSpPr/>
+              <p:nvPr/>
+            </p:nvGrpSpPr>
+            <p:grpSpPr>
+              <a:xfrm>
+                <a:off x="3881599" y="3401669"/>
+                <a:ext cx="219210" cy="219108"/>
+                <a:chOff x="3879218" y="3404050"/>
+                <a:chExt cx="219210" cy="219108"/>
+              </a:xfrm>
+              <a:solidFill>
+                <a:schemeClr val="accent1">
+                  <a:lumMod val="20000"/>
+                  <a:lumOff val="80000"/>
+                </a:schemeClr>
+              </a:solidFill>
+            </p:grpSpPr>
+            <p:sp>
+              <p:nvSpPr>
+                <p:cNvPr id="42" name="정육면체 41">
+                  <a:extLst>
+                    <a:ext uri="{FF2B5EF4-FFF2-40B4-BE49-F238E27FC236}">
+                      <a16:creationId xmlns:a16="http://schemas.microsoft.com/office/drawing/2014/main" id="{5A2853AC-EC0B-4AF2-B2F8-2645FBAD612E}"/>
+                    </a:ext>
+                  </a:extLst>
+                </p:cNvPr>
+                <p:cNvSpPr/>
+                <p:nvPr/>
+              </p:nvSpPr>
+              <p:spPr>
+                <a:xfrm>
+                  <a:off x="3918428" y="3404050"/>
+                  <a:ext cx="180000" cy="180000"/>
+                </a:xfrm>
+                <a:prstGeom prst="cube">
+                  <a:avLst/>
+                </a:prstGeom>
+                <a:grpFill/>
+                <a:ln>
+                  <a:solidFill>
+                    <a:schemeClr val="tx1"/>
+                  </a:solidFill>
+                </a:ln>
+              </p:spPr>
+              <p:style>
+                <a:lnRef idx="2">
+                  <a:schemeClr val="accent1">
+                    <a:shade val="50000"/>
+                  </a:schemeClr>
+                </a:lnRef>
+                <a:fillRef idx="1">
+                  <a:schemeClr val="accent1"/>
+                </a:fillRef>
+                <a:effectRef idx="0">
+                  <a:schemeClr val="accent1"/>
+                </a:effectRef>
+                <a:fontRef idx="minor">
+                  <a:schemeClr val="lt1"/>
+                </a:fontRef>
+              </p:style>
+              <p:txBody>
+                <a:bodyPr rtlCol="0" anchor="ctr"/>
+                <a:lstStyle/>
+                <a:p>
+                  <a:pPr algn="ctr"/>
+                  <a:endParaRPr lang="ko-KR" altLang="en-US"/>
+                </a:p>
+              </p:txBody>
+            </p:sp>
+            <p:sp>
+              <p:nvSpPr>
+                <p:cNvPr id="43" name="정육면체 42">
+                  <a:extLst>
+                    <a:ext uri="{FF2B5EF4-FFF2-40B4-BE49-F238E27FC236}">
+                      <a16:creationId xmlns:a16="http://schemas.microsoft.com/office/drawing/2014/main" id="{2E3D22E5-7EBB-4114-B2A3-2B5E45DF273C}"/>
+                    </a:ext>
+                  </a:extLst>
+                </p:cNvPr>
+                <p:cNvSpPr/>
+                <p:nvPr/>
+              </p:nvSpPr>
+              <p:spPr>
+                <a:xfrm>
+                  <a:off x="3879218" y="3443158"/>
+                  <a:ext cx="180000" cy="180000"/>
+                </a:xfrm>
+                <a:prstGeom prst="cube">
+                  <a:avLst/>
+                </a:prstGeom>
+                <a:grpFill/>
+                <a:ln>
+                  <a:solidFill>
+                    <a:srgbClr val="000000"/>
+                  </a:solidFill>
+                </a:ln>
+              </p:spPr>
+              <p:style>
+                <a:lnRef idx="2">
+                  <a:schemeClr val="accent1">
+                    <a:shade val="50000"/>
+                  </a:schemeClr>
+                </a:lnRef>
+                <a:fillRef idx="1">
+                  <a:schemeClr val="accent1"/>
+                </a:fillRef>
+                <a:effectRef idx="0">
+                  <a:schemeClr val="accent1"/>
+                </a:effectRef>
+                <a:fontRef idx="minor">
+                  <a:schemeClr val="lt1"/>
+                </a:fontRef>
+              </p:style>
+              <p:txBody>
+                <a:bodyPr rtlCol="0" anchor="ctr"/>
+                <a:lstStyle/>
+                <a:p>
+                  <a:pPr algn="ctr"/>
+                  <a:endParaRPr lang="ko-KR" altLang="en-US" dirty="0"/>
+                </a:p>
+              </p:txBody>
+            </p:sp>
+          </p:grpSp>
+          <p:grpSp>
+            <p:nvGrpSpPr>
+              <p:cNvPr id="33" name="그룹 32">
+                <a:extLst>
+                  <a:ext uri="{FF2B5EF4-FFF2-40B4-BE49-F238E27FC236}">
+                    <a16:creationId xmlns:a16="http://schemas.microsoft.com/office/drawing/2014/main" id="{C1D56D04-B1D6-4D8C-971A-7FD26877FFB5}"/>
+                  </a:ext>
+                </a:extLst>
+              </p:cNvPr>
+              <p:cNvGrpSpPr/>
+              <p:nvPr/>
+            </p:nvGrpSpPr>
+            <p:grpSpPr>
+              <a:xfrm>
+                <a:off x="3798742" y="3484526"/>
+                <a:ext cx="219210" cy="219108"/>
+                <a:chOff x="3879218" y="3404050"/>
+                <a:chExt cx="219210" cy="219108"/>
+              </a:xfrm>
+              <a:solidFill>
+                <a:schemeClr val="accent4">
+                  <a:lumMod val="20000"/>
+                  <a:lumOff val="80000"/>
+                </a:schemeClr>
+              </a:solidFill>
+            </p:grpSpPr>
+            <p:sp>
+              <p:nvSpPr>
+                <p:cNvPr id="40" name="정육면체 39">
+                  <a:extLst>
+                    <a:ext uri="{FF2B5EF4-FFF2-40B4-BE49-F238E27FC236}">
+                      <a16:creationId xmlns:a16="http://schemas.microsoft.com/office/drawing/2014/main" id="{F520D035-2013-40B1-8EE2-F55570A0F116}"/>
+                    </a:ext>
+                  </a:extLst>
+                </p:cNvPr>
+                <p:cNvSpPr/>
+                <p:nvPr/>
+              </p:nvSpPr>
+              <p:spPr>
+                <a:xfrm>
+                  <a:off x="3918428" y="3404050"/>
+                  <a:ext cx="180000" cy="180000"/>
+                </a:xfrm>
+                <a:prstGeom prst="cube">
+                  <a:avLst/>
+                </a:prstGeom>
+                <a:grpFill/>
+                <a:ln>
+                  <a:solidFill>
+                    <a:schemeClr val="tx1"/>
+                  </a:solidFill>
+                </a:ln>
+              </p:spPr>
+              <p:style>
+                <a:lnRef idx="2">
+                  <a:schemeClr val="accent1">
+                    <a:shade val="50000"/>
+                  </a:schemeClr>
+                </a:lnRef>
+                <a:fillRef idx="1">
+                  <a:schemeClr val="accent1"/>
+                </a:fillRef>
+                <a:effectRef idx="0">
+                  <a:schemeClr val="accent1"/>
+                </a:effectRef>
+                <a:fontRef idx="minor">
+                  <a:schemeClr val="lt1"/>
+                </a:fontRef>
+              </p:style>
+              <p:txBody>
+                <a:bodyPr rtlCol="0" anchor="ctr"/>
+                <a:lstStyle/>
+                <a:p>
+                  <a:pPr algn="ctr"/>
+                  <a:endParaRPr lang="ko-KR" altLang="en-US"/>
+                </a:p>
+              </p:txBody>
+            </p:sp>
+            <p:sp>
+              <p:nvSpPr>
+                <p:cNvPr id="41" name="정육면체 40">
+                  <a:extLst>
+                    <a:ext uri="{FF2B5EF4-FFF2-40B4-BE49-F238E27FC236}">
+                      <a16:creationId xmlns:a16="http://schemas.microsoft.com/office/drawing/2014/main" id="{DD9A2F5C-0E09-4F43-ABAE-34A2D00AFBE8}"/>
+                    </a:ext>
+                  </a:extLst>
+                </p:cNvPr>
+                <p:cNvSpPr/>
+                <p:nvPr/>
+              </p:nvSpPr>
+              <p:spPr>
+                <a:xfrm>
+                  <a:off x="3879218" y="3443158"/>
+                  <a:ext cx="180000" cy="180000"/>
+                </a:xfrm>
+                <a:prstGeom prst="cube">
+                  <a:avLst/>
+                </a:prstGeom>
+                <a:grpFill/>
+                <a:ln>
+                  <a:solidFill>
+                    <a:srgbClr val="000000"/>
+                  </a:solidFill>
+                </a:ln>
+              </p:spPr>
+              <p:style>
+                <a:lnRef idx="2">
+                  <a:schemeClr val="accent1">
+                    <a:shade val="50000"/>
+                  </a:schemeClr>
+                </a:lnRef>
+                <a:fillRef idx="1">
+                  <a:schemeClr val="accent1"/>
+                </a:fillRef>
+                <a:effectRef idx="0">
+                  <a:schemeClr val="accent1"/>
+                </a:effectRef>
+                <a:fontRef idx="minor">
+                  <a:schemeClr val="lt1"/>
+                </a:fontRef>
+              </p:style>
+              <p:txBody>
+                <a:bodyPr rtlCol="0" anchor="ctr"/>
+                <a:lstStyle/>
+                <a:p>
+                  <a:pPr algn="ctr"/>
+                  <a:endParaRPr lang="ko-KR" altLang="en-US" dirty="0"/>
+                </a:p>
+              </p:txBody>
+            </p:sp>
+          </p:grpSp>
+          <p:grpSp>
+            <p:nvGrpSpPr>
+              <p:cNvPr id="34" name="그룹 33">
+                <a:extLst>
+                  <a:ext uri="{FF2B5EF4-FFF2-40B4-BE49-F238E27FC236}">
+                    <a16:creationId xmlns:a16="http://schemas.microsoft.com/office/drawing/2014/main" id="{684652B5-7CA6-4391-997A-DFF5D0830244}"/>
+                  </a:ext>
+                </a:extLst>
+              </p:cNvPr>
+              <p:cNvGrpSpPr/>
+              <p:nvPr/>
+            </p:nvGrpSpPr>
+            <p:grpSpPr>
+              <a:xfrm>
+                <a:off x="3713504" y="3569764"/>
+                <a:ext cx="219210" cy="219108"/>
+                <a:chOff x="3879218" y="3404050"/>
+                <a:chExt cx="219210" cy="219108"/>
+              </a:xfrm>
+              <a:solidFill>
+                <a:schemeClr val="accent6">
+                  <a:lumMod val="20000"/>
+                  <a:lumOff val="80000"/>
+                </a:schemeClr>
+              </a:solidFill>
+            </p:grpSpPr>
+            <p:sp>
+              <p:nvSpPr>
+                <p:cNvPr id="38" name="정육면체 37">
+                  <a:extLst>
+                    <a:ext uri="{FF2B5EF4-FFF2-40B4-BE49-F238E27FC236}">
+                      <a16:creationId xmlns:a16="http://schemas.microsoft.com/office/drawing/2014/main" id="{FD038192-7BAA-443D-ABDF-F559CA871DEB}"/>
+                    </a:ext>
+                  </a:extLst>
+                </p:cNvPr>
+                <p:cNvSpPr/>
+                <p:nvPr/>
+              </p:nvSpPr>
+              <p:spPr>
+                <a:xfrm>
+                  <a:off x="3918428" y="3404050"/>
+                  <a:ext cx="180000" cy="180000"/>
+                </a:xfrm>
+                <a:prstGeom prst="cube">
+                  <a:avLst/>
+                </a:prstGeom>
+                <a:grpFill/>
+                <a:ln>
+                  <a:solidFill>
+                    <a:schemeClr val="tx1"/>
+                  </a:solidFill>
+                </a:ln>
+              </p:spPr>
+              <p:style>
+                <a:lnRef idx="2">
+                  <a:schemeClr val="accent1">
+                    <a:shade val="50000"/>
+                  </a:schemeClr>
+                </a:lnRef>
+                <a:fillRef idx="1">
+                  <a:schemeClr val="accent1"/>
+                </a:fillRef>
+                <a:effectRef idx="0">
+                  <a:schemeClr val="accent1"/>
+                </a:effectRef>
+                <a:fontRef idx="minor">
+                  <a:schemeClr val="lt1"/>
+                </a:fontRef>
+              </p:style>
+              <p:txBody>
+                <a:bodyPr rtlCol="0" anchor="ctr"/>
+                <a:lstStyle/>
+                <a:p>
+                  <a:pPr algn="ctr"/>
+                  <a:endParaRPr lang="ko-KR" altLang="en-US"/>
+                </a:p>
+              </p:txBody>
+            </p:sp>
+            <p:sp>
+              <p:nvSpPr>
+                <p:cNvPr id="39" name="정육면체 38">
+                  <a:extLst>
+                    <a:ext uri="{FF2B5EF4-FFF2-40B4-BE49-F238E27FC236}">
+                      <a16:creationId xmlns:a16="http://schemas.microsoft.com/office/drawing/2014/main" id="{C3896C7A-CE3C-4465-95C3-0FD21FB491F8}"/>
+                    </a:ext>
+                  </a:extLst>
+                </p:cNvPr>
+                <p:cNvSpPr/>
+                <p:nvPr/>
+              </p:nvSpPr>
+              <p:spPr>
+                <a:xfrm>
+                  <a:off x="3879218" y="3443158"/>
+                  <a:ext cx="180000" cy="180000"/>
+                </a:xfrm>
+                <a:prstGeom prst="cube">
+                  <a:avLst/>
+                </a:prstGeom>
+                <a:grpFill/>
+                <a:ln>
+                  <a:solidFill>
+                    <a:srgbClr val="000000"/>
+                  </a:solidFill>
+                </a:ln>
+              </p:spPr>
+              <p:style>
+                <a:lnRef idx="2">
+                  <a:schemeClr val="accent1">
+                    <a:shade val="50000"/>
+                  </a:schemeClr>
+                </a:lnRef>
+                <a:fillRef idx="1">
+                  <a:schemeClr val="accent1"/>
+                </a:fillRef>
+                <a:effectRef idx="0">
+                  <a:schemeClr val="accent1"/>
+                </a:effectRef>
+                <a:fontRef idx="minor">
+                  <a:schemeClr val="lt1"/>
+                </a:fontRef>
+              </p:style>
+              <p:txBody>
+                <a:bodyPr rtlCol="0" anchor="ctr"/>
+                <a:lstStyle/>
+                <a:p>
+                  <a:pPr algn="ctr"/>
+                  <a:endParaRPr lang="ko-KR" altLang="en-US" dirty="0"/>
+                </a:p>
+              </p:txBody>
+            </p:sp>
+          </p:grpSp>
+          <p:grpSp>
+            <p:nvGrpSpPr>
+              <p:cNvPr id="35" name="그룹 34">
+                <a:extLst>
+                  <a:ext uri="{FF2B5EF4-FFF2-40B4-BE49-F238E27FC236}">
+                    <a16:creationId xmlns:a16="http://schemas.microsoft.com/office/drawing/2014/main" id="{67AF05E5-C97A-4CBA-83AF-1402EA0C09C1}"/>
+                  </a:ext>
+                </a:extLst>
+              </p:cNvPr>
+              <p:cNvGrpSpPr/>
+              <p:nvPr/>
+            </p:nvGrpSpPr>
+            <p:grpSpPr>
+              <a:xfrm>
+                <a:off x="3629619" y="3652621"/>
+                <a:ext cx="219210" cy="219108"/>
+                <a:chOff x="3879218" y="3404050"/>
+                <a:chExt cx="219210" cy="219108"/>
+              </a:xfrm>
+            </p:grpSpPr>
+            <p:sp>
+              <p:nvSpPr>
+                <p:cNvPr id="36" name="정육면체 35">
+                  <a:extLst>
+                    <a:ext uri="{FF2B5EF4-FFF2-40B4-BE49-F238E27FC236}">
+                      <a16:creationId xmlns:a16="http://schemas.microsoft.com/office/drawing/2014/main" id="{76F0C000-E68C-4201-8A62-66BE52F44886}"/>
+                    </a:ext>
+                  </a:extLst>
+                </p:cNvPr>
+                <p:cNvSpPr/>
+                <p:nvPr/>
+              </p:nvSpPr>
+              <p:spPr>
+                <a:xfrm>
+                  <a:off x="3918428" y="3404050"/>
+                  <a:ext cx="180000" cy="180000"/>
+                </a:xfrm>
+                <a:prstGeom prst="cube">
+                  <a:avLst/>
+                </a:prstGeom>
+                <a:solidFill>
+                  <a:schemeClr val="accent2">
+                    <a:lumMod val="40000"/>
+                    <a:lumOff val="60000"/>
+                  </a:schemeClr>
+                </a:solidFill>
+                <a:ln>
+                  <a:solidFill>
+                    <a:schemeClr val="tx1"/>
+                  </a:solidFill>
+                </a:ln>
+              </p:spPr>
+              <p:style>
+                <a:lnRef idx="2">
+                  <a:schemeClr val="accent1">
+                    <a:shade val="50000"/>
+                  </a:schemeClr>
+                </a:lnRef>
+                <a:fillRef idx="1">
+                  <a:schemeClr val="accent1"/>
+                </a:fillRef>
+                <a:effectRef idx="0">
+                  <a:schemeClr val="accent1"/>
+                </a:effectRef>
+                <a:fontRef idx="minor">
+                  <a:schemeClr val="lt1"/>
+                </a:fontRef>
+              </p:style>
+              <p:txBody>
+                <a:bodyPr rtlCol="0" anchor="ctr"/>
+                <a:lstStyle/>
+                <a:p>
+                  <a:pPr algn="ctr"/>
+                  <a:endParaRPr lang="ko-KR" altLang="en-US"/>
+                </a:p>
+              </p:txBody>
+            </p:sp>
+            <p:sp>
+              <p:nvSpPr>
+                <p:cNvPr id="37" name="정육면체 36">
+                  <a:extLst>
+                    <a:ext uri="{FF2B5EF4-FFF2-40B4-BE49-F238E27FC236}">
+                      <a16:creationId xmlns:a16="http://schemas.microsoft.com/office/drawing/2014/main" id="{AC746DB4-4282-430D-83FE-CBE2D19EB06E}"/>
+                    </a:ext>
+                  </a:extLst>
+                </p:cNvPr>
+                <p:cNvSpPr/>
+                <p:nvPr/>
+              </p:nvSpPr>
+              <p:spPr>
+                <a:xfrm>
+                  <a:off x="3879218" y="3443158"/>
+                  <a:ext cx="180000" cy="180000"/>
+                </a:xfrm>
+                <a:prstGeom prst="cube">
+                  <a:avLst/>
+                </a:prstGeom>
+                <a:solidFill>
+                  <a:schemeClr val="accent2">
+                    <a:lumMod val="40000"/>
+                    <a:lumOff val="60000"/>
+                  </a:schemeClr>
+                </a:solidFill>
+                <a:ln>
+                  <a:solidFill>
+                    <a:srgbClr val="000000"/>
+                  </a:solidFill>
+                </a:ln>
+              </p:spPr>
+              <p:style>
+                <a:lnRef idx="2">
+                  <a:schemeClr val="accent1">
+                    <a:shade val="50000"/>
+                  </a:schemeClr>
+                </a:lnRef>
+                <a:fillRef idx="1">
+                  <a:schemeClr val="accent1"/>
+                </a:fillRef>
+                <a:effectRef idx="0">
+                  <a:schemeClr val="accent1"/>
+                </a:effectRef>
+                <a:fontRef idx="minor">
+                  <a:schemeClr val="lt1"/>
+                </a:fontRef>
+              </p:style>
+              <p:txBody>
+                <a:bodyPr rtlCol="0" anchor="ctr"/>
+                <a:lstStyle/>
+                <a:p>
+                  <a:pPr algn="ctr"/>
+                  <a:endParaRPr lang="ko-KR" altLang="en-US" dirty="0"/>
+                </a:p>
+              </p:txBody>
+            </p:sp>
+          </p:grpSp>
+        </p:grpSp>
+      </p:grpSp>
+      <p:grpSp>
+        <p:nvGrpSpPr>
+          <p:cNvPr id="56" name="그룹 55">
+            <a:extLst>
+              <a:ext uri="{FF2B5EF4-FFF2-40B4-BE49-F238E27FC236}">
+                <a16:creationId xmlns:a16="http://schemas.microsoft.com/office/drawing/2014/main" id="{C7220F71-3BB4-4B5B-ADA2-0D406C04B94A}"/>
+              </a:ext>
+            </a:extLst>
+          </p:cNvPr>
+          <p:cNvGrpSpPr/>
+          <p:nvPr/>
+        </p:nvGrpSpPr>
+        <p:grpSpPr>
+          <a:xfrm>
+            <a:off x="3373804" y="3744068"/>
+            <a:ext cx="471190" cy="607470"/>
+            <a:chOff x="4429685" y="2317996"/>
+            <a:chExt cx="471190" cy="607470"/>
+          </a:xfrm>
+        </p:grpSpPr>
+        <p:grpSp>
+          <p:nvGrpSpPr>
+            <p:cNvPr id="57" name="그룹 56">
+              <a:extLst>
+                <a:ext uri="{FF2B5EF4-FFF2-40B4-BE49-F238E27FC236}">
+                  <a16:creationId xmlns:a16="http://schemas.microsoft.com/office/drawing/2014/main" id="{E355364B-CBBD-45FF-9761-5303924A22A8}"/>
+                </a:ext>
+              </a:extLst>
+            </p:cNvPr>
+            <p:cNvGrpSpPr/>
+            <p:nvPr/>
+          </p:nvGrpSpPr>
+          <p:grpSpPr>
+            <a:xfrm>
+              <a:off x="4429685" y="2455406"/>
+              <a:ext cx="471190" cy="470060"/>
+              <a:chOff x="3629619" y="3401669"/>
+              <a:chExt cx="471190" cy="470060"/>
+            </a:xfrm>
+          </p:grpSpPr>
+          <p:grpSp>
+            <p:nvGrpSpPr>
+              <p:cNvPr id="71" name="그룹 70">
+                <a:extLst>
+                  <a:ext uri="{FF2B5EF4-FFF2-40B4-BE49-F238E27FC236}">
+                    <a16:creationId xmlns:a16="http://schemas.microsoft.com/office/drawing/2014/main" id="{D0DDCA1F-08E1-45AA-9613-C670DF126572}"/>
+                  </a:ext>
+                </a:extLst>
+              </p:cNvPr>
+              <p:cNvGrpSpPr/>
+              <p:nvPr/>
+            </p:nvGrpSpPr>
+            <p:grpSpPr>
+              <a:xfrm>
+                <a:off x="3881599" y="3401669"/>
+                <a:ext cx="219210" cy="219108"/>
+                <a:chOff x="3879218" y="3404050"/>
+                <a:chExt cx="219210" cy="219108"/>
+              </a:xfrm>
+              <a:solidFill>
+                <a:schemeClr val="accent1">
+                  <a:lumMod val="20000"/>
+                  <a:lumOff val="80000"/>
+                </a:schemeClr>
+              </a:solidFill>
+            </p:grpSpPr>
+            <p:sp>
+              <p:nvSpPr>
+                <p:cNvPr id="81" name="정육면체 80">
+                  <a:extLst>
+                    <a:ext uri="{FF2B5EF4-FFF2-40B4-BE49-F238E27FC236}">
+                      <a16:creationId xmlns:a16="http://schemas.microsoft.com/office/drawing/2014/main" id="{98870647-3713-4A0E-B334-739849E381BA}"/>
+                    </a:ext>
+                  </a:extLst>
+                </p:cNvPr>
+                <p:cNvSpPr/>
+                <p:nvPr/>
+              </p:nvSpPr>
+              <p:spPr>
+                <a:xfrm>
+                  <a:off x="3918428" y="3404050"/>
+                  <a:ext cx="180000" cy="180000"/>
+                </a:xfrm>
+                <a:prstGeom prst="cube">
+                  <a:avLst/>
+                </a:prstGeom>
+                <a:grpFill/>
+                <a:ln>
+                  <a:solidFill>
+                    <a:schemeClr val="tx1"/>
+                  </a:solidFill>
+                </a:ln>
+              </p:spPr>
+              <p:style>
+                <a:lnRef idx="2">
+                  <a:schemeClr val="accent1">
+                    <a:shade val="50000"/>
+                  </a:schemeClr>
+                </a:lnRef>
+                <a:fillRef idx="1">
+                  <a:schemeClr val="accent1"/>
+                </a:fillRef>
+                <a:effectRef idx="0">
+                  <a:schemeClr val="accent1"/>
+                </a:effectRef>
+                <a:fontRef idx="minor">
+                  <a:schemeClr val="lt1"/>
+                </a:fontRef>
+              </p:style>
+              <p:txBody>
+                <a:bodyPr rtlCol="0" anchor="ctr"/>
+                <a:lstStyle/>
+                <a:p>
+                  <a:pPr algn="ctr"/>
+                  <a:endParaRPr lang="ko-KR" altLang="en-US"/>
+                </a:p>
+              </p:txBody>
+            </p:sp>
+            <p:sp>
+              <p:nvSpPr>
+                <p:cNvPr id="82" name="정육면체 81">
+                  <a:extLst>
+                    <a:ext uri="{FF2B5EF4-FFF2-40B4-BE49-F238E27FC236}">
+                      <a16:creationId xmlns:a16="http://schemas.microsoft.com/office/drawing/2014/main" id="{981FC5A8-99DE-40ED-A21B-CBD6B0106E19}"/>
+                    </a:ext>
+                  </a:extLst>
+                </p:cNvPr>
+                <p:cNvSpPr/>
+                <p:nvPr/>
+              </p:nvSpPr>
+              <p:spPr>
+                <a:xfrm>
+                  <a:off x="3879218" y="3443158"/>
+                  <a:ext cx="180000" cy="180000"/>
+                </a:xfrm>
+                <a:prstGeom prst="cube">
+                  <a:avLst/>
+                </a:prstGeom>
+                <a:grpFill/>
+                <a:ln>
+                  <a:solidFill>
+                    <a:srgbClr val="000000"/>
+                  </a:solidFill>
+                </a:ln>
+              </p:spPr>
+              <p:style>
+                <a:lnRef idx="2">
+                  <a:schemeClr val="accent1">
+                    <a:shade val="50000"/>
+                  </a:schemeClr>
+                </a:lnRef>
+                <a:fillRef idx="1">
+                  <a:schemeClr val="accent1"/>
+                </a:fillRef>
+                <a:effectRef idx="0">
+                  <a:schemeClr val="accent1"/>
+                </a:effectRef>
+                <a:fontRef idx="minor">
+                  <a:schemeClr val="lt1"/>
+                </a:fontRef>
+              </p:style>
+              <p:txBody>
+                <a:bodyPr rtlCol="0" anchor="ctr"/>
+                <a:lstStyle/>
+                <a:p>
+                  <a:pPr algn="ctr"/>
+                  <a:endParaRPr lang="ko-KR" altLang="en-US" dirty="0"/>
+                </a:p>
+              </p:txBody>
+            </p:sp>
+          </p:grpSp>
+          <p:grpSp>
+            <p:nvGrpSpPr>
+              <p:cNvPr id="72" name="그룹 71">
+                <a:extLst>
+                  <a:ext uri="{FF2B5EF4-FFF2-40B4-BE49-F238E27FC236}">
+                    <a16:creationId xmlns:a16="http://schemas.microsoft.com/office/drawing/2014/main" id="{F8DBF61B-12EE-43FD-8E8F-214A068FBECD}"/>
+                  </a:ext>
+                </a:extLst>
+              </p:cNvPr>
+              <p:cNvGrpSpPr/>
+              <p:nvPr/>
+            </p:nvGrpSpPr>
+            <p:grpSpPr>
+              <a:xfrm>
+                <a:off x="3798742" y="3484526"/>
+                <a:ext cx="219210" cy="219108"/>
+                <a:chOff x="3879218" y="3404050"/>
+                <a:chExt cx="219210" cy="219108"/>
+              </a:xfrm>
+              <a:solidFill>
+                <a:schemeClr val="accent4">
+                  <a:lumMod val="20000"/>
+                  <a:lumOff val="80000"/>
+                </a:schemeClr>
+              </a:solidFill>
+            </p:grpSpPr>
+            <p:sp>
+              <p:nvSpPr>
+                <p:cNvPr id="79" name="정육면체 78">
+                  <a:extLst>
+                    <a:ext uri="{FF2B5EF4-FFF2-40B4-BE49-F238E27FC236}">
+                      <a16:creationId xmlns:a16="http://schemas.microsoft.com/office/drawing/2014/main" id="{F95F1609-A44A-49A6-B316-F7E2FE2F6B17}"/>
+                    </a:ext>
+                  </a:extLst>
+                </p:cNvPr>
+                <p:cNvSpPr/>
+                <p:nvPr/>
+              </p:nvSpPr>
+              <p:spPr>
+                <a:xfrm>
+                  <a:off x="3918428" y="3404050"/>
+                  <a:ext cx="180000" cy="180000"/>
+                </a:xfrm>
+                <a:prstGeom prst="cube">
+                  <a:avLst/>
+                </a:prstGeom>
+                <a:grpFill/>
+                <a:ln>
+                  <a:solidFill>
+                    <a:schemeClr val="tx1"/>
+                  </a:solidFill>
+                </a:ln>
+              </p:spPr>
+              <p:style>
+                <a:lnRef idx="2">
+                  <a:schemeClr val="accent1">
+                    <a:shade val="50000"/>
+                  </a:schemeClr>
+                </a:lnRef>
+                <a:fillRef idx="1">
+                  <a:schemeClr val="accent1"/>
+                </a:fillRef>
+                <a:effectRef idx="0">
+                  <a:schemeClr val="accent1"/>
+                </a:effectRef>
+                <a:fontRef idx="minor">
+                  <a:schemeClr val="lt1"/>
+                </a:fontRef>
+              </p:style>
+              <p:txBody>
+                <a:bodyPr rtlCol="0" anchor="ctr"/>
+                <a:lstStyle/>
+                <a:p>
+                  <a:pPr algn="ctr"/>
+                  <a:endParaRPr lang="ko-KR" altLang="en-US"/>
+                </a:p>
+              </p:txBody>
+            </p:sp>
+            <p:sp>
+              <p:nvSpPr>
+                <p:cNvPr id="80" name="정육면체 79">
+                  <a:extLst>
+                    <a:ext uri="{FF2B5EF4-FFF2-40B4-BE49-F238E27FC236}">
+                      <a16:creationId xmlns:a16="http://schemas.microsoft.com/office/drawing/2014/main" id="{71C10068-A61A-4043-A6D4-7D2044EE679E}"/>
+                    </a:ext>
+                  </a:extLst>
+                </p:cNvPr>
+                <p:cNvSpPr/>
+                <p:nvPr/>
+              </p:nvSpPr>
+              <p:spPr>
+                <a:xfrm>
+                  <a:off x="3879218" y="3443158"/>
+                  <a:ext cx="180000" cy="180000"/>
+                </a:xfrm>
+                <a:prstGeom prst="cube">
+                  <a:avLst/>
+                </a:prstGeom>
+                <a:grpFill/>
+                <a:ln>
+                  <a:solidFill>
+                    <a:srgbClr val="000000"/>
+                  </a:solidFill>
+                </a:ln>
+              </p:spPr>
+              <p:style>
+                <a:lnRef idx="2">
+                  <a:schemeClr val="accent1">
+                    <a:shade val="50000"/>
+                  </a:schemeClr>
+                </a:lnRef>
+                <a:fillRef idx="1">
+                  <a:schemeClr val="accent1"/>
+                </a:fillRef>
+                <a:effectRef idx="0">
+                  <a:schemeClr val="accent1"/>
+                </a:effectRef>
+                <a:fontRef idx="minor">
+                  <a:schemeClr val="lt1"/>
+                </a:fontRef>
+              </p:style>
+              <p:txBody>
+                <a:bodyPr rtlCol="0" anchor="ctr"/>
+                <a:lstStyle/>
+                <a:p>
+                  <a:pPr algn="ctr"/>
+                  <a:endParaRPr lang="ko-KR" altLang="en-US" dirty="0"/>
+                </a:p>
+              </p:txBody>
+            </p:sp>
+          </p:grpSp>
+          <p:grpSp>
+            <p:nvGrpSpPr>
+              <p:cNvPr id="73" name="그룹 72">
+                <a:extLst>
+                  <a:ext uri="{FF2B5EF4-FFF2-40B4-BE49-F238E27FC236}">
+                    <a16:creationId xmlns:a16="http://schemas.microsoft.com/office/drawing/2014/main" id="{8234D96B-2ACA-47F6-82C2-039F06B46A65}"/>
+                  </a:ext>
+                </a:extLst>
+              </p:cNvPr>
+              <p:cNvGrpSpPr/>
+              <p:nvPr/>
+            </p:nvGrpSpPr>
+            <p:grpSpPr>
+              <a:xfrm>
+                <a:off x="3713504" y="3569764"/>
+                <a:ext cx="219210" cy="219108"/>
+                <a:chOff x="3879218" y="3404050"/>
+                <a:chExt cx="219210" cy="219108"/>
+              </a:xfrm>
+              <a:solidFill>
+                <a:schemeClr val="accent6">
+                  <a:lumMod val="20000"/>
+                  <a:lumOff val="80000"/>
+                </a:schemeClr>
+              </a:solidFill>
+            </p:grpSpPr>
+            <p:sp>
+              <p:nvSpPr>
+                <p:cNvPr id="77" name="정육면체 76">
+                  <a:extLst>
+                    <a:ext uri="{FF2B5EF4-FFF2-40B4-BE49-F238E27FC236}">
+                      <a16:creationId xmlns:a16="http://schemas.microsoft.com/office/drawing/2014/main" id="{B6229A8B-D861-4900-9C04-87CDF8796219}"/>
+                    </a:ext>
+                  </a:extLst>
+                </p:cNvPr>
+                <p:cNvSpPr/>
+                <p:nvPr/>
+              </p:nvSpPr>
+              <p:spPr>
+                <a:xfrm>
+                  <a:off x="3918428" y="3404050"/>
+                  <a:ext cx="180000" cy="180000"/>
+                </a:xfrm>
+                <a:prstGeom prst="cube">
+                  <a:avLst/>
+                </a:prstGeom>
+                <a:grpFill/>
+                <a:ln>
+                  <a:solidFill>
+                    <a:schemeClr val="tx1"/>
+                  </a:solidFill>
+                </a:ln>
+              </p:spPr>
+              <p:style>
+                <a:lnRef idx="2">
+                  <a:schemeClr val="accent1">
+                    <a:shade val="50000"/>
+                  </a:schemeClr>
+                </a:lnRef>
+                <a:fillRef idx="1">
+                  <a:schemeClr val="accent1"/>
+                </a:fillRef>
+                <a:effectRef idx="0">
+                  <a:schemeClr val="accent1"/>
+                </a:effectRef>
+                <a:fontRef idx="minor">
+                  <a:schemeClr val="lt1"/>
+                </a:fontRef>
+              </p:style>
+              <p:txBody>
+                <a:bodyPr rtlCol="0" anchor="ctr"/>
+                <a:lstStyle/>
+                <a:p>
+                  <a:pPr algn="ctr"/>
+                  <a:endParaRPr lang="ko-KR" altLang="en-US"/>
+                </a:p>
+              </p:txBody>
+            </p:sp>
+            <p:sp>
+              <p:nvSpPr>
+                <p:cNvPr id="78" name="정육면체 77">
+                  <a:extLst>
+                    <a:ext uri="{FF2B5EF4-FFF2-40B4-BE49-F238E27FC236}">
+                      <a16:creationId xmlns:a16="http://schemas.microsoft.com/office/drawing/2014/main" id="{67E91737-2B3C-4CEF-BBA3-D8F5A3D69591}"/>
+                    </a:ext>
+                  </a:extLst>
+                </p:cNvPr>
+                <p:cNvSpPr/>
+                <p:nvPr/>
+              </p:nvSpPr>
+              <p:spPr>
+                <a:xfrm>
+                  <a:off x="3879218" y="3443158"/>
+                  <a:ext cx="180000" cy="180000"/>
+                </a:xfrm>
+                <a:prstGeom prst="cube">
+                  <a:avLst/>
+                </a:prstGeom>
+                <a:grpFill/>
+                <a:ln>
+                  <a:solidFill>
+                    <a:srgbClr val="000000"/>
+                  </a:solidFill>
+                </a:ln>
+              </p:spPr>
+              <p:style>
+                <a:lnRef idx="2">
+                  <a:schemeClr val="accent1">
+                    <a:shade val="50000"/>
+                  </a:schemeClr>
+                </a:lnRef>
+                <a:fillRef idx="1">
+                  <a:schemeClr val="accent1"/>
+                </a:fillRef>
+                <a:effectRef idx="0">
+                  <a:schemeClr val="accent1"/>
+                </a:effectRef>
+                <a:fontRef idx="minor">
+                  <a:schemeClr val="lt1"/>
+                </a:fontRef>
+              </p:style>
+              <p:txBody>
+                <a:bodyPr rtlCol="0" anchor="ctr"/>
+                <a:lstStyle/>
+                <a:p>
+                  <a:pPr algn="ctr"/>
+                  <a:endParaRPr lang="ko-KR" altLang="en-US" dirty="0"/>
+                </a:p>
+              </p:txBody>
+            </p:sp>
+          </p:grpSp>
+          <p:grpSp>
+            <p:nvGrpSpPr>
+              <p:cNvPr id="74" name="그룹 73">
+                <a:extLst>
+                  <a:ext uri="{FF2B5EF4-FFF2-40B4-BE49-F238E27FC236}">
+                    <a16:creationId xmlns:a16="http://schemas.microsoft.com/office/drawing/2014/main" id="{0226A6F8-7913-4909-BA6E-74EA575B94E4}"/>
+                  </a:ext>
+                </a:extLst>
+              </p:cNvPr>
+              <p:cNvGrpSpPr/>
+              <p:nvPr/>
+            </p:nvGrpSpPr>
+            <p:grpSpPr>
+              <a:xfrm>
+                <a:off x="3629619" y="3652621"/>
+                <a:ext cx="219210" cy="219108"/>
+                <a:chOff x="3879218" y="3404050"/>
+                <a:chExt cx="219210" cy="219108"/>
+              </a:xfrm>
+            </p:grpSpPr>
+            <p:sp>
+              <p:nvSpPr>
+                <p:cNvPr id="75" name="정육면체 74">
+                  <a:extLst>
+                    <a:ext uri="{FF2B5EF4-FFF2-40B4-BE49-F238E27FC236}">
+                      <a16:creationId xmlns:a16="http://schemas.microsoft.com/office/drawing/2014/main" id="{544E3F96-F7EC-4DCE-B406-F2E71CA91C53}"/>
+                    </a:ext>
+                  </a:extLst>
+                </p:cNvPr>
+                <p:cNvSpPr/>
+                <p:nvPr/>
+              </p:nvSpPr>
+              <p:spPr>
+                <a:xfrm>
+                  <a:off x="3918428" y="3404050"/>
+                  <a:ext cx="180000" cy="180000"/>
+                </a:xfrm>
+                <a:prstGeom prst="cube">
+                  <a:avLst/>
+                </a:prstGeom>
+                <a:solidFill>
+                  <a:schemeClr val="accent2">
+                    <a:lumMod val="40000"/>
+                    <a:lumOff val="60000"/>
+                  </a:schemeClr>
+                </a:solidFill>
+                <a:ln>
+                  <a:solidFill>
+                    <a:schemeClr val="tx1"/>
+                  </a:solidFill>
+                </a:ln>
+              </p:spPr>
+              <p:style>
+                <a:lnRef idx="2">
+                  <a:schemeClr val="accent1">
+                    <a:shade val="50000"/>
+                  </a:schemeClr>
+                </a:lnRef>
+                <a:fillRef idx="1">
+                  <a:schemeClr val="accent1"/>
+                </a:fillRef>
+                <a:effectRef idx="0">
+                  <a:schemeClr val="accent1"/>
+                </a:effectRef>
+                <a:fontRef idx="minor">
+                  <a:schemeClr val="lt1"/>
+                </a:fontRef>
+              </p:style>
+              <p:txBody>
+                <a:bodyPr rtlCol="0" anchor="ctr"/>
+                <a:lstStyle/>
+                <a:p>
+                  <a:pPr algn="ctr"/>
+                  <a:endParaRPr lang="ko-KR" altLang="en-US"/>
+                </a:p>
+              </p:txBody>
+            </p:sp>
+            <p:sp>
+              <p:nvSpPr>
+                <p:cNvPr id="76" name="정육면체 75">
+                  <a:extLst>
+                    <a:ext uri="{FF2B5EF4-FFF2-40B4-BE49-F238E27FC236}">
+                      <a16:creationId xmlns:a16="http://schemas.microsoft.com/office/drawing/2014/main" id="{DEDB1831-219C-4995-9DDB-46E42B062BB7}"/>
+                    </a:ext>
+                  </a:extLst>
+                </p:cNvPr>
+                <p:cNvSpPr/>
+                <p:nvPr/>
+              </p:nvSpPr>
+              <p:spPr>
+                <a:xfrm>
+                  <a:off x="3879218" y="3443158"/>
+                  <a:ext cx="180000" cy="180000"/>
+                </a:xfrm>
+                <a:prstGeom prst="cube">
+                  <a:avLst/>
+                </a:prstGeom>
+                <a:solidFill>
+                  <a:schemeClr val="accent2">
+                    <a:lumMod val="40000"/>
+                    <a:lumOff val="60000"/>
+                  </a:schemeClr>
+                </a:solidFill>
+                <a:ln>
+                  <a:solidFill>
+                    <a:srgbClr val="000000"/>
+                  </a:solidFill>
+                </a:ln>
+              </p:spPr>
+              <p:style>
+                <a:lnRef idx="2">
+                  <a:schemeClr val="accent1">
+                    <a:shade val="50000"/>
+                  </a:schemeClr>
+                </a:lnRef>
+                <a:fillRef idx="1">
+                  <a:schemeClr val="accent1"/>
+                </a:fillRef>
+                <a:effectRef idx="0">
+                  <a:schemeClr val="accent1"/>
+                </a:effectRef>
+                <a:fontRef idx="minor">
+                  <a:schemeClr val="lt1"/>
+                </a:fontRef>
+              </p:style>
+              <p:txBody>
+                <a:bodyPr rtlCol="0" anchor="ctr"/>
+                <a:lstStyle/>
+                <a:p>
+                  <a:pPr algn="ctr"/>
+                  <a:endParaRPr lang="ko-KR" altLang="en-US" dirty="0"/>
+                </a:p>
+              </p:txBody>
+            </p:sp>
+          </p:grpSp>
+        </p:grpSp>
+        <p:grpSp>
+          <p:nvGrpSpPr>
+            <p:cNvPr id="58" name="그룹 57">
+              <a:extLst>
+                <a:ext uri="{FF2B5EF4-FFF2-40B4-BE49-F238E27FC236}">
+                  <a16:creationId xmlns:a16="http://schemas.microsoft.com/office/drawing/2014/main" id="{EF543562-6533-4297-B2C8-443E025A1B38}"/>
+                </a:ext>
+              </a:extLst>
+            </p:cNvPr>
+            <p:cNvGrpSpPr/>
+            <p:nvPr/>
+          </p:nvGrpSpPr>
+          <p:grpSpPr>
+            <a:xfrm>
+              <a:off x="4429685" y="2317996"/>
+              <a:ext cx="471190" cy="470060"/>
+              <a:chOff x="3629619" y="3401669"/>
+              <a:chExt cx="471190" cy="470060"/>
+            </a:xfrm>
+          </p:grpSpPr>
+          <p:grpSp>
+            <p:nvGrpSpPr>
+              <p:cNvPr id="59" name="그룹 58">
+                <a:extLst>
+                  <a:ext uri="{FF2B5EF4-FFF2-40B4-BE49-F238E27FC236}">
+                    <a16:creationId xmlns:a16="http://schemas.microsoft.com/office/drawing/2014/main" id="{F5D56B79-C54D-4616-875A-B8699FBE1C53}"/>
+                  </a:ext>
+                </a:extLst>
+              </p:cNvPr>
+              <p:cNvGrpSpPr/>
+              <p:nvPr/>
+            </p:nvGrpSpPr>
+            <p:grpSpPr>
+              <a:xfrm>
+                <a:off x="3881599" y="3401669"/>
+                <a:ext cx="219210" cy="219108"/>
+                <a:chOff x="3879218" y="3404050"/>
+                <a:chExt cx="219210" cy="219108"/>
+              </a:xfrm>
+              <a:solidFill>
+                <a:schemeClr val="accent1">
+                  <a:lumMod val="20000"/>
+                  <a:lumOff val="80000"/>
+                </a:schemeClr>
+              </a:solidFill>
+            </p:grpSpPr>
+            <p:sp>
+              <p:nvSpPr>
+                <p:cNvPr id="69" name="정육면체 68">
+                  <a:extLst>
+                    <a:ext uri="{FF2B5EF4-FFF2-40B4-BE49-F238E27FC236}">
+                      <a16:creationId xmlns:a16="http://schemas.microsoft.com/office/drawing/2014/main" id="{1CB6C066-062C-4083-BDBB-8CE350DA27A8}"/>
+                    </a:ext>
+                  </a:extLst>
+                </p:cNvPr>
+                <p:cNvSpPr/>
+                <p:nvPr/>
+              </p:nvSpPr>
+              <p:spPr>
+                <a:xfrm>
+                  <a:off x="3918428" y="3404050"/>
+                  <a:ext cx="180000" cy="180000"/>
+                </a:xfrm>
+                <a:prstGeom prst="cube">
+                  <a:avLst/>
+                </a:prstGeom>
+                <a:grpFill/>
+                <a:ln>
+                  <a:solidFill>
+                    <a:schemeClr val="tx1"/>
+                  </a:solidFill>
+                </a:ln>
+              </p:spPr>
+              <p:style>
+                <a:lnRef idx="2">
+                  <a:schemeClr val="accent1">
+                    <a:shade val="50000"/>
+                  </a:schemeClr>
+                </a:lnRef>
+                <a:fillRef idx="1">
+                  <a:schemeClr val="accent1"/>
+                </a:fillRef>
+                <a:effectRef idx="0">
+                  <a:schemeClr val="accent1"/>
+                </a:effectRef>
+                <a:fontRef idx="minor">
+                  <a:schemeClr val="lt1"/>
+                </a:fontRef>
+              </p:style>
+              <p:txBody>
+                <a:bodyPr rtlCol="0" anchor="ctr"/>
+                <a:lstStyle/>
+                <a:p>
+                  <a:pPr algn="ctr"/>
+                  <a:endParaRPr lang="ko-KR" altLang="en-US"/>
+                </a:p>
+              </p:txBody>
+            </p:sp>
+            <p:sp>
+              <p:nvSpPr>
+                <p:cNvPr id="70" name="정육면체 69">
+                  <a:extLst>
+                    <a:ext uri="{FF2B5EF4-FFF2-40B4-BE49-F238E27FC236}">
+                      <a16:creationId xmlns:a16="http://schemas.microsoft.com/office/drawing/2014/main" id="{F400564D-92CD-4A8C-9180-F12597E97ECC}"/>
+                    </a:ext>
+                  </a:extLst>
+                </p:cNvPr>
+                <p:cNvSpPr/>
+                <p:nvPr/>
+              </p:nvSpPr>
+              <p:spPr>
+                <a:xfrm>
+                  <a:off x="3879218" y="3443158"/>
+                  <a:ext cx="180000" cy="180000"/>
+                </a:xfrm>
+                <a:prstGeom prst="cube">
+                  <a:avLst/>
+                </a:prstGeom>
+                <a:grpFill/>
+                <a:ln>
+                  <a:solidFill>
+                    <a:srgbClr val="000000"/>
+                  </a:solidFill>
+                </a:ln>
+              </p:spPr>
+              <p:style>
+                <a:lnRef idx="2">
+                  <a:schemeClr val="accent1">
+                    <a:shade val="50000"/>
+                  </a:schemeClr>
+                </a:lnRef>
+                <a:fillRef idx="1">
+                  <a:schemeClr val="accent1"/>
+                </a:fillRef>
+                <a:effectRef idx="0">
+                  <a:schemeClr val="accent1"/>
+                </a:effectRef>
+                <a:fontRef idx="minor">
+                  <a:schemeClr val="lt1"/>
+                </a:fontRef>
+              </p:style>
+              <p:txBody>
+                <a:bodyPr rtlCol="0" anchor="ctr"/>
+                <a:lstStyle/>
+                <a:p>
+                  <a:pPr algn="ctr"/>
+                  <a:endParaRPr lang="ko-KR" altLang="en-US" dirty="0"/>
+                </a:p>
+              </p:txBody>
+            </p:sp>
+          </p:grpSp>
+          <p:grpSp>
+            <p:nvGrpSpPr>
+              <p:cNvPr id="60" name="그룹 59">
+                <a:extLst>
+                  <a:ext uri="{FF2B5EF4-FFF2-40B4-BE49-F238E27FC236}">
+                    <a16:creationId xmlns:a16="http://schemas.microsoft.com/office/drawing/2014/main" id="{79458309-622E-4DDF-8A2A-1333DAE2BB4F}"/>
+                  </a:ext>
+                </a:extLst>
+              </p:cNvPr>
+              <p:cNvGrpSpPr/>
+              <p:nvPr/>
+            </p:nvGrpSpPr>
+            <p:grpSpPr>
+              <a:xfrm>
+                <a:off x="3798742" y="3484526"/>
+                <a:ext cx="219210" cy="219108"/>
+                <a:chOff x="3879218" y="3404050"/>
+                <a:chExt cx="219210" cy="219108"/>
+              </a:xfrm>
+              <a:solidFill>
+                <a:schemeClr val="accent4">
+                  <a:lumMod val="20000"/>
+                  <a:lumOff val="80000"/>
+                </a:schemeClr>
+              </a:solidFill>
+            </p:grpSpPr>
+            <p:sp>
+              <p:nvSpPr>
+                <p:cNvPr id="67" name="정육면체 66">
+                  <a:extLst>
+                    <a:ext uri="{FF2B5EF4-FFF2-40B4-BE49-F238E27FC236}">
+                      <a16:creationId xmlns:a16="http://schemas.microsoft.com/office/drawing/2014/main" id="{4EFE57FD-4E63-4115-81C8-3A096AB15AB2}"/>
+                    </a:ext>
+                  </a:extLst>
+                </p:cNvPr>
+                <p:cNvSpPr/>
+                <p:nvPr/>
+              </p:nvSpPr>
+              <p:spPr>
+                <a:xfrm>
+                  <a:off x="3918428" y="3404050"/>
+                  <a:ext cx="180000" cy="180000"/>
+                </a:xfrm>
+                <a:prstGeom prst="cube">
+                  <a:avLst/>
+                </a:prstGeom>
+                <a:grpFill/>
+                <a:ln>
+                  <a:solidFill>
+                    <a:schemeClr val="tx1"/>
+                  </a:solidFill>
+                </a:ln>
+              </p:spPr>
+              <p:style>
+                <a:lnRef idx="2">
+                  <a:schemeClr val="accent1">
+                    <a:shade val="50000"/>
+                  </a:schemeClr>
+                </a:lnRef>
+                <a:fillRef idx="1">
+                  <a:schemeClr val="accent1"/>
+                </a:fillRef>
+                <a:effectRef idx="0">
+                  <a:schemeClr val="accent1"/>
+                </a:effectRef>
+                <a:fontRef idx="minor">
+                  <a:schemeClr val="lt1"/>
+                </a:fontRef>
+              </p:style>
+              <p:txBody>
+                <a:bodyPr rtlCol="0" anchor="ctr"/>
+                <a:lstStyle/>
+                <a:p>
+                  <a:pPr algn="ctr"/>
+                  <a:endParaRPr lang="ko-KR" altLang="en-US"/>
+                </a:p>
+              </p:txBody>
+            </p:sp>
+            <p:sp>
+              <p:nvSpPr>
+                <p:cNvPr id="68" name="정육면체 67">
+                  <a:extLst>
+                    <a:ext uri="{FF2B5EF4-FFF2-40B4-BE49-F238E27FC236}">
+                      <a16:creationId xmlns:a16="http://schemas.microsoft.com/office/drawing/2014/main" id="{EAE8E323-8692-4ED0-AD3F-7A6870F26AB4}"/>
+                    </a:ext>
+                  </a:extLst>
+                </p:cNvPr>
+                <p:cNvSpPr/>
+                <p:nvPr/>
+              </p:nvSpPr>
+              <p:spPr>
+                <a:xfrm>
+                  <a:off x="3879218" y="3443158"/>
+                  <a:ext cx="180000" cy="180000"/>
+                </a:xfrm>
+                <a:prstGeom prst="cube">
+                  <a:avLst/>
+                </a:prstGeom>
+                <a:grpFill/>
+                <a:ln>
+                  <a:solidFill>
+                    <a:srgbClr val="000000"/>
+                  </a:solidFill>
+                </a:ln>
+              </p:spPr>
+              <p:style>
+                <a:lnRef idx="2">
+                  <a:schemeClr val="accent1">
+                    <a:shade val="50000"/>
+                  </a:schemeClr>
+                </a:lnRef>
+                <a:fillRef idx="1">
+                  <a:schemeClr val="accent1"/>
+                </a:fillRef>
+                <a:effectRef idx="0">
+                  <a:schemeClr val="accent1"/>
+                </a:effectRef>
+                <a:fontRef idx="minor">
+                  <a:schemeClr val="lt1"/>
+                </a:fontRef>
+              </p:style>
+              <p:txBody>
+                <a:bodyPr rtlCol="0" anchor="ctr"/>
+                <a:lstStyle/>
+                <a:p>
+                  <a:pPr algn="ctr"/>
+                  <a:endParaRPr lang="ko-KR" altLang="en-US" dirty="0"/>
+                </a:p>
+              </p:txBody>
+            </p:sp>
+          </p:grpSp>
+          <p:grpSp>
+            <p:nvGrpSpPr>
+              <p:cNvPr id="61" name="그룹 60">
+                <a:extLst>
+                  <a:ext uri="{FF2B5EF4-FFF2-40B4-BE49-F238E27FC236}">
+                    <a16:creationId xmlns:a16="http://schemas.microsoft.com/office/drawing/2014/main" id="{9925F191-2A99-4546-B7E8-C52D4FC0655E}"/>
+                  </a:ext>
+                </a:extLst>
+              </p:cNvPr>
+              <p:cNvGrpSpPr/>
+              <p:nvPr/>
+            </p:nvGrpSpPr>
+            <p:grpSpPr>
+              <a:xfrm>
+                <a:off x="3713504" y="3569764"/>
+                <a:ext cx="219210" cy="219108"/>
+                <a:chOff x="3879218" y="3404050"/>
+                <a:chExt cx="219210" cy="219108"/>
+              </a:xfrm>
+              <a:solidFill>
+                <a:schemeClr val="accent6">
+                  <a:lumMod val="20000"/>
+                  <a:lumOff val="80000"/>
+                </a:schemeClr>
+              </a:solidFill>
+            </p:grpSpPr>
+            <p:sp>
+              <p:nvSpPr>
+                <p:cNvPr id="65" name="정육면체 64">
+                  <a:extLst>
+                    <a:ext uri="{FF2B5EF4-FFF2-40B4-BE49-F238E27FC236}">
+                      <a16:creationId xmlns:a16="http://schemas.microsoft.com/office/drawing/2014/main" id="{C37945F7-8D4E-4EE9-8994-499E4C38D90E}"/>
+                    </a:ext>
+                  </a:extLst>
+                </p:cNvPr>
+                <p:cNvSpPr/>
+                <p:nvPr/>
+              </p:nvSpPr>
+              <p:spPr>
+                <a:xfrm>
+                  <a:off x="3918428" y="3404050"/>
+                  <a:ext cx="180000" cy="180000"/>
+                </a:xfrm>
+                <a:prstGeom prst="cube">
+                  <a:avLst/>
+                </a:prstGeom>
+                <a:grpFill/>
+                <a:ln>
+                  <a:solidFill>
+                    <a:schemeClr val="tx1"/>
+                  </a:solidFill>
+                </a:ln>
+              </p:spPr>
+              <p:style>
+                <a:lnRef idx="2">
+                  <a:schemeClr val="accent1">
+                    <a:shade val="50000"/>
+                  </a:schemeClr>
+                </a:lnRef>
+                <a:fillRef idx="1">
+                  <a:schemeClr val="accent1"/>
+                </a:fillRef>
+                <a:effectRef idx="0">
+                  <a:schemeClr val="accent1"/>
+                </a:effectRef>
+                <a:fontRef idx="minor">
+                  <a:schemeClr val="lt1"/>
+                </a:fontRef>
+              </p:style>
+              <p:txBody>
+                <a:bodyPr rtlCol="0" anchor="ctr"/>
+                <a:lstStyle/>
+                <a:p>
+                  <a:pPr algn="ctr"/>
+                  <a:endParaRPr lang="ko-KR" altLang="en-US"/>
+                </a:p>
+              </p:txBody>
+            </p:sp>
+            <p:sp>
+              <p:nvSpPr>
+                <p:cNvPr id="66" name="정육면체 65">
+                  <a:extLst>
+                    <a:ext uri="{FF2B5EF4-FFF2-40B4-BE49-F238E27FC236}">
+                      <a16:creationId xmlns:a16="http://schemas.microsoft.com/office/drawing/2014/main" id="{3DF030F5-27B4-45BE-9287-0D5B11AC7E55}"/>
+                    </a:ext>
+                  </a:extLst>
+                </p:cNvPr>
+                <p:cNvSpPr/>
+                <p:nvPr/>
+              </p:nvSpPr>
+              <p:spPr>
+                <a:xfrm>
+                  <a:off x="3879218" y="3443158"/>
+                  <a:ext cx="180000" cy="180000"/>
+                </a:xfrm>
+                <a:prstGeom prst="cube">
+                  <a:avLst/>
+                </a:prstGeom>
+                <a:grpFill/>
+                <a:ln>
+                  <a:solidFill>
+                    <a:srgbClr val="000000"/>
+                  </a:solidFill>
+                </a:ln>
+              </p:spPr>
+              <p:style>
+                <a:lnRef idx="2">
+                  <a:schemeClr val="accent1">
+                    <a:shade val="50000"/>
+                  </a:schemeClr>
+                </a:lnRef>
+                <a:fillRef idx="1">
+                  <a:schemeClr val="accent1"/>
+                </a:fillRef>
+                <a:effectRef idx="0">
+                  <a:schemeClr val="accent1"/>
+                </a:effectRef>
+                <a:fontRef idx="minor">
+                  <a:schemeClr val="lt1"/>
+                </a:fontRef>
+              </p:style>
+              <p:txBody>
+                <a:bodyPr rtlCol="0" anchor="ctr"/>
+                <a:lstStyle/>
+                <a:p>
+                  <a:pPr algn="ctr"/>
+                  <a:endParaRPr lang="ko-KR" altLang="en-US" dirty="0"/>
+                </a:p>
+              </p:txBody>
+            </p:sp>
+          </p:grpSp>
+          <p:grpSp>
+            <p:nvGrpSpPr>
+              <p:cNvPr id="62" name="그룹 61">
+                <a:extLst>
+                  <a:ext uri="{FF2B5EF4-FFF2-40B4-BE49-F238E27FC236}">
+                    <a16:creationId xmlns:a16="http://schemas.microsoft.com/office/drawing/2014/main" id="{383AA0F6-7BE0-4187-98AB-5B9ED5E70192}"/>
+                  </a:ext>
+                </a:extLst>
+              </p:cNvPr>
+              <p:cNvGrpSpPr/>
+              <p:nvPr/>
+            </p:nvGrpSpPr>
+            <p:grpSpPr>
+              <a:xfrm>
+                <a:off x="3629619" y="3652621"/>
+                <a:ext cx="219210" cy="219108"/>
+                <a:chOff x="3879218" y="3404050"/>
+                <a:chExt cx="219210" cy="219108"/>
+              </a:xfrm>
+            </p:grpSpPr>
+            <p:sp>
+              <p:nvSpPr>
+                <p:cNvPr id="63" name="정육면체 62">
+                  <a:extLst>
+                    <a:ext uri="{FF2B5EF4-FFF2-40B4-BE49-F238E27FC236}">
+                      <a16:creationId xmlns:a16="http://schemas.microsoft.com/office/drawing/2014/main" id="{5F5D4492-AEDB-400D-8F65-2F1CB9535B6A}"/>
+                    </a:ext>
+                  </a:extLst>
+                </p:cNvPr>
+                <p:cNvSpPr/>
+                <p:nvPr/>
+              </p:nvSpPr>
+              <p:spPr>
+                <a:xfrm>
+                  <a:off x="3918428" y="3404050"/>
+                  <a:ext cx="180000" cy="180000"/>
+                </a:xfrm>
+                <a:prstGeom prst="cube">
+                  <a:avLst/>
+                </a:prstGeom>
+                <a:solidFill>
+                  <a:schemeClr val="accent2">
+                    <a:lumMod val="40000"/>
+                    <a:lumOff val="60000"/>
+                  </a:schemeClr>
+                </a:solidFill>
+                <a:ln>
+                  <a:solidFill>
+                    <a:schemeClr val="tx1"/>
+                  </a:solidFill>
+                </a:ln>
+              </p:spPr>
+              <p:style>
+                <a:lnRef idx="2">
+                  <a:schemeClr val="accent1">
+                    <a:shade val="50000"/>
+                  </a:schemeClr>
+                </a:lnRef>
+                <a:fillRef idx="1">
+                  <a:schemeClr val="accent1"/>
+                </a:fillRef>
+                <a:effectRef idx="0">
+                  <a:schemeClr val="accent1"/>
+                </a:effectRef>
+                <a:fontRef idx="minor">
+                  <a:schemeClr val="lt1"/>
+                </a:fontRef>
+              </p:style>
+              <p:txBody>
+                <a:bodyPr rtlCol="0" anchor="ctr"/>
+                <a:lstStyle/>
+                <a:p>
+                  <a:pPr algn="ctr"/>
+                  <a:endParaRPr lang="ko-KR" altLang="en-US"/>
+                </a:p>
+              </p:txBody>
+            </p:sp>
+            <p:sp>
+              <p:nvSpPr>
+                <p:cNvPr id="64" name="정육면체 63">
+                  <a:extLst>
+                    <a:ext uri="{FF2B5EF4-FFF2-40B4-BE49-F238E27FC236}">
+                      <a16:creationId xmlns:a16="http://schemas.microsoft.com/office/drawing/2014/main" id="{8AB1452A-1E97-4D7F-AFC6-2693088AD200}"/>
+                    </a:ext>
+                  </a:extLst>
+                </p:cNvPr>
+                <p:cNvSpPr/>
+                <p:nvPr/>
+              </p:nvSpPr>
+              <p:spPr>
+                <a:xfrm>
+                  <a:off x="3879218" y="3443158"/>
+                  <a:ext cx="180000" cy="180000"/>
+                </a:xfrm>
+                <a:prstGeom prst="cube">
+                  <a:avLst/>
+                </a:prstGeom>
+                <a:solidFill>
+                  <a:schemeClr val="accent2">
+                    <a:lumMod val="40000"/>
+                    <a:lumOff val="60000"/>
+                  </a:schemeClr>
+                </a:solidFill>
+                <a:ln>
+                  <a:solidFill>
+                    <a:srgbClr val="000000"/>
+                  </a:solidFill>
+                </a:ln>
+              </p:spPr>
+              <p:style>
+                <a:lnRef idx="2">
+                  <a:schemeClr val="accent1">
+                    <a:shade val="50000"/>
+                  </a:schemeClr>
+                </a:lnRef>
+                <a:fillRef idx="1">
+                  <a:schemeClr val="accent1"/>
+                </a:fillRef>
+                <a:effectRef idx="0">
+                  <a:schemeClr val="accent1"/>
+                </a:effectRef>
+                <a:fontRef idx="minor">
+                  <a:schemeClr val="lt1"/>
+                </a:fontRef>
+              </p:style>
+              <p:txBody>
+                <a:bodyPr rtlCol="0" anchor="ctr"/>
+                <a:lstStyle/>
+                <a:p>
+                  <a:pPr algn="ctr"/>
+                  <a:endParaRPr lang="ko-KR" altLang="en-US" dirty="0"/>
+                </a:p>
+              </p:txBody>
+            </p:sp>
+          </p:grpSp>
+        </p:grpSp>
+      </p:grpSp>
+      <p:grpSp>
+        <p:nvGrpSpPr>
+          <p:cNvPr id="83" name="그룹 82">
+            <a:extLst>
+              <a:ext uri="{FF2B5EF4-FFF2-40B4-BE49-F238E27FC236}">
+                <a16:creationId xmlns:a16="http://schemas.microsoft.com/office/drawing/2014/main" id="{2C1FD463-6EF8-4084-AC08-5B32ACDE77F4}"/>
+              </a:ext>
+            </a:extLst>
+          </p:cNvPr>
+          <p:cNvGrpSpPr/>
+          <p:nvPr/>
+        </p:nvGrpSpPr>
+        <p:grpSpPr>
+          <a:xfrm>
+            <a:off x="3373804" y="3468715"/>
+            <a:ext cx="471190" cy="607470"/>
+            <a:chOff x="4429685" y="2317996"/>
+            <a:chExt cx="471190" cy="607470"/>
+          </a:xfrm>
+        </p:grpSpPr>
+        <p:grpSp>
+          <p:nvGrpSpPr>
+            <p:cNvPr id="84" name="그룹 83">
+              <a:extLst>
+                <a:ext uri="{FF2B5EF4-FFF2-40B4-BE49-F238E27FC236}">
+                  <a16:creationId xmlns:a16="http://schemas.microsoft.com/office/drawing/2014/main" id="{33E22690-2082-49B8-9D60-E6A0424094B4}"/>
+                </a:ext>
+              </a:extLst>
+            </p:cNvPr>
+            <p:cNvGrpSpPr/>
+            <p:nvPr/>
+          </p:nvGrpSpPr>
+          <p:grpSpPr>
+            <a:xfrm>
+              <a:off x="4429685" y="2455406"/>
+              <a:ext cx="471190" cy="470060"/>
+              <a:chOff x="3629619" y="3401669"/>
+              <a:chExt cx="471190" cy="470060"/>
+            </a:xfrm>
+          </p:grpSpPr>
+          <p:grpSp>
+            <p:nvGrpSpPr>
+              <p:cNvPr id="98" name="그룹 97">
+                <a:extLst>
+                  <a:ext uri="{FF2B5EF4-FFF2-40B4-BE49-F238E27FC236}">
+                    <a16:creationId xmlns:a16="http://schemas.microsoft.com/office/drawing/2014/main" id="{083E953F-8EA3-4C25-8171-BBE01D7159BB}"/>
+                  </a:ext>
+                </a:extLst>
+              </p:cNvPr>
+              <p:cNvGrpSpPr/>
+              <p:nvPr/>
+            </p:nvGrpSpPr>
+            <p:grpSpPr>
+              <a:xfrm>
+                <a:off x="3881599" y="3401669"/>
+                <a:ext cx="219210" cy="219108"/>
+                <a:chOff x="3879218" y="3404050"/>
+                <a:chExt cx="219210" cy="219108"/>
+              </a:xfrm>
+              <a:solidFill>
+                <a:schemeClr val="accent1">
+                  <a:lumMod val="20000"/>
+                  <a:lumOff val="80000"/>
+                </a:schemeClr>
+              </a:solidFill>
+            </p:grpSpPr>
+            <p:sp>
+              <p:nvSpPr>
+                <p:cNvPr id="108" name="정육면체 107">
+                  <a:extLst>
+                    <a:ext uri="{FF2B5EF4-FFF2-40B4-BE49-F238E27FC236}">
+                      <a16:creationId xmlns:a16="http://schemas.microsoft.com/office/drawing/2014/main" id="{FE5B2B0D-1E09-46CA-B7A5-94437D04DA13}"/>
+                    </a:ext>
+                  </a:extLst>
+                </p:cNvPr>
+                <p:cNvSpPr/>
+                <p:nvPr/>
+              </p:nvSpPr>
+              <p:spPr>
+                <a:xfrm>
+                  <a:off x="3918428" y="3404050"/>
+                  <a:ext cx="180000" cy="180000"/>
+                </a:xfrm>
+                <a:prstGeom prst="cube">
+                  <a:avLst/>
+                </a:prstGeom>
+                <a:grpFill/>
+                <a:ln>
+                  <a:solidFill>
+                    <a:schemeClr val="tx1"/>
+                  </a:solidFill>
+                </a:ln>
+              </p:spPr>
+              <p:style>
+                <a:lnRef idx="2">
+                  <a:schemeClr val="accent1">
+                    <a:shade val="50000"/>
+                  </a:schemeClr>
+                </a:lnRef>
+                <a:fillRef idx="1">
+                  <a:schemeClr val="accent1"/>
+                </a:fillRef>
+                <a:effectRef idx="0">
+                  <a:schemeClr val="accent1"/>
+                </a:effectRef>
+                <a:fontRef idx="minor">
+                  <a:schemeClr val="lt1"/>
+                </a:fontRef>
+              </p:style>
+              <p:txBody>
+                <a:bodyPr rtlCol="0" anchor="ctr"/>
+                <a:lstStyle/>
+                <a:p>
+                  <a:pPr algn="ctr"/>
+                  <a:endParaRPr lang="ko-KR" altLang="en-US"/>
+                </a:p>
+              </p:txBody>
+            </p:sp>
+            <p:sp>
+              <p:nvSpPr>
+                <p:cNvPr id="109" name="정육면체 108">
+                  <a:extLst>
+                    <a:ext uri="{FF2B5EF4-FFF2-40B4-BE49-F238E27FC236}">
+                      <a16:creationId xmlns:a16="http://schemas.microsoft.com/office/drawing/2014/main" id="{37144B2E-984B-4175-BC45-617307BA9B4C}"/>
+                    </a:ext>
+                  </a:extLst>
+                </p:cNvPr>
+                <p:cNvSpPr/>
+                <p:nvPr/>
+              </p:nvSpPr>
+              <p:spPr>
+                <a:xfrm>
+                  <a:off x="3879218" y="3443158"/>
+                  <a:ext cx="180000" cy="180000"/>
+                </a:xfrm>
+                <a:prstGeom prst="cube">
+                  <a:avLst/>
+                </a:prstGeom>
+                <a:grpFill/>
+                <a:ln>
+                  <a:solidFill>
+                    <a:srgbClr val="000000"/>
+                  </a:solidFill>
+                </a:ln>
+              </p:spPr>
+              <p:style>
+                <a:lnRef idx="2">
+                  <a:schemeClr val="accent1">
+                    <a:shade val="50000"/>
+                  </a:schemeClr>
+                </a:lnRef>
+                <a:fillRef idx="1">
+                  <a:schemeClr val="accent1"/>
+                </a:fillRef>
+                <a:effectRef idx="0">
+                  <a:schemeClr val="accent1"/>
+                </a:effectRef>
+                <a:fontRef idx="minor">
+                  <a:schemeClr val="lt1"/>
+                </a:fontRef>
+              </p:style>
+              <p:txBody>
+                <a:bodyPr rtlCol="0" anchor="ctr"/>
+                <a:lstStyle/>
+                <a:p>
+                  <a:pPr algn="ctr"/>
+                  <a:endParaRPr lang="ko-KR" altLang="en-US" dirty="0"/>
+                </a:p>
+              </p:txBody>
+            </p:sp>
+          </p:grpSp>
+          <p:grpSp>
+            <p:nvGrpSpPr>
+              <p:cNvPr id="99" name="그룹 98">
+                <a:extLst>
+                  <a:ext uri="{FF2B5EF4-FFF2-40B4-BE49-F238E27FC236}">
+                    <a16:creationId xmlns:a16="http://schemas.microsoft.com/office/drawing/2014/main" id="{80090E94-E6D9-44BA-9A36-2933609BBC16}"/>
+                  </a:ext>
+                </a:extLst>
+              </p:cNvPr>
+              <p:cNvGrpSpPr/>
+              <p:nvPr/>
+            </p:nvGrpSpPr>
+            <p:grpSpPr>
+              <a:xfrm>
+                <a:off x="3798742" y="3484526"/>
+                <a:ext cx="219210" cy="219108"/>
+                <a:chOff x="3879218" y="3404050"/>
+                <a:chExt cx="219210" cy="219108"/>
+              </a:xfrm>
+              <a:solidFill>
+                <a:schemeClr val="accent4">
+                  <a:lumMod val="20000"/>
+                  <a:lumOff val="80000"/>
+                </a:schemeClr>
+              </a:solidFill>
+            </p:grpSpPr>
+            <p:sp>
+              <p:nvSpPr>
+                <p:cNvPr id="106" name="정육면체 105">
+                  <a:extLst>
+                    <a:ext uri="{FF2B5EF4-FFF2-40B4-BE49-F238E27FC236}">
+                      <a16:creationId xmlns:a16="http://schemas.microsoft.com/office/drawing/2014/main" id="{11B31E5C-3394-49E0-B0FA-928120309071}"/>
+                    </a:ext>
+                  </a:extLst>
+                </p:cNvPr>
+                <p:cNvSpPr/>
+                <p:nvPr/>
+              </p:nvSpPr>
+              <p:spPr>
+                <a:xfrm>
+                  <a:off x="3918428" y="3404050"/>
+                  <a:ext cx="180000" cy="180000"/>
+                </a:xfrm>
+                <a:prstGeom prst="cube">
+                  <a:avLst/>
+                </a:prstGeom>
+                <a:grpFill/>
+                <a:ln>
+                  <a:solidFill>
+                    <a:schemeClr val="tx1"/>
+                  </a:solidFill>
+                </a:ln>
+              </p:spPr>
+              <p:style>
+                <a:lnRef idx="2">
+                  <a:schemeClr val="accent1">
+                    <a:shade val="50000"/>
+                  </a:schemeClr>
+                </a:lnRef>
+                <a:fillRef idx="1">
+                  <a:schemeClr val="accent1"/>
+                </a:fillRef>
+                <a:effectRef idx="0">
+                  <a:schemeClr val="accent1"/>
+                </a:effectRef>
+                <a:fontRef idx="minor">
+                  <a:schemeClr val="lt1"/>
+                </a:fontRef>
+              </p:style>
+              <p:txBody>
+                <a:bodyPr rtlCol="0" anchor="ctr"/>
+                <a:lstStyle/>
+                <a:p>
+                  <a:pPr algn="ctr"/>
+                  <a:endParaRPr lang="ko-KR" altLang="en-US"/>
+                </a:p>
+              </p:txBody>
+            </p:sp>
+            <p:sp>
+              <p:nvSpPr>
+                <p:cNvPr id="107" name="정육면체 106">
+                  <a:extLst>
+                    <a:ext uri="{FF2B5EF4-FFF2-40B4-BE49-F238E27FC236}">
+                      <a16:creationId xmlns:a16="http://schemas.microsoft.com/office/drawing/2014/main" id="{4EC51649-F531-496D-875C-BC62F1A8A7DB}"/>
+                    </a:ext>
+                  </a:extLst>
+                </p:cNvPr>
+                <p:cNvSpPr/>
+                <p:nvPr/>
+              </p:nvSpPr>
+              <p:spPr>
+                <a:xfrm>
+                  <a:off x="3879218" y="3443158"/>
+                  <a:ext cx="180000" cy="180000"/>
+                </a:xfrm>
+                <a:prstGeom prst="cube">
+                  <a:avLst/>
+                </a:prstGeom>
+                <a:grpFill/>
+                <a:ln>
+                  <a:solidFill>
+                    <a:srgbClr val="000000"/>
+                  </a:solidFill>
+                </a:ln>
+              </p:spPr>
+              <p:style>
+                <a:lnRef idx="2">
+                  <a:schemeClr val="accent1">
+                    <a:shade val="50000"/>
+                  </a:schemeClr>
+                </a:lnRef>
+                <a:fillRef idx="1">
+                  <a:schemeClr val="accent1"/>
+                </a:fillRef>
+                <a:effectRef idx="0">
+                  <a:schemeClr val="accent1"/>
+                </a:effectRef>
+                <a:fontRef idx="minor">
+                  <a:schemeClr val="lt1"/>
+                </a:fontRef>
+              </p:style>
+              <p:txBody>
+                <a:bodyPr rtlCol="0" anchor="ctr"/>
+                <a:lstStyle/>
+                <a:p>
+                  <a:pPr algn="ctr"/>
+                  <a:endParaRPr lang="ko-KR" altLang="en-US" dirty="0"/>
+                </a:p>
+              </p:txBody>
+            </p:sp>
+          </p:grpSp>
+          <p:grpSp>
+            <p:nvGrpSpPr>
+              <p:cNvPr id="100" name="그룹 99">
+                <a:extLst>
+                  <a:ext uri="{FF2B5EF4-FFF2-40B4-BE49-F238E27FC236}">
+                    <a16:creationId xmlns:a16="http://schemas.microsoft.com/office/drawing/2014/main" id="{A220328B-E6E0-48A9-83C0-C85CBBB592AE}"/>
+                  </a:ext>
+                </a:extLst>
+              </p:cNvPr>
+              <p:cNvGrpSpPr/>
+              <p:nvPr/>
+            </p:nvGrpSpPr>
+            <p:grpSpPr>
+              <a:xfrm>
+                <a:off x="3713504" y="3569764"/>
+                <a:ext cx="219210" cy="219108"/>
+                <a:chOff x="3879218" y="3404050"/>
+                <a:chExt cx="219210" cy="219108"/>
+              </a:xfrm>
+              <a:solidFill>
+                <a:schemeClr val="accent6">
+                  <a:lumMod val="20000"/>
+                  <a:lumOff val="80000"/>
+                </a:schemeClr>
+              </a:solidFill>
+            </p:grpSpPr>
+            <p:sp>
+              <p:nvSpPr>
+                <p:cNvPr id="104" name="정육면체 103">
+                  <a:extLst>
+                    <a:ext uri="{FF2B5EF4-FFF2-40B4-BE49-F238E27FC236}">
+                      <a16:creationId xmlns:a16="http://schemas.microsoft.com/office/drawing/2014/main" id="{1071A67D-A58A-4301-9D9A-E5B6D3A160B3}"/>
+                    </a:ext>
+                  </a:extLst>
+                </p:cNvPr>
+                <p:cNvSpPr/>
+                <p:nvPr/>
+              </p:nvSpPr>
+              <p:spPr>
+                <a:xfrm>
+                  <a:off x="3918428" y="3404050"/>
+                  <a:ext cx="180000" cy="180000"/>
+                </a:xfrm>
+                <a:prstGeom prst="cube">
+                  <a:avLst/>
+                </a:prstGeom>
+                <a:grpFill/>
+                <a:ln>
+                  <a:solidFill>
+                    <a:schemeClr val="tx1"/>
+                  </a:solidFill>
+                </a:ln>
+              </p:spPr>
+              <p:style>
+                <a:lnRef idx="2">
+                  <a:schemeClr val="accent1">
+                    <a:shade val="50000"/>
+                  </a:schemeClr>
+                </a:lnRef>
+                <a:fillRef idx="1">
+                  <a:schemeClr val="accent1"/>
+                </a:fillRef>
+                <a:effectRef idx="0">
+                  <a:schemeClr val="accent1"/>
+                </a:effectRef>
+                <a:fontRef idx="minor">
+                  <a:schemeClr val="lt1"/>
+                </a:fontRef>
+              </p:style>
+              <p:txBody>
+                <a:bodyPr rtlCol="0" anchor="ctr"/>
+                <a:lstStyle/>
+                <a:p>
+                  <a:pPr algn="ctr"/>
+                  <a:endParaRPr lang="ko-KR" altLang="en-US"/>
+                </a:p>
+              </p:txBody>
+            </p:sp>
+            <p:sp>
+              <p:nvSpPr>
+                <p:cNvPr id="105" name="정육면체 104">
+                  <a:extLst>
+                    <a:ext uri="{FF2B5EF4-FFF2-40B4-BE49-F238E27FC236}">
+                      <a16:creationId xmlns:a16="http://schemas.microsoft.com/office/drawing/2014/main" id="{CC16ED63-B093-40CE-A62C-91CF02313165}"/>
+                    </a:ext>
+                  </a:extLst>
+                </p:cNvPr>
+                <p:cNvSpPr/>
+                <p:nvPr/>
+              </p:nvSpPr>
+              <p:spPr>
+                <a:xfrm>
+                  <a:off x="3879218" y="3443158"/>
+                  <a:ext cx="180000" cy="180000"/>
+                </a:xfrm>
+                <a:prstGeom prst="cube">
+                  <a:avLst/>
+                </a:prstGeom>
+                <a:grpFill/>
+                <a:ln>
+                  <a:solidFill>
+                    <a:srgbClr val="000000"/>
+                  </a:solidFill>
+                </a:ln>
+              </p:spPr>
+              <p:style>
+                <a:lnRef idx="2">
+                  <a:schemeClr val="accent1">
+                    <a:shade val="50000"/>
+                  </a:schemeClr>
+                </a:lnRef>
+                <a:fillRef idx="1">
+                  <a:schemeClr val="accent1"/>
+                </a:fillRef>
+                <a:effectRef idx="0">
+                  <a:schemeClr val="accent1"/>
+                </a:effectRef>
+                <a:fontRef idx="minor">
+                  <a:schemeClr val="lt1"/>
+                </a:fontRef>
+              </p:style>
+              <p:txBody>
+                <a:bodyPr rtlCol="0" anchor="ctr"/>
+                <a:lstStyle/>
+                <a:p>
+                  <a:pPr algn="ctr"/>
+                  <a:endParaRPr lang="ko-KR" altLang="en-US" dirty="0"/>
+                </a:p>
+              </p:txBody>
+            </p:sp>
+          </p:grpSp>
+          <p:grpSp>
+            <p:nvGrpSpPr>
+              <p:cNvPr id="101" name="그룹 100">
+                <a:extLst>
+                  <a:ext uri="{FF2B5EF4-FFF2-40B4-BE49-F238E27FC236}">
+                    <a16:creationId xmlns:a16="http://schemas.microsoft.com/office/drawing/2014/main" id="{0B28CE1D-8777-4ABC-954C-54059AF264D7}"/>
+                  </a:ext>
+                </a:extLst>
+              </p:cNvPr>
+              <p:cNvGrpSpPr/>
+              <p:nvPr/>
+            </p:nvGrpSpPr>
+            <p:grpSpPr>
+              <a:xfrm>
+                <a:off x="3629619" y="3652621"/>
+                <a:ext cx="219210" cy="219108"/>
+                <a:chOff x="3879218" y="3404050"/>
+                <a:chExt cx="219210" cy="219108"/>
+              </a:xfrm>
+            </p:grpSpPr>
+            <p:sp>
+              <p:nvSpPr>
+                <p:cNvPr id="102" name="정육면체 101">
+                  <a:extLst>
+                    <a:ext uri="{FF2B5EF4-FFF2-40B4-BE49-F238E27FC236}">
+                      <a16:creationId xmlns:a16="http://schemas.microsoft.com/office/drawing/2014/main" id="{9FC566CB-589E-4584-A28A-EEEF56580FE1}"/>
+                    </a:ext>
+                  </a:extLst>
+                </p:cNvPr>
+                <p:cNvSpPr/>
+                <p:nvPr/>
+              </p:nvSpPr>
+              <p:spPr>
+                <a:xfrm>
+                  <a:off x="3918428" y="3404050"/>
+                  <a:ext cx="180000" cy="180000"/>
+                </a:xfrm>
+                <a:prstGeom prst="cube">
+                  <a:avLst/>
+                </a:prstGeom>
+                <a:solidFill>
+                  <a:schemeClr val="accent2">
+                    <a:lumMod val="40000"/>
+                    <a:lumOff val="60000"/>
+                  </a:schemeClr>
+                </a:solidFill>
+                <a:ln>
+                  <a:solidFill>
+                    <a:schemeClr val="tx1"/>
+                  </a:solidFill>
+                </a:ln>
+              </p:spPr>
+              <p:style>
+                <a:lnRef idx="2">
+                  <a:schemeClr val="accent1">
+                    <a:shade val="50000"/>
+                  </a:schemeClr>
+                </a:lnRef>
+                <a:fillRef idx="1">
+                  <a:schemeClr val="accent1"/>
+                </a:fillRef>
+                <a:effectRef idx="0">
+                  <a:schemeClr val="accent1"/>
+                </a:effectRef>
+                <a:fontRef idx="minor">
+                  <a:schemeClr val="lt1"/>
+                </a:fontRef>
+              </p:style>
+              <p:txBody>
+                <a:bodyPr rtlCol="0" anchor="ctr"/>
+                <a:lstStyle/>
+                <a:p>
+                  <a:pPr algn="ctr"/>
+                  <a:endParaRPr lang="ko-KR" altLang="en-US"/>
+                </a:p>
+              </p:txBody>
+            </p:sp>
+            <p:sp>
+              <p:nvSpPr>
+                <p:cNvPr id="103" name="정육면체 102">
+                  <a:extLst>
+                    <a:ext uri="{FF2B5EF4-FFF2-40B4-BE49-F238E27FC236}">
+                      <a16:creationId xmlns:a16="http://schemas.microsoft.com/office/drawing/2014/main" id="{6BE3F296-A783-4D97-85EB-27661DDF3A13}"/>
+                    </a:ext>
+                  </a:extLst>
+                </p:cNvPr>
+                <p:cNvSpPr/>
+                <p:nvPr/>
+              </p:nvSpPr>
+              <p:spPr>
+                <a:xfrm>
+                  <a:off x="3879218" y="3443158"/>
+                  <a:ext cx="180000" cy="180000"/>
+                </a:xfrm>
+                <a:prstGeom prst="cube">
+                  <a:avLst/>
+                </a:prstGeom>
+                <a:solidFill>
+                  <a:schemeClr val="accent2">
+                    <a:lumMod val="40000"/>
+                    <a:lumOff val="60000"/>
+                  </a:schemeClr>
+                </a:solidFill>
+                <a:ln>
+                  <a:solidFill>
+                    <a:srgbClr val="000000"/>
+                  </a:solidFill>
+                </a:ln>
+              </p:spPr>
+              <p:style>
+                <a:lnRef idx="2">
+                  <a:schemeClr val="accent1">
+                    <a:shade val="50000"/>
+                  </a:schemeClr>
+                </a:lnRef>
+                <a:fillRef idx="1">
+                  <a:schemeClr val="accent1"/>
+                </a:fillRef>
+                <a:effectRef idx="0">
+                  <a:schemeClr val="accent1"/>
+                </a:effectRef>
+                <a:fontRef idx="minor">
+                  <a:schemeClr val="lt1"/>
+                </a:fontRef>
+              </p:style>
+              <p:txBody>
+                <a:bodyPr rtlCol="0" anchor="ctr"/>
+                <a:lstStyle/>
+                <a:p>
+                  <a:pPr algn="ctr"/>
+                  <a:endParaRPr lang="ko-KR" altLang="en-US" dirty="0"/>
+                </a:p>
+              </p:txBody>
+            </p:sp>
+          </p:grpSp>
+        </p:grpSp>
+        <p:grpSp>
+          <p:nvGrpSpPr>
+            <p:cNvPr id="85" name="그룹 84">
+              <a:extLst>
+                <a:ext uri="{FF2B5EF4-FFF2-40B4-BE49-F238E27FC236}">
+                  <a16:creationId xmlns:a16="http://schemas.microsoft.com/office/drawing/2014/main" id="{CD955356-0103-4DF6-8CD5-1A1EB2D649A9}"/>
+                </a:ext>
+              </a:extLst>
+            </p:cNvPr>
+            <p:cNvGrpSpPr/>
+            <p:nvPr/>
+          </p:nvGrpSpPr>
+          <p:grpSpPr>
+            <a:xfrm>
+              <a:off x="4429685" y="2317996"/>
+              <a:ext cx="471190" cy="470060"/>
+              <a:chOff x="3629619" y="3401669"/>
+              <a:chExt cx="471190" cy="470060"/>
+            </a:xfrm>
+          </p:grpSpPr>
+          <p:grpSp>
+            <p:nvGrpSpPr>
+              <p:cNvPr id="86" name="그룹 85">
+                <a:extLst>
+                  <a:ext uri="{FF2B5EF4-FFF2-40B4-BE49-F238E27FC236}">
+                    <a16:creationId xmlns:a16="http://schemas.microsoft.com/office/drawing/2014/main" id="{10140614-E248-4FE4-9D2E-8EAAF9218FF4}"/>
+                  </a:ext>
+                </a:extLst>
+              </p:cNvPr>
+              <p:cNvGrpSpPr/>
+              <p:nvPr/>
+            </p:nvGrpSpPr>
+            <p:grpSpPr>
+              <a:xfrm>
+                <a:off x="3881599" y="3401669"/>
+                <a:ext cx="219210" cy="219108"/>
+                <a:chOff x="3879218" y="3404050"/>
+                <a:chExt cx="219210" cy="219108"/>
+              </a:xfrm>
+              <a:solidFill>
+                <a:schemeClr val="accent1">
+                  <a:lumMod val="20000"/>
+                  <a:lumOff val="80000"/>
+                </a:schemeClr>
+              </a:solidFill>
+            </p:grpSpPr>
+            <p:sp>
+              <p:nvSpPr>
+                <p:cNvPr id="96" name="정육면체 95">
+                  <a:extLst>
+                    <a:ext uri="{FF2B5EF4-FFF2-40B4-BE49-F238E27FC236}">
+                      <a16:creationId xmlns:a16="http://schemas.microsoft.com/office/drawing/2014/main" id="{16509930-C498-4C80-A6C5-47D6945F99F6}"/>
+                    </a:ext>
+                  </a:extLst>
+                </p:cNvPr>
+                <p:cNvSpPr/>
+                <p:nvPr/>
+              </p:nvSpPr>
+              <p:spPr>
+                <a:xfrm>
+                  <a:off x="3918428" y="3404050"/>
+                  <a:ext cx="180000" cy="180000"/>
+                </a:xfrm>
+                <a:prstGeom prst="cube">
+                  <a:avLst/>
+                </a:prstGeom>
+                <a:grpFill/>
+                <a:ln>
+                  <a:solidFill>
+                    <a:schemeClr val="tx1"/>
+                  </a:solidFill>
+                </a:ln>
+              </p:spPr>
+              <p:style>
+                <a:lnRef idx="2">
+                  <a:schemeClr val="accent1">
+                    <a:shade val="50000"/>
+                  </a:schemeClr>
+                </a:lnRef>
+                <a:fillRef idx="1">
+                  <a:schemeClr val="accent1"/>
+                </a:fillRef>
+                <a:effectRef idx="0">
+                  <a:schemeClr val="accent1"/>
+                </a:effectRef>
+                <a:fontRef idx="minor">
+                  <a:schemeClr val="lt1"/>
+                </a:fontRef>
+              </p:style>
+              <p:txBody>
+                <a:bodyPr rtlCol="0" anchor="ctr"/>
+                <a:lstStyle/>
+                <a:p>
+                  <a:pPr algn="ctr"/>
+                  <a:endParaRPr lang="ko-KR" altLang="en-US"/>
+                </a:p>
+              </p:txBody>
+            </p:sp>
+            <p:sp>
+              <p:nvSpPr>
+                <p:cNvPr id="97" name="정육면체 96">
+                  <a:extLst>
+                    <a:ext uri="{FF2B5EF4-FFF2-40B4-BE49-F238E27FC236}">
+                      <a16:creationId xmlns:a16="http://schemas.microsoft.com/office/drawing/2014/main" id="{3B854D41-9B63-448A-9026-65BCAA959094}"/>
+                    </a:ext>
+                  </a:extLst>
+                </p:cNvPr>
+                <p:cNvSpPr/>
+                <p:nvPr/>
+              </p:nvSpPr>
+              <p:spPr>
+                <a:xfrm>
+                  <a:off x="3879218" y="3443158"/>
+                  <a:ext cx="180000" cy="180000"/>
+                </a:xfrm>
+                <a:prstGeom prst="cube">
+                  <a:avLst/>
+                </a:prstGeom>
+                <a:grpFill/>
+                <a:ln>
+                  <a:solidFill>
+                    <a:srgbClr val="000000"/>
+                  </a:solidFill>
+                </a:ln>
+              </p:spPr>
+              <p:style>
+                <a:lnRef idx="2">
+                  <a:schemeClr val="accent1">
+                    <a:shade val="50000"/>
+                  </a:schemeClr>
+                </a:lnRef>
+                <a:fillRef idx="1">
+                  <a:schemeClr val="accent1"/>
+                </a:fillRef>
+                <a:effectRef idx="0">
+                  <a:schemeClr val="accent1"/>
+                </a:effectRef>
+                <a:fontRef idx="minor">
+                  <a:schemeClr val="lt1"/>
+                </a:fontRef>
+              </p:style>
+              <p:txBody>
+                <a:bodyPr rtlCol="0" anchor="ctr"/>
+                <a:lstStyle/>
+                <a:p>
+                  <a:pPr algn="ctr"/>
+                  <a:endParaRPr lang="ko-KR" altLang="en-US" dirty="0"/>
+                </a:p>
+              </p:txBody>
+            </p:sp>
+          </p:grpSp>
+          <p:grpSp>
+            <p:nvGrpSpPr>
+              <p:cNvPr id="87" name="그룹 86">
+                <a:extLst>
+                  <a:ext uri="{FF2B5EF4-FFF2-40B4-BE49-F238E27FC236}">
+                    <a16:creationId xmlns:a16="http://schemas.microsoft.com/office/drawing/2014/main" id="{069DF31F-BE26-4A68-869F-601F68947E9E}"/>
+                  </a:ext>
+                </a:extLst>
+              </p:cNvPr>
+              <p:cNvGrpSpPr/>
+              <p:nvPr/>
+            </p:nvGrpSpPr>
+            <p:grpSpPr>
+              <a:xfrm>
+                <a:off x="3798742" y="3484526"/>
+                <a:ext cx="219210" cy="219108"/>
+                <a:chOff x="3879218" y="3404050"/>
+                <a:chExt cx="219210" cy="219108"/>
+              </a:xfrm>
+              <a:solidFill>
+                <a:schemeClr val="accent4">
+                  <a:lumMod val="20000"/>
+                  <a:lumOff val="80000"/>
+                </a:schemeClr>
+              </a:solidFill>
+            </p:grpSpPr>
+            <p:sp>
+              <p:nvSpPr>
+                <p:cNvPr id="94" name="정육면체 93">
+                  <a:extLst>
+                    <a:ext uri="{FF2B5EF4-FFF2-40B4-BE49-F238E27FC236}">
+                      <a16:creationId xmlns:a16="http://schemas.microsoft.com/office/drawing/2014/main" id="{7261BC85-ECF5-4A15-AAEC-E44448C4935D}"/>
+                    </a:ext>
+                  </a:extLst>
+                </p:cNvPr>
+                <p:cNvSpPr/>
+                <p:nvPr/>
+              </p:nvSpPr>
+              <p:spPr>
+                <a:xfrm>
+                  <a:off x="3918428" y="3404050"/>
+                  <a:ext cx="180000" cy="180000"/>
+                </a:xfrm>
+                <a:prstGeom prst="cube">
+                  <a:avLst/>
+                </a:prstGeom>
+                <a:grpFill/>
+                <a:ln>
+                  <a:solidFill>
+                    <a:schemeClr val="tx1"/>
+                  </a:solidFill>
+                </a:ln>
+              </p:spPr>
+              <p:style>
+                <a:lnRef idx="2">
+                  <a:schemeClr val="accent1">
+                    <a:shade val="50000"/>
+                  </a:schemeClr>
+                </a:lnRef>
+                <a:fillRef idx="1">
+                  <a:schemeClr val="accent1"/>
+                </a:fillRef>
+                <a:effectRef idx="0">
+                  <a:schemeClr val="accent1"/>
+                </a:effectRef>
+                <a:fontRef idx="minor">
+                  <a:schemeClr val="lt1"/>
+                </a:fontRef>
+              </p:style>
+              <p:txBody>
+                <a:bodyPr rtlCol="0" anchor="ctr"/>
+                <a:lstStyle/>
+                <a:p>
+                  <a:pPr algn="ctr"/>
+                  <a:endParaRPr lang="ko-KR" altLang="en-US"/>
+                </a:p>
+              </p:txBody>
+            </p:sp>
+            <p:sp>
+              <p:nvSpPr>
+                <p:cNvPr id="95" name="정육면체 94">
+                  <a:extLst>
+                    <a:ext uri="{FF2B5EF4-FFF2-40B4-BE49-F238E27FC236}">
+                      <a16:creationId xmlns:a16="http://schemas.microsoft.com/office/drawing/2014/main" id="{69BA4F06-BB94-463D-9185-C6997D9918F9}"/>
+                    </a:ext>
+                  </a:extLst>
+                </p:cNvPr>
+                <p:cNvSpPr/>
+                <p:nvPr/>
+              </p:nvSpPr>
+              <p:spPr>
+                <a:xfrm>
+                  <a:off x="3879218" y="3443158"/>
+                  <a:ext cx="180000" cy="180000"/>
+                </a:xfrm>
+                <a:prstGeom prst="cube">
+                  <a:avLst/>
+                </a:prstGeom>
+                <a:grpFill/>
+                <a:ln>
+                  <a:solidFill>
+                    <a:srgbClr val="000000"/>
+                  </a:solidFill>
+                </a:ln>
+              </p:spPr>
+              <p:style>
+                <a:lnRef idx="2">
+                  <a:schemeClr val="accent1">
+                    <a:shade val="50000"/>
+                  </a:schemeClr>
+                </a:lnRef>
+                <a:fillRef idx="1">
+                  <a:schemeClr val="accent1"/>
+                </a:fillRef>
+                <a:effectRef idx="0">
+                  <a:schemeClr val="accent1"/>
+                </a:effectRef>
+                <a:fontRef idx="minor">
+                  <a:schemeClr val="lt1"/>
+                </a:fontRef>
+              </p:style>
+              <p:txBody>
+                <a:bodyPr rtlCol="0" anchor="ctr"/>
+                <a:lstStyle/>
+                <a:p>
+                  <a:pPr algn="ctr"/>
+                  <a:endParaRPr lang="ko-KR" altLang="en-US" dirty="0"/>
+                </a:p>
+              </p:txBody>
+            </p:sp>
+          </p:grpSp>
+          <p:grpSp>
+            <p:nvGrpSpPr>
+              <p:cNvPr id="88" name="그룹 87">
+                <a:extLst>
+                  <a:ext uri="{FF2B5EF4-FFF2-40B4-BE49-F238E27FC236}">
+                    <a16:creationId xmlns:a16="http://schemas.microsoft.com/office/drawing/2014/main" id="{D61814DE-7013-48C5-B879-0827D2633E27}"/>
+                  </a:ext>
+                </a:extLst>
+              </p:cNvPr>
+              <p:cNvGrpSpPr/>
+              <p:nvPr/>
+            </p:nvGrpSpPr>
+            <p:grpSpPr>
+              <a:xfrm>
+                <a:off x="3713504" y="3569764"/>
+                <a:ext cx="219210" cy="219108"/>
+                <a:chOff x="3879218" y="3404050"/>
+                <a:chExt cx="219210" cy="219108"/>
+              </a:xfrm>
+              <a:solidFill>
+                <a:schemeClr val="accent6">
+                  <a:lumMod val="20000"/>
+                  <a:lumOff val="80000"/>
+                </a:schemeClr>
+              </a:solidFill>
+            </p:grpSpPr>
+            <p:sp>
+              <p:nvSpPr>
+                <p:cNvPr id="92" name="정육면체 91">
+                  <a:extLst>
+                    <a:ext uri="{FF2B5EF4-FFF2-40B4-BE49-F238E27FC236}">
+                      <a16:creationId xmlns:a16="http://schemas.microsoft.com/office/drawing/2014/main" id="{12666930-7981-4FD3-A4DD-8BBC1A840B4E}"/>
+                    </a:ext>
+                  </a:extLst>
+                </p:cNvPr>
+                <p:cNvSpPr/>
+                <p:nvPr/>
+              </p:nvSpPr>
+              <p:spPr>
+                <a:xfrm>
+                  <a:off x="3918428" y="3404050"/>
+                  <a:ext cx="180000" cy="180000"/>
+                </a:xfrm>
+                <a:prstGeom prst="cube">
+                  <a:avLst/>
+                </a:prstGeom>
+                <a:grpFill/>
+                <a:ln>
+                  <a:solidFill>
+                    <a:schemeClr val="tx1"/>
+                  </a:solidFill>
+                </a:ln>
+              </p:spPr>
+              <p:style>
+                <a:lnRef idx="2">
+                  <a:schemeClr val="accent1">
+                    <a:shade val="50000"/>
+                  </a:schemeClr>
+                </a:lnRef>
+                <a:fillRef idx="1">
+                  <a:schemeClr val="accent1"/>
+                </a:fillRef>
+                <a:effectRef idx="0">
+                  <a:schemeClr val="accent1"/>
+                </a:effectRef>
+                <a:fontRef idx="minor">
+                  <a:schemeClr val="lt1"/>
+                </a:fontRef>
+              </p:style>
+              <p:txBody>
+                <a:bodyPr rtlCol="0" anchor="ctr"/>
+                <a:lstStyle/>
+                <a:p>
+                  <a:pPr algn="ctr"/>
+                  <a:endParaRPr lang="ko-KR" altLang="en-US"/>
+                </a:p>
+              </p:txBody>
+            </p:sp>
+            <p:sp>
+              <p:nvSpPr>
+                <p:cNvPr id="93" name="정육면체 92">
+                  <a:extLst>
+                    <a:ext uri="{FF2B5EF4-FFF2-40B4-BE49-F238E27FC236}">
+                      <a16:creationId xmlns:a16="http://schemas.microsoft.com/office/drawing/2014/main" id="{8867220D-86EE-416C-83A5-1BFA485F775E}"/>
+                    </a:ext>
+                  </a:extLst>
+                </p:cNvPr>
+                <p:cNvSpPr/>
+                <p:nvPr/>
+              </p:nvSpPr>
+              <p:spPr>
+                <a:xfrm>
+                  <a:off x="3879218" y="3443158"/>
+                  <a:ext cx="180000" cy="180000"/>
+                </a:xfrm>
+                <a:prstGeom prst="cube">
+                  <a:avLst/>
+                </a:prstGeom>
+                <a:grpFill/>
+                <a:ln>
+                  <a:solidFill>
+                    <a:srgbClr val="000000"/>
+                  </a:solidFill>
+                </a:ln>
+              </p:spPr>
+              <p:style>
+                <a:lnRef idx="2">
+                  <a:schemeClr val="accent1">
+                    <a:shade val="50000"/>
+                  </a:schemeClr>
+                </a:lnRef>
+                <a:fillRef idx="1">
+                  <a:schemeClr val="accent1"/>
+                </a:fillRef>
+                <a:effectRef idx="0">
+                  <a:schemeClr val="accent1"/>
+                </a:effectRef>
+                <a:fontRef idx="minor">
+                  <a:schemeClr val="lt1"/>
+                </a:fontRef>
+              </p:style>
+              <p:txBody>
+                <a:bodyPr rtlCol="0" anchor="ctr"/>
+                <a:lstStyle/>
+                <a:p>
+                  <a:pPr algn="ctr"/>
+                  <a:endParaRPr lang="ko-KR" altLang="en-US" dirty="0"/>
+                </a:p>
+              </p:txBody>
+            </p:sp>
+          </p:grpSp>
+          <p:grpSp>
+            <p:nvGrpSpPr>
+              <p:cNvPr id="89" name="그룹 88">
+                <a:extLst>
+                  <a:ext uri="{FF2B5EF4-FFF2-40B4-BE49-F238E27FC236}">
+                    <a16:creationId xmlns:a16="http://schemas.microsoft.com/office/drawing/2014/main" id="{E5C5063B-764D-41B6-88CF-89BE49B8BCCC}"/>
+                  </a:ext>
+                </a:extLst>
+              </p:cNvPr>
+              <p:cNvGrpSpPr/>
+              <p:nvPr/>
+            </p:nvGrpSpPr>
+            <p:grpSpPr>
+              <a:xfrm>
+                <a:off x="3629619" y="3652621"/>
+                <a:ext cx="219210" cy="219108"/>
+                <a:chOff x="3879218" y="3404050"/>
+                <a:chExt cx="219210" cy="219108"/>
+              </a:xfrm>
+            </p:grpSpPr>
+            <p:sp>
+              <p:nvSpPr>
+                <p:cNvPr id="90" name="정육면체 89">
+                  <a:extLst>
+                    <a:ext uri="{FF2B5EF4-FFF2-40B4-BE49-F238E27FC236}">
+                      <a16:creationId xmlns:a16="http://schemas.microsoft.com/office/drawing/2014/main" id="{30F919EC-7DC2-4DE7-B5C8-0DEF6A267989}"/>
+                    </a:ext>
+                  </a:extLst>
+                </p:cNvPr>
+                <p:cNvSpPr/>
+                <p:nvPr/>
+              </p:nvSpPr>
+              <p:spPr>
+                <a:xfrm>
+                  <a:off x="3918428" y="3404050"/>
+                  <a:ext cx="180000" cy="180000"/>
+                </a:xfrm>
+                <a:prstGeom prst="cube">
+                  <a:avLst/>
+                </a:prstGeom>
+                <a:solidFill>
+                  <a:schemeClr val="accent2">
+                    <a:lumMod val="40000"/>
+                    <a:lumOff val="60000"/>
+                  </a:schemeClr>
+                </a:solidFill>
+                <a:ln>
+                  <a:solidFill>
+                    <a:schemeClr val="tx1"/>
+                  </a:solidFill>
+                </a:ln>
+              </p:spPr>
+              <p:style>
+                <a:lnRef idx="2">
+                  <a:schemeClr val="accent1">
+                    <a:shade val="50000"/>
+                  </a:schemeClr>
+                </a:lnRef>
+                <a:fillRef idx="1">
+                  <a:schemeClr val="accent1"/>
+                </a:fillRef>
+                <a:effectRef idx="0">
+                  <a:schemeClr val="accent1"/>
+                </a:effectRef>
+                <a:fontRef idx="minor">
+                  <a:schemeClr val="lt1"/>
+                </a:fontRef>
+              </p:style>
+              <p:txBody>
+                <a:bodyPr rtlCol="0" anchor="ctr"/>
+                <a:lstStyle/>
+                <a:p>
+                  <a:pPr algn="ctr"/>
+                  <a:endParaRPr lang="ko-KR" altLang="en-US"/>
+                </a:p>
+              </p:txBody>
+            </p:sp>
+            <p:sp>
+              <p:nvSpPr>
+                <p:cNvPr id="91" name="정육면체 90">
+                  <a:extLst>
+                    <a:ext uri="{FF2B5EF4-FFF2-40B4-BE49-F238E27FC236}">
+                      <a16:creationId xmlns:a16="http://schemas.microsoft.com/office/drawing/2014/main" id="{55A2A14A-62FA-483F-8DA2-1DE06C680DDA}"/>
+                    </a:ext>
+                  </a:extLst>
+                </p:cNvPr>
+                <p:cNvSpPr/>
+                <p:nvPr/>
+              </p:nvSpPr>
+              <p:spPr>
+                <a:xfrm>
+                  <a:off x="3879218" y="3443158"/>
+                  <a:ext cx="180000" cy="180000"/>
+                </a:xfrm>
+                <a:prstGeom prst="cube">
+                  <a:avLst/>
+                </a:prstGeom>
+                <a:solidFill>
+                  <a:schemeClr val="accent2">
+                    <a:lumMod val="40000"/>
+                    <a:lumOff val="60000"/>
+                  </a:schemeClr>
+                </a:solidFill>
+                <a:ln>
+                  <a:solidFill>
+                    <a:srgbClr val="000000"/>
+                  </a:solidFill>
+                </a:ln>
+              </p:spPr>
+              <p:style>
+                <a:lnRef idx="2">
+                  <a:schemeClr val="accent1">
+                    <a:shade val="50000"/>
+                  </a:schemeClr>
+                </a:lnRef>
+                <a:fillRef idx="1">
+                  <a:schemeClr val="accent1"/>
+                </a:fillRef>
+                <a:effectRef idx="0">
+                  <a:schemeClr val="accent1"/>
+                </a:effectRef>
+                <a:fontRef idx="minor">
+                  <a:schemeClr val="lt1"/>
+                </a:fontRef>
+              </p:style>
+              <p:txBody>
+                <a:bodyPr rtlCol="0" anchor="ctr"/>
+                <a:lstStyle/>
+                <a:p>
+                  <a:pPr algn="ctr"/>
+                  <a:endParaRPr lang="ko-KR" altLang="en-US" dirty="0"/>
+                </a:p>
+              </p:txBody>
+            </p:sp>
+          </p:grpSp>
+        </p:grpSp>
+      </p:grpSp>
+      <p:sp>
+        <p:nvSpPr>
+          <p:cNvPr id="110" name="타원 109">
+            <a:extLst>
+              <a:ext uri="{FF2B5EF4-FFF2-40B4-BE49-F238E27FC236}">
+                <a16:creationId xmlns:a16="http://schemas.microsoft.com/office/drawing/2014/main" id="{A6770A8E-C29B-4122-91E3-53FDF9642B97}"/>
+              </a:ext>
+            </a:extLst>
+          </p:cNvPr>
+          <p:cNvSpPr/>
+          <p:nvPr/>
+        </p:nvSpPr>
+        <p:spPr>
+          <a:xfrm>
+            <a:off x="3579756" y="4382843"/>
+            <a:ext cx="46028" cy="46800"/>
+          </a:xfrm>
+          <a:prstGeom prst="ellipse">
+            <a:avLst/>
+          </a:prstGeom>
+          <a:solidFill>
+            <a:srgbClr val="000000"/>
+          </a:solidFill>
+          <a:ln>
+            <a:noFill/>
+          </a:ln>
+        </p:spPr>
+        <p:style>
+          <a:lnRef idx="2">
+            <a:schemeClr val="accent1">
+              <a:shade val="50000"/>
+            </a:schemeClr>
+          </a:lnRef>
+          <a:fillRef idx="1">
+            <a:schemeClr val="accent1"/>
+          </a:fillRef>
+          <a:effectRef idx="0">
+            <a:schemeClr val="accent1"/>
+          </a:effectRef>
+          <a:fontRef idx="minor">
+            <a:schemeClr val="lt1"/>
+          </a:fontRef>
+        </p:style>
+        <p:txBody>
+          <a:bodyPr rtlCol="0" anchor="ctr"/>
+          <a:lstStyle/>
+          <a:p>
+            <a:pPr algn="ctr"/>
+            <a:endParaRPr lang="ko-KR" altLang="en-US"/>
+          </a:p>
+        </p:txBody>
+      </p:sp>
+      <p:sp>
+        <p:nvSpPr>
+          <p:cNvPr id="111" name="타원 110">
+            <a:extLst>
+              <a:ext uri="{FF2B5EF4-FFF2-40B4-BE49-F238E27FC236}">
+                <a16:creationId xmlns:a16="http://schemas.microsoft.com/office/drawing/2014/main" id="{BA17DD8C-AC3C-4C08-B342-FD859BEE5D82}"/>
+              </a:ext>
+            </a:extLst>
+          </p:cNvPr>
+          <p:cNvSpPr/>
+          <p:nvPr/>
+        </p:nvSpPr>
+        <p:spPr>
+          <a:xfrm>
+            <a:off x="3579756" y="4511249"/>
+            <a:ext cx="46028" cy="46800"/>
+          </a:xfrm>
+          <a:prstGeom prst="ellipse">
+            <a:avLst/>
+          </a:prstGeom>
+          <a:solidFill>
+            <a:srgbClr val="000000"/>
+          </a:solidFill>
+          <a:ln>
+            <a:noFill/>
+          </a:ln>
+        </p:spPr>
+        <p:style>
+          <a:lnRef idx="2">
+            <a:schemeClr val="accent1">
+              <a:shade val="50000"/>
+            </a:schemeClr>
+          </a:lnRef>
+          <a:fillRef idx="1">
+            <a:schemeClr val="accent1"/>
+          </a:fillRef>
+          <a:effectRef idx="0">
+            <a:schemeClr val="accent1"/>
+          </a:effectRef>
+          <a:fontRef idx="minor">
+            <a:schemeClr val="lt1"/>
+          </a:fontRef>
+        </p:style>
+        <p:txBody>
+          <a:bodyPr rtlCol="0" anchor="ctr"/>
+          <a:lstStyle/>
+          <a:p>
+            <a:pPr algn="ctr"/>
+            <a:endParaRPr lang="ko-KR" altLang="en-US"/>
+          </a:p>
+        </p:txBody>
+      </p:sp>
+      <p:sp>
+        <p:nvSpPr>
+          <p:cNvPr id="112" name="타원 111">
+            <a:extLst>
+              <a:ext uri="{FF2B5EF4-FFF2-40B4-BE49-F238E27FC236}">
+                <a16:creationId xmlns:a16="http://schemas.microsoft.com/office/drawing/2014/main" id="{BDBC9FE1-67E5-4A72-8A13-62E494DEB38C}"/>
+              </a:ext>
+            </a:extLst>
+          </p:cNvPr>
+          <p:cNvSpPr/>
+          <p:nvPr/>
+        </p:nvSpPr>
+        <p:spPr>
+          <a:xfrm>
+            <a:off x="3579756" y="4632951"/>
+            <a:ext cx="46028" cy="46800"/>
+          </a:xfrm>
+          <a:prstGeom prst="ellipse">
+            <a:avLst/>
+          </a:prstGeom>
+          <a:solidFill>
+            <a:srgbClr val="000000"/>
+          </a:solidFill>
+          <a:ln>
+            <a:noFill/>
+          </a:ln>
+        </p:spPr>
+        <p:style>
+          <a:lnRef idx="2">
+            <a:schemeClr val="accent1">
+              <a:shade val="50000"/>
+            </a:schemeClr>
+          </a:lnRef>
+          <a:fillRef idx="1">
+            <a:schemeClr val="accent1"/>
+          </a:fillRef>
+          <a:effectRef idx="0">
+            <a:schemeClr val="accent1"/>
+          </a:effectRef>
+          <a:fontRef idx="minor">
+            <a:schemeClr val="lt1"/>
+          </a:fontRef>
+        </p:style>
+        <p:txBody>
+          <a:bodyPr rtlCol="0" anchor="ctr"/>
+          <a:lstStyle/>
+          <a:p>
+            <a:pPr algn="ctr"/>
+            <a:endParaRPr lang="ko-KR" altLang="en-US"/>
+          </a:p>
+        </p:txBody>
+      </p:sp>
+      <p:sp>
+        <p:nvSpPr>
+          <p:cNvPr id="113" name="평행 사변형 112">
+            <a:extLst>
+              <a:ext uri="{FF2B5EF4-FFF2-40B4-BE49-F238E27FC236}">
+                <a16:creationId xmlns:a16="http://schemas.microsoft.com/office/drawing/2014/main" id="{346FF888-F781-4D35-A049-3576EC7FCED3}"/>
+              </a:ext>
+            </a:extLst>
+          </p:cNvPr>
+          <p:cNvSpPr/>
+          <p:nvPr/>
+        </p:nvSpPr>
+        <p:spPr>
+          <a:xfrm rot="16200000" flipV="1">
+            <a:off x="4070570" y="3866012"/>
+            <a:ext cx="2112570" cy="708375"/>
+          </a:xfrm>
+          <a:prstGeom prst="parallelogram">
+            <a:avLst>
+              <a:gd name="adj" fmla="val 95374"/>
+            </a:avLst>
+          </a:prstGeom>
+          <a:solidFill>
+            <a:schemeClr val="bg1"/>
+          </a:solidFill>
+          <a:ln w="19050">
+            <a:solidFill>
+              <a:srgbClr val="000000"/>
+            </a:solidFill>
+          </a:ln>
+        </p:spPr>
+        <p:style>
+          <a:lnRef idx="2">
+            <a:schemeClr val="accent1">
+              <a:shade val="50000"/>
+            </a:schemeClr>
+          </a:lnRef>
+          <a:fillRef idx="1">
+            <a:schemeClr val="accent1"/>
+          </a:fillRef>
+          <a:effectRef idx="0">
+            <a:schemeClr val="accent1"/>
+          </a:effectRef>
+          <a:fontRef idx="minor">
+            <a:schemeClr val="lt1"/>
+          </a:fontRef>
+        </p:style>
+        <p:txBody>
+          <a:bodyPr rtlCol="0" anchor="ctr"/>
+          <a:lstStyle/>
+          <a:p>
+            <a:pPr algn="ctr"/>
+            <a:endParaRPr lang="ko-KR" altLang="en-US"/>
+          </a:p>
+        </p:txBody>
+      </p:sp>
+      <p:sp>
+        <p:nvSpPr>
+          <p:cNvPr id="114" name="평행 사변형 113">
+            <a:extLst>
+              <a:ext uri="{FF2B5EF4-FFF2-40B4-BE49-F238E27FC236}">
+                <a16:creationId xmlns:a16="http://schemas.microsoft.com/office/drawing/2014/main" id="{E23C0ADB-2584-4E80-A26A-53852579FD95}"/>
+              </a:ext>
+            </a:extLst>
+          </p:cNvPr>
+          <p:cNvSpPr/>
+          <p:nvPr/>
+        </p:nvSpPr>
+        <p:spPr>
+          <a:xfrm rot="16200000" flipV="1">
+            <a:off x="4222970" y="4018412"/>
+            <a:ext cx="2112570" cy="708375"/>
+          </a:xfrm>
+          <a:prstGeom prst="parallelogram">
+            <a:avLst>
+              <a:gd name="adj" fmla="val 95374"/>
+            </a:avLst>
+          </a:prstGeom>
+          <a:solidFill>
+            <a:schemeClr val="bg1"/>
+          </a:solidFill>
+          <a:ln w="19050">
+            <a:solidFill>
+              <a:srgbClr val="000000"/>
+            </a:solidFill>
+          </a:ln>
+        </p:spPr>
+        <p:style>
+          <a:lnRef idx="2">
+            <a:schemeClr val="accent1">
+              <a:shade val="50000"/>
+            </a:schemeClr>
+          </a:lnRef>
+          <a:fillRef idx="1">
+            <a:schemeClr val="accent1"/>
+          </a:fillRef>
+          <a:effectRef idx="0">
+            <a:schemeClr val="accent1"/>
+          </a:effectRef>
+          <a:fontRef idx="minor">
+            <a:schemeClr val="lt1"/>
+          </a:fontRef>
+        </p:style>
+        <p:txBody>
+          <a:bodyPr rtlCol="0" anchor="ctr"/>
+          <a:lstStyle/>
+          <a:p>
+            <a:pPr algn="ctr"/>
+            <a:endParaRPr lang="ko-KR" altLang="en-US"/>
+          </a:p>
+        </p:txBody>
+      </p:sp>
+      <p:sp>
+        <p:nvSpPr>
+          <p:cNvPr id="115" name="평행 사변형 114">
+            <a:extLst>
+              <a:ext uri="{FF2B5EF4-FFF2-40B4-BE49-F238E27FC236}">
+                <a16:creationId xmlns:a16="http://schemas.microsoft.com/office/drawing/2014/main" id="{B6084F2B-730A-428C-A0AE-B73A02626CAF}"/>
+              </a:ext>
+            </a:extLst>
+          </p:cNvPr>
+          <p:cNvSpPr/>
+          <p:nvPr/>
+        </p:nvSpPr>
+        <p:spPr>
+          <a:xfrm rot="16200000" flipV="1">
+            <a:off x="4375370" y="4170812"/>
+            <a:ext cx="2112570" cy="708375"/>
+          </a:xfrm>
+          <a:prstGeom prst="parallelogram">
+            <a:avLst>
+              <a:gd name="adj" fmla="val 95374"/>
+            </a:avLst>
+          </a:prstGeom>
+          <a:solidFill>
+            <a:schemeClr val="bg1"/>
+          </a:solidFill>
+          <a:ln w="19050">
+            <a:solidFill>
+              <a:srgbClr val="000000"/>
+            </a:solidFill>
+          </a:ln>
+        </p:spPr>
+        <p:style>
+          <a:lnRef idx="2">
+            <a:schemeClr val="accent1">
+              <a:shade val="50000"/>
+            </a:schemeClr>
+          </a:lnRef>
+          <a:fillRef idx="1">
+            <a:schemeClr val="accent1"/>
+          </a:fillRef>
+          <a:effectRef idx="0">
+            <a:schemeClr val="accent1"/>
+          </a:effectRef>
+          <a:fontRef idx="minor">
+            <a:schemeClr val="lt1"/>
+          </a:fontRef>
+        </p:style>
+        <p:txBody>
+          <a:bodyPr rtlCol="0" anchor="ctr"/>
+          <a:lstStyle/>
+          <a:p>
+            <a:pPr algn="ctr"/>
+            <a:endParaRPr lang="ko-KR" altLang="en-US"/>
+          </a:p>
+        </p:txBody>
+      </p:sp>
+      <p:grpSp>
+        <p:nvGrpSpPr>
+          <p:cNvPr id="117" name="그룹 116">
+            <a:extLst>
+              <a:ext uri="{FF2B5EF4-FFF2-40B4-BE49-F238E27FC236}">
+                <a16:creationId xmlns:a16="http://schemas.microsoft.com/office/drawing/2014/main" id="{46393083-74ED-4B92-ADD7-29B9230A4C74}"/>
+              </a:ext>
+            </a:extLst>
+          </p:cNvPr>
+          <p:cNvGrpSpPr/>
+          <p:nvPr/>
+        </p:nvGrpSpPr>
+        <p:grpSpPr>
+          <a:xfrm>
+            <a:off x="7783199" y="3650241"/>
+            <a:ext cx="782763" cy="1815615"/>
+            <a:chOff x="8546777" y="3358970"/>
+            <a:chExt cx="782763" cy="1815615"/>
+          </a:xfrm>
+        </p:grpSpPr>
+        <p:sp>
+          <p:nvSpPr>
+            <p:cNvPr id="118" name="평행 사변형 117">
+              <a:extLst>
+                <a:ext uri="{FF2B5EF4-FFF2-40B4-BE49-F238E27FC236}">
+                  <a16:creationId xmlns:a16="http://schemas.microsoft.com/office/drawing/2014/main" id="{1A4E63C5-85AE-4F14-B039-1C0F12A94637}"/>
+                </a:ext>
+              </a:extLst>
+            </p:cNvPr>
+            <p:cNvSpPr/>
+            <p:nvPr/>
+          </p:nvSpPr>
+          <p:spPr>
+            <a:xfrm rot="16200000" flipV="1">
+              <a:off x="8030351" y="3875396"/>
+              <a:ext cx="1510815" cy="477963"/>
+            </a:xfrm>
+            <a:prstGeom prst="parallelogram">
+              <a:avLst>
+                <a:gd name="adj" fmla="val 95374"/>
+              </a:avLst>
+            </a:prstGeom>
+            <a:solidFill>
+              <a:schemeClr val="bg1"/>
+            </a:solidFill>
+            <a:ln w="19050">
+              <a:solidFill>
+                <a:srgbClr val="000000"/>
+              </a:solidFill>
+            </a:ln>
+          </p:spPr>
+          <p:style>
+            <a:lnRef idx="2">
+              <a:schemeClr val="accent1">
+                <a:shade val="50000"/>
+              </a:schemeClr>
+            </a:lnRef>
+            <a:fillRef idx="1">
+              <a:schemeClr val="accent1"/>
+            </a:fillRef>
+            <a:effectRef idx="0">
+              <a:schemeClr val="accent1"/>
+            </a:effectRef>
+            <a:fontRef idx="minor">
+              <a:schemeClr val="lt1"/>
+            </a:fontRef>
+          </p:style>
+          <p:txBody>
+            <a:bodyPr rtlCol="0" anchor="ctr"/>
+            <a:lstStyle/>
+            <a:p>
+              <a:pPr algn="ctr"/>
+              <a:endParaRPr lang="ko-KR" altLang="en-US"/>
+            </a:p>
+          </p:txBody>
+        </p:sp>
+        <p:sp>
+          <p:nvSpPr>
+            <p:cNvPr id="119" name="평행 사변형 118">
+              <a:extLst>
+                <a:ext uri="{FF2B5EF4-FFF2-40B4-BE49-F238E27FC236}">
+                  <a16:creationId xmlns:a16="http://schemas.microsoft.com/office/drawing/2014/main" id="{EBA14181-BF6A-423F-B674-FDE84DED93DD}"/>
+                </a:ext>
+              </a:extLst>
+            </p:cNvPr>
+            <p:cNvSpPr/>
+            <p:nvPr/>
+          </p:nvSpPr>
+          <p:spPr>
+            <a:xfrm rot="16200000" flipV="1">
+              <a:off x="8182751" y="4027796"/>
+              <a:ext cx="1510815" cy="477963"/>
+            </a:xfrm>
+            <a:prstGeom prst="parallelogram">
+              <a:avLst>
+                <a:gd name="adj" fmla="val 95374"/>
+              </a:avLst>
+            </a:prstGeom>
+            <a:solidFill>
+              <a:schemeClr val="bg1"/>
+            </a:solidFill>
+            <a:ln w="19050">
+              <a:solidFill>
+                <a:srgbClr val="000000"/>
+              </a:solidFill>
+            </a:ln>
+          </p:spPr>
+          <p:style>
+            <a:lnRef idx="2">
+              <a:schemeClr val="accent1">
+                <a:shade val="50000"/>
+              </a:schemeClr>
+            </a:lnRef>
+            <a:fillRef idx="1">
+              <a:schemeClr val="accent1"/>
+            </a:fillRef>
+            <a:effectRef idx="0">
+              <a:schemeClr val="accent1"/>
+            </a:effectRef>
+            <a:fontRef idx="minor">
+              <a:schemeClr val="lt1"/>
+            </a:fontRef>
+          </p:style>
+          <p:txBody>
+            <a:bodyPr rtlCol="0" anchor="ctr"/>
+            <a:lstStyle/>
+            <a:p>
+              <a:pPr algn="ctr"/>
+              <a:endParaRPr lang="ko-KR" altLang="en-US"/>
+            </a:p>
+          </p:txBody>
+        </p:sp>
+        <p:sp>
+          <p:nvSpPr>
+            <p:cNvPr id="120" name="평행 사변형 119">
+              <a:extLst>
+                <a:ext uri="{FF2B5EF4-FFF2-40B4-BE49-F238E27FC236}">
+                  <a16:creationId xmlns:a16="http://schemas.microsoft.com/office/drawing/2014/main" id="{0D59FE44-40BA-41FA-90A5-F83553B0D540}"/>
+                </a:ext>
+              </a:extLst>
+            </p:cNvPr>
+            <p:cNvSpPr/>
+            <p:nvPr/>
+          </p:nvSpPr>
+          <p:spPr>
+            <a:xfrm rot="16200000" flipV="1">
+              <a:off x="8335151" y="4180196"/>
+              <a:ext cx="1510815" cy="477963"/>
+            </a:xfrm>
+            <a:prstGeom prst="parallelogram">
+              <a:avLst>
+                <a:gd name="adj" fmla="val 95374"/>
+              </a:avLst>
+            </a:prstGeom>
+            <a:solidFill>
+              <a:schemeClr val="bg1"/>
+            </a:solidFill>
+            <a:ln w="19050">
+              <a:solidFill>
+                <a:srgbClr val="000000"/>
+              </a:solidFill>
+            </a:ln>
+          </p:spPr>
+          <p:style>
+            <a:lnRef idx="2">
+              <a:schemeClr val="accent1">
+                <a:shade val="50000"/>
+              </a:schemeClr>
+            </a:lnRef>
+            <a:fillRef idx="1">
+              <a:schemeClr val="accent1"/>
+            </a:fillRef>
+            <a:effectRef idx="0">
+              <a:schemeClr val="accent1"/>
+            </a:effectRef>
+            <a:fontRef idx="minor">
+              <a:schemeClr val="lt1"/>
+            </a:fontRef>
+          </p:style>
+          <p:txBody>
+            <a:bodyPr rtlCol="0" anchor="ctr"/>
+            <a:lstStyle/>
+            <a:p>
+              <a:pPr algn="ctr"/>
+              <a:endParaRPr lang="ko-KR" altLang="en-US"/>
+            </a:p>
+          </p:txBody>
+        </p:sp>
+      </p:grpSp>
+      <p:grpSp>
+        <p:nvGrpSpPr>
+          <p:cNvPr id="126" name="그룹 125"/>
+          <p:cNvGrpSpPr/>
+          <p:nvPr/>
+        </p:nvGrpSpPr>
+        <p:grpSpPr>
+          <a:xfrm>
+            <a:off x="6457254" y="2544204"/>
+            <a:ext cx="782763" cy="1815615"/>
+            <a:chOff x="6292397" y="2537632"/>
+            <a:chExt cx="782763" cy="1815615"/>
+          </a:xfrm>
+        </p:grpSpPr>
+        <p:sp>
+          <p:nvSpPr>
+            <p:cNvPr id="116" name="평행 사변형 115">
+              <a:extLst>
+                <a:ext uri="{FF2B5EF4-FFF2-40B4-BE49-F238E27FC236}">
+                  <a16:creationId xmlns:a16="http://schemas.microsoft.com/office/drawing/2014/main" id="{163DBB0A-C445-4C30-B791-4FADBEFC16C8}"/>
+                </a:ext>
+              </a:extLst>
+            </p:cNvPr>
+            <p:cNvSpPr/>
+            <p:nvPr/>
+          </p:nvSpPr>
+          <p:spPr>
+            <a:xfrm rot="16200000" flipV="1">
+              <a:off x="5775971" y="3054058"/>
+              <a:ext cx="1510815" cy="477963"/>
+            </a:xfrm>
+            <a:prstGeom prst="parallelogram">
+              <a:avLst>
+                <a:gd name="adj" fmla="val 95374"/>
+              </a:avLst>
+            </a:prstGeom>
+            <a:solidFill>
+              <a:schemeClr val="bg1"/>
+            </a:solidFill>
+            <a:ln w="19050">
+              <a:solidFill>
+                <a:srgbClr val="000000"/>
+              </a:solidFill>
+            </a:ln>
+          </p:spPr>
+          <p:style>
+            <a:lnRef idx="2">
+              <a:schemeClr val="accent1">
+                <a:shade val="50000"/>
+              </a:schemeClr>
+            </a:lnRef>
+            <a:fillRef idx="1">
+              <a:schemeClr val="accent1"/>
+            </a:fillRef>
+            <a:effectRef idx="0">
+              <a:schemeClr val="accent1"/>
+            </a:effectRef>
+            <a:fontRef idx="minor">
+              <a:schemeClr val="lt1"/>
+            </a:fontRef>
+          </p:style>
+          <p:txBody>
+            <a:bodyPr rtlCol="0" anchor="ctr"/>
+            <a:lstStyle/>
+            <a:p>
+              <a:pPr algn="ctr"/>
+              <a:endParaRPr lang="ko-KR" altLang="en-US"/>
+            </a:p>
+          </p:txBody>
+        </p:sp>
+        <p:sp>
+          <p:nvSpPr>
+            <p:cNvPr id="121" name="평행 사변형 120">
+              <a:extLst>
+                <a:ext uri="{FF2B5EF4-FFF2-40B4-BE49-F238E27FC236}">
+                  <a16:creationId xmlns:a16="http://schemas.microsoft.com/office/drawing/2014/main" id="{9010345D-8BD1-4D91-93DE-CBCAA938C915}"/>
+                </a:ext>
+              </a:extLst>
+            </p:cNvPr>
+            <p:cNvSpPr/>
+            <p:nvPr/>
+          </p:nvSpPr>
+          <p:spPr>
+            <a:xfrm rot="16200000" flipV="1">
+              <a:off x="5928371" y="3206458"/>
+              <a:ext cx="1510815" cy="477963"/>
+            </a:xfrm>
+            <a:prstGeom prst="parallelogram">
+              <a:avLst>
+                <a:gd name="adj" fmla="val 95374"/>
+              </a:avLst>
+            </a:prstGeom>
+            <a:solidFill>
+              <a:schemeClr val="bg1"/>
+            </a:solidFill>
+            <a:ln w="19050">
+              <a:solidFill>
+                <a:srgbClr val="000000"/>
+              </a:solidFill>
+            </a:ln>
+          </p:spPr>
+          <p:style>
+            <a:lnRef idx="2">
+              <a:schemeClr val="accent1">
+                <a:shade val="50000"/>
+              </a:schemeClr>
+            </a:lnRef>
+            <a:fillRef idx="1">
+              <a:schemeClr val="accent1"/>
+            </a:fillRef>
+            <a:effectRef idx="0">
+              <a:schemeClr val="accent1"/>
+            </a:effectRef>
+            <a:fontRef idx="minor">
+              <a:schemeClr val="lt1"/>
+            </a:fontRef>
+          </p:style>
+          <p:txBody>
+            <a:bodyPr rtlCol="0" anchor="ctr"/>
+            <a:lstStyle/>
+            <a:p>
+              <a:pPr algn="ctr"/>
+              <a:endParaRPr lang="ko-KR" altLang="en-US"/>
+            </a:p>
+          </p:txBody>
+        </p:sp>
+        <p:sp>
+          <p:nvSpPr>
+            <p:cNvPr id="122" name="평행 사변형 121">
+              <a:extLst>
+                <a:ext uri="{FF2B5EF4-FFF2-40B4-BE49-F238E27FC236}">
+                  <a16:creationId xmlns:a16="http://schemas.microsoft.com/office/drawing/2014/main" id="{1683D6F2-3A9A-4407-9B9D-8F66D3D86086}"/>
+                </a:ext>
+              </a:extLst>
+            </p:cNvPr>
+            <p:cNvSpPr/>
+            <p:nvPr/>
+          </p:nvSpPr>
+          <p:spPr>
+            <a:xfrm rot="16200000" flipV="1">
+              <a:off x="6080771" y="3358858"/>
+              <a:ext cx="1510815" cy="477963"/>
+            </a:xfrm>
+            <a:prstGeom prst="parallelogram">
+              <a:avLst>
+                <a:gd name="adj" fmla="val 95374"/>
+              </a:avLst>
+            </a:prstGeom>
+            <a:solidFill>
+              <a:schemeClr val="bg1"/>
+            </a:solidFill>
+            <a:ln w="19050">
+              <a:solidFill>
+                <a:srgbClr val="000000"/>
+              </a:solidFill>
+            </a:ln>
+          </p:spPr>
+          <p:style>
+            <a:lnRef idx="2">
+              <a:schemeClr val="accent1">
+                <a:shade val="50000"/>
+              </a:schemeClr>
+            </a:lnRef>
+            <a:fillRef idx="1">
+              <a:schemeClr val="accent1"/>
+            </a:fillRef>
+            <a:effectRef idx="0">
+              <a:schemeClr val="accent1"/>
+            </a:effectRef>
+            <a:fontRef idx="minor">
+              <a:schemeClr val="lt1"/>
+            </a:fontRef>
+          </p:style>
+          <p:txBody>
+            <a:bodyPr rtlCol="0" anchor="ctr"/>
+            <a:lstStyle/>
+            <a:p>
+              <a:pPr algn="ctr"/>
+              <a:endParaRPr lang="ko-KR" altLang="en-US"/>
+            </a:p>
+          </p:txBody>
+        </p:sp>
+      </p:grpSp>
+      <p:cxnSp>
+        <p:nvCxnSpPr>
+          <p:cNvPr id="124" name="직선 화살표 연결선 123"/>
+          <p:cNvCxnSpPr/>
+          <p:nvPr/>
+        </p:nvCxnSpPr>
+        <p:spPr>
+          <a:xfrm>
+            <a:off x="6028841" y="4743434"/>
+            <a:ext cx="1584701" cy="20175"/>
+          </a:xfrm>
+          <a:prstGeom prst="straightConnector1">
+            <a:avLst/>
+          </a:prstGeom>
+          <a:ln w="28575">
+            <a:solidFill>
+              <a:schemeClr val="tx1"/>
+            </a:solidFill>
+            <a:tailEnd type="triangle"/>
+          </a:ln>
+        </p:spPr>
+        <p:style>
+          <a:lnRef idx="1">
+            <a:schemeClr val="dk1"/>
+          </a:lnRef>
+          <a:fillRef idx="0">
+            <a:schemeClr val="dk1"/>
+          </a:fillRef>
+          <a:effectRef idx="0">
+            <a:schemeClr val="dk1"/>
+          </a:effectRef>
+          <a:fontRef idx="minor">
+            <a:schemeClr val="tx1"/>
+          </a:fontRef>
+        </p:style>
+      </p:cxnSp>
+      <p:cxnSp>
+        <p:nvCxnSpPr>
+          <p:cNvPr id="127" name="직선 화살표 연결선 126"/>
+          <p:cNvCxnSpPr/>
+          <p:nvPr/>
+        </p:nvCxnSpPr>
+        <p:spPr>
+          <a:xfrm>
+            <a:off x="6028841" y="3704911"/>
+            <a:ext cx="311424" cy="0"/>
+          </a:xfrm>
+          <a:prstGeom prst="straightConnector1">
+            <a:avLst/>
+          </a:prstGeom>
+          <a:ln w="28575">
+            <a:solidFill>
+              <a:schemeClr val="tx1"/>
+            </a:solidFill>
+            <a:tailEnd type="triangle"/>
+          </a:ln>
+        </p:spPr>
+        <p:style>
+          <a:lnRef idx="1">
+            <a:schemeClr val="dk1"/>
+          </a:lnRef>
+          <a:fillRef idx="0">
+            <a:schemeClr val="dk1"/>
+          </a:fillRef>
+          <a:effectRef idx="0">
+            <a:schemeClr val="dk1"/>
+          </a:effectRef>
+          <a:fontRef idx="minor">
+            <a:schemeClr val="tx1"/>
+          </a:fontRef>
+        </p:style>
+      </p:cxnSp>
+      <p:cxnSp>
+        <p:nvCxnSpPr>
+          <p:cNvPr id="129" name="직선 화살표 연결선 128"/>
+          <p:cNvCxnSpPr/>
+          <p:nvPr/>
+        </p:nvCxnSpPr>
+        <p:spPr>
+          <a:xfrm>
+            <a:off x="7416470" y="3519052"/>
+            <a:ext cx="417110" cy="264124"/>
+          </a:xfrm>
+          <a:prstGeom prst="straightConnector1">
+            <a:avLst/>
+          </a:prstGeom>
+          <a:ln w="28575">
+            <a:solidFill>
+              <a:schemeClr val="tx1"/>
+            </a:solidFill>
+            <a:tailEnd type="triangle"/>
+          </a:ln>
+        </p:spPr>
+        <p:style>
+          <a:lnRef idx="1">
+            <a:schemeClr val="dk1"/>
+          </a:lnRef>
+          <a:fillRef idx="0">
+            <a:schemeClr val="dk1"/>
+          </a:fillRef>
+          <a:effectRef idx="0">
+            <a:schemeClr val="dk1"/>
+          </a:effectRef>
+          <a:fontRef idx="minor">
+            <a:schemeClr val="tx1"/>
+          </a:fontRef>
+        </p:style>
+      </p:cxnSp>
+      <p:sp>
+        <p:nvSpPr>
+          <p:cNvPr id="131" name="직사각형 130"/>
+          <p:cNvSpPr/>
+          <p:nvPr/>
+        </p:nvSpPr>
+        <p:spPr>
+          <a:xfrm>
+            <a:off x="1201119" y="2801319"/>
+            <a:ext cx="4777352" cy="3103535"/>
+          </a:xfrm>
+          <a:prstGeom prst="rect">
+            <a:avLst/>
+          </a:prstGeom>
+          <a:noFill/>
+        </p:spPr>
+        <p:style>
+          <a:lnRef idx="2">
+            <a:schemeClr val="accent2"/>
+          </a:lnRef>
+          <a:fillRef idx="1">
+            <a:schemeClr val="lt1"/>
+          </a:fillRef>
+          <a:effectRef idx="0">
+            <a:schemeClr val="accent2"/>
+          </a:effectRef>
+          <a:fontRef idx="minor">
+            <a:schemeClr val="dk1"/>
+          </a:fontRef>
+        </p:style>
+        <p:txBody>
+          <a:bodyPr rtlCol="0" anchor="ctr"/>
+          <a:lstStyle/>
+          <a:p>
+            <a:pPr algn="ctr"/>
+            <a:endParaRPr lang="ko-KR" altLang="en-US"/>
+          </a:p>
+        </p:txBody>
+      </p:sp>
+      <p:cxnSp>
+        <p:nvCxnSpPr>
+          <p:cNvPr id="133" name="직선 화살표 연결선 132"/>
+          <p:cNvCxnSpPr/>
+          <p:nvPr/>
+        </p:nvCxnSpPr>
+        <p:spPr>
+          <a:xfrm>
+            <a:off x="677334" y="3468714"/>
+            <a:ext cx="775632" cy="0"/>
+          </a:xfrm>
+          <a:prstGeom prst="straightConnector1">
+            <a:avLst/>
+          </a:prstGeom>
+          <a:ln w="19050">
+            <a:tailEnd type="triangle"/>
+          </a:ln>
+        </p:spPr>
+        <p:style>
+          <a:lnRef idx="1">
+            <a:schemeClr val="dk1"/>
+          </a:lnRef>
+          <a:fillRef idx="0">
+            <a:schemeClr val="dk1"/>
+          </a:fillRef>
+          <a:effectRef idx="0">
+            <a:schemeClr val="dk1"/>
+          </a:effectRef>
+          <a:fontRef idx="minor">
+            <a:schemeClr val="tx1"/>
+          </a:fontRef>
+        </p:style>
+      </p:cxnSp>
+      <p:sp>
+        <p:nvSpPr>
+          <p:cNvPr id="134" name="TextBox 133"/>
+          <p:cNvSpPr txBox="1"/>
+          <p:nvPr/>
+        </p:nvSpPr>
+        <p:spPr>
+          <a:xfrm>
+            <a:off x="91687" y="3473530"/>
+            <a:ext cx="1165365" cy="584775"/>
+          </a:xfrm>
+          <a:prstGeom prst="rect">
+            <a:avLst/>
+          </a:prstGeom>
+          <a:noFill/>
+        </p:spPr>
+        <p:txBody>
+          <a:bodyPr wrap="square" rtlCol="0">
+            <a:spAutoFit/>
+          </a:bodyPr>
+          <a:lstStyle/>
+          <a:p>
+            <a:r>
+              <a:rPr lang="en-US" altLang="ko-KR" sz="1600" dirty="0" smtClean="0"/>
+              <a:t>Road Info</a:t>
+            </a:r>
+            <a:br>
+              <a:rPr lang="en-US" altLang="ko-KR" sz="1600" dirty="0" smtClean="0"/>
+            </a:br>
+            <a:r>
+              <a:rPr lang="en-US" altLang="ko-KR" sz="1600" dirty="0" smtClean="0"/>
+              <a:t>from Traci</a:t>
+            </a:r>
+            <a:endParaRPr lang="ko-KR" altLang="en-US" sz="1600" dirty="0"/>
+          </a:p>
+        </p:txBody>
+      </p:sp>
+      <p:cxnSp>
+        <p:nvCxnSpPr>
+          <p:cNvPr id="136" name="직선 화살표 연결선 135"/>
+          <p:cNvCxnSpPr>
+            <a:endCxn id="6" idx="5"/>
+          </p:cNvCxnSpPr>
+          <p:nvPr/>
+        </p:nvCxnSpPr>
+        <p:spPr>
+          <a:xfrm flipH="1">
+            <a:off x="1714810" y="2989558"/>
+            <a:ext cx="615776" cy="366657"/>
+          </a:xfrm>
+          <a:prstGeom prst="straightConnector1">
+            <a:avLst/>
+          </a:prstGeom>
+          <a:ln w="19050">
+            <a:tailEnd type="triangle"/>
+          </a:ln>
+        </p:spPr>
+        <p:style>
+          <a:lnRef idx="1">
+            <a:schemeClr val="dk1"/>
+          </a:lnRef>
+          <a:fillRef idx="0">
+            <a:schemeClr val="dk1"/>
+          </a:fillRef>
+          <a:effectRef idx="0">
+            <a:schemeClr val="dk1"/>
+          </a:effectRef>
+          <a:fontRef idx="minor">
+            <a:schemeClr val="tx1"/>
+          </a:fontRef>
+        </p:style>
+      </p:cxnSp>
+      <p:cxnSp>
+        <p:nvCxnSpPr>
+          <p:cNvPr id="138" name="직선 화살표 연결선 137"/>
+          <p:cNvCxnSpPr>
+            <a:endCxn id="5" idx="5"/>
+          </p:cNvCxnSpPr>
+          <p:nvPr/>
+        </p:nvCxnSpPr>
+        <p:spPr>
+          <a:xfrm flipH="1">
+            <a:off x="1714810" y="3238304"/>
+            <a:ext cx="604201" cy="248011"/>
+          </a:xfrm>
+          <a:prstGeom prst="straightConnector1">
+            <a:avLst/>
+          </a:prstGeom>
+          <a:ln w="19050">
+            <a:tailEnd type="triangle"/>
+          </a:ln>
+        </p:spPr>
+        <p:style>
+          <a:lnRef idx="1">
+            <a:schemeClr val="dk1"/>
+          </a:lnRef>
+          <a:fillRef idx="0">
+            <a:schemeClr val="dk1"/>
+          </a:fillRef>
+          <a:effectRef idx="0">
+            <a:schemeClr val="dk1"/>
+          </a:effectRef>
+          <a:fontRef idx="minor">
+            <a:schemeClr val="tx1"/>
+          </a:fontRef>
+        </p:style>
+      </p:cxnSp>
+      <p:sp>
+        <p:nvSpPr>
+          <p:cNvPr id="141" name="TextBox 140"/>
+          <p:cNvSpPr txBox="1"/>
+          <p:nvPr/>
+        </p:nvSpPr>
+        <p:spPr>
+          <a:xfrm>
+            <a:off x="2297982" y="2820356"/>
+            <a:ext cx="1165365" cy="584775"/>
+          </a:xfrm>
+          <a:prstGeom prst="rect">
+            <a:avLst/>
+          </a:prstGeom>
+          <a:noFill/>
+        </p:spPr>
+        <p:txBody>
+          <a:bodyPr wrap="square" rtlCol="0">
+            <a:spAutoFit/>
+          </a:bodyPr>
+          <a:lstStyle/>
+          <a:p>
+            <a:r>
+              <a:rPr lang="en-US" altLang="ko-KR" sz="1600" dirty="0" smtClean="0"/>
+              <a:t>Left</a:t>
+            </a:r>
+            <a:br>
+              <a:rPr lang="en-US" altLang="ko-KR" sz="1600" dirty="0" smtClean="0"/>
+            </a:br>
+            <a:r>
+              <a:rPr lang="en-US" altLang="ko-KR" sz="1600" dirty="0" smtClean="0"/>
+              <a:t>Straight</a:t>
+            </a:r>
+            <a:endParaRPr lang="ko-KR" altLang="en-US" sz="1600" dirty="0"/>
+          </a:p>
+        </p:txBody>
+      </p:sp>
+      <p:cxnSp>
+        <p:nvCxnSpPr>
+          <p:cNvPr id="143" name="직선 화살표 연결선 142"/>
+          <p:cNvCxnSpPr/>
+          <p:nvPr/>
+        </p:nvCxnSpPr>
+        <p:spPr>
+          <a:xfrm flipV="1">
+            <a:off x="1616155" y="5642876"/>
+            <a:ext cx="2305" cy="665596"/>
+          </a:xfrm>
+          <a:prstGeom prst="straightConnector1">
+            <a:avLst/>
+          </a:prstGeom>
+          <a:ln w="28575">
+            <a:tailEnd type="triangle"/>
+          </a:ln>
+        </p:spPr>
+        <p:style>
+          <a:lnRef idx="1">
+            <a:schemeClr val="accent3"/>
+          </a:lnRef>
+          <a:fillRef idx="0">
+            <a:schemeClr val="accent3"/>
+          </a:fillRef>
+          <a:effectRef idx="0">
+            <a:schemeClr val="accent3"/>
+          </a:effectRef>
+          <a:fontRef idx="minor">
+            <a:schemeClr val="tx1"/>
+          </a:fontRef>
+        </p:style>
+      </p:cxnSp>
+      <p:sp>
+        <p:nvSpPr>
+          <p:cNvPr id="147" name="TextBox 146"/>
+          <p:cNvSpPr txBox="1"/>
+          <p:nvPr/>
+        </p:nvSpPr>
+        <p:spPr>
+          <a:xfrm>
+            <a:off x="771041" y="6311607"/>
+            <a:ext cx="1638434" cy="338554"/>
+          </a:xfrm>
+          <a:prstGeom prst="rect">
+            <a:avLst/>
+          </a:prstGeom>
+          <a:noFill/>
+        </p:spPr>
+        <p:txBody>
+          <a:bodyPr wrap="square" rtlCol="0">
+            <a:spAutoFit/>
+          </a:bodyPr>
+          <a:lstStyle/>
+          <a:p>
+            <a:pPr algn="ctr"/>
+            <a:r>
+              <a:rPr lang="en-US" altLang="ko-KR" sz="1600" dirty="0" smtClean="0">
+                <a:solidFill>
+                  <a:srgbClr val="92D050"/>
+                </a:solidFill>
+              </a:rPr>
+              <a:t>Inflow Demand</a:t>
+            </a:r>
+            <a:endParaRPr lang="ko-KR" altLang="en-US" sz="1600" dirty="0">
+              <a:solidFill>
+                <a:srgbClr val="92D050"/>
+              </a:solidFill>
+            </a:endParaRPr>
+          </a:p>
+        </p:txBody>
+      </p:sp>
+      <p:cxnSp>
+        <p:nvCxnSpPr>
+          <p:cNvPr id="148" name="직선 화살표 연결선 147"/>
+          <p:cNvCxnSpPr/>
+          <p:nvPr/>
+        </p:nvCxnSpPr>
+        <p:spPr>
+          <a:xfrm flipV="1">
+            <a:off x="3542927" y="5629137"/>
+            <a:ext cx="2305" cy="665596"/>
+          </a:xfrm>
+          <a:prstGeom prst="straightConnector1">
+            <a:avLst/>
+          </a:prstGeom>
+          <a:ln w="28575">
+            <a:tailEnd type="triangle"/>
+          </a:ln>
+        </p:spPr>
+        <p:style>
+          <a:lnRef idx="1">
+            <a:schemeClr val="accent3"/>
+          </a:lnRef>
+          <a:fillRef idx="0">
+            <a:schemeClr val="accent3"/>
+          </a:fillRef>
+          <a:effectRef idx="0">
+            <a:schemeClr val="accent3"/>
+          </a:effectRef>
+          <a:fontRef idx="minor">
+            <a:schemeClr val="tx1"/>
+          </a:fontRef>
+        </p:style>
+      </p:cxnSp>
+      <p:sp>
+        <p:nvSpPr>
+          <p:cNvPr id="150" name="TextBox 149"/>
+          <p:cNvSpPr txBox="1"/>
+          <p:nvPr/>
+        </p:nvSpPr>
+        <p:spPr>
+          <a:xfrm>
+            <a:off x="1930201" y="4641681"/>
+            <a:ext cx="1331728" cy="400110"/>
+          </a:xfrm>
+          <a:prstGeom prst="rect">
+            <a:avLst/>
+          </a:prstGeom>
+          <a:noFill/>
+        </p:spPr>
+        <p:txBody>
+          <a:bodyPr wrap="square" rtlCol="0">
+            <a:spAutoFit/>
+          </a:bodyPr>
+          <a:lstStyle/>
+          <a:p>
+            <a:pPr algn="ctr"/>
+            <a:r>
+              <a:rPr lang="en-US" altLang="ko-KR" sz="1000" dirty="0" smtClean="0"/>
+              <a:t>Intersection </a:t>
+            </a:r>
+            <a:br>
+              <a:rPr lang="en-US" altLang="ko-KR" sz="1000" dirty="0" smtClean="0"/>
+            </a:br>
+            <a:r>
+              <a:rPr lang="en-US" altLang="ko-KR" sz="1000" dirty="0" smtClean="0"/>
+              <a:t>Traffic Demand</a:t>
+            </a:r>
+            <a:endParaRPr lang="ko-KR" altLang="en-US" sz="1000" dirty="0"/>
+          </a:p>
+        </p:txBody>
+      </p:sp>
+      <p:sp>
+        <p:nvSpPr>
+          <p:cNvPr id="151" name="TextBox 150"/>
+          <p:cNvSpPr txBox="1"/>
+          <p:nvPr/>
+        </p:nvSpPr>
+        <p:spPr>
+          <a:xfrm>
+            <a:off x="2723710" y="6262307"/>
+            <a:ext cx="1638434" cy="584775"/>
+          </a:xfrm>
+          <a:prstGeom prst="rect">
+            <a:avLst/>
+          </a:prstGeom>
+          <a:noFill/>
+        </p:spPr>
+        <p:txBody>
+          <a:bodyPr wrap="square" rtlCol="0">
+            <a:spAutoFit/>
+          </a:bodyPr>
+          <a:lstStyle/>
+          <a:p>
+            <a:pPr algn="ctr"/>
+            <a:r>
+              <a:rPr lang="en-US" altLang="ko-KR" sz="1600" dirty="0" smtClean="0">
+                <a:solidFill>
+                  <a:srgbClr val="92D050"/>
+                </a:solidFill>
+              </a:rPr>
+              <a:t>Concatenated</a:t>
+            </a:r>
+          </a:p>
+          <a:p>
+            <a:pPr algn="ctr"/>
+            <a:r>
+              <a:rPr lang="en-US" altLang="ko-KR" sz="1600" dirty="0" smtClean="0">
+                <a:solidFill>
+                  <a:srgbClr val="92D050"/>
+                </a:solidFill>
+              </a:rPr>
+              <a:t>Traffic Demand</a:t>
+            </a:r>
+            <a:endParaRPr lang="ko-KR" altLang="en-US" sz="1600" dirty="0">
+              <a:solidFill>
+                <a:srgbClr val="92D050"/>
+              </a:solidFill>
+            </a:endParaRPr>
+          </a:p>
+        </p:txBody>
+      </p:sp>
+      <p:sp>
+        <p:nvSpPr>
+          <p:cNvPr id="152" name="TextBox 151"/>
+          <p:cNvSpPr txBox="1"/>
+          <p:nvPr/>
+        </p:nvSpPr>
+        <p:spPr>
+          <a:xfrm>
+            <a:off x="4460991" y="5603777"/>
+            <a:ext cx="1331728" cy="246221"/>
+          </a:xfrm>
+          <a:prstGeom prst="rect">
+            <a:avLst/>
+          </a:prstGeom>
+          <a:noFill/>
+        </p:spPr>
+        <p:txBody>
+          <a:bodyPr wrap="square" rtlCol="0">
+            <a:spAutoFit/>
+          </a:bodyPr>
+          <a:lstStyle/>
+          <a:p>
+            <a:pPr algn="ctr"/>
+            <a:r>
+              <a:rPr lang="en-US" altLang="ko-KR" sz="1000" dirty="0" smtClean="0"/>
+              <a:t>Super Q Network</a:t>
+            </a:r>
+            <a:endParaRPr lang="ko-KR" altLang="en-US" sz="1000" dirty="0"/>
           </a:p>
         </p:txBody>
       </p:sp>
     </p:spTree>
     <p:extLst>
       <p:ext uri="{BB962C8B-B14F-4D97-AF65-F5344CB8AC3E}">
-        <p14:creationId xmlns:p14="http://schemas.microsoft.com/office/powerpoint/2010/main" val="161680981"/>
+        <p14:creationId xmlns:p14="http://schemas.microsoft.com/office/powerpoint/2010/main" val="688793413"/>
       </p:ext>
     </p:extLst>
   </p:cSld>

--- a/Traffic Optimization Final Speech.pptx
+++ b/Traffic Optimization Final Speech.pptx
@@ -18,6 +18,8 @@
     <p:sldId id="265" r:id="rId12"/>
     <p:sldId id="269" r:id="rId13"/>
     <p:sldId id="268" r:id="rId14"/>
+    <p:sldId id="270" r:id="rId15"/>
+    <p:sldId id="271" r:id="rId16"/>
   </p:sldIdLst>
   <p:sldSz cx="12192000" cy="6858000"/>
   <p:notesSz cx="6858000" cy="9144000"/>
@@ -6348,7 +6350,7 @@
           <p:nvPr>
             <p:extLst>
               <p:ext uri="{D42A27DB-BD31-4B8C-83A1-F6EECF244321}">
-                <p14:modId xmlns:p14="http://schemas.microsoft.com/office/powerpoint/2010/main" val="3845283694"/>
+                <p14:modId xmlns:p14="http://schemas.microsoft.com/office/powerpoint/2010/main" val="1059439722"/>
               </p:ext>
             </p:extLst>
           </p:nvPr>
@@ -6488,7 +6490,7 @@
                       <a:pPr latinLnBrk="1"/>
                       <a:r>
                         <a:rPr lang="en-US" altLang="ko-KR" sz="1600" dirty="0" smtClean="0"/>
-                        <a:t>14.5s</a:t>
+                        <a:t>14.52</a:t>
                       </a:r>
                       <a:endParaRPr lang="ko-KR" altLang="en-US" sz="1600" dirty="0"/>
                     </a:p>
@@ -6540,7 +6542,7 @@
                       <a:pPr latinLnBrk="1"/>
                       <a:r>
                         <a:rPr lang="en-US" altLang="ko-KR" sz="1600" dirty="0" smtClean="0"/>
-                        <a:t>5.79m/s</a:t>
+                        <a:t>5.769m/s</a:t>
                       </a:r>
                       <a:endParaRPr lang="ko-KR" altLang="en-US" sz="1600" dirty="0"/>
                     </a:p>
@@ -6607,7 +6609,7 @@
                       <a:pPr latinLnBrk="1"/>
                       <a:r>
                         <a:rPr lang="en-US" altLang="ko-KR" sz="1600" dirty="0" smtClean="0"/>
-                        <a:t>534s/</a:t>
+                        <a:t>534.1s/</a:t>
                       </a:r>
                       <a:r>
                         <a:rPr lang="en-US" altLang="ko-KR" sz="1600" dirty="0" err="1" smtClean="0"/>
@@ -6667,7 +6669,7 @@
                       <a:pPr latinLnBrk="1"/>
                       <a:r>
                         <a:rPr lang="en-US" altLang="ko-KR" sz="1600" dirty="0" smtClean="0"/>
-                        <a:t>11022</a:t>
+                        <a:t>10863</a:t>
                       </a:r>
                       <a:endParaRPr lang="ko-KR" altLang="en-US" sz="1600" dirty="0"/>
                     </a:p>
@@ -7141,11 +7143,14 @@
               <a:rPr lang="en-US" altLang="ko-KR" dirty="0" smtClean="0">
                 <a:sym typeface="Wingdings" panose="05000000000000000000" pitchFamily="2" charset="2"/>
               </a:rPr>
-              <a:t>Learning Time: 6h 10m</a:t>
-            </a:r>
-          </a:p>
-          <a:p>
-            <a:pPr lvl="2"/>
+              <a:t>Learning Time: 6h </a:t>
+            </a:r>
+            <a:r>
+              <a:rPr lang="en-US" altLang="ko-KR" dirty="0" smtClean="0">
+                <a:sym typeface="Wingdings" panose="05000000000000000000" pitchFamily="2" charset="2"/>
+              </a:rPr>
+              <a:t>10m</a:t>
+            </a:r>
             <a:endParaRPr lang="en-US" altLang="ko-KR" dirty="0" smtClean="0"/>
           </a:p>
           <a:p>
@@ -12051,15 +12056,7 @@
           <a:p>
             <a:r>
               <a:rPr lang="en-US" altLang="ko-KR" sz="1600" dirty="0" smtClean="0"/>
-              <a:t>Vehicle</a:t>
-            </a:r>
-            <a:r>
-              <a:rPr lang="en-US" altLang="ko-KR" sz="1600" dirty="0" smtClean="0"/>
-              <a:t> </a:t>
-            </a:r>
-            <a:r>
-              <a:rPr lang="en-US" altLang="ko-KR" sz="1600" dirty="0" smtClean="0"/>
-              <a:t>Info</a:t>
+              <a:t>Vehicle Info</a:t>
             </a:r>
             <a:br>
               <a:rPr lang="en-US" altLang="ko-KR" sz="1600" dirty="0" smtClean="0"/>
@@ -12168,10 +12165,6 @@
               <a:rPr lang="en-US" altLang="ko-KR" sz="1400" dirty="0" smtClean="0"/>
               <a:t>Left Demand</a:t>
             </a:r>
-            <a:r>
-              <a:rPr lang="en-US" altLang="ko-KR" sz="1400" dirty="0" smtClean="0"/>
-              <a:t/>
-            </a:r>
             <a:br>
               <a:rPr lang="en-US" altLang="ko-KR" sz="1400" dirty="0" smtClean="0"/>
             </a:br>
@@ -12225,7 +12218,7 @@
         <p:spPr>
           <a:xfrm>
             <a:off x="771041" y="6311607"/>
-            <a:ext cx="1638434" cy="338554"/>
+            <a:ext cx="1638434" cy="523220"/>
           </a:xfrm>
           <a:prstGeom prst="rect">
             <a:avLst/>
@@ -12245,7 +12238,30 @@
                   <a:srgbClr val="92D050"/>
                 </a:solidFill>
               </a:rPr>
-              <a:t>Inflow Demand</a:t>
+              <a:t>Inflow </a:t>
+            </a:r>
+            <a:r>
+              <a:rPr lang="en-US" altLang="ko-KR" sz="1600" dirty="0" smtClean="0">
+                <a:solidFill>
+                  <a:srgbClr val="92D050"/>
+                </a:solidFill>
+              </a:rPr>
+              <a:t>Demand</a:t>
+            </a:r>
+            <a:br>
+              <a:rPr lang="en-US" altLang="ko-KR" sz="1600" dirty="0" smtClean="0">
+                <a:solidFill>
+                  <a:srgbClr val="92D050"/>
+                </a:solidFill>
+              </a:rPr>
+            </a:br>
+            <a:r>
+              <a:rPr lang="en-US" altLang="ko-KR" sz="1200" dirty="0" smtClean="0">
+                <a:solidFill>
+                  <a:srgbClr val="92D050"/>
+                </a:solidFill>
+              </a:rPr>
+              <a:t>(Zero Padded)</a:t>
             </a:r>
             <a:endParaRPr lang="ko-KR" altLang="en-US" sz="1600" dirty="0">
               <a:solidFill>
@@ -12996,15 +13012,7 @@
             <a:pPr algn="ctr"/>
             <a:r>
               <a:rPr lang="en-US" altLang="ko-KR" sz="1000" dirty="0" smtClean="0"/>
-              <a:t>Time </a:t>
-            </a:r>
-            <a:r>
-              <a:rPr lang="en-US" altLang="ko-KR" sz="1000" dirty="0" smtClean="0"/>
-              <a:t>Q </a:t>
-            </a:r>
-            <a:r>
-              <a:rPr lang="en-US" altLang="ko-KR" sz="1000" dirty="0" smtClean="0"/>
-              <a:t>Network</a:t>
+              <a:t>Time Q Network</a:t>
             </a:r>
             <a:endParaRPr lang="ko-KR" altLang="en-US" sz="1000" dirty="0"/>
           </a:p>
@@ -13039,15 +13047,7 @@
             </a:r>
             <a:r>
               <a:rPr lang="en-US" altLang="ko-KR" sz="1000" dirty="0" smtClean="0"/>
-              <a:t>ate</a:t>
-            </a:r>
-            <a:r>
-              <a:rPr lang="en-US" altLang="ko-KR" sz="1000" dirty="0" smtClean="0"/>
-              <a:t> </a:t>
-            </a:r>
-            <a:r>
-              <a:rPr lang="en-US" altLang="ko-KR" sz="1000" dirty="0" smtClean="0"/>
-              <a:t>Q Network</a:t>
+              <a:t>ate Q Network</a:t>
             </a:r>
             <a:endParaRPr lang="ko-KR" altLang="en-US" sz="1000" dirty="0"/>
           </a:p>
@@ -13300,15 +13300,7 @@
                   <a:srgbClr val="00B050"/>
                 </a:solidFill>
               </a:rPr>
-              <a:t>time</a:t>
-            </a:r>
-            <a:r>
-              <a:rPr lang="en-US" altLang="ko-KR" sz="1100" b="1" dirty="0" smtClean="0">
-                <a:solidFill>
-                  <a:srgbClr val="00B050"/>
-                </a:solidFill>
-              </a:rPr>
-              <a:t> action</a:t>
+              <a:t>time action</a:t>
             </a:r>
             <a:endParaRPr lang="ko-KR" altLang="en-US" sz="1100" b="1" dirty="0">
               <a:solidFill>
@@ -13332,7 +13324,7 @@
         </p:nvGrpSpPr>
         <p:grpSpPr>
           <a:xfrm>
-            <a:off x="3909004" y="3533431"/>
+            <a:off x="3928379" y="3533431"/>
             <a:ext cx="843882" cy="2112570"/>
             <a:chOff x="5666186" y="1797555"/>
             <a:chExt cx="843882" cy="2112570"/>
@@ -13987,7 +13979,7 @@
         <p:spPr>
           <a:xfrm>
             <a:off x="3606913" y="5663759"/>
-            <a:ext cx="1413942" cy="461665"/>
+            <a:ext cx="1467082" cy="461665"/>
           </a:xfrm>
           <a:prstGeom prst="rect">
             <a:avLst/>
@@ -14002,8 +13994,13 @@
           <a:p>
             <a:r>
               <a:rPr lang="en-US" altLang="ko-KR" sz="1200" dirty="0" smtClean="0"/>
-              <a:t>8 Activation Map/</a:t>
-            </a:r>
+              <a:t>8 Activation </a:t>
+            </a:r>
+            <a:r>
+              <a:rPr lang="en-US" altLang="ko-KR" sz="1200" dirty="0" smtClean="0"/>
+              <a:t>Maps/</a:t>
+            </a:r>
+            <a:endParaRPr lang="en-US" altLang="ko-KR" sz="1200" dirty="0" smtClean="0"/>
           </a:p>
           <a:p>
             <a:r>
@@ -14192,7 +14189,7 @@
         <p:spPr>
           <a:xfrm>
             <a:off x="677334" y="2160589"/>
-            <a:ext cx="4309246" cy="3880773"/>
+            <a:ext cx="4483602" cy="3880773"/>
           </a:xfrm>
         </p:spPr>
         <p:txBody>
@@ -14204,14 +14201,23 @@
               <a:t>CNN </a:t>
             </a:r>
             <a:r>
-              <a:rPr lang="en-US" altLang="ko-KR" dirty="0"/>
-              <a:t>M</a:t>
-            </a:r>
-            <a:r>
               <a:rPr lang="en-US" altLang="ko-KR" dirty="0" smtClean="0"/>
-              <a:t>odel</a:t>
-            </a:r>
-            <a:endParaRPr lang="ko-KR" altLang="en-US" dirty="0"/>
+              <a:t>Model</a:t>
+            </a:r>
+          </a:p>
+          <a:p>
+            <a:pPr lvl="1"/>
+            <a:r>
+              <a:rPr lang="en-US" altLang="ko-KR" sz="1400" dirty="0" smtClean="0"/>
+              <a:t>8 feature </a:t>
+            </a:r>
+            <a:r>
+              <a:rPr lang="en-US" altLang="ko-KR" sz="1400" dirty="0" smtClean="0">
+                <a:sym typeface="Wingdings" panose="05000000000000000000" pitchFamily="2" charset="2"/>
+              </a:rPr>
+              <a:t> Checking demand change</a:t>
+            </a:r>
+            <a:endParaRPr lang="ko-KR" altLang="en-US" sz="1400" dirty="0"/>
           </a:p>
         </p:txBody>
       </p:sp>
@@ -14490,9 +14496,26 @@
           <a:p>
             <a:r>
               <a:rPr lang="en-US" altLang="ko-KR" dirty="0" smtClean="0"/>
-              <a:t>CNN-reduced Model</a:t>
-            </a:r>
-            <a:endParaRPr lang="ko-KR" altLang="en-US" dirty="0"/>
+              <a:t>CNN-reduced </a:t>
+            </a:r>
+            <a:r>
+              <a:rPr lang="en-US" altLang="ko-KR" dirty="0" smtClean="0"/>
+              <a:t>Model</a:t>
+            </a:r>
+          </a:p>
+          <a:p>
+            <a:pPr lvl="1"/>
+            <a:r>
+              <a:rPr lang="en-US" altLang="ko-KR" sz="1400" dirty="0" smtClean="0"/>
+              <a:t>1 feature </a:t>
+            </a:r>
+            <a:r>
+              <a:rPr lang="en-US" altLang="ko-KR" sz="1400" dirty="0" smtClean="0">
+                <a:sym typeface="Wingdings" panose="05000000000000000000" pitchFamily="2" charset="2"/>
+              </a:rPr>
+              <a:t> Current traffic info</a:t>
+            </a:r>
+            <a:endParaRPr lang="ko-KR" altLang="en-US" sz="1400" dirty="0"/>
           </a:p>
         </p:txBody>
       </p:sp>
@@ -14529,14 +14552,14 @@
           <p:nvPr>
             <p:extLst>
               <p:ext uri="{D42A27DB-BD31-4B8C-83A1-F6EECF244321}">
-                <p14:modId xmlns:p14="http://schemas.microsoft.com/office/powerpoint/2010/main" val="1378401036"/>
+                <p14:modId xmlns:p14="http://schemas.microsoft.com/office/powerpoint/2010/main" val="290612101"/>
               </p:ext>
             </p:extLst>
           </p:nvPr>
         </p:nvGraphicFramePr>
         <p:xfrm>
-          <a:off x="781943" y="2641457"/>
-          <a:ext cx="7977514" cy="2118210"/>
+          <a:off x="781943" y="2983423"/>
+          <a:ext cx="8164454" cy="1990263"/>
         </p:xfrm>
         <a:graphic>
           <a:graphicData uri="http://schemas.openxmlformats.org/drawingml/2006/table">
@@ -14545,28 +14568,28 @@
                 <a:tableStyleId>{5C22544A-7EE6-4342-B048-85BDC9FD1C3A}</a:tableStyleId>
               </a:tblPr>
               <a:tblGrid>
-                <a:gridCol w="1574555">
+                <a:gridCol w="1611452">
                   <a:extLst>
                     <a:ext uri="{9D8B030D-6E8A-4147-A177-3AD203B41FA5}">
                       <a16:colId xmlns:a16="http://schemas.microsoft.com/office/drawing/2014/main" val="3455510951"/>
                     </a:ext>
                   </a:extLst>
                 </a:gridCol>
-                <a:gridCol w="1289478">
+                <a:gridCol w="1319695">
                   <a:extLst>
                     <a:ext uri="{9D8B030D-6E8A-4147-A177-3AD203B41FA5}">
                       <a16:colId xmlns:a16="http://schemas.microsoft.com/office/drawing/2014/main" val="718858861"/>
                     </a:ext>
                   </a:extLst>
                 </a:gridCol>
-                <a:gridCol w="2034153">
+                <a:gridCol w="2081820">
                   <a:extLst>
                     <a:ext uri="{9D8B030D-6E8A-4147-A177-3AD203B41FA5}">
                       <a16:colId xmlns:a16="http://schemas.microsoft.com/office/drawing/2014/main" val="3835679529"/>
                     </a:ext>
                   </a:extLst>
                 </a:gridCol>
-                <a:gridCol w="3079328">
+                <a:gridCol w="3151487">
                   <a:extLst>
                     <a:ext uri="{9D8B030D-6E8A-4147-A177-3AD203B41FA5}">
                       <a16:colId xmlns:a16="http://schemas.microsoft.com/office/drawing/2014/main" val="4264042593"/>
@@ -14574,7 +14597,7 @@
                   </a:extLst>
                 </a:gridCol>
               </a:tblGrid>
-              <a:tr h="401270">
+              <a:tr h="338301">
                 <a:tc>
                   <a:txBody>
                     <a:bodyPr/>
@@ -14582,14 +14605,14 @@
                     <a:p>
                       <a:pPr latinLnBrk="1"/>
                       <a:r>
-                        <a:rPr lang="en-US" altLang="ko-KR" sz="1600" dirty="0" err="1" smtClean="0"/>
+                        <a:rPr lang="en-US" altLang="ko-KR" sz="1300" dirty="0" err="1" smtClean="0"/>
                         <a:t>Avg</a:t>
                       </a:r>
                       <a:r>
-                        <a:rPr lang="en-US" altLang="ko-KR" sz="1600" baseline="0" dirty="0" smtClean="0"/>
+                        <a:rPr lang="en-US" altLang="ko-KR" sz="1300" baseline="0" dirty="0" smtClean="0"/>
                         <a:t> Value</a:t>
                       </a:r>
-                      <a:endParaRPr lang="ko-KR" altLang="en-US" sz="1600" dirty="0"/>
+                      <a:endParaRPr lang="ko-KR" altLang="en-US" sz="1300" dirty="0"/>
                     </a:p>
                   </a:txBody>
                   <a:tcPr/>
@@ -14601,10 +14624,10 @@
                     <a:p>
                       <a:pPr latinLnBrk="1"/>
                       <a:r>
-                        <a:rPr lang="en-US" altLang="ko-KR" sz="1600" dirty="0" smtClean="0"/>
+                        <a:rPr lang="en-US" altLang="ko-KR" sz="1300" dirty="0" smtClean="0"/>
                         <a:t>Simulation</a:t>
                       </a:r>
-                      <a:endParaRPr lang="ko-KR" altLang="en-US" sz="1600" dirty="0"/>
+                      <a:endParaRPr lang="ko-KR" altLang="en-US" sz="1300" dirty="0"/>
                     </a:p>
                   </a:txBody>
                   <a:tcPr/>
@@ -14616,10 +14639,10 @@
                     <a:p>
                       <a:pPr latinLnBrk="1"/>
                       <a:r>
-                        <a:rPr lang="en-US" altLang="ko-KR" sz="1600" dirty="0" smtClean="0"/>
+                        <a:rPr lang="en-US" altLang="ko-KR" sz="1300" dirty="0" smtClean="0"/>
                         <a:t>Decentralized-CNN</a:t>
                       </a:r>
-                      <a:endParaRPr lang="ko-KR" altLang="en-US" sz="1600" dirty="0"/>
+                      <a:endParaRPr lang="ko-KR" altLang="en-US" sz="1300" dirty="0"/>
                     </a:p>
                   </a:txBody>
                   <a:tcPr/>
@@ -14631,10 +14654,10 @@
                     <a:p>
                       <a:pPr latinLnBrk="1"/>
                       <a:r>
-                        <a:rPr lang="en-US" altLang="ko-KR" sz="1600" dirty="0" smtClean="0"/>
+                        <a:rPr lang="en-US" altLang="ko-KR" sz="1300" dirty="0" smtClean="0"/>
                         <a:t>Decentralized-CNN-reduced</a:t>
                       </a:r>
-                      <a:endParaRPr lang="ko-KR" altLang="en-US" sz="1600" dirty="0"/>
+                      <a:endParaRPr lang="ko-KR" altLang="en-US" sz="1300" dirty="0"/>
                     </a:p>
                   </a:txBody>
                   <a:tcPr/>
@@ -14645,7 +14668,7 @@
                   </a:ext>
                 </a:extLst>
               </a:tr>
-              <a:tr h="401270">
+              <a:tr h="411151">
                 <a:tc>
                   <a:txBody>
                     <a:bodyPr/>
@@ -14653,17 +14676,17 @@
                     <a:p>
                       <a:pPr latinLnBrk="1"/>
                       <a:r>
-                        <a:rPr lang="en-US" altLang="ko-KR" sz="1200" dirty="0" smtClean="0"/>
+                        <a:rPr lang="en-US" altLang="ko-KR" sz="1300" dirty="0" smtClean="0"/>
                         <a:t>Travel Time</a:t>
                       </a:r>
                     </a:p>
                     <a:p>
                       <a:pPr latinLnBrk="1"/>
                       <a:r>
-                        <a:rPr lang="en-US" altLang="ko-KR" sz="1200" dirty="0" smtClean="0"/>
+                        <a:rPr lang="en-US" altLang="ko-KR" sz="1300" dirty="0" smtClean="0"/>
                         <a:t>(per edge)</a:t>
                       </a:r>
-                      <a:endParaRPr lang="ko-KR" altLang="en-US" sz="1200" dirty="0"/>
+                      <a:endParaRPr lang="ko-KR" altLang="en-US" sz="1300" dirty="0"/>
                     </a:p>
                   </a:txBody>
                   <a:tcPr/>
@@ -14675,10 +14698,10 @@
                     <a:p>
                       <a:pPr latinLnBrk="1"/>
                       <a:r>
-                        <a:rPr lang="en-US" altLang="ko-KR" sz="1600" dirty="0" smtClean="0"/>
+                        <a:rPr lang="en-US" altLang="ko-KR" sz="1300" dirty="0" smtClean="0"/>
                         <a:t>13.82s</a:t>
                       </a:r>
-                      <a:endParaRPr lang="ko-KR" altLang="en-US" sz="1600" dirty="0"/>
+                      <a:endParaRPr lang="ko-KR" altLang="en-US" sz="1300" dirty="0"/>
                     </a:p>
                   </a:txBody>
                   <a:tcPr/>
@@ -14690,43 +14713,10 @@
                     <a:p>
                       <a:pPr latinLnBrk="1"/>
                       <a:r>
-                        <a:rPr lang="en-US" altLang="ko-KR" sz="1600" dirty="0" smtClean="0"/>
+                        <a:rPr lang="en-US" altLang="ko-KR" sz="1300" dirty="0" smtClean="0"/>
                         <a:t>14.5s</a:t>
                       </a:r>
-                      <a:endParaRPr lang="ko-KR" altLang="en-US" sz="1600" dirty="0"/>
-                    </a:p>
-                  </a:txBody>
-                  <a:tcPr/>
-                </a:tc>
-                <a:tc>
-                  <a:txBody>
-                    <a:bodyPr/>
-                    <a:lstStyle/>
-                    <a:p>
-                      <a:pPr latinLnBrk="1"/>
-                      <a:endParaRPr lang="ko-KR" altLang="en-US" sz="1600" dirty="0"/>
-                    </a:p>
-                  </a:txBody>
-                  <a:tcPr/>
-                </a:tc>
-                <a:extLst>
-                  <a:ext uri="{0D108BD9-81ED-4DB2-BD59-A6C34878D82A}">
-                    <a16:rowId xmlns:a16="http://schemas.microsoft.com/office/drawing/2014/main" val="3098175826"/>
-                  </a:ext>
-                </a:extLst>
-              </a:tr>
-              <a:tr h="401270">
-                <a:tc>
-                  <a:txBody>
-                    <a:bodyPr/>
-                    <a:lstStyle/>
-                    <a:p>
-                      <a:pPr latinLnBrk="1"/>
-                      <a:r>
-                        <a:rPr lang="en-US" altLang="ko-KR" sz="1200" dirty="0" smtClean="0"/>
-                        <a:t>Velocity</a:t>
-                      </a:r>
-                      <a:endParaRPr lang="ko-KR" altLang="en-US" sz="1200" dirty="0"/>
+                      <a:endParaRPr lang="ko-KR" altLang="en-US" sz="1300" dirty="0"/>
                     </a:p>
                   </a:txBody>
                   <a:tcPr/>
@@ -14738,10 +14728,32 @@
                     <a:p>
                       <a:pPr latinLnBrk="1"/>
                       <a:r>
-                        <a:rPr lang="en-US" altLang="ko-KR" sz="1600" dirty="0" smtClean="0"/>
-                        <a:t>5.93m/s</a:t>
+                        <a:rPr lang="en-US" altLang="ko-KR" sz="1300" dirty="0" smtClean="0"/>
+                        <a:t>14.4s</a:t>
                       </a:r>
-                      <a:endParaRPr lang="ko-KR" altLang="en-US" sz="1600" dirty="0"/>
+                      <a:endParaRPr lang="ko-KR" altLang="en-US" sz="1300" dirty="0"/>
+                    </a:p>
+                  </a:txBody>
+                  <a:tcPr/>
+                </a:tc>
+                <a:extLst>
+                  <a:ext uri="{0D108BD9-81ED-4DB2-BD59-A6C34878D82A}">
+                    <a16:rowId xmlns:a16="http://schemas.microsoft.com/office/drawing/2014/main" val="3098175826"/>
+                  </a:ext>
+                </a:extLst>
+              </a:tr>
+              <a:tr h="338301">
+                <a:tc>
+                  <a:txBody>
+                    <a:bodyPr/>
+                    <a:lstStyle/>
+                    <a:p>
+                      <a:pPr latinLnBrk="1"/>
+                      <a:r>
+                        <a:rPr lang="en-US" altLang="ko-KR" sz="1300" dirty="0" smtClean="0"/>
+                        <a:t>Velocity</a:t>
+                      </a:r>
+                      <a:endParaRPr lang="ko-KR" altLang="en-US" sz="1300" dirty="0"/>
                     </a:p>
                   </a:txBody>
                   <a:tcPr/>
@@ -14753,54 +14765,10 @@
                     <a:p>
                       <a:pPr latinLnBrk="1"/>
                       <a:r>
-                        <a:rPr lang="en-US" altLang="ko-KR" sz="1600" dirty="0" smtClean="0"/>
-                        <a:t>5.79m/s</a:t>
+                        <a:rPr lang="en-US" altLang="ko-KR" sz="1300" dirty="0" smtClean="0"/>
+                        <a:t>5.93m/s</a:t>
                       </a:r>
-                      <a:endParaRPr lang="ko-KR" altLang="en-US" sz="1600" dirty="0"/>
-                    </a:p>
-                  </a:txBody>
-                  <a:tcPr/>
-                </a:tc>
-                <a:tc>
-                  <a:txBody>
-                    <a:bodyPr/>
-                    <a:lstStyle/>
-                    <a:p>
-                      <a:pPr latinLnBrk="1"/>
-                      <a:endParaRPr lang="ko-KR" altLang="en-US" sz="1600" dirty="0"/>
-                    </a:p>
-                  </a:txBody>
-                  <a:tcPr/>
-                </a:tc>
-                <a:extLst>
-                  <a:ext uri="{0D108BD9-81ED-4DB2-BD59-A6C34878D82A}">
-                    <a16:rowId xmlns:a16="http://schemas.microsoft.com/office/drawing/2014/main" val="2603964071"/>
-                  </a:ext>
-                </a:extLst>
-              </a:tr>
-              <a:tr h="401270">
-                <a:tc>
-                  <a:txBody>
-                    <a:bodyPr/>
-                    <a:lstStyle/>
-                    <a:p>
-                      <a:pPr latinLnBrk="1"/>
-                      <a:r>
-                        <a:rPr lang="en-US" altLang="ko-KR" sz="1200" dirty="0" smtClean="0"/>
-                        <a:t>Waiting Time</a:t>
-                      </a:r>
-                      <a:br>
-                        <a:rPr lang="en-US" altLang="ko-KR" sz="1200" dirty="0" smtClean="0"/>
-                      </a:br>
-                      <a:r>
-                        <a:rPr lang="en-US" altLang="ko-KR" sz="1200" dirty="0" smtClean="0"/>
-                        <a:t>(whole</a:t>
-                      </a:r>
-                      <a:r>
-                        <a:rPr lang="en-US" altLang="ko-KR" sz="1200" baseline="0" dirty="0" smtClean="0"/>
-                        <a:t> trip)</a:t>
-                      </a:r>
-                      <a:endParaRPr lang="ko-KR" altLang="en-US" sz="1200" dirty="0"/>
+                      <a:endParaRPr lang="ko-KR" altLang="en-US" sz="1300" dirty="0"/>
                     </a:p>
                   </a:txBody>
                   <a:tcPr/>
@@ -14812,14 +14780,10 @@
                     <a:p>
                       <a:pPr latinLnBrk="1"/>
                       <a:r>
-                        <a:rPr lang="en-US" altLang="ko-KR" sz="1600" dirty="0" smtClean="0"/>
-                        <a:t>495.5s/</a:t>
+                        <a:rPr lang="en-US" altLang="ko-KR" sz="1300" dirty="0" smtClean="0"/>
+                        <a:t>5.79m/s</a:t>
                       </a:r>
-                      <a:r>
-                        <a:rPr lang="en-US" altLang="ko-KR" sz="1600" dirty="0" err="1" smtClean="0"/>
-                        <a:t>veh</a:t>
-                      </a:r>
-                      <a:endParaRPr lang="ko-KR" altLang="en-US" sz="1600" dirty="0"/>
+                      <a:endParaRPr lang="ko-KR" altLang="en-US" sz="1300" dirty="0"/>
                     </a:p>
                   </a:txBody>
                   <a:tcPr/>
@@ -14831,36 +14795,21 @@
                     <a:p>
                       <a:pPr latinLnBrk="1"/>
                       <a:r>
-                        <a:rPr lang="en-US" altLang="ko-KR" sz="1600" dirty="0" smtClean="0"/>
-                        <a:t>534s/</a:t>
+                        <a:rPr lang="en-US" altLang="ko-KR" sz="1300" dirty="0" smtClean="0"/>
+                        <a:t>5.80m/s</a:t>
                       </a:r>
-                      <a:r>
-                        <a:rPr lang="en-US" altLang="ko-KR" sz="1600" dirty="0" err="1" smtClean="0"/>
-                        <a:t>veh</a:t>
-                      </a:r>
-                      <a:endParaRPr lang="ko-KR" altLang="en-US" sz="1600" dirty="0"/>
-                    </a:p>
-                  </a:txBody>
-                  <a:tcPr/>
-                </a:tc>
-                <a:tc>
-                  <a:txBody>
-                    <a:bodyPr/>
-                    <a:lstStyle/>
-                    <a:p>
-                      <a:pPr latinLnBrk="1"/>
-                      <a:endParaRPr lang="ko-KR" altLang="en-US" sz="1600" dirty="0"/>
+                      <a:endParaRPr lang="ko-KR" altLang="en-US" sz="1300" dirty="0"/>
                     </a:p>
                   </a:txBody>
                   <a:tcPr/>
                 </a:tc>
                 <a:extLst>
                   <a:ext uri="{0D108BD9-81ED-4DB2-BD59-A6C34878D82A}">
-                    <a16:rowId xmlns:a16="http://schemas.microsoft.com/office/drawing/2014/main" val="1504317479"/>
+                    <a16:rowId xmlns:a16="http://schemas.microsoft.com/office/drawing/2014/main" val="2603964071"/>
                   </a:ext>
                 </a:extLst>
               </a:tr>
-              <a:tr h="401270">
+              <a:tr h="411151">
                 <a:tc>
                   <a:txBody>
                     <a:bodyPr/>
@@ -14868,14 +14817,21 @@
                     <a:p>
                       <a:pPr latinLnBrk="1"/>
                       <a:r>
-                        <a:rPr lang="en-US" altLang="ko-KR" sz="1200" dirty="0" smtClean="0"/>
-                        <a:t>Arrived </a:t>
+                        <a:rPr lang="en-US" altLang="ko-KR" sz="1300" dirty="0" smtClean="0"/>
+                        <a:t>Waiting Time</a:t>
+                      </a:r>
+                      <a:br>
+                        <a:rPr lang="en-US" altLang="ko-KR" sz="1300" dirty="0" smtClean="0"/>
+                      </a:br>
+                      <a:r>
+                        <a:rPr lang="en-US" altLang="ko-KR" sz="1300" dirty="0" smtClean="0"/>
+                        <a:t>(whole</a:t>
                       </a:r>
                       <a:r>
-                        <a:rPr lang="en-US" altLang="ko-KR" sz="1200" dirty="0" err="1" smtClean="0"/>
-                        <a:t>Num</a:t>
+                        <a:rPr lang="en-US" altLang="ko-KR" sz="1300" baseline="0" dirty="0" smtClean="0"/>
+                        <a:t> trip)</a:t>
                       </a:r>
-                      <a:endParaRPr lang="ko-KR" altLang="en-US" sz="1200" dirty="0"/>
+                      <a:endParaRPr lang="ko-KR" altLang="en-US" sz="1300" dirty="0"/>
                     </a:p>
                   </a:txBody>
                   <a:tcPr/>
@@ -14887,10 +14843,14 @@
                     <a:p>
                       <a:pPr latinLnBrk="1"/>
                       <a:r>
-                        <a:rPr lang="en-US" altLang="ko-KR" sz="1600" dirty="0" smtClean="0"/>
-                        <a:t>10951</a:t>
+                        <a:rPr lang="en-US" altLang="ko-KR" sz="1300" dirty="0" smtClean="0"/>
+                        <a:t>495.5s/</a:t>
                       </a:r>
-                      <a:endParaRPr lang="ko-KR" altLang="en-US" sz="1600" dirty="0"/>
+                      <a:r>
+                        <a:rPr lang="en-US" altLang="ko-KR" sz="1300" dirty="0" err="1" smtClean="0"/>
+                        <a:t>veh</a:t>
+                      </a:r>
+                      <a:endParaRPr lang="ko-KR" altLang="en-US" sz="1300" dirty="0"/>
                     </a:p>
                   </a:txBody>
                   <a:tcPr/>
@@ -14902,10 +14862,14 @@
                     <a:p>
                       <a:pPr latinLnBrk="1"/>
                       <a:r>
-                        <a:rPr lang="en-US" altLang="ko-KR" sz="1600" dirty="0" smtClean="0"/>
-                        <a:t>11022</a:t>
+                        <a:rPr lang="en-US" altLang="ko-KR" sz="1300" dirty="0" smtClean="0"/>
+                        <a:t>534s/</a:t>
                       </a:r>
-                      <a:endParaRPr lang="ko-KR" altLang="en-US" sz="1600" dirty="0"/>
+                      <a:r>
+                        <a:rPr lang="en-US" altLang="ko-KR" sz="1300" dirty="0" err="1" smtClean="0"/>
+                        <a:t>veh</a:t>
+                      </a:r>
+                      <a:endParaRPr lang="ko-KR" altLang="en-US" sz="1300" dirty="0"/>
                     </a:p>
                   </a:txBody>
                   <a:tcPr/>
@@ -14916,7 +14880,86 @@
                     <a:lstStyle/>
                     <a:p>
                       <a:pPr latinLnBrk="1"/>
-                      <a:endParaRPr lang="ko-KR" altLang="en-US" sz="1600" dirty="0"/>
+                      <a:r>
+                        <a:rPr lang="en-US" altLang="ko-KR" sz="1300" dirty="0" smtClean="0"/>
+                        <a:t>530s/</a:t>
+                      </a:r>
+                      <a:r>
+                        <a:rPr lang="en-US" altLang="ko-KR" sz="1300" dirty="0" err="1" smtClean="0"/>
+                        <a:t>veh</a:t>
+                      </a:r>
+                      <a:endParaRPr lang="ko-KR" altLang="en-US" sz="1300" dirty="0"/>
+                    </a:p>
+                  </a:txBody>
+                  <a:tcPr/>
+                </a:tc>
+                <a:extLst>
+                  <a:ext uri="{0D108BD9-81ED-4DB2-BD59-A6C34878D82A}">
+                    <a16:rowId xmlns:a16="http://schemas.microsoft.com/office/drawing/2014/main" val="1504317479"/>
+                  </a:ext>
+                </a:extLst>
+              </a:tr>
+              <a:tr h="338301">
+                <a:tc>
+                  <a:txBody>
+                    <a:bodyPr/>
+                    <a:lstStyle/>
+                    <a:p>
+                      <a:pPr latinLnBrk="1"/>
+                      <a:r>
+                        <a:rPr lang="en-US" altLang="ko-KR" sz="1300" dirty="0" smtClean="0"/>
+                        <a:t>Arrived </a:t>
+                      </a:r>
+                      <a:r>
+                        <a:rPr lang="en-US" altLang="ko-KR" sz="1300" dirty="0" err="1" smtClean="0"/>
+                        <a:t>Num</a:t>
+                      </a:r>
+                      <a:endParaRPr lang="ko-KR" altLang="en-US" sz="1300" dirty="0"/>
+                    </a:p>
+                  </a:txBody>
+                  <a:tcPr/>
+                </a:tc>
+                <a:tc>
+                  <a:txBody>
+                    <a:bodyPr/>
+                    <a:lstStyle/>
+                    <a:p>
+                      <a:pPr latinLnBrk="1"/>
+                      <a:r>
+                        <a:rPr lang="en-US" altLang="ko-KR" sz="1300" dirty="0" smtClean="0"/>
+                        <a:t>10951</a:t>
+                      </a:r>
+                      <a:endParaRPr lang="ko-KR" altLang="en-US" sz="1300" dirty="0"/>
+                    </a:p>
+                  </a:txBody>
+                  <a:tcPr/>
+                </a:tc>
+                <a:tc>
+                  <a:txBody>
+                    <a:bodyPr/>
+                    <a:lstStyle/>
+                    <a:p>
+                      <a:pPr latinLnBrk="1"/>
+                      <a:r>
+                        <a:rPr lang="en-US" altLang="ko-KR" sz="1300" dirty="0" smtClean="0"/>
+                        <a:t>11022</a:t>
+                      </a:r>
+                      <a:endParaRPr lang="ko-KR" altLang="en-US" sz="1300" dirty="0"/>
+                    </a:p>
+                  </a:txBody>
+                  <a:tcPr/>
+                </a:tc>
+                <a:tc>
+                  <a:txBody>
+                    <a:bodyPr/>
+                    <a:lstStyle/>
+                    <a:p>
+                      <a:pPr latinLnBrk="1"/>
+                      <a:r>
+                        <a:rPr lang="en-US" altLang="ko-KR" sz="1300" dirty="0" smtClean="0"/>
+                        <a:t>11024</a:t>
+                      </a:r>
+                      <a:endParaRPr lang="ko-KR" altLang="en-US" sz="1300" dirty="0"/>
                     </a:p>
                   </a:txBody>
                   <a:tcPr/>
@@ -14935,6 +14978,2111 @@
     <p:extLst>
       <p:ext uri="{BB962C8B-B14F-4D97-AF65-F5344CB8AC3E}">
         <p14:creationId xmlns:p14="http://schemas.microsoft.com/office/powerpoint/2010/main" val="2077551129"/>
+      </p:ext>
+    </p:extLst>
+  </p:cSld>
+  <p:clrMapOvr>
+    <a:masterClrMapping/>
+  </p:clrMapOvr>
+</p:sld>
+</file>
+
+<file path=ppt/slides/slide14.xml><?xml version="1.0" encoding="utf-8"?>
+<p:sld xmlns:a="http://schemas.openxmlformats.org/drawingml/2006/main" xmlns:r="http://schemas.openxmlformats.org/officeDocument/2006/relationships" xmlns:p="http://schemas.openxmlformats.org/presentationml/2006/main">
+  <p:cSld>
+    <p:spTree>
+      <p:nvGrpSpPr>
+        <p:cNvPr id="1" name=""/>
+        <p:cNvGrpSpPr/>
+        <p:nvPr/>
+      </p:nvGrpSpPr>
+      <p:grpSpPr>
+        <a:xfrm>
+          <a:off x="0" y="0"/>
+          <a:ext cx="0" cy="0"/>
+          <a:chOff x="0" y="0"/>
+          <a:chExt cx="0" cy="0"/>
+        </a:xfrm>
+      </p:grpSpPr>
+      <p:sp>
+        <p:nvSpPr>
+          <p:cNvPr id="2" name="제목 1"/>
+          <p:cNvSpPr>
+            <a:spLocks noGrp="1"/>
+          </p:cNvSpPr>
+          <p:nvPr>
+            <p:ph type="title"/>
+          </p:nvPr>
+        </p:nvSpPr>
+        <p:spPr/>
+        <p:txBody>
+          <a:bodyPr>
+            <a:normAutofit fontScale="90000"/>
+          </a:bodyPr>
+          <a:lstStyle/>
+          <a:p>
+            <a:r>
+              <a:rPr lang="en-US" altLang="ko-KR" dirty="0"/>
+              <a:t>Continuous Action Model with Practical </a:t>
+            </a:r>
+            <a:r>
+              <a:rPr lang="en-US" altLang="ko-KR" dirty="0" smtClean="0"/>
+              <a:t>Restraints</a:t>
+            </a:r>
+            <a:br>
+              <a:rPr lang="en-US" altLang="ko-KR" dirty="0" smtClean="0"/>
+            </a:br>
+            <a:endParaRPr lang="en-US" altLang="ko-KR" dirty="0"/>
+          </a:p>
+        </p:txBody>
+      </p:sp>
+      <mc:AlternateContent xmlns:mc="http://schemas.openxmlformats.org/markup-compatibility/2006">
+        <mc:Choice xmlns:a14="http://schemas.microsoft.com/office/drawing/2010/main" Requires="a14">
+          <p:sp>
+            <p:nvSpPr>
+              <p:cNvPr id="3" name="내용 개체 틀 2"/>
+              <p:cNvSpPr>
+                <a:spLocks noGrp="1"/>
+              </p:cNvSpPr>
+              <p:nvPr>
+                <p:ph idx="1"/>
+              </p:nvPr>
+            </p:nvSpPr>
+            <p:spPr/>
+            <p:txBody>
+              <a:bodyPr/>
+              <a:lstStyle/>
+              <a:p>
+                <a:r>
+                  <a:rPr lang="en-US" altLang="ko-KR" dirty="0" smtClean="0"/>
+                  <a:t> DDPG based Model</a:t>
+                </a:r>
+              </a:p>
+              <a:p>
+                <a:pPr lvl="1"/>
+                <a:r>
+                  <a:rPr lang="en-US" altLang="ko-KR" dirty="0" smtClean="0"/>
+                  <a:t>Current action space: Time, Rate </a:t>
+                </a:r>
+                <a:r>
+                  <a:rPr lang="en-US" altLang="ko-KR" dirty="0" smtClean="0">
+                    <a:sym typeface="Wingdings" panose="05000000000000000000" pitchFamily="2" charset="2"/>
+                  </a:rPr>
+                  <a:t> Phase length (for each phase)</a:t>
+                </a:r>
+              </a:p>
+              <a:p>
+                <a:pPr lvl="1"/>
+                <a:r>
+                  <a:rPr lang="en-US" altLang="ko-KR" dirty="0" smtClean="0">
+                    <a:sym typeface="Wingdings" panose="05000000000000000000" pitchFamily="2" charset="2"/>
+                  </a:rPr>
+                  <a:t>Splitting rest of time (Total TL period – sum of min durations for each phase)</a:t>
+                </a:r>
+              </a:p>
+              <a:p>
+                <a:pPr lvl="1"/>
+                <a:r>
+                  <a:rPr lang="en-US" altLang="ko-KR" dirty="0" smtClean="0">
+                    <a:sym typeface="Wingdings" panose="05000000000000000000" pitchFamily="2" charset="2"/>
+                  </a:rPr>
+                  <a:t>Phase distribution by the results of </a:t>
+                </a:r>
+                <a:r>
+                  <a:rPr lang="en-US" altLang="ko-KR" dirty="0" err="1" smtClean="0">
+                    <a:sym typeface="Wingdings" panose="05000000000000000000" pitchFamily="2" charset="2"/>
+                  </a:rPr>
+                  <a:t>softmax</a:t>
+                </a:r>
+                <a:r>
+                  <a:rPr lang="en-US" altLang="ko-KR" dirty="0" smtClean="0">
+                    <a:sym typeface="Wingdings" panose="05000000000000000000" pitchFamily="2" charset="2"/>
+                  </a:rPr>
+                  <a:t>(</a:t>
+                </a:r>
+                <a14:m>
+                  <m:oMath xmlns:m="http://schemas.openxmlformats.org/officeDocument/2006/math">
+                    <m:sSub>
+                      <m:sSubPr>
+                        <m:ctrlPr>
+                          <a:rPr lang="en-US" altLang="ko-KR" i="1" dirty="0" smtClean="0">
+                            <a:latin typeface="Cambria Math" panose="02040503050406030204" pitchFamily="18" charset="0"/>
+                            <a:sym typeface="Wingdings" panose="05000000000000000000" pitchFamily="2" charset="2"/>
+                          </a:rPr>
+                        </m:ctrlPr>
+                      </m:sSubPr>
+                      <m:e>
+                        <m:r>
+                          <a:rPr lang="en-US" altLang="ko-KR" i="1" dirty="0" smtClean="0">
+                            <a:latin typeface="Cambria Math" panose="02040503050406030204" pitchFamily="18" charset="0"/>
+                            <a:sym typeface="Wingdings" panose="05000000000000000000" pitchFamily="2" charset="2"/>
+                          </a:rPr>
+                          <m:t>𝑎</m:t>
+                        </m:r>
+                      </m:e>
+                      <m:sub>
+                        <m:r>
+                          <a:rPr lang="en-US" altLang="ko-KR" i="1" dirty="0" smtClean="0">
+                            <a:latin typeface="Cambria Math" panose="02040503050406030204" pitchFamily="18" charset="0"/>
+                            <a:sym typeface="Wingdings" panose="05000000000000000000" pitchFamily="2" charset="2"/>
+                          </a:rPr>
+                          <m:t>𝑖</m:t>
+                        </m:r>
+                      </m:sub>
+                    </m:sSub>
+                  </m:oMath>
+                </a14:m>
+                <a:r>
+                  <a:rPr lang="en-US" altLang="ko-KR" dirty="0" smtClean="0">
+                    <a:sym typeface="Wingdings" panose="05000000000000000000" pitchFamily="2" charset="2"/>
+                  </a:rPr>
+                  <a:t>)</a:t>
+                </a:r>
+                <a:endParaRPr lang="en-US" altLang="ko-KR" dirty="0">
+                  <a:sym typeface="Wingdings" panose="05000000000000000000" pitchFamily="2" charset="2"/>
+                </a:endParaRPr>
+              </a:p>
+              <a:p>
+                <a:pPr lvl="2"/>
+                <a:r>
+                  <a:rPr lang="en-US" altLang="ko-KR" dirty="0" smtClean="0">
+                    <a:sym typeface="Wingdings" panose="05000000000000000000" pitchFamily="2" charset="2"/>
+                  </a:rPr>
+                  <a:t>Sum of results by </a:t>
+                </a:r>
+                <a:r>
+                  <a:rPr lang="en-US" altLang="ko-KR" dirty="0" err="1" smtClean="0">
+                    <a:sym typeface="Wingdings" panose="05000000000000000000" pitchFamily="2" charset="2"/>
+                  </a:rPr>
+                  <a:t>softmax</a:t>
+                </a:r>
+                <a:r>
+                  <a:rPr lang="en-US" altLang="ko-KR" dirty="0" smtClean="0">
+                    <a:sym typeface="Wingdings" panose="05000000000000000000" pitchFamily="2" charset="2"/>
+                  </a:rPr>
+                  <a:t> function =1  Easy to distribute length of phase</a:t>
+                </a:r>
+              </a:p>
+              <a:p>
+                <a:endParaRPr lang="ko-KR" altLang="en-US" dirty="0"/>
+              </a:p>
+            </p:txBody>
+          </p:sp>
+        </mc:Choice>
+        <mc:Fallback>
+          <p:sp>
+            <p:nvSpPr>
+              <p:cNvPr id="3" name="내용 개체 틀 2"/>
+              <p:cNvSpPr>
+                <a:spLocks noGrp="1" noRot="1" noChangeAspect="1" noMove="1" noResize="1" noEditPoints="1" noAdjustHandles="1" noChangeArrowheads="1" noChangeShapeType="1" noTextEdit="1"/>
+              </p:cNvSpPr>
+              <p:nvPr>
+                <p:ph idx="1"/>
+              </p:nvPr>
+            </p:nvSpPr>
+            <p:spPr>
+              <a:blipFill>
+                <a:blip r:embed="rId2"/>
+                <a:stretch>
+                  <a:fillRect l="-142" t="-785"/>
+                </a:stretch>
+              </a:blipFill>
+            </p:spPr>
+            <p:txBody>
+              <a:bodyPr/>
+              <a:lstStyle/>
+              <a:p>
+                <a:r>
+                  <a:rPr lang="ko-KR" altLang="en-US">
+                    <a:noFill/>
+                  </a:rPr>
+                  <a:t> </a:t>
+                </a:r>
+              </a:p>
+            </p:txBody>
+          </p:sp>
+        </mc:Fallback>
+      </mc:AlternateContent>
+      <p:sp>
+        <p:nvSpPr>
+          <p:cNvPr id="6" name="직사각형 5"/>
+          <p:cNvSpPr/>
+          <p:nvPr/>
+        </p:nvSpPr>
+        <p:spPr>
+          <a:xfrm>
+            <a:off x="1255363" y="5281047"/>
+            <a:ext cx="216976" cy="941522"/>
+          </a:xfrm>
+          <a:prstGeom prst="rect">
+            <a:avLst/>
+          </a:prstGeom>
+        </p:spPr>
+        <p:style>
+          <a:lnRef idx="2">
+            <a:schemeClr val="accent5">
+              <a:shade val="50000"/>
+            </a:schemeClr>
+          </a:lnRef>
+          <a:fillRef idx="1">
+            <a:schemeClr val="accent5"/>
+          </a:fillRef>
+          <a:effectRef idx="0">
+            <a:schemeClr val="accent5"/>
+          </a:effectRef>
+          <a:fontRef idx="minor">
+            <a:schemeClr val="lt1"/>
+          </a:fontRef>
+        </p:style>
+        <p:txBody>
+          <a:bodyPr rtlCol="0" anchor="ctr"/>
+          <a:lstStyle/>
+          <a:p>
+            <a:pPr algn="ctr"/>
+            <a:endParaRPr lang="ko-KR" altLang="en-US"/>
+          </a:p>
+        </p:txBody>
+      </p:sp>
+      <p:sp>
+        <p:nvSpPr>
+          <p:cNvPr id="7" name="직사각형 6"/>
+          <p:cNvSpPr/>
+          <p:nvPr/>
+        </p:nvSpPr>
+        <p:spPr>
+          <a:xfrm>
+            <a:off x="1941880" y="5153186"/>
+            <a:ext cx="216976" cy="1069383"/>
+          </a:xfrm>
+          <a:prstGeom prst="rect">
+            <a:avLst/>
+          </a:prstGeom>
+        </p:spPr>
+        <p:style>
+          <a:lnRef idx="2">
+            <a:schemeClr val="accent5">
+              <a:shade val="50000"/>
+            </a:schemeClr>
+          </a:lnRef>
+          <a:fillRef idx="1">
+            <a:schemeClr val="accent5"/>
+          </a:fillRef>
+          <a:effectRef idx="0">
+            <a:schemeClr val="accent5"/>
+          </a:effectRef>
+          <a:fontRef idx="minor">
+            <a:schemeClr val="lt1"/>
+          </a:fontRef>
+        </p:style>
+        <p:txBody>
+          <a:bodyPr rtlCol="0" anchor="ctr"/>
+          <a:lstStyle/>
+          <a:p>
+            <a:pPr algn="ctr"/>
+            <a:endParaRPr lang="ko-KR" altLang="en-US"/>
+          </a:p>
+        </p:txBody>
+      </p:sp>
+      <p:sp>
+        <p:nvSpPr>
+          <p:cNvPr id="8" name="직사각형 7"/>
+          <p:cNvSpPr/>
+          <p:nvPr/>
+        </p:nvSpPr>
+        <p:spPr>
+          <a:xfrm>
+            <a:off x="1598621" y="5040824"/>
+            <a:ext cx="216976" cy="1181745"/>
+          </a:xfrm>
+          <a:prstGeom prst="rect">
+            <a:avLst/>
+          </a:prstGeom>
+        </p:spPr>
+        <p:style>
+          <a:lnRef idx="2">
+            <a:schemeClr val="accent5">
+              <a:shade val="50000"/>
+            </a:schemeClr>
+          </a:lnRef>
+          <a:fillRef idx="1">
+            <a:schemeClr val="accent5"/>
+          </a:fillRef>
+          <a:effectRef idx="0">
+            <a:schemeClr val="accent5"/>
+          </a:effectRef>
+          <a:fontRef idx="minor">
+            <a:schemeClr val="lt1"/>
+          </a:fontRef>
+        </p:style>
+        <p:txBody>
+          <a:bodyPr rtlCol="0" anchor="ctr"/>
+          <a:lstStyle/>
+          <a:p>
+            <a:pPr algn="ctr"/>
+            <a:endParaRPr lang="ko-KR" altLang="en-US"/>
+          </a:p>
+        </p:txBody>
+      </p:sp>
+      <p:sp>
+        <p:nvSpPr>
+          <p:cNvPr id="9" name="직사각형 8"/>
+          <p:cNvSpPr/>
+          <p:nvPr/>
+        </p:nvSpPr>
+        <p:spPr>
+          <a:xfrm>
+            <a:off x="2285139" y="5498024"/>
+            <a:ext cx="216976" cy="724545"/>
+          </a:xfrm>
+          <a:prstGeom prst="rect">
+            <a:avLst/>
+          </a:prstGeom>
+        </p:spPr>
+        <p:style>
+          <a:lnRef idx="2">
+            <a:schemeClr val="accent5">
+              <a:shade val="50000"/>
+            </a:schemeClr>
+          </a:lnRef>
+          <a:fillRef idx="1">
+            <a:schemeClr val="accent5"/>
+          </a:fillRef>
+          <a:effectRef idx="0">
+            <a:schemeClr val="accent5"/>
+          </a:effectRef>
+          <a:fontRef idx="minor">
+            <a:schemeClr val="lt1"/>
+          </a:fontRef>
+        </p:style>
+        <p:txBody>
+          <a:bodyPr rtlCol="0" anchor="ctr"/>
+          <a:lstStyle/>
+          <a:p>
+            <a:pPr algn="ctr"/>
+            <a:endParaRPr lang="ko-KR" altLang="en-US"/>
+          </a:p>
+        </p:txBody>
+      </p:sp>
+      <p:sp>
+        <p:nvSpPr>
+          <p:cNvPr id="10" name="TextBox 9"/>
+          <p:cNvSpPr txBox="1"/>
+          <p:nvPr/>
+        </p:nvSpPr>
+        <p:spPr>
+          <a:xfrm>
+            <a:off x="1255363" y="5560017"/>
+            <a:ext cx="1246752" cy="307777"/>
+          </a:xfrm>
+          <a:prstGeom prst="rect">
+            <a:avLst/>
+          </a:prstGeom>
+          <a:noFill/>
+        </p:spPr>
+        <p:txBody>
+          <a:bodyPr wrap="square" rtlCol="0">
+            <a:spAutoFit/>
+          </a:bodyPr>
+          <a:lstStyle/>
+          <a:p>
+            <a:pPr algn="ctr"/>
+            <a:r>
+              <a:rPr lang="en-US" altLang="ko-KR" sz="1400" dirty="0" smtClean="0"/>
+              <a:t>Min Duration</a:t>
+            </a:r>
+            <a:endParaRPr lang="ko-KR" altLang="en-US" sz="1400" dirty="0"/>
+          </a:p>
+        </p:txBody>
+      </p:sp>
+      <p:sp>
+        <p:nvSpPr>
+          <p:cNvPr id="11" name="직사각형 10"/>
+          <p:cNvSpPr/>
+          <p:nvPr/>
+        </p:nvSpPr>
+        <p:spPr>
+          <a:xfrm>
+            <a:off x="1255363" y="5002078"/>
+            <a:ext cx="216976" cy="278969"/>
+          </a:xfrm>
+          <a:prstGeom prst="rect">
+            <a:avLst/>
+          </a:prstGeom>
+        </p:spPr>
+        <p:style>
+          <a:lnRef idx="2">
+            <a:schemeClr val="accent1">
+              <a:shade val="50000"/>
+            </a:schemeClr>
+          </a:lnRef>
+          <a:fillRef idx="1">
+            <a:schemeClr val="accent1"/>
+          </a:fillRef>
+          <a:effectRef idx="0">
+            <a:schemeClr val="accent1"/>
+          </a:effectRef>
+          <a:fontRef idx="minor">
+            <a:schemeClr val="lt1"/>
+          </a:fontRef>
+        </p:style>
+        <p:txBody>
+          <a:bodyPr rtlCol="0" anchor="ctr"/>
+          <a:lstStyle/>
+          <a:p>
+            <a:pPr algn="ctr"/>
+            <a:endParaRPr lang="ko-KR" altLang="en-US"/>
+          </a:p>
+        </p:txBody>
+      </p:sp>
+      <p:sp>
+        <p:nvSpPr>
+          <p:cNvPr id="12" name="직사각형 11"/>
+          <p:cNvSpPr/>
+          <p:nvPr/>
+        </p:nvSpPr>
+        <p:spPr>
+          <a:xfrm>
+            <a:off x="1598621" y="4552627"/>
+            <a:ext cx="216976" cy="488197"/>
+          </a:xfrm>
+          <a:prstGeom prst="rect">
+            <a:avLst/>
+          </a:prstGeom>
+        </p:spPr>
+        <p:style>
+          <a:lnRef idx="2">
+            <a:schemeClr val="accent1">
+              <a:shade val="50000"/>
+            </a:schemeClr>
+          </a:lnRef>
+          <a:fillRef idx="1">
+            <a:schemeClr val="accent1"/>
+          </a:fillRef>
+          <a:effectRef idx="0">
+            <a:schemeClr val="accent1"/>
+          </a:effectRef>
+          <a:fontRef idx="minor">
+            <a:schemeClr val="lt1"/>
+          </a:fontRef>
+        </p:style>
+        <p:txBody>
+          <a:bodyPr rtlCol="0" anchor="ctr"/>
+          <a:lstStyle/>
+          <a:p>
+            <a:pPr algn="ctr"/>
+            <a:endParaRPr lang="ko-KR" altLang="en-US"/>
+          </a:p>
+        </p:txBody>
+      </p:sp>
+      <p:sp>
+        <p:nvSpPr>
+          <p:cNvPr id="13" name="직사각형 12"/>
+          <p:cNvSpPr/>
+          <p:nvPr/>
+        </p:nvSpPr>
+        <p:spPr>
+          <a:xfrm>
+            <a:off x="1941879" y="4971979"/>
+            <a:ext cx="216976" cy="179618"/>
+          </a:xfrm>
+          <a:prstGeom prst="rect">
+            <a:avLst/>
+          </a:prstGeom>
+        </p:spPr>
+        <p:style>
+          <a:lnRef idx="2">
+            <a:schemeClr val="accent1">
+              <a:shade val="50000"/>
+            </a:schemeClr>
+          </a:lnRef>
+          <a:fillRef idx="1">
+            <a:schemeClr val="accent1"/>
+          </a:fillRef>
+          <a:effectRef idx="0">
+            <a:schemeClr val="accent1"/>
+          </a:effectRef>
+          <a:fontRef idx="minor">
+            <a:schemeClr val="lt1"/>
+          </a:fontRef>
+        </p:style>
+        <p:txBody>
+          <a:bodyPr rtlCol="0" anchor="ctr"/>
+          <a:lstStyle/>
+          <a:p>
+            <a:pPr algn="ctr"/>
+            <a:endParaRPr lang="ko-KR" altLang="en-US"/>
+          </a:p>
+        </p:txBody>
+      </p:sp>
+      <p:sp>
+        <p:nvSpPr>
+          <p:cNvPr id="14" name="직사각형 13"/>
+          <p:cNvSpPr/>
+          <p:nvPr/>
+        </p:nvSpPr>
+        <p:spPr>
+          <a:xfrm>
+            <a:off x="2285139" y="4715359"/>
+            <a:ext cx="216976" cy="782665"/>
+          </a:xfrm>
+          <a:prstGeom prst="rect">
+            <a:avLst/>
+          </a:prstGeom>
+        </p:spPr>
+        <p:style>
+          <a:lnRef idx="2">
+            <a:schemeClr val="accent1">
+              <a:shade val="50000"/>
+            </a:schemeClr>
+          </a:lnRef>
+          <a:fillRef idx="1">
+            <a:schemeClr val="accent1"/>
+          </a:fillRef>
+          <a:effectRef idx="0">
+            <a:schemeClr val="accent1"/>
+          </a:effectRef>
+          <a:fontRef idx="minor">
+            <a:schemeClr val="lt1"/>
+          </a:fontRef>
+        </p:style>
+        <p:txBody>
+          <a:bodyPr rtlCol="0" anchor="ctr"/>
+          <a:lstStyle/>
+          <a:p>
+            <a:pPr algn="ctr"/>
+            <a:endParaRPr lang="ko-KR" altLang="en-US"/>
+          </a:p>
+        </p:txBody>
+      </p:sp>
+      <p:sp>
+        <p:nvSpPr>
+          <p:cNvPr id="15" name="TextBox 14"/>
+          <p:cNvSpPr txBox="1"/>
+          <p:nvPr/>
+        </p:nvSpPr>
+        <p:spPr>
+          <a:xfrm>
+            <a:off x="1318503" y="4627339"/>
+            <a:ext cx="1246752" cy="307777"/>
+          </a:xfrm>
+          <a:prstGeom prst="rect">
+            <a:avLst/>
+          </a:prstGeom>
+          <a:noFill/>
+        </p:spPr>
+        <p:txBody>
+          <a:bodyPr wrap="square" rtlCol="0">
+            <a:spAutoFit/>
+          </a:bodyPr>
+          <a:lstStyle/>
+          <a:p>
+            <a:pPr algn="ctr"/>
+            <a:r>
+              <a:rPr lang="en-US" altLang="ko-KR" sz="1400" dirty="0" smtClean="0"/>
+              <a:t>Action</a:t>
+            </a:r>
+            <a:endParaRPr lang="ko-KR" altLang="en-US" sz="1400" dirty="0"/>
+          </a:p>
+        </p:txBody>
+      </p:sp>
+      <p:sp>
+        <p:nvSpPr>
+          <p:cNvPr id="16" name="직사각형 15"/>
+          <p:cNvSpPr/>
+          <p:nvPr/>
+        </p:nvSpPr>
+        <p:spPr>
+          <a:xfrm>
+            <a:off x="3370881" y="4432515"/>
+            <a:ext cx="2483604" cy="1398722"/>
+          </a:xfrm>
+          <a:prstGeom prst="rect">
+            <a:avLst/>
+          </a:prstGeom>
+          <a:noFill/>
+        </p:spPr>
+        <p:style>
+          <a:lnRef idx="2">
+            <a:schemeClr val="accent2"/>
+          </a:lnRef>
+          <a:fillRef idx="1">
+            <a:schemeClr val="lt1"/>
+          </a:fillRef>
+          <a:effectRef idx="0">
+            <a:schemeClr val="accent2"/>
+          </a:effectRef>
+          <a:fontRef idx="minor">
+            <a:schemeClr val="dk1"/>
+          </a:fontRef>
+        </p:style>
+        <p:txBody>
+          <a:bodyPr rtlCol="0" anchor="ctr"/>
+          <a:lstStyle/>
+          <a:p>
+            <a:pPr algn="ctr"/>
+            <a:endParaRPr lang="ko-KR" altLang="en-US"/>
+          </a:p>
+        </p:txBody>
+      </p:sp>
+      <p:sp>
+        <p:nvSpPr>
+          <p:cNvPr id="17" name="TextBox 16"/>
+          <p:cNvSpPr txBox="1"/>
+          <p:nvPr/>
+        </p:nvSpPr>
+        <p:spPr>
+          <a:xfrm>
+            <a:off x="5907957" y="4122286"/>
+            <a:ext cx="3003623" cy="307777"/>
+          </a:xfrm>
+          <a:prstGeom prst="rect">
+            <a:avLst/>
+          </a:prstGeom>
+          <a:noFill/>
+        </p:spPr>
+        <p:txBody>
+          <a:bodyPr wrap="square" rtlCol="0">
+            <a:spAutoFit/>
+          </a:bodyPr>
+          <a:lstStyle/>
+          <a:p>
+            <a:pPr algn="ctr"/>
+            <a:r>
+              <a:rPr lang="en-US" altLang="ko-KR" sz="1400" dirty="0" smtClean="0">
+                <a:solidFill>
+                  <a:srgbClr val="7030A0"/>
+                </a:solidFill>
+              </a:rPr>
+              <a:t>DDPG target</a:t>
+            </a:r>
+            <a:endParaRPr lang="ko-KR" altLang="en-US" sz="1400" dirty="0">
+              <a:solidFill>
+                <a:srgbClr val="7030A0"/>
+              </a:solidFill>
+            </a:endParaRPr>
+          </a:p>
+        </p:txBody>
+      </p:sp>
+      <p:sp>
+        <p:nvSpPr>
+          <p:cNvPr id="18" name="직사각형 17"/>
+          <p:cNvSpPr/>
+          <p:nvPr/>
+        </p:nvSpPr>
+        <p:spPr>
+          <a:xfrm>
+            <a:off x="3487119" y="4552627"/>
+            <a:ext cx="945396" cy="382489"/>
+          </a:xfrm>
+          <a:prstGeom prst="rect">
+            <a:avLst/>
+          </a:prstGeom>
+          <a:ln>
+            <a:headEnd type="none" w="med" len="med"/>
+            <a:tailEnd type="none" w="med" len="med"/>
+          </a:ln>
+        </p:spPr>
+        <p:style>
+          <a:lnRef idx="2">
+            <a:schemeClr val="accent1"/>
+          </a:lnRef>
+          <a:fillRef idx="1">
+            <a:schemeClr val="lt1"/>
+          </a:fillRef>
+          <a:effectRef idx="0">
+            <a:schemeClr val="accent1"/>
+          </a:effectRef>
+          <a:fontRef idx="minor">
+            <a:schemeClr val="dk1"/>
+          </a:fontRef>
+        </p:style>
+        <p:txBody>
+          <a:bodyPr rtlCol="0" anchor="ctr"/>
+          <a:lstStyle/>
+          <a:p>
+            <a:pPr algn="ctr"/>
+            <a:endParaRPr lang="ko-KR" altLang="en-US"/>
+          </a:p>
+        </p:txBody>
+      </p:sp>
+      <p:sp>
+        <p:nvSpPr>
+          <p:cNvPr id="19" name="직사각형 18"/>
+          <p:cNvSpPr/>
+          <p:nvPr/>
+        </p:nvSpPr>
+        <p:spPr>
+          <a:xfrm>
+            <a:off x="4690386" y="5252785"/>
+            <a:ext cx="945396" cy="382489"/>
+          </a:xfrm>
+          <a:prstGeom prst="rect">
+            <a:avLst/>
+          </a:prstGeom>
+        </p:spPr>
+        <p:style>
+          <a:lnRef idx="2">
+            <a:schemeClr val="accent3"/>
+          </a:lnRef>
+          <a:fillRef idx="1">
+            <a:schemeClr val="lt1"/>
+          </a:fillRef>
+          <a:effectRef idx="0">
+            <a:schemeClr val="accent3"/>
+          </a:effectRef>
+          <a:fontRef idx="minor">
+            <a:schemeClr val="dk1"/>
+          </a:fontRef>
+        </p:style>
+        <p:txBody>
+          <a:bodyPr rtlCol="0" anchor="ctr"/>
+          <a:lstStyle/>
+          <a:p>
+            <a:pPr algn="ctr"/>
+            <a:endParaRPr lang="ko-KR" altLang="en-US"/>
+          </a:p>
+        </p:txBody>
+      </p:sp>
+      <p:sp>
+        <p:nvSpPr>
+          <p:cNvPr id="20" name="직사각형 19"/>
+          <p:cNvSpPr/>
+          <p:nvPr/>
+        </p:nvSpPr>
+        <p:spPr>
+          <a:xfrm>
+            <a:off x="3534905" y="4607769"/>
+            <a:ext cx="945396" cy="382489"/>
+          </a:xfrm>
+          <a:prstGeom prst="rect">
+            <a:avLst/>
+          </a:prstGeom>
+          <a:ln>
+            <a:headEnd type="none" w="med" len="med"/>
+            <a:tailEnd type="none" w="med" len="med"/>
+          </a:ln>
+        </p:spPr>
+        <p:style>
+          <a:lnRef idx="2">
+            <a:schemeClr val="accent1"/>
+          </a:lnRef>
+          <a:fillRef idx="1">
+            <a:schemeClr val="lt1"/>
+          </a:fillRef>
+          <a:effectRef idx="0">
+            <a:schemeClr val="accent1"/>
+          </a:effectRef>
+          <a:fontRef idx="minor">
+            <a:schemeClr val="dk1"/>
+          </a:fontRef>
+        </p:style>
+        <p:txBody>
+          <a:bodyPr rtlCol="0" anchor="ctr"/>
+          <a:lstStyle/>
+          <a:p>
+            <a:pPr algn="ctr"/>
+            <a:endParaRPr lang="ko-KR" altLang="en-US"/>
+          </a:p>
+        </p:txBody>
+      </p:sp>
+      <p:sp>
+        <p:nvSpPr>
+          <p:cNvPr id="21" name="직사각형 20"/>
+          <p:cNvSpPr/>
+          <p:nvPr/>
+        </p:nvSpPr>
+        <p:spPr>
+          <a:xfrm>
+            <a:off x="3584701" y="4657339"/>
+            <a:ext cx="945396" cy="382489"/>
+          </a:xfrm>
+          <a:prstGeom prst="rect">
+            <a:avLst/>
+          </a:prstGeom>
+          <a:ln>
+            <a:headEnd type="none" w="med" len="med"/>
+            <a:tailEnd type="none" w="med" len="med"/>
+          </a:ln>
+        </p:spPr>
+        <p:style>
+          <a:lnRef idx="2">
+            <a:schemeClr val="accent1"/>
+          </a:lnRef>
+          <a:fillRef idx="1">
+            <a:schemeClr val="lt1"/>
+          </a:fillRef>
+          <a:effectRef idx="0">
+            <a:schemeClr val="accent1"/>
+          </a:effectRef>
+          <a:fontRef idx="minor">
+            <a:schemeClr val="dk1"/>
+          </a:fontRef>
+        </p:style>
+        <p:txBody>
+          <a:bodyPr rtlCol="0" anchor="ctr"/>
+          <a:lstStyle/>
+          <a:p>
+            <a:pPr algn="ctr"/>
+            <a:endParaRPr lang="ko-KR" altLang="en-US"/>
+          </a:p>
+        </p:txBody>
+      </p:sp>
+      <p:sp>
+        <p:nvSpPr>
+          <p:cNvPr id="22" name="직사각형 21"/>
+          <p:cNvSpPr/>
+          <p:nvPr/>
+        </p:nvSpPr>
+        <p:spPr>
+          <a:xfrm>
+            <a:off x="3639519" y="4705027"/>
+            <a:ext cx="945396" cy="382489"/>
+          </a:xfrm>
+          <a:prstGeom prst="rect">
+            <a:avLst/>
+          </a:prstGeom>
+          <a:ln>
+            <a:headEnd type="none" w="med" len="med"/>
+            <a:tailEnd type="none" w="med" len="med"/>
+          </a:ln>
+        </p:spPr>
+        <p:style>
+          <a:lnRef idx="2">
+            <a:schemeClr val="accent1"/>
+          </a:lnRef>
+          <a:fillRef idx="1">
+            <a:schemeClr val="lt1"/>
+          </a:fillRef>
+          <a:effectRef idx="0">
+            <a:schemeClr val="accent1"/>
+          </a:effectRef>
+          <a:fontRef idx="minor">
+            <a:schemeClr val="dk1"/>
+          </a:fontRef>
+        </p:style>
+        <p:txBody>
+          <a:bodyPr rtlCol="0" anchor="ctr"/>
+          <a:lstStyle/>
+          <a:p>
+            <a:pPr algn="ctr"/>
+            <a:r>
+              <a:rPr lang="en-US" altLang="ko-KR" dirty="0" smtClean="0">
+                <a:solidFill>
+                  <a:srgbClr val="0070C0"/>
+                </a:solidFill>
+              </a:rPr>
+              <a:t>Actor</a:t>
+            </a:r>
+            <a:endParaRPr lang="ko-KR" altLang="en-US" dirty="0">
+              <a:solidFill>
+                <a:srgbClr val="0070C0"/>
+              </a:solidFill>
+            </a:endParaRPr>
+          </a:p>
+        </p:txBody>
+      </p:sp>
+      <p:sp>
+        <p:nvSpPr>
+          <p:cNvPr id="23" name="직사각형 22"/>
+          <p:cNvSpPr/>
+          <p:nvPr/>
+        </p:nvSpPr>
+        <p:spPr>
+          <a:xfrm>
+            <a:off x="4736672" y="5306482"/>
+            <a:ext cx="945396" cy="382489"/>
+          </a:xfrm>
+          <a:prstGeom prst="rect">
+            <a:avLst/>
+          </a:prstGeom>
+        </p:spPr>
+        <p:style>
+          <a:lnRef idx="2">
+            <a:schemeClr val="accent3"/>
+          </a:lnRef>
+          <a:fillRef idx="1">
+            <a:schemeClr val="lt1"/>
+          </a:fillRef>
+          <a:effectRef idx="0">
+            <a:schemeClr val="accent3"/>
+          </a:effectRef>
+          <a:fontRef idx="minor">
+            <a:schemeClr val="dk1"/>
+          </a:fontRef>
+        </p:style>
+        <p:txBody>
+          <a:bodyPr rtlCol="0" anchor="ctr"/>
+          <a:lstStyle/>
+          <a:p>
+            <a:pPr algn="ctr"/>
+            <a:endParaRPr lang="ko-KR" altLang="en-US"/>
+          </a:p>
+        </p:txBody>
+      </p:sp>
+      <p:sp>
+        <p:nvSpPr>
+          <p:cNvPr id="24" name="직사각형 23"/>
+          <p:cNvSpPr/>
+          <p:nvPr/>
+        </p:nvSpPr>
+        <p:spPr>
+          <a:xfrm>
+            <a:off x="4782958" y="5360179"/>
+            <a:ext cx="945396" cy="382489"/>
+          </a:xfrm>
+          <a:prstGeom prst="rect">
+            <a:avLst/>
+          </a:prstGeom>
+        </p:spPr>
+        <p:style>
+          <a:lnRef idx="2">
+            <a:schemeClr val="accent3"/>
+          </a:lnRef>
+          <a:fillRef idx="1">
+            <a:schemeClr val="lt1"/>
+          </a:fillRef>
+          <a:effectRef idx="0">
+            <a:schemeClr val="accent3"/>
+          </a:effectRef>
+          <a:fontRef idx="minor">
+            <a:schemeClr val="dk1"/>
+          </a:fontRef>
+        </p:style>
+        <p:txBody>
+          <a:bodyPr rtlCol="0" anchor="ctr"/>
+          <a:lstStyle/>
+          <a:p>
+            <a:pPr algn="ctr"/>
+            <a:endParaRPr lang="ko-KR" altLang="en-US"/>
+          </a:p>
+        </p:txBody>
+      </p:sp>
+      <p:sp>
+        <p:nvSpPr>
+          <p:cNvPr id="25" name="직사각형 24"/>
+          <p:cNvSpPr/>
+          <p:nvPr/>
+        </p:nvSpPr>
+        <p:spPr>
+          <a:xfrm>
+            <a:off x="4834715" y="5400960"/>
+            <a:ext cx="945396" cy="382489"/>
+          </a:xfrm>
+          <a:prstGeom prst="rect">
+            <a:avLst/>
+          </a:prstGeom>
+        </p:spPr>
+        <p:style>
+          <a:lnRef idx="2">
+            <a:schemeClr val="accent3"/>
+          </a:lnRef>
+          <a:fillRef idx="1">
+            <a:schemeClr val="lt1"/>
+          </a:fillRef>
+          <a:effectRef idx="0">
+            <a:schemeClr val="accent3"/>
+          </a:effectRef>
+          <a:fontRef idx="minor">
+            <a:schemeClr val="dk1"/>
+          </a:fontRef>
+        </p:style>
+        <p:txBody>
+          <a:bodyPr rtlCol="0" anchor="ctr"/>
+          <a:lstStyle/>
+          <a:p>
+            <a:pPr algn="ctr"/>
+            <a:r>
+              <a:rPr lang="en-US" altLang="ko-KR" dirty="0" smtClean="0">
+                <a:solidFill>
+                  <a:srgbClr val="92D050"/>
+                </a:solidFill>
+              </a:rPr>
+              <a:t>Critic</a:t>
+            </a:r>
+            <a:endParaRPr lang="ko-KR" altLang="en-US" dirty="0">
+              <a:solidFill>
+                <a:srgbClr val="92D050"/>
+              </a:solidFill>
+            </a:endParaRPr>
+          </a:p>
+        </p:txBody>
+      </p:sp>
+      <p:cxnSp>
+        <p:nvCxnSpPr>
+          <p:cNvPr id="27" name="꺾인 연결선 26"/>
+          <p:cNvCxnSpPr>
+            <a:stCxn id="22" idx="2"/>
+            <a:endCxn id="19" idx="1"/>
+          </p:cNvCxnSpPr>
+          <p:nvPr/>
+        </p:nvCxnSpPr>
+        <p:spPr>
+          <a:xfrm rot="16200000" flipH="1">
+            <a:off x="4223044" y="4976688"/>
+            <a:ext cx="356514" cy="578169"/>
+          </a:xfrm>
+          <a:prstGeom prst="bentConnector2">
+            <a:avLst/>
+          </a:prstGeom>
+          <a:ln>
+            <a:tailEnd type="triangle"/>
+          </a:ln>
+        </p:spPr>
+        <p:style>
+          <a:lnRef idx="1">
+            <a:schemeClr val="accent1"/>
+          </a:lnRef>
+          <a:fillRef idx="0">
+            <a:schemeClr val="accent1"/>
+          </a:fillRef>
+          <a:effectRef idx="0">
+            <a:schemeClr val="accent1"/>
+          </a:effectRef>
+          <a:fontRef idx="minor">
+            <a:schemeClr val="tx1"/>
+          </a:fontRef>
+        </p:style>
+      </p:cxnSp>
+      <mc:AlternateContent xmlns:mc="http://schemas.openxmlformats.org/markup-compatibility/2006">
+        <mc:Choice xmlns:a14="http://schemas.microsoft.com/office/drawing/2010/main" Requires="a14">
+          <p:sp>
+            <p:nvSpPr>
+              <p:cNvPr id="28" name="직사각형 27"/>
+              <p:cNvSpPr/>
+              <p:nvPr/>
+            </p:nvSpPr>
+            <p:spPr>
+              <a:xfrm>
+                <a:off x="4075107" y="5382302"/>
+                <a:ext cx="456472" cy="369332"/>
+              </a:xfrm>
+              <a:prstGeom prst="rect">
+                <a:avLst/>
+              </a:prstGeom>
+            </p:spPr>
+            <p:txBody>
+              <a:bodyPr wrap="none">
+                <a:spAutoFit/>
+              </a:bodyPr>
+              <a:lstStyle/>
+              <a:p>
+                <a:pPr algn="ctr"/>
+                <a14:m>
+                  <m:oMathPara xmlns:m="http://schemas.openxmlformats.org/officeDocument/2006/math">
+                    <m:oMathParaPr>
+                      <m:jc m:val="centerGroup"/>
+                    </m:oMathParaPr>
+                    <m:oMath xmlns:m="http://schemas.openxmlformats.org/officeDocument/2006/math">
+                      <m:sSub>
+                        <m:sSubPr>
+                          <m:ctrlPr>
+                            <a:rPr lang="en-US" altLang="ko-KR" b="0" i="1" smtClean="0">
+                              <a:solidFill>
+                                <a:srgbClr val="0070C0"/>
+                              </a:solidFill>
+                              <a:latin typeface="Cambria Math" panose="02040503050406030204" pitchFamily="18" charset="0"/>
+                            </a:rPr>
+                          </m:ctrlPr>
+                        </m:sSubPr>
+                        <m:e>
+                          <m:r>
+                            <a:rPr lang="en-US" altLang="ko-KR" b="0" i="1" smtClean="0">
+                              <a:solidFill>
+                                <a:srgbClr val="0070C0"/>
+                              </a:solidFill>
+                              <a:latin typeface="Cambria Math" panose="02040503050406030204" pitchFamily="18" charset="0"/>
+                            </a:rPr>
+                            <m:t>𝑎</m:t>
+                          </m:r>
+                        </m:e>
+                        <m:sub>
+                          <m:r>
+                            <a:rPr lang="en-US" altLang="ko-KR" b="0" i="1" smtClean="0">
+                              <a:solidFill>
+                                <a:srgbClr val="0070C0"/>
+                              </a:solidFill>
+                              <a:latin typeface="Cambria Math" panose="02040503050406030204" pitchFamily="18" charset="0"/>
+                            </a:rPr>
+                            <m:t>𝑖</m:t>
+                          </m:r>
+                        </m:sub>
+                      </m:sSub>
+                    </m:oMath>
+                  </m:oMathPara>
+                </a14:m>
+                <a:endParaRPr lang="ko-KR" altLang="en-US" dirty="0">
+                  <a:solidFill>
+                    <a:srgbClr val="0070C0"/>
+                  </a:solidFill>
+                </a:endParaRPr>
+              </a:p>
+            </p:txBody>
+          </p:sp>
+        </mc:Choice>
+        <mc:Fallback>
+          <p:sp>
+            <p:nvSpPr>
+              <p:cNvPr id="28" name="직사각형 27"/>
+              <p:cNvSpPr>
+                <a:spLocks noRot="1" noChangeAspect="1" noMove="1" noResize="1" noEditPoints="1" noAdjustHandles="1" noChangeArrowheads="1" noChangeShapeType="1" noTextEdit="1"/>
+              </p:cNvSpPr>
+              <p:nvPr/>
+            </p:nvSpPr>
+            <p:spPr>
+              <a:xfrm>
+                <a:off x="4075107" y="5382302"/>
+                <a:ext cx="456472" cy="369332"/>
+              </a:xfrm>
+              <a:prstGeom prst="rect">
+                <a:avLst/>
+              </a:prstGeom>
+              <a:blipFill>
+                <a:blip r:embed="rId3"/>
+                <a:stretch>
+                  <a:fillRect b="-1639"/>
+                </a:stretch>
+              </a:blipFill>
+            </p:spPr>
+            <p:txBody>
+              <a:bodyPr/>
+              <a:lstStyle/>
+              <a:p>
+                <a:r>
+                  <a:rPr lang="ko-KR" altLang="en-US">
+                    <a:noFill/>
+                  </a:rPr>
+                  <a:t> </a:t>
+                </a:r>
+              </a:p>
+            </p:txBody>
+          </p:sp>
+        </mc:Fallback>
+      </mc:AlternateContent>
+      <p:sp>
+        <p:nvSpPr>
+          <p:cNvPr id="29" name="직사각형 28"/>
+          <p:cNvSpPr/>
+          <p:nvPr/>
+        </p:nvSpPr>
+        <p:spPr>
+          <a:xfrm>
+            <a:off x="3383471" y="6332900"/>
+            <a:ext cx="2458421" cy="448106"/>
+          </a:xfrm>
+          <a:prstGeom prst="rect">
+            <a:avLst/>
+          </a:prstGeom>
+          <a:ln/>
+        </p:spPr>
+        <p:style>
+          <a:lnRef idx="3">
+            <a:schemeClr val="lt1"/>
+          </a:lnRef>
+          <a:fillRef idx="1">
+            <a:schemeClr val="accent3"/>
+          </a:fillRef>
+          <a:effectRef idx="1">
+            <a:schemeClr val="accent3"/>
+          </a:effectRef>
+          <a:fontRef idx="minor">
+            <a:schemeClr val="lt1"/>
+          </a:fontRef>
+        </p:style>
+        <p:txBody>
+          <a:bodyPr rtlCol="0" anchor="ctr"/>
+          <a:lstStyle/>
+          <a:p>
+            <a:pPr algn="ctr"/>
+            <a:r>
+              <a:rPr lang="en-US" altLang="ko-KR" dirty="0" smtClean="0">
+                <a:solidFill>
+                  <a:schemeClr val="tx1"/>
+                </a:solidFill>
+              </a:rPr>
+              <a:t>Environment</a:t>
+            </a:r>
+            <a:endParaRPr lang="ko-KR" altLang="en-US" dirty="0">
+              <a:solidFill>
+                <a:schemeClr val="tx1"/>
+              </a:solidFill>
+            </a:endParaRPr>
+          </a:p>
+        </p:txBody>
+      </p:sp>
+      <p:cxnSp>
+        <p:nvCxnSpPr>
+          <p:cNvPr id="31" name="꺾인 연결선 30"/>
+          <p:cNvCxnSpPr>
+            <a:stCxn id="29" idx="1"/>
+            <a:endCxn id="18" idx="1"/>
+          </p:cNvCxnSpPr>
+          <p:nvPr/>
+        </p:nvCxnSpPr>
+        <p:spPr>
+          <a:xfrm rot="10800000" flipH="1">
+            <a:off x="3383471" y="4743873"/>
+            <a:ext cx="103648" cy="1813081"/>
+          </a:xfrm>
+          <a:prstGeom prst="bentConnector3">
+            <a:avLst>
+              <a:gd name="adj1" fmla="val -220554"/>
+            </a:avLst>
+          </a:prstGeom>
+          <a:ln>
+            <a:tailEnd type="triangle"/>
+          </a:ln>
+        </p:spPr>
+        <p:style>
+          <a:lnRef idx="1">
+            <a:schemeClr val="dk1"/>
+          </a:lnRef>
+          <a:fillRef idx="0">
+            <a:schemeClr val="dk1"/>
+          </a:fillRef>
+          <a:effectRef idx="0">
+            <a:schemeClr val="dk1"/>
+          </a:effectRef>
+          <a:fontRef idx="minor">
+            <a:schemeClr val="tx1"/>
+          </a:fontRef>
+        </p:style>
+      </p:cxnSp>
+      <p:cxnSp>
+        <p:nvCxnSpPr>
+          <p:cNvPr id="32" name="꺾인 연결선 31"/>
+          <p:cNvCxnSpPr>
+            <a:stCxn id="29" idx="1"/>
+            <a:endCxn id="25" idx="2"/>
+          </p:cNvCxnSpPr>
+          <p:nvPr/>
+        </p:nvCxnSpPr>
+        <p:spPr>
+          <a:xfrm rot="10800000" flipH="1">
+            <a:off x="3383471" y="5783449"/>
+            <a:ext cx="1923942" cy="773504"/>
+          </a:xfrm>
+          <a:prstGeom prst="bentConnector4">
+            <a:avLst>
+              <a:gd name="adj1" fmla="val -11882"/>
+              <a:gd name="adj2" fmla="val 64483"/>
+            </a:avLst>
+          </a:prstGeom>
+          <a:ln>
+            <a:tailEnd type="triangle"/>
+          </a:ln>
+        </p:spPr>
+        <p:style>
+          <a:lnRef idx="1">
+            <a:schemeClr val="dk1"/>
+          </a:lnRef>
+          <a:fillRef idx="0">
+            <a:schemeClr val="dk1"/>
+          </a:fillRef>
+          <a:effectRef idx="0">
+            <a:schemeClr val="dk1"/>
+          </a:effectRef>
+          <a:fontRef idx="minor">
+            <a:schemeClr val="tx1"/>
+          </a:fontRef>
+        </p:style>
+      </p:cxnSp>
+      <p:sp>
+        <p:nvSpPr>
+          <p:cNvPr id="36" name="TextBox 35"/>
+          <p:cNvSpPr txBox="1"/>
+          <p:nvPr/>
+        </p:nvSpPr>
+        <p:spPr>
+          <a:xfrm>
+            <a:off x="3125056" y="5804120"/>
+            <a:ext cx="724545" cy="276999"/>
+          </a:xfrm>
+          <a:prstGeom prst="rect">
+            <a:avLst/>
+          </a:prstGeom>
+          <a:noFill/>
+        </p:spPr>
+        <p:txBody>
+          <a:bodyPr wrap="square" rtlCol="0">
+            <a:spAutoFit/>
+          </a:bodyPr>
+          <a:lstStyle/>
+          <a:p>
+            <a:r>
+              <a:rPr lang="en-US" altLang="ko-KR" sz="1200" dirty="0" smtClean="0"/>
+              <a:t>State</a:t>
+            </a:r>
+            <a:endParaRPr lang="ko-KR" altLang="en-US" sz="1200" dirty="0"/>
+          </a:p>
+        </p:txBody>
+      </p:sp>
+      <p:cxnSp>
+        <p:nvCxnSpPr>
+          <p:cNvPr id="38" name="꺾인 연결선 37"/>
+          <p:cNvCxnSpPr>
+            <a:stCxn id="19" idx="0"/>
+            <a:endCxn id="22" idx="3"/>
+          </p:cNvCxnSpPr>
+          <p:nvPr/>
+        </p:nvCxnSpPr>
+        <p:spPr>
+          <a:xfrm rot="16200000" flipV="1">
+            <a:off x="4695744" y="4785444"/>
+            <a:ext cx="356513" cy="578169"/>
+          </a:xfrm>
+          <a:prstGeom prst="bentConnector2">
+            <a:avLst/>
+          </a:prstGeom>
+          <a:ln>
+            <a:tailEnd type="triangle"/>
+          </a:ln>
+        </p:spPr>
+        <p:style>
+          <a:lnRef idx="1">
+            <a:schemeClr val="accent3"/>
+          </a:lnRef>
+          <a:fillRef idx="0">
+            <a:schemeClr val="accent3"/>
+          </a:fillRef>
+          <a:effectRef idx="0">
+            <a:schemeClr val="accent3"/>
+          </a:effectRef>
+          <a:fontRef idx="minor">
+            <a:schemeClr val="tx1"/>
+          </a:fontRef>
+        </p:style>
+      </p:cxnSp>
+      <p:sp>
+        <p:nvSpPr>
+          <p:cNvPr id="39" name="TextBox 38"/>
+          <p:cNvSpPr txBox="1"/>
+          <p:nvPr/>
+        </p:nvSpPr>
+        <p:spPr>
+          <a:xfrm>
+            <a:off x="4790107" y="4560421"/>
+            <a:ext cx="1943908" cy="338554"/>
+          </a:xfrm>
+          <a:prstGeom prst="rect">
+            <a:avLst/>
+          </a:prstGeom>
+          <a:noFill/>
+        </p:spPr>
+        <p:txBody>
+          <a:bodyPr wrap="square" rtlCol="0">
+            <a:spAutoFit/>
+          </a:bodyPr>
+          <a:lstStyle/>
+          <a:p>
+            <a:r>
+              <a:rPr lang="en-US" altLang="ko-KR" sz="1600" dirty="0" smtClean="0">
+                <a:solidFill>
+                  <a:srgbClr val="92D050"/>
+                </a:solidFill>
+              </a:rPr>
+              <a:t>Update,      </a:t>
+            </a:r>
+            <a:r>
+              <a:rPr lang="en-US" altLang="ko-KR" sz="1600" dirty="0" smtClean="0">
+                <a:solidFill>
+                  <a:srgbClr val="0070C0"/>
+                </a:solidFill>
+              </a:rPr>
+              <a:t>Approx.</a:t>
+            </a:r>
+            <a:endParaRPr lang="ko-KR" altLang="en-US" sz="1600" dirty="0">
+              <a:solidFill>
+                <a:srgbClr val="0070C0"/>
+              </a:solidFill>
+            </a:endParaRPr>
+          </a:p>
+        </p:txBody>
+      </p:sp>
+      <p:sp>
+        <p:nvSpPr>
+          <p:cNvPr id="40" name="직사각형 39"/>
+          <p:cNvSpPr/>
+          <p:nvPr/>
+        </p:nvSpPr>
+        <p:spPr>
+          <a:xfrm>
+            <a:off x="6734015" y="4432515"/>
+            <a:ext cx="2200759" cy="1398722"/>
+          </a:xfrm>
+          <a:prstGeom prst="rect">
+            <a:avLst/>
+          </a:prstGeom>
+        </p:spPr>
+        <p:style>
+          <a:lnRef idx="2">
+            <a:schemeClr val="accent4"/>
+          </a:lnRef>
+          <a:fillRef idx="1">
+            <a:schemeClr val="lt1"/>
+          </a:fillRef>
+          <a:effectRef idx="0">
+            <a:schemeClr val="accent4"/>
+          </a:effectRef>
+          <a:fontRef idx="minor">
+            <a:schemeClr val="dk1"/>
+          </a:fontRef>
+        </p:style>
+        <p:txBody>
+          <a:bodyPr rtlCol="0" anchor="ctr"/>
+          <a:lstStyle/>
+          <a:p>
+            <a:pPr algn="ctr"/>
+            <a:endParaRPr lang="ko-KR" altLang="en-US"/>
+          </a:p>
+        </p:txBody>
+      </p:sp>
+      <p:cxnSp>
+        <p:nvCxnSpPr>
+          <p:cNvPr id="42" name="직선 화살표 연결선 41"/>
+          <p:cNvCxnSpPr>
+            <a:stCxn id="22" idx="2"/>
+          </p:cNvCxnSpPr>
+          <p:nvPr/>
+        </p:nvCxnSpPr>
+        <p:spPr>
+          <a:xfrm flipH="1">
+            <a:off x="4112216" y="5087516"/>
+            <a:ext cx="1" cy="1245384"/>
+          </a:xfrm>
+          <a:prstGeom prst="straightConnector1">
+            <a:avLst/>
+          </a:prstGeom>
+          <a:ln>
+            <a:tailEnd type="triangle"/>
+          </a:ln>
+        </p:spPr>
+        <p:style>
+          <a:lnRef idx="1">
+            <a:schemeClr val="accent1"/>
+          </a:lnRef>
+          <a:fillRef idx="0">
+            <a:schemeClr val="accent1"/>
+          </a:fillRef>
+          <a:effectRef idx="0">
+            <a:schemeClr val="accent1"/>
+          </a:effectRef>
+          <a:fontRef idx="minor">
+            <a:schemeClr val="tx1"/>
+          </a:fontRef>
+        </p:style>
+      </p:cxnSp>
+      <p:sp>
+        <p:nvSpPr>
+          <p:cNvPr id="43" name="TextBox 42"/>
+          <p:cNvSpPr txBox="1"/>
+          <p:nvPr/>
+        </p:nvSpPr>
+        <p:spPr>
+          <a:xfrm>
+            <a:off x="3106198" y="4126381"/>
+            <a:ext cx="3003623" cy="307777"/>
+          </a:xfrm>
+          <a:prstGeom prst="rect">
+            <a:avLst/>
+          </a:prstGeom>
+          <a:noFill/>
+        </p:spPr>
+        <p:txBody>
+          <a:bodyPr wrap="square" rtlCol="0">
+            <a:spAutoFit/>
+          </a:bodyPr>
+          <a:lstStyle/>
+          <a:p>
+            <a:pPr algn="ctr"/>
+            <a:r>
+              <a:rPr lang="en-US" altLang="ko-KR" sz="1400" dirty="0" smtClean="0">
+                <a:solidFill>
+                  <a:srgbClr val="C00000"/>
+                </a:solidFill>
+              </a:rPr>
+              <a:t>DDPG</a:t>
+            </a:r>
+            <a:endParaRPr lang="ko-KR" altLang="en-US" sz="1400" dirty="0">
+              <a:solidFill>
+                <a:srgbClr val="C00000"/>
+              </a:solidFill>
+            </a:endParaRPr>
+          </a:p>
+        </p:txBody>
+      </p:sp>
+      <p:sp>
+        <p:nvSpPr>
+          <p:cNvPr id="44" name="직사각형 43"/>
+          <p:cNvSpPr/>
+          <p:nvPr/>
+        </p:nvSpPr>
+        <p:spPr>
+          <a:xfrm>
+            <a:off x="6859307" y="4561661"/>
+            <a:ext cx="945396" cy="382489"/>
+          </a:xfrm>
+          <a:prstGeom prst="rect">
+            <a:avLst/>
+          </a:prstGeom>
+          <a:ln>
+            <a:headEnd type="none" w="med" len="med"/>
+            <a:tailEnd type="none" w="med" len="med"/>
+          </a:ln>
+        </p:spPr>
+        <p:style>
+          <a:lnRef idx="2">
+            <a:schemeClr val="accent1"/>
+          </a:lnRef>
+          <a:fillRef idx="1">
+            <a:schemeClr val="lt1"/>
+          </a:fillRef>
+          <a:effectRef idx="0">
+            <a:schemeClr val="accent1"/>
+          </a:effectRef>
+          <a:fontRef idx="minor">
+            <a:schemeClr val="dk1"/>
+          </a:fontRef>
+        </p:style>
+        <p:txBody>
+          <a:bodyPr rtlCol="0" anchor="ctr"/>
+          <a:lstStyle/>
+          <a:p>
+            <a:pPr algn="ctr"/>
+            <a:endParaRPr lang="ko-KR" altLang="en-US"/>
+          </a:p>
+        </p:txBody>
+      </p:sp>
+      <p:sp>
+        <p:nvSpPr>
+          <p:cNvPr id="45" name="직사각형 44"/>
+          <p:cNvSpPr/>
+          <p:nvPr/>
+        </p:nvSpPr>
+        <p:spPr>
+          <a:xfrm>
+            <a:off x="6907093" y="4616803"/>
+            <a:ext cx="945396" cy="382489"/>
+          </a:xfrm>
+          <a:prstGeom prst="rect">
+            <a:avLst/>
+          </a:prstGeom>
+          <a:ln>
+            <a:headEnd type="none" w="med" len="med"/>
+            <a:tailEnd type="none" w="med" len="med"/>
+          </a:ln>
+        </p:spPr>
+        <p:style>
+          <a:lnRef idx="2">
+            <a:schemeClr val="accent1"/>
+          </a:lnRef>
+          <a:fillRef idx="1">
+            <a:schemeClr val="lt1"/>
+          </a:fillRef>
+          <a:effectRef idx="0">
+            <a:schemeClr val="accent1"/>
+          </a:effectRef>
+          <a:fontRef idx="minor">
+            <a:schemeClr val="dk1"/>
+          </a:fontRef>
+        </p:style>
+        <p:txBody>
+          <a:bodyPr rtlCol="0" anchor="ctr"/>
+          <a:lstStyle/>
+          <a:p>
+            <a:pPr algn="ctr"/>
+            <a:endParaRPr lang="ko-KR" altLang="en-US"/>
+          </a:p>
+        </p:txBody>
+      </p:sp>
+      <p:sp>
+        <p:nvSpPr>
+          <p:cNvPr id="46" name="직사각형 45"/>
+          <p:cNvSpPr/>
+          <p:nvPr/>
+        </p:nvSpPr>
+        <p:spPr>
+          <a:xfrm>
+            <a:off x="6956889" y="4666373"/>
+            <a:ext cx="945396" cy="382489"/>
+          </a:xfrm>
+          <a:prstGeom prst="rect">
+            <a:avLst/>
+          </a:prstGeom>
+          <a:ln>
+            <a:headEnd type="none" w="med" len="med"/>
+            <a:tailEnd type="none" w="med" len="med"/>
+          </a:ln>
+        </p:spPr>
+        <p:style>
+          <a:lnRef idx="2">
+            <a:schemeClr val="accent1"/>
+          </a:lnRef>
+          <a:fillRef idx="1">
+            <a:schemeClr val="lt1"/>
+          </a:fillRef>
+          <a:effectRef idx="0">
+            <a:schemeClr val="accent1"/>
+          </a:effectRef>
+          <a:fontRef idx="minor">
+            <a:schemeClr val="dk1"/>
+          </a:fontRef>
+        </p:style>
+        <p:txBody>
+          <a:bodyPr rtlCol="0" anchor="ctr"/>
+          <a:lstStyle/>
+          <a:p>
+            <a:pPr algn="ctr"/>
+            <a:endParaRPr lang="ko-KR" altLang="en-US"/>
+          </a:p>
+        </p:txBody>
+      </p:sp>
+      <p:sp>
+        <p:nvSpPr>
+          <p:cNvPr id="47" name="직사각형 46"/>
+          <p:cNvSpPr/>
+          <p:nvPr/>
+        </p:nvSpPr>
+        <p:spPr>
+          <a:xfrm>
+            <a:off x="7011707" y="4714061"/>
+            <a:ext cx="945396" cy="382489"/>
+          </a:xfrm>
+          <a:prstGeom prst="rect">
+            <a:avLst/>
+          </a:prstGeom>
+          <a:ln>
+            <a:headEnd type="none" w="med" len="med"/>
+            <a:tailEnd type="none" w="med" len="med"/>
+          </a:ln>
+        </p:spPr>
+        <p:style>
+          <a:lnRef idx="2">
+            <a:schemeClr val="accent1"/>
+          </a:lnRef>
+          <a:fillRef idx="1">
+            <a:schemeClr val="lt1"/>
+          </a:fillRef>
+          <a:effectRef idx="0">
+            <a:schemeClr val="accent1"/>
+          </a:effectRef>
+          <a:fontRef idx="minor">
+            <a:schemeClr val="dk1"/>
+          </a:fontRef>
+        </p:style>
+        <p:txBody>
+          <a:bodyPr rtlCol="0" anchor="ctr"/>
+          <a:lstStyle/>
+          <a:p>
+            <a:pPr algn="ctr"/>
+            <a:r>
+              <a:rPr lang="en-US" altLang="ko-KR" dirty="0" smtClean="0">
+                <a:solidFill>
+                  <a:srgbClr val="0070C0"/>
+                </a:solidFill>
+              </a:rPr>
+              <a:t>Actor</a:t>
+            </a:r>
+            <a:endParaRPr lang="ko-KR" altLang="en-US" dirty="0">
+              <a:solidFill>
+                <a:srgbClr val="0070C0"/>
+              </a:solidFill>
+            </a:endParaRPr>
+          </a:p>
+        </p:txBody>
+      </p:sp>
+      <p:sp>
+        <p:nvSpPr>
+          <p:cNvPr id="48" name="직사각형 47"/>
+          <p:cNvSpPr/>
+          <p:nvPr/>
+        </p:nvSpPr>
+        <p:spPr>
+          <a:xfrm>
+            <a:off x="7757956" y="5229921"/>
+            <a:ext cx="945396" cy="382489"/>
+          </a:xfrm>
+          <a:prstGeom prst="rect">
+            <a:avLst/>
+          </a:prstGeom>
+        </p:spPr>
+        <p:style>
+          <a:lnRef idx="2">
+            <a:schemeClr val="accent3"/>
+          </a:lnRef>
+          <a:fillRef idx="1">
+            <a:schemeClr val="lt1"/>
+          </a:fillRef>
+          <a:effectRef idx="0">
+            <a:schemeClr val="accent3"/>
+          </a:effectRef>
+          <a:fontRef idx="minor">
+            <a:schemeClr val="dk1"/>
+          </a:fontRef>
+        </p:style>
+        <p:txBody>
+          <a:bodyPr rtlCol="0" anchor="ctr"/>
+          <a:lstStyle/>
+          <a:p>
+            <a:pPr algn="ctr"/>
+            <a:endParaRPr lang="ko-KR" altLang="en-US"/>
+          </a:p>
+        </p:txBody>
+      </p:sp>
+      <p:sp>
+        <p:nvSpPr>
+          <p:cNvPr id="49" name="직사각형 48"/>
+          <p:cNvSpPr/>
+          <p:nvPr/>
+        </p:nvSpPr>
+        <p:spPr>
+          <a:xfrm>
+            <a:off x="7804242" y="5283618"/>
+            <a:ext cx="945396" cy="382489"/>
+          </a:xfrm>
+          <a:prstGeom prst="rect">
+            <a:avLst/>
+          </a:prstGeom>
+        </p:spPr>
+        <p:style>
+          <a:lnRef idx="2">
+            <a:schemeClr val="accent3"/>
+          </a:lnRef>
+          <a:fillRef idx="1">
+            <a:schemeClr val="lt1"/>
+          </a:fillRef>
+          <a:effectRef idx="0">
+            <a:schemeClr val="accent3"/>
+          </a:effectRef>
+          <a:fontRef idx="minor">
+            <a:schemeClr val="dk1"/>
+          </a:fontRef>
+        </p:style>
+        <p:txBody>
+          <a:bodyPr rtlCol="0" anchor="ctr"/>
+          <a:lstStyle/>
+          <a:p>
+            <a:pPr algn="ctr"/>
+            <a:endParaRPr lang="ko-KR" altLang="en-US"/>
+          </a:p>
+        </p:txBody>
+      </p:sp>
+      <p:sp>
+        <p:nvSpPr>
+          <p:cNvPr id="50" name="직사각형 49"/>
+          <p:cNvSpPr/>
+          <p:nvPr/>
+        </p:nvSpPr>
+        <p:spPr>
+          <a:xfrm>
+            <a:off x="7850528" y="5337315"/>
+            <a:ext cx="945396" cy="382489"/>
+          </a:xfrm>
+          <a:prstGeom prst="rect">
+            <a:avLst/>
+          </a:prstGeom>
+        </p:spPr>
+        <p:style>
+          <a:lnRef idx="2">
+            <a:schemeClr val="accent3"/>
+          </a:lnRef>
+          <a:fillRef idx="1">
+            <a:schemeClr val="lt1"/>
+          </a:fillRef>
+          <a:effectRef idx="0">
+            <a:schemeClr val="accent3"/>
+          </a:effectRef>
+          <a:fontRef idx="minor">
+            <a:schemeClr val="dk1"/>
+          </a:fontRef>
+        </p:style>
+        <p:txBody>
+          <a:bodyPr rtlCol="0" anchor="ctr"/>
+          <a:lstStyle/>
+          <a:p>
+            <a:pPr algn="ctr"/>
+            <a:endParaRPr lang="ko-KR" altLang="en-US"/>
+          </a:p>
+        </p:txBody>
+      </p:sp>
+      <p:sp>
+        <p:nvSpPr>
+          <p:cNvPr id="51" name="직사각형 50"/>
+          <p:cNvSpPr/>
+          <p:nvPr/>
+        </p:nvSpPr>
+        <p:spPr>
+          <a:xfrm>
+            <a:off x="7902285" y="5378096"/>
+            <a:ext cx="945396" cy="382489"/>
+          </a:xfrm>
+          <a:prstGeom prst="rect">
+            <a:avLst/>
+          </a:prstGeom>
+        </p:spPr>
+        <p:style>
+          <a:lnRef idx="2">
+            <a:schemeClr val="accent3"/>
+          </a:lnRef>
+          <a:fillRef idx="1">
+            <a:schemeClr val="lt1"/>
+          </a:fillRef>
+          <a:effectRef idx="0">
+            <a:schemeClr val="accent3"/>
+          </a:effectRef>
+          <a:fontRef idx="minor">
+            <a:schemeClr val="dk1"/>
+          </a:fontRef>
+        </p:style>
+        <p:txBody>
+          <a:bodyPr rtlCol="0" anchor="ctr"/>
+          <a:lstStyle/>
+          <a:p>
+            <a:pPr algn="ctr"/>
+            <a:r>
+              <a:rPr lang="en-US" altLang="ko-KR" dirty="0" smtClean="0">
+                <a:solidFill>
+                  <a:srgbClr val="92D050"/>
+                </a:solidFill>
+              </a:rPr>
+              <a:t>Critic</a:t>
+            </a:r>
+            <a:endParaRPr lang="ko-KR" altLang="en-US" dirty="0">
+              <a:solidFill>
+                <a:srgbClr val="92D050"/>
+              </a:solidFill>
+            </a:endParaRPr>
+          </a:p>
+        </p:txBody>
+      </p:sp>
+      <p:cxnSp>
+        <p:nvCxnSpPr>
+          <p:cNvPr id="53" name="직선 화살표 연결선 52"/>
+          <p:cNvCxnSpPr>
+            <a:stCxn id="47" idx="1"/>
+          </p:cNvCxnSpPr>
+          <p:nvPr/>
+        </p:nvCxnSpPr>
+        <p:spPr>
+          <a:xfrm flipH="1" flipV="1">
+            <a:off x="5146352" y="4903226"/>
+            <a:ext cx="1865355" cy="2080"/>
+          </a:xfrm>
+          <a:prstGeom prst="straightConnector1">
+            <a:avLst/>
+          </a:prstGeom>
+          <a:ln>
+            <a:tailEnd type="triangle"/>
+          </a:ln>
+        </p:spPr>
+        <p:style>
+          <a:lnRef idx="1">
+            <a:schemeClr val="accent1"/>
+          </a:lnRef>
+          <a:fillRef idx="0">
+            <a:schemeClr val="accent1"/>
+          </a:fillRef>
+          <a:effectRef idx="0">
+            <a:schemeClr val="accent1"/>
+          </a:effectRef>
+          <a:fontRef idx="minor">
+            <a:schemeClr val="tx1"/>
+          </a:fontRef>
+        </p:style>
+      </p:cxnSp>
+      <p:cxnSp>
+        <p:nvCxnSpPr>
+          <p:cNvPr id="60" name="직선 화살표 연결선 59"/>
+          <p:cNvCxnSpPr>
+            <a:stCxn id="16" idx="3"/>
+            <a:endCxn id="40" idx="1"/>
+          </p:cNvCxnSpPr>
+          <p:nvPr/>
+        </p:nvCxnSpPr>
+        <p:spPr>
+          <a:xfrm>
+            <a:off x="5854485" y="5131876"/>
+            <a:ext cx="879530" cy="0"/>
+          </a:xfrm>
+          <a:prstGeom prst="straightConnector1">
+            <a:avLst/>
+          </a:prstGeom>
+          <a:ln>
+            <a:tailEnd type="triangle"/>
+          </a:ln>
+        </p:spPr>
+        <p:style>
+          <a:lnRef idx="1">
+            <a:schemeClr val="dk1"/>
+          </a:lnRef>
+          <a:fillRef idx="0">
+            <a:schemeClr val="dk1"/>
+          </a:fillRef>
+          <a:effectRef idx="0">
+            <a:schemeClr val="dk1"/>
+          </a:effectRef>
+          <a:fontRef idx="minor">
+            <a:schemeClr val="tx1"/>
+          </a:fontRef>
+        </p:style>
+      </p:cxnSp>
+      <p:sp>
+        <p:nvSpPr>
+          <p:cNvPr id="63" name="TextBox 62"/>
+          <p:cNvSpPr txBox="1"/>
+          <p:nvPr/>
+        </p:nvSpPr>
+        <p:spPr>
+          <a:xfrm>
+            <a:off x="5813390" y="5136097"/>
+            <a:ext cx="977655" cy="261610"/>
+          </a:xfrm>
+          <a:prstGeom prst="rect">
+            <a:avLst/>
+          </a:prstGeom>
+          <a:noFill/>
+        </p:spPr>
+        <p:txBody>
+          <a:bodyPr wrap="square" rtlCol="0">
+            <a:spAutoFit/>
+          </a:bodyPr>
+          <a:lstStyle/>
+          <a:p>
+            <a:pPr algn="ctr"/>
+            <a:r>
+              <a:rPr lang="en-US" altLang="ko-KR" sz="1100" dirty="0" smtClean="0"/>
+              <a:t>Soft Update</a:t>
+            </a:r>
+            <a:endParaRPr lang="ko-KR" altLang="en-US" sz="1100" dirty="0"/>
+          </a:p>
+        </p:txBody>
+      </p:sp>
+      <p:cxnSp>
+        <p:nvCxnSpPr>
+          <p:cNvPr id="64" name="직선 화살표 연결선 63"/>
+          <p:cNvCxnSpPr>
+            <a:stCxn id="48" idx="1"/>
+            <a:endCxn id="25" idx="3"/>
+          </p:cNvCxnSpPr>
+          <p:nvPr/>
+        </p:nvCxnSpPr>
+        <p:spPr>
+          <a:xfrm flipH="1">
+            <a:off x="5780111" y="5421166"/>
+            <a:ext cx="1977845" cy="171039"/>
+          </a:xfrm>
+          <a:prstGeom prst="straightConnector1">
+            <a:avLst/>
+          </a:prstGeom>
+          <a:ln>
+            <a:tailEnd type="triangle"/>
+          </a:ln>
+        </p:spPr>
+        <p:style>
+          <a:lnRef idx="1">
+            <a:schemeClr val="accent3"/>
+          </a:lnRef>
+          <a:fillRef idx="0">
+            <a:schemeClr val="accent3"/>
+          </a:fillRef>
+          <a:effectRef idx="0">
+            <a:schemeClr val="accent3"/>
+          </a:effectRef>
+          <a:fontRef idx="minor">
+            <a:schemeClr val="tx1"/>
+          </a:fontRef>
+        </p:style>
+      </p:cxnSp>
+    </p:spTree>
+    <p:extLst>
+      <p:ext uri="{BB962C8B-B14F-4D97-AF65-F5344CB8AC3E}">
+        <p14:creationId xmlns:p14="http://schemas.microsoft.com/office/powerpoint/2010/main" val="3581867567"/>
+      </p:ext>
+    </p:extLst>
+  </p:cSld>
+  <p:clrMapOvr>
+    <a:masterClrMapping/>
+  </p:clrMapOvr>
+</p:sld>
+</file>
+
+<file path=ppt/slides/slide15.xml><?xml version="1.0" encoding="utf-8"?>
+<p:sld xmlns:a="http://schemas.openxmlformats.org/drawingml/2006/main" xmlns:r="http://schemas.openxmlformats.org/officeDocument/2006/relationships" xmlns:p="http://schemas.openxmlformats.org/presentationml/2006/main">
+  <p:cSld>
+    <p:spTree>
+      <p:nvGrpSpPr>
+        <p:cNvPr id="1" name=""/>
+        <p:cNvGrpSpPr/>
+        <p:nvPr/>
+      </p:nvGrpSpPr>
+      <p:grpSpPr>
+        <a:xfrm>
+          <a:off x="0" y="0"/>
+          <a:ext cx="0" cy="0"/>
+          <a:chOff x="0" y="0"/>
+          <a:chExt cx="0" cy="0"/>
+        </a:xfrm>
+      </p:grpSpPr>
+      <p:sp>
+        <p:nvSpPr>
+          <p:cNvPr id="4" name="제목 3"/>
+          <p:cNvSpPr>
+            <a:spLocks noGrp="1"/>
+          </p:cNvSpPr>
+          <p:nvPr>
+            <p:ph type="title"/>
+          </p:nvPr>
+        </p:nvSpPr>
+        <p:spPr/>
+        <p:txBody>
+          <a:bodyPr>
+            <a:noAutofit/>
+          </a:bodyPr>
+          <a:lstStyle/>
+          <a:p>
+            <a:pPr algn="ctr"/>
+            <a:r>
+              <a:rPr lang="en-US" altLang="ko-KR" sz="3600" dirty="0" smtClean="0"/>
+              <a:t>Thank you</a:t>
+            </a:r>
+            <a:endParaRPr lang="ko-KR" altLang="en-US" sz="3600" dirty="0"/>
+          </a:p>
+        </p:txBody>
+      </p:sp>
+      <p:sp>
+        <p:nvSpPr>
+          <p:cNvPr id="5" name="그림 개체 틀 4"/>
+          <p:cNvSpPr>
+            <a:spLocks noGrp="1"/>
+          </p:cNvSpPr>
+          <p:nvPr>
+            <p:ph type="pic" idx="1"/>
+          </p:nvPr>
+        </p:nvSpPr>
+        <p:spPr/>
+      </p:sp>
+      <p:sp>
+        <p:nvSpPr>
+          <p:cNvPr id="6" name="텍스트 개체 틀 5"/>
+          <p:cNvSpPr>
+            <a:spLocks noGrp="1"/>
+          </p:cNvSpPr>
+          <p:nvPr>
+            <p:ph type="body" sz="half" idx="2"/>
+          </p:nvPr>
+        </p:nvSpPr>
+        <p:spPr/>
+        <p:txBody>
+          <a:bodyPr/>
+          <a:lstStyle/>
+          <a:p>
+            <a:endParaRPr lang="ko-KR" altLang="en-US"/>
+          </a:p>
+        </p:txBody>
+      </p:sp>
+    </p:spTree>
+    <p:extLst>
+      <p:ext uri="{BB962C8B-B14F-4D97-AF65-F5344CB8AC3E}">
+        <p14:creationId xmlns:p14="http://schemas.microsoft.com/office/powerpoint/2010/main" val="2752577060"/>
       </p:ext>
     </p:extLst>
   </p:cSld>
@@ -15093,11 +17241,7 @@
             </a:r>
             <a:r>
               <a:rPr lang="en-US" altLang="ko-KR" dirty="0" smtClean="0"/>
-              <a:t>Decentralized </a:t>
-            </a:r>
-            <a:r>
-              <a:rPr lang="en-US" altLang="ko-KR" dirty="0" smtClean="0"/>
-              <a:t>CNN/CNN-reduced </a:t>
+              <a:t>Decentralized CNN/CNN-reduced </a:t>
             </a:r>
             <a:r>
               <a:rPr lang="en-US" altLang="ko-KR" dirty="0"/>
@@ -16275,8 +18419,8 @@
           </a:p>
         </p:txBody>
       </p:sp>
-      <mc:AlternateContent xmlns:mc="http://schemas.openxmlformats.org/markup-compatibility/2006">
-        <mc:Choice xmlns:a14="http://schemas.microsoft.com/office/drawing/2010/main" Requires="a14">
+      <mc:AlternateContent xmlns:mc="http://schemas.openxmlformats.org/markup-compatibility/2006" xmlns:a14="http://schemas.microsoft.com/office/drawing/2010/main">
+        <mc:Choice Requires="a14">
           <p:sp>
             <p:nvSpPr>
               <p:cNvPr id="3" name="내용 개체 틀 2">
@@ -16569,11 +18713,7 @@
                 </a:r>
                 <a:r>
                   <a:rPr lang="en-US" altLang="ko-KR" dirty="0" smtClean="0"/>
-                  <a:t>to each phase</a:t>
-                </a:r>
-                <a:r>
-                  <a:rPr lang="en-US" altLang="ko-KR" dirty="0" smtClean="0"/>
-                  <a:t> </a:t>
+                  <a:t>to each phase </a:t>
                 </a:r>
                 <a:r>
                   <a:rPr lang="en-US" altLang="ko-KR" dirty="0"/>
@@ -16631,7 +18771,7 @@
             </p:txBody>
           </p:sp>
         </mc:Choice>
-        <mc:Fallback>
+        <mc:Fallback xmlns="">
           <p:sp>
             <p:nvSpPr>
               <p:cNvPr id="3" name="내용 개체 틀 2">
@@ -23449,15 +25589,7 @@
           <a:p>
             <a:r>
               <a:rPr lang="en-US" altLang="ko-KR" sz="1600" dirty="0" smtClean="0"/>
-              <a:t>Vehicle</a:t>
-            </a:r>
-            <a:r>
-              <a:rPr lang="en-US" altLang="ko-KR" sz="1600" dirty="0" smtClean="0"/>
-              <a:t> </a:t>
-            </a:r>
-            <a:r>
-              <a:rPr lang="en-US" altLang="ko-KR" sz="1600" dirty="0" smtClean="0"/>
-              <a:t>Info</a:t>
+              <a:t>Vehicle Info</a:t>
             </a:r>
             <a:br>
               <a:rPr lang="en-US" altLang="ko-KR" sz="1600" dirty="0" smtClean="0"/>
@@ -23778,7 +25910,7 @@
         </p:nvSpPr>
         <p:spPr>
           <a:xfrm>
-            <a:off x="4460991" y="5603777"/>
+            <a:off x="4577233" y="5603777"/>
             <a:ext cx="1331728" cy="246221"/>
           </a:xfrm>
           <a:prstGeom prst="rect">
@@ -23826,15 +25958,7 @@
             <a:pPr algn="ctr"/>
             <a:r>
               <a:rPr lang="en-US" altLang="ko-KR" sz="1000" dirty="0" smtClean="0"/>
-              <a:t>Time </a:t>
-            </a:r>
-            <a:r>
-              <a:rPr lang="en-US" altLang="ko-KR" sz="1000" dirty="0" smtClean="0"/>
-              <a:t>Q </a:t>
-            </a:r>
-            <a:r>
-              <a:rPr lang="en-US" altLang="ko-KR" sz="1000" dirty="0" smtClean="0"/>
-              <a:t>Network</a:t>
+              <a:t>Time Q Network</a:t>
             </a:r>
             <a:endParaRPr lang="ko-KR" altLang="en-US" sz="1000" dirty="0"/>
           </a:p>
@@ -23869,15 +25993,7 @@
             </a:r>
             <a:r>
               <a:rPr lang="en-US" altLang="ko-KR" sz="1000" dirty="0" smtClean="0"/>
-              <a:t>ate</a:t>
-            </a:r>
-            <a:r>
-              <a:rPr lang="en-US" altLang="ko-KR" sz="1000" dirty="0" smtClean="0"/>
-              <a:t> </a:t>
-            </a:r>
-            <a:r>
-              <a:rPr lang="en-US" altLang="ko-KR" sz="1000" dirty="0" smtClean="0"/>
-              <a:t>Q Network</a:t>
+              <a:t>ate Q Network</a:t>
             </a:r>
             <a:endParaRPr lang="ko-KR" altLang="en-US" sz="1000" dirty="0"/>
           </a:p>
@@ -24130,15 +26246,7 @@
                   <a:srgbClr val="00B050"/>
                 </a:solidFill>
               </a:rPr>
-              <a:t>time</a:t>
-            </a:r>
-            <a:r>
-              <a:rPr lang="en-US" altLang="ko-KR" sz="1100" b="1" dirty="0" smtClean="0">
-                <a:solidFill>
-                  <a:srgbClr val="00B050"/>
-                </a:solidFill>
-              </a:rPr>
-              <a:t> action</a:t>
+              <a:t>time action</a:t>
             </a:r>
             <a:endParaRPr lang="ko-KR" altLang="en-US" sz="1100" b="1" dirty="0">
               <a:solidFill>

--- a/Traffic Optimization Final Speech.pptx
+++ b/Traffic Optimization Final Speech.pptx
@@ -5937,11 +5937,11 @@
           <a:lstStyle/>
           <a:p>
             <a:r>
-              <a:rPr lang="en-US" altLang="ko-KR" dirty="0" smtClean="0"/>
+              <a:rPr lang="en-US" altLang="ko-KR" dirty="0"/>
               <a:t>Decentralized</a:t>
             </a:r>
             <a:r>
-              <a:rPr lang="ko-KR" altLang="en-US" dirty="0" smtClean="0"/>
+              <a:rPr lang="ko-KR" altLang="en-US" dirty="0"/>
               <a:t> </a:t>
             </a:r>
             <a:r>
@@ -5998,28 +5998,28 @@
           <a:lstStyle/>
           <a:p>
             <a:r>
-              <a:rPr lang="en-US" altLang="ko-KR" dirty="0" smtClean="0"/>
+              <a:rPr lang="en-US" altLang="ko-KR" dirty="0"/>
               <a:t> 3x3 grid</a:t>
             </a:r>
           </a:p>
           <a:p>
             <a:pPr lvl="1"/>
             <a:r>
-              <a:rPr lang="en-US" altLang="ko-KR" dirty="0" smtClean="0"/>
+              <a:rPr lang="en-US" altLang="ko-KR" dirty="0"/>
               <a:t>9 Agents</a:t>
             </a:r>
           </a:p>
           <a:p>
             <a:pPr lvl="1"/>
             <a:r>
-              <a:rPr lang="en-US" altLang="ko-KR" dirty="0" smtClean="0"/>
+              <a:rPr lang="en-US" altLang="ko-KR" dirty="0"/>
               <a:t>Random Routing Generation</a:t>
             </a:r>
             <a:br>
-              <a:rPr lang="en-US" altLang="ko-KR" dirty="0" smtClean="0"/>
+              <a:rPr lang="en-US" altLang="ko-KR" dirty="0"/>
             </a:br>
             <a:r>
-              <a:rPr lang="en-US" altLang="ko-KR" dirty="0" smtClean="0">
+              <a:rPr lang="en-US" altLang="ko-KR" dirty="0">
                 <a:sym typeface="Wingdings" panose="05000000000000000000" pitchFamily="2" charset="2"/>
               </a:rPr>
               <a:t> 1 period, 1.5 scaled</a:t>
@@ -6283,33 +6283,33 @@
           </a:lstStyle>
           <a:p>
             <a:r>
-              <a:rPr lang="en-US" altLang="ko-KR" dirty="0" smtClean="0"/>
+              <a:rPr lang="en-US" altLang="ko-KR" dirty="0"/>
               <a:t> </a:t>
             </a:r>
             <a:r>
-              <a:rPr lang="en-US" altLang="ko-KR" dirty="0" err="1" smtClean="0"/>
+              <a:rPr lang="en-US" altLang="ko-KR" dirty="0" err="1"/>
               <a:t>Dunsan</a:t>
             </a:r>
-            <a:endParaRPr lang="en-US" altLang="ko-KR" dirty="0" smtClean="0"/>
+            <a:endParaRPr lang="en-US" altLang="ko-KR" dirty="0"/>
           </a:p>
           <a:p>
             <a:pPr lvl="1"/>
             <a:r>
-              <a:rPr lang="en-US" altLang="ko-KR" dirty="0" smtClean="0"/>
+              <a:rPr lang="en-US" altLang="ko-KR" dirty="0"/>
               <a:t>11 Agents</a:t>
             </a:r>
           </a:p>
           <a:p>
             <a:pPr lvl="1"/>
             <a:r>
-              <a:rPr lang="en-US" altLang="ko-KR" dirty="0" smtClean="0"/>
+              <a:rPr lang="en-US" altLang="ko-KR" dirty="0"/>
               <a:t>Real Demand based training</a:t>
             </a:r>
             <a:br>
-              <a:rPr lang="en-US" altLang="ko-KR" dirty="0" smtClean="0"/>
+              <a:rPr lang="en-US" altLang="ko-KR" dirty="0"/>
             </a:br>
             <a:r>
-              <a:rPr lang="en-US" altLang="ko-KR" dirty="0" smtClean="0">
+              <a:rPr lang="en-US" altLang="ko-KR" dirty="0">
                 <a:sym typeface="Wingdings" panose="05000000000000000000" pitchFamily="2" charset="2"/>
               </a:rPr>
               <a:t> 0-3am, 2.0 scaled</a:t>
@@ -6396,11 +6396,11 @@
                     <a:p>
                       <a:pPr latinLnBrk="1"/>
                       <a:r>
-                        <a:rPr lang="en-US" altLang="ko-KR" sz="1600" dirty="0" err="1" smtClean="0"/>
+                        <a:rPr lang="en-US" altLang="ko-KR" sz="1600" dirty="0" err="1"/>
                         <a:t>Avg</a:t>
                       </a:r>
                       <a:r>
-                        <a:rPr lang="en-US" altLang="ko-KR" sz="1600" baseline="0" dirty="0" smtClean="0"/>
+                        <a:rPr lang="en-US" altLang="ko-KR" sz="1600" baseline="0" dirty="0"/>
                         <a:t> Value</a:t>
                       </a:r>
                       <a:endParaRPr lang="ko-KR" altLang="en-US" sz="1600" dirty="0"/>
@@ -6415,7 +6415,7 @@
                     <a:p>
                       <a:pPr latinLnBrk="1"/>
                       <a:r>
-                        <a:rPr lang="en-US" altLang="ko-KR" sz="1600" dirty="0" smtClean="0"/>
+                        <a:rPr lang="en-US" altLang="ko-KR" sz="1600" dirty="0"/>
                         <a:t>Simulation</a:t>
                       </a:r>
                       <a:endParaRPr lang="ko-KR" altLang="en-US" sz="1600" dirty="0"/>
@@ -6430,7 +6430,7 @@
                     <a:p>
                       <a:pPr latinLnBrk="1"/>
                       <a:r>
-                        <a:rPr lang="en-US" altLang="ko-KR" sz="1600" dirty="0" smtClean="0"/>
+                        <a:rPr lang="en-US" altLang="ko-KR" sz="1600" dirty="0"/>
                         <a:t>Decentralized</a:t>
                       </a:r>
                       <a:endParaRPr lang="ko-KR" altLang="en-US" sz="1600" dirty="0"/>
@@ -6452,14 +6452,14 @@
                     <a:p>
                       <a:pPr latinLnBrk="1"/>
                       <a:r>
-                        <a:rPr lang="en-US" altLang="ko-KR" sz="1200" dirty="0" smtClean="0"/>
+                        <a:rPr lang="en-US" altLang="ko-KR" sz="1200" dirty="0"/>
                         <a:t>Travel Time</a:t>
                       </a:r>
                     </a:p>
                     <a:p>
                       <a:pPr latinLnBrk="1"/>
                       <a:r>
-                        <a:rPr lang="en-US" altLang="ko-KR" sz="1200" dirty="0" smtClean="0"/>
+                        <a:rPr lang="en-US" altLang="ko-KR" sz="1200" dirty="0"/>
                         <a:t>(per edge)</a:t>
                       </a:r>
                       <a:endParaRPr lang="ko-KR" altLang="en-US" sz="1200" dirty="0"/>
@@ -6474,7 +6474,7 @@
                     <a:p>
                       <a:pPr latinLnBrk="1"/>
                       <a:r>
-                        <a:rPr lang="en-US" altLang="ko-KR" sz="1600" dirty="0" smtClean="0"/>
+                        <a:rPr lang="en-US" altLang="ko-KR" sz="1600" dirty="0"/>
                         <a:t>13.82s</a:t>
                       </a:r>
                       <a:endParaRPr lang="ko-KR" altLang="en-US" sz="1600" dirty="0"/>
@@ -6489,7 +6489,7 @@
                     <a:p>
                       <a:pPr latinLnBrk="1"/>
                       <a:r>
-                        <a:rPr lang="en-US" altLang="ko-KR" sz="1600" dirty="0" smtClean="0"/>
+                        <a:rPr lang="en-US" altLang="ko-KR" sz="1600" dirty="0"/>
                         <a:t>14.52</a:t>
                       </a:r>
                       <a:endParaRPr lang="ko-KR" altLang="en-US" sz="1600" dirty="0"/>
@@ -6511,7 +6511,7 @@
                     <a:p>
                       <a:pPr latinLnBrk="1"/>
                       <a:r>
-                        <a:rPr lang="en-US" altLang="ko-KR" sz="1200" dirty="0" smtClean="0"/>
+                        <a:rPr lang="en-US" altLang="ko-KR" sz="1200" dirty="0"/>
                         <a:t>Velocity</a:t>
                       </a:r>
                       <a:endParaRPr lang="ko-KR" altLang="en-US" sz="1200" dirty="0"/>
@@ -6526,7 +6526,7 @@
                     <a:p>
                       <a:pPr latinLnBrk="1"/>
                       <a:r>
-                        <a:rPr lang="en-US" altLang="ko-KR" sz="1600" dirty="0" smtClean="0"/>
+                        <a:rPr lang="en-US" altLang="ko-KR" sz="1600" dirty="0"/>
                         <a:t>5.93m/s</a:t>
                       </a:r>
                       <a:endParaRPr lang="ko-KR" altLang="en-US" sz="1600" dirty="0"/>
@@ -6541,7 +6541,7 @@
                     <a:p>
                       <a:pPr latinLnBrk="1"/>
                       <a:r>
-                        <a:rPr lang="en-US" altLang="ko-KR" sz="1600" dirty="0" smtClean="0"/>
+                        <a:rPr lang="en-US" altLang="ko-KR" sz="1600" dirty="0"/>
                         <a:t>5.769m/s</a:t>
                       </a:r>
                       <a:endParaRPr lang="ko-KR" altLang="en-US" sz="1600" dirty="0"/>
@@ -6563,18 +6563,18 @@
                     <a:p>
                       <a:pPr latinLnBrk="1"/>
                       <a:r>
-                        <a:rPr lang="en-US" altLang="ko-KR" sz="1200" dirty="0" smtClean="0"/>
+                        <a:rPr lang="en-US" altLang="ko-KR" sz="1200" dirty="0"/>
                         <a:t>Waiting Time</a:t>
                       </a:r>
                       <a:br>
-                        <a:rPr lang="en-US" altLang="ko-KR" sz="1200" dirty="0" smtClean="0"/>
+                        <a:rPr lang="en-US" altLang="ko-KR" sz="1200" dirty="0"/>
                       </a:br>
                       <a:r>
-                        <a:rPr lang="en-US" altLang="ko-KR" sz="1200" dirty="0" smtClean="0"/>
+                        <a:rPr lang="en-US" altLang="ko-KR" sz="1200" dirty="0"/>
                         <a:t>(whole</a:t>
                       </a:r>
                       <a:r>
-                        <a:rPr lang="en-US" altLang="ko-KR" sz="1200" baseline="0" dirty="0" smtClean="0"/>
+                        <a:rPr lang="en-US" altLang="ko-KR" sz="1200" baseline="0" dirty="0"/>
                         <a:t> trip)</a:t>
                       </a:r>
                       <a:endParaRPr lang="ko-KR" altLang="en-US" sz="1200" dirty="0"/>
@@ -6589,11 +6589,11 @@
                     <a:p>
                       <a:pPr latinLnBrk="1"/>
                       <a:r>
-                        <a:rPr lang="en-US" altLang="ko-KR" sz="1600" dirty="0" smtClean="0"/>
+                        <a:rPr lang="en-US" altLang="ko-KR" sz="1600" dirty="0"/>
                         <a:t>495.5s/</a:t>
                       </a:r>
                       <a:r>
-                        <a:rPr lang="en-US" altLang="ko-KR" sz="1600" dirty="0" err="1" smtClean="0"/>
+                        <a:rPr lang="en-US" altLang="ko-KR" sz="1600" dirty="0" err="1"/>
                         <a:t>veh</a:t>
                       </a:r>
                       <a:endParaRPr lang="ko-KR" altLang="en-US" sz="1600" dirty="0"/>
@@ -6608,11 +6608,11 @@
                     <a:p>
                       <a:pPr latinLnBrk="1"/>
                       <a:r>
-                        <a:rPr lang="en-US" altLang="ko-KR" sz="1600" dirty="0" smtClean="0"/>
+                        <a:rPr lang="en-US" altLang="ko-KR" sz="1600" dirty="0"/>
                         <a:t>534.1s/</a:t>
                       </a:r>
                       <a:r>
-                        <a:rPr lang="en-US" altLang="ko-KR" sz="1600" dirty="0" err="1" smtClean="0"/>
+                        <a:rPr lang="en-US" altLang="ko-KR" sz="1600" dirty="0" err="1"/>
                         <a:t>veh</a:t>
                       </a:r>
                       <a:endParaRPr lang="ko-KR" altLang="en-US" sz="1600" dirty="0"/>
@@ -6634,11 +6634,11 @@
                     <a:p>
                       <a:pPr latinLnBrk="1"/>
                       <a:r>
-                        <a:rPr lang="en-US" altLang="ko-KR" sz="1200" dirty="0" smtClean="0"/>
+                        <a:rPr lang="en-US" altLang="ko-KR" sz="1200" dirty="0"/>
                         <a:t>Arrived </a:t>
                       </a:r>
                       <a:r>
-                        <a:rPr lang="en-US" altLang="ko-KR" sz="1200" dirty="0" err="1" smtClean="0"/>
+                        <a:rPr lang="en-US" altLang="ko-KR" sz="1200" dirty="0" err="1"/>
                         <a:t>Num</a:t>
                       </a:r>
                       <a:endParaRPr lang="ko-KR" altLang="en-US" sz="1200" dirty="0"/>
@@ -6653,7 +6653,7 @@
                     <a:p>
                       <a:pPr latinLnBrk="1"/>
                       <a:r>
-                        <a:rPr lang="en-US" altLang="ko-KR" sz="1600" dirty="0" smtClean="0"/>
+                        <a:rPr lang="en-US" altLang="ko-KR" sz="1600" dirty="0"/>
                         <a:t>10951</a:t>
                       </a:r>
                       <a:endParaRPr lang="ko-KR" altLang="en-US" sz="1600" dirty="0"/>
@@ -6668,7 +6668,7 @@
                     <a:p>
                       <a:pPr latinLnBrk="1"/>
                       <a:r>
-                        <a:rPr lang="en-US" altLang="ko-KR" sz="1600" dirty="0" smtClean="0"/>
+                        <a:rPr lang="en-US" altLang="ko-KR" sz="1600" dirty="0"/>
                         <a:t>10863</a:t>
                       </a:r>
                       <a:endParaRPr lang="ko-KR" altLang="en-US" sz="1600" dirty="0"/>
@@ -6741,11 +6741,11 @@
                     <a:p>
                       <a:pPr latinLnBrk="1"/>
                       <a:r>
-                        <a:rPr lang="en-US" altLang="ko-KR" sz="1600" dirty="0" err="1" smtClean="0"/>
+                        <a:rPr lang="en-US" altLang="ko-KR" sz="1600" dirty="0" err="1"/>
                         <a:t>Avg</a:t>
                       </a:r>
                       <a:r>
-                        <a:rPr lang="en-US" altLang="ko-KR" sz="1600" baseline="0" dirty="0" smtClean="0"/>
+                        <a:rPr lang="en-US" altLang="ko-KR" sz="1600" baseline="0" dirty="0"/>
                         <a:t> Value</a:t>
                       </a:r>
                       <a:endParaRPr lang="ko-KR" altLang="en-US" sz="1600" dirty="0"/>
@@ -6760,7 +6760,7 @@
                     <a:p>
                       <a:pPr latinLnBrk="1"/>
                       <a:r>
-                        <a:rPr lang="en-US" altLang="ko-KR" sz="1600" dirty="0" smtClean="0"/>
+                        <a:rPr lang="en-US" altLang="ko-KR" sz="1600" dirty="0"/>
                         <a:t>Simulation</a:t>
                       </a:r>
                       <a:endParaRPr lang="ko-KR" altLang="en-US" sz="1600" dirty="0"/>
@@ -6775,7 +6775,7 @@
                     <a:p>
                       <a:pPr latinLnBrk="1"/>
                       <a:r>
-                        <a:rPr lang="en-US" altLang="ko-KR" sz="1600" dirty="0" smtClean="0"/>
+                        <a:rPr lang="en-US" altLang="ko-KR" sz="1600" dirty="0"/>
                         <a:t>Decentralized</a:t>
                       </a:r>
                       <a:endParaRPr lang="ko-KR" altLang="en-US" sz="1600" dirty="0"/>
@@ -6797,14 +6797,14 @@
                     <a:p>
                       <a:pPr latinLnBrk="1"/>
                       <a:r>
-                        <a:rPr lang="en-US" altLang="ko-KR" sz="1200" dirty="0" smtClean="0"/>
+                        <a:rPr lang="en-US" altLang="ko-KR" sz="1200" dirty="0"/>
                         <a:t>Travel Time</a:t>
                       </a:r>
                     </a:p>
                     <a:p>
                       <a:pPr latinLnBrk="1"/>
                       <a:r>
-                        <a:rPr lang="en-US" altLang="ko-KR" sz="1200" dirty="0" smtClean="0"/>
+                        <a:rPr lang="en-US" altLang="ko-KR" sz="1200" dirty="0"/>
                         <a:t>(per edge)</a:t>
                       </a:r>
                       <a:endParaRPr lang="ko-KR" altLang="en-US" sz="1200" dirty="0"/>
@@ -6819,7 +6819,7 @@
                     <a:p>
                       <a:pPr latinLnBrk="1"/>
                       <a:r>
-                        <a:rPr lang="en-US" altLang="ko-KR" sz="1600" dirty="0" smtClean="0"/>
+                        <a:rPr lang="en-US" altLang="ko-KR" sz="1600" dirty="0"/>
                         <a:t>25.5s</a:t>
                       </a:r>
                       <a:endParaRPr lang="ko-KR" altLang="en-US" sz="1600" dirty="0"/>
@@ -6852,7 +6852,7 @@
                     <a:p>
                       <a:pPr latinLnBrk="1"/>
                       <a:r>
-                        <a:rPr lang="en-US" altLang="ko-KR" sz="1200" dirty="0" smtClean="0"/>
+                        <a:rPr lang="en-US" altLang="ko-KR" sz="1200" dirty="0"/>
                         <a:t>Velocity</a:t>
                       </a:r>
                       <a:endParaRPr lang="ko-KR" altLang="en-US" sz="1200" dirty="0"/>
@@ -6867,7 +6867,7 @@
                     <a:p>
                       <a:pPr latinLnBrk="1"/>
                       <a:r>
-                        <a:rPr lang="en-US" altLang="ko-KR" sz="1600" dirty="0" smtClean="0"/>
+                        <a:rPr lang="en-US" altLang="ko-KR" sz="1600" dirty="0"/>
                         <a:t>2.13m/s</a:t>
                       </a:r>
                       <a:endParaRPr lang="ko-KR" altLang="en-US" sz="1600" dirty="0"/>
@@ -6900,18 +6900,18 @@
                     <a:p>
                       <a:pPr latinLnBrk="1"/>
                       <a:r>
-                        <a:rPr lang="en-US" altLang="ko-KR" sz="1200" dirty="0" smtClean="0"/>
+                        <a:rPr lang="en-US" altLang="ko-KR" sz="1200" dirty="0"/>
                         <a:t>Waiting Time</a:t>
                       </a:r>
                       <a:br>
-                        <a:rPr lang="en-US" altLang="ko-KR" sz="1200" dirty="0" smtClean="0"/>
+                        <a:rPr lang="en-US" altLang="ko-KR" sz="1200" dirty="0"/>
                       </a:br>
                       <a:r>
-                        <a:rPr lang="en-US" altLang="ko-KR" sz="1200" dirty="0" smtClean="0"/>
+                        <a:rPr lang="en-US" altLang="ko-KR" sz="1200" dirty="0"/>
                         <a:t>(whole</a:t>
                       </a:r>
                       <a:r>
-                        <a:rPr lang="en-US" altLang="ko-KR" sz="1200" baseline="0" dirty="0" smtClean="0"/>
+                        <a:rPr lang="en-US" altLang="ko-KR" sz="1200" baseline="0" dirty="0"/>
                         <a:t> trip)</a:t>
                       </a:r>
                       <a:endParaRPr lang="ko-KR" altLang="en-US" sz="1200" dirty="0"/>
@@ -6926,11 +6926,11 @@
                     <a:p>
                       <a:pPr latinLnBrk="1"/>
                       <a:r>
-                        <a:rPr lang="en-US" altLang="ko-KR" sz="1600" dirty="0" smtClean="0"/>
+                        <a:rPr lang="en-US" altLang="ko-KR" sz="1600" dirty="0"/>
                         <a:t>4205.5s/</a:t>
                       </a:r>
                       <a:r>
-                        <a:rPr lang="en-US" altLang="ko-KR" sz="1600" dirty="0" err="1" smtClean="0"/>
+                        <a:rPr lang="en-US" altLang="ko-KR" sz="1600" dirty="0" err="1"/>
                         <a:t>veh</a:t>
                       </a:r>
                       <a:endParaRPr lang="ko-KR" altLang="en-US" sz="1600" dirty="0"/>
@@ -7012,14 +7012,10 @@
             </a:r>
             <a:r>
               <a:rPr lang="en-US" altLang="ko-KR" dirty="0"/>
-              <a:t> Decentralized CNN/CNN-reduced Model with Practical </a:t>
-            </a:r>
-            <a:r>
-              <a:rPr lang="en-US" altLang="ko-KR" dirty="0" smtClean="0"/>
-              <a:t>Restraints</a:t>
+              <a:t> Decentralized CNN/CNN-reduced Model with Practical Restraints</a:t>
             </a:r>
             <a:br>
-              <a:rPr lang="en-US" altLang="ko-KR" dirty="0" smtClean="0"/>
+              <a:rPr lang="en-US" altLang="ko-KR" dirty="0"/>
             </a:br>
             <a:endParaRPr lang="en-US" altLang="ko-KR" dirty="0"/>
           </a:p>
@@ -7041,25 +7037,25 @@
           <a:lstStyle/>
           <a:p>
             <a:r>
-              <a:rPr lang="en-US" altLang="ko-KR" dirty="0" smtClean="0"/>
+              <a:rPr lang="en-US" altLang="ko-KR" dirty="0"/>
               <a:t> CNN based Decentralized Model</a:t>
             </a:r>
           </a:p>
           <a:p>
             <a:pPr lvl="1"/>
             <a:r>
-              <a:rPr lang="en-US" altLang="ko-KR" dirty="0" smtClean="0"/>
+              <a:rPr lang="en-US" altLang="ko-KR" dirty="0"/>
               <a:t>CNN: Convolution Neural Network</a:t>
             </a:r>
           </a:p>
           <a:p>
             <a:pPr lvl="2"/>
             <a:r>
-              <a:rPr lang="en-US" altLang="ko-KR" dirty="0" smtClean="0"/>
+              <a:rPr lang="en-US" altLang="ko-KR" dirty="0"/>
               <a:t>Feature extraction in selected region </a:t>
             </a:r>
             <a:r>
-              <a:rPr lang="en-US" altLang="ko-KR" dirty="0" smtClean="0">
+              <a:rPr lang="en-US" altLang="ko-KR" dirty="0">
                 <a:sym typeface="Wingdings" panose="05000000000000000000" pitchFamily="2" charset="2"/>
               </a:rPr>
               <a:t> Apply to intersection information</a:t>
@@ -7068,25 +7064,25 @@
           <a:p>
             <a:pPr lvl="2"/>
             <a:r>
-              <a:rPr lang="en-US" altLang="ko-KR" dirty="0" smtClean="0">
+              <a:rPr lang="en-US" altLang="ko-KR" dirty="0">
                 <a:sym typeface="Wingdings" panose="05000000000000000000" pitchFamily="2" charset="2"/>
               </a:rPr>
               <a:t>Advantage: less parameters than Fully Connected Network  </a:t>
             </a:r>
             <a:r>
-              <a:rPr lang="en-US" altLang="ko-KR" dirty="0" err="1" smtClean="0">
+              <a:rPr lang="en-US" altLang="ko-KR" dirty="0" err="1">
                 <a:sym typeface="Wingdings" panose="05000000000000000000" pitchFamily="2" charset="2"/>
               </a:rPr>
               <a:t>Lightweighting</a:t>
             </a:r>
-            <a:endParaRPr lang="en-US" altLang="ko-KR" dirty="0" smtClean="0">
+            <a:endParaRPr lang="en-US" altLang="ko-KR" dirty="0">
               <a:sym typeface="Wingdings" panose="05000000000000000000" pitchFamily="2" charset="2"/>
             </a:endParaRPr>
           </a:p>
           <a:p>
             <a:pPr lvl="1"/>
             <a:r>
-              <a:rPr lang="en-US" altLang="ko-KR" dirty="0" smtClean="0">
+              <a:rPr lang="en-US" altLang="ko-KR" dirty="0">
                 <a:sym typeface="Wingdings" panose="05000000000000000000" pitchFamily="2" charset="2"/>
               </a:rPr>
               <a:t>CNN based Model (Feature Extraction)</a:t>
@@ -7095,7 +7091,7 @@
           <a:p>
             <a:pPr lvl="2"/>
             <a:r>
-              <a:rPr lang="en-US" altLang="ko-KR" dirty="0" smtClean="0">
+              <a:rPr lang="en-US" altLang="ko-KR" dirty="0">
                 <a:sym typeface="Wingdings" panose="05000000000000000000" pitchFamily="2" charset="2"/>
               </a:rPr>
               <a:t>Current Channel: 8 (zero-padded demand of vehicles from inflow edge)</a:t>
@@ -7104,7 +7100,7 @@
           <a:p>
             <a:pPr lvl="2"/>
             <a:r>
-              <a:rPr lang="en-US" altLang="ko-KR" dirty="0" smtClean="0">
+              <a:rPr lang="en-US" altLang="ko-KR" dirty="0">
                 <a:sym typeface="Wingdings" panose="05000000000000000000" pitchFamily="2" charset="2"/>
               </a:rPr>
               <a:t>After CNN, the number of channel: 16</a:t>
@@ -7113,7 +7109,7 @@
           <a:p>
             <a:pPr lvl="2"/>
             <a:r>
-              <a:rPr lang="en-US" altLang="ko-KR" dirty="0" smtClean="0">
+              <a:rPr lang="en-US" altLang="ko-KR" dirty="0">
                 <a:sym typeface="Wingdings" panose="05000000000000000000" pitchFamily="2" charset="2"/>
               </a:rPr>
               <a:t>Learning Time: 8h 11m</a:t>
@@ -7122,7 +7118,7 @@
           <a:p>
             <a:pPr lvl="1"/>
             <a:r>
-              <a:rPr lang="en-US" altLang="ko-KR" dirty="0" smtClean="0">
+              <a:rPr lang="en-US" altLang="ko-KR" dirty="0">
                 <a:sym typeface="Wingdings" panose="05000000000000000000" pitchFamily="2" charset="2"/>
               </a:rPr>
               <a:t>CNN based Lightweight Model</a:t>
@@ -7131,7 +7127,7 @@
           <a:p>
             <a:pPr lvl="2"/>
             <a:r>
-              <a:rPr lang="en-US" altLang="ko-KR" dirty="0" smtClean="0">
+              <a:rPr lang="en-US" altLang="ko-KR" dirty="0">
                 <a:sym typeface="Wingdings" panose="05000000000000000000" pitchFamily="2" charset="2"/>
               </a:rPr>
               <a:t>By using Conv1d, dimensionality reduced to 1 channel with feature</a:t>
@@ -7140,18 +7136,12 @@
           <a:p>
             <a:pPr lvl="2"/>
             <a:r>
-              <a:rPr lang="en-US" altLang="ko-KR" dirty="0" smtClean="0">
+              <a:rPr lang="en-US" altLang="ko-KR" dirty="0">
                 <a:sym typeface="Wingdings" panose="05000000000000000000" pitchFamily="2" charset="2"/>
               </a:rPr>
-              <a:t>Learning Time: 6h </a:t>
-            </a:r>
-            <a:r>
-              <a:rPr lang="en-US" altLang="ko-KR" dirty="0" smtClean="0">
-                <a:sym typeface="Wingdings" panose="05000000000000000000" pitchFamily="2" charset="2"/>
-              </a:rPr>
-              <a:t>10m</a:t>
-            </a:r>
-            <a:endParaRPr lang="en-US" altLang="ko-KR" dirty="0" smtClean="0"/>
+              <a:t>Learning Time: 6h 10m</a:t>
+            </a:r>
+            <a:endParaRPr lang="en-US" altLang="ko-KR" dirty="0"/>
           </a:p>
           <a:p>
             <a:pPr lvl="2"/>
@@ -7212,22 +7202,10 @@
             </a:r>
             <a:r>
               <a:rPr lang="en-US" altLang="ko-KR" dirty="0"/>
-              <a:t> Decentralized </a:t>
-            </a:r>
-            <a:r>
-              <a:rPr lang="en-US" altLang="ko-KR" dirty="0" smtClean="0"/>
-              <a:t>CNN/CNN-reduced </a:t>
-            </a:r>
-            <a:r>
+              <a:t> Decentralized CNN/CNN-reduced Model with Practical Restraints</a:t>
+            </a:r>
+            <a:br>
               <a:rPr lang="en-US" altLang="ko-KR" dirty="0"/>
-              <a:t>Model with Practical </a:t>
-            </a:r>
-            <a:r>
-              <a:rPr lang="en-US" altLang="ko-KR" dirty="0" smtClean="0"/>
-              <a:t>Restraints</a:t>
-            </a:r>
-            <a:br>
-              <a:rPr lang="en-US" altLang="ko-KR" dirty="0" smtClean="0"/>
             </a:br>
             <a:endParaRPr lang="ko-KR" altLang="en-US" dirty="0"/>
           </a:p>
@@ -7249,7 +7227,7 @@
           <a:lstStyle/>
           <a:p>
             <a:r>
-              <a:rPr lang="en-US" altLang="ko-KR" dirty="0" smtClean="0"/>
+              <a:rPr lang="en-US" altLang="ko-KR" dirty="0"/>
               <a:t>CNN based model(Single Agent based Model)</a:t>
             </a:r>
             <a:endParaRPr lang="ko-KR" altLang="en-US" dirty="0"/>
@@ -12055,14 +12033,14 @@
           <a:lstStyle/>
           <a:p>
             <a:r>
-              <a:rPr lang="en-US" altLang="ko-KR" sz="1600" dirty="0" smtClean="0"/>
+              <a:rPr lang="en-US" altLang="ko-KR" sz="1600" dirty="0"/>
               <a:t>Vehicle Info</a:t>
             </a:r>
             <a:br>
-              <a:rPr lang="en-US" altLang="ko-KR" sz="1600" dirty="0" smtClean="0"/>
+              <a:rPr lang="en-US" altLang="ko-KR" sz="1600" dirty="0"/>
             </a:br>
             <a:r>
-              <a:rPr lang="en-US" altLang="ko-KR" sz="1600" dirty="0" smtClean="0"/>
+              <a:rPr lang="en-US" altLang="ko-KR" sz="1600" dirty="0"/>
               <a:t>from Traci</a:t>
             </a:r>
             <a:endParaRPr lang="ko-KR" altLang="en-US" sz="1600" dirty="0"/>
@@ -12162,14 +12140,14 @@
           <a:lstStyle/>
           <a:p>
             <a:r>
-              <a:rPr lang="en-US" altLang="ko-KR" sz="1400" dirty="0" smtClean="0"/>
+              <a:rPr lang="en-US" altLang="ko-KR" sz="1400" dirty="0"/>
               <a:t>Left Demand</a:t>
             </a:r>
             <a:br>
-              <a:rPr lang="en-US" altLang="ko-KR" sz="1400" dirty="0" smtClean="0"/>
+              <a:rPr lang="en-US" altLang="ko-KR" sz="1400" dirty="0"/>
             </a:br>
             <a:r>
-              <a:rPr lang="en-US" altLang="ko-KR" sz="1400" dirty="0" smtClean="0"/>
+              <a:rPr lang="en-US" altLang="ko-KR" sz="1400" dirty="0"/>
               <a:t>Straight Demand</a:t>
             </a:r>
             <a:endParaRPr lang="ko-KR" altLang="en-US" sz="1400" dirty="0"/>
@@ -12233,30 +12211,22 @@
           <a:p>
             <a:pPr algn="ctr"/>
             <a:r>
-              <a:rPr lang="en-US" altLang="ko-KR" sz="1600" dirty="0" smtClean="0">
+              <a:rPr lang="en-US" altLang="ko-KR" sz="1600" dirty="0">
                 <a:solidFill>
                   <a:srgbClr val="92D050"/>
                 </a:solidFill>
               </a:rPr>
-              <a:t>Inflow </a:t>
-            </a:r>
-            <a:r>
-              <a:rPr lang="en-US" altLang="ko-KR" sz="1600" dirty="0" smtClean="0">
-                <a:solidFill>
-                  <a:srgbClr val="92D050"/>
-                </a:solidFill>
-              </a:rPr>
-              <a:t>Demand</a:t>
+              <a:t>Inflow Demand</a:t>
             </a:r>
             <a:br>
-              <a:rPr lang="en-US" altLang="ko-KR" sz="1600" dirty="0" smtClean="0">
+              <a:rPr lang="en-US" altLang="ko-KR" sz="1600" dirty="0">
                 <a:solidFill>
                   <a:srgbClr val="92D050"/>
                 </a:solidFill>
               </a:rPr>
             </a:br>
             <a:r>
-              <a:rPr lang="en-US" altLang="ko-KR" sz="1200" dirty="0" smtClean="0">
+              <a:rPr lang="en-US" altLang="ko-KR" sz="1200" dirty="0">
                 <a:solidFill>
                   <a:srgbClr val="92D050"/>
                 </a:solidFill>
@@ -12891,14 +12861,14 @@
             <a:p>
               <a:pPr algn="ctr"/>
               <a:r>
-                <a:rPr lang="en-US" altLang="ko-KR" sz="1000" dirty="0" smtClean="0"/>
+                <a:rPr lang="en-US" altLang="ko-KR" sz="1000" dirty="0"/>
                 <a:t>Intersection </a:t>
               </a:r>
               <a:br>
-                <a:rPr lang="en-US" altLang="ko-KR" sz="1000" dirty="0" smtClean="0"/>
+                <a:rPr lang="en-US" altLang="ko-KR" sz="1000" dirty="0"/>
               </a:br>
               <a:r>
-                <a:rPr lang="en-US" altLang="ko-KR" sz="1000" dirty="0" smtClean="0"/>
+                <a:rPr lang="en-US" altLang="ko-KR" sz="1000" dirty="0"/>
                 <a:t>Traffic Demand</a:t>
               </a:r>
               <a:endParaRPr lang="ko-KR" altLang="en-US" sz="1000" dirty="0"/>
@@ -12930,7 +12900,7 @@
           <a:p>
             <a:pPr algn="ctr"/>
             <a:r>
-              <a:rPr lang="en-US" altLang="ko-KR" sz="1600" dirty="0" smtClean="0">
+              <a:rPr lang="en-US" altLang="ko-KR" sz="1600" dirty="0">
                 <a:solidFill>
                   <a:srgbClr val="92D050"/>
                 </a:solidFill>
@@ -12941,7 +12911,7 @@
           <a:p>
             <a:pPr algn="ctr"/>
             <a:r>
-              <a:rPr lang="en-US" altLang="ko-KR" sz="1600" dirty="0" smtClean="0">
+              <a:rPr lang="en-US" altLang="ko-KR" sz="1600" dirty="0">
                 <a:solidFill>
                   <a:srgbClr val="92D050"/>
                 </a:solidFill>
@@ -12980,7 +12950,7 @@
           <a:p>
             <a:pPr algn="ctr"/>
             <a:r>
-              <a:rPr lang="en-US" altLang="ko-KR" sz="1000" dirty="0" smtClean="0"/>
+              <a:rPr lang="en-US" altLang="ko-KR" sz="1000" dirty="0"/>
               <a:t>Super Q Network</a:t>
             </a:r>
             <a:endParaRPr lang="ko-KR" altLang="en-US" sz="1000" dirty="0"/>
@@ -13011,7 +12981,7 @@
           <a:p>
             <a:pPr algn="ctr"/>
             <a:r>
-              <a:rPr lang="en-US" altLang="ko-KR" sz="1000" dirty="0" smtClean="0"/>
+              <a:rPr lang="en-US" altLang="ko-KR" sz="1000" dirty="0"/>
               <a:t>Time Q Network</a:t>
             </a:r>
             <a:endParaRPr lang="ko-KR" altLang="en-US" sz="1000" dirty="0"/>
@@ -13043,11 +13013,7 @@
             <a:pPr algn="ctr"/>
             <a:r>
               <a:rPr lang="en-US" altLang="ko-KR" sz="1000" dirty="0"/>
-              <a:t>R</a:t>
-            </a:r>
-            <a:r>
-              <a:rPr lang="en-US" altLang="ko-KR" sz="1000" dirty="0" smtClean="0"/>
-              <a:t>ate Q Network</a:t>
+              <a:t>Rate Q Network</a:t>
             </a:r>
             <a:endParaRPr lang="ko-KR" altLang="en-US" sz="1000" dirty="0"/>
           </a:p>
@@ -13077,7 +13043,7 @@
           <a:p>
             <a:pPr algn="ctr"/>
             <a:r>
-              <a:rPr lang="en-US" altLang="ko-KR" sz="1400" dirty="0" smtClean="0">
+              <a:rPr lang="en-US" altLang="ko-KR" sz="1400" dirty="0">
                 <a:solidFill>
                   <a:srgbClr val="C00000"/>
                 </a:solidFill>
@@ -13085,7 +13051,7 @@
               <a:t>Neural Net (Shared </a:t>
             </a:r>
             <a:r>
-              <a:rPr lang="en-US" altLang="ko-KR" sz="1400" dirty="0" err="1" smtClean="0">
+              <a:rPr lang="en-US" altLang="ko-KR" sz="1400" dirty="0" err="1">
                 <a:solidFill>
                   <a:srgbClr val="C00000"/>
                 </a:solidFill>
@@ -13093,7 +13059,7 @@
               <a:t>Params</a:t>
             </a:r>
             <a:r>
-              <a:rPr lang="en-US" altLang="ko-KR" sz="1400" dirty="0" smtClean="0">
+              <a:rPr lang="en-US" altLang="ko-KR" sz="1400" dirty="0">
                 <a:solidFill>
                   <a:srgbClr val="C00000"/>
                 </a:solidFill>
@@ -13240,15 +13206,15 @@
           <a:p>
             <a:pPr algn="ctr"/>
             <a:r>
-              <a:rPr lang="en-US" altLang="ko-KR" sz="1000" dirty="0" err="1" smtClean="0"/>
+              <a:rPr lang="en-US" altLang="ko-KR" sz="1000" dirty="0" err="1"/>
               <a:t>argmaxQ</a:t>
             </a:r>
             <a:r>
-              <a:rPr lang="en-US" altLang="ko-KR" sz="1000" dirty="0" smtClean="0"/>
+              <a:rPr lang="en-US" altLang="ko-KR" sz="1000" dirty="0"/>
               <a:t> = </a:t>
             </a:r>
             <a:r>
-              <a:rPr lang="en-US" altLang="ko-KR" sz="1100" b="1" dirty="0" smtClean="0">
+              <a:rPr lang="en-US" altLang="ko-KR" sz="1100" b="1" dirty="0">
                 <a:solidFill>
                   <a:srgbClr val="00B050"/>
                 </a:solidFill>
@@ -13287,15 +13253,15 @@
           <a:p>
             <a:pPr algn="ctr"/>
             <a:r>
-              <a:rPr lang="en-US" altLang="ko-KR" sz="1000" dirty="0" err="1" smtClean="0"/>
+              <a:rPr lang="en-US" altLang="ko-KR" sz="1000" dirty="0" err="1"/>
               <a:t>argmaxQ</a:t>
             </a:r>
             <a:r>
-              <a:rPr lang="en-US" altLang="ko-KR" sz="1000" dirty="0" smtClean="0"/>
+              <a:rPr lang="en-US" altLang="ko-KR" sz="1000" dirty="0"/>
               <a:t> = </a:t>
             </a:r>
             <a:r>
-              <a:rPr lang="en-US" altLang="ko-KR" sz="1100" b="1" dirty="0" smtClean="0">
+              <a:rPr lang="en-US" altLang="ko-KR" sz="1100" b="1" dirty="0">
                 <a:solidFill>
                   <a:srgbClr val="00B050"/>
                 </a:solidFill>
@@ -13964,7 +13930,7 @@
           <a:lstStyle/>
           <a:p>
             <a:r>
-              <a:rPr lang="en-US" altLang="ko-KR" sz="1200" dirty="0" smtClean="0"/>
+              <a:rPr lang="en-US" altLang="ko-KR" sz="1200" dirty="0"/>
               <a:t>Conv1d</a:t>
             </a:r>
           </a:p>
@@ -13993,18 +13959,13 @@
           <a:lstStyle/>
           <a:p>
             <a:r>
-              <a:rPr lang="en-US" altLang="ko-KR" sz="1200" dirty="0" smtClean="0"/>
-              <a:t>8 Activation </a:t>
-            </a:r>
-            <a:r>
-              <a:rPr lang="en-US" altLang="ko-KR" sz="1200" dirty="0" smtClean="0"/>
-              <a:t>Maps/</a:t>
-            </a:r>
-            <a:endParaRPr lang="en-US" altLang="ko-KR" sz="1200" dirty="0" smtClean="0"/>
-          </a:p>
-          <a:p>
-            <a:r>
-              <a:rPr lang="en-US" altLang="ko-KR" sz="1200" dirty="0" smtClean="0"/>
+              <a:rPr lang="en-US" altLang="ko-KR" sz="1200" dirty="0"/>
+              <a:t>8 Activation Maps/</a:t>
+            </a:r>
+          </a:p>
+          <a:p>
+            <a:r>
+              <a:rPr lang="en-US" altLang="ko-KR" sz="1200" dirty="0"/>
               <a:t>1 Activation Map</a:t>
             </a:r>
             <a:endParaRPr lang="ko-KR" altLang="en-US" sz="1200" dirty="0"/>
@@ -14099,7 +14060,7 @@
           <a:p>
             <a:pPr algn="ctr"/>
             <a:r>
-              <a:rPr lang="en-US" altLang="ko-KR" sz="1400" dirty="0" smtClean="0">
+              <a:rPr lang="en-US" altLang="ko-KR" sz="1400" dirty="0">
                 <a:solidFill>
                   <a:schemeClr val="tx1"/>
                 </a:solidFill>
@@ -14114,6 +14075,94 @@
           </a:p>
         </p:txBody>
       </p:sp>
+      <p:cxnSp>
+        <p:nvCxnSpPr>
+          <p:cNvPr id="170" name="직선 화살표 연결선 169">
+            <a:extLst>
+              <a:ext uri="{FF2B5EF4-FFF2-40B4-BE49-F238E27FC236}">
+                <a16:creationId xmlns:a16="http://schemas.microsoft.com/office/drawing/2014/main" id="{A5C2C1BB-9B66-495A-9CC9-7F747BD1BFE6}"/>
+              </a:ext>
+            </a:extLst>
+          </p:cNvPr>
+          <p:cNvCxnSpPr>
+            <a:cxnSpLocks/>
+          </p:cNvCxnSpPr>
+          <p:nvPr/>
+        </p:nvCxnSpPr>
+        <p:spPr>
+          <a:xfrm>
+            <a:off x="1820192" y="3606125"/>
+            <a:ext cx="423218" cy="623448"/>
+          </a:xfrm>
+          <a:prstGeom prst="straightConnector1">
+            <a:avLst/>
+          </a:prstGeom>
+          <a:ln w="28575">
+            <a:solidFill>
+              <a:schemeClr val="tx1"/>
+            </a:solidFill>
+            <a:tailEnd type="triangle"/>
+          </a:ln>
+        </p:spPr>
+        <p:style>
+          <a:lnRef idx="1">
+            <a:schemeClr val="dk1"/>
+          </a:lnRef>
+          <a:fillRef idx="0">
+            <a:schemeClr val="dk1"/>
+          </a:fillRef>
+          <a:effectRef idx="0">
+            <a:schemeClr val="dk1"/>
+          </a:effectRef>
+          <a:fontRef idx="minor">
+            <a:schemeClr val="tx1"/>
+          </a:fontRef>
+        </p:style>
+      </p:cxnSp>
+      <p:cxnSp>
+        <p:nvCxnSpPr>
+          <p:cNvPr id="171" name="직선 화살표 연결선 170">
+            <a:extLst>
+              <a:ext uri="{FF2B5EF4-FFF2-40B4-BE49-F238E27FC236}">
+                <a16:creationId xmlns:a16="http://schemas.microsoft.com/office/drawing/2014/main" id="{29CFC6F0-9A03-47A5-B508-C2132B7FA70D}"/>
+              </a:ext>
+            </a:extLst>
+          </p:cNvPr>
+          <p:cNvCxnSpPr>
+            <a:cxnSpLocks/>
+          </p:cNvCxnSpPr>
+          <p:nvPr/>
+        </p:nvCxnSpPr>
+        <p:spPr>
+          <a:xfrm flipV="1">
+            <a:off x="1821888" y="5131796"/>
+            <a:ext cx="350423" cy="229360"/>
+          </a:xfrm>
+          <a:prstGeom prst="straightConnector1">
+            <a:avLst/>
+          </a:prstGeom>
+          <a:ln w="28575">
+            <a:solidFill>
+              <a:schemeClr val="tx1"/>
+            </a:solidFill>
+            <a:tailEnd type="triangle"/>
+          </a:ln>
+        </p:spPr>
+        <p:style>
+          <a:lnRef idx="1">
+            <a:schemeClr val="dk1"/>
+          </a:lnRef>
+          <a:fillRef idx="0">
+            <a:schemeClr val="dk1"/>
+          </a:fillRef>
+          <a:effectRef idx="0">
+            <a:schemeClr val="dk1"/>
+          </a:effectRef>
+          <a:fontRef idx="minor">
+            <a:schemeClr val="tx1"/>
+          </a:fontRef>
+        </p:style>
+      </p:cxnSp>
     </p:spTree>
     <p:extLst>
       <p:ext uri="{BB962C8B-B14F-4D97-AF65-F5344CB8AC3E}">
@@ -14197,22 +14246,18 @@
           <a:lstStyle/>
           <a:p>
             <a:r>
-              <a:rPr lang="en-US" altLang="ko-KR" dirty="0" smtClean="0"/>
-              <a:t>CNN </a:t>
-            </a:r>
-            <a:r>
-              <a:rPr lang="en-US" altLang="ko-KR" dirty="0" smtClean="0"/>
-              <a:t>Model</a:t>
+              <a:rPr lang="en-US" altLang="ko-KR" dirty="0"/>
+              <a:t>CNN Model</a:t>
             </a:r>
           </a:p>
           <a:p>
             <a:pPr lvl="1"/>
             <a:r>
-              <a:rPr lang="en-US" altLang="ko-KR" sz="1400" dirty="0" smtClean="0"/>
+              <a:rPr lang="en-US" altLang="ko-KR" sz="1400" dirty="0"/>
               <a:t>8 feature </a:t>
             </a:r>
             <a:r>
-              <a:rPr lang="en-US" altLang="ko-KR" sz="1400" dirty="0" smtClean="0">
+              <a:rPr lang="en-US" altLang="ko-KR" sz="1400" dirty="0">
                 <a:sym typeface="Wingdings" panose="05000000000000000000" pitchFamily="2" charset="2"/>
               </a:rPr>
               <a:t> Checking demand change</a:t>
@@ -14495,22 +14540,18 @@
           </a:lstStyle>
           <a:p>
             <a:r>
-              <a:rPr lang="en-US" altLang="ko-KR" dirty="0" smtClean="0"/>
-              <a:t>CNN-reduced </a:t>
-            </a:r>
-            <a:r>
-              <a:rPr lang="en-US" altLang="ko-KR" dirty="0" smtClean="0"/>
-              <a:t>Model</a:t>
+              <a:rPr lang="en-US" altLang="ko-KR" dirty="0"/>
+              <a:t>CNN-reduced Model</a:t>
             </a:r>
           </a:p>
           <a:p>
             <a:pPr lvl="1"/>
             <a:r>
-              <a:rPr lang="en-US" altLang="ko-KR" sz="1400" dirty="0" smtClean="0"/>
+              <a:rPr lang="en-US" altLang="ko-KR" sz="1400" dirty="0"/>
               <a:t>1 feature </a:t>
             </a:r>
             <a:r>
-              <a:rPr lang="en-US" altLang="ko-KR" sz="1400" dirty="0" smtClean="0">
+              <a:rPr lang="en-US" altLang="ko-KR" sz="1400" dirty="0">
                 <a:sym typeface="Wingdings" panose="05000000000000000000" pitchFamily="2" charset="2"/>
               </a:rPr>
               <a:t> Current traffic info</a:t>
@@ -14605,11 +14646,11 @@
                     <a:p>
                       <a:pPr latinLnBrk="1"/>
                       <a:r>
-                        <a:rPr lang="en-US" altLang="ko-KR" sz="1300" dirty="0" err="1" smtClean="0"/>
+                        <a:rPr lang="en-US" altLang="ko-KR" sz="1300" dirty="0" err="1"/>
                         <a:t>Avg</a:t>
                       </a:r>
                       <a:r>
-                        <a:rPr lang="en-US" altLang="ko-KR" sz="1300" baseline="0" dirty="0" smtClean="0"/>
+                        <a:rPr lang="en-US" altLang="ko-KR" sz="1300" baseline="0" dirty="0"/>
                         <a:t> Value</a:t>
                       </a:r>
                       <a:endParaRPr lang="ko-KR" altLang="en-US" sz="1300" dirty="0"/>
@@ -14624,7 +14665,7 @@
                     <a:p>
                       <a:pPr latinLnBrk="1"/>
                       <a:r>
-                        <a:rPr lang="en-US" altLang="ko-KR" sz="1300" dirty="0" smtClean="0"/>
+                        <a:rPr lang="en-US" altLang="ko-KR" sz="1300" dirty="0"/>
                         <a:t>Simulation</a:t>
                       </a:r>
                       <a:endParaRPr lang="ko-KR" altLang="en-US" sz="1300" dirty="0"/>
@@ -14639,7 +14680,7 @@
                     <a:p>
                       <a:pPr latinLnBrk="1"/>
                       <a:r>
-                        <a:rPr lang="en-US" altLang="ko-KR" sz="1300" dirty="0" smtClean="0"/>
+                        <a:rPr lang="en-US" altLang="ko-KR" sz="1300" dirty="0"/>
                         <a:t>Decentralized-CNN</a:t>
                       </a:r>
                       <a:endParaRPr lang="ko-KR" altLang="en-US" sz="1300" dirty="0"/>
@@ -14654,7 +14695,7 @@
                     <a:p>
                       <a:pPr latinLnBrk="1"/>
                       <a:r>
-                        <a:rPr lang="en-US" altLang="ko-KR" sz="1300" dirty="0" smtClean="0"/>
+                        <a:rPr lang="en-US" altLang="ko-KR" sz="1300" dirty="0"/>
                         <a:t>Decentralized-CNN-reduced</a:t>
                       </a:r>
                       <a:endParaRPr lang="ko-KR" altLang="en-US" sz="1300" dirty="0"/>
@@ -14676,14 +14717,14 @@
                     <a:p>
                       <a:pPr latinLnBrk="1"/>
                       <a:r>
-                        <a:rPr lang="en-US" altLang="ko-KR" sz="1300" dirty="0" smtClean="0"/>
+                        <a:rPr lang="en-US" altLang="ko-KR" sz="1300" dirty="0"/>
                         <a:t>Travel Time</a:t>
                       </a:r>
                     </a:p>
                     <a:p>
                       <a:pPr latinLnBrk="1"/>
                       <a:r>
-                        <a:rPr lang="en-US" altLang="ko-KR" sz="1300" dirty="0" smtClean="0"/>
+                        <a:rPr lang="en-US" altLang="ko-KR" sz="1300" dirty="0"/>
                         <a:t>(per edge)</a:t>
                       </a:r>
                       <a:endParaRPr lang="ko-KR" altLang="en-US" sz="1300" dirty="0"/>
@@ -14698,7 +14739,7 @@
                     <a:p>
                       <a:pPr latinLnBrk="1"/>
                       <a:r>
-                        <a:rPr lang="en-US" altLang="ko-KR" sz="1300" dirty="0" smtClean="0"/>
+                        <a:rPr lang="en-US" altLang="ko-KR" sz="1300" dirty="0"/>
                         <a:t>13.82s</a:t>
                       </a:r>
                       <a:endParaRPr lang="ko-KR" altLang="en-US" sz="1300" dirty="0"/>
@@ -14713,7 +14754,7 @@
                     <a:p>
                       <a:pPr latinLnBrk="1"/>
                       <a:r>
-                        <a:rPr lang="en-US" altLang="ko-KR" sz="1300" dirty="0" smtClean="0"/>
+                        <a:rPr lang="en-US" altLang="ko-KR" sz="1300" dirty="0"/>
                         <a:t>14.5s</a:t>
                       </a:r>
                       <a:endParaRPr lang="ko-KR" altLang="en-US" sz="1300" dirty="0"/>
@@ -14728,7 +14769,7 @@
                     <a:p>
                       <a:pPr latinLnBrk="1"/>
                       <a:r>
-                        <a:rPr lang="en-US" altLang="ko-KR" sz="1300" dirty="0" smtClean="0"/>
+                        <a:rPr lang="en-US" altLang="ko-KR" sz="1300" dirty="0"/>
                         <a:t>14.4s</a:t>
                       </a:r>
                       <a:endParaRPr lang="ko-KR" altLang="en-US" sz="1300" dirty="0"/>
@@ -14750,7 +14791,7 @@
                     <a:p>
                       <a:pPr latinLnBrk="1"/>
                       <a:r>
-                        <a:rPr lang="en-US" altLang="ko-KR" sz="1300" dirty="0" smtClean="0"/>
+                        <a:rPr lang="en-US" altLang="ko-KR" sz="1300" dirty="0"/>
                         <a:t>Velocity</a:t>
                       </a:r>
                       <a:endParaRPr lang="ko-KR" altLang="en-US" sz="1300" dirty="0"/>
@@ -14765,7 +14806,7 @@
                     <a:p>
                       <a:pPr latinLnBrk="1"/>
                       <a:r>
-                        <a:rPr lang="en-US" altLang="ko-KR" sz="1300" dirty="0" smtClean="0"/>
+                        <a:rPr lang="en-US" altLang="ko-KR" sz="1300" dirty="0"/>
                         <a:t>5.93m/s</a:t>
                       </a:r>
                       <a:endParaRPr lang="ko-KR" altLang="en-US" sz="1300" dirty="0"/>
@@ -14780,7 +14821,7 @@
                     <a:p>
                       <a:pPr latinLnBrk="1"/>
                       <a:r>
-                        <a:rPr lang="en-US" altLang="ko-KR" sz="1300" dirty="0" smtClean="0"/>
+                        <a:rPr lang="en-US" altLang="ko-KR" sz="1300" dirty="0"/>
                         <a:t>5.79m/s</a:t>
                       </a:r>
                       <a:endParaRPr lang="ko-KR" altLang="en-US" sz="1300" dirty="0"/>
@@ -14795,7 +14836,7 @@
                     <a:p>
                       <a:pPr latinLnBrk="1"/>
                       <a:r>
-                        <a:rPr lang="en-US" altLang="ko-KR" sz="1300" dirty="0" smtClean="0"/>
+                        <a:rPr lang="en-US" altLang="ko-KR" sz="1300" dirty="0"/>
                         <a:t>5.80m/s</a:t>
                       </a:r>
                       <a:endParaRPr lang="ko-KR" altLang="en-US" sz="1300" dirty="0"/>
@@ -14817,18 +14858,18 @@
                     <a:p>
                       <a:pPr latinLnBrk="1"/>
                       <a:r>
-                        <a:rPr lang="en-US" altLang="ko-KR" sz="1300" dirty="0" smtClean="0"/>
+                        <a:rPr lang="en-US" altLang="ko-KR" sz="1300" dirty="0"/>
                         <a:t>Waiting Time</a:t>
                       </a:r>
                       <a:br>
-                        <a:rPr lang="en-US" altLang="ko-KR" sz="1300" dirty="0" smtClean="0"/>
+                        <a:rPr lang="en-US" altLang="ko-KR" sz="1300" dirty="0"/>
                       </a:br>
                       <a:r>
-                        <a:rPr lang="en-US" altLang="ko-KR" sz="1300" dirty="0" smtClean="0"/>
+                        <a:rPr lang="en-US" altLang="ko-KR" sz="1300" dirty="0"/>
                         <a:t>(whole</a:t>
                       </a:r>
                       <a:r>
-                        <a:rPr lang="en-US" altLang="ko-KR" sz="1300" baseline="0" dirty="0" smtClean="0"/>
+                        <a:rPr lang="en-US" altLang="ko-KR" sz="1300" baseline="0" dirty="0"/>
                         <a:t> trip)</a:t>
                       </a:r>
                       <a:endParaRPr lang="ko-KR" altLang="en-US" sz="1300" dirty="0"/>
@@ -14843,11 +14884,11 @@
                     <a:p>
                       <a:pPr latinLnBrk="1"/>
                       <a:r>
-                        <a:rPr lang="en-US" altLang="ko-KR" sz="1300" dirty="0" smtClean="0"/>
+                        <a:rPr lang="en-US" altLang="ko-KR" sz="1300" dirty="0"/>
                         <a:t>495.5s/</a:t>
                       </a:r>
                       <a:r>
-                        <a:rPr lang="en-US" altLang="ko-KR" sz="1300" dirty="0" err="1" smtClean="0"/>
+                        <a:rPr lang="en-US" altLang="ko-KR" sz="1300" dirty="0" err="1"/>
                         <a:t>veh</a:t>
                       </a:r>
                       <a:endParaRPr lang="ko-KR" altLang="en-US" sz="1300" dirty="0"/>
@@ -14862,11 +14903,11 @@
                     <a:p>
                       <a:pPr latinLnBrk="1"/>
                       <a:r>
-                        <a:rPr lang="en-US" altLang="ko-KR" sz="1300" dirty="0" smtClean="0"/>
+                        <a:rPr lang="en-US" altLang="ko-KR" sz="1300" dirty="0"/>
                         <a:t>534s/</a:t>
                       </a:r>
                       <a:r>
-                        <a:rPr lang="en-US" altLang="ko-KR" sz="1300" dirty="0" err="1" smtClean="0"/>
+                        <a:rPr lang="en-US" altLang="ko-KR" sz="1300" dirty="0" err="1"/>
                         <a:t>veh</a:t>
                       </a:r>
                       <a:endParaRPr lang="ko-KR" altLang="en-US" sz="1300" dirty="0"/>
@@ -14881,11 +14922,11 @@
                     <a:p>
                       <a:pPr latinLnBrk="1"/>
                       <a:r>
-                        <a:rPr lang="en-US" altLang="ko-KR" sz="1300" dirty="0" smtClean="0"/>
+                        <a:rPr lang="en-US" altLang="ko-KR" sz="1300" dirty="0"/>
                         <a:t>530s/</a:t>
                       </a:r>
                       <a:r>
-                        <a:rPr lang="en-US" altLang="ko-KR" sz="1300" dirty="0" err="1" smtClean="0"/>
+                        <a:rPr lang="en-US" altLang="ko-KR" sz="1300" dirty="0" err="1"/>
                         <a:t>veh</a:t>
                       </a:r>
                       <a:endParaRPr lang="ko-KR" altLang="en-US" sz="1300" dirty="0"/>
@@ -14907,11 +14948,11 @@
                     <a:p>
                       <a:pPr latinLnBrk="1"/>
                       <a:r>
-                        <a:rPr lang="en-US" altLang="ko-KR" sz="1300" dirty="0" smtClean="0"/>
+                        <a:rPr lang="en-US" altLang="ko-KR" sz="1300" dirty="0"/>
                         <a:t>Arrived </a:t>
                       </a:r>
                       <a:r>
-                        <a:rPr lang="en-US" altLang="ko-KR" sz="1300" dirty="0" err="1" smtClean="0"/>
+                        <a:rPr lang="en-US" altLang="ko-KR" sz="1300" dirty="0" err="1"/>
                         <a:t>Num</a:t>
                       </a:r>
                       <a:endParaRPr lang="ko-KR" altLang="en-US" sz="1300" dirty="0"/>
@@ -14926,7 +14967,7 @@
                     <a:p>
                       <a:pPr latinLnBrk="1"/>
                       <a:r>
-                        <a:rPr lang="en-US" altLang="ko-KR" sz="1300" dirty="0" smtClean="0"/>
+                        <a:rPr lang="en-US" altLang="ko-KR" sz="1300" dirty="0"/>
                         <a:t>10951</a:t>
                       </a:r>
                       <a:endParaRPr lang="ko-KR" altLang="en-US" sz="1300" dirty="0"/>
@@ -14941,7 +14982,7 @@
                     <a:p>
                       <a:pPr latinLnBrk="1"/>
                       <a:r>
-                        <a:rPr lang="en-US" altLang="ko-KR" sz="1300" dirty="0" smtClean="0"/>
+                        <a:rPr lang="en-US" altLang="ko-KR" sz="1300" dirty="0"/>
                         <a:t>11022</a:t>
                       </a:r>
                       <a:endParaRPr lang="ko-KR" altLang="en-US" sz="1300" dirty="0"/>
@@ -14956,7 +14997,7 @@
                     <a:p>
                       <a:pPr latinLnBrk="1"/>
                       <a:r>
-                        <a:rPr lang="en-US" altLang="ko-KR" sz="1300" dirty="0" smtClean="0"/>
+                        <a:rPr lang="en-US" altLang="ko-KR" sz="1300" dirty="0"/>
                         <a:t>11024</a:t>
                       </a:r>
                       <a:endParaRPr lang="ko-KR" altLang="en-US" sz="1300" dirty="0"/>
@@ -15023,21 +15064,17 @@
           <a:p>
             <a:r>
               <a:rPr lang="en-US" altLang="ko-KR" dirty="0"/>
-              <a:t>Continuous Action Model with Practical </a:t>
-            </a:r>
-            <a:r>
-              <a:rPr lang="en-US" altLang="ko-KR" dirty="0" smtClean="0"/>
-              <a:t>Restraints</a:t>
+              <a:t>Continuous Action Model with Practical Restraints</a:t>
             </a:r>
             <a:br>
-              <a:rPr lang="en-US" altLang="ko-KR" dirty="0" smtClean="0"/>
+              <a:rPr lang="en-US" altLang="ko-KR" dirty="0"/>
             </a:br>
             <a:endParaRPr lang="en-US" altLang="ko-KR" dirty="0"/>
           </a:p>
         </p:txBody>
       </p:sp>
-      <mc:AlternateContent xmlns:mc="http://schemas.openxmlformats.org/markup-compatibility/2006">
-        <mc:Choice xmlns:a14="http://schemas.microsoft.com/office/drawing/2010/main" Requires="a14">
+      <mc:AlternateContent xmlns:mc="http://schemas.openxmlformats.org/markup-compatibility/2006" xmlns:a14="http://schemas.microsoft.com/office/drawing/2010/main">
+        <mc:Choice Requires="a14">
           <p:sp>
             <p:nvSpPr>
               <p:cNvPr id="3" name="내용 개체 틀 2"/>
@@ -15054,18 +15091,18 @@
               <a:lstStyle/>
               <a:p>
                 <a:r>
-                  <a:rPr lang="en-US" altLang="ko-KR" dirty="0" smtClean="0"/>
+                  <a:rPr lang="en-US" altLang="ko-KR" dirty="0"/>
                   <a:t> DDPG based Model</a:t>
                 </a:r>
               </a:p>
               <a:p>
                 <a:pPr lvl="1"/>
                 <a:r>
-                  <a:rPr lang="en-US" altLang="ko-KR" dirty="0" smtClean="0"/>
+                  <a:rPr lang="en-US" altLang="ko-KR" dirty="0"/>
                   <a:t>Current action space: Time, Rate </a:t>
                 </a:r>
                 <a:r>
-                  <a:rPr lang="en-US" altLang="ko-KR" dirty="0" smtClean="0">
+                  <a:rPr lang="en-US" altLang="ko-KR" dirty="0">
                     <a:sym typeface="Wingdings" panose="05000000000000000000" pitchFamily="2" charset="2"/>
                   </a:rPr>
                   <a:t> Phase length (for each phase)</a:t>
@@ -15074,7 +15111,7 @@
               <a:p>
                 <a:pPr lvl="1"/>
                 <a:r>
-                  <a:rPr lang="en-US" altLang="ko-KR" dirty="0" smtClean="0">
+                  <a:rPr lang="en-US" altLang="ko-KR" dirty="0">
                     <a:sym typeface="Wingdings" panose="05000000000000000000" pitchFamily="2" charset="2"/>
                   </a:rPr>
                   <a:t>Splitting rest of time (Total TL period – sum of min durations for each phase)</a:t>
@@ -15083,19 +15120,19 @@
               <a:p>
                 <a:pPr lvl="1"/>
                 <a:r>
-                  <a:rPr lang="en-US" altLang="ko-KR" dirty="0" smtClean="0">
+                  <a:rPr lang="en-US" altLang="ko-KR" dirty="0">
                     <a:sym typeface="Wingdings" panose="05000000000000000000" pitchFamily="2" charset="2"/>
                   </a:rPr>
                   <a:t>Phase distribution by the results of </a:t>
                 </a:r>
                 <a:r>
-                  <a:rPr lang="en-US" altLang="ko-KR" dirty="0" err="1" smtClean="0">
+                  <a:rPr lang="en-US" altLang="ko-KR" dirty="0" err="1">
                     <a:sym typeface="Wingdings" panose="05000000000000000000" pitchFamily="2" charset="2"/>
                   </a:rPr>
                   <a:t>softmax</a:t>
                 </a:r>
                 <a:r>
-                  <a:rPr lang="en-US" altLang="ko-KR" dirty="0" smtClean="0">
+                  <a:rPr lang="en-US" altLang="ko-KR" dirty="0">
                     <a:sym typeface="Wingdings" panose="05000000000000000000" pitchFamily="2" charset="2"/>
                   </a:rPr>
                   <a:t>(</a:t>
@@ -15133,31 +15170,28 @@
                   </m:oMath>
                 </a14:m>
                 <a:r>
-                  <a:rPr lang="en-US" altLang="ko-KR" dirty="0" smtClean="0">
+                  <a:rPr lang="en-US" altLang="ko-KR" dirty="0">
                     <a:sym typeface="Wingdings" panose="05000000000000000000" pitchFamily="2" charset="2"/>
                   </a:rPr>
                   <a:t>)</a:t>
                 </a:r>
-                <a:endParaRPr lang="en-US" altLang="ko-KR" dirty="0">
-                  <a:sym typeface="Wingdings" panose="05000000000000000000" pitchFamily="2" charset="2"/>
-                </a:endParaRPr>
               </a:p>
               <a:p>
                 <a:pPr lvl="2"/>
                 <a:r>
-                  <a:rPr lang="en-US" altLang="ko-KR" dirty="0" smtClean="0">
+                  <a:rPr lang="en-US" altLang="ko-KR" dirty="0">
                     <a:sym typeface="Wingdings" panose="05000000000000000000" pitchFamily="2" charset="2"/>
                   </a:rPr>
                   <a:t>Sum of results by </a:t>
                 </a:r>
                 <a:r>
-                  <a:rPr lang="en-US" altLang="ko-KR" dirty="0" err="1" smtClean="0">
+                  <a:rPr lang="en-US" altLang="ko-KR" dirty="0" err="1">
                     <a:sym typeface="Wingdings" panose="05000000000000000000" pitchFamily="2" charset="2"/>
                   </a:rPr>
                   <a:t>softmax</a:t>
                 </a:r>
                 <a:r>
-                  <a:rPr lang="en-US" altLang="ko-KR" dirty="0" smtClean="0">
+                  <a:rPr lang="en-US" altLang="ko-KR" dirty="0">
                     <a:sym typeface="Wingdings" panose="05000000000000000000" pitchFamily="2" charset="2"/>
                   </a:rPr>
                   <a:t> function =1  Easy to distribute length of phase</a:t>
@@ -15169,7 +15203,7 @@
             </p:txBody>
           </p:sp>
         </mc:Choice>
-        <mc:Fallback>
+        <mc:Fallback xmlns="">
           <p:sp>
             <p:nvSpPr>
               <p:cNvPr id="3" name="내용 개체 틀 2"/>
@@ -15387,7 +15421,7 @@
           <a:p>
             <a:pPr algn="ctr"/>
             <a:r>
-              <a:rPr lang="en-US" altLang="ko-KR" sz="1400" dirty="0" smtClean="0"/>
+              <a:rPr lang="en-US" altLang="ko-KR" sz="1400" dirty="0"/>
               <a:t>Min Duration</a:t>
             </a:r>
             <a:endParaRPr lang="ko-KR" altLang="en-US" sz="1400" dirty="0"/>
@@ -15578,7 +15612,7 @@
           <a:p>
             <a:pPr algn="ctr"/>
             <a:r>
-              <a:rPr lang="en-US" altLang="ko-KR" sz="1400" dirty="0" smtClean="0"/>
+              <a:rPr lang="en-US" altLang="ko-KR" sz="1400" dirty="0"/>
               <a:t>Action</a:t>
             </a:r>
             <a:endParaRPr lang="ko-KR" altLang="en-US" sz="1400" dirty="0"/>
@@ -15648,7 +15682,7 @@
           <a:p>
             <a:pPr algn="ctr"/>
             <a:r>
-              <a:rPr lang="en-US" altLang="ko-KR" sz="1400" dirty="0" smtClean="0">
+              <a:rPr lang="en-US" altLang="ko-KR" sz="1400" dirty="0">
                 <a:solidFill>
                   <a:srgbClr val="7030A0"/>
                 </a:solidFill>
@@ -15866,7 +15900,7 @@
           <a:p>
             <a:pPr algn="ctr"/>
             <a:r>
-              <a:rPr lang="en-US" altLang="ko-KR" dirty="0" smtClean="0">
+              <a:rPr lang="en-US" altLang="ko-KR" dirty="0">
                 <a:solidFill>
                   <a:srgbClr val="0070C0"/>
                 </a:solidFill>
@@ -15992,7 +16026,7 @@
           <a:p>
             <a:pPr algn="ctr"/>
             <a:r>
-              <a:rPr lang="en-US" altLang="ko-KR" dirty="0" smtClean="0">
+              <a:rPr lang="en-US" altLang="ko-KR" dirty="0">
                 <a:solidFill>
                   <a:srgbClr val="92D050"/>
                 </a:solidFill>
@@ -16043,8 +16077,8 @@
           </a:fontRef>
         </p:style>
       </p:cxnSp>
-      <mc:AlternateContent xmlns:mc="http://schemas.openxmlformats.org/markup-compatibility/2006">
-        <mc:Choice xmlns:a14="http://schemas.microsoft.com/office/drawing/2010/main" Requires="a14">
+      <mc:AlternateContent xmlns:mc="http://schemas.openxmlformats.org/markup-compatibility/2006" xmlns:a14="http://schemas.microsoft.com/office/drawing/2010/main">
+        <mc:Choice Requires="a14">
           <p:sp>
             <p:nvSpPr>
               <p:cNvPr id="28" name="직사각형 27"/>
@@ -16119,7 +16153,7 @@
             </p:txBody>
           </p:sp>
         </mc:Choice>
-        <mc:Fallback>
+        <mc:Fallback xmlns="">
           <p:sp>
             <p:nvSpPr>
               <p:cNvPr id="28" name="직사각형 27"/>
@@ -16194,7 +16228,7 @@
           <a:p>
             <a:pPr algn="ctr"/>
             <a:r>
-              <a:rPr lang="en-US" altLang="ko-KR" dirty="0" smtClean="0">
+              <a:rPr lang="en-US" altLang="ko-KR" dirty="0">
                 <a:solidFill>
                   <a:schemeClr val="tx1"/>
                 </a:solidFill>
@@ -16309,7 +16343,7 @@
           <a:lstStyle/>
           <a:p>
             <a:r>
-              <a:rPr lang="en-US" altLang="ko-KR" sz="1200" dirty="0" smtClean="0"/>
+              <a:rPr lang="en-US" altLang="ko-KR" sz="1200" dirty="0"/>
               <a:t>State</a:t>
             </a:r>
             <a:endParaRPr lang="ko-KR" altLang="en-US" sz="1200" dirty="0"/>
@@ -16375,7 +16409,7 @@
           <a:lstStyle/>
           <a:p>
             <a:r>
-              <a:rPr lang="en-US" altLang="ko-KR" sz="1600" dirty="0" smtClean="0">
+              <a:rPr lang="en-US" altLang="ko-KR" sz="1600" dirty="0">
                 <a:solidFill>
                   <a:srgbClr val="92D050"/>
                 </a:solidFill>
@@ -16383,7 +16417,7 @@
               <a:t>Update,      </a:t>
             </a:r>
             <a:r>
-              <a:rPr lang="en-US" altLang="ko-KR" sz="1600" dirty="0" smtClean="0">
+              <a:rPr lang="en-US" altLang="ko-KR" sz="1600" dirty="0">
                 <a:solidFill>
                   <a:srgbClr val="0070C0"/>
                 </a:solidFill>
@@ -16495,7 +16529,7 @@
           <a:p>
             <a:pPr algn="ctr"/>
             <a:r>
-              <a:rPr lang="en-US" altLang="ko-KR" sz="1400" dirty="0" smtClean="0">
+              <a:rPr lang="en-US" altLang="ko-KR" sz="1400" dirty="0">
                 <a:solidFill>
                   <a:srgbClr val="C00000"/>
                 </a:solidFill>
@@ -16675,7 +16709,7 @@
           <a:p>
             <a:pPr algn="ctr"/>
             <a:r>
-              <a:rPr lang="en-US" altLang="ko-KR" dirty="0" smtClean="0">
+              <a:rPr lang="en-US" altLang="ko-KR" dirty="0">
                 <a:solidFill>
                   <a:srgbClr val="0070C0"/>
                 </a:solidFill>
@@ -16839,7 +16873,7 @@
           <a:p>
             <a:pPr algn="ctr"/>
             <a:r>
-              <a:rPr lang="en-US" altLang="ko-KR" dirty="0" smtClean="0">
+              <a:rPr lang="en-US" altLang="ko-KR" dirty="0">
                 <a:solidFill>
                   <a:srgbClr val="92D050"/>
                 </a:solidFill>
@@ -16949,7 +16983,7 @@
           <a:p>
             <a:pPr algn="ctr"/>
             <a:r>
-              <a:rPr lang="en-US" altLang="ko-KR" sz="1100" dirty="0" smtClean="0"/>
+              <a:rPr lang="en-US" altLang="ko-KR" sz="1100" dirty="0"/>
               <a:t>Soft Update</a:t>
             </a:r>
             <a:endParaRPr lang="ko-KR" altLang="en-US" sz="1100" dirty="0"/>
@@ -17041,7 +17075,7 @@
           <a:p>
             <a:pPr algn="ctr"/>
             <a:r>
-              <a:rPr lang="en-US" altLang="ko-KR" sz="3600" dirty="0" smtClean="0"/>
+              <a:rPr lang="en-US" altLang="ko-KR" sz="3600" dirty="0"/>
               <a:t>Thank you</a:t>
             </a:r>
             <a:endParaRPr lang="ko-KR" altLang="en-US" sz="3600" dirty="0"/>
@@ -17189,20 +17223,16 @@
           <a:p>
             <a:pPr lvl="1"/>
             <a:r>
-              <a:rPr lang="en-US" altLang="ko-KR" dirty="0" smtClean="0"/>
+              <a:rPr lang="en-US" altLang="ko-KR" dirty="0"/>
               <a:t>3x3Grid/</a:t>
             </a:r>
             <a:r>
-              <a:rPr lang="en-US" altLang="ko-KR" dirty="0" err="1" smtClean="0"/>
+              <a:rPr lang="en-US" altLang="ko-KR" dirty="0" err="1"/>
               <a:t>Dunsan</a:t>
             </a:r>
             <a:r>
-              <a:rPr lang="en-US" altLang="ko-KR" dirty="0" smtClean="0"/>
-              <a:t> </a:t>
-            </a:r>
-            <a:r>
               <a:rPr lang="en-US" altLang="ko-KR" dirty="0"/>
-              <a:t>Decentralized</a:t>
+              <a:t> Decentralized</a:t>
             </a:r>
             <a:r>
               <a:rPr lang="ko-KR" altLang="en-US" dirty="0"/>
@@ -17237,15 +17267,7 @@
             </a:r>
             <a:r>
               <a:rPr lang="en-US" altLang="ko-KR" dirty="0"/>
-              <a:t> </a:t>
-            </a:r>
-            <a:r>
-              <a:rPr lang="en-US" altLang="ko-KR" dirty="0" smtClean="0"/>
-              <a:t>Decentralized CNN/CNN-reduced </a:t>
-            </a:r>
-            <a:r>
-              <a:rPr lang="en-US" altLang="ko-KR" dirty="0"/>
-              <a:t>Model with Practical Restraints</a:t>
+              <a:t> Decentralized CNN/CNN-reduced Model with Practical Restraints</a:t>
             </a:r>
           </a:p>
           <a:p>
@@ -17270,19 +17292,7 @@
             <a:pPr lvl="1"/>
             <a:r>
               <a:rPr lang="en-US" altLang="ko-KR" dirty="0"/>
-              <a:t>Continuous Action Model with </a:t>
-            </a:r>
-            <a:r>
-              <a:rPr lang="en-US" altLang="ko-KR" dirty="0" smtClean="0"/>
-              <a:t>Practical </a:t>
-            </a:r>
-            <a:r>
-              <a:rPr lang="en-US" altLang="ko-KR" dirty="0"/>
-              <a:t>R</a:t>
-            </a:r>
-            <a:r>
-              <a:rPr lang="en-US" altLang="ko-KR" dirty="0" smtClean="0"/>
-              <a:t>estraints</a:t>
+              <a:t>Continuous Action Model with Practical Restraints</a:t>
             </a:r>
             <a:endParaRPr lang="ko-KR" altLang="en-US" dirty="0"/>
           </a:p>
@@ -18305,21 +18315,8 @@
             <a:pPr lvl="1"/>
             <a:r>
               <a:rPr lang="en-US" altLang="ko-KR" dirty="0"/>
-              <a:t>Update </a:t>
-            </a:r>
-            <a:r>
-              <a:rPr lang="en-US" altLang="ko-KR" dirty="0" smtClean="0"/>
-              <a:t>phase demand(# of vehicles inflow) </a:t>
-            </a:r>
-            <a:r>
-              <a:rPr lang="en-US" altLang="ko-KR" dirty="0"/>
-              <a:t>from end of </a:t>
-            </a:r>
-            <a:r>
-              <a:rPr lang="en-US" altLang="ko-KR" dirty="0" smtClean="0"/>
-              <a:t>phase period</a:t>
-            </a:r>
-            <a:endParaRPr lang="en-US" altLang="ko-KR" dirty="0"/>
+              <a:t>Update phase demand(# of vehicles inflow) from end of phase period</a:t>
+            </a:r>
           </a:p>
           <a:p>
             <a:pPr lvl="1"/>
@@ -18458,13 +18455,8 @@
                 <a:pPr lvl="1"/>
                 <a:r>
                   <a:rPr lang="en-US" altLang="ko-KR" dirty="0"/>
-                  <a:t>Common phase-based ratio discrete </a:t>
+                  <a:t>Common phase-based ratio discrete distribution</a:t>
                 </a:r>
-                <a:r>
-                  <a:rPr lang="en-US" altLang="ko-KR" dirty="0" smtClean="0"/>
-                  <a:t>distribution</a:t>
-                </a:r>
-                <a:endParaRPr lang="en-US" altLang="ko-KR" dirty="0"/>
               </a:p>
               <a:p>
                 <a:pPr lvl="1"/>
@@ -18701,23 +18693,7 @@
                 <a:pPr lvl="1"/>
                 <a:r>
                   <a:rPr lang="en-US" altLang="ko-KR" dirty="0"/>
-                  <a:t>Rate action space: </a:t>
-                </a:r>
-                <a:r>
-                  <a:rPr lang="en-US" altLang="ko-KR" dirty="0" smtClean="0"/>
-                  <a:t>17, </a:t>
-                </a:r>
-                <a:r>
-                  <a:rPr lang="en-US" altLang="ko-KR" dirty="0"/>
-                  <a:t>distributing time </a:t>
-                </a:r>
-                <a:r>
-                  <a:rPr lang="en-US" altLang="ko-KR" dirty="0" smtClean="0"/>
-                  <a:t>to each phase </a:t>
-                </a:r>
-                <a:r>
-                  <a:rPr lang="en-US" altLang="ko-KR" dirty="0"/>
-                  <a:t>ex) [0,1,0,-1],[0,0,0,0],[1,1,-1,-1]</a:t>
+                  <a:t>Rate action space: 17, distributing time to each phase ex) [0,1,0,-1],[0,0,0,0],[1,1,-1,-1]</a:t>
                 </a:r>
               </a:p>
               <a:p>
@@ -18760,13 +18736,8 @@
                 <a:pPr lvl="1"/>
                 <a:r>
                   <a:rPr lang="en-US" altLang="ko-KR" dirty="0"/>
-                  <a:t>Update end of </a:t>
+                  <a:t>Update end of each phase</a:t>
                 </a:r>
-                <a:r>
-                  <a:rPr lang="en-US" altLang="ko-KR" dirty="0" smtClean="0"/>
-                  <a:t>each phase</a:t>
-                </a:r>
-                <a:endParaRPr lang="en-US" altLang="ko-KR" dirty="0"/>
               </a:p>
             </p:txBody>
           </p:sp>
@@ -18913,7 +18884,7 @@
           <a:lstStyle/>
           <a:p>
             <a:r>
-              <a:rPr lang="en-US" altLang="ko-KR" dirty="0" smtClean="0"/>
+              <a:rPr lang="en-US" altLang="ko-KR" dirty="0"/>
               <a:t>RL Modeling</a:t>
             </a:r>
             <a:endParaRPr lang="ko-KR" altLang="en-US" dirty="0"/>
@@ -18956,7 +18927,7 @@
           <a:p>
             <a:pPr algn="ctr"/>
             <a:r>
-              <a:rPr lang="en-US" altLang="ko-KR" dirty="0" smtClean="0">
+              <a:rPr lang="en-US" altLang="ko-KR" dirty="0">
                 <a:solidFill>
                   <a:schemeClr val="tx1"/>
                 </a:solidFill>
@@ -19016,7 +18987,7 @@
           <a:p>
             <a:pPr algn="ctr"/>
             <a:r>
-              <a:rPr lang="en-US" altLang="ko-KR" dirty="0" smtClean="0">
+              <a:rPr lang="en-US" altLang="ko-KR" dirty="0">
                 <a:solidFill>
                   <a:schemeClr val="tx1"/>
                 </a:solidFill>
@@ -19103,7 +19074,7 @@
           <a:p>
             <a:pPr algn="ctr"/>
             <a:r>
-              <a:rPr lang="en-US" altLang="ko-KR" sz="1600" dirty="0" smtClean="0">
+              <a:rPr lang="en-US" altLang="ko-KR" sz="1600" dirty="0">
                 <a:solidFill>
                   <a:schemeClr val="tx1"/>
                 </a:solidFill>
@@ -19111,14 +19082,14 @@
               <a:t>Neural Net</a:t>
             </a:r>
             <a:br>
-              <a:rPr lang="en-US" altLang="ko-KR" sz="1600" dirty="0" smtClean="0">
+              <a:rPr lang="en-US" altLang="ko-KR" sz="1600" dirty="0">
                 <a:solidFill>
                   <a:schemeClr val="tx1"/>
                 </a:solidFill>
               </a:rPr>
             </a:br>
             <a:r>
-              <a:rPr lang="en-US" altLang="ko-KR" sz="1600" dirty="0" smtClean="0">
+              <a:rPr lang="en-US" altLang="ko-KR" sz="1600" dirty="0">
                 <a:solidFill>
                   <a:schemeClr val="tx1"/>
                 </a:solidFill>
@@ -19126,7 +19097,7 @@
               <a:t>(shared </a:t>
             </a:r>
             <a:r>
-              <a:rPr lang="en-US" altLang="ko-KR" sz="1600" dirty="0" err="1" smtClean="0">
+              <a:rPr lang="en-US" altLang="ko-KR" sz="1600" dirty="0" err="1">
                 <a:solidFill>
                   <a:schemeClr val="tx1"/>
                 </a:solidFill>
@@ -19134,7 +19105,7 @@
               <a:t>params</a:t>
             </a:r>
             <a:r>
-              <a:rPr lang="en-US" altLang="ko-KR" sz="1600" dirty="0" smtClean="0">
+              <a:rPr lang="en-US" altLang="ko-KR" sz="1600" dirty="0">
                 <a:solidFill>
                   <a:schemeClr val="tx1"/>
                 </a:solidFill>
@@ -19319,7 +19290,7 @@
             <a:p>
               <a:pPr algn="ctr"/>
               <a:r>
-                <a:rPr lang="en-US" altLang="ko-KR" dirty="0" smtClean="0">
+                <a:rPr lang="en-US" altLang="ko-KR" dirty="0">
                   <a:solidFill>
                     <a:schemeClr val="tx1"/>
                   </a:solidFill>
@@ -19379,7 +19350,7 @@
             <a:p>
               <a:pPr algn="ctr"/>
               <a:r>
-                <a:rPr lang="en-US" altLang="ko-KR" dirty="0" smtClean="0">
+                <a:rPr lang="en-US" altLang="ko-KR" dirty="0">
                   <a:solidFill>
                     <a:schemeClr val="tx1"/>
                   </a:solidFill>
@@ -19439,7 +19410,7 @@
             <a:p>
               <a:pPr algn="ctr"/>
               <a:r>
-                <a:rPr lang="en-US" altLang="ko-KR" dirty="0" smtClean="0">
+                <a:rPr lang="en-US" altLang="ko-KR" dirty="0">
                   <a:solidFill>
                     <a:schemeClr val="tx1"/>
                   </a:solidFill>
@@ -19499,7 +19470,7 @@
             <a:p>
               <a:pPr algn="ctr"/>
               <a:r>
-                <a:rPr lang="en-US" altLang="ko-KR" dirty="0" smtClean="0">
+                <a:rPr lang="en-US" altLang="ko-KR" dirty="0">
                   <a:solidFill>
                     <a:schemeClr val="tx1"/>
                   </a:solidFill>
@@ -19578,7 +19549,7 @@
               <a:lstStyle/>
               <a:p>
                 <a:r>
-                  <a:rPr lang="en-US" altLang="ko-KR" b="0" dirty="0" smtClean="0"/>
+                  <a:rPr lang="en-US" altLang="ko-KR" b="0" dirty="0"/>
                   <a:t>Action: </a:t>
                 </a:r>
                 <a14:m>
@@ -19698,7 +19669,7 @@
           <a:p>
             <a:pPr algn="ctr"/>
             <a:r>
-              <a:rPr lang="en-US" altLang="ko-KR" dirty="0" smtClean="0">
+              <a:rPr lang="en-US" altLang="ko-KR" dirty="0">
                 <a:solidFill>
                   <a:schemeClr val="tx1"/>
                 </a:solidFill>
@@ -19772,7 +19743,7 @@
           <a:lstStyle/>
           <a:p>
             <a:r>
-              <a:rPr lang="en-US" altLang="ko-KR" sz="1600" dirty="0" err="1" smtClean="0"/>
+              <a:rPr lang="en-US" altLang="ko-KR" sz="1600" dirty="0" err="1"/>
               <a:t>TL_Period</a:t>
             </a:r>
             <a:endParaRPr lang="ko-KR" altLang="en-US" sz="1600" dirty="0"/>
@@ -19878,7 +19849,7 @@
               <a:lstStyle/>
               <a:p>
                 <a:r>
-                  <a:rPr lang="en-US" altLang="ko-KR" sz="1600" dirty="0" smtClean="0"/>
+                  <a:rPr lang="en-US" altLang="ko-KR" sz="1600" dirty="0"/>
                   <a:t>Reward: </a:t>
                 </a:r>
                 <a14:m>
@@ -19987,11 +19958,11 @@
               <a:lstStyle/>
               <a:p>
                 <a:r>
-                  <a:rPr lang="en-US" altLang="ko-KR" dirty="0" smtClean="0"/>
+                  <a:rPr lang="en-US" altLang="ko-KR" dirty="0"/>
                   <a:t>State</a:t>
                 </a:r>
                 <a:r>
-                  <a:rPr lang="en-US" altLang="ko-KR" b="0" dirty="0" smtClean="0"/>
+                  <a:rPr lang="en-US" altLang="ko-KR" b="0" dirty="0"/>
                   <a:t>:</a:t>
                 </a:r>
                 <a14:m>
@@ -20222,11 +20193,11 @@
               <a:t> </a:t>
             </a:r>
             <a:r>
-              <a:rPr lang="en-US" altLang="ko-KR" dirty="0" smtClean="0"/>
+              <a:rPr lang="en-US" altLang="ko-KR" dirty="0"/>
               <a:t>Restraints</a:t>
             </a:r>
             <a:br>
-              <a:rPr lang="en-US" altLang="ko-KR" dirty="0" smtClean="0"/>
+              <a:rPr lang="en-US" altLang="ko-KR" dirty="0"/>
             </a:br>
             <a:endParaRPr lang="ko-KR" altLang="en-US" dirty="0"/>
           </a:p>
@@ -20248,7 +20219,7 @@
           <a:lstStyle/>
           <a:p>
             <a:r>
-              <a:rPr lang="en-US" altLang="ko-KR" dirty="0" smtClean="0"/>
+              <a:rPr lang="en-US" altLang="ko-KR" dirty="0"/>
               <a:t>DNN Modeling</a:t>
             </a:r>
             <a:endParaRPr lang="ko-KR" altLang="en-US" dirty="0"/>
@@ -25588,14 +25559,14 @@
           <a:lstStyle/>
           <a:p>
             <a:r>
-              <a:rPr lang="en-US" altLang="ko-KR" sz="1600" dirty="0" smtClean="0"/>
+              <a:rPr lang="en-US" altLang="ko-KR" sz="1600" dirty="0"/>
               <a:t>Vehicle Info</a:t>
             </a:r>
             <a:br>
-              <a:rPr lang="en-US" altLang="ko-KR" sz="1600" dirty="0" smtClean="0"/>
+              <a:rPr lang="en-US" altLang="ko-KR" sz="1600" dirty="0"/>
             </a:br>
             <a:r>
-              <a:rPr lang="en-US" altLang="ko-KR" sz="1600" dirty="0" smtClean="0"/>
+              <a:rPr lang="en-US" altLang="ko-KR" sz="1600" dirty="0"/>
               <a:t>from Traci</a:t>
             </a:r>
             <a:endParaRPr lang="ko-KR" altLang="en-US" sz="1600" dirty="0"/>
@@ -25695,14 +25666,14 @@
           <a:lstStyle/>
           <a:p>
             <a:r>
-              <a:rPr lang="en-US" altLang="ko-KR" sz="1600" dirty="0" smtClean="0"/>
+              <a:rPr lang="en-US" altLang="ko-KR" sz="1600" dirty="0"/>
               <a:t>Left</a:t>
             </a:r>
             <a:br>
-              <a:rPr lang="en-US" altLang="ko-KR" sz="1600" dirty="0" smtClean="0"/>
+              <a:rPr lang="en-US" altLang="ko-KR" sz="1600" dirty="0"/>
             </a:br>
             <a:r>
-              <a:rPr lang="en-US" altLang="ko-KR" sz="1600" dirty="0" smtClean="0"/>
+              <a:rPr lang="en-US" altLang="ko-KR" sz="1600" dirty="0"/>
               <a:t>Straight</a:t>
             </a:r>
             <a:endParaRPr lang="ko-KR" altLang="en-US" sz="1600" dirty="0"/>
@@ -25766,7 +25737,7 @@
           <a:p>
             <a:pPr algn="ctr"/>
             <a:r>
-              <a:rPr lang="en-US" altLang="ko-KR" sz="1600" dirty="0" smtClean="0">
+              <a:rPr lang="en-US" altLang="ko-KR" sz="1600" dirty="0">
                 <a:solidFill>
                   <a:srgbClr val="92D050"/>
                 </a:solidFill>
@@ -25838,14 +25809,14 @@
           <a:p>
             <a:pPr algn="ctr"/>
             <a:r>
-              <a:rPr lang="en-US" altLang="ko-KR" sz="1000" dirty="0" smtClean="0"/>
+              <a:rPr lang="en-US" altLang="ko-KR" sz="1000" dirty="0"/>
               <a:t>Intersection </a:t>
             </a:r>
             <a:br>
-              <a:rPr lang="en-US" altLang="ko-KR" sz="1000" dirty="0" smtClean="0"/>
+              <a:rPr lang="en-US" altLang="ko-KR" sz="1000" dirty="0"/>
             </a:br>
             <a:r>
-              <a:rPr lang="en-US" altLang="ko-KR" sz="1000" dirty="0" smtClean="0"/>
+              <a:rPr lang="en-US" altLang="ko-KR" sz="1000" dirty="0"/>
               <a:t>Traffic Demand</a:t>
             </a:r>
             <a:endParaRPr lang="ko-KR" altLang="en-US" sz="1000" dirty="0"/>
@@ -25876,7 +25847,7 @@
           <a:p>
             <a:pPr algn="ctr"/>
             <a:r>
-              <a:rPr lang="en-US" altLang="ko-KR" sz="1600" dirty="0" smtClean="0">
+              <a:rPr lang="en-US" altLang="ko-KR" sz="1600" dirty="0">
                 <a:solidFill>
                   <a:srgbClr val="92D050"/>
                 </a:solidFill>
@@ -25887,7 +25858,7 @@
           <a:p>
             <a:pPr algn="ctr"/>
             <a:r>
-              <a:rPr lang="en-US" altLang="ko-KR" sz="1600" dirty="0" smtClean="0">
+              <a:rPr lang="en-US" altLang="ko-KR" sz="1600" dirty="0">
                 <a:solidFill>
                   <a:srgbClr val="92D050"/>
                 </a:solidFill>
@@ -25926,7 +25897,7 @@
           <a:p>
             <a:pPr algn="ctr"/>
             <a:r>
-              <a:rPr lang="en-US" altLang="ko-KR" sz="1000" dirty="0" smtClean="0"/>
+              <a:rPr lang="en-US" altLang="ko-KR" sz="1000" dirty="0"/>
               <a:t>Super Q Network</a:t>
             </a:r>
             <a:endParaRPr lang="ko-KR" altLang="en-US" sz="1000" dirty="0"/>
@@ -25957,7 +25928,7 @@
           <a:p>
             <a:pPr algn="ctr"/>
             <a:r>
-              <a:rPr lang="en-US" altLang="ko-KR" sz="1000" dirty="0" smtClean="0"/>
+              <a:rPr lang="en-US" altLang="ko-KR" sz="1000" dirty="0"/>
               <a:t>Time Q Network</a:t>
             </a:r>
             <a:endParaRPr lang="ko-KR" altLang="en-US" sz="1000" dirty="0"/>
@@ -25989,11 +25960,7 @@
             <a:pPr algn="ctr"/>
             <a:r>
               <a:rPr lang="en-US" altLang="ko-KR" sz="1000" dirty="0"/>
-              <a:t>R</a:t>
-            </a:r>
-            <a:r>
-              <a:rPr lang="en-US" altLang="ko-KR" sz="1000" dirty="0" smtClean="0"/>
-              <a:t>ate Q Network</a:t>
+              <a:t>Rate Q Network</a:t>
             </a:r>
             <a:endParaRPr lang="ko-KR" altLang="en-US" sz="1000" dirty="0"/>
           </a:p>
@@ -26023,7 +25990,7 @@
           <a:p>
             <a:pPr algn="ctr"/>
             <a:r>
-              <a:rPr lang="en-US" altLang="ko-KR" sz="1400" dirty="0" smtClean="0">
+              <a:rPr lang="en-US" altLang="ko-KR" sz="1400" dirty="0">
                 <a:solidFill>
                   <a:srgbClr val="C00000"/>
                 </a:solidFill>
@@ -26031,7 +25998,7 @@
               <a:t>Neural Net (Shared </a:t>
             </a:r>
             <a:r>
-              <a:rPr lang="en-US" altLang="ko-KR" sz="1400" dirty="0" err="1" smtClean="0">
+              <a:rPr lang="en-US" altLang="ko-KR" sz="1400" dirty="0" err="1">
                 <a:solidFill>
                   <a:srgbClr val="C00000"/>
                 </a:solidFill>
@@ -26039,7 +26006,7 @@
               <a:t>Params</a:t>
             </a:r>
             <a:r>
-              <a:rPr lang="en-US" altLang="ko-KR" sz="1400" dirty="0" smtClean="0">
+              <a:rPr lang="en-US" altLang="ko-KR" sz="1400" dirty="0">
                 <a:solidFill>
                   <a:srgbClr val="C00000"/>
                 </a:solidFill>
@@ -26186,15 +26153,15 @@
           <a:p>
             <a:pPr algn="ctr"/>
             <a:r>
-              <a:rPr lang="en-US" altLang="ko-KR" sz="1000" dirty="0" err="1" smtClean="0"/>
+              <a:rPr lang="en-US" altLang="ko-KR" sz="1000" dirty="0" err="1"/>
               <a:t>argmaxQ</a:t>
             </a:r>
             <a:r>
-              <a:rPr lang="en-US" altLang="ko-KR" sz="1000" dirty="0" smtClean="0"/>
+              <a:rPr lang="en-US" altLang="ko-KR" sz="1000" dirty="0"/>
               <a:t> = </a:t>
             </a:r>
             <a:r>
-              <a:rPr lang="en-US" altLang="ko-KR" sz="1100" b="1" dirty="0" smtClean="0">
+              <a:rPr lang="en-US" altLang="ko-KR" sz="1100" b="1" dirty="0">
                 <a:solidFill>
                   <a:srgbClr val="00B050"/>
                 </a:solidFill>
@@ -26233,15 +26200,15 @@
           <a:p>
             <a:pPr algn="ctr"/>
             <a:r>
-              <a:rPr lang="en-US" altLang="ko-KR" sz="1000" dirty="0" err="1" smtClean="0"/>
+              <a:rPr lang="en-US" altLang="ko-KR" sz="1000" dirty="0" err="1"/>
               <a:t>argmaxQ</a:t>
             </a:r>
             <a:r>
-              <a:rPr lang="en-US" altLang="ko-KR" sz="1000" dirty="0" smtClean="0"/>
+              <a:rPr lang="en-US" altLang="ko-KR" sz="1000" dirty="0"/>
               <a:t> = </a:t>
             </a:r>
             <a:r>
-              <a:rPr lang="en-US" altLang="ko-KR" sz="1100" b="1" dirty="0" smtClean="0">
+              <a:rPr lang="en-US" altLang="ko-KR" sz="1100" b="1" dirty="0">
                 <a:solidFill>
                   <a:srgbClr val="00B050"/>
                 </a:solidFill>
@@ -26265,14 +26232,14 @@
           <p:nvPr>
             <p:extLst>
               <p:ext uri="{D42A27DB-BD31-4B8C-83A1-F6EECF244321}">
-                <p14:modId xmlns:p14="http://schemas.microsoft.com/office/powerpoint/2010/main" val="2153856663"/>
+                <p14:modId xmlns:p14="http://schemas.microsoft.com/office/powerpoint/2010/main" val="996429084"/>
               </p:ext>
             </p:extLst>
           </p:nvPr>
         </p:nvGraphicFramePr>
         <p:xfrm>
           <a:off x="7445644" y="1506808"/>
-          <a:ext cx="1771973" cy="1384035"/>
+          <a:ext cx="2033916" cy="1384035"/>
         </p:xfrm>
         <a:graphic>
           <a:graphicData uri="http://schemas.openxmlformats.org/drawingml/2006/table">
@@ -26288,7 +26255,7 @@
                     </a:ext>
                   </a:extLst>
                 </a:gridCol>
-                <a:gridCol w="968644">
+                <a:gridCol w="1230587">
                   <a:extLst>
                     <a:ext uri="{9D8B030D-6E8A-4147-A177-3AD203B41FA5}">
                       <a16:colId xmlns:a16="http://schemas.microsoft.com/office/drawing/2014/main" val="1315594421"/>
@@ -26304,11 +26271,11 @@
                     <a:p>
                       <a:pPr latinLnBrk="1"/>
                       <a:r>
-                        <a:rPr lang="en-US" altLang="ko-KR" sz="1000" dirty="0" smtClean="0"/>
+                        <a:rPr lang="en-US" altLang="ko-KR" sz="1000" dirty="0"/>
                         <a:t>#</a:t>
                       </a:r>
                       <a:r>
-                        <a:rPr lang="en-US" altLang="ko-KR" sz="1000" baseline="0" dirty="0" smtClean="0"/>
+                        <a:rPr lang="en-US" altLang="ko-KR" sz="1000" baseline="0" dirty="0"/>
                         <a:t> of phase</a:t>
                       </a:r>
                       <a:endParaRPr lang="ko-KR" altLang="en-US" sz="1000" dirty="0"/>
@@ -26323,11 +26290,11 @@
                     <a:p>
                       <a:pPr latinLnBrk="1"/>
                       <a:r>
-                        <a:rPr lang="en-US" altLang="ko-KR" sz="1000" dirty="0" smtClean="0"/>
+                        <a:rPr lang="en-US" altLang="ko-KR" sz="1000" dirty="0"/>
                         <a:t>Action</a:t>
                       </a:r>
                       <a:r>
-                        <a:rPr lang="en-US" altLang="ko-KR" sz="1000" baseline="0" dirty="0" smtClean="0"/>
+                        <a:rPr lang="en-US" altLang="ko-KR" sz="1000" baseline="0" dirty="0"/>
                         <a:t> space</a:t>
                       </a:r>
                       <a:endParaRPr lang="ko-KR" altLang="en-US" sz="1000" dirty="0"/>
@@ -26349,7 +26316,7 @@
                     <a:p>
                       <a:pPr latinLnBrk="1"/>
                       <a:r>
-                        <a:rPr lang="en-US" altLang="ko-KR" sz="1100" dirty="0" smtClean="0"/>
+                        <a:rPr lang="en-US" altLang="ko-KR" sz="1100" dirty="0"/>
                         <a:t>2</a:t>
                       </a:r>
                       <a:endParaRPr lang="ko-KR" altLang="en-US" sz="1100" dirty="0"/>
@@ -26364,7 +26331,7 @@
                     <a:p>
                       <a:pPr latinLnBrk="1"/>
                       <a:r>
-                        <a:rPr lang="en-US" altLang="ko-KR" sz="1100" dirty="0" smtClean="0"/>
+                        <a:rPr lang="en-US" altLang="ko-KR" sz="1100" dirty="0"/>
                         <a:t>2</a:t>
                       </a:r>
                       <a:endParaRPr lang="ko-KR" altLang="en-US" sz="1100" dirty="0"/>
@@ -26386,7 +26353,7 @@
                     <a:p>
                       <a:pPr latinLnBrk="1"/>
                       <a:r>
-                        <a:rPr lang="en-US" altLang="ko-KR" sz="1100" dirty="0" smtClean="0"/>
+                        <a:rPr lang="en-US" altLang="ko-KR" sz="1100" dirty="0"/>
                         <a:t>3</a:t>
                       </a:r>
                       <a:endParaRPr lang="ko-KR" altLang="en-US" sz="1100" dirty="0"/>
@@ -26401,7 +26368,7 @@
                     <a:p>
                       <a:pPr latinLnBrk="1"/>
                       <a:r>
-                        <a:rPr lang="en-US" altLang="ko-KR" sz="1100" dirty="0" smtClean="0"/>
+                        <a:rPr lang="en-US" altLang="ko-KR" sz="1100" dirty="0"/>
                         <a:t>7</a:t>
                       </a:r>
                       <a:endParaRPr lang="ko-KR" altLang="en-US" sz="1100" dirty="0"/>
@@ -26423,7 +26390,7 @@
                     <a:p>
                       <a:pPr latinLnBrk="1"/>
                       <a:r>
-                        <a:rPr lang="en-US" altLang="ko-KR" sz="1100" dirty="0" smtClean="0"/>
+                        <a:rPr lang="en-US" altLang="ko-KR" sz="1100" dirty="0"/>
                         <a:t>4</a:t>
                       </a:r>
                       <a:endParaRPr lang="ko-KR" altLang="en-US" sz="1100" dirty="0"/>
@@ -26438,8 +26405,8 @@
                     <a:p>
                       <a:pPr latinLnBrk="1"/>
                       <a:r>
-                        <a:rPr lang="en-US" altLang="ko-KR" sz="1100" dirty="0" smtClean="0"/>
-                        <a:t>(4C2)*2+4+1</a:t>
+                        <a:rPr lang="en-US" altLang="ko-KR" sz="1100" dirty="0"/>
+                        <a:t>(4C2)*3+1</a:t>
                       </a:r>
                       <a:endParaRPr lang="ko-KR" altLang="en-US" sz="1100" dirty="0"/>
                     </a:p>
@@ -26460,7 +26427,7 @@
                     <a:p>
                       <a:pPr latinLnBrk="1"/>
                       <a:r>
-                        <a:rPr lang="en-US" altLang="ko-KR" sz="1100" dirty="0" smtClean="0"/>
+                        <a:rPr lang="en-US" altLang="ko-KR" sz="1100" dirty="0"/>
                         <a:t>5</a:t>
                       </a:r>
                       <a:endParaRPr lang="ko-KR" altLang="en-US" sz="1100" dirty="0"/>
@@ -26475,7 +26442,7 @@
                     <a:p>
                       <a:pPr latinLnBrk="1"/>
                       <a:r>
-                        <a:rPr lang="en-US" altLang="ko-KR" sz="1100" dirty="0" smtClean="0"/>
+                        <a:rPr lang="en-US" altLang="ko-KR" sz="1100" dirty="0"/>
                         <a:t>5C2+5C4+1</a:t>
                       </a:r>
                       <a:endParaRPr lang="ko-KR" altLang="en-US" sz="1100" dirty="0"/>
@@ -26493,6 +26460,94 @@
           </a:graphicData>
         </a:graphic>
       </p:graphicFrame>
+      <p:cxnSp>
+        <p:nvCxnSpPr>
+          <p:cNvPr id="155" name="직선 화살표 연결선 154">
+            <a:extLst>
+              <a:ext uri="{FF2B5EF4-FFF2-40B4-BE49-F238E27FC236}">
+                <a16:creationId xmlns:a16="http://schemas.microsoft.com/office/drawing/2014/main" id="{457D6ADF-DFA0-4CB1-A872-F4C0AB81795A}"/>
+              </a:ext>
+            </a:extLst>
+          </p:cNvPr>
+          <p:cNvCxnSpPr>
+            <a:cxnSpLocks/>
+          </p:cNvCxnSpPr>
+          <p:nvPr/>
+        </p:nvCxnSpPr>
+        <p:spPr>
+          <a:xfrm flipV="1">
+            <a:off x="1821888" y="5131796"/>
+            <a:ext cx="350423" cy="229360"/>
+          </a:xfrm>
+          <a:prstGeom prst="straightConnector1">
+            <a:avLst/>
+          </a:prstGeom>
+          <a:ln w="28575">
+            <a:solidFill>
+              <a:schemeClr val="tx1"/>
+            </a:solidFill>
+            <a:tailEnd type="triangle"/>
+          </a:ln>
+        </p:spPr>
+        <p:style>
+          <a:lnRef idx="1">
+            <a:schemeClr val="dk1"/>
+          </a:lnRef>
+          <a:fillRef idx="0">
+            <a:schemeClr val="dk1"/>
+          </a:fillRef>
+          <a:effectRef idx="0">
+            <a:schemeClr val="dk1"/>
+          </a:effectRef>
+          <a:fontRef idx="minor">
+            <a:schemeClr val="tx1"/>
+          </a:fontRef>
+        </p:style>
+      </p:cxnSp>
+      <p:cxnSp>
+        <p:nvCxnSpPr>
+          <p:cNvPr id="156" name="직선 화살표 연결선 155">
+            <a:extLst>
+              <a:ext uri="{FF2B5EF4-FFF2-40B4-BE49-F238E27FC236}">
+                <a16:creationId xmlns:a16="http://schemas.microsoft.com/office/drawing/2014/main" id="{20512A2F-F5E0-40F7-8A0E-2068ACBB060C}"/>
+              </a:ext>
+            </a:extLst>
+          </p:cNvPr>
+          <p:cNvCxnSpPr>
+            <a:cxnSpLocks/>
+          </p:cNvCxnSpPr>
+          <p:nvPr/>
+        </p:nvCxnSpPr>
+        <p:spPr>
+          <a:xfrm>
+            <a:off x="1913312" y="3694533"/>
+            <a:ext cx="502823" cy="390487"/>
+          </a:xfrm>
+          <a:prstGeom prst="straightConnector1">
+            <a:avLst/>
+          </a:prstGeom>
+          <a:ln w="28575">
+            <a:solidFill>
+              <a:schemeClr val="tx1"/>
+            </a:solidFill>
+            <a:tailEnd type="triangle"/>
+          </a:ln>
+        </p:spPr>
+        <p:style>
+          <a:lnRef idx="1">
+            <a:schemeClr val="dk1"/>
+          </a:lnRef>
+          <a:fillRef idx="0">
+            <a:schemeClr val="dk1"/>
+          </a:fillRef>
+          <a:effectRef idx="0">
+            <a:schemeClr val="dk1"/>
+          </a:effectRef>
+          <a:fontRef idx="minor">
+            <a:schemeClr val="tx1"/>
+          </a:fontRef>
+        </p:style>
+      </p:cxnSp>
     </p:spTree>
     <p:extLst>
       <p:ext uri="{BB962C8B-B14F-4D97-AF65-F5344CB8AC3E}">

--- a/Traffic Optimization Final Speech.pptx
+++ b/Traffic Optimization Final Speech.pptx
@@ -4,6 +4,9 @@
   <p:sldMasterIdLst>
     <p:sldMasterId id="2147483648" r:id="rId1"/>
   </p:sldMasterIdLst>
+  <p:notesMasterIdLst>
+    <p:notesMasterId r:id="rId18"/>
+  </p:notesMasterIdLst>
   <p:sldIdLst>
     <p:sldId id="256" r:id="rId2"/>
     <p:sldId id="257" r:id="rId3"/>
@@ -18,8 +21,9 @@
     <p:sldId id="265" r:id="rId12"/>
     <p:sldId id="269" r:id="rId13"/>
     <p:sldId id="268" r:id="rId14"/>
-    <p:sldId id="270" r:id="rId15"/>
-    <p:sldId id="271" r:id="rId16"/>
+    <p:sldId id="272" r:id="rId15"/>
+    <p:sldId id="270" r:id="rId16"/>
+    <p:sldId id="271" r:id="rId17"/>
   </p:sldIdLst>
   <p:sldSz cx="12192000" cy="6858000"/>
   <p:notesSz cx="6858000" cy="9144000"/>
@@ -124,6 +128,450 @@
     </p:ext>
   </p:extLst>
 </p:presentation>
+</file>
+
+<file path=ppt/notesMasters/notesMaster1.xml><?xml version="1.0" encoding="utf-8"?>
+<p:notesMaster xmlns:a="http://schemas.openxmlformats.org/drawingml/2006/main" xmlns:r="http://schemas.openxmlformats.org/officeDocument/2006/relationships" xmlns:p="http://schemas.openxmlformats.org/presentationml/2006/main">
+  <p:cSld>
+    <p:bg>
+      <p:bgRef idx="1001">
+        <a:schemeClr val="bg1"/>
+      </p:bgRef>
+    </p:bg>
+    <p:spTree>
+      <p:nvGrpSpPr>
+        <p:cNvPr id="1" name=""/>
+        <p:cNvGrpSpPr/>
+        <p:nvPr/>
+      </p:nvGrpSpPr>
+      <p:grpSpPr>
+        <a:xfrm>
+          <a:off x="0" y="0"/>
+          <a:ext cx="0" cy="0"/>
+          <a:chOff x="0" y="0"/>
+          <a:chExt cx="0" cy="0"/>
+        </a:xfrm>
+      </p:grpSpPr>
+      <p:sp>
+        <p:nvSpPr>
+          <p:cNvPr id="2" name="머리글 개체 틀 1"/>
+          <p:cNvSpPr>
+            <a:spLocks noGrp="1"/>
+          </p:cNvSpPr>
+          <p:nvPr>
+            <p:ph type="hdr" sz="quarter"/>
+          </p:nvPr>
+        </p:nvSpPr>
+        <p:spPr>
+          <a:xfrm>
+            <a:off x="0" y="0"/>
+            <a:ext cx="2971800" cy="458788"/>
+          </a:xfrm>
+          <a:prstGeom prst="rect">
+            <a:avLst/>
+          </a:prstGeom>
+        </p:spPr>
+        <p:txBody>
+          <a:bodyPr vert="horz" lIns="91440" tIns="45720" rIns="91440" bIns="45720" rtlCol="0"/>
+          <a:lstStyle>
+            <a:lvl1pPr algn="l">
+              <a:defRPr sz="1200"/>
+            </a:lvl1pPr>
+          </a:lstStyle>
+          <a:p>
+            <a:endParaRPr lang="ko-KR" altLang="en-US"/>
+          </a:p>
+        </p:txBody>
+      </p:sp>
+      <p:sp>
+        <p:nvSpPr>
+          <p:cNvPr id="3" name="날짜 개체 틀 2"/>
+          <p:cNvSpPr>
+            <a:spLocks noGrp="1"/>
+          </p:cNvSpPr>
+          <p:nvPr>
+            <p:ph type="dt" idx="1"/>
+          </p:nvPr>
+        </p:nvSpPr>
+        <p:spPr>
+          <a:xfrm>
+            <a:off x="3884613" y="0"/>
+            <a:ext cx="2971800" cy="458788"/>
+          </a:xfrm>
+          <a:prstGeom prst="rect">
+            <a:avLst/>
+          </a:prstGeom>
+        </p:spPr>
+        <p:txBody>
+          <a:bodyPr vert="horz" lIns="91440" tIns="45720" rIns="91440" bIns="45720" rtlCol="0"/>
+          <a:lstStyle>
+            <a:lvl1pPr algn="r">
+              <a:defRPr sz="1200"/>
+            </a:lvl1pPr>
+          </a:lstStyle>
+          <a:p>
+            <a:fld id="{8A198AF7-132F-4CC2-872B-A0970208147D}" type="datetimeFigureOut">
+              <a:rPr lang="ko-KR" altLang="en-US" smtClean="0"/>
+              <a:t>2021-02-23</a:t>
+            </a:fld>
+            <a:endParaRPr lang="ko-KR" altLang="en-US"/>
+          </a:p>
+        </p:txBody>
+      </p:sp>
+      <p:sp>
+        <p:nvSpPr>
+          <p:cNvPr id="4" name="슬라이드 이미지 개체 틀 3"/>
+          <p:cNvSpPr>
+            <a:spLocks noGrp="1" noRot="1" noChangeAspect="1"/>
+          </p:cNvSpPr>
+          <p:nvPr>
+            <p:ph type="sldImg" idx="2"/>
+          </p:nvPr>
+        </p:nvSpPr>
+        <p:spPr>
+          <a:xfrm>
+            <a:off x="685800" y="1143000"/>
+            <a:ext cx="5486400" cy="3086100"/>
+          </a:xfrm>
+          <a:prstGeom prst="rect">
+            <a:avLst/>
+          </a:prstGeom>
+          <a:noFill/>
+          <a:ln w="12700">
+            <a:solidFill>
+              <a:prstClr val="black"/>
+            </a:solidFill>
+          </a:ln>
+        </p:spPr>
+        <p:txBody>
+          <a:bodyPr vert="horz" lIns="91440" tIns="45720" rIns="91440" bIns="45720" rtlCol="0" anchor="ctr"/>
+          <a:lstStyle/>
+          <a:p>
+            <a:endParaRPr lang="ko-KR" altLang="en-US"/>
+          </a:p>
+        </p:txBody>
+      </p:sp>
+      <p:sp>
+        <p:nvSpPr>
+          <p:cNvPr id="5" name="슬라이드 노트 개체 틀 4"/>
+          <p:cNvSpPr>
+            <a:spLocks noGrp="1"/>
+          </p:cNvSpPr>
+          <p:nvPr>
+            <p:ph type="body" sz="quarter" idx="3"/>
+          </p:nvPr>
+        </p:nvSpPr>
+        <p:spPr>
+          <a:xfrm>
+            <a:off x="685800" y="4400550"/>
+            <a:ext cx="5486400" cy="3600450"/>
+          </a:xfrm>
+          <a:prstGeom prst="rect">
+            <a:avLst/>
+          </a:prstGeom>
+        </p:spPr>
+        <p:txBody>
+          <a:bodyPr vert="horz" lIns="91440" tIns="45720" rIns="91440" bIns="45720" rtlCol="0"/>
+          <a:lstStyle/>
+          <a:p>
+            <a:pPr lvl="0"/>
+            <a:r>
+              <a:rPr lang="ko-KR" altLang="en-US"/>
+              <a:t>마스터 텍스트 스타일을 편집하려면 클릭</a:t>
+            </a:r>
+          </a:p>
+          <a:p>
+            <a:pPr lvl="1"/>
+            <a:r>
+              <a:rPr lang="ko-KR" altLang="en-US"/>
+              <a:t>두 번째 수준</a:t>
+            </a:r>
+          </a:p>
+          <a:p>
+            <a:pPr lvl="2"/>
+            <a:r>
+              <a:rPr lang="ko-KR" altLang="en-US"/>
+              <a:t>세 번째 수준</a:t>
+            </a:r>
+          </a:p>
+          <a:p>
+            <a:pPr lvl="3"/>
+            <a:r>
+              <a:rPr lang="ko-KR" altLang="en-US"/>
+              <a:t>네 번째 수준</a:t>
+            </a:r>
+          </a:p>
+          <a:p>
+            <a:pPr lvl="4"/>
+            <a:r>
+              <a:rPr lang="ko-KR" altLang="en-US"/>
+              <a:t>다섯 번째 수준</a:t>
+            </a:r>
+          </a:p>
+        </p:txBody>
+      </p:sp>
+      <p:sp>
+        <p:nvSpPr>
+          <p:cNvPr id="6" name="바닥글 개체 틀 5"/>
+          <p:cNvSpPr>
+            <a:spLocks noGrp="1"/>
+          </p:cNvSpPr>
+          <p:nvPr>
+            <p:ph type="ftr" sz="quarter" idx="4"/>
+          </p:nvPr>
+        </p:nvSpPr>
+        <p:spPr>
+          <a:xfrm>
+            <a:off x="0" y="8685213"/>
+            <a:ext cx="2971800" cy="458787"/>
+          </a:xfrm>
+          <a:prstGeom prst="rect">
+            <a:avLst/>
+          </a:prstGeom>
+        </p:spPr>
+        <p:txBody>
+          <a:bodyPr vert="horz" lIns="91440" tIns="45720" rIns="91440" bIns="45720" rtlCol="0" anchor="b"/>
+          <a:lstStyle>
+            <a:lvl1pPr algn="l">
+              <a:defRPr sz="1200"/>
+            </a:lvl1pPr>
+          </a:lstStyle>
+          <a:p>
+            <a:endParaRPr lang="ko-KR" altLang="en-US"/>
+          </a:p>
+        </p:txBody>
+      </p:sp>
+      <p:sp>
+        <p:nvSpPr>
+          <p:cNvPr id="7" name="슬라이드 번호 개체 틀 6"/>
+          <p:cNvSpPr>
+            <a:spLocks noGrp="1"/>
+          </p:cNvSpPr>
+          <p:nvPr>
+            <p:ph type="sldNum" sz="quarter" idx="5"/>
+          </p:nvPr>
+        </p:nvSpPr>
+        <p:spPr>
+          <a:xfrm>
+            <a:off x="3884613" y="8685213"/>
+            <a:ext cx="2971800" cy="458787"/>
+          </a:xfrm>
+          <a:prstGeom prst="rect">
+            <a:avLst/>
+          </a:prstGeom>
+        </p:spPr>
+        <p:txBody>
+          <a:bodyPr vert="horz" lIns="91440" tIns="45720" rIns="91440" bIns="45720" rtlCol="0" anchor="b"/>
+          <a:lstStyle>
+            <a:lvl1pPr algn="r">
+              <a:defRPr sz="1200"/>
+            </a:lvl1pPr>
+          </a:lstStyle>
+          <a:p>
+            <a:fld id="{5563B5AA-8C0E-4827-B201-D29427D2AA41}" type="slidenum">
+              <a:rPr lang="ko-KR" altLang="en-US" smtClean="0"/>
+              <a:t>‹#›</a:t>
+            </a:fld>
+            <a:endParaRPr lang="ko-KR" altLang="en-US"/>
+          </a:p>
+        </p:txBody>
+      </p:sp>
+    </p:spTree>
+    <p:extLst>
+      <p:ext uri="{BB962C8B-B14F-4D97-AF65-F5344CB8AC3E}">
+        <p14:creationId xmlns:p14="http://schemas.microsoft.com/office/powerpoint/2010/main" val="2059719469"/>
+      </p:ext>
+    </p:extLst>
+  </p:cSld>
+  <p:clrMap bg1="lt1" tx1="dk1" bg2="lt2" tx2="dk2" accent1="accent1" accent2="accent2" accent3="accent3" accent4="accent4" accent5="accent5" accent6="accent6" hlink="hlink" folHlink="folHlink"/>
+  <p:notesStyle>
+    <a:lvl1pPr marL="0" algn="l" defTabSz="914400" rtl="0" eaLnBrk="1" latinLnBrk="1" hangingPunct="1">
+      <a:defRPr sz="1200" kern="1200">
+        <a:solidFill>
+          <a:schemeClr val="tx1"/>
+        </a:solidFill>
+        <a:latin typeface="+mn-lt"/>
+        <a:ea typeface="+mn-ea"/>
+        <a:cs typeface="+mn-cs"/>
+      </a:defRPr>
+    </a:lvl1pPr>
+    <a:lvl2pPr marL="457200" algn="l" defTabSz="914400" rtl="0" eaLnBrk="1" latinLnBrk="1" hangingPunct="1">
+      <a:defRPr sz="1200" kern="1200">
+        <a:solidFill>
+          <a:schemeClr val="tx1"/>
+        </a:solidFill>
+        <a:latin typeface="+mn-lt"/>
+        <a:ea typeface="+mn-ea"/>
+        <a:cs typeface="+mn-cs"/>
+      </a:defRPr>
+    </a:lvl2pPr>
+    <a:lvl3pPr marL="914400" algn="l" defTabSz="914400" rtl="0" eaLnBrk="1" latinLnBrk="1" hangingPunct="1">
+      <a:defRPr sz="1200" kern="1200">
+        <a:solidFill>
+          <a:schemeClr val="tx1"/>
+        </a:solidFill>
+        <a:latin typeface="+mn-lt"/>
+        <a:ea typeface="+mn-ea"/>
+        <a:cs typeface="+mn-cs"/>
+      </a:defRPr>
+    </a:lvl3pPr>
+    <a:lvl4pPr marL="1371600" algn="l" defTabSz="914400" rtl="0" eaLnBrk="1" latinLnBrk="1" hangingPunct="1">
+      <a:defRPr sz="1200" kern="1200">
+        <a:solidFill>
+          <a:schemeClr val="tx1"/>
+        </a:solidFill>
+        <a:latin typeface="+mn-lt"/>
+        <a:ea typeface="+mn-ea"/>
+        <a:cs typeface="+mn-cs"/>
+      </a:defRPr>
+    </a:lvl4pPr>
+    <a:lvl5pPr marL="1828800" algn="l" defTabSz="914400" rtl="0" eaLnBrk="1" latinLnBrk="1" hangingPunct="1">
+      <a:defRPr sz="1200" kern="1200">
+        <a:solidFill>
+          <a:schemeClr val="tx1"/>
+        </a:solidFill>
+        <a:latin typeface="+mn-lt"/>
+        <a:ea typeface="+mn-ea"/>
+        <a:cs typeface="+mn-cs"/>
+      </a:defRPr>
+    </a:lvl5pPr>
+    <a:lvl6pPr marL="2286000" algn="l" defTabSz="914400" rtl="0" eaLnBrk="1" latinLnBrk="1" hangingPunct="1">
+      <a:defRPr sz="1200" kern="1200">
+        <a:solidFill>
+          <a:schemeClr val="tx1"/>
+        </a:solidFill>
+        <a:latin typeface="+mn-lt"/>
+        <a:ea typeface="+mn-ea"/>
+        <a:cs typeface="+mn-cs"/>
+      </a:defRPr>
+    </a:lvl6pPr>
+    <a:lvl7pPr marL="2743200" algn="l" defTabSz="914400" rtl="0" eaLnBrk="1" latinLnBrk="1" hangingPunct="1">
+      <a:defRPr sz="1200" kern="1200">
+        <a:solidFill>
+          <a:schemeClr val="tx1"/>
+        </a:solidFill>
+        <a:latin typeface="+mn-lt"/>
+        <a:ea typeface="+mn-ea"/>
+        <a:cs typeface="+mn-cs"/>
+      </a:defRPr>
+    </a:lvl7pPr>
+    <a:lvl8pPr marL="3200400" algn="l" defTabSz="914400" rtl="0" eaLnBrk="1" latinLnBrk="1" hangingPunct="1">
+      <a:defRPr sz="1200" kern="1200">
+        <a:solidFill>
+          <a:schemeClr val="tx1"/>
+        </a:solidFill>
+        <a:latin typeface="+mn-lt"/>
+        <a:ea typeface="+mn-ea"/>
+        <a:cs typeface="+mn-cs"/>
+      </a:defRPr>
+    </a:lvl8pPr>
+    <a:lvl9pPr marL="3657600" algn="l" defTabSz="914400" rtl="0" eaLnBrk="1" latinLnBrk="1" hangingPunct="1">
+      <a:defRPr sz="1200" kern="1200">
+        <a:solidFill>
+          <a:schemeClr val="tx1"/>
+        </a:solidFill>
+        <a:latin typeface="+mn-lt"/>
+        <a:ea typeface="+mn-ea"/>
+        <a:cs typeface="+mn-cs"/>
+      </a:defRPr>
+    </a:lvl9pPr>
+  </p:notesStyle>
+</p:notesMaster>
+</file>
+
+<file path=ppt/notesSlides/notesSlide1.xml><?xml version="1.0" encoding="utf-8"?>
+<p:notes xmlns:a="http://schemas.openxmlformats.org/drawingml/2006/main" xmlns:r="http://schemas.openxmlformats.org/officeDocument/2006/relationships" xmlns:p="http://schemas.openxmlformats.org/presentationml/2006/main">
+  <p:cSld>
+    <p:spTree>
+      <p:nvGrpSpPr>
+        <p:cNvPr id="1" name=""/>
+        <p:cNvGrpSpPr/>
+        <p:nvPr/>
+      </p:nvGrpSpPr>
+      <p:grpSpPr>
+        <a:xfrm>
+          <a:off x="0" y="0"/>
+          <a:ext cx="0" cy="0"/>
+          <a:chOff x="0" y="0"/>
+          <a:chExt cx="0" cy="0"/>
+        </a:xfrm>
+      </p:grpSpPr>
+      <p:sp>
+        <p:nvSpPr>
+          <p:cNvPr id="2" name="슬라이드 이미지 개체 틀 1"/>
+          <p:cNvSpPr>
+            <a:spLocks noGrp="1" noRot="1" noChangeAspect="1"/>
+          </p:cNvSpPr>
+          <p:nvPr>
+            <p:ph type="sldImg"/>
+          </p:nvPr>
+        </p:nvSpPr>
+        <p:spPr/>
+      </p:sp>
+      <p:sp>
+        <p:nvSpPr>
+          <p:cNvPr id="3" name="슬라이드 노트 개체 틀 2"/>
+          <p:cNvSpPr>
+            <a:spLocks noGrp="1"/>
+          </p:cNvSpPr>
+          <p:nvPr>
+            <p:ph type="body" idx="1"/>
+          </p:nvPr>
+        </p:nvSpPr>
+        <p:spPr/>
+        <p:txBody>
+          <a:bodyPr/>
+          <a:lstStyle/>
+          <a:p>
+            <a:r>
+              <a:rPr lang="ko-KR" altLang="en-US" dirty="0"/>
+              <a:t>어떤 기준으로 평균속도와 </a:t>
+            </a:r>
+            <a:r>
+              <a:rPr lang="en-US" altLang="ko-KR" dirty="0"/>
+              <a:t>Travel time</a:t>
+            </a:r>
+            <a:r>
+              <a:rPr lang="ko-KR" altLang="en-US" dirty="0"/>
+              <a:t>을 결정하게 되었는지 작성해주어야 함</a:t>
+            </a:r>
+          </a:p>
+        </p:txBody>
+      </p:sp>
+      <p:sp>
+        <p:nvSpPr>
+          <p:cNvPr id="4" name="슬라이드 번호 개체 틀 3"/>
+          <p:cNvSpPr>
+            <a:spLocks noGrp="1"/>
+          </p:cNvSpPr>
+          <p:nvPr>
+            <p:ph type="sldNum" sz="quarter" idx="5"/>
+          </p:nvPr>
+        </p:nvSpPr>
+        <p:spPr/>
+        <p:txBody>
+          <a:bodyPr/>
+          <a:lstStyle/>
+          <a:p>
+            <a:fld id="{5563B5AA-8C0E-4827-B201-D29427D2AA41}" type="slidenum">
+              <a:rPr lang="ko-KR" altLang="en-US" smtClean="0"/>
+              <a:t>13</a:t>
+            </a:fld>
+            <a:endParaRPr lang="ko-KR" altLang="en-US"/>
+          </a:p>
+        </p:txBody>
+      </p:sp>
+    </p:spTree>
+    <p:extLst>
+      <p:ext uri="{BB962C8B-B14F-4D97-AF65-F5344CB8AC3E}">
+        <p14:creationId xmlns:p14="http://schemas.microsoft.com/office/powerpoint/2010/main" val="590092961"/>
+      </p:ext>
+    </p:extLst>
+  </p:cSld>
+  <p:clrMapOvr>
+    <a:masterClrMapping/>
+  </p:clrMapOvr>
+</p:notes>
 </file>
 
 <file path=ppt/slideLayouts/slideLayout1.xml><?xml version="1.0" encoding="utf-8"?>
@@ -849,7 +1297,7 @@
             <a:fld id="{B61BEF0D-F0BB-DE4B-95CE-6DB70DBA9567}" type="datetimeFigureOut">
               <a:rPr lang="en-US" dirty="0"/>
               <a:pPr/>
-              <a:t>2/22/2021</a:t>
+              <a:t>2/23/2021</a:t>
             </a:fld>
             <a:endParaRPr lang="en-US" dirty="0"/>
           </a:p>
@@ -1097,7 +1545,7 @@
             <a:fld id="{B61BEF0D-F0BB-DE4B-95CE-6DB70DBA9567}" type="datetimeFigureOut">
               <a:rPr lang="en-US" dirty="0"/>
               <a:pPr/>
-              <a:t>2/22/2021</a:t>
+              <a:t>2/23/2021</a:t>
             </a:fld>
             <a:endParaRPr lang="en-US" dirty="0"/>
           </a:p>
@@ -1408,7 +1856,7 @@
             <a:fld id="{B61BEF0D-F0BB-DE4B-95CE-6DB70DBA9567}" type="datetimeFigureOut">
               <a:rPr lang="en-US" dirty="0"/>
               <a:pPr/>
-              <a:t>2/22/2021</a:t>
+              <a:t>2/23/2021</a:t>
             </a:fld>
             <a:endParaRPr lang="en-US" dirty="0"/>
           </a:p>
@@ -1746,7 +2194,7 @@
             <a:fld id="{B61BEF0D-F0BB-DE4B-95CE-6DB70DBA9567}" type="datetimeFigureOut">
               <a:rPr lang="en-US" dirty="0"/>
               <a:pPr/>
-              <a:t>2/22/2021</a:t>
+              <a:t>2/23/2021</a:t>
             </a:fld>
             <a:endParaRPr lang="en-US" dirty="0"/>
           </a:p>
@@ -2057,7 +2505,7 @@
             <a:fld id="{B61BEF0D-F0BB-DE4B-95CE-6DB70DBA9567}" type="datetimeFigureOut">
               <a:rPr lang="en-US" dirty="0"/>
               <a:pPr/>
-              <a:t>2/22/2021</a:t>
+              <a:t>2/23/2021</a:t>
             </a:fld>
             <a:endParaRPr lang="en-US" dirty="0"/>
           </a:p>
@@ -2447,7 +2895,7 @@
             <a:fld id="{B61BEF0D-F0BB-DE4B-95CE-6DB70DBA9567}" type="datetimeFigureOut">
               <a:rPr lang="en-US" dirty="0"/>
               <a:pPr/>
-              <a:t>2/22/2021</a:t>
+              <a:t>2/23/2021</a:t>
             </a:fld>
             <a:endParaRPr lang="en-US" dirty="0"/>
           </a:p>
@@ -2613,7 +3061,7 @@
           <a:p>
             <a:fld id="{55C6B4A9-1611-4792-9094-5F34BCA07E0B}" type="datetimeFigureOut">
               <a:rPr lang="en-US" dirty="0"/>
-              <a:t>2/22/2021</a:t>
+              <a:t>2/23/2021</a:t>
             </a:fld>
             <a:endParaRPr lang="en-US" dirty="0"/>
           </a:p>
@@ -2789,7 +3237,7 @@
             <a:fld id="{B61BEF0D-F0BB-DE4B-95CE-6DB70DBA9567}" type="datetimeFigureOut">
               <a:rPr lang="en-US" dirty="0"/>
               <a:pPr/>
-              <a:t>2/22/2021</a:t>
+              <a:t>2/23/2021</a:t>
             </a:fld>
             <a:endParaRPr lang="en-US" dirty="0"/>
           </a:p>
@@ -2999,7 +3447,7 @@
             <a:fld id="{B61BEF0D-F0BB-DE4B-95CE-6DB70DBA9567}" type="datetimeFigureOut">
               <a:rPr lang="en-US" dirty="0"/>
               <a:pPr/>
-              <a:t>2/22/2021</a:t>
+              <a:t>2/23/2021</a:t>
             </a:fld>
             <a:endParaRPr lang="en-US" dirty="0"/>
           </a:p>
@@ -3243,7 +3691,7 @@
             <a:fld id="{B61BEF0D-F0BB-DE4B-95CE-6DB70DBA9567}" type="datetimeFigureOut">
               <a:rPr lang="en-US" dirty="0"/>
               <a:pPr/>
-              <a:t>2/22/2021</a:t>
+              <a:t>2/23/2021</a:t>
             </a:fld>
             <a:endParaRPr lang="en-US" dirty="0"/>
           </a:p>
@@ -3471,7 +3919,7 @@
           <a:p>
             <a:fld id="{EB712588-04B1-427B-82EE-E8DB90309F08}" type="datetimeFigureOut">
               <a:rPr lang="en-US" dirty="0"/>
-              <a:t>2/22/2021</a:t>
+              <a:t>2/23/2021</a:t>
             </a:fld>
             <a:endParaRPr lang="en-US" dirty="0"/>
           </a:p>
@@ -3841,7 +4289,7 @@
             <a:fld id="{B61BEF0D-F0BB-DE4B-95CE-6DB70DBA9567}" type="datetimeFigureOut">
               <a:rPr lang="en-US" dirty="0"/>
               <a:pPr/>
-              <a:t>2/22/2021</a:t>
+              <a:t>2/23/2021</a:t>
             </a:fld>
             <a:endParaRPr lang="en-US" dirty="0"/>
           </a:p>
@@ -3961,7 +4409,7 @@
             <a:fld id="{B61BEF0D-F0BB-DE4B-95CE-6DB70DBA9567}" type="datetimeFigureOut">
               <a:rPr lang="en-US" dirty="0"/>
               <a:pPr/>
-              <a:t>2/22/2021</a:t>
+              <a:t>2/23/2021</a:t>
             </a:fld>
             <a:endParaRPr lang="en-US" dirty="0"/>
           </a:p>
@@ -4053,7 +4501,7 @@
             <a:fld id="{B61BEF0D-F0BB-DE4B-95CE-6DB70DBA9567}" type="datetimeFigureOut">
               <a:rPr lang="en-US" dirty="0"/>
               <a:pPr/>
-              <a:t>2/22/2021</a:t>
+              <a:t>2/23/2021</a:t>
             </a:fld>
             <a:endParaRPr lang="en-US" dirty="0"/>
           </a:p>
@@ -4304,7 +4752,7 @@
           <a:p>
             <a:fld id="{42A54C80-263E-416B-A8E0-580EDEADCBDC}" type="datetimeFigureOut">
               <a:rPr lang="en-US" dirty="0"/>
-              <a:t>2/22/2021</a:t>
+              <a:t>2/23/2021</a:t>
             </a:fld>
             <a:endParaRPr lang="en-US" dirty="0"/>
           </a:p>
@@ -4563,7 +5011,7 @@
             <a:fld id="{B61BEF0D-F0BB-DE4B-95CE-6DB70DBA9567}" type="datetimeFigureOut">
               <a:rPr lang="en-US" dirty="0"/>
               <a:pPr/>
-              <a:t>2/22/2021</a:t>
+              <a:t>2/23/2021</a:t>
             </a:fld>
             <a:endParaRPr lang="en-US" dirty="0"/>
           </a:p>
@@ -5303,7 +5751,7 @@
             <a:fld id="{B61BEF0D-F0BB-DE4B-95CE-6DB70DBA9567}" type="datetimeFigureOut">
               <a:rPr lang="en-US" dirty="0"/>
               <a:pPr/>
-              <a:t>2/22/2021</a:t>
+              <a:t>2/23/2021</a:t>
             </a:fld>
             <a:endParaRPr lang="en-US" dirty="0"/>
           </a:p>
@@ -14275,7 +14723,7 @@
           <p:nvPr/>
         </p:nvPicPr>
         <p:blipFill>
-          <a:blip r:embed="rId2"/>
+          <a:blip r:embed="rId3"/>
           <a:stretch>
             <a:fillRect/>
           </a:stretch>
@@ -14569,7 +15017,7 @@
           <p:nvPr/>
         </p:nvPicPr>
         <p:blipFill>
-          <a:blip r:embed="rId3"/>
+          <a:blip r:embed="rId4"/>
           <a:stretch>
             <a:fillRect/>
           </a:stretch>
@@ -15047,6 +15495,94 @@
       </p:grpSpPr>
       <p:sp>
         <p:nvSpPr>
+          <p:cNvPr id="2" name="제목 1">
+            <a:extLst>
+              <a:ext uri="{FF2B5EF4-FFF2-40B4-BE49-F238E27FC236}">
+                <a16:creationId xmlns:a16="http://schemas.microsoft.com/office/drawing/2014/main" id="{ABA5FE2B-EED1-4FB5-B2AD-2D4278B1CF53}"/>
+              </a:ext>
+            </a:extLst>
+          </p:cNvPr>
+          <p:cNvSpPr>
+            <a:spLocks noGrp="1"/>
+          </p:cNvSpPr>
+          <p:nvPr>
+            <p:ph type="title"/>
+          </p:nvPr>
+        </p:nvSpPr>
+        <p:spPr/>
+        <p:txBody>
+          <a:bodyPr/>
+          <a:lstStyle/>
+          <a:p>
+            <a:endParaRPr lang="ko-KR" altLang="en-US"/>
+          </a:p>
+        </p:txBody>
+      </p:sp>
+      <p:sp>
+        <p:nvSpPr>
+          <p:cNvPr id="3" name="내용 개체 틀 2">
+            <a:extLst>
+              <a:ext uri="{FF2B5EF4-FFF2-40B4-BE49-F238E27FC236}">
+                <a16:creationId xmlns:a16="http://schemas.microsoft.com/office/drawing/2014/main" id="{BBD80C5B-DA85-4796-BFB7-B5080A1D3058}"/>
+              </a:ext>
+            </a:extLst>
+          </p:cNvPr>
+          <p:cNvSpPr>
+            <a:spLocks noGrp="1"/>
+          </p:cNvSpPr>
+          <p:nvPr>
+            <p:ph idx="1"/>
+          </p:nvPr>
+        </p:nvSpPr>
+        <p:spPr/>
+        <p:txBody>
+          <a:bodyPr/>
+          <a:lstStyle/>
+          <a:p>
+            <a:r>
+              <a:rPr lang="ko-KR" altLang="en-US" dirty="0"/>
+              <a:t>안되는 이유</a:t>
+            </a:r>
+            <a:r>
+              <a:rPr lang="en-US" altLang="ko-KR" dirty="0"/>
+              <a:t>?</a:t>
+            </a:r>
+            <a:endParaRPr lang="ko-KR" altLang="en-US" dirty="0"/>
+          </a:p>
+        </p:txBody>
+      </p:sp>
+    </p:spTree>
+    <p:extLst>
+      <p:ext uri="{BB962C8B-B14F-4D97-AF65-F5344CB8AC3E}">
+        <p14:creationId xmlns:p14="http://schemas.microsoft.com/office/powerpoint/2010/main" val="2350156334"/>
+      </p:ext>
+    </p:extLst>
+  </p:cSld>
+  <p:clrMapOvr>
+    <a:masterClrMapping/>
+  </p:clrMapOvr>
+</p:sld>
+</file>
+
+<file path=ppt/slides/slide15.xml><?xml version="1.0" encoding="utf-8"?>
+<p:sld xmlns:a="http://schemas.openxmlformats.org/drawingml/2006/main" xmlns:r="http://schemas.openxmlformats.org/officeDocument/2006/relationships" xmlns:p="http://schemas.openxmlformats.org/presentationml/2006/main">
+  <p:cSld>
+    <p:spTree>
+      <p:nvGrpSpPr>
+        <p:cNvPr id="1" name=""/>
+        <p:cNvGrpSpPr/>
+        <p:nvPr/>
+      </p:nvGrpSpPr>
+      <p:grpSpPr>
+        <a:xfrm>
+          <a:off x="0" y="0"/>
+          <a:ext cx="0" cy="0"/>
+          <a:chOff x="0" y="0"/>
+          <a:chExt cx="0" cy="0"/>
+        </a:xfrm>
+      </p:grpSpPr>
+      <p:sp>
+        <p:nvSpPr>
           <p:cNvPr id="2" name="제목 1"/>
           <p:cNvSpPr>
             <a:spLocks noGrp="1"/>
@@ -15666,7 +16202,7 @@
         </p:nvSpPr>
         <p:spPr>
           <a:xfrm>
-            <a:off x="5907957" y="4122286"/>
+            <a:off x="6455291" y="4111623"/>
             <a:ext cx="3003623" cy="307777"/>
           </a:xfrm>
           <a:prstGeom prst="rect">
@@ -17039,7 +17575,7 @@
 </p:sld>
 </file>
 
-<file path=ppt/slides/slide15.xml><?xml version="1.0" encoding="utf-8"?>
+<file path=ppt/slides/slide16.xml><?xml version="1.0" encoding="utf-8"?>
 <p:sld xmlns:a="http://schemas.openxmlformats.org/drawingml/2006/main" xmlns:r="http://schemas.openxmlformats.org/officeDocument/2006/relationships" xmlns:p="http://schemas.openxmlformats.org/presentationml/2006/main">
   <p:cSld>
     <p:spTree>
@@ -26232,14 +26768,14 @@
           <p:nvPr>
             <p:extLst>
               <p:ext uri="{D42A27DB-BD31-4B8C-83A1-F6EECF244321}">
-                <p14:modId xmlns:p14="http://schemas.microsoft.com/office/powerpoint/2010/main" val="996429084"/>
+                <p14:modId xmlns:p14="http://schemas.microsoft.com/office/powerpoint/2010/main" val="535392088"/>
               </p:ext>
             </p:extLst>
           </p:nvPr>
         </p:nvGraphicFramePr>
         <p:xfrm>
-          <a:off x="7445644" y="1506808"/>
-          <a:ext cx="2033916" cy="1384035"/>
+          <a:off x="7445643" y="1506808"/>
+          <a:ext cx="2459541" cy="1384035"/>
         </p:xfrm>
         <a:graphic>
           <a:graphicData uri="http://schemas.openxmlformats.org/drawingml/2006/table">
@@ -26248,14 +26784,14 @@
                 <a:tableStyleId>{5C22544A-7EE6-4342-B048-85BDC9FD1C3A}</a:tableStyleId>
               </a:tblPr>
               <a:tblGrid>
-                <a:gridCol w="803329">
+                <a:gridCol w="800735">
                   <a:extLst>
                     <a:ext uri="{9D8B030D-6E8A-4147-A177-3AD203B41FA5}">
                       <a16:colId xmlns:a16="http://schemas.microsoft.com/office/drawing/2014/main" val="3299112100"/>
                     </a:ext>
                   </a:extLst>
                 </a:gridCol>
-                <a:gridCol w="1230587">
+                <a:gridCol w="1658806">
                   <a:extLst>
                     <a:ext uri="{9D8B030D-6E8A-4147-A177-3AD203B41FA5}">
                       <a16:colId xmlns:a16="http://schemas.microsoft.com/office/drawing/2014/main" val="1315594421"/>
@@ -26369,7 +26905,7 @@
                       <a:pPr latinLnBrk="1"/>
                       <a:r>
                         <a:rPr lang="en-US" altLang="ko-KR" sz="1100" dirty="0"/>
-                        <a:t>7</a:t>
+                        <a:t>3C2*2+1</a:t>
                       </a:r>
                       <a:endParaRPr lang="ko-KR" altLang="en-US" sz="1100" dirty="0"/>
                     </a:p>
@@ -26443,7 +26979,7 @@
                       <a:pPr latinLnBrk="1"/>
                       <a:r>
                         <a:rPr lang="en-US" altLang="ko-KR" sz="1100" dirty="0"/>
-                        <a:t>5C2+5C4+1</a:t>
+                        <a:t>(5C2)*2+(5C4)*(4C2)+1</a:t>
                       </a:r>
                       <a:endParaRPr lang="ko-KR" altLang="en-US" sz="1100" dirty="0"/>
                     </a:p>
@@ -26816,4 +27352,299 @@
     </a:ext>
   </a:extLst>
 </a:theme>
+</file>
+
+<file path=ppt/theme/theme2.xml><?xml version="1.0" encoding="utf-8"?>
+<a:theme xmlns:a="http://schemas.openxmlformats.org/drawingml/2006/main" name="Office 테마">
+  <a:themeElements>
+    <a:clrScheme name="Office">
+      <a:dk1>
+        <a:sysClr val="windowText" lastClr="000000"/>
+      </a:dk1>
+      <a:lt1>
+        <a:sysClr val="window" lastClr="FFFFFF"/>
+      </a:lt1>
+      <a:dk2>
+        <a:srgbClr val="44546A"/>
+      </a:dk2>
+      <a:lt2>
+        <a:srgbClr val="E7E6E6"/>
+      </a:lt2>
+      <a:accent1>
+        <a:srgbClr val="4472C4"/>
+      </a:accent1>
+      <a:accent2>
+        <a:srgbClr val="ED7D31"/>
+      </a:accent2>
+      <a:accent3>
+        <a:srgbClr val="A5A5A5"/>
+      </a:accent3>
+      <a:accent4>
+        <a:srgbClr val="FFC000"/>
+      </a:accent4>
+      <a:accent5>
+        <a:srgbClr val="5B9BD5"/>
+      </a:accent5>
+      <a:accent6>
+        <a:srgbClr val="70AD47"/>
+      </a:accent6>
+      <a:hlink>
+        <a:srgbClr val="0563C1"/>
+      </a:hlink>
+      <a:folHlink>
+        <a:srgbClr val="954F72"/>
+      </a:folHlink>
+    </a:clrScheme>
+    <a:fontScheme name="Office">
+      <a:majorFont>
+        <a:latin typeface="맑은 고딕" panose="020F0302020204030204"/>
+        <a:ea typeface=""/>
+        <a:cs typeface=""/>
+        <a:font script="Jpan" typeface="游ゴシック Light"/>
+        <a:font script="Hang" typeface="맑은 고딕"/>
+        <a:font script="Hans" typeface="等线 Light"/>
+        <a:font script="Hant" typeface="新細明體"/>
+        <a:font script="Arab" typeface="Times New Roman"/>
+        <a:font script="Hebr" typeface="Times New Roman"/>
+        <a:font script="Thai" typeface="Angsana New"/>
+        <a:font script="Ethi" typeface="Nyala"/>
+        <a:font script="Beng" typeface="Vrinda"/>
+        <a:font script="Gujr" typeface="Shruti"/>
+        <a:font script="Khmr" typeface="MoolBoran"/>
+        <a:font script="Knda" typeface="Tunga"/>
+        <a:font script="Guru" typeface="Raavi"/>
+        <a:font script="Cans" typeface="Euphemia"/>
+        <a:font script="Cher" typeface="Plantagenet Cherokee"/>
+        <a:font script="Yiii" typeface="Microsoft Yi Baiti"/>
+        <a:font script="Tibt" typeface="Microsoft Himalaya"/>
+        <a:font script="Thaa" typeface="MV Boli"/>
+        <a:font script="Deva" typeface="Mangal"/>
+        <a:font script="Telu" typeface="Gautami"/>
+        <a:font script="Taml" typeface="Latha"/>
+        <a:font script="Syrc" typeface="Estrangelo Edessa"/>
+        <a:font script="Orya" typeface="Kalinga"/>
+        <a:font script="Mlym" typeface="Kartika"/>
+        <a:font script="Laoo" typeface="DokChampa"/>
+        <a:font script="Sinh" typeface="Iskoola Pota"/>
+        <a:font script="Mong" typeface="Mongolian Baiti"/>
+        <a:font script="Viet" typeface="Times New Roman"/>
+        <a:font script="Uigh" typeface="Microsoft Uighur"/>
+        <a:font script="Geor" typeface="Sylfaen"/>
+        <a:font script="Armn" typeface="Arial"/>
+        <a:font script="Bugi" typeface="Leelawadee UI"/>
+        <a:font script="Bopo" typeface="Microsoft JhengHei"/>
+        <a:font script="Java" typeface="Javanese Text"/>
+        <a:font script="Lisu" typeface="Segoe UI"/>
+        <a:font script="Mymr" typeface="Myanmar Text"/>
+        <a:font script="Nkoo" typeface="Ebrima"/>
+        <a:font script="Olck" typeface="Nirmala UI"/>
+        <a:font script="Osma" typeface="Ebrima"/>
+        <a:font script="Phag" typeface="Phagspa"/>
+        <a:font script="Syrn" typeface="Estrangelo Edessa"/>
+        <a:font script="Syrj" typeface="Estrangelo Edessa"/>
+        <a:font script="Syre" typeface="Estrangelo Edessa"/>
+        <a:font script="Sora" typeface="Nirmala UI"/>
+        <a:font script="Tale" typeface="Microsoft Tai Le"/>
+        <a:font script="Talu" typeface="Microsoft New Tai Lue"/>
+        <a:font script="Tfng" typeface="Ebrima"/>
+      </a:majorFont>
+      <a:minorFont>
+        <a:latin typeface="맑은 고딕" panose="020F0502020204030204"/>
+        <a:ea typeface=""/>
+        <a:cs typeface=""/>
+        <a:font script="Jpan" typeface="游ゴシック"/>
+        <a:font script="Hang" typeface="맑은 고딕"/>
+        <a:font script="Hans" typeface="等线"/>
+        <a:font script="Hant" typeface="新細明體"/>
+        <a:font script="Arab" typeface="Arial"/>
+        <a:font script="Hebr" typeface="Arial"/>
+        <a:font script="Thai" typeface="Cordia New"/>
+        <a:font script="Ethi" typeface="Nyala"/>
+        <a:font script="Beng" typeface="Vrinda"/>
+        <a:font script="Gujr" typeface="Shruti"/>
+        <a:font script="Khmr" typeface="DaunPenh"/>
+        <a:font script="Knda" typeface="Tunga"/>
+        <a:font script="Guru" typeface="Raavi"/>
+        <a:font script="Cans" typeface="Euphemia"/>
+        <a:font script="Cher" typeface="Plantagenet Cherokee"/>
+        <a:font script="Yiii" typeface="Microsoft Yi Baiti"/>
+        <a:font script="Tibt" typeface="Microsoft Himalaya"/>
+        <a:font script="Thaa" typeface="MV Boli"/>
+        <a:font script="Deva" typeface="Mangal"/>
+        <a:font script="Telu" typeface="Gautami"/>
+        <a:font script="Taml" typeface="Latha"/>
+        <a:font script="Syrc" typeface="Estrangelo Edessa"/>
+        <a:font script="Orya" typeface="Kalinga"/>
+        <a:font script="Mlym" typeface="Kartika"/>
+        <a:font script="Laoo" typeface="DokChampa"/>
+        <a:font script="Sinh" typeface="Iskoola Pota"/>
+        <a:font script="Mong" typeface="Mongolian Baiti"/>
+        <a:font script="Viet" typeface="Arial"/>
+        <a:font script="Uigh" typeface="Microsoft Uighur"/>
+        <a:font script="Geor" typeface="Sylfaen"/>
+        <a:font script="Armn" typeface="Arial"/>
+        <a:font script="Bugi" typeface="Leelawadee UI"/>
+        <a:font script="Bopo" typeface="Microsoft JhengHei"/>
+        <a:font script="Java" typeface="Javanese Text"/>
+        <a:font script="Lisu" typeface="Segoe UI"/>
+        <a:font script="Mymr" typeface="Myanmar Text"/>
+        <a:font script="Nkoo" typeface="Ebrima"/>
+        <a:font script="Olck" typeface="Nirmala UI"/>
+        <a:font script="Osma" typeface="Ebrima"/>
+        <a:font script="Phag" typeface="Phagspa"/>
+        <a:font script="Syrn" typeface="Estrangelo Edessa"/>
+        <a:font script="Syrj" typeface="Estrangelo Edessa"/>
+        <a:font script="Syre" typeface="Estrangelo Edessa"/>
+        <a:font script="Sora" typeface="Nirmala UI"/>
+        <a:font script="Tale" typeface="Microsoft Tai Le"/>
+        <a:font script="Talu" typeface="Microsoft New Tai Lue"/>
+        <a:font script="Tfng" typeface="Ebrima"/>
+      </a:minorFont>
+    </a:fontScheme>
+    <a:fmtScheme name="Office">
+      <a:fillStyleLst>
+        <a:solidFill>
+          <a:schemeClr val="phClr"/>
+        </a:solidFill>
+        <a:gradFill rotWithShape="1">
+          <a:gsLst>
+            <a:gs pos="0">
+              <a:schemeClr val="phClr">
+                <a:lumMod val="110000"/>
+                <a:satMod val="105000"/>
+                <a:tint val="67000"/>
+              </a:schemeClr>
+            </a:gs>
+            <a:gs pos="50000">
+              <a:schemeClr val="phClr">
+                <a:lumMod val="105000"/>
+                <a:satMod val="103000"/>
+                <a:tint val="73000"/>
+              </a:schemeClr>
+            </a:gs>
+            <a:gs pos="100000">
+              <a:schemeClr val="phClr">
+                <a:lumMod val="105000"/>
+                <a:satMod val="109000"/>
+                <a:tint val="81000"/>
+              </a:schemeClr>
+            </a:gs>
+          </a:gsLst>
+          <a:lin ang="5400000" scaled="0"/>
+        </a:gradFill>
+        <a:gradFill rotWithShape="1">
+          <a:gsLst>
+            <a:gs pos="0">
+              <a:schemeClr val="phClr">
+                <a:satMod val="103000"/>
+                <a:lumMod val="102000"/>
+                <a:tint val="94000"/>
+              </a:schemeClr>
+            </a:gs>
+            <a:gs pos="50000">
+              <a:schemeClr val="phClr">
+                <a:satMod val="110000"/>
+                <a:lumMod val="100000"/>
+                <a:shade val="100000"/>
+              </a:schemeClr>
+            </a:gs>
+            <a:gs pos="100000">
+              <a:schemeClr val="phClr">
+                <a:lumMod val="99000"/>
+                <a:satMod val="120000"/>
+                <a:shade val="78000"/>
+              </a:schemeClr>
+            </a:gs>
+          </a:gsLst>
+          <a:lin ang="5400000" scaled="0"/>
+        </a:gradFill>
+      </a:fillStyleLst>
+      <a:lnStyleLst>
+        <a:ln w="6350" cap="flat" cmpd="sng" algn="ctr">
+          <a:solidFill>
+            <a:schemeClr val="phClr"/>
+          </a:solidFill>
+          <a:prstDash val="solid"/>
+          <a:miter lim="800000"/>
+        </a:ln>
+        <a:ln w="12700" cap="flat" cmpd="sng" algn="ctr">
+          <a:solidFill>
+            <a:schemeClr val="phClr"/>
+          </a:solidFill>
+          <a:prstDash val="solid"/>
+          <a:miter lim="800000"/>
+        </a:ln>
+        <a:ln w="19050" cap="flat" cmpd="sng" algn="ctr">
+          <a:solidFill>
+            <a:schemeClr val="phClr"/>
+          </a:solidFill>
+          <a:prstDash val="solid"/>
+          <a:miter lim="800000"/>
+        </a:ln>
+      </a:lnStyleLst>
+      <a:effectStyleLst>
+        <a:effectStyle>
+          <a:effectLst/>
+        </a:effectStyle>
+        <a:effectStyle>
+          <a:effectLst/>
+        </a:effectStyle>
+        <a:effectStyle>
+          <a:effectLst>
+            <a:outerShdw blurRad="57150" dist="19050" dir="5400000" algn="ctr" rotWithShape="0">
+              <a:srgbClr val="000000">
+                <a:alpha val="63000"/>
+              </a:srgbClr>
+            </a:outerShdw>
+          </a:effectLst>
+        </a:effectStyle>
+      </a:effectStyleLst>
+      <a:bgFillStyleLst>
+        <a:solidFill>
+          <a:schemeClr val="phClr"/>
+        </a:solidFill>
+        <a:solidFill>
+          <a:schemeClr val="phClr">
+            <a:tint val="95000"/>
+            <a:satMod val="170000"/>
+          </a:schemeClr>
+        </a:solidFill>
+        <a:gradFill rotWithShape="1">
+          <a:gsLst>
+            <a:gs pos="0">
+              <a:schemeClr val="phClr">
+                <a:tint val="93000"/>
+                <a:satMod val="150000"/>
+                <a:shade val="98000"/>
+                <a:lumMod val="102000"/>
+              </a:schemeClr>
+            </a:gs>
+            <a:gs pos="50000">
+              <a:schemeClr val="phClr">
+                <a:tint val="98000"/>
+                <a:satMod val="130000"/>
+                <a:shade val="90000"/>
+                <a:lumMod val="103000"/>
+              </a:schemeClr>
+            </a:gs>
+            <a:gs pos="100000">
+              <a:schemeClr val="phClr">
+                <a:shade val="63000"/>
+                <a:satMod val="120000"/>
+              </a:schemeClr>
+            </a:gs>
+          </a:gsLst>
+          <a:lin ang="5400000" scaled="0"/>
+        </a:gradFill>
+      </a:bgFillStyleLst>
+    </a:fmtScheme>
+  </a:themeElements>
+  <a:objectDefaults/>
+  <a:extraClrSchemeLst/>
+  <a:extLst>
+    <a:ext uri="{05A4C25C-085E-4340-85A3-A5531E510DB2}">
+      <thm15:themeFamily xmlns:thm15="http://schemas.microsoft.com/office/thememl/2012/main" name="Office Theme" id="{62F939B6-93AF-4DB8-9C6B-D6C7DFDC589F}" vid="{4A3C46E8-61CC-4603-A589-7422A47A8E4A}"/>
+    </a:ext>
+  </a:extLst>
+</a:theme>
 </file>
--- a/Traffic Optimization Final Speech.pptx
+++ b/Traffic Optimization Final Speech.pptx
@@ -18,8 +18,9 @@
     <p:sldId id="265" r:id="rId12"/>
     <p:sldId id="269" r:id="rId13"/>
     <p:sldId id="268" r:id="rId14"/>
-    <p:sldId id="270" r:id="rId15"/>
-    <p:sldId id="271" r:id="rId16"/>
+    <p:sldId id="272" r:id="rId15"/>
+    <p:sldId id="270" r:id="rId16"/>
+    <p:sldId id="271" r:id="rId17"/>
   </p:sldIdLst>
   <p:sldSz cx="12192000" cy="6858000"/>
   <p:notesSz cx="6858000" cy="9144000"/>
@@ -849,7 +850,7 @@
             <a:fld id="{B61BEF0D-F0BB-DE4B-95CE-6DB70DBA9567}" type="datetimeFigureOut">
               <a:rPr lang="en-US" dirty="0"/>
               <a:pPr/>
-              <a:t>2/22/2021</a:t>
+              <a:t>2/24/2021</a:t>
             </a:fld>
             <a:endParaRPr lang="en-US" dirty="0"/>
           </a:p>
@@ -1097,7 +1098,7 @@
             <a:fld id="{B61BEF0D-F0BB-DE4B-95CE-6DB70DBA9567}" type="datetimeFigureOut">
               <a:rPr lang="en-US" dirty="0"/>
               <a:pPr/>
-              <a:t>2/22/2021</a:t>
+              <a:t>2/24/2021</a:t>
             </a:fld>
             <a:endParaRPr lang="en-US" dirty="0"/>
           </a:p>
@@ -1408,7 +1409,7 @@
             <a:fld id="{B61BEF0D-F0BB-DE4B-95CE-6DB70DBA9567}" type="datetimeFigureOut">
               <a:rPr lang="en-US" dirty="0"/>
               <a:pPr/>
-              <a:t>2/22/2021</a:t>
+              <a:t>2/24/2021</a:t>
             </a:fld>
             <a:endParaRPr lang="en-US" dirty="0"/>
           </a:p>
@@ -1746,7 +1747,7 @@
             <a:fld id="{B61BEF0D-F0BB-DE4B-95CE-6DB70DBA9567}" type="datetimeFigureOut">
               <a:rPr lang="en-US" dirty="0"/>
               <a:pPr/>
-              <a:t>2/22/2021</a:t>
+              <a:t>2/24/2021</a:t>
             </a:fld>
             <a:endParaRPr lang="en-US" dirty="0"/>
           </a:p>
@@ -2057,7 +2058,7 @@
             <a:fld id="{B61BEF0D-F0BB-DE4B-95CE-6DB70DBA9567}" type="datetimeFigureOut">
               <a:rPr lang="en-US" dirty="0"/>
               <a:pPr/>
-              <a:t>2/22/2021</a:t>
+              <a:t>2/24/2021</a:t>
             </a:fld>
             <a:endParaRPr lang="en-US" dirty="0"/>
           </a:p>
@@ -2447,7 +2448,7 @@
             <a:fld id="{B61BEF0D-F0BB-DE4B-95CE-6DB70DBA9567}" type="datetimeFigureOut">
               <a:rPr lang="en-US" dirty="0"/>
               <a:pPr/>
-              <a:t>2/22/2021</a:t>
+              <a:t>2/24/2021</a:t>
             </a:fld>
             <a:endParaRPr lang="en-US" dirty="0"/>
           </a:p>
@@ -2613,7 +2614,7 @@
           <a:p>
             <a:fld id="{55C6B4A9-1611-4792-9094-5F34BCA07E0B}" type="datetimeFigureOut">
               <a:rPr lang="en-US" dirty="0"/>
-              <a:t>2/22/2021</a:t>
+              <a:t>2/24/2021</a:t>
             </a:fld>
             <a:endParaRPr lang="en-US" dirty="0"/>
           </a:p>
@@ -2789,7 +2790,7 @@
             <a:fld id="{B61BEF0D-F0BB-DE4B-95CE-6DB70DBA9567}" type="datetimeFigureOut">
               <a:rPr lang="en-US" dirty="0"/>
               <a:pPr/>
-              <a:t>2/22/2021</a:t>
+              <a:t>2/24/2021</a:t>
             </a:fld>
             <a:endParaRPr lang="en-US" dirty="0"/>
           </a:p>
@@ -2999,7 +3000,7 @@
             <a:fld id="{B61BEF0D-F0BB-DE4B-95CE-6DB70DBA9567}" type="datetimeFigureOut">
               <a:rPr lang="en-US" dirty="0"/>
               <a:pPr/>
-              <a:t>2/22/2021</a:t>
+              <a:t>2/24/2021</a:t>
             </a:fld>
             <a:endParaRPr lang="en-US" dirty="0"/>
           </a:p>
@@ -3243,7 +3244,7 @@
             <a:fld id="{B61BEF0D-F0BB-DE4B-95CE-6DB70DBA9567}" type="datetimeFigureOut">
               <a:rPr lang="en-US" dirty="0"/>
               <a:pPr/>
-              <a:t>2/22/2021</a:t>
+              <a:t>2/24/2021</a:t>
             </a:fld>
             <a:endParaRPr lang="en-US" dirty="0"/>
           </a:p>
@@ -3471,7 +3472,7 @@
           <a:p>
             <a:fld id="{EB712588-04B1-427B-82EE-E8DB90309F08}" type="datetimeFigureOut">
               <a:rPr lang="en-US" dirty="0"/>
-              <a:t>2/22/2021</a:t>
+              <a:t>2/24/2021</a:t>
             </a:fld>
             <a:endParaRPr lang="en-US" dirty="0"/>
           </a:p>
@@ -3841,7 +3842,7 @@
             <a:fld id="{B61BEF0D-F0BB-DE4B-95CE-6DB70DBA9567}" type="datetimeFigureOut">
               <a:rPr lang="en-US" dirty="0"/>
               <a:pPr/>
-              <a:t>2/22/2021</a:t>
+              <a:t>2/24/2021</a:t>
             </a:fld>
             <a:endParaRPr lang="en-US" dirty="0"/>
           </a:p>
@@ -3961,7 +3962,7 @@
             <a:fld id="{B61BEF0D-F0BB-DE4B-95CE-6DB70DBA9567}" type="datetimeFigureOut">
               <a:rPr lang="en-US" dirty="0"/>
               <a:pPr/>
-              <a:t>2/22/2021</a:t>
+              <a:t>2/24/2021</a:t>
             </a:fld>
             <a:endParaRPr lang="en-US" dirty="0"/>
           </a:p>
@@ -4053,7 +4054,7 @@
             <a:fld id="{B61BEF0D-F0BB-DE4B-95CE-6DB70DBA9567}" type="datetimeFigureOut">
               <a:rPr lang="en-US" dirty="0"/>
               <a:pPr/>
-              <a:t>2/22/2021</a:t>
+              <a:t>2/24/2021</a:t>
             </a:fld>
             <a:endParaRPr lang="en-US" dirty="0"/>
           </a:p>
@@ -4304,7 +4305,7 @@
           <a:p>
             <a:fld id="{42A54C80-263E-416B-A8E0-580EDEADCBDC}" type="datetimeFigureOut">
               <a:rPr lang="en-US" dirty="0"/>
-              <a:t>2/22/2021</a:t>
+              <a:t>2/24/2021</a:t>
             </a:fld>
             <a:endParaRPr lang="en-US" dirty="0"/>
           </a:p>
@@ -4563,7 +4564,7 @@
             <a:fld id="{B61BEF0D-F0BB-DE4B-95CE-6DB70DBA9567}" type="datetimeFigureOut">
               <a:rPr lang="en-US" dirty="0"/>
               <a:pPr/>
-              <a:t>2/22/2021</a:t>
+              <a:t>2/24/2021</a:t>
             </a:fld>
             <a:endParaRPr lang="en-US" dirty="0"/>
           </a:p>
@@ -5303,7 +5304,7 @@
             <a:fld id="{B61BEF0D-F0BB-DE4B-95CE-6DB70DBA9567}" type="datetimeFigureOut">
               <a:rPr lang="en-US" dirty="0"/>
               <a:pPr/>
-              <a:t>2/22/2021</a:t>
+              <a:t>2/24/2021</a:t>
             </a:fld>
             <a:endParaRPr lang="en-US" dirty="0"/>
           </a:p>
@@ -5937,11 +5938,11 @@
           <a:lstStyle/>
           <a:p>
             <a:r>
-              <a:rPr lang="en-US" altLang="ko-KR" dirty="0" smtClean="0"/>
+              <a:rPr lang="en-US" altLang="ko-KR" dirty="0"/>
               <a:t>Decentralized</a:t>
             </a:r>
             <a:r>
-              <a:rPr lang="ko-KR" altLang="en-US" dirty="0" smtClean="0"/>
+              <a:rPr lang="ko-KR" altLang="en-US" dirty="0"/>
               <a:t> </a:t>
             </a:r>
             <a:r>
@@ -5998,28 +5999,28 @@
           <a:lstStyle/>
           <a:p>
             <a:r>
-              <a:rPr lang="en-US" altLang="ko-KR" dirty="0" smtClean="0"/>
+              <a:rPr lang="en-US" altLang="ko-KR" dirty="0"/>
               <a:t> 3x3 grid</a:t>
             </a:r>
           </a:p>
           <a:p>
             <a:pPr lvl="1"/>
             <a:r>
-              <a:rPr lang="en-US" altLang="ko-KR" dirty="0" smtClean="0"/>
+              <a:rPr lang="en-US" altLang="ko-KR" dirty="0"/>
               <a:t>9 Agents</a:t>
             </a:r>
           </a:p>
           <a:p>
             <a:pPr lvl="1"/>
             <a:r>
-              <a:rPr lang="en-US" altLang="ko-KR" dirty="0" smtClean="0"/>
+              <a:rPr lang="en-US" altLang="ko-KR" dirty="0"/>
               <a:t>Random Routing Generation</a:t>
             </a:r>
             <a:br>
-              <a:rPr lang="en-US" altLang="ko-KR" dirty="0" smtClean="0"/>
+              <a:rPr lang="en-US" altLang="ko-KR" dirty="0"/>
             </a:br>
             <a:r>
-              <a:rPr lang="en-US" altLang="ko-KR" dirty="0" smtClean="0">
+              <a:rPr lang="en-US" altLang="ko-KR" dirty="0">
                 <a:sym typeface="Wingdings" panose="05000000000000000000" pitchFamily="2" charset="2"/>
               </a:rPr>
               <a:t> 1 period, 1.5 scaled</a:t>
@@ -6283,33 +6284,33 @@
           </a:lstStyle>
           <a:p>
             <a:r>
-              <a:rPr lang="en-US" altLang="ko-KR" dirty="0" smtClean="0"/>
+              <a:rPr lang="en-US" altLang="ko-KR" dirty="0"/>
               <a:t> </a:t>
             </a:r>
             <a:r>
-              <a:rPr lang="en-US" altLang="ko-KR" dirty="0" err="1" smtClean="0"/>
+              <a:rPr lang="en-US" altLang="ko-KR" dirty="0" err="1"/>
               <a:t>Dunsan</a:t>
             </a:r>
-            <a:endParaRPr lang="en-US" altLang="ko-KR" dirty="0" smtClean="0"/>
+            <a:endParaRPr lang="en-US" altLang="ko-KR" dirty="0"/>
           </a:p>
           <a:p>
             <a:pPr lvl="1"/>
             <a:r>
-              <a:rPr lang="en-US" altLang="ko-KR" dirty="0" smtClean="0"/>
+              <a:rPr lang="en-US" altLang="ko-KR" dirty="0"/>
               <a:t>11 Agents</a:t>
             </a:r>
           </a:p>
           <a:p>
             <a:pPr lvl="1"/>
             <a:r>
-              <a:rPr lang="en-US" altLang="ko-KR" dirty="0" smtClean="0"/>
+              <a:rPr lang="en-US" altLang="ko-KR" dirty="0"/>
               <a:t>Real Demand based training</a:t>
             </a:r>
             <a:br>
-              <a:rPr lang="en-US" altLang="ko-KR" dirty="0" smtClean="0"/>
+              <a:rPr lang="en-US" altLang="ko-KR" dirty="0"/>
             </a:br>
             <a:r>
-              <a:rPr lang="en-US" altLang="ko-KR" dirty="0" smtClean="0">
+              <a:rPr lang="en-US" altLang="ko-KR" dirty="0">
                 <a:sym typeface="Wingdings" panose="05000000000000000000" pitchFamily="2" charset="2"/>
               </a:rPr>
               <a:t> 0-3am, 2.0 scaled</a:t>
@@ -6396,11 +6397,11 @@
                     <a:p>
                       <a:pPr latinLnBrk="1"/>
                       <a:r>
-                        <a:rPr lang="en-US" altLang="ko-KR" sz="1600" dirty="0" err="1" smtClean="0"/>
+                        <a:rPr lang="en-US" altLang="ko-KR" sz="1600" dirty="0" err="1"/>
                         <a:t>Avg</a:t>
                       </a:r>
                       <a:r>
-                        <a:rPr lang="en-US" altLang="ko-KR" sz="1600" baseline="0" dirty="0" smtClean="0"/>
+                        <a:rPr lang="en-US" altLang="ko-KR" sz="1600" baseline="0" dirty="0"/>
                         <a:t> Value</a:t>
                       </a:r>
                       <a:endParaRPr lang="ko-KR" altLang="en-US" sz="1600" dirty="0"/>
@@ -6415,7 +6416,7 @@
                     <a:p>
                       <a:pPr latinLnBrk="1"/>
                       <a:r>
-                        <a:rPr lang="en-US" altLang="ko-KR" sz="1600" dirty="0" smtClean="0"/>
+                        <a:rPr lang="en-US" altLang="ko-KR" sz="1600" dirty="0"/>
                         <a:t>Simulation</a:t>
                       </a:r>
                       <a:endParaRPr lang="ko-KR" altLang="en-US" sz="1600" dirty="0"/>
@@ -6430,7 +6431,7 @@
                     <a:p>
                       <a:pPr latinLnBrk="1"/>
                       <a:r>
-                        <a:rPr lang="en-US" altLang="ko-KR" sz="1600" dirty="0" smtClean="0"/>
+                        <a:rPr lang="en-US" altLang="ko-KR" sz="1600" dirty="0"/>
                         <a:t>Decentralized</a:t>
                       </a:r>
                       <a:endParaRPr lang="ko-KR" altLang="en-US" sz="1600" dirty="0"/>
@@ -6452,14 +6453,14 @@
                     <a:p>
                       <a:pPr latinLnBrk="1"/>
                       <a:r>
-                        <a:rPr lang="en-US" altLang="ko-KR" sz="1200" dirty="0" smtClean="0"/>
+                        <a:rPr lang="en-US" altLang="ko-KR" sz="1200" dirty="0"/>
                         <a:t>Travel Time</a:t>
                       </a:r>
                     </a:p>
                     <a:p>
                       <a:pPr latinLnBrk="1"/>
                       <a:r>
-                        <a:rPr lang="en-US" altLang="ko-KR" sz="1200" dirty="0" smtClean="0"/>
+                        <a:rPr lang="en-US" altLang="ko-KR" sz="1200" dirty="0"/>
                         <a:t>(per edge)</a:t>
                       </a:r>
                       <a:endParaRPr lang="ko-KR" altLang="en-US" sz="1200" dirty="0"/>
@@ -6474,7 +6475,7 @@
                     <a:p>
                       <a:pPr latinLnBrk="1"/>
                       <a:r>
-                        <a:rPr lang="en-US" altLang="ko-KR" sz="1600" dirty="0" smtClean="0"/>
+                        <a:rPr lang="en-US" altLang="ko-KR" sz="1600" dirty="0"/>
                         <a:t>13.82s</a:t>
                       </a:r>
                       <a:endParaRPr lang="ko-KR" altLang="en-US" sz="1600" dirty="0"/>
@@ -6489,7 +6490,7 @@
                     <a:p>
                       <a:pPr latinLnBrk="1"/>
                       <a:r>
-                        <a:rPr lang="en-US" altLang="ko-KR" sz="1600" dirty="0" smtClean="0"/>
+                        <a:rPr lang="en-US" altLang="ko-KR" sz="1600" dirty="0"/>
                         <a:t>14.52</a:t>
                       </a:r>
                       <a:endParaRPr lang="ko-KR" altLang="en-US" sz="1600" dirty="0"/>
@@ -6511,7 +6512,7 @@
                     <a:p>
                       <a:pPr latinLnBrk="1"/>
                       <a:r>
-                        <a:rPr lang="en-US" altLang="ko-KR" sz="1200" dirty="0" smtClean="0"/>
+                        <a:rPr lang="en-US" altLang="ko-KR" sz="1200" dirty="0"/>
                         <a:t>Velocity</a:t>
                       </a:r>
                       <a:endParaRPr lang="ko-KR" altLang="en-US" sz="1200" dirty="0"/>
@@ -6526,7 +6527,7 @@
                     <a:p>
                       <a:pPr latinLnBrk="1"/>
                       <a:r>
-                        <a:rPr lang="en-US" altLang="ko-KR" sz="1600" dirty="0" smtClean="0"/>
+                        <a:rPr lang="en-US" altLang="ko-KR" sz="1600" dirty="0"/>
                         <a:t>5.93m/s</a:t>
                       </a:r>
                       <a:endParaRPr lang="ko-KR" altLang="en-US" sz="1600" dirty="0"/>
@@ -6541,7 +6542,7 @@
                     <a:p>
                       <a:pPr latinLnBrk="1"/>
                       <a:r>
-                        <a:rPr lang="en-US" altLang="ko-KR" sz="1600" dirty="0" smtClean="0"/>
+                        <a:rPr lang="en-US" altLang="ko-KR" sz="1600" dirty="0"/>
                         <a:t>5.769m/s</a:t>
                       </a:r>
                       <a:endParaRPr lang="ko-KR" altLang="en-US" sz="1600" dirty="0"/>
@@ -6563,18 +6564,18 @@
                     <a:p>
                       <a:pPr latinLnBrk="1"/>
                       <a:r>
-                        <a:rPr lang="en-US" altLang="ko-KR" sz="1200" dirty="0" smtClean="0"/>
+                        <a:rPr lang="en-US" altLang="ko-KR" sz="1200" dirty="0"/>
                         <a:t>Waiting Time</a:t>
                       </a:r>
                       <a:br>
-                        <a:rPr lang="en-US" altLang="ko-KR" sz="1200" dirty="0" smtClean="0"/>
+                        <a:rPr lang="en-US" altLang="ko-KR" sz="1200" dirty="0"/>
                       </a:br>
                       <a:r>
-                        <a:rPr lang="en-US" altLang="ko-KR" sz="1200" dirty="0" smtClean="0"/>
+                        <a:rPr lang="en-US" altLang="ko-KR" sz="1200" dirty="0"/>
                         <a:t>(whole</a:t>
                       </a:r>
                       <a:r>
-                        <a:rPr lang="en-US" altLang="ko-KR" sz="1200" baseline="0" dirty="0" smtClean="0"/>
+                        <a:rPr lang="en-US" altLang="ko-KR" sz="1200" baseline="0" dirty="0"/>
                         <a:t> trip)</a:t>
                       </a:r>
                       <a:endParaRPr lang="ko-KR" altLang="en-US" sz="1200" dirty="0"/>
@@ -6589,11 +6590,11 @@
                     <a:p>
                       <a:pPr latinLnBrk="1"/>
                       <a:r>
-                        <a:rPr lang="en-US" altLang="ko-KR" sz="1600" dirty="0" smtClean="0"/>
+                        <a:rPr lang="en-US" altLang="ko-KR" sz="1600" dirty="0"/>
                         <a:t>495.5s/</a:t>
                       </a:r>
                       <a:r>
-                        <a:rPr lang="en-US" altLang="ko-KR" sz="1600" dirty="0" err="1" smtClean="0"/>
+                        <a:rPr lang="en-US" altLang="ko-KR" sz="1600" dirty="0" err="1"/>
                         <a:t>veh</a:t>
                       </a:r>
                       <a:endParaRPr lang="ko-KR" altLang="en-US" sz="1600" dirty="0"/>
@@ -6608,11 +6609,11 @@
                     <a:p>
                       <a:pPr latinLnBrk="1"/>
                       <a:r>
-                        <a:rPr lang="en-US" altLang="ko-KR" sz="1600" dirty="0" smtClean="0"/>
+                        <a:rPr lang="en-US" altLang="ko-KR" sz="1600" dirty="0"/>
                         <a:t>534.1s/</a:t>
                       </a:r>
                       <a:r>
-                        <a:rPr lang="en-US" altLang="ko-KR" sz="1600" dirty="0" err="1" smtClean="0"/>
+                        <a:rPr lang="en-US" altLang="ko-KR" sz="1600" dirty="0" err="1"/>
                         <a:t>veh</a:t>
                       </a:r>
                       <a:endParaRPr lang="ko-KR" altLang="en-US" sz="1600" dirty="0"/>
@@ -6634,11 +6635,11 @@
                     <a:p>
                       <a:pPr latinLnBrk="1"/>
                       <a:r>
-                        <a:rPr lang="en-US" altLang="ko-KR" sz="1200" dirty="0" smtClean="0"/>
+                        <a:rPr lang="en-US" altLang="ko-KR" sz="1200" dirty="0"/>
                         <a:t>Arrived </a:t>
                       </a:r>
                       <a:r>
-                        <a:rPr lang="en-US" altLang="ko-KR" sz="1200" dirty="0" err="1" smtClean="0"/>
+                        <a:rPr lang="en-US" altLang="ko-KR" sz="1200" dirty="0" err="1"/>
                         <a:t>Num</a:t>
                       </a:r>
                       <a:endParaRPr lang="ko-KR" altLang="en-US" sz="1200" dirty="0"/>
@@ -6653,7 +6654,7 @@
                     <a:p>
                       <a:pPr latinLnBrk="1"/>
                       <a:r>
-                        <a:rPr lang="en-US" altLang="ko-KR" sz="1600" dirty="0" smtClean="0"/>
+                        <a:rPr lang="en-US" altLang="ko-KR" sz="1600" dirty="0"/>
                         <a:t>10951</a:t>
                       </a:r>
                       <a:endParaRPr lang="ko-KR" altLang="en-US" sz="1600" dirty="0"/>
@@ -6668,7 +6669,7 @@
                     <a:p>
                       <a:pPr latinLnBrk="1"/>
                       <a:r>
-                        <a:rPr lang="en-US" altLang="ko-KR" sz="1600" dirty="0" smtClean="0"/>
+                        <a:rPr lang="en-US" altLang="ko-KR" sz="1600" dirty="0"/>
                         <a:t>10863</a:t>
                       </a:r>
                       <a:endParaRPr lang="ko-KR" altLang="en-US" sz="1600" dirty="0"/>
@@ -6741,11 +6742,11 @@
                     <a:p>
                       <a:pPr latinLnBrk="1"/>
                       <a:r>
-                        <a:rPr lang="en-US" altLang="ko-KR" sz="1600" dirty="0" err="1" smtClean="0"/>
+                        <a:rPr lang="en-US" altLang="ko-KR" sz="1600" dirty="0" err="1"/>
                         <a:t>Avg</a:t>
                       </a:r>
                       <a:r>
-                        <a:rPr lang="en-US" altLang="ko-KR" sz="1600" baseline="0" dirty="0" smtClean="0"/>
+                        <a:rPr lang="en-US" altLang="ko-KR" sz="1600" baseline="0" dirty="0"/>
                         <a:t> Value</a:t>
                       </a:r>
                       <a:endParaRPr lang="ko-KR" altLang="en-US" sz="1600" dirty="0"/>
@@ -6760,7 +6761,7 @@
                     <a:p>
                       <a:pPr latinLnBrk="1"/>
                       <a:r>
-                        <a:rPr lang="en-US" altLang="ko-KR" sz="1600" dirty="0" smtClean="0"/>
+                        <a:rPr lang="en-US" altLang="ko-KR" sz="1600" dirty="0"/>
                         <a:t>Simulation</a:t>
                       </a:r>
                       <a:endParaRPr lang="ko-KR" altLang="en-US" sz="1600" dirty="0"/>
@@ -6775,7 +6776,7 @@
                     <a:p>
                       <a:pPr latinLnBrk="1"/>
                       <a:r>
-                        <a:rPr lang="en-US" altLang="ko-KR" sz="1600" dirty="0" smtClean="0"/>
+                        <a:rPr lang="en-US" altLang="ko-KR" sz="1600" dirty="0"/>
                         <a:t>Decentralized</a:t>
                       </a:r>
                       <a:endParaRPr lang="ko-KR" altLang="en-US" sz="1600" dirty="0"/>
@@ -6797,14 +6798,14 @@
                     <a:p>
                       <a:pPr latinLnBrk="1"/>
                       <a:r>
-                        <a:rPr lang="en-US" altLang="ko-KR" sz="1200" dirty="0" smtClean="0"/>
+                        <a:rPr lang="en-US" altLang="ko-KR" sz="1200" dirty="0"/>
                         <a:t>Travel Time</a:t>
                       </a:r>
                     </a:p>
                     <a:p>
                       <a:pPr latinLnBrk="1"/>
                       <a:r>
-                        <a:rPr lang="en-US" altLang="ko-KR" sz="1200" dirty="0" smtClean="0"/>
+                        <a:rPr lang="en-US" altLang="ko-KR" sz="1200" dirty="0"/>
                         <a:t>(per edge)</a:t>
                       </a:r>
                       <a:endParaRPr lang="ko-KR" altLang="en-US" sz="1200" dirty="0"/>
@@ -6819,7 +6820,7 @@
                     <a:p>
                       <a:pPr latinLnBrk="1"/>
                       <a:r>
-                        <a:rPr lang="en-US" altLang="ko-KR" sz="1600" dirty="0" smtClean="0"/>
+                        <a:rPr lang="en-US" altLang="ko-KR" sz="1600" dirty="0"/>
                         <a:t>25.5s</a:t>
                       </a:r>
                       <a:endParaRPr lang="ko-KR" altLang="en-US" sz="1600" dirty="0"/>
@@ -6852,7 +6853,7 @@
                     <a:p>
                       <a:pPr latinLnBrk="1"/>
                       <a:r>
-                        <a:rPr lang="en-US" altLang="ko-KR" sz="1200" dirty="0" smtClean="0"/>
+                        <a:rPr lang="en-US" altLang="ko-KR" sz="1200" dirty="0"/>
                         <a:t>Velocity</a:t>
                       </a:r>
                       <a:endParaRPr lang="ko-KR" altLang="en-US" sz="1200" dirty="0"/>
@@ -6867,7 +6868,7 @@
                     <a:p>
                       <a:pPr latinLnBrk="1"/>
                       <a:r>
-                        <a:rPr lang="en-US" altLang="ko-KR" sz="1600" dirty="0" smtClean="0"/>
+                        <a:rPr lang="en-US" altLang="ko-KR" sz="1600" dirty="0"/>
                         <a:t>2.13m/s</a:t>
                       </a:r>
                       <a:endParaRPr lang="ko-KR" altLang="en-US" sz="1600" dirty="0"/>
@@ -6900,18 +6901,18 @@
                     <a:p>
                       <a:pPr latinLnBrk="1"/>
                       <a:r>
-                        <a:rPr lang="en-US" altLang="ko-KR" sz="1200" dirty="0" smtClean="0"/>
+                        <a:rPr lang="en-US" altLang="ko-KR" sz="1200" dirty="0"/>
                         <a:t>Waiting Time</a:t>
                       </a:r>
                       <a:br>
-                        <a:rPr lang="en-US" altLang="ko-KR" sz="1200" dirty="0" smtClean="0"/>
+                        <a:rPr lang="en-US" altLang="ko-KR" sz="1200" dirty="0"/>
                       </a:br>
                       <a:r>
-                        <a:rPr lang="en-US" altLang="ko-KR" sz="1200" dirty="0" smtClean="0"/>
+                        <a:rPr lang="en-US" altLang="ko-KR" sz="1200" dirty="0"/>
                         <a:t>(whole</a:t>
                       </a:r>
                       <a:r>
-                        <a:rPr lang="en-US" altLang="ko-KR" sz="1200" baseline="0" dirty="0" smtClean="0"/>
+                        <a:rPr lang="en-US" altLang="ko-KR" sz="1200" baseline="0" dirty="0"/>
                         <a:t> trip)</a:t>
                       </a:r>
                       <a:endParaRPr lang="ko-KR" altLang="en-US" sz="1200" dirty="0"/>
@@ -6926,11 +6927,11 @@
                     <a:p>
                       <a:pPr latinLnBrk="1"/>
                       <a:r>
-                        <a:rPr lang="en-US" altLang="ko-KR" sz="1600" dirty="0" smtClean="0"/>
+                        <a:rPr lang="en-US" altLang="ko-KR" sz="1600" dirty="0"/>
                         <a:t>4205.5s/</a:t>
                       </a:r>
                       <a:r>
-                        <a:rPr lang="en-US" altLang="ko-KR" sz="1600" dirty="0" err="1" smtClean="0"/>
+                        <a:rPr lang="en-US" altLang="ko-KR" sz="1600" dirty="0" err="1"/>
                         <a:t>veh</a:t>
                       </a:r>
                       <a:endParaRPr lang="ko-KR" altLang="en-US" sz="1600" dirty="0"/>
@@ -7012,14 +7013,10 @@
             </a:r>
             <a:r>
               <a:rPr lang="en-US" altLang="ko-KR" dirty="0"/>
-              <a:t> Decentralized CNN/CNN-reduced Model with Practical </a:t>
-            </a:r>
-            <a:r>
-              <a:rPr lang="en-US" altLang="ko-KR" dirty="0" smtClean="0"/>
-              <a:t>Restraints</a:t>
+              <a:t> Decentralized CNN/CNN-reduced Model with Practical Restraints</a:t>
             </a:r>
             <a:br>
-              <a:rPr lang="en-US" altLang="ko-KR" dirty="0" smtClean="0"/>
+              <a:rPr lang="en-US" altLang="ko-KR" dirty="0"/>
             </a:br>
             <a:endParaRPr lang="en-US" altLang="ko-KR" dirty="0"/>
           </a:p>
@@ -7041,25 +7038,25 @@
           <a:lstStyle/>
           <a:p>
             <a:r>
-              <a:rPr lang="en-US" altLang="ko-KR" dirty="0" smtClean="0"/>
+              <a:rPr lang="en-US" altLang="ko-KR" dirty="0"/>
               <a:t> CNN based Decentralized Model</a:t>
             </a:r>
           </a:p>
           <a:p>
             <a:pPr lvl="1"/>
             <a:r>
-              <a:rPr lang="en-US" altLang="ko-KR" dirty="0" smtClean="0"/>
+              <a:rPr lang="en-US" altLang="ko-KR" dirty="0"/>
               <a:t>CNN: Convolution Neural Network</a:t>
             </a:r>
           </a:p>
           <a:p>
             <a:pPr lvl="2"/>
             <a:r>
-              <a:rPr lang="en-US" altLang="ko-KR" dirty="0" smtClean="0"/>
+              <a:rPr lang="en-US" altLang="ko-KR" dirty="0"/>
               <a:t>Feature extraction in selected region </a:t>
             </a:r>
             <a:r>
-              <a:rPr lang="en-US" altLang="ko-KR" dirty="0" smtClean="0">
+              <a:rPr lang="en-US" altLang="ko-KR" dirty="0">
                 <a:sym typeface="Wingdings" panose="05000000000000000000" pitchFamily="2" charset="2"/>
               </a:rPr>
               <a:t> Apply to intersection information</a:t>
@@ -7068,25 +7065,25 @@
           <a:p>
             <a:pPr lvl="2"/>
             <a:r>
-              <a:rPr lang="en-US" altLang="ko-KR" dirty="0" smtClean="0">
+              <a:rPr lang="en-US" altLang="ko-KR" dirty="0">
                 <a:sym typeface="Wingdings" panose="05000000000000000000" pitchFamily="2" charset="2"/>
               </a:rPr>
               <a:t>Advantage: less parameters than Fully Connected Network  </a:t>
             </a:r>
             <a:r>
-              <a:rPr lang="en-US" altLang="ko-KR" dirty="0" err="1" smtClean="0">
+              <a:rPr lang="en-US" altLang="ko-KR" dirty="0" err="1">
                 <a:sym typeface="Wingdings" panose="05000000000000000000" pitchFamily="2" charset="2"/>
               </a:rPr>
               <a:t>Lightweighting</a:t>
             </a:r>
-            <a:endParaRPr lang="en-US" altLang="ko-KR" dirty="0" smtClean="0">
+            <a:endParaRPr lang="en-US" altLang="ko-KR" dirty="0">
               <a:sym typeface="Wingdings" panose="05000000000000000000" pitchFamily="2" charset="2"/>
             </a:endParaRPr>
           </a:p>
           <a:p>
             <a:pPr lvl="1"/>
             <a:r>
-              <a:rPr lang="en-US" altLang="ko-KR" dirty="0" smtClean="0">
+              <a:rPr lang="en-US" altLang="ko-KR" dirty="0">
                 <a:sym typeface="Wingdings" panose="05000000000000000000" pitchFamily="2" charset="2"/>
               </a:rPr>
               <a:t>CNN based Model (Feature Extraction)</a:t>
@@ -7095,7 +7092,7 @@
           <a:p>
             <a:pPr lvl="2"/>
             <a:r>
-              <a:rPr lang="en-US" altLang="ko-KR" dirty="0" smtClean="0">
+              <a:rPr lang="en-US" altLang="ko-KR" dirty="0">
                 <a:sym typeface="Wingdings" panose="05000000000000000000" pitchFamily="2" charset="2"/>
               </a:rPr>
               <a:t>Current Channel: 8 (zero-padded demand of vehicles from inflow edge)</a:t>
@@ -7104,7 +7101,7 @@
           <a:p>
             <a:pPr lvl="2"/>
             <a:r>
-              <a:rPr lang="en-US" altLang="ko-KR" dirty="0" smtClean="0">
+              <a:rPr lang="en-US" altLang="ko-KR" dirty="0">
                 <a:sym typeface="Wingdings" panose="05000000000000000000" pitchFamily="2" charset="2"/>
               </a:rPr>
               <a:t>After CNN, the number of channel: 16</a:t>
@@ -7113,7 +7110,7 @@
           <a:p>
             <a:pPr lvl="2"/>
             <a:r>
-              <a:rPr lang="en-US" altLang="ko-KR" dirty="0" smtClean="0">
+              <a:rPr lang="en-US" altLang="ko-KR" dirty="0">
                 <a:sym typeface="Wingdings" panose="05000000000000000000" pitchFamily="2" charset="2"/>
               </a:rPr>
               <a:t>Learning Time: 8h 11m</a:t>
@@ -7122,7 +7119,7 @@
           <a:p>
             <a:pPr lvl="1"/>
             <a:r>
-              <a:rPr lang="en-US" altLang="ko-KR" dirty="0" smtClean="0">
+              <a:rPr lang="en-US" altLang="ko-KR" dirty="0">
                 <a:sym typeface="Wingdings" panose="05000000000000000000" pitchFamily="2" charset="2"/>
               </a:rPr>
               <a:t>CNN based Lightweight Model</a:t>
@@ -7131,7 +7128,7 @@
           <a:p>
             <a:pPr lvl="2"/>
             <a:r>
-              <a:rPr lang="en-US" altLang="ko-KR" dirty="0" smtClean="0">
+              <a:rPr lang="en-US" altLang="ko-KR" dirty="0">
                 <a:sym typeface="Wingdings" panose="05000000000000000000" pitchFamily="2" charset="2"/>
               </a:rPr>
               <a:t>By using Conv1d, dimensionality reduced to 1 channel with feature</a:t>
@@ -7140,18 +7137,12 @@
           <a:p>
             <a:pPr lvl="2"/>
             <a:r>
-              <a:rPr lang="en-US" altLang="ko-KR" dirty="0" smtClean="0">
+              <a:rPr lang="en-US" altLang="ko-KR" dirty="0">
                 <a:sym typeface="Wingdings" panose="05000000000000000000" pitchFamily="2" charset="2"/>
               </a:rPr>
-              <a:t>Learning Time: 6h </a:t>
-            </a:r>
-            <a:r>
-              <a:rPr lang="en-US" altLang="ko-KR" dirty="0" smtClean="0">
-                <a:sym typeface="Wingdings" panose="05000000000000000000" pitchFamily="2" charset="2"/>
-              </a:rPr>
-              <a:t>10m</a:t>
-            </a:r>
-            <a:endParaRPr lang="en-US" altLang="ko-KR" dirty="0" smtClean="0"/>
+              <a:t>Learning Time: 6h 10m</a:t>
+            </a:r>
+            <a:endParaRPr lang="en-US" altLang="ko-KR" dirty="0"/>
           </a:p>
           <a:p>
             <a:pPr lvl="2"/>
@@ -7212,22 +7203,10 @@
             </a:r>
             <a:r>
               <a:rPr lang="en-US" altLang="ko-KR" dirty="0"/>
-              <a:t> Decentralized </a:t>
-            </a:r>
-            <a:r>
-              <a:rPr lang="en-US" altLang="ko-KR" dirty="0" smtClean="0"/>
-              <a:t>CNN/CNN-reduced </a:t>
-            </a:r>
-            <a:r>
+              <a:t> Decentralized CNN/CNN-reduced Model with Practical Restraints</a:t>
+            </a:r>
+            <a:br>
               <a:rPr lang="en-US" altLang="ko-KR" dirty="0"/>
-              <a:t>Model with Practical </a:t>
-            </a:r>
-            <a:r>
-              <a:rPr lang="en-US" altLang="ko-KR" dirty="0" smtClean="0"/>
-              <a:t>Restraints</a:t>
-            </a:r>
-            <a:br>
-              <a:rPr lang="en-US" altLang="ko-KR" dirty="0" smtClean="0"/>
             </a:br>
             <a:endParaRPr lang="ko-KR" altLang="en-US" dirty="0"/>
           </a:p>
@@ -7249,7 +7228,7 @@
           <a:lstStyle/>
           <a:p>
             <a:r>
-              <a:rPr lang="en-US" altLang="ko-KR" dirty="0" smtClean="0"/>
+              <a:rPr lang="en-US" altLang="ko-KR" dirty="0"/>
               <a:t>CNN based model(Single Agent based Model)</a:t>
             </a:r>
             <a:endParaRPr lang="ko-KR" altLang="en-US" dirty="0"/>
@@ -12055,14 +12034,14 @@
           <a:lstStyle/>
           <a:p>
             <a:r>
-              <a:rPr lang="en-US" altLang="ko-KR" sz="1600" dirty="0" smtClean="0"/>
+              <a:rPr lang="en-US" altLang="ko-KR" sz="1600" dirty="0"/>
               <a:t>Vehicle Info</a:t>
             </a:r>
             <a:br>
-              <a:rPr lang="en-US" altLang="ko-KR" sz="1600" dirty="0" smtClean="0"/>
+              <a:rPr lang="en-US" altLang="ko-KR" sz="1600" dirty="0"/>
             </a:br>
             <a:r>
-              <a:rPr lang="en-US" altLang="ko-KR" sz="1600" dirty="0" smtClean="0"/>
+              <a:rPr lang="en-US" altLang="ko-KR" sz="1600" dirty="0"/>
               <a:t>from Traci</a:t>
             </a:r>
             <a:endParaRPr lang="ko-KR" altLang="en-US" sz="1600" dirty="0"/>
@@ -12162,14 +12141,14 @@
           <a:lstStyle/>
           <a:p>
             <a:r>
-              <a:rPr lang="en-US" altLang="ko-KR" sz="1400" dirty="0" smtClean="0"/>
+              <a:rPr lang="en-US" altLang="ko-KR" sz="1400" dirty="0"/>
               <a:t>Left Demand</a:t>
             </a:r>
             <a:br>
-              <a:rPr lang="en-US" altLang="ko-KR" sz="1400" dirty="0" smtClean="0"/>
+              <a:rPr lang="en-US" altLang="ko-KR" sz="1400" dirty="0"/>
             </a:br>
             <a:r>
-              <a:rPr lang="en-US" altLang="ko-KR" sz="1400" dirty="0" smtClean="0"/>
+              <a:rPr lang="en-US" altLang="ko-KR" sz="1400" dirty="0"/>
               <a:t>Straight Demand</a:t>
             </a:r>
             <a:endParaRPr lang="ko-KR" altLang="en-US" sz="1400" dirty="0"/>
@@ -12233,30 +12212,22 @@
           <a:p>
             <a:pPr algn="ctr"/>
             <a:r>
-              <a:rPr lang="en-US" altLang="ko-KR" sz="1600" dirty="0" smtClean="0">
+              <a:rPr lang="en-US" altLang="ko-KR" sz="1600" dirty="0">
                 <a:solidFill>
                   <a:srgbClr val="92D050"/>
                 </a:solidFill>
               </a:rPr>
-              <a:t>Inflow </a:t>
-            </a:r>
-            <a:r>
-              <a:rPr lang="en-US" altLang="ko-KR" sz="1600" dirty="0" smtClean="0">
-                <a:solidFill>
-                  <a:srgbClr val="92D050"/>
-                </a:solidFill>
-              </a:rPr>
-              <a:t>Demand</a:t>
+              <a:t>Inflow Demand</a:t>
             </a:r>
             <a:br>
-              <a:rPr lang="en-US" altLang="ko-KR" sz="1600" dirty="0" smtClean="0">
+              <a:rPr lang="en-US" altLang="ko-KR" sz="1600" dirty="0">
                 <a:solidFill>
                   <a:srgbClr val="92D050"/>
                 </a:solidFill>
               </a:rPr>
             </a:br>
             <a:r>
-              <a:rPr lang="en-US" altLang="ko-KR" sz="1200" dirty="0" smtClean="0">
+              <a:rPr lang="en-US" altLang="ko-KR" sz="1200" dirty="0">
                 <a:solidFill>
                   <a:srgbClr val="92D050"/>
                 </a:solidFill>
@@ -12891,14 +12862,14 @@
             <a:p>
               <a:pPr algn="ctr"/>
               <a:r>
-                <a:rPr lang="en-US" altLang="ko-KR" sz="1000" dirty="0" smtClean="0"/>
+                <a:rPr lang="en-US" altLang="ko-KR" sz="1000" dirty="0"/>
                 <a:t>Intersection </a:t>
               </a:r>
               <a:br>
-                <a:rPr lang="en-US" altLang="ko-KR" sz="1000" dirty="0" smtClean="0"/>
+                <a:rPr lang="en-US" altLang="ko-KR" sz="1000" dirty="0"/>
               </a:br>
               <a:r>
-                <a:rPr lang="en-US" altLang="ko-KR" sz="1000" dirty="0" smtClean="0"/>
+                <a:rPr lang="en-US" altLang="ko-KR" sz="1000" dirty="0"/>
                 <a:t>Traffic Demand</a:t>
               </a:r>
               <a:endParaRPr lang="ko-KR" altLang="en-US" sz="1000" dirty="0"/>
@@ -12930,7 +12901,7 @@
           <a:p>
             <a:pPr algn="ctr"/>
             <a:r>
-              <a:rPr lang="en-US" altLang="ko-KR" sz="1600" dirty="0" smtClean="0">
+              <a:rPr lang="en-US" altLang="ko-KR" sz="1600" dirty="0">
                 <a:solidFill>
                   <a:srgbClr val="92D050"/>
                 </a:solidFill>
@@ -12941,7 +12912,7 @@
           <a:p>
             <a:pPr algn="ctr"/>
             <a:r>
-              <a:rPr lang="en-US" altLang="ko-KR" sz="1600" dirty="0" smtClean="0">
+              <a:rPr lang="en-US" altLang="ko-KR" sz="1600" dirty="0">
                 <a:solidFill>
                   <a:srgbClr val="92D050"/>
                 </a:solidFill>
@@ -12980,7 +12951,7 @@
           <a:p>
             <a:pPr algn="ctr"/>
             <a:r>
-              <a:rPr lang="en-US" altLang="ko-KR" sz="1000" dirty="0" smtClean="0"/>
+              <a:rPr lang="en-US" altLang="ko-KR" sz="1000" dirty="0"/>
               <a:t>Super Q Network</a:t>
             </a:r>
             <a:endParaRPr lang="ko-KR" altLang="en-US" sz="1000" dirty="0"/>
@@ -13011,7 +12982,7 @@
           <a:p>
             <a:pPr algn="ctr"/>
             <a:r>
-              <a:rPr lang="en-US" altLang="ko-KR" sz="1000" dirty="0" smtClean="0"/>
+              <a:rPr lang="en-US" altLang="ko-KR" sz="1000" dirty="0"/>
               <a:t>Time Q Network</a:t>
             </a:r>
             <a:endParaRPr lang="ko-KR" altLang="en-US" sz="1000" dirty="0"/>
@@ -13043,11 +13014,7 @@
             <a:pPr algn="ctr"/>
             <a:r>
               <a:rPr lang="en-US" altLang="ko-KR" sz="1000" dirty="0"/>
-              <a:t>R</a:t>
-            </a:r>
-            <a:r>
-              <a:rPr lang="en-US" altLang="ko-KR" sz="1000" dirty="0" smtClean="0"/>
-              <a:t>ate Q Network</a:t>
+              <a:t>Rate Q Network</a:t>
             </a:r>
             <a:endParaRPr lang="ko-KR" altLang="en-US" sz="1000" dirty="0"/>
           </a:p>
@@ -13077,7 +13044,7 @@
           <a:p>
             <a:pPr algn="ctr"/>
             <a:r>
-              <a:rPr lang="en-US" altLang="ko-KR" sz="1400" dirty="0" smtClean="0">
+              <a:rPr lang="en-US" altLang="ko-KR" sz="1400" dirty="0">
                 <a:solidFill>
                   <a:srgbClr val="C00000"/>
                 </a:solidFill>
@@ -13085,7 +13052,7 @@
               <a:t>Neural Net (Shared </a:t>
             </a:r>
             <a:r>
-              <a:rPr lang="en-US" altLang="ko-KR" sz="1400" dirty="0" err="1" smtClean="0">
+              <a:rPr lang="en-US" altLang="ko-KR" sz="1400" dirty="0" err="1">
                 <a:solidFill>
                   <a:srgbClr val="C00000"/>
                 </a:solidFill>
@@ -13093,7 +13060,7 @@
               <a:t>Params</a:t>
             </a:r>
             <a:r>
-              <a:rPr lang="en-US" altLang="ko-KR" sz="1400" dirty="0" smtClean="0">
+              <a:rPr lang="en-US" altLang="ko-KR" sz="1400" dirty="0">
                 <a:solidFill>
                   <a:srgbClr val="C00000"/>
                 </a:solidFill>
@@ -13240,15 +13207,15 @@
           <a:p>
             <a:pPr algn="ctr"/>
             <a:r>
-              <a:rPr lang="en-US" altLang="ko-KR" sz="1000" dirty="0" err="1" smtClean="0"/>
+              <a:rPr lang="en-US" altLang="ko-KR" sz="1000" dirty="0" err="1"/>
               <a:t>argmaxQ</a:t>
             </a:r>
             <a:r>
-              <a:rPr lang="en-US" altLang="ko-KR" sz="1000" dirty="0" smtClean="0"/>
+              <a:rPr lang="en-US" altLang="ko-KR" sz="1000" dirty="0"/>
               <a:t> = </a:t>
             </a:r>
             <a:r>
-              <a:rPr lang="en-US" altLang="ko-KR" sz="1100" b="1" dirty="0" smtClean="0">
+              <a:rPr lang="en-US" altLang="ko-KR" sz="1100" b="1" dirty="0">
                 <a:solidFill>
                   <a:srgbClr val="00B050"/>
                 </a:solidFill>
@@ -13287,15 +13254,15 @@
           <a:p>
             <a:pPr algn="ctr"/>
             <a:r>
-              <a:rPr lang="en-US" altLang="ko-KR" sz="1000" dirty="0" err="1" smtClean="0"/>
+              <a:rPr lang="en-US" altLang="ko-KR" sz="1000" dirty="0" err="1"/>
               <a:t>argmaxQ</a:t>
             </a:r>
             <a:r>
-              <a:rPr lang="en-US" altLang="ko-KR" sz="1000" dirty="0" smtClean="0"/>
+              <a:rPr lang="en-US" altLang="ko-KR" sz="1000" dirty="0"/>
               <a:t> = </a:t>
             </a:r>
             <a:r>
-              <a:rPr lang="en-US" altLang="ko-KR" sz="1100" b="1" dirty="0" smtClean="0">
+              <a:rPr lang="en-US" altLang="ko-KR" sz="1100" b="1" dirty="0">
                 <a:solidFill>
                   <a:srgbClr val="00B050"/>
                 </a:solidFill>
@@ -13964,7 +13931,7 @@
           <a:lstStyle/>
           <a:p>
             <a:r>
-              <a:rPr lang="en-US" altLang="ko-KR" sz="1200" dirty="0" smtClean="0"/>
+              <a:rPr lang="en-US" altLang="ko-KR" sz="1200" dirty="0"/>
               <a:t>Conv1d</a:t>
             </a:r>
           </a:p>
@@ -13993,18 +13960,13 @@
           <a:lstStyle/>
           <a:p>
             <a:r>
-              <a:rPr lang="en-US" altLang="ko-KR" sz="1200" dirty="0" smtClean="0"/>
-              <a:t>8 Activation </a:t>
-            </a:r>
-            <a:r>
-              <a:rPr lang="en-US" altLang="ko-KR" sz="1200" dirty="0" smtClean="0"/>
-              <a:t>Maps/</a:t>
-            </a:r>
-            <a:endParaRPr lang="en-US" altLang="ko-KR" sz="1200" dirty="0" smtClean="0"/>
-          </a:p>
-          <a:p>
-            <a:r>
-              <a:rPr lang="en-US" altLang="ko-KR" sz="1200" dirty="0" smtClean="0"/>
+              <a:rPr lang="en-US" altLang="ko-KR" sz="1200" dirty="0"/>
+              <a:t>8 Activation Maps/</a:t>
+            </a:r>
+          </a:p>
+          <a:p>
+            <a:r>
+              <a:rPr lang="en-US" altLang="ko-KR" sz="1200" dirty="0"/>
               <a:t>1 Activation Map</a:t>
             </a:r>
             <a:endParaRPr lang="ko-KR" altLang="en-US" sz="1200" dirty="0"/>
@@ -14099,7 +14061,7 @@
           <a:p>
             <a:pPr algn="ctr"/>
             <a:r>
-              <a:rPr lang="en-US" altLang="ko-KR" sz="1400" dirty="0" smtClean="0">
+              <a:rPr lang="en-US" altLang="ko-KR" sz="1400" dirty="0">
                 <a:solidFill>
                   <a:schemeClr val="tx1"/>
                 </a:solidFill>
@@ -14197,22 +14159,18 @@
           <a:lstStyle/>
           <a:p>
             <a:r>
-              <a:rPr lang="en-US" altLang="ko-KR" dirty="0" smtClean="0"/>
-              <a:t>CNN </a:t>
-            </a:r>
-            <a:r>
-              <a:rPr lang="en-US" altLang="ko-KR" dirty="0" smtClean="0"/>
-              <a:t>Model</a:t>
+              <a:rPr lang="en-US" altLang="ko-KR" dirty="0"/>
+              <a:t>CNN Model</a:t>
             </a:r>
           </a:p>
           <a:p>
             <a:pPr lvl="1"/>
             <a:r>
-              <a:rPr lang="en-US" altLang="ko-KR" sz="1400" dirty="0" smtClean="0"/>
+              <a:rPr lang="en-US" altLang="ko-KR" sz="1400" dirty="0"/>
               <a:t>8 feature </a:t>
             </a:r>
             <a:r>
-              <a:rPr lang="en-US" altLang="ko-KR" sz="1400" dirty="0" smtClean="0">
+              <a:rPr lang="en-US" altLang="ko-KR" sz="1400" dirty="0">
                 <a:sym typeface="Wingdings" panose="05000000000000000000" pitchFamily="2" charset="2"/>
               </a:rPr>
               <a:t> Checking demand change</a:t>
@@ -14495,22 +14453,18 @@
           </a:lstStyle>
           <a:p>
             <a:r>
-              <a:rPr lang="en-US" altLang="ko-KR" dirty="0" smtClean="0"/>
-              <a:t>CNN-reduced </a:t>
-            </a:r>
-            <a:r>
-              <a:rPr lang="en-US" altLang="ko-KR" dirty="0" smtClean="0"/>
-              <a:t>Model</a:t>
+              <a:rPr lang="en-US" altLang="ko-KR" dirty="0"/>
+              <a:t>CNN-reduced Model</a:t>
             </a:r>
           </a:p>
           <a:p>
             <a:pPr lvl="1"/>
             <a:r>
-              <a:rPr lang="en-US" altLang="ko-KR" sz="1400" dirty="0" smtClean="0"/>
+              <a:rPr lang="en-US" altLang="ko-KR" sz="1400" dirty="0"/>
               <a:t>1 feature </a:t>
             </a:r>
             <a:r>
-              <a:rPr lang="en-US" altLang="ko-KR" sz="1400" dirty="0" smtClean="0">
+              <a:rPr lang="en-US" altLang="ko-KR" sz="1400" dirty="0">
                 <a:sym typeface="Wingdings" panose="05000000000000000000" pitchFamily="2" charset="2"/>
               </a:rPr>
               <a:t> Current traffic info</a:t>
@@ -14605,11 +14559,11 @@
                     <a:p>
                       <a:pPr latinLnBrk="1"/>
                       <a:r>
-                        <a:rPr lang="en-US" altLang="ko-KR" sz="1300" dirty="0" err="1" smtClean="0"/>
+                        <a:rPr lang="en-US" altLang="ko-KR" sz="1300" dirty="0" err="1"/>
                         <a:t>Avg</a:t>
                       </a:r>
                       <a:r>
-                        <a:rPr lang="en-US" altLang="ko-KR" sz="1300" baseline="0" dirty="0" smtClean="0"/>
+                        <a:rPr lang="en-US" altLang="ko-KR" sz="1300" baseline="0" dirty="0"/>
                         <a:t> Value</a:t>
                       </a:r>
                       <a:endParaRPr lang="ko-KR" altLang="en-US" sz="1300" dirty="0"/>
@@ -14624,7 +14578,7 @@
                     <a:p>
                       <a:pPr latinLnBrk="1"/>
                       <a:r>
-                        <a:rPr lang="en-US" altLang="ko-KR" sz="1300" dirty="0" smtClean="0"/>
+                        <a:rPr lang="en-US" altLang="ko-KR" sz="1300" dirty="0"/>
                         <a:t>Simulation</a:t>
                       </a:r>
                       <a:endParaRPr lang="ko-KR" altLang="en-US" sz="1300" dirty="0"/>
@@ -14639,7 +14593,7 @@
                     <a:p>
                       <a:pPr latinLnBrk="1"/>
                       <a:r>
-                        <a:rPr lang="en-US" altLang="ko-KR" sz="1300" dirty="0" smtClean="0"/>
+                        <a:rPr lang="en-US" altLang="ko-KR" sz="1300" dirty="0"/>
                         <a:t>Decentralized-CNN</a:t>
                       </a:r>
                       <a:endParaRPr lang="ko-KR" altLang="en-US" sz="1300" dirty="0"/>
@@ -14654,7 +14608,7 @@
                     <a:p>
                       <a:pPr latinLnBrk="1"/>
                       <a:r>
-                        <a:rPr lang="en-US" altLang="ko-KR" sz="1300" dirty="0" smtClean="0"/>
+                        <a:rPr lang="en-US" altLang="ko-KR" sz="1300" dirty="0"/>
                         <a:t>Decentralized-CNN-reduced</a:t>
                       </a:r>
                       <a:endParaRPr lang="ko-KR" altLang="en-US" sz="1300" dirty="0"/>
@@ -14676,14 +14630,14 @@
                     <a:p>
                       <a:pPr latinLnBrk="1"/>
                       <a:r>
-                        <a:rPr lang="en-US" altLang="ko-KR" sz="1300" dirty="0" smtClean="0"/>
+                        <a:rPr lang="en-US" altLang="ko-KR" sz="1300" dirty="0"/>
                         <a:t>Travel Time</a:t>
                       </a:r>
                     </a:p>
                     <a:p>
                       <a:pPr latinLnBrk="1"/>
                       <a:r>
-                        <a:rPr lang="en-US" altLang="ko-KR" sz="1300" dirty="0" smtClean="0"/>
+                        <a:rPr lang="en-US" altLang="ko-KR" sz="1300" dirty="0"/>
                         <a:t>(per edge)</a:t>
                       </a:r>
                       <a:endParaRPr lang="ko-KR" altLang="en-US" sz="1300" dirty="0"/>
@@ -14698,7 +14652,7 @@
                     <a:p>
                       <a:pPr latinLnBrk="1"/>
                       <a:r>
-                        <a:rPr lang="en-US" altLang="ko-KR" sz="1300" dirty="0" smtClean="0"/>
+                        <a:rPr lang="en-US" altLang="ko-KR" sz="1300" dirty="0"/>
                         <a:t>13.82s</a:t>
                       </a:r>
                       <a:endParaRPr lang="ko-KR" altLang="en-US" sz="1300" dirty="0"/>
@@ -14713,7 +14667,7 @@
                     <a:p>
                       <a:pPr latinLnBrk="1"/>
                       <a:r>
-                        <a:rPr lang="en-US" altLang="ko-KR" sz="1300" dirty="0" smtClean="0"/>
+                        <a:rPr lang="en-US" altLang="ko-KR" sz="1300" dirty="0"/>
                         <a:t>14.5s</a:t>
                       </a:r>
                       <a:endParaRPr lang="ko-KR" altLang="en-US" sz="1300" dirty="0"/>
@@ -14728,7 +14682,7 @@
                     <a:p>
                       <a:pPr latinLnBrk="1"/>
                       <a:r>
-                        <a:rPr lang="en-US" altLang="ko-KR" sz="1300" dirty="0" smtClean="0"/>
+                        <a:rPr lang="en-US" altLang="ko-KR" sz="1300" dirty="0"/>
                         <a:t>14.4s</a:t>
                       </a:r>
                       <a:endParaRPr lang="ko-KR" altLang="en-US" sz="1300" dirty="0"/>
@@ -14750,7 +14704,7 @@
                     <a:p>
                       <a:pPr latinLnBrk="1"/>
                       <a:r>
-                        <a:rPr lang="en-US" altLang="ko-KR" sz="1300" dirty="0" smtClean="0"/>
+                        <a:rPr lang="en-US" altLang="ko-KR" sz="1300" dirty="0"/>
                         <a:t>Velocity</a:t>
                       </a:r>
                       <a:endParaRPr lang="ko-KR" altLang="en-US" sz="1300" dirty="0"/>
@@ -14765,7 +14719,7 @@
                     <a:p>
                       <a:pPr latinLnBrk="1"/>
                       <a:r>
-                        <a:rPr lang="en-US" altLang="ko-KR" sz="1300" dirty="0" smtClean="0"/>
+                        <a:rPr lang="en-US" altLang="ko-KR" sz="1300" dirty="0"/>
                         <a:t>5.93m/s</a:t>
                       </a:r>
                       <a:endParaRPr lang="ko-KR" altLang="en-US" sz="1300" dirty="0"/>
@@ -14780,7 +14734,7 @@
                     <a:p>
                       <a:pPr latinLnBrk="1"/>
                       <a:r>
-                        <a:rPr lang="en-US" altLang="ko-KR" sz="1300" dirty="0" smtClean="0"/>
+                        <a:rPr lang="en-US" altLang="ko-KR" sz="1300" dirty="0"/>
                         <a:t>5.79m/s</a:t>
                       </a:r>
                       <a:endParaRPr lang="ko-KR" altLang="en-US" sz="1300" dirty="0"/>
@@ -14795,7 +14749,7 @@
                     <a:p>
                       <a:pPr latinLnBrk="1"/>
                       <a:r>
-                        <a:rPr lang="en-US" altLang="ko-KR" sz="1300" dirty="0" smtClean="0"/>
+                        <a:rPr lang="en-US" altLang="ko-KR" sz="1300" dirty="0"/>
                         <a:t>5.80m/s</a:t>
                       </a:r>
                       <a:endParaRPr lang="ko-KR" altLang="en-US" sz="1300" dirty="0"/>
@@ -14817,18 +14771,18 @@
                     <a:p>
                       <a:pPr latinLnBrk="1"/>
                       <a:r>
-                        <a:rPr lang="en-US" altLang="ko-KR" sz="1300" dirty="0" smtClean="0"/>
+                        <a:rPr lang="en-US" altLang="ko-KR" sz="1300" dirty="0"/>
                         <a:t>Waiting Time</a:t>
                       </a:r>
                       <a:br>
-                        <a:rPr lang="en-US" altLang="ko-KR" sz="1300" dirty="0" smtClean="0"/>
+                        <a:rPr lang="en-US" altLang="ko-KR" sz="1300" dirty="0"/>
                       </a:br>
                       <a:r>
-                        <a:rPr lang="en-US" altLang="ko-KR" sz="1300" dirty="0" smtClean="0"/>
+                        <a:rPr lang="en-US" altLang="ko-KR" sz="1300" dirty="0"/>
                         <a:t>(whole</a:t>
                       </a:r>
                       <a:r>
-                        <a:rPr lang="en-US" altLang="ko-KR" sz="1300" baseline="0" dirty="0" smtClean="0"/>
+                        <a:rPr lang="en-US" altLang="ko-KR" sz="1300" baseline="0" dirty="0"/>
                         <a:t> trip)</a:t>
                       </a:r>
                       <a:endParaRPr lang="ko-KR" altLang="en-US" sz="1300" dirty="0"/>
@@ -14843,11 +14797,11 @@
                     <a:p>
                       <a:pPr latinLnBrk="1"/>
                       <a:r>
-                        <a:rPr lang="en-US" altLang="ko-KR" sz="1300" dirty="0" smtClean="0"/>
+                        <a:rPr lang="en-US" altLang="ko-KR" sz="1300" dirty="0"/>
                         <a:t>495.5s/</a:t>
                       </a:r>
                       <a:r>
-                        <a:rPr lang="en-US" altLang="ko-KR" sz="1300" dirty="0" err="1" smtClean="0"/>
+                        <a:rPr lang="en-US" altLang="ko-KR" sz="1300" dirty="0" err="1"/>
                         <a:t>veh</a:t>
                       </a:r>
                       <a:endParaRPr lang="ko-KR" altLang="en-US" sz="1300" dirty="0"/>
@@ -14862,11 +14816,11 @@
                     <a:p>
                       <a:pPr latinLnBrk="1"/>
                       <a:r>
-                        <a:rPr lang="en-US" altLang="ko-KR" sz="1300" dirty="0" smtClean="0"/>
+                        <a:rPr lang="en-US" altLang="ko-KR" sz="1300" dirty="0"/>
                         <a:t>534s/</a:t>
                       </a:r>
                       <a:r>
-                        <a:rPr lang="en-US" altLang="ko-KR" sz="1300" dirty="0" err="1" smtClean="0"/>
+                        <a:rPr lang="en-US" altLang="ko-KR" sz="1300" dirty="0" err="1"/>
                         <a:t>veh</a:t>
                       </a:r>
                       <a:endParaRPr lang="ko-KR" altLang="en-US" sz="1300" dirty="0"/>
@@ -14881,11 +14835,11 @@
                     <a:p>
                       <a:pPr latinLnBrk="1"/>
                       <a:r>
-                        <a:rPr lang="en-US" altLang="ko-KR" sz="1300" dirty="0" smtClean="0"/>
+                        <a:rPr lang="en-US" altLang="ko-KR" sz="1300" dirty="0"/>
                         <a:t>530s/</a:t>
                       </a:r>
                       <a:r>
-                        <a:rPr lang="en-US" altLang="ko-KR" sz="1300" dirty="0" err="1" smtClean="0"/>
+                        <a:rPr lang="en-US" altLang="ko-KR" sz="1300" dirty="0" err="1"/>
                         <a:t>veh</a:t>
                       </a:r>
                       <a:endParaRPr lang="ko-KR" altLang="en-US" sz="1300" dirty="0"/>
@@ -14907,11 +14861,11 @@
                     <a:p>
                       <a:pPr latinLnBrk="1"/>
                       <a:r>
-                        <a:rPr lang="en-US" altLang="ko-KR" sz="1300" dirty="0" smtClean="0"/>
+                        <a:rPr lang="en-US" altLang="ko-KR" sz="1300" dirty="0"/>
                         <a:t>Arrived </a:t>
                       </a:r>
                       <a:r>
-                        <a:rPr lang="en-US" altLang="ko-KR" sz="1300" dirty="0" err="1" smtClean="0"/>
+                        <a:rPr lang="en-US" altLang="ko-KR" sz="1300" dirty="0" err="1"/>
                         <a:t>Num</a:t>
                       </a:r>
                       <a:endParaRPr lang="ko-KR" altLang="en-US" sz="1300" dirty="0"/>
@@ -14926,7 +14880,7 @@
                     <a:p>
                       <a:pPr latinLnBrk="1"/>
                       <a:r>
-                        <a:rPr lang="en-US" altLang="ko-KR" sz="1300" dirty="0" smtClean="0"/>
+                        <a:rPr lang="en-US" altLang="ko-KR" sz="1300" dirty="0"/>
                         <a:t>10951</a:t>
                       </a:r>
                       <a:endParaRPr lang="ko-KR" altLang="en-US" sz="1300" dirty="0"/>
@@ -14941,7 +14895,7 @@
                     <a:p>
                       <a:pPr latinLnBrk="1"/>
                       <a:r>
-                        <a:rPr lang="en-US" altLang="ko-KR" sz="1300" dirty="0" smtClean="0"/>
+                        <a:rPr lang="en-US" altLang="ko-KR" sz="1300" dirty="0"/>
                         <a:t>11022</a:t>
                       </a:r>
                       <a:endParaRPr lang="ko-KR" altLang="en-US" sz="1300" dirty="0"/>
@@ -14956,7 +14910,7 @@
                     <a:p>
                       <a:pPr latinLnBrk="1"/>
                       <a:r>
-                        <a:rPr lang="en-US" altLang="ko-KR" sz="1300" dirty="0" smtClean="0"/>
+                        <a:rPr lang="en-US" altLang="ko-KR" sz="1300" dirty="0"/>
                         <a:t>11024</a:t>
                       </a:r>
                       <a:endParaRPr lang="ko-KR" altLang="en-US" sz="1300" dirty="0"/>
@@ -15006,6 +14960,101 @@
       </p:grpSpPr>
       <p:sp>
         <p:nvSpPr>
+          <p:cNvPr id="2" name="제목 1">
+            <a:extLst>
+              <a:ext uri="{FF2B5EF4-FFF2-40B4-BE49-F238E27FC236}">
+                <a16:creationId xmlns:a16="http://schemas.microsoft.com/office/drawing/2014/main" id="{24EEC3C9-67E4-4D81-AF05-FD1E9A96CB54}"/>
+              </a:ext>
+            </a:extLst>
+          </p:cNvPr>
+          <p:cNvSpPr>
+            <a:spLocks noGrp="1"/>
+          </p:cNvSpPr>
+          <p:nvPr>
+            <p:ph type="title"/>
+          </p:nvPr>
+        </p:nvSpPr>
+        <p:spPr/>
+        <p:txBody>
+          <a:bodyPr/>
+          <a:lstStyle/>
+          <a:p>
+            <a:r>
+              <a:rPr lang="en-US" altLang="ko-KR" dirty="0"/>
+              <a:t>Analysis</a:t>
+            </a:r>
+            <a:endParaRPr lang="ko-KR" altLang="en-US" dirty="0"/>
+          </a:p>
+        </p:txBody>
+      </p:sp>
+      <p:sp>
+        <p:nvSpPr>
+          <p:cNvPr id="3" name="내용 개체 틀 2">
+            <a:extLst>
+              <a:ext uri="{FF2B5EF4-FFF2-40B4-BE49-F238E27FC236}">
+                <a16:creationId xmlns:a16="http://schemas.microsoft.com/office/drawing/2014/main" id="{CF8D350E-3040-4D26-903B-8E7A1247073A}"/>
+              </a:ext>
+            </a:extLst>
+          </p:cNvPr>
+          <p:cNvSpPr>
+            <a:spLocks noGrp="1"/>
+          </p:cNvSpPr>
+          <p:nvPr>
+            <p:ph idx="1"/>
+          </p:nvPr>
+        </p:nvSpPr>
+        <p:spPr/>
+        <p:txBody>
+          <a:bodyPr/>
+          <a:lstStyle/>
+          <a:p>
+            <a:r>
+              <a:rPr lang="en-US" altLang="ko-KR" dirty="0"/>
+              <a:t> With </a:t>
+            </a:r>
+            <a:r>
+              <a:rPr lang="en-US" altLang="ko-KR"/>
+              <a:t>Practical Constraints</a:t>
+            </a:r>
+          </a:p>
+          <a:p>
+            <a:pPr lvl="1"/>
+            <a:endParaRPr lang="ko-KR" altLang="en-US" dirty="0"/>
+          </a:p>
+        </p:txBody>
+      </p:sp>
+    </p:spTree>
+    <p:extLst>
+      <p:ext uri="{BB962C8B-B14F-4D97-AF65-F5344CB8AC3E}">
+        <p14:creationId xmlns:p14="http://schemas.microsoft.com/office/powerpoint/2010/main" val="2053281780"/>
+      </p:ext>
+    </p:extLst>
+  </p:cSld>
+  <p:clrMapOvr>
+    <a:masterClrMapping/>
+  </p:clrMapOvr>
+</p:sld>
+</file>
+
+<file path=ppt/slides/slide15.xml><?xml version="1.0" encoding="utf-8"?>
+<p:sld xmlns:a="http://schemas.openxmlformats.org/drawingml/2006/main" xmlns:r="http://schemas.openxmlformats.org/officeDocument/2006/relationships" xmlns:p="http://schemas.openxmlformats.org/presentationml/2006/main">
+  <p:cSld>
+    <p:spTree>
+      <p:nvGrpSpPr>
+        <p:cNvPr id="1" name=""/>
+        <p:cNvGrpSpPr/>
+        <p:nvPr/>
+      </p:nvGrpSpPr>
+      <p:grpSpPr>
+        <a:xfrm>
+          <a:off x="0" y="0"/>
+          <a:ext cx="0" cy="0"/>
+          <a:chOff x="0" y="0"/>
+          <a:chExt cx="0" cy="0"/>
+        </a:xfrm>
+      </p:grpSpPr>
+      <p:sp>
+        <p:nvSpPr>
           <p:cNvPr id="2" name="제목 1"/>
           <p:cNvSpPr>
             <a:spLocks noGrp="1"/>
@@ -15023,21 +15072,17 @@
           <a:p>
             <a:r>
               <a:rPr lang="en-US" altLang="ko-KR" dirty="0"/>
-              <a:t>Continuous Action Model with Practical </a:t>
-            </a:r>
-            <a:r>
-              <a:rPr lang="en-US" altLang="ko-KR" dirty="0" smtClean="0"/>
-              <a:t>Restraints</a:t>
+              <a:t>Continuous Action Model with Practical Restraints</a:t>
             </a:r>
             <a:br>
-              <a:rPr lang="en-US" altLang="ko-KR" dirty="0" smtClean="0"/>
+              <a:rPr lang="en-US" altLang="ko-KR" dirty="0"/>
             </a:br>
             <a:endParaRPr lang="en-US" altLang="ko-KR" dirty="0"/>
           </a:p>
         </p:txBody>
       </p:sp>
-      <mc:AlternateContent xmlns:mc="http://schemas.openxmlformats.org/markup-compatibility/2006">
-        <mc:Choice xmlns:a14="http://schemas.microsoft.com/office/drawing/2010/main" Requires="a14">
+      <mc:AlternateContent xmlns:mc="http://schemas.openxmlformats.org/markup-compatibility/2006" xmlns:a14="http://schemas.microsoft.com/office/drawing/2010/main">
+        <mc:Choice Requires="a14">
           <p:sp>
             <p:nvSpPr>
               <p:cNvPr id="3" name="내용 개체 틀 2"/>
@@ -15054,18 +15099,18 @@
               <a:lstStyle/>
               <a:p>
                 <a:r>
-                  <a:rPr lang="en-US" altLang="ko-KR" dirty="0" smtClean="0"/>
+                  <a:rPr lang="en-US" altLang="ko-KR" dirty="0"/>
                   <a:t> DDPG based Model</a:t>
                 </a:r>
               </a:p>
               <a:p>
                 <a:pPr lvl="1"/>
                 <a:r>
-                  <a:rPr lang="en-US" altLang="ko-KR" dirty="0" smtClean="0"/>
+                  <a:rPr lang="en-US" altLang="ko-KR" dirty="0"/>
                   <a:t>Current action space: Time, Rate </a:t>
                 </a:r>
                 <a:r>
-                  <a:rPr lang="en-US" altLang="ko-KR" dirty="0" smtClean="0">
+                  <a:rPr lang="en-US" altLang="ko-KR" dirty="0">
                     <a:sym typeface="Wingdings" panose="05000000000000000000" pitchFamily="2" charset="2"/>
                   </a:rPr>
                   <a:t> Phase length (for each phase)</a:t>
@@ -15074,7 +15119,7 @@
               <a:p>
                 <a:pPr lvl="1"/>
                 <a:r>
-                  <a:rPr lang="en-US" altLang="ko-KR" dirty="0" smtClean="0">
+                  <a:rPr lang="en-US" altLang="ko-KR" dirty="0">
                     <a:sym typeface="Wingdings" panose="05000000000000000000" pitchFamily="2" charset="2"/>
                   </a:rPr>
                   <a:t>Splitting rest of time (Total TL period – sum of min durations for each phase)</a:t>
@@ -15083,19 +15128,19 @@
               <a:p>
                 <a:pPr lvl="1"/>
                 <a:r>
-                  <a:rPr lang="en-US" altLang="ko-KR" dirty="0" smtClean="0">
+                  <a:rPr lang="en-US" altLang="ko-KR" dirty="0">
                     <a:sym typeface="Wingdings" panose="05000000000000000000" pitchFamily="2" charset="2"/>
                   </a:rPr>
                   <a:t>Phase distribution by the results of </a:t>
                 </a:r>
                 <a:r>
-                  <a:rPr lang="en-US" altLang="ko-KR" dirty="0" err="1" smtClean="0">
+                  <a:rPr lang="en-US" altLang="ko-KR" dirty="0" err="1">
                     <a:sym typeface="Wingdings" panose="05000000000000000000" pitchFamily="2" charset="2"/>
                   </a:rPr>
                   <a:t>softmax</a:t>
                 </a:r>
                 <a:r>
-                  <a:rPr lang="en-US" altLang="ko-KR" dirty="0" smtClean="0">
+                  <a:rPr lang="en-US" altLang="ko-KR" dirty="0">
                     <a:sym typeface="Wingdings" panose="05000000000000000000" pitchFamily="2" charset="2"/>
                   </a:rPr>
                   <a:t>(</a:t>
@@ -15133,31 +15178,28 @@
                   </m:oMath>
                 </a14:m>
                 <a:r>
-                  <a:rPr lang="en-US" altLang="ko-KR" dirty="0" smtClean="0">
+                  <a:rPr lang="en-US" altLang="ko-KR" dirty="0">
                     <a:sym typeface="Wingdings" panose="05000000000000000000" pitchFamily="2" charset="2"/>
                   </a:rPr>
                   <a:t>)</a:t>
                 </a:r>
-                <a:endParaRPr lang="en-US" altLang="ko-KR" dirty="0">
-                  <a:sym typeface="Wingdings" panose="05000000000000000000" pitchFamily="2" charset="2"/>
-                </a:endParaRPr>
               </a:p>
               <a:p>
                 <a:pPr lvl="2"/>
                 <a:r>
-                  <a:rPr lang="en-US" altLang="ko-KR" dirty="0" smtClean="0">
+                  <a:rPr lang="en-US" altLang="ko-KR" dirty="0">
                     <a:sym typeface="Wingdings" panose="05000000000000000000" pitchFamily="2" charset="2"/>
                   </a:rPr>
                   <a:t>Sum of results by </a:t>
                 </a:r>
                 <a:r>
-                  <a:rPr lang="en-US" altLang="ko-KR" dirty="0" err="1" smtClean="0">
+                  <a:rPr lang="en-US" altLang="ko-KR" dirty="0" err="1">
                     <a:sym typeface="Wingdings" panose="05000000000000000000" pitchFamily="2" charset="2"/>
                   </a:rPr>
                   <a:t>softmax</a:t>
                 </a:r>
                 <a:r>
-                  <a:rPr lang="en-US" altLang="ko-KR" dirty="0" smtClean="0">
+                  <a:rPr lang="en-US" altLang="ko-KR" dirty="0">
                     <a:sym typeface="Wingdings" panose="05000000000000000000" pitchFamily="2" charset="2"/>
                   </a:rPr>
                   <a:t> function =1  Easy to distribute length of phase</a:t>
@@ -15169,7 +15211,7 @@
             </p:txBody>
           </p:sp>
         </mc:Choice>
-        <mc:Fallback>
+        <mc:Fallback xmlns="">
           <p:sp>
             <p:nvSpPr>
               <p:cNvPr id="3" name="내용 개체 틀 2"/>
@@ -15387,7 +15429,7 @@
           <a:p>
             <a:pPr algn="ctr"/>
             <a:r>
-              <a:rPr lang="en-US" altLang="ko-KR" sz="1400" dirty="0" smtClean="0"/>
+              <a:rPr lang="en-US" altLang="ko-KR" sz="1400" dirty="0"/>
               <a:t>Min Duration</a:t>
             </a:r>
             <a:endParaRPr lang="ko-KR" altLang="en-US" sz="1400" dirty="0"/>
@@ -15578,7 +15620,7 @@
           <a:p>
             <a:pPr algn="ctr"/>
             <a:r>
-              <a:rPr lang="en-US" altLang="ko-KR" sz="1400" dirty="0" smtClean="0"/>
+              <a:rPr lang="en-US" altLang="ko-KR" sz="1400" dirty="0"/>
               <a:t>Action</a:t>
             </a:r>
             <a:endParaRPr lang="ko-KR" altLang="en-US" sz="1400" dirty="0"/>
@@ -15648,7 +15690,7 @@
           <a:p>
             <a:pPr algn="ctr"/>
             <a:r>
-              <a:rPr lang="en-US" altLang="ko-KR" sz="1400" dirty="0" smtClean="0">
+              <a:rPr lang="en-US" altLang="ko-KR" sz="1400" dirty="0">
                 <a:solidFill>
                   <a:srgbClr val="7030A0"/>
                 </a:solidFill>
@@ -15866,7 +15908,7 @@
           <a:p>
             <a:pPr algn="ctr"/>
             <a:r>
-              <a:rPr lang="en-US" altLang="ko-KR" dirty="0" smtClean="0">
+              <a:rPr lang="en-US" altLang="ko-KR" dirty="0">
                 <a:solidFill>
                   <a:srgbClr val="0070C0"/>
                 </a:solidFill>
@@ -15992,7 +16034,7 @@
           <a:p>
             <a:pPr algn="ctr"/>
             <a:r>
-              <a:rPr lang="en-US" altLang="ko-KR" dirty="0" smtClean="0">
+              <a:rPr lang="en-US" altLang="ko-KR" dirty="0">
                 <a:solidFill>
                   <a:srgbClr val="92D050"/>
                 </a:solidFill>
@@ -16043,8 +16085,8 @@
           </a:fontRef>
         </p:style>
       </p:cxnSp>
-      <mc:AlternateContent xmlns:mc="http://schemas.openxmlformats.org/markup-compatibility/2006">
-        <mc:Choice xmlns:a14="http://schemas.microsoft.com/office/drawing/2010/main" Requires="a14">
+      <mc:AlternateContent xmlns:mc="http://schemas.openxmlformats.org/markup-compatibility/2006" xmlns:a14="http://schemas.microsoft.com/office/drawing/2010/main">
+        <mc:Choice Requires="a14">
           <p:sp>
             <p:nvSpPr>
               <p:cNvPr id="28" name="직사각형 27"/>
@@ -16119,7 +16161,7 @@
             </p:txBody>
           </p:sp>
         </mc:Choice>
-        <mc:Fallback>
+        <mc:Fallback xmlns="">
           <p:sp>
             <p:nvSpPr>
               <p:cNvPr id="28" name="직사각형 27"/>
@@ -16194,7 +16236,7 @@
           <a:p>
             <a:pPr algn="ctr"/>
             <a:r>
-              <a:rPr lang="en-US" altLang="ko-KR" dirty="0" smtClean="0">
+              <a:rPr lang="en-US" altLang="ko-KR" dirty="0">
                 <a:solidFill>
                   <a:schemeClr val="tx1"/>
                 </a:solidFill>
@@ -16309,7 +16351,7 @@
           <a:lstStyle/>
           <a:p>
             <a:r>
-              <a:rPr lang="en-US" altLang="ko-KR" sz="1200" dirty="0" smtClean="0"/>
+              <a:rPr lang="en-US" altLang="ko-KR" sz="1200" dirty="0"/>
               <a:t>State</a:t>
             </a:r>
             <a:endParaRPr lang="ko-KR" altLang="en-US" sz="1200" dirty="0"/>
@@ -16375,7 +16417,7 @@
           <a:lstStyle/>
           <a:p>
             <a:r>
-              <a:rPr lang="en-US" altLang="ko-KR" sz="1600" dirty="0" smtClean="0">
+              <a:rPr lang="en-US" altLang="ko-KR" sz="1600" dirty="0">
                 <a:solidFill>
                   <a:srgbClr val="92D050"/>
                 </a:solidFill>
@@ -16383,7 +16425,7 @@
               <a:t>Update,      </a:t>
             </a:r>
             <a:r>
-              <a:rPr lang="en-US" altLang="ko-KR" sz="1600" dirty="0" smtClean="0">
+              <a:rPr lang="en-US" altLang="ko-KR" sz="1600" dirty="0">
                 <a:solidFill>
                   <a:srgbClr val="0070C0"/>
                 </a:solidFill>
@@ -16495,7 +16537,7 @@
           <a:p>
             <a:pPr algn="ctr"/>
             <a:r>
-              <a:rPr lang="en-US" altLang="ko-KR" sz="1400" dirty="0" smtClean="0">
+              <a:rPr lang="en-US" altLang="ko-KR" sz="1400" dirty="0">
                 <a:solidFill>
                   <a:srgbClr val="C00000"/>
                 </a:solidFill>
@@ -16675,7 +16717,7 @@
           <a:p>
             <a:pPr algn="ctr"/>
             <a:r>
-              <a:rPr lang="en-US" altLang="ko-KR" dirty="0" smtClean="0">
+              <a:rPr lang="en-US" altLang="ko-KR" dirty="0">
                 <a:solidFill>
                   <a:srgbClr val="0070C0"/>
                 </a:solidFill>
@@ -16839,7 +16881,7 @@
           <a:p>
             <a:pPr algn="ctr"/>
             <a:r>
-              <a:rPr lang="en-US" altLang="ko-KR" dirty="0" smtClean="0">
+              <a:rPr lang="en-US" altLang="ko-KR" dirty="0">
                 <a:solidFill>
                   <a:srgbClr val="92D050"/>
                 </a:solidFill>
@@ -16949,7 +16991,7 @@
           <a:p>
             <a:pPr algn="ctr"/>
             <a:r>
-              <a:rPr lang="en-US" altLang="ko-KR" sz="1100" dirty="0" smtClean="0"/>
+              <a:rPr lang="en-US" altLang="ko-KR" sz="1100" dirty="0"/>
               <a:t>Soft Update</a:t>
             </a:r>
             <a:endParaRPr lang="ko-KR" altLang="en-US" sz="1100" dirty="0"/>
@@ -17005,7 +17047,7 @@
 </p:sld>
 </file>
 
-<file path=ppt/slides/slide15.xml><?xml version="1.0" encoding="utf-8"?>
+<file path=ppt/slides/slide16.xml><?xml version="1.0" encoding="utf-8"?>
 <p:sld xmlns:a="http://schemas.openxmlformats.org/drawingml/2006/main" xmlns:r="http://schemas.openxmlformats.org/officeDocument/2006/relationships" xmlns:p="http://schemas.openxmlformats.org/presentationml/2006/main">
   <p:cSld>
     <p:spTree>
@@ -17041,7 +17083,7 @@
           <a:p>
             <a:pPr algn="ctr"/>
             <a:r>
-              <a:rPr lang="en-US" altLang="ko-KR" sz="3600" dirty="0" smtClean="0"/>
+              <a:rPr lang="en-US" altLang="ko-KR" sz="3600" dirty="0"/>
               <a:t>Thank you</a:t>
             </a:r>
             <a:endParaRPr lang="ko-KR" altLang="en-US" sz="3600" dirty="0"/>
@@ -17189,20 +17231,16 @@
           <a:p>
             <a:pPr lvl="1"/>
             <a:r>
-              <a:rPr lang="en-US" altLang="ko-KR" dirty="0" smtClean="0"/>
+              <a:rPr lang="en-US" altLang="ko-KR" dirty="0"/>
               <a:t>3x3Grid/</a:t>
             </a:r>
             <a:r>
-              <a:rPr lang="en-US" altLang="ko-KR" dirty="0" err="1" smtClean="0"/>
+              <a:rPr lang="en-US" altLang="ko-KR" dirty="0" err="1"/>
               <a:t>Dunsan</a:t>
             </a:r>
             <a:r>
-              <a:rPr lang="en-US" altLang="ko-KR" dirty="0" smtClean="0"/>
-              <a:t> </a:t>
-            </a:r>
-            <a:r>
               <a:rPr lang="en-US" altLang="ko-KR" dirty="0"/>
-              <a:t>Decentralized</a:t>
+              <a:t> Decentralized</a:t>
             </a:r>
             <a:r>
               <a:rPr lang="ko-KR" altLang="en-US" dirty="0"/>
@@ -17237,15 +17275,7 @@
             </a:r>
             <a:r>
               <a:rPr lang="en-US" altLang="ko-KR" dirty="0"/>
-              <a:t> </a:t>
-            </a:r>
-            <a:r>
-              <a:rPr lang="en-US" altLang="ko-KR" dirty="0" smtClean="0"/>
-              <a:t>Decentralized CNN/CNN-reduced </a:t>
-            </a:r>
-            <a:r>
-              <a:rPr lang="en-US" altLang="ko-KR" dirty="0"/>
-              <a:t>Model with Practical Restraints</a:t>
+              <a:t> Decentralized CNN/CNN-reduced Model with Practical Restraints</a:t>
             </a:r>
           </a:p>
           <a:p>
@@ -17270,19 +17300,7 @@
             <a:pPr lvl="1"/>
             <a:r>
               <a:rPr lang="en-US" altLang="ko-KR" dirty="0"/>
-              <a:t>Continuous Action Model with </a:t>
-            </a:r>
-            <a:r>
-              <a:rPr lang="en-US" altLang="ko-KR" dirty="0" smtClean="0"/>
-              <a:t>Practical </a:t>
-            </a:r>
-            <a:r>
-              <a:rPr lang="en-US" altLang="ko-KR" dirty="0"/>
-              <a:t>R</a:t>
-            </a:r>
-            <a:r>
-              <a:rPr lang="en-US" altLang="ko-KR" dirty="0" smtClean="0"/>
-              <a:t>estraints</a:t>
+              <a:t>Continuous Action Model with Practical Restraints</a:t>
             </a:r>
             <a:endParaRPr lang="ko-KR" altLang="en-US" dirty="0"/>
           </a:p>
@@ -18305,21 +18323,8 @@
             <a:pPr lvl="1"/>
             <a:r>
               <a:rPr lang="en-US" altLang="ko-KR" dirty="0"/>
-              <a:t>Update </a:t>
-            </a:r>
-            <a:r>
-              <a:rPr lang="en-US" altLang="ko-KR" dirty="0" smtClean="0"/>
-              <a:t>phase demand(# of vehicles inflow) </a:t>
-            </a:r>
-            <a:r>
-              <a:rPr lang="en-US" altLang="ko-KR" dirty="0"/>
-              <a:t>from end of </a:t>
-            </a:r>
-            <a:r>
-              <a:rPr lang="en-US" altLang="ko-KR" dirty="0" smtClean="0"/>
-              <a:t>phase period</a:t>
-            </a:r>
-            <a:endParaRPr lang="en-US" altLang="ko-KR" dirty="0"/>
+              <a:t>Update phase demand(# of vehicles inflow) from end of phase period</a:t>
+            </a:r>
           </a:p>
           <a:p>
             <a:pPr lvl="1"/>
@@ -18458,13 +18463,8 @@
                 <a:pPr lvl="1"/>
                 <a:r>
                   <a:rPr lang="en-US" altLang="ko-KR" dirty="0"/>
-                  <a:t>Common phase-based ratio discrete </a:t>
+                  <a:t>Common phase-based ratio discrete distribution</a:t>
                 </a:r>
-                <a:r>
-                  <a:rPr lang="en-US" altLang="ko-KR" dirty="0" smtClean="0"/>
-                  <a:t>distribution</a:t>
-                </a:r>
-                <a:endParaRPr lang="en-US" altLang="ko-KR" dirty="0"/>
               </a:p>
               <a:p>
                 <a:pPr lvl="1"/>
@@ -18701,23 +18701,7 @@
                 <a:pPr lvl="1"/>
                 <a:r>
                   <a:rPr lang="en-US" altLang="ko-KR" dirty="0"/>
-                  <a:t>Rate action space: </a:t>
-                </a:r>
-                <a:r>
-                  <a:rPr lang="en-US" altLang="ko-KR" dirty="0" smtClean="0"/>
-                  <a:t>17, </a:t>
-                </a:r>
-                <a:r>
-                  <a:rPr lang="en-US" altLang="ko-KR" dirty="0"/>
-                  <a:t>distributing time </a:t>
-                </a:r>
-                <a:r>
-                  <a:rPr lang="en-US" altLang="ko-KR" dirty="0" smtClean="0"/>
-                  <a:t>to each phase </a:t>
-                </a:r>
-                <a:r>
-                  <a:rPr lang="en-US" altLang="ko-KR" dirty="0"/>
-                  <a:t>ex) [0,1,0,-1],[0,0,0,0],[1,1,-1,-1]</a:t>
+                  <a:t>Rate action space: 17, distributing time to each phase ex) [0,1,0,-1],[0,0,0,0],[1,1,-1,-1]</a:t>
                 </a:r>
               </a:p>
               <a:p>
@@ -18760,13 +18744,8 @@
                 <a:pPr lvl="1"/>
                 <a:r>
                   <a:rPr lang="en-US" altLang="ko-KR" dirty="0"/>
-                  <a:t>Update end of </a:t>
+                  <a:t>Update end of each phase</a:t>
                 </a:r>
-                <a:r>
-                  <a:rPr lang="en-US" altLang="ko-KR" dirty="0" smtClean="0"/>
-                  <a:t>each phase</a:t>
-                </a:r>
-                <a:endParaRPr lang="en-US" altLang="ko-KR" dirty="0"/>
               </a:p>
             </p:txBody>
           </p:sp>
@@ -18913,7 +18892,7 @@
           <a:lstStyle/>
           <a:p>
             <a:r>
-              <a:rPr lang="en-US" altLang="ko-KR" dirty="0" smtClean="0"/>
+              <a:rPr lang="en-US" altLang="ko-KR" dirty="0"/>
               <a:t>RL Modeling</a:t>
             </a:r>
             <a:endParaRPr lang="ko-KR" altLang="en-US" dirty="0"/>
@@ -18956,7 +18935,7 @@
           <a:p>
             <a:pPr algn="ctr"/>
             <a:r>
-              <a:rPr lang="en-US" altLang="ko-KR" dirty="0" smtClean="0">
+              <a:rPr lang="en-US" altLang="ko-KR" dirty="0">
                 <a:solidFill>
                   <a:schemeClr val="tx1"/>
                 </a:solidFill>
@@ -19016,7 +18995,7 @@
           <a:p>
             <a:pPr algn="ctr"/>
             <a:r>
-              <a:rPr lang="en-US" altLang="ko-KR" dirty="0" smtClean="0">
+              <a:rPr lang="en-US" altLang="ko-KR" dirty="0">
                 <a:solidFill>
                   <a:schemeClr val="tx1"/>
                 </a:solidFill>
@@ -19103,7 +19082,7 @@
           <a:p>
             <a:pPr algn="ctr"/>
             <a:r>
-              <a:rPr lang="en-US" altLang="ko-KR" sz="1600" dirty="0" smtClean="0">
+              <a:rPr lang="en-US" altLang="ko-KR" sz="1600" dirty="0">
                 <a:solidFill>
                   <a:schemeClr val="tx1"/>
                 </a:solidFill>
@@ -19111,14 +19090,14 @@
               <a:t>Neural Net</a:t>
             </a:r>
             <a:br>
-              <a:rPr lang="en-US" altLang="ko-KR" sz="1600" dirty="0" smtClean="0">
+              <a:rPr lang="en-US" altLang="ko-KR" sz="1600" dirty="0">
                 <a:solidFill>
                   <a:schemeClr val="tx1"/>
                 </a:solidFill>
               </a:rPr>
             </a:br>
             <a:r>
-              <a:rPr lang="en-US" altLang="ko-KR" sz="1600" dirty="0" smtClean="0">
+              <a:rPr lang="en-US" altLang="ko-KR" sz="1600" dirty="0">
                 <a:solidFill>
                   <a:schemeClr val="tx1"/>
                 </a:solidFill>
@@ -19126,7 +19105,7 @@
               <a:t>(shared </a:t>
             </a:r>
             <a:r>
-              <a:rPr lang="en-US" altLang="ko-KR" sz="1600" dirty="0" err="1" smtClean="0">
+              <a:rPr lang="en-US" altLang="ko-KR" sz="1600" dirty="0" err="1">
                 <a:solidFill>
                   <a:schemeClr val="tx1"/>
                 </a:solidFill>
@@ -19134,7 +19113,7 @@
               <a:t>params</a:t>
             </a:r>
             <a:r>
-              <a:rPr lang="en-US" altLang="ko-KR" sz="1600" dirty="0" smtClean="0">
+              <a:rPr lang="en-US" altLang="ko-KR" sz="1600" dirty="0">
                 <a:solidFill>
                   <a:schemeClr val="tx1"/>
                 </a:solidFill>
@@ -19319,7 +19298,7 @@
             <a:p>
               <a:pPr algn="ctr"/>
               <a:r>
-                <a:rPr lang="en-US" altLang="ko-KR" dirty="0" smtClean="0">
+                <a:rPr lang="en-US" altLang="ko-KR" dirty="0">
                   <a:solidFill>
                     <a:schemeClr val="tx1"/>
                   </a:solidFill>
@@ -19379,7 +19358,7 @@
             <a:p>
               <a:pPr algn="ctr"/>
               <a:r>
-                <a:rPr lang="en-US" altLang="ko-KR" dirty="0" smtClean="0">
+                <a:rPr lang="en-US" altLang="ko-KR" dirty="0">
                   <a:solidFill>
                     <a:schemeClr val="tx1"/>
                   </a:solidFill>
@@ -19439,7 +19418,7 @@
             <a:p>
               <a:pPr algn="ctr"/>
               <a:r>
-                <a:rPr lang="en-US" altLang="ko-KR" dirty="0" smtClean="0">
+                <a:rPr lang="en-US" altLang="ko-KR" dirty="0">
                   <a:solidFill>
                     <a:schemeClr val="tx1"/>
                   </a:solidFill>
@@ -19499,7 +19478,7 @@
             <a:p>
               <a:pPr algn="ctr"/>
               <a:r>
-                <a:rPr lang="en-US" altLang="ko-KR" dirty="0" smtClean="0">
+                <a:rPr lang="en-US" altLang="ko-KR" dirty="0">
                   <a:solidFill>
                     <a:schemeClr val="tx1"/>
                   </a:solidFill>
@@ -19578,7 +19557,7 @@
               <a:lstStyle/>
               <a:p>
                 <a:r>
-                  <a:rPr lang="en-US" altLang="ko-KR" b="0" dirty="0" smtClean="0"/>
+                  <a:rPr lang="en-US" altLang="ko-KR" b="0" dirty="0"/>
                   <a:t>Action: </a:t>
                 </a:r>
                 <a14:m>
@@ -19698,7 +19677,7 @@
           <a:p>
             <a:pPr algn="ctr"/>
             <a:r>
-              <a:rPr lang="en-US" altLang="ko-KR" dirty="0" smtClean="0">
+              <a:rPr lang="en-US" altLang="ko-KR" dirty="0">
                 <a:solidFill>
                   <a:schemeClr val="tx1"/>
                 </a:solidFill>
@@ -19772,7 +19751,7 @@
           <a:lstStyle/>
           <a:p>
             <a:r>
-              <a:rPr lang="en-US" altLang="ko-KR" sz="1600" dirty="0" err="1" smtClean="0"/>
+              <a:rPr lang="en-US" altLang="ko-KR" sz="1600" dirty="0" err="1"/>
               <a:t>TL_Period</a:t>
             </a:r>
             <a:endParaRPr lang="ko-KR" altLang="en-US" sz="1600" dirty="0"/>
@@ -19878,7 +19857,7 @@
               <a:lstStyle/>
               <a:p>
                 <a:r>
-                  <a:rPr lang="en-US" altLang="ko-KR" sz="1600" dirty="0" smtClean="0"/>
+                  <a:rPr lang="en-US" altLang="ko-KR" sz="1600" dirty="0"/>
                   <a:t>Reward: </a:t>
                 </a:r>
                 <a14:m>
@@ -19987,11 +19966,11 @@
               <a:lstStyle/>
               <a:p>
                 <a:r>
-                  <a:rPr lang="en-US" altLang="ko-KR" dirty="0" smtClean="0"/>
+                  <a:rPr lang="en-US" altLang="ko-KR" dirty="0"/>
                   <a:t>State</a:t>
                 </a:r>
                 <a:r>
-                  <a:rPr lang="en-US" altLang="ko-KR" b="0" dirty="0" smtClean="0"/>
+                  <a:rPr lang="en-US" altLang="ko-KR" b="0" dirty="0"/>
                   <a:t>:</a:t>
                 </a:r>
                 <a14:m>
@@ -20222,11 +20201,11 @@
               <a:t> </a:t>
             </a:r>
             <a:r>
-              <a:rPr lang="en-US" altLang="ko-KR" dirty="0" smtClean="0"/>
+              <a:rPr lang="en-US" altLang="ko-KR" dirty="0"/>
               <a:t>Restraints</a:t>
             </a:r>
             <a:br>
-              <a:rPr lang="en-US" altLang="ko-KR" dirty="0" smtClean="0"/>
+              <a:rPr lang="en-US" altLang="ko-KR" dirty="0"/>
             </a:br>
             <a:endParaRPr lang="ko-KR" altLang="en-US" dirty="0"/>
           </a:p>
@@ -20248,7 +20227,7 @@
           <a:lstStyle/>
           <a:p>
             <a:r>
-              <a:rPr lang="en-US" altLang="ko-KR" dirty="0" smtClean="0"/>
+              <a:rPr lang="en-US" altLang="ko-KR" dirty="0"/>
               <a:t>DNN Modeling</a:t>
             </a:r>
             <a:endParaRPr lang="ko-KR" altLang="en-US" dirty="0"/>
@@ -25588,14 +25567,14 @@
           <a:lstStyle/>
           <a:p>
             <a:r>
-              <a:rPr lang="en-US" altLang="ko-KR" sz="1600" dirty="0" smtClean="0"/>
+              <a:rPr lang="en-US" altLang="ko-KR" sz="1600" dirty="0"/>
               <a:t>Vehicle Info</a:t>
             </a:r>
             <a:br>
-              <a:rPr lang="en-US" altLang="ko-KR" sz="1600" dirty="0" smtClean="0"/>
+              <a:rPr lang="en-US" altLang="ko-KR" sz="1600" dirty="0"/>
             </a:br>
             <a:r>
-              <a:rPr lang="en-US" altLang="ko-KR" sz="1600" dirty="0" smtClean="0"/>
+              <a:rPr lang="en-US" altLang="ko-KR" sz="1600" dirty="0"/>
               <a:t>from Traci</a:t>
             </a:r>
             <a:endParaRPr lang="ko-KR" altLang="en-US" sz="1600" dirty="0"/>
@@ -25695,14 +25674,14 @@
           <a:lstStyle/>
           <a:p>
             <a:r>
-              <a:rPr lang="en-US" altLang="ko-KR" sz="1600" dirty="0" smtClean="0"/>
+              <a:rPr lang="en-US" altLang="ko-KR" sz="1600" dirty="0"/>
               <a:t>Left</a:t>
             </a:r>
             <a:br>
-              <a:rPr lang="en-US" altLang="ko-KR" sz="1600" dirty="0" smtClean="0"/>
+              <a:rPr lang="en-US" altLang="ko-KR" sz="1600" dirty="0"/>
             </a:br>
             <a:r>
-              <a:rPr lang="en-US" altLang="ko-KR" sz="1600" dirty="0" smtClean="0"/>
+              <a:rPr lang="en-US" altLang="ko-KR" sz="1600" dirty="0"/>
               <a:t>Straight</a:t>
             </a:r>
             <a:endParaRPr lang="ko-KR" altLang="en-US" sz="1600" dirty="0"/>
@@ -25766,7 +25745,7 @@
           <a:p>
             <a:pPr algn="ctr"/>
             <a:r>
-              <a:rPr lang="en-US" altLang="ko-KR" sz="1600" dirty="0" smtClean="0">
+              <a:rPr lang="en-US" altLang="ko-KR" sz="1600" dirty="0">
                 <a:solidFill>
                   <a:srgbClr val="92D050"/>
                 </a:solidFill>
@@ -25838,14 +25817,14 @@
           <a:p>
             <a:pPr algn="ctr"/>
             <a:r>
-              <a:rPr lang="en-US" altLang="ko-KR" sz="1000" dirty="0" smtClean="0"/>
+              <a:rPr lang="en-US" altLang="ko-KR" sz="1000" dirty="0"/>
               <a:t>Intersection </a:t>
             </a:r>
             <a:br>
-              <a:rPr lang="en-US" altLang="ko-KR" sz="1000" dirty="0" smtClean="0"/>
+              <a:rPr lang="en-US" altLang="ko-KR" sz="1000" dirty="0"/>
             </a:br>
             <a:r>
-              <a:rPr lang="en-US" altLang="ko-KR" sz="1000" dirty="0" smtClean="0"/>
+              <a:rPr lang="en-US" altLang="ko-KR" sz="1000" dirty="0"/>
               <a:t>Traffic Demand</a:t>
             </a:r>
             <a:endParaRPr lang="ko-KR" altLang="en-US" sz="1000" dirty="0"/>
@@ -25876,7 +25855,7 @@
           <a:p>
             <a:pPr algn="ctr"/>
             <a:r>
-              <a:rPr lang="en-US" altLang="ko-KR" sz="1600" dirty="0" smtClean="0">
+              <a:rPr lang="en-US" altLang="ko-KR" sz="1600" dirty="0">
                 <a:solidFill>
                   <a:srgbClr val="92D050"/>
                 </a:solidFill>
@@ -25887,7 +25866,7 @@
           <a:p>
             <a:pPr algn="ctr"/>
             <a:r>
-              <a:rPr lang="en-US" altLang="ko-KR" sz="1600" dirty="0" smtClean="0">
+              <a:rPr lang="en-US" altLang="ko-KR" sz="1600" dirty="0">
                 <a:solidFill>
                   <a:srgbClr val="92D050"/>
                 </a:solidFill>
@@ -25926,7 +25905,7 @@
           <a:p>
             <a:pPr algn="ctr"/>
             <a:r>
-              <a:rPr lang="en-US" altLang="ko-KR" sz="1000" dirty="0" smtClean="0"/>
+              <a:rPr lang="en-US" altLang="ko-KR" sz="1000" dirty="0"/>
               <a:t>Super Q Network</a:t>
             </a:r>
             <a:endParaRPr lang="ko-KR" altLang="en-US" sz="1000" dirty="0"/>
@@ -25957,7 +25936,7 @@
           <a:p>
             <a:pPr algn="ctr"/>
             <a:r>
-              <a:rPr lang="en-US" altLang="ko-KR" sz="1000" dirty="0" smtClean="0"/>
+              <a:rPr lang="en-US" altLang="ko-KR" sz="1000" dirty="0"/>
               <a:t>Time Q Network</a:t>
             </a:r>
             <a:endParaRPr lang="ko-KR" altLang="en-US" sz="1000" dirty="0"/>
@@ -25989,11 +25968,7 @@
             <a:pPr algn="ctr"/>
             <a:r>
               <a:rPr lang="en-US" altLang="ko-KR" sz="1000" dirty="0"/>
-              <a:t>R</a:t>
-            </a:r>
-            <a:r>
-              <a:rPr lang="en-US" altLang="ko-KR" sz="1000" dirty="0" smtClean="0"/>
-              <a:t>ate Q Network</a:t>
+              <a:t>Rate Q Network</a:t>
             </a:r>
             <a:endParaRPr lang="ko-KR" altLang="en-US" sz="1000" dirty="0"/>
           </a:p>
@@ -26023,7 +25998,7 @@
           <a:p>
             <a:pPr algn="ctr"/>
             <a:r>
-              <a:rPr lang="en-US" altLang="ko-KR" sz="1400" dirty="0" smtClean="0">
+              <a:rPr lang="en-US" altLang="ko-KR" sz="1400" dirty="0">
                 <a:solidFill>
                   <a:srgbClr val="C00000"/>
                 </a:solidFill>
@@ -26031,7 +26006,7 @@
               <a:t>Neural Net (Shared </a:t>
             </a:r>
             <a:r>
-              <a:rPr lang="en-US" altLang="ko-KR" sz="1400" dirty="0" err="1" smtClean="0">
+              <a:rPr lang="en-US" altLang="ko-KR" sz="1400" dirty="0" err="1">
                 <a:solidFill>
                   <a:srgbClr val="C00000"/>
                 </a:solidFill>
@@ -26039,7 +26014,7 @@
               <a:t>Params</a:t>
             </a:r>
             <a:r>
-              <a:rPr lang="en-US" altLang="ko-KR" sz="1400" dirty="0" smtClean="0">
+              <a:rPr lang="en-US" altLang="ko-KR" sz="1400" dirty="0">
                 <a:solidFill>
                   <a:srgbClr val="C00000"/>
                 </a:solidFill>
@@ -26186,15 +26161,15 @@
           <a:p>
             <a:pPr algn="ctr"/>
             <a:r>
-              <a:rPr lang="en-US" altLang="ko-KR" sz="1000" dirty="0" err="1" smtClean="0"/>
+              <a:rPr lang="en-US" altLang="ko-KR" sz="1000" dirty="0" err="1"/>
               <a:t>argmaxQ</a:t>
             </a:r>
             <a:r>
-              <a:rPr lang="en-US" altLang="ko-KR" sz="1000" dirty="0" smtClean="0"/>
+              <a:rPr lang="en-US" altLang="ko-KR" sz="1000" dirty="0"/>
               <a:t> = </a:t>
             </a:r>
             <a:r>
-              <a:rPr lang="en-US" altLang="ko-KR" sz="1100" b="1" dirty="0" smtClean="0">
+              <a:rPr lang="en-US" altLang="ko-KR" sz="1100" b="1" dirty="0">
                 <a:solidFill>
                   <a:srgbClr val="00B050"/>
                 </a:solidFill>
@@ -26233,15 +26208,15 @@
           <a:p>
             <a:pPr algn="ctr"/>
             <a:r>
-              <a:rPr lang="en-US" altLang="ko-KR" sz="1000" dirty="0" err="1" smtClean="0"/>
+              <a:rPr lang="en-US" altLang="ko-KR" sz="1000" dirty="0" err="1"/>
               <a:t>argmaxQ</a:t>
             </a:r>
             <a:r>
-              <a:rPr lang="en-US" altLang="ko-KR" sz="1000" dirty="0" smtClean="0"/>
+              <a:rPr lang="en-US" altLang="ko-KR" sz="1000" dirty="0"/>
               <a:t> = </a:t>
             </a:r>
             <a:r>
-              <a:rPr lang="en-US" altLang="ko-KR" sz="1100" b="1" dirty="0" smtClean="0">
+              <a:rPr lang="en-US" altLang="ko-KR" sz="1100" b="1" dirty="0">
                 <a:solidFill>
                   <a:srgbClr val="00B050"/>
                 </a:solidFill>
@@ -26304,11 +26279,11 @@
                     <a:p>
                       <a:pPr latinLnBrk="1"/>
                       <a:r>
-                        <a:rPr lang="en-US" altLang="ko-KR" sz="1000" dirty="0" smtClean="0"/>
+                        <a:rPr lang="en-US" altLang="ko-KR" sz="1000" dirty="0"/>
                         <a:t>#</a:t>
                       </a:r>
                       <a:r>
-                        <a:rPr lang="en-US" altLang="ko-KR" sz="1000" baseline="0" dirty="0" smtClean="0"/>
+                        <a:rPr lang="en-US" altLang="ko-KR" sz="1000" baseline="0" dirty="0"/>
                         <a:t> of phase</a:t>
                       </a:r>
                       <a:endParaRPr lang="ko-KR" altLang="en-US" sz="1000" dirty="0"/>
@@ -26323,11 +26298,11 @@
                     <a:p>
                       <a:pPr latinLnBrk="1"/>
                       <a:r>
-                        <a:rPr lang="en-US" altLang="ko-KR" sz="1000" dirty="0" smtClean="0"/>
+                        <a:rPr lang="en-US" altLang="ko-KR" sz="1000" dirty="0"/>
                         <a:t>Action</a:t>
                       </a:r>
                       <a:r>
-                        <a:rPr lang="en-US" altLang="ko-KR" sz="1000" baseline="0" dirty="0" smtClean="0"/>
+                        <a:rPr lang="en-US" altLang="ko-KR" sz="1000" baseline="0" dirty="0"/>
                         <a:t> space</a:t>
                       </a:r>
                       <a:endParaRPr lang="ko-KR" altLang="en-US" sz="1000" dirty="0"/>
@@ -26349,7 +26324,7 @@
                     <a:p>
                       <a:pPr latinLnBrk="1"/>
                       <a:r>
-                        <a:rPr lang="en-US" altLang="ko-KR" sz="1100" dirty="0" smtClean="0"/>
+                        <a:rPr lang="en-US" altLang="ko-KR" sz="1100" dirty="0"/>
                         <a:t>2</a:t>
                       </a:r>
                       <a:endParaRPr lang="ko-KR" altLang="en-US" sz="1100" dirty="0"/>
@@ -26364,7 +26339,7 @@
                     <a:p>
                       <a:pPr latinLnBrk="1"/>
                       <a:r>
-                        <a:rPr lang="en-US" altLang="ko-KR" sz="1100" dirty="0" smtClean="0"/>
+                        <a:rPr lang="en-US" altLang="ko-KR" sz="1100" dirty="0"/>
                         <a:t>2</a:t>
                       </a:r>
                       <a:endParaRPr lang="ko-KR" altLang="en-US" sz="1100" dirty="0"/>
@@ -26386,7 +26361,7 @@
                     <a:p>
                       <a:pPr latinLnBrk="1"/>
                       <a:r>
-                        <a:rPr lang="en-US" altLang="ko-KR" sz="1100" dirty="0" smtClean="0"/>
+                        <a:rPr lang="en-US" altLang="ko-KR" sz="1100" dirty="0"/>
                         <a:t>3</a:t>
                       </a:r>
                       <a:endParaRPr lang="ko-KR" altLang="en-US" sz="1100" dirty="0"/>
@@ -26401,7 +26376,7 @@
                     <a:p>
                       <a:pPr latinLnBrk="1"/>
                       <a:r>
-                        <a:rPr lang="en-US" altLang="ko-KR" sz="1100" dirty="0" smtClean="0"/>
+                        <a:rPr lang="en-US" altLang="ko-KR" sz="1100" dirty="0"/>
                         <a:t>7</a:t>
                       </a:r>
                       <a:endParaRPr lang="ko-KR" altLang="en-US" sz="1100" dirty="0"/>
@@ -26423,7 +26398,7 @@
                     <a:p>
                       <a:pPr latinLnBrk="1"/>
                       <a:r>
-                        <a:rPr lang="en-US" altLang="ko-KR" sz="1100" dirty="0" smtClean="0"/>
+                        <a:rPr lang="en-US" altLang="ko-KR" sz="1100" dirty="0"/>
                         <a:t>4</a:t>
                       </a:r>
                       <a:endParaRPr lang="ko-KR" altLang="en-US" sz="1100" dirty="0"/>
@@ -26438,7 +26413,7 @@
                     <a:p>
                       <a:pPr latinLnBrk="1"/>
                       <a:r>
-                        <a:rPr lang="en-US" altLang="ko-KR" sz="1100" dirty="0" smtClean="0"/>
+                        <a:rPr lang="en-US" altLang="ko-KR" sz="1100" dirty="0"/>
                         <a:t>(4C2)*2+4+1</a:t>
                       </a:r>
                       <a:endParaRPr lang="ko-KR" altLang="en-US" sz="1100" dirty="0"/>
@@ -26460,7 +26435,7 @@
                     <a:p>
                       <a:pPr latinLnBrk="1"/>
                       <a:r>
-                        <a:rPr lang="en-US" altLang="ko-KR" sz="1100" dirty="0" smtClean="0"/>
+                        <a:rPr lang="en-US" altLang="ko-KR" sz="1100" dirty="0"/>
                         <a:t>5</a:t>
                       </a:r>
                       <a:endParaRPr lang="ko-KR" altLang="en-US" sz="1100" dirty="0"/>
@@ -26475,7 +26450,7 @@
                     <a:p>
                       <a:pPr latinLnBrk="1"/>
                       <a:r>
-                        <a:rPr lang="en-US" altLang="ko-KR" sz="1100" dirty="0" smtClean="0"/>
+                        <a:rPr lang="en-US" altLang="ko-KR" sz="1100" dirty="0"/>
                         <a:t>5C2+5C4+1</a:t>
                       </a:r>
                       <a:endParaRPr lang="ko-KR" altLang="en-US" sz="1100" dirty="0"/>

--- a/Traffic Optimization Final Speech.pptx
+++ b/Traffic Optimization Final Speech.pptx
@@ -18,9 +18,12 @@
     <p:sldId id="265" r:id="rId12"/>
     <p:sldId id="269" r:id="rId13"/>
     <p:sldId id="268" r:id="rId14"/>
-    <p:sldId id="272" r:id="rId15"/>
-    <p:sldId id="270" r:id="rId16"/>
-    <p:sldId id="271" r:id="rId17"/>
+    <p:sldId id="273" r:id="rId15"/>
+    <p:sldId id="274" r:id="rId16"/>
+    <p:sldId id="272" r:id="rId17"/>
+    <p:sldId id="275" r:id="rId18"/>
+    <p:sldId id="270" r:id="rId19"/>
+    <p:sldId id="271" r:id="rId20"/>
   </p:sldIdLst>
   <p:sldSz cx="12192000" cy="6858000"/>
   <p:notesSz cx="6858000" cy="9144000"/>
@@ -850,7 +853,7 @@
             <a:fld id="{B61BEF0D-F0BB-DE4B-95CE-6DB70DBA9567}" type="datetimeFigureOut">
               <a:rPr lang="en-US" dirty="0"/>
               <a:pPr/>
-              <a:t>2/24/2021</a:t>
+              <a:t>2/25/2021</a:t>
             </a:fld>
             <a:endParaRPr lang="en-US" dirty="0"/>
           </a:p>
@@ -1098,7 +1101,7 @@
             <a:fld id="{B61BEF0D-F0BB-DE4B-95CE-6DB70DBA9567}" type="datetimeFigureOut">
               <a:rPr lang="en-US" dirty="0"/>
               <a:pPr/>
-              <a:t>2/24/2021</a:t>
+              <a:t>2/25/2021</a:t>
             </a:fld>
             <a:endParaRPr lang="en-US" dirty="0"/>
           </a:p>
@@ -1409,7 +1412,7 @@
             <a:fld id="{B61BEF0D-F0BB-DE4B-95CE-6DB70DBA9567}" type="datetimeFigureOut">
               <a:rPr lang="en-US" dirty="0"/>
               <a:pPr/>
-              <a:t>2/24/2021</a:t>
+              <a:t>2/25/2021</a:t>
             </a:fld>
             <a:endParaRPr lang="en-US" dirty="0"/>
           </a:p>
@@ -1747,7 +1750,7 @@
             <a:fld id="{B61BEF0D-F0BB-DE4B-95CE-6DB70DBA9567}" type="datetimeFigureOut">
               <a:rPr lang="en-US" dirty="0"/>
               <a:pPr/>
-              <a:t>2/24/2021</a:t>
+              <a:t>2/25/2021</a:t>
             </a:fld>
             <a:endParaRPr lang="en-US" dirty="0"/>
           </a:p>
@@ -2058,7 +2061,7 @@
             <a:fld id="{B61BEF0D-F0BB-DE4B-95CE-6DB70DBA9567}" type="datetimeFigureOut">
               <a:rPr lang="en-US" dirty="0"/>
               <a:pPr/>
-              <a:t>2/24/2021</a:t>
+              <a:t>2/25/2021</a:t>
             </a:fld>
             <a:endParaRPr lang="en-US" dirty="0"/>
           </a:p>
@@ -2448,7 +2451,7 @@
             <a:fld id="{B61BEF0D-F0BB-DE4B-95CE-6DB70DBA9567}" type="datetimeFigureOut">
               <a:rPr lang="en-US" dirty="0"/>
               <a:pPr/>
-              <a:t>2/24/2021</a:t>
+              <a:t>2/25/2021</a:t>
             </a:fld>
             <a:endParaRPr lang="en-US" dirty="0"/>
           </a:p>
@@ -2614,7 +2617,7 @@
           <a:p>
             <a:fld id="{55C6B4A9-1611-4792-9094-5F34BCA07E0B}" type="datetimeFigureOut">
               <a:rPr lang="en-US" dirty="0"/>
-              <a:t>2/24/2021</a:t>
+              <a:t>2/25/2021</a:t>
             </a:fld>
             <a:endParaRPr lang="en-US" dirty="0"/>
           </a:p>
@@ -2790,7 +2793,7 @@
             <a:fld id="{B61BEF0D-F0BB-DE4B-95CE-6DB70DBA9567}" type="datetimeFigureOut">
               <a:rPr lang="en-US" dirty="0"/>
               <a:pPr/>
-              <a:t>2/24/2021</a:t>
+              <a:t>2/25/2021</a:t>
             </a:fld>
             <a:endParaRPr lang="en-US" dirty="0"/>
           </a:p>
@@ -3000,7 +3003,7 @@
             <a:fld id="{B61BEF0D-F0BB-DE4B-95CE-6DB70DBA9567}" type="datetimeFigureOut">
               <a:rPr lang="en-US" dirty="0"/>
               <a:pPr/>
-              <a:t>2/24/2021</a:t>
+              <a:t>2/25/2021</a:t>
             </a:fld>
             <a:endParaRPr lang="en-US" dirty="0"/>
           </a:p>
@@ -3244,7 +3247,7 @@
             <a:fld id="{B61BEF0D-F0BB-DE4B-95CE-6DB70DBA9567}" type="datetimeFigureOut">
               <a:rPr lang="en-US" dirty="0"/>
               <a:pPr/>
-              <a:t>2/24/2021</a:t>
+              <a:t>2/25/2021</a:t>
             </a:fld>
             <a:endParaRPr lang="en-US" dirty="0"/>
           </a:p>
@@ -3472,7 +3475,7 @@
           <a:p>
             <a:fld id="{EB712588-04B1-427B-82EE-E8DB90309F08}" type="datetimeFigureOut">
               <a:rPr lang="en-US" dirty="0"/>
-              <a:t>2/24/2021</a:t>
+              <a:t>2/25/2021</a:t>
             </a:fld>
             <a:endParaRPr lang="en-US" dirty="0"/>
           </a:p>
@@ -3842,7 +3845,7 @@
             <a:fld id="{B61BEF0D-F0BB-DE4B-95CE-6DB70DBA9567}" type="datetimeFigureOut">
               <a:rPr lang="en-US" dirty="0"/>
               <a:pPr/>
-              <a:t>2/24/2021</a:t>
+              <a:t>2/25/2021</a:t>
             </a:fld>
             <a:endParaRPr lang="en-US" dirty="0"/>
           </a:p>
@@ -3962,7 +3965,7 @@
             <a:fld id="{B61BEF0D-F0BB-DE4B-95CE-6DB70DBA9567}" type="datetimeFigureOut">
               <a:rPr lang="en-US" dirty="0"/>
               <a:pPr/>
-              <a:t>2/24/2021</a:t>
+              <a:t>2/25/2021</a:t>
             </a:fld>
             <a:endParaRPr lang="en-US" dirty="0"/>
           </a:p>
@@ -4054,7 +4057,7 @@
             <a:fld id="{B61BEF0D-F0BB-DE4B-95CE-6DB70DBA9567}" type="datetimeFigureOut">
               <a:rPr lang="en-US" dirty="0"/>
               <a:pPr/>
-              <a:t>2/24/2021</a:t>
+              <a:t>2/25/2021</a:t>
             </a:fld>
             <a:endParaRPr lang="en-US" dirty="0"/>
           </a:p>
@@ -4305,7 +4308,7 @@
           <a:p>
             <a:fld id="{42A54C80-263E-416B-A8E0-580EDEADCBDC}" type="datetimeFigureOut">
               <a:rPr lang="en-US" dirty="0"/>
-              <a:t>2/24/2021</a:t>
+              <a:t>2/25/2021</a:t>
             </a:fld>
             <a:endParaRPr lang="en-US" dirty="0"/>
           </a:p>
@@ -4564,7 +4567,7 @@
             <a:fld id="{B61BEF0D-F0BB-DE4B-95CE-6DB70DBA9567}" type="datetimeFigureOut">
               <a:rPr lang="en-US" dirty="0"/>
               <a:pPr/>
-              <a:t>2/24/2021</a:t>
+              <a:t>2/25/2021</a:t>
             </a:fld>
             <a:endParaRPr lang="en-US" dirty="0"/>
           </a:p>
@@ -5304,7 +5307,7 @@
             <a:fld id="{B61BEF0D-F0BB-DE4B-95CE-6DB70DBA9567}" type="datetimeFigureOut">
               <a:rPr lang="en-US" dirty="0"/>
               <a:pPr/>
-              <a:t>2/24/2021</a:t>
+              <a:t>2/25/2021</a:t>
             </a:fld>
             <a:endParaRPr lang="en-US" dirty="0"/>
           </a:p>
@@ -5963,7 +5966,7 @@
             </a:r>
             <a:r>
               <a:rPr lang="en-US" altLang="ko-KR" dirty="0"/>
-              <a:t>Restraints</a:t>
+              <a:t>Constraints</a:t>
             </a:r>
             <a:br>
               <a:rPr lang="en-US" altLang="ko-KR" dirty="0"/>
@@ -6696,7 +6699,7 @@
           <p:nvPr>
             <p:extLst>
               <p:ext uri="{D42A27DB-BD31-4B8C-83A1-F6EECF244321}">
-                <p14:modId xmlns:p14="http://schemas.microsoft.com/office/powerpoint/2010/main" val="707739802"/>
+                <p14:modId xmlns:p14="http://schemas.microsoft.com/office/powerpoint/2010/main" val="331965673"/>
               </p:ext>
             </p:extLst>
           </p:nvPr>
@@ -6821,7 +6824,7 @@
                       <a:pPr latinLnBrk="1"/>
                       <a:r>
                         <a:rPr lang="en-US" altLang="ko-KR" sz="1600" dirty="0"/>
-                        <a:t>25.5s</a:t>
+                        <a:t>61.0s</a:t>
                       </a:r>
                       <a:endParaRPr lang="ko-KR" altLang="en-US" sz="1600" dirty="0"/>
                     </a:p>
@@ -6869,7 +6872,7 @@
                       <a:pPr latinLnBrk="1"/>
                       <a:r>
                         <a:rPr lang="en-US" altLang="ko-KR" sz="1600" dirty="0"/>
-                        <a:t>2.13m/s</a:t>
+                        <a:t>3.43m/s</a:t>
                       </a:r>
                       <a:endParaRPr lang="ko-KR" altLang="en-US" sz="1600" dirty="0"/>
                     </a:p>
@@ -6928,7 +6931,7 @@
                       <a:pPr latinLnBrk="1"/>
                       <a:r>
                         <a:rPr lang="en-US" altLang="ko-KR" sz="1600" dirty="0"/>
-                        <a:t>4205.5s/</a:t>
+                        <a:t>40.2s/</a:t>
                       </a:r>
                       <a:r>
                         <a:rPr lang="en-US" altLang="ko-KR" sz="1600" dirty="0" err="1"/>
@@ -7013,7 +7016,7 @@
             </a:r>
             <a:r>
               <a:rPr lang="en-US" altLang="ko-KR" dirty="0"/>
-              <a:t> Decentralized CNN/CNN-reduced Model with Practical Restraints</a:t>
+              <a:t> Decentralized CNN/CNN-reduced Model with Practical Constraints</a:t>
             </a:r>
             <a:br>
               <a:rPr lang="en-US" altLang="ko-KR" dirty="0"/>
@@ -7203,7 +7206,7 @@
             </a:r>
             <a:r>
               <a:rPr lang="en-US" altLang="ko-KR" dirty="0"/>
-              <a:t> Decentralized CNN/CNN-reduced Model with Practical Restraints</a:t>
+              <a:t> Decentralized CNN/CNN-reduced Model with Practical Constraints</a:t>
             </a:r>
             <a:br>
               <a:rPr lang="en-US" altLang="ko-KR" dirty="0"/>
@@ -14076,6 +14079,121 @@
           </a:p>
         </p:txBody>
       </p:sp>
+      <p:sp>
+        <p:nvSpPr>
+          <p:cNvPr id="170" name="아래쪽 화살표 167">
+            <a:extLst>
+              <a:ext uri="{FF2B5EF4-FFF2-40B4-BE49-F238E27FC236}">
+                <a16:creationId xmlns:a16="http://schemas.microsoft.com/office/drawing/2014/main" id="{2901AB21-45F3-4CDB-BC46-EE24E9E73733}"/>
+              </a:ext>
+            </a:extLst>
+          </p:cNvPr>
+          <p:cNvSpPr/>
+          <p:nvPr/>
+        </p:nvSpPr>
+        <p:spPr>
+          <a:xfrm rot="19258669">
+            <a:off x="6149756" y="5124146"/>
+            <a:ext cx="873664" cy="1091320"/>
+          </a:xfrm>
+          <a:prstGeom prst="downArrow">
+            <a:avLst>
+              <a:gd name="adj1" fmla="val 23446"/>
+              <a:gd name="adj2" fmla="val 50000"/>
+            </a:avLst>
+          </a:prstGeom>
+        </p:spPr>
+        <p:style>
+          <a:lnRef idx="2">
+            <a:schemeClr val="accent4">
+              <a:shade val="50000"/>
+            </a:schemeClr>
+          </a:lnRef>
+          <a:fillRef idx="1">
+            <a:schemeClr val="accent4"/>
+          </a:fillRef>
+          <a:effectRef idx="0">
+            <a:schemeClr val="accent4"/>
+          </a:effectRef>
+          <a:fontRef idx="minor">
+            <a:schemeClr val="lt1"/>
+          </a:fontRef>
+        </p:style>
+        <p:txBody>
+          <a:bodyPr rtlCol="0" anchor="ctr"/>
+          <a:lstStyle/>
+          <a:p>
+            <a:pPr algn="ctr"/>
+            <a:endParaRPr lang="ko-KR" altLang="en-US"/>
+          </a:p>
+        </p:txBody>
+      </p:sp>
+      <p:sp>
+        <p:nvSpPr>
+          <p:cNvPr id="171" name="직사각형 170">
+            <a:extLst>
+              <a:ext uri="{FF2B5EF4-FFF2-40B4-BE49-F238E27FC236}">
+                <a16:creationId xmlns:a16="http://schemas.microsoft.com/office/drawing/2014/main" id="{D5467282-5837-4F4C-B1F3-009CF48047B9}"/>
+              </a:ext>
+            </a:extLst>
+          </p:cNvPr>
+          <p:cNvSpPr/>
+          <p:nvPr/>
+        </p:nvSpPr>
+        <p:spPr>
+          <a:xfrm>
+            <a:off x="6354454" y="6166508"/>
+            <a:ext cx="1428427" cy="432658"/>
+          </a:xfrm>
+          <a:prstGeom prst="rect">
+            <a:avLst/>
+          </a:prstGeom>
+          <a:solidFill>
+            <a:schemeClr val="bg1"/>
+          </a:solidFill>
+          <a:ln>
+            <a:solidFill>
+              <a:schemeClr val="tx1"/>
+            </a:solidFill>
+          </a:ln>
+        </p:spPr>
+        <p:style>
+          <a:lnRef idx="2">
+            <a:schemeClr val="accent1">
+              <a:shade val="50000"/>
+            </a:schemeClr>
+          </a:lnRef>
+          <a:fillRef idx="1">
+            <a:schemeClr val="accent1"/>
+          </a:fillRef>
+          <a:effectRef idx="0">
+            <a:schemeClr val="accent1"/>
+          </a:effectRef>
+          <a:fontRef idx="minor">
+            <a:schemeClr val="lt1"/>
+          </a:fontRef>
+        </p:style>
+        <p:txBody>
+          <a:bodyPr rtlCol="0" anchor="ctr"/>
+          <a:lstStyle/>
+          <a:p>
+            <a:pPr algn="ctr"/>
+            <a:r>
+              <a:rPr lang="en-US" altLang="ko-KR" sz="1400" dirty="0">
+                <a:solidFill>
+                  <a:schemeClr val="tx1"/>
+                </a:solidFill>
+              </a:rPr>
+              <a:t>Other Agents</a:t>
+            </a:r>
+            <a:endParaRPr lang="ko-KR" altLang="en-US" sz="1400" dirty="0">
+              <a:solidFill>
+                <a:schemeClr val="tx1"/>
+              </a:solidFill>
+            </a:endParaRPr>
+          </a:p>
+        </p:txBody>
+      </p:sp>
     </p:spTree>
     <p:extLst>
       <p:ext uri="{BB962C8B-B14F-4D97-AF65-F5344CB8AC3E}">
@@ -14129,7 +14247,7 @@
             </a:r>
             <a:r>
               <a:rPr lang="en-US" altLang="ko-KR" dirty="0"/>
-              <a:t> Decentralized CNN/CNN-reduced Model with Practical Restraints</a:t>
+              <a:t> Decentralized CNN/CNN-reduced Model with Practical Constraints</a:t>
             </a:r>
             <a:br>
               <a:rPr lang="en-US" altLang="ko-KR" dirty="0"/>
@@ -14160,7 +14278,7 @@
           <a:p>
             <a:r>
               <a:rPr lang="en-US" altLang="ko-KR" dirty="0"/>
-              <a:t>CNN Model</a:t>
+              <a:t>CNN Model(0to3am)</a:t>
             </a:r>
           </a:p>
           <a:p>
@@ -14454,7 +14572,7 @@
           <a:p>
             <a:r>
               <a:rPr lang="en-US" altLang="ko-KR" dirty="0"/>
-              <a:t>CNN-reduced Model</a:t>
+              <a:t>CNN-reduced Model(0to3am)</a:t>
             </a:r>
           </a:p>
           <a:p>
@@ -14473,30 +14591,6 @@
           </a:p>
         </p:txBody>
       </p:sp>
-      <p:pic>
-        <p:nvPicPr>
-          <p:cNvPr id="327" name="그림 326"/>
-          <p:cNvPicPr>
-            <a:picLocks noChangeAspect="1"/>
-          </p:cNvPicPr>
-          <p:nvPr/>
-        </p:nvPicPr>
-        <p:blipFill>
-          <a:blip r:embed="rId3"/>
-          <a:stretch>
-            <a:fillRect/>
-          </a:stretch>
-        </p:blipFill>
-        <p:spPr>
-          <a:xfrm>
-            <a:off x="4986580" y="4958486"/>
-            <a:ext cx="4156726" cy="1510060"/>
-          </a:xfrm>
-          <a:prstGeom prst="rect">
-            <a:avLst/>
-          </a:prstGeom>
-        </p:spPr>
-      </p:pic>
       <p:graphicFrame>
         <p:nvGraphicFramePr>
           <p:cNvPr id="328" name="표 327"/>
@@ -14506,7 +14600,7 @@
           <p:nvPr>
             <p:extLst>
               <p:ext uri="{D42A27DB-BD31-4B8C-83A1-F6EECF244321}">
-                <p14:modId xmlns:p14="http://schemas.microsoft.com/office/powerpoint/2010/main" val="290612101"/>
+                <p14:modId xmlns:p14="http://schemas.microsoft.com/office/powerpoint/2010/main" val="2750528957"/>
               </p:ext>
             </p:extLst>
           </p:nvPr>
@@ -14522,28 +14616,28 @@
                 <a:tableStyleId>{5C22544A-7EE6-4342-B048-85BDC9FD1C3A}</a:tableStyleId>
               </a:tblPr>
               <a:tblGrid>
-                <a:gridCol w="1611452">
+                <a:gridCol w="2120648">
                   <a:extLst>
                     <a:ext uri="{9D8B030D-6E8A-4147-A177-3AD203B41FA5}">
                       <a16:colId xmlns:a16="http://schemas.microsoft.com/office/drawing/2014/main" val="3455510951"/>
                     </a:ext>
                   </a:extLst>
                 </a:gridCol>
-                <a:gridCol w="1319695">
+                <a:gridCol w="1249959">
                   <a:extLst>
                     <a:ext uri="{9D8B030D-6E8A-4147-A177-3AD203B41FA5}">
                       <a16:colId xmlns:a16="http://schemas.microsoft.com/office/drawing/2014/main" val="718858861"/>
                     </a:ext>
                   </a:extLst>
                 </a:gridCol>
-                <a:gridCol w="2081820">
+                <a:gridCol w="2080470">
                   <a:extLst>
                     <a:ext uri="{9D8B030D-6E8A-4147-A177-3AD203B41FA5}">
                       <a16:colId xmlns:a16="http://schemas.microsoft.com/office/drawing/2014/main" val="3835679529"/>
                     </a:ext>
                   </a:extLst>
                 </a:gridCol>
-                <a:gridCol w="3151487">
+                <a:gridCol w="2713377">
                   <a:extLst>
                     <a:ext uri="{9D8B030D-6E8A-4147-A177-3AD203B41FA5}">
                       <a16:colId xmlns:a16="http://schemas.microsoft.com/office/drawing/2014/main" val="4264042593"/>
@@ -14559,12 +14653,16 @@
                     <a:p>
                       <a:pPr latinLnBrk="1"/>
                       <a:r>
-                        <a:rPr lang="en-US" altLang="ko-KR" sz="1300" dirty="0" err="1"/>
+                        <a:rPr lang="en-US" altLang="ko-KR" sz="1300" dirty="0"/>
                         <a:t>Avg</a:t>
                       </a:r>
                       <a:r>
                         <a:rPr lang="en-US" altLang="ko-KR" sz="1300" baseline="0" dirty="0"/>
                         <a:t> Value</a:t>
+                      </a:r>
+                      <a:r>
+                        <a:rPr lang="en-US" altLang="ko-KR" sz="1100" baseline="0" dirty="0"/>
+                        <a:t>(interest edges)</a:t>
                       </a:r>
                       <a:endParaRPr lang="ko-KR" altLang="en-US" sz="1300" dirty="0"/>
                     </a:p>
@@ -14705,7 +14803,15 @@
                       <a:pPr latinLnBrk="1"/>
                       <a:r>
                         <a:rPr lang="en-US" altLang="ko-KR" sz="1300" dirty="0"/>
-                        <a:t>Velocity</a:t>
+                        <a:t>Avg Velocity(edge </a:t>
+                      </a:r>
+                      <a:r>
+                        <a:rPr lang="en-US" altLang="ko-KR" sz="1300" dirty="0" err="1"/>
+                        <a:t>veh</a:t>
+                      </a:r>
+                      <a:r>
+                        <a:rPr lang="en-US" altLang="ko-KR" sz="1300" dirty="0"/>
+                        <a:t>)</a:t>
                       </a:r>
                       <a:endParaRPr lang="ko-KR" altLang="en-US" sz="1300" dirty="0"/>
                     </a:p>
@@ -14779,7 +14885,7 @@
                       </a:br>
                       <a:r>
                         <a:rPr lang="en-US" altLang="ko-KR" sz="1300" dirty="0"/>
-                        <a:t>(whole</a:t>
+                        <a:t>(during whole</a:t>
                       </a:r>
                       <a:r>
                         <a:rPr lang="en-US" altLang="ko-KR" sz="1300" baseline="0" dirty="0"/>
@@ -14802,7 +14908,7 @@
                       </a:r>
                       <a:r>
                         <a:rPr lang="en-US" altLang="ko-KR" sz="1300" dirty="0" err="1"/>
-                        <a:t>veh</a:t>
+                        <a:t>edg</a:t>
                       </a:r>
                       <a:endParaRPr lang="ko-KR" altLang="en-US" sz="1300" dirty="0"/>
                     </a:p>
@@ -14821,7 +14927,7 @@
                       </a:r>
                       <a:r>
                         <a:rPr lang="en-US" altLang="ko-KR" sz="1300" dirty="0" err="1"/>
-                        <a:t>veh</a:t>
+                        <a:t>edg</a:t>
                       </a:r>
                       <a:endParaRPr lang="ko-KR" altLang="en-US" sz="1300" dirty="0"/>
                     </a:p>
@@ -14840,7 +14946,7 @@
                       </a:r>
                       <a:r>
                         <a:rPr lang="en-US" altLang="ko-KR" sz="1300" dirty="0" err="1"/>
-                        <a:t>veh</a:t>
+                        <a:t>edg</a:t>
                       </a:r>
                       <a:endParaRPr lang="ko-KR" altLang="en-US" sz="1300" dirty="0"/>
                     </a:p>
@@ -14862,11 +14968,7 @@
                       <a:pPr latinLnBrk="1"/>
                       <a:r>
                         <a:rPr lang="en-US" altLang="ko-KR" sz="1300" dirty="0"/>
-                        <a:t>Arrived </a:t>
-                      </a:r>
-                      <a:r>
-                        <a:rPr lang="en-US" altLang="ko-KR" sz="1300" dirty="0" err="1"/>
-                        <a:t>Num</a:t>
+                        <a:t>Arrived Num (all edge)</a:t>
                       </a:r>
                       <a:endParaRPr lang="ko-KR" altLang="en-US" sz="1300" dirty="0"/>
                     </a:p>
@@ -14928,6 +15030,36 @@
           </a:graphicData>
         </a:graphic>
       </p:graphicFrame>
+      <p:pic>
+        <p:nvPicPr>
+          <p:cNvPr id="13" name="그림 12">
+            <a:extLst>
+              <a:ext uri="{FF2B5EF4-FFF2-40B4-BE49-F238E27FC236}">
+                <a16:creationId xmlns:a16="http://schemas.microsoft.com/office/drawing/2014/main" id="{DD613EE3-CA73-47A9-96F7-1F716EF28768}"/>
+              </a:ext>
+            </a:extLst>
+          </p:cNvPr>
+          <p:cNvPicPr>
+            <a:picLocks noChangeAspect="1"/>
+          </p:cNvPicPr>
+          <p:nvPr/>
+        </p:nvPicPr>
+        <p:blipFill>
+          <a:blip r:embed="rId3"/>
+          <a:stretch>
+            <a:fillRect/>
+          </a:stretch>
+        </p:blipFill>
+        <p:spPr>
+          <a:xfrm>
+            <a:off x="4975668" y="5039400"/>
+            <a:ext cx="4023677" cy="1486152"/>
+          </a:xfrm>
+          <a:prstGeom prst="rect">
+            <a:avLst/>
+          </a:prstGeom>
+        </p:spPr>
+      </p:pic>
     </p:spTree>
     <p:extLst>
       <p:ext uri="{BB962C8B-B14F-4D97-AF65-F5344CB8AC3E}">
@@ -14942,6 +15074,699 @@
 </file>
 
 <file path=ppt/slides/slide14.xml><?xml version="1.0" encoding="utf-8"?>
+<p:sld xmlns:a="http://schemas.openxmlformats.org/drawingml/2006/main" xmlns:r="http://schemas.openxmlformats.org/officeDocument/2006/relationships" xmlns:p="http://schemas.openxmlformats.org/presentationml/2006/main">
+  <p:cSld>
+    <p:spTree>
+      <p:nvGrpSpPr>
+        <p:cNvPr id="1" name=""/>
+        <p:cNvGrpSpPr/>
+        <p:nvPr/>
+      </p:nvGrpSpPr>
+      <p:grpSpPr>
+        <a:xfrm>
+          <a:off x="0" y="0"/>
+          <a:ext cx="0" cy="0"/>
+          <a:chOff x="0" y="0"/>
+          <a:chExt cx="0" cy="0"/>
+        </a:xfrm>
+      </p:grpSpPr>
+      <p:sp>
+        <p:nvSpPr>
+          <p:cNvPr id="2" name="제목 1">
+            <a:extLst>
+              <a:ext uri="{FF2B5EF4-FFF2-40B4-BE49-F238E27FC236}">
+                <a16:creationId xmlns:a16="http://schemas.microsoft.com/office/drawing/2014/main" id="{9312B6DA-AE76-4062-87D6-A41DD448E943}"/>
+              </a:ext>
+            </a:extLst>
+          </p:cNvPr>
+          <p:cNvSpPr>
+            <a:spLocks noGrp="1"/>
+          </p:cNvSpPr>
+          <p:nvPr>
+            <p:ph type="title"/>
+          </p:nvPr>
+        </p:nvSpPr>
+        <p:spPr/>
+        <p:txBody>
+          <a:bodyPr>
+            <a:normAutofit fontScale="90000"/>
+          </a:bodyPr>
+          <a:lstStyle/>
+          <a:p>
+            <a:r>
+              <a:rPr lang="en-US" altLang="ko-KR" dirty="0" err="1"/>
+              <a:t>Dunsan</a:t>
+            </a:r>
+            <a:r>
+              <a:rPr lang="en-US" altLang="ko-KR" dirty="0"/>
+              <a:t> Decentralized CNN/CNN-reduced Model with Practical Constraints</a:t>
+            </a:r>
+            <a:br>
+              <a:rPr lang="en-US" altLang="ko-KR" dirty="0"/>
+            </a:br>
+            <a:endParaRPr lang="ko-KR" altLang="en-US" dirty="0"/>
+          </a:p>
+        </p:txBody>
+      </p:sp>
+      <p:sp>
+        <p:nvSpPr>
+          <p:cNvPr id="3" name="내용 개체 틀 2">
+            <a:extLst>
+              <a:ext uri="{FF2B5EF4-FFF2-40B4-BE49-F238E27FC236}">
+                <a16:creationId xmlns:a16="http://schemas.microsoft.com/office/drawing/2014/main" id="{57710103-37EF-4B69-9A23-8D6C0E8AA37D}"/>
+              </a:ext>
+            </a:extLst>
+          </p:cNvPr>
+          <p:cNvSpPr>
+            <a:spLocks noGrp="1"/>
+          </p:cNvSpPr>
+          <p:nvPr>
+            <p:ph idx="1"/>
+          </p:nvPr>
+        </p:nvSpPr>
+        <p:spPr/>
+        <p:txBody>
+          <a:bodyPr/>
+          <a:lstStyle/>
+          <a:p>
+            <a:r>
+              <a:rPr lang="en-US" altLang="ko-KR" dirty="0"/>
+              <a:t>Avoiding Local Optimum</a:t>
+            </a:r>
+          </a:p>
+          <a:p>
+            <a:pPr lvl="1"/>
+            <a:r>
+              <a:rPr lang="en-US" altLang="ko-KR" dirty="0"/>
+              <a:t>Add Dropout Layer between fully connected layer in super Q Network</a:t>
+            </a:r>
+          </a:p>
+          <a:p>
+            <a:pPr lvl="1"/>
+            <a:r>
+              <a:rPr lang="en-US" altLang="ko-KR" dirty="0"/>
+              <a:t>Apply peak demand(7-10am) to the model learned from free demand(0-3am)</a:t>
+            </a:r>
+          </a:p>
+          <a:p>
+            <a:pPr lvl="1"/>
+            <a:endParaRPr lang="ko-KR" altLang="en-US" dirty="0"/>
+          </a:p>
+        </p:txBody>
+      </p:sp>
+      <p:graphicFrame>
+        <p:nvGraphicFramePr>
+          <p:cNvPr id="8" name="표 7">
+            <a:extLst>
+              <a:ext uri="{FF2B5EF4-FFF2-40B4-BE49-F238E27FC236}">
+                <a16:creationId xmlns:a16="http://schemas.microsoft.com/office/drawing/2014/main" id="{50226140-3FD3-4783-A28A-D8B8C45BDD69}"/>
+              </a:ext>
+            </a:extLst>
+          </p:cNvPr>
+          <p:cNvGraphicFramePr>
+            <a:graphicFrameLocks noGrp="1"/>
+          </p:cNvGraphicFramePr>
+          <p:nvPr>
+            <p:extLst>
+              <p:ext uri="{D42A27DB-BD31-4B8C-83A1-F6EECF244321}">
+                <p14:modId xmlns:p14="http://schemas.microsoft.com/office/powerpoint/2010/main" val="2875041719"/>
+              </p:ext>
+            </p:extLst>
+          </p:nvPr>
+        </p:nvGraphicFramePr>
+        <p:xfrm>
+          <a:off x="781943" y="3511929"/>
+          <a:ext cx="8164454" cy="1990263"/>
+        </p:xfrm>
+        <a:graphic>
+          <a:graphicData uri="http://schemas.openxmlformats.org/drawingml/2006/table">
+            <a:tbl>
+              <a:tblPr firstRow="1" bandRow="1">
+                <a:tableStyleId>{5C22544A-7EE6-4342-B048-85BDC9FD1C3A}</a:tableStyleId>
+              </a:tblPr>
+              <a:tblGrid>
+                <a:gridCol w="1611452">
+                  <a:extLst>
+                    <a:ext uri="{9D8B030D-6E8A-4147-A177-3AD203B41FA5}">
+                      <a16:colId xmlns:a16="http://schemas.microsoft.com/office/drawing/2014/main" val="3455510951"/>
+                    </a:ext>
+                  </a:extLst>
+                </a:gridCol>
+                <a:gridCol w="1440374">
+                  <a:extLst>
+                    <a:ext uri="{9D8B030D-6E8A-4147-A177-3AD203B41FA5}">
+                      <a16:colId xmlns:a16="http://schemas.microsoft.com/office/drawing/2014/main" val="718858861"/>
+                    </a:ext>
+                  </a:extLst>
+                </a:gridCol>
+                <a:gridCol w="2575420">
+                  <a:extLst>
+                    <a:ext uri="{9D8B030D-6E8A-4147-A177-3AD203B41FA5}">
+                      <a16:colId xmlns:a16="http://schemas.microsoft.com/office/drawing/2014/main" val="3835679529"/>
+                    </a:ext>
+                  </a:extLst>
+                </a:gridCol>
+                <a:gridCol w="2537208">
+                  <a:extLst>
+                    <a:ext uri="{9D8B030D-6E8A-4147-A177-3AD203B41FA5}">
+                      <a16:colId xmlns:a16="http://schemas.microsoft.com/office/drawing/2014/main" val="4264042593"/>
+                    </a:ext>
+                  </a:extLst>
+                </a:gridCol>
+              </a:tblGrid>
+              <a:tr h="338301">
+                <a:tc>
+                  <a:txBody>
+                    <a:bodyPr/>
+                    <a:lstStyle/>
+                    <a:p>
+                      <a:pPr latinLnBrk="1"/>
+                      <a:r>
+                        <a:rPr lang="en-US" altLang="ko-KR" sz="1300" dirty="0" err="1"/>
+                        <a:t>Avg</a:t>
+                      </a:r>
+                      <a:r>
+                        <a:rPr lang="en-US" altLang="ko-KR" sz="1300" baseline="0" dirty="0"/>
+                        <a:t> Value</a:t>
+                      </a:r>
+                      <a:endParaRPr lang="ko-KR" altLang="en-US" sz="1300" dirty="0"/>
+                    </a:p>
+                  </a:txBody>
+                  <a:tcPr/>
+                </a:tc>
+                <a:tc>
+                  <a:txBody>
+                    <a:bodyPr/>
+                    <a:lstStyle/>
+                    <a:p>
+                      <a:pPr latinLnBrk="1"/>
+                      <a:r>
+                        <a:rPr lang="en-US" altLang="ko-KR" sz="1300" dirty="0"/>
+                        <a:t>Simulation</a:t>
+                      </a:r>
+                      <a:endParaRPr lang="ko-KR" altLang="en-US" sz="1300" dirty="0"/>
+                    </a:p>
+                  </a:txBody>
+                  <a:tcPr/>
+                </a:tc>
+                <a:tc>
+                  <a:txBody>
+                    <a:bodyPr/>
+                    <a:lstStyle/>
+                    <a:p>
+                      <a:pPr latinLnBrk="1"/>
+                      <a:r>
+                        <a:rPr lang="en-US" altLang="ko-KR" sz="1300" dirty="0"/>
+                        <a:t>Before adding dropout</a:t>
+                      </a:r>
+                      <a:endParaRPr lang="ko-KR" altLang="en-US" sz="1300" dirty="0"/>
+                    </a:p>
+                  </a:txBody>
+                  <a:tcPr/>
+                </a:tc>
+                <a:tc>
+                  <a:txBody>
+                    <a:bodyPr/>
+                    <a:lstStyle/>
+                    <a:p>
+                      <a:pPr latinLnBrk="1"/>
+                      <a:r>
+                        <a:rPr lang="en-US" altLang="ko-KR" sz="1300" dirty="0"/>
+                        <a:t>After adding dropout</a:t>
+                      </a:r>
+                      <a:endParaRPr lang="ko-KR" altLang="en-US" sz="1300" dirty="0"/>
+                    </a:p>
+                  </a:txBody>
+                  <a:tcPr/>
+                </a:tc>
+                <a:extLst>
+                  <a:ext uri="{0D108BD9-81ED-4DB2-BD59-A6C34878D82A}">
+                    <a16:rowId xmlns:a16="http://schemas.microsoft.com/office/drawing/2014/main" val="3290613489"/>
+                  </a:ext>
+                </a:extLst>
+              </a:tr>
+              <a:tr h="411151">
+                <a:tc>
+                  <a:txBody>
+                    <a:bodyPr/>
+                    <a:lstStyle/>
+                    <a:p>
+                      <a:pPr latinLnBrk="1"/>
+                      <a:r>
+                        <a:rPr lang="en-US" altLang="ko-KR" sz="1300" dirty="0"/>
+                        <a:t>Travel Time</a:t>
+                      </a:r>
+                    </a:p>
+                    <a:p>
+                      <a:pPr latinLnBrk="1"/>
+                      <a:r>
+                        <a:rPr lang="en-US" altLang="ko-KR" sz="1300" dirty="0"/>
+                        <a:t>(per edge)</a:t>
+                      </a:r>
+                      <a:endParaRPr lang="ko-KR" altLang="en-US" sz="1300" dirty="0"/>
+                    </a:p>
+                  </a:txBody>
+                  <a:tcPr/>
+                </a:tc>
+                <a:tc>
+                  <a:txBody>
+                    <a:bodyPr/>
+                    <a:lstStyle/>
+                    <a:p>
+                      <a:pPr latinLnBrk="1"/>
+                      <a:r>
+                        <a:rPr lang="en-US" altLang="ko-KR" sz="1300" dirty="0"/>
+                        <a:t>35.942s</a:t>
+                      </a:r>
+                      <a:endParaRPr lang="ko-KR" altLang="en-US" sz="1300" dirty="0"/>
+                    </a:p>
+                  </a:txBody>
+                  <a:tcPr/>
+                </a:tc>
+                <a:tc>
+                  <a:txBody>
+                    <a:bodyPr/>
+                    <a:lstStyle/>
+                    <a:p>
+                      <a:pPr latinLnBrk="1"/>
+                      <a:r>
+                        <a:rPr lang="en-US" altLang="ko-KR" sz="1300" dirty="0"/>
+                        <a:t>39.716s</a:t>
+                      </a:r>
+                      <a:endParaRPr lang="ko-KR" altLang="en-US" sz="1300" dirty="0"/>
+                    </a:p>
+                  </a:txBody>
+                  <a:tcPr/>
+                </a:tc>
+                <a:tc>
+                  <a:txBody>
+                    <a:bodyPr/>
+                    <a:lstStyle/>
+                    <a:p>
+                      <a:pPr latinLnBrk="1"/>
+                      <a:r>
+                        <a:rPr lang="en-US" altLang="ko-KR" sz="1300" dirty="0"/>
+                        <a:t>36.102s</a:t>
+                      </a:r>
+                      <a:endParaRPr lang="ko-KR" altLang="en-US" sz="1300" dirty="0"/>
+                    </a:p>
+                  </a:txBody>
+                  <a:tcPr/>
+                </a:tc>
+                <a:extLst>
+                  <a:ext uri="{0D108BD9-81ED-4DB2-BD59-A6C34878D82A}">
+                    <a16:rowId xmlns:a16="http://schemas.microsoft.com/office/drawing/2014/main" val="3098175826"/>
+                  </a:ext>
+                </a:extLst>
+              </a:tr>
+              <a:tr h="338301">
+                <a:tc>
+                  <a:txBody>
+                    <a:bodyPr/>
+                    <a:lstStyle/>
+                    <a:p>
+                      <a:pPr latinLnBrk="1"/>
+                      <a:r>
+                        <a:rPr lang="en-US" altLang="ko-KR" sz="1300" dirty="0"/>
+                        <a:t>Velocity(edge </a:t>
+                      </a:r>
+                      <a:r>
+                        <a:rPr lang="en-US" altLang="ko-KR" sz="1300" dirty="0" err="1"/>
+                        <a:t>veh</a:t>
+                      </a:r>
+                      <a:r>
+                        <a:rPr lang="en-US" altLang="ko-KR" sz="1300" dirty="0"/>
+                        <a:t>)</a:t>
+                      </a:r>
+                      <a:endParaRPr lang="ko-KR" altLang="en-US" sz="1300" dirty="0"/>
+                    </a:p>
+                  </a:txBody>
+                  <a:tcPr/>
+                </a:tc>
+                <a:tc>
+                  <a:txBody>
+                    <a:bodyPr/>
+                    <a:lstStyle/>
+                    <a:p>
+                      <a:pPr latinLnBrk="1"/>
+                      <a:r>
+                        <a:rPr lang="en-US" altLang="ko-KR" sz="1300" dirty="0"/>
+                        <a:t>5.413m/s</a:t>
+                      </a:r>
+                      <a:endParaRPr lang="ko-KR" altLang="en-US" sz="1300" dirty="0"/>
+                    </a:p>
+                  </a:txBody>
+                  <a:tcPr/>
+                </a:tc>
+                <a:tc>
+                  <a:txBody>
+                    <a:bodyPr/>
+                    <a:lstStyle/>
+                    <a:p>
+                      <a:pPr latinLnBrk="1"/>
+                      <a:r>
+                        <a:rPr lang="en-US" altLang="ko-KR" sz="1300" dirty="0"/>
+                        <a:t>5.187m/s</a:t>
+                      </a:r>
+                      <a:endParaRPr lang="ko-KR" altLang="en-US" sz="1300" dirty="0"/>
+                    </a:p>
+                  </a:txBody>
+                  <a:tcPr/>
+                </a:tc>
+                <a:tc>
+                  <a:txBody>
+                    <a:bodyPr/>
+                    <a:lstStyle/>
+                    <a:p>
+                      <a:pPr latinLnBrk="1"/>
+                      <a:r>
+                        <a:rPr lang="en-US" altLang="ko-KR" sz="1300" dirty="0"/>
+                        <a:t>5.417m/s</a:t>
+                      </a:r>
+                      <a:endParaRPr lang="ko-KR" altLang="en-US" sz="1300" dirty="0"/>
+                    </a:p>
+                  </a:txBody>
+                  <a:tcPr/>
+                </a:tc>
+                <a:extLst>
+                  <a:ext uri="{0D108BD9-81ED-4DB2-BD59-A6C34878D82A}">
+                    <a16:rowId xmlns:a16="http://schemas.microsoft.com/office/drawing/2014/main" val="2603964071"/>
+                  </a:ext>
+                </a:extLst>
+              </a:tr>
+              <a:tr h="411151">
+                <a:tc>
+                  <a:txBody>
+                    <a:bodyPr/>
+                    <a:lstStyle/>
+                    <a:p>
+                      <a:pPr latinLnBrk="1"/>
+                      <a:r>
+                        <a:rPr lang="en-US" altLang="ko-KR" sz="1300" dirty="0"/>
+                        <a:t>Waiting Time</a:t>
+                      </a:r>
+                      <a:br>
+                        <a:rPr lang="en-US" altLang="ko-KR" sz="1300" dirty="0"/>
+                      </a:br>
+                      <a:r>
+                        <a:rPr lang="en-US" altLang="ko-KR" sz="1300" dirty="0"/>
+                        <a:t>(whole</a:t>
+                      </a:r>
+                      <a:r>
+                        <a:rPr lang="en-US" altLang="ko-KR" sz="1300" baseline="0" dirty="0"/>
+                        <a:t> trip)</a:t>
+                      </a:r>
+                      <a:endParaRPr lang="ko-KR" altLang="en-US" sz="1300" dirty="0"/>
+                    </a:p>
+                  </a:txBody>
+                  <a:tcPr/>
+                </a:tc>
+                <a:tc>
+                  <a:txBody>
+                    <a:bodyPr/>
+                    <a:lstStyle/>
+                    <a:p>
+                      <a:pPr latinLnBrk="1"/>
+                      <a:r>
+                        <a:rPr lang="en-US" altLang="ko-KR" sz="1300" dirty="0"/>
+                        <a:t>24.7s/</a:t>
+                      </a:r>
+                      <a:r>
+                        <a:rPr lang="en-US" altLang="ko-KR" sz="1300" dirty="0" err="1"/>
+                        <a:t>veh</a:t>
+                      </a:r>
+                      <a:endParaRPr lang="ko-KR" altLang="en-US" sz="1300" dirty="0"/>
+                    </a:p>
+                  </a:txBody>
+                  <a:tcPr/>
+                </a:tc>
+                <a:tc>
+                  <a:txBody>
+                    <a:bodyPr/>
+                    <a:lstStyle/>
+                    <a:p>
+                      <a:pPr latinLnBrk="1"/>
+                      <a:r>
+                        <a:rPr lang="en-US" altLang="ko-KR" sz="1300" dirty="0"/>
+                        <a:t>27.0s/</a:t>
+                      </a:r>
+                      <a:r>
+                        <a:rPr lang="en-US" altLang="ko-KR" sz="1300" dirty="0" err="1"/>
+                        <a:t>veh</a:t>
+                      </a:r>
+                      <a:endParaRPr lang="ko-KR" altLang="en-US" sz="1300" dirty="0"/>
+                    </a:p>
+                  </a:txBody>
+                  <a:tcPr/>
+                </a:tc>
+                <a:tc>
+                  <a:txBody>
+                    <a:bodyPr/>
+                    <a:lstStyle/>
+                    <a:p>
+                      <a:pPr latinLnBrk="1"/>
+                      <a:r>
+                        <a:rPr lang="en-US" altLang="ko-KR" sz="1300" dirty="0"/>
+                        <a:t>25.2s/</a:t>
+                      </a:r>
+                      <a:r>
+                        <a:rPr lang="en-US" altLang="ko-KR" sz="1300" dirty="0" err="1"/>
+                        <a:t>veh</a:t>
+                      </a:r>
+                      <a:endParaRPr lang="ko-KR" altLang="en-US" sz="1300" dirty="0"/>
+                    </a:p>
+                  </a:txBody>
+                  <a:tcPr/>
+                </a:tc>
+                <a:extLst>
+                  <a:ext uri="{0D108BD9-81ED-4DB2-BD59-A6C34878D82A}">
+                    <a16:rowId xmlns:a16="http://schemas.microsoft.com/office/drawing/2014/main" val="1504317479"/>
+                  </a:ext>
+                </a:extLst>
+              </a:tr>
+              <a:tr h="338301">
+                <a:tc>
+                  <a:txBody>
+                    <a:bodyPr/>
+                    <a:lstStyle/>
+                    <a:p>
+                      <a:pPr latinLnBrk="1"/>
+                      <a:r>
+                        <a:rPr lang="en-US" altLang="ko-KR" sz="1300" dirty="0"/>
+                        <a:t>Arrived </a:t>
+                      </a:r>
+                      <a:r>
+                        <a:rPr lang="en-US" altLang="ko-KR" sz="1300" dirty="0" err="1"/>
+                        <a:t>Num</a:t>
+                      </a:r>
+                      <a:endParaRPr lang="ko-KR" altLang="en-US" sz="1300" dirty="0"/>
+                    </a:p>
+                  </a:txBody>
+                  <a:tcPr/>
+                </a:tc>
+                <a:tc>
+                  <a:txBody>
+                    <a:bodyPr/>
+                    <a:lstStyle/>
+                    <a:p>
+                      <a:pPr latinLnBrk="1"/>
+                      <a:r>
+                        <a:rPr lang="en-US" altLang="ko-KR" sz="1300" dirty="0"/>
+                        <a:t>12111</a:t>
+                      </a:r>
+                      <a:endParaRPr lang="ko-KR" altLang="en-US" sz="1300" dirty="0"/>
+                    </a:p>
+                  </a:txBody>
+                  <a:tcPr/>
+                </a:tc>
+                <a:tc>
+                  <a:txBody>
+                    <a:bodyPr/>
+                    <a:lstStyle/>
+                    <a:p>
+                      <a:pPr latinLnBrk="1"/>
+                      <a:r>
+                        <a:rPr lang="en-US" altLang="ko-KR" sz="1300" dirty="0"/>
+                        <a:t>11873</a:t>
+                      </a:r>
+                      <a:endParaRPr lang="ko-KR" altLang="en-US" sz="1300" dirty="0"/>
+                    </a:p>
+                  </a:txBody>
+                  <a:tcPr/>
+                </a:tc>
+                <a:tc>
+                  <a:txBody>
+                    <a:bodyPr/>
+                    <a:lstStyle/>
+                    <a:p>
+                      <a:pPr latinLnBrk="1"/>
+                      <a:r>
+                        <a:rPr lang="en-US" altLang="ko-KR" sz="1300" dirty="0"/>
+                        <a:t>12179</a:t>
+                      </a:r>
+                      <a:endParaRPr lang="ko-KR" altLang="en-US" sz="1300" dirty="0"/>
+                    </a:p>
+                  </a:txBody>
+                  <a:tcPr/>
+                </a:tc>
+                <a:extLst>
+                  <a:ext uri="{0D108BD9-81ED-4DB2-BD59-A6C34878D82A}">
+                    <a16:rowId xmlns:a16="http://schemas.microsoft.com/office/drawing/2014/main" val="3416629328"/>
+                  </a:ext>
+                </a:extLst>
+              </a:tr>
+            </a:tbl>
+          </a:graphicData>
+        </a:graphic>
+      </p:graphicFrame>
+    </p:spTree>
+    <p:extLst>
+      <p:ext uri="{BB962C8B-B14F-4D97-AF65-F5344CB8AC3E}">
+        <p14:creationId xmlns:p14="http://schemas.microsoft.com/office/powerpoint/2010/main" val="3444359107"/>
+      </p:ext>
+    </p:extLst>
+  </p:cSld>
+  <p:clrMapOvr>
+    <a:masterClrMapping/>
+  </p:clrMapOvr>
+</p:sld>
+</file>
+
+<file path=ppt/slides/slide15.xml><?xml version="1.0" encoding="utf-8"?>
+<p:sld xmlns:a="http://schemas.openxmlformats.org/drawingml/2006/main" xmlns:r="http://schemas.openxmlformats.org/officeDocument/2006/relationships" xmlns:p="http://schemas.openxmlformats.org/presentationml/2006/main">
+  <p:cSld>
+    <p:spTree>
+      <p:nvGrpSpPr>
+        <p:cNvPr id="1" name=""/>
+        <p:cNvGrpSpPr/>
+        <p:nvPr/>
+      </p:nvGrpSpPr>
+      <p:grpSpPr>
+        <a:xfrm>
+          <a:off x="0" y="0"/>
+          <a:ext cx="0" cy="0"/>
+          <a:chOff x="0" y="0"/>
+          <a:chExt cx="0" cy="0"/>
+        </a:xfrm>
+      </p:grpSpPr>
+      <p:sp>
+        <p:nvSpPr>
+          <p:cNvPr id="2" name="제목 1">
+            <a:extLst>
+              <a:ext uri="{FF2B5EF4-FFF2-40B4-BE49-F238E27FC236}">
+                <a16:creationId xmlns:a16="http://schemas.microsoft.com/office/drawing/2014/main" id="{0DF1FFCB-D291-4800-8403-7CE9DC1149AA}"/>
+              </a:ext>
+            </a:extLst>
+          </p:cNvPr>
+          <p:cNvSpPr>
+            <a:spLocks noGrp="1"/>
+          </p:cNvSpPr>
+          <p:nvPr>
+            <p:ph type="title"/>
+          </p:nvPr>
+        </p:nvSpPr>
+        <p:spPr/>
+        <p:txBody>
+          <a:bodyPr>
+            <a:normAutofit fontScale="90000"/>
+          </a:bodyPr>
+          <a:lstStyle/>
+          <a:p>
+            <a:r>
+              <a:rPr lang="en-US" altLang="ko-KR" dirty="0" err="1"/>
+              <a:t>Dunsan</a:t>
+            </a:r>
+            <a:r>
+              <a:rPr lang="en-US" altLang="ko-KR" dirty="0"/>
+              <a:t> Decentralized CNN/CNN-reduced Model with Practical Constraints</a:t>
+            </a:r>
+            <a:br>
+              <a:rPr lang="en-US" altLang="ko-KR" dirty="0"/>
+            </a:br>
+            <a:endParaRPr lang="ko-KR" altLang="en-US" dirty="0"/>
+          </a:p>
+        </p:txBody>
+      </p:sp>
+      <p:sp>
+        <p:nvSpPr>
+          <p:cNvPr id="3" name="내용 개체 틀 2">
+            <a:extLst>
+              <a:ext uri="{FF2B5EF4-FFF2-40B4-BE49-F238E27FC236}">
+                <a16:creationId xmlns:a16="http://schemas.microsoft.com/office/drawing/2014/main" id="{8D42BE15-17B6-4D0A-B98F-95C3F01EB7A4}"/>
+              </a:ext>
+            </a:extLst>
+          </p:cNvPr>
+          <p:cNvSpPr>
+            <a:spLocks noGrp="1"/>
+          </p:cNvSpPr>
+          <p:nvPr>
+            <p:ph idx="1"/>
+          </p:nvPr>
+        </p:nvSpPr>
+        <p:spPr>
+          <a:xfrm>
+            <a:off x="677333" y="2160589"/>
+            <a:ext cx="9053895" cy="3880773"/>
+          </a:xfrm>
+        </p:spPr>
+        <p:txBody>
+          <a:bodyPr/>
+          <a:lstStyle/>
+          <a:p>
+            <a:r>
+              <a:rPr lang="en-US" altLang="ko-KR" dirty="0"/>
+              <a:t>Practical Constraints without minimum of duration condition</a:t>
+            </a:r>
+          </a:p>
+          <a:p>
+            <a:pPr lvl="1"/>
+            <a:r>
+              <a:rPr lang="en-US" altLang="ko-KR" dirty="0"/>
+              <a:t>Removing penalty in action that is less/more than min/maximum length of duration</a:t>
+            </a:r>
+          </a:p>
+          <a:p>
+            <a:pPr lvl="1"/>
+            <a:r>
+              <a:rPr lang="en-US" altLang="ko-KR" dirty="0"/>
+              <a:t>Purpose: Verifying whether regulations lead traffic jam or not</a:t>
+            </a:r>
+          </a:p>
+          <a:p>
+            <a:pPr lvl="1"/>
+            <a:r>
+              <a:rPr lang="en-US" altLang="ko-KR" dirty="0"/>
+              <a:t>Learning process and Reward comparison</a:t>
+            </a:r>
+          </a:p>
+          <a:p>
+            <a:pPr lvl="1"/>
+            <a:endParaRPr lang="en-US" altLang="ko-KR" dirty="0"/>
+          </a:p>
+          <a:p>
+            <a:pPr lvl="1"/>
+            <a:endParaRPr lang="en-US" altLang="ko-KR" dirty="0"/>
+          </a:p>
+          <a:p>
+            <a:pPr lvl="1"/>
+            <a:endParaRPr lang="en-US" altLang="ko-KR" dirty="0"/>
+          </a:p>
+        </p:txBody>
+      </p:sp>
+    </p:spTree>
+    <p:extLst>
+      <p:ext uri="{BB962C8B-B14F-4D97-AF65-F5344CB8AC3E}">
+        <p14:creationId xmlns:p14="http://schemas.microsoft.com/office/powerpoint/2010/main" val="1173889905"/>
+      </p:ext>
+    </p:extLst>
+  </p:cSld>
+  <p:clrMapOvr>
+    <a:masterClrMapping/>
+  </p:clrMapOvr>
+</p:sld>
+</file>
+
+<file path=ppt/slides/slide16.xml><?xml version="1.0" encoding="utf-8"?>
 <p:sld xmlns:a="http://schemas.openxmlformats.org/drawingml/2006/main" xmlns:r="http://schemas.openxmlformats.org/officeDocument/2006/relationships" xmlns:p="http://schemas.openxmlformats.org/presentationml/2006/main">
   <p:cSld>
     <p:spTree>
@@ -15010,12 +15835,52 @@
           <a:p>
             <a:r>
               <a:rPr lang="en-US" altLang="ko-KR" dirty="0"/>
-              <a:t> With </a:t>
-            </a:r>
-            <a:r>
-              <a:rPr lang="en-US" altLang="ko-KR"/>
-              <a:t>Practical Constraints</a:t>
-            </a:r>
+              <a:t> With Practical Constraints</a:t>
+            </a:r>
+          </a:p>
+          <a:p>
+            <a:pPr lvl="1"/>
+            <a:r>
+              <a:rPr lang="en-US" altLang="ko-KR" dirty="0"/>
+              <a:t>Phase length locked action space</a:t>
+            </a:r>
+          </a:p>
+          <a:p>
+            <a:pPr lvl="1"/>
+            <a:r>
+              <a:rPr lang="en-US" altLang="ko-KR" dirty="0"/>
+              <a:t>Phase length unlocked action space</a:t>
+            </a:r>
+          </a:p>
+          <a:p>
+            <a:r>
+              <a:rPr lang="en-US" altLang="ko-KR" dirty="0"/>
+              <a:t>Normalized vs. Pure info</a:t>
+            </a:r>
+          </a:p>
+          <a:p>
+            <a:endParaRPr lang="en-US" altLang="ko-KR" dirty="0"/>
+          </a:p>
+          <a:p>
+            <a:r>
+              <a:rPr lang="en-US" altLang="ko-KR" dirty="0"/>
+              <a:t>Learning Results</a:t>
+            </a:r>
+          </a:p>
+          <a:p>
+            <a:pPr lvl="1"/>
+            <a:r>
+              <a:rPr lang="en-US" altLang="ko-KR" dirty="0"/>
+              <a:t>Similar performance between Validation and Learning results</a:t>
+            </a:r>
+          </a:p>
+          <a:p>
+            <a:pPr lvl="1"/>
+            <a:endParaRPr lang="en-US" altLang="ko-KR" dirty="0"/>
+          </a:p>
+          <a:p>
+            <a:pPr lvl="1"/>
+            <a:endParaRPr lang="en-US" altLang="ko-KR" dirty="0"/>
           </a:p>
           <a:p>
             <a:pPr lvl="1"/>
@@ -15036,7 +15901,123 @@
 </p:sld>
 </file>
 
-<file path=ppt/slides/slide15.xml><?xml version="1.0" encoding="utf-8"?>
+<file path=ppt/slides/slide17.xml><?xml version="1.0" encoding="utf-8"?>
+<p:sld xmlns:a="http://schemas.openxmlformats.org/drawingml/2006/main" xmlns:r="http://schemas.openxmlformats.org/officeDocument/2006/relationships" xmlns:p="http://schemas.openxmlformats.org/presentationml/2006/main">
+  <p:cSld>
+    <p:spTree>
+      <p:nvGrpSpPr>
+        <p:cNvPr id="1" name=""/>
+        <p:cNvGrpSpPr/>
+        <p:nvPr/>
+      </p:nvGrpSpPr>
+      <p:grpSpPr>
+        <a:xfrm>
+          <a:off x="0" y="0"/>
+          <a:ext cx="0" cy="0"/>
+          <a:chOff x="0" y="0"/>
+          <a:chExt cx="0" cy="0"/>
+        </a:xfrm>
+      </p:grpSpPr>
+      <p:sp>
+        <p:nvSpPr>
+          <p:cNvPr id="2" name="제목 1">
+            <a:extLst>
+              <a:ext uri="{FF2B5EF4-FFF2-40B4-BE49-F238E27FC236}">
+                <a16:creationId xmlns:a16="http://schemas.microsoft.com/office/drawing/2014/main" id="{01785FFE-55C3-4E29-8C2B-614503277E01}"/>
+              </a:ext>
+            </a:extLst>
+          </p:cNvPr>
+          <p:cNvSpPr>
+            <a:spLocks noGrp="1"/>
+          </p:cNvSpPr>
+          <p:nvPr>
+            <p:ph type="title"/>
+          </p:nvPr>
+        </p:nvSpPr>
+        <p:spPr/>
+        <p:txBody>
+          <a:bodyPr/>
+          <a:lstStyle/>
+          <a:p>
+            <a:r>
+              <a:rPr lang="en-US" altLang="ko-KR" dirty="0"/>
+              <a:t>Reason for failing experiment</a:t>
+            </a:r>
+            <a:endParaRPr lang="ko-KR" altLang="en-US" dirty="0"/>
+          </a:p>
+        </p:txBody>
+      </p:sp>
+      <p:sp>
+        <p:nvSpPr>
+          <p:cNvPr id="3" name="내용 개체 틀 2">
+            <a:extLst>
+              <a:ext uri="{FF2B5EF4-FFF2-40B4-BE49-F238E27FC236}">
+                <a16:creationId xmlns:a16="http://schemas.microsoft.com/office/drawing/2014/main" id="{02AF741C-283C-46E2-8E6B-546EDD62A938}"/>
+              </a:ext>
+            </a:extLst>
+          </p:cNvPr>
+          <p:cNvSpPr>
+            <a:spLocks noGrp="1"/>
+          </p:cNvSpPr>
+          <p:nvPr>
+            <p:ph idx="1"/>
+          </p:nvPr>
+        </p:nvSpPr>
+        <p:spPr/>
+        <p:txBody>
+          <a:bodyPr/>
+          <a:lstStyle/>
+          <a:p>
+            <a:r>
+              <a:rPr lang="en-US" altLang="ko-KR" dirty="0"/>
+              <a:t>Actual data biased for fixed time signal control</a:t>
+            </a:r>
+          </a:p>
+          <a:p>
+            <a:r>
+              <a:rPr lang="en-US" altLang="ko-KR" dirty="0"/>
+              <a:t>Congested road conditions not being reflected by scaled data</a:t>
+            </a:r>
+            <a:br>
+              <a:rPr lang="en-US" altLang="ko-KR" dirty="0"/>
+            </a:br>
+            <a:r>
+              <a:rPr lang="en-US" altLang="ko-KR" dirty="0">
+                <a:sym typeface="Wingdings" panose="05000000000000000000" pitchFamily="2" charset="2"/>
+              </a:rPr>
+              <a:t> Using 7-10am demand instead of 0-3am</a:t>
+            </a:r>
+          </a:p>
+          <a:p>
+            <a:r>
+              <a:rPr lang="en-US" altLang="ko-KR" dirty="0">
+                <a:sym typeface="Wingdings" panose="05000000000000000000" pitchFamily="2" charset="2"/>
+              </a:rPr>
+              <a:t>Fixed offset value</a:t>
+            </a:r>
+          </a:p>
+          <a:p>
+            <a:endParaRPr lang="en-US" altLang="ko-KR" dirty="0"/>
+          </a:p>
+          <a:p>
+            <a:endParaRPr lang="ko-KR" altLang="en-US" dirty="0"/>
+          </a:p>
+        </p:txBody>
+      </p:sp>
+    </p:spTree>
+    <p:extLst>
+      <p:ext uri="{BB962C8B-B14F-4D97-AF65-F5344CB8AC3E}">
+        <p14:creationId xmlns:p14="http://schemas.microsoft.com/office/powerpoint/2010/main" val="550871464"/>
+      </p:ext>
+    </p:extLst>
+  </p:cSld>
+  <p:clrMapOvr>
+    <a:masterClrMapping/>
+  </p:clrMapOvr>
+</p:sld>
+</file>
+
+<file path=ppt/slides/slide18.xml><?xml version="1.0" encoding="utf-8"?>
 <p:sld xmlns:a="http://schemas.openxmlformats.org/drawingml/2006/main" xmlns:r="http://schemas.openxmlformats.org/officeDocument/2006/relationships" xmlns:p="http://schemas.openxmlformats.org/presentationml/2006/main">
   <p:cSld>
     <p:spTree>
@@ -15072,7 +16053,7 @@
           <a:p>
             <a:r>
               <a:rPr lang="en-US" altLang="ko-KR" dirty="0"/>
-              <a:t>Continuous Action Model with Practical Restraints</a:t>
+              <a:t>Continuous Action Model with Practical Constraints</a:t>
             </a:r>
             <a:br>
               <a:rPr lang="en-US" altLang="ko-KR" dirty="0"/>
@@ -15202,7 +16183,7 @@
                   <a:rPr lang="en-US" altLang="ko-KR" dirty="0">
                     <a:sym typeface="Wingdings" panose="05000000000000000000" pitchFamily="2" charset="2"/>
                   </a:rPr>
-                  <a:t> function =1  Easy to distribute length of phase</a:t>
+                  <a:t> function = 1  Easy to distribute length of phase</a:t>
                 </a:r>
               </a:p>
               <a:p>
@@ -17047,7 +18028,7 @@
 </p:sld>
 </file>
 
-<file path=ppt/slides/slide16.xml><?xml version="1.0" encoding="utf-8"?>
+<file path=ppt/slides/slide19.xml><?xml version="1.0" encoding="utf-8"?>
 <p:sld xmlns:a="http://schemas.openxmlformats.org/drawingml/2006/main" xmlns:r="http://schemas.openxmlformats.org/officeDocument/2006/relationships" xmlns:p="http://schemas.openxmlformats.org/presentationml/2006/main">
   <p:cSld>
     <p:spTree>
@@ -17210,7 +18191,7 @@
             <a:pPr lvl="1"/>
             <a:r>
               <a:rPr lang="en-US" altLang="ko-KR" dirty="0"/>
-              <a:t>3x3Grid Single-Agent Model without Restraints(Depreciated)</a:t>
+              <a:t>3x3Grid Single-Agent Model without Constraints(Depreciated)</a:t>
             </a:r>
           </a:p>
           <a:p>
@@ -17225,7 +18206,7 @@
             </a:r>
             <a:r>
               <a:rPr lang="en-US" altLang="ko-KR" dirty="0"/>
-              <a:t>without Restraints(Depreciated)</a:t>
+              <a:t>without Constraints(Depreciated)</a:t>
             </a:r>
           </a:p>
           <a:p>
@@ -17264,7 +18245,7 @@
             </a:r>
             <a:r>
               <a:rPr lang="en-US" altLang="ko-KR" dirty="0"/>
-              <a:t>Restraints</a:t>
+              <a:t>Constraints</a:t>
             </a:r>
           </a:p>
           <a:p>
@@ -17275,7 +18256,7 @@
             </a:r>
             <a:r>
               <a:rPr lang="en-US" altLang="ko-KR" dirty="0"/>
-              <a:t> Decentralized CNN/CNN-reduced Model with Practical Restraints</a:t>
+              <a:t> Decentralized CNN/CNN-reduced Model with Practical Constraints</a:t>
             </a:r>
           </a:p>
           <a:p>
@@ -17300,7 +18281,7 @@
             <a:pPr lvl="1"/>
             <a:r>
               <a:rPr lang="en-US" altLang="ko-KR" dirty="0"/>
-              <a:t>Continuous Action Model with Practical Restraints</a:t>
+              <a:t>Continuous Action Model with Practical Constraints</a:t>
             </a:r>
             <a:endParaRPr lang="ko-KR" altLang="en-US" dirty="0"/>
           </a:p>
@@ -17368,7 +18349,7 @@
             </a:br>
             <a:r>
               <a:rPr lang="en-US" altLang="ko-KR" dirty="0"/>
-              <a:t>without Restraints(Depreciated)</a:t>
+              <a:t>without Constraints(Depreciated)</a:t>
             </a:r>
           </a:p>
         </p:txBody>
@@ -18233,7 +19214,7 @@
             </a:r>
             <a:r>
               <a:rPr lang="en-US" altLang="ko-KR" dirty="0"/>
-              <a:t>Restraints</a:t>
+              <a:t>Constraints</a:t>
             </a:r>
             <a:br>
               <a:rPr lang="en-US" altLang="ko-KR" dirty="0"/>
@@ -18415,7 +19396,7 @@
             </a:r>
             <a:r>
               <a:rPr lang="en-US" altLang="ko-KR" dirty="0"/>
-              <a:t>Restraints</a:t>
+              <a:t>Constraints</a:t>
             </a:r>
             <a:br>
               <a:rPr lang="en-US" altLang="ko-KR" dirty="0"/>
@@ -18834,7 +19815,12 @@
             <p:ph type="title"/>
           </p:nvPr>
         </p:nvSpPr>
-        <p:spPr/>
+        <p:spPr>
+          <a:xfrm>
+            <a:off x="677333" y="609600"/>
+            <a:ext cx="8986783" cy="1320800"/>
+          </a:xfrm>
+        </p:spPr>
         <p:txBody>
           <a:bodyPr>
             <a:normAutofit fontScale="90000"/>
@@ -18843,7 +19829,7 @@
           <a:p>
             <a:r>
               <a:rPr lang="en-US" altLang="ko-KR" dirty="0"/>
-              <a:t>3x3Grid Decentralized</a:t>
+              <a:t>Decentralized</a:t>
             </a:r>
             <a:r>
               <a:rPr lang="ko-KR" altLang="en-US" dirty="0"/>
@@ -18867,7 +19853,7 @@
             </a:r>
             <a:r>
               <a:rPr lang="en-US" altLang="ko-KR" dirty="0"/>
-              <a:t>Restraints</a:t>
+              <a:t>Constraints</a:t>
             </a:r>
             <a:br>
               <a:rPr lang="en-US" altLang="ko-KR" dirty="0"/>
@@ -20169,7 +21155,12 @@
             <p:ph type="title"/>
           </p:nvPr>
         </p:nvSpPr>
-        <p:spPr/>
+        <p:spPr>
+          <a:xfrm>
+            <a:off x="677333" y="609600"/>
+            <a:ext cx="8827393" cy="1320800"/>
+          </a:xfrm>
+        </p:spPr>
         <p:txBody>
           <a:bodyPr>
             <a:normAutofit fontScale="90000"/>
@@ -20178,7 +21169,7 @@
           <a:p>
             <a:r>
               <a:rPr lang="en-US" altLang="ko-KR" dirty="0"/>
-              <a:t>3x3Grid Decentralized</a:t>
+              <a:t>Decentralized</a:t>
             </a:r>
             <a:r>
               <a:rPr lang="ko-KR" altLang="en-US" dirty="0"/>
@@ -20202,7 +21193,7 @@
             </a:r>
             <a:r>
               <a:rPr lang="en-US" altLang="ko-KR" dirty="0"/>
-              <a:t>Restraints</a:t>
+              <a:t>Constraints</a:t>
             </a:r>
             <a:br>
               <a:rPr lang="en-US" altLang="ko-KR" dirty="0"/>
@@ -26468,6 +27459,121 @@
           </a:graphicData>
         </a:graphic>
       </p:graphicFrame>
+      <p:sp>
+        <p:nvSpPr>
+          <p:cNvPr id="155" name="아래쪽 화살표 167">
+            <a:extLst>
+              <a:ext uri="{FF2B5EF4-FFF2-40B4-BE49-F238E27FC236}">
+                <a16:creationId xmlns:a16="http://schemas.microsoft.com/office/drawing/2014/main" id="{164DC918-C12D-47C0-A74C-859C1B0CF70C}"/>
+              </a:ext>
+            </a:extLst>
+          </p:cNvPr>
+          <p:cNvSpPr/>
+          <p:nvPr/>
+        </p:nvSpPr>
+        <p:spPr>
+          <a:xfrm rot="19258669">
+            <a:off x="5679972" y="5124146"/>
+            <a:ext cx="873664" cy="1091320"/>
+          </a:xfrm>
+          <a:prstGeom prst="downArrow">
+            <a:avLst>
+              <a:gd name="adj1" fmla="val 23446"/>
+              <a:gd name="adj2" fmla="val 50000"/>
+            </a:avLst>
+          </a:prstGeom>
+        </p:spPr>
+        <p:style>
+          <a:lnRef idx="2">
+            <a:schemeClr val="accent4">
+              <a:shade val="50000"/>
+            </a:schemeClr>
+          </a:lnRef>
+          <a:fillRef idx="1">
+            <a:schemeClr val="accent4"/>
+          </a:fillRef>
+          <a:effectRef idx="0">
+            <a:schemeClr val="accent4"/>
+          </a:effectRef>
+          <a:fontRef idx="minor">
+            <a:schemeClr val="lt1"/>
+          </a:fontRef>
+        </p:style>
+        <p:txBody>
+          <a:bodyPr rtlCol="0" anchor="ctr"/>
+          <a:lstStyle/>
+          <a:p>
+            <a:pPr algn="ctr"/>
+            <a:endParaRPr lang="ko-KR" altLang="en-US"/>
+          </a:p>
+        </p:txBody>
+      </p:sp>
+      <p:sp>
+        <p:nvSpPr>
+          <p:cNvPr id="156" name="직사각형 155">
+            <a:extLst>
+              <a:ext uri="{FF2B5EF4-FFF2-40B4-BE49-F238E27FC236}">
+                <a16:creationId xmlns:a16="http://schemas.microsoft.com/office/drawing/2014/main" id="{A61525FD-929E-4F60-ABF2-A0A2D9CD0881}"/>
+              </a:ext>
+            </a:extLst>
+          </p:cNvPr>
+          <p:cNvSpPr/>
+          <p:nvPr/>
+        </p:nvSpPr>
+        <p:spPr>
+          <a:xfrm>
+            <a:off x="5884670" y="6166508"/>
+            <a:ext cx="1428427" cy="432658"/>
+          </a:xfrm>
+          <a:prstGeom prst="rect">
+            <a:avLst/>
+          </a:prstGeom>
+          <a:solidFill>
+            <a:schemeClr val="bg1"/>
+          </a:solidFill>
+          <a:ln>
+            <a:solidFill>
+              <a:schemeClr val="tx1"/>
+            </a:solidFill>
+          </a:ln>
+        </p:spPr>
+        <p:style>
+          <a:lnRef idx="2">
+            <a:schemeClr val="accent1">
+              <a:shade val="50000"/>
+            </a:schemeClr>
+          </a:lnRef>
+          <a:fillRef idx="1">
+            <a:schemeClr val="accent1"/>
+          </a:fillRef>
+          <a:effectRef idx="0">
+            <a:schemeClr val="accent1"/>
+          </a:effectRef>
+          <a:fontRef idx="minor">
+            <a:schemeClr val="lt1"/>
+          </a:fontRef>
+        </p:style>
+        <p:txBody>
+          <a:bodyPr rtlCol="0" anchor="ctr"/>
+          <a:lstStyle/>
+          <a:p>
+            <a:pPr algn="ctr"/>
+            <a:r>
+              <a:rPr lang="en-US" altLang="ko-KR" sz="1400" dirty="0">
+                <a:solidFill>
+                  <a:schemeClr val="tx1"/>
+                </a:solidFill>
+              </a:rPr>
+              <a:t>Other Agents</a:t>
+            </a:r>
+            <a:endParaRPr lang="ko-KR" altLang="en-US" sz="1400" dirty="0">
+              <a:solidFill>
+                <a:schemeClr val="tx1"/>
+              </a:solidFill>
+            </a:endParaRPr>
+          </a:p>
+        </p:txBody>
+      </p:sp>
     </p:spTree>
     <p:extLst>
       <p:ext uri="{BB962C8B-B14F-4D97-AF65-F5344CB8AC3E}">
